--- a/images/intro/money.pptx
+++ b/images/intro/money.pptx
@@ -2,12 +2,14 @@
 <file path=ppt/presentation.xml><?xml version="1.0" encoding="utf-8"?>
 <p:presentation xmlns:a="http://schemas.openxmlformats.org/drawingml/2006/main" xmlns:r="http://schemas.openxmlformats.org/officeDocument/2006/relationships" xmlns:p="http://schemas.openxmlformats.org/presentationml/2006/main" saveSubsetFonts="1" autoCompressPictures="0">
   <p:sldMasterIdLst>
-    <p:sldMasterId id="2147483660" r:id="rId1"/>
+    <p:sldMasterId id="2147483672" r:id="rId1"/>
   </p:sldMasterIdLst>
   <p:sldIdLst>
     <p:sldId id="256" r:id="rId2"/>
+    <p:sldId id="257" r:id="rId3"/>
+    <p:sldId id="258" r:id="rId4"/>
   </p:sldIdLst>
-  <p:sldSz cx="12192000" cy="11887200"/>
+  <p:sldSz cx="12192000" cy="16367125"/>
   <p:notesSz cx="6858000" cy="9144000"/>
   <p:defaultTextStyle>
     <a:defPPr>
@@ -458,6 +460,249 @@
 </inkml:ink>
 </file>
 
+<file path=ppt/ink/ink21.xml><?xml version="1.0" encoding="utf-8"?>
+<inkml:ink xmlns:inkml="http://www.w3.org/2003/InkML">
+  <inkml:definitions>
+    <inkml:context xml:id="ctx0">
+      <inkml:inkSource xml:id="inkSrc0">
+        <inkml:traceFormat>
+          <inkml:channel name="X" type="integer" min="-2.14748E9" max="2.14748E9" units="cm"/>
+          <inkml:channel name="Y" type="integer" min="-2.14748E9" max="2.14748E9" units="cm"/>
+          <inkml:channel name="F" type="integer" max="32767" units="dev"/>
+        </inkml:traceFormat>
+        <inkml:channelProperties>
+          <inkml:channelProperty channel="X" name="resolution" value="1000" units="1/cm"/>
+          <inkml:channelProperty channel="Y" name="resolution" value="1000" units="1/cm"/>
+          <inkml:channelProperty channel="F" name="resolution" value="0" units="1/dev"/>
+        </inkml:channelProperties>
+      </inkml:inkSource>
+      <inkml:timestamp xml:id="ts0" timeString="2022-06-20T16:39:24.856"/>
+    </inkml:context>
+    <inkml:brush xml:id="br0">
+      <inkml:brushProperty name="width" value="0.1" units="cm"/>
+      <inkml:brushProperty name="height" value="0.1" units="cm"/>
+    </inkml:brush>
+  </inkml:definitions>
+  <inkml:trace contextRef="#ctx0" brushRef="#br0">2692 4035 24575,'-11'0'0,"-3"0"0,6 0 0,-6 0 0,1 0 0,-3 0 0,0 0 0,-1 0 0,1 0 0,4 0 0,-4 0 0,-1 0 0,4 0 0,-7 0 0,7 0 0,-3 0 0,0 0 0,0 0 0,-1 0 0,5 0 0,-3 0 0,2 0 0,-8 4 0,4-3 0,-9 11 0,4-10 0,-5 6 0,0-4 0,0-3 0,5 7 0,-3-3 0,2 3 0,1-3 0,-3 3 0,7-7 0,-8 7 0,9-3 0,-9 0 0,4 2 0,-5-6 0,0 7 0,5-7 0,-3 3 0,7 0 0,-7-3 0,7 2 0,-3-3 0,0 0 0,4 0 0,-4 0 0,4 0 0,1 0 0,4 0 0,-4 0 0,4 0 0,-4 0 0,-1 0 0,1 0 0,0 0 0,4 0 0,-4 0 0,-7-3 0,4 2 0,-7-6 0,5 2 0,3 1 0,-8-4 0,9 3 0,-9-4 0,-3-3 0,0 2 0,0-2 0,3 3 0,-1 0 0,-2 0 0,-3 0 0,5-4 0,0-1 0,1 0 0,-1-3 0,0 7 0,0-7 0,0 3 0,1-3 0,3 3 0,-2-3 0,3 4 0,-5-5 0,0 0 0,5 1 0,-4-1 0,9 5 0,-9-4 0,9 4 0,-9-4 0,-4-4 0,6 3 0,-4-3 0,7 8 0,4-2 0,-4 2 0,4-4 0,1 1 0,0 0 0,0-1 0,-1 1 0,1 0 0,0-1 0,3 1 0,-3 0 0,4-1 0,-5 5 0,5-4 0,-4 4 0,3-9 0,-3 3 0,2-3 0,-9-7 0,8 4 0,-7-10 0,6 7 0,2 5 0,1-4 0,0 4 0,0-4 0,4-1 0,-8 0 0,7 0 0,-3 5 0,0-4 0,4 4 0,-4 0 0,4-4 0,5 9 0,-4-9 0,3 9 0,0-4 0,-2 0 0,6 3 0,-7-19 0,3 16 0,0-16 0,-2 14 0,6 1 0,-7-3 0,7 7 0,-7-8 0,7 9 0,-3-9 0,4 9 0,0-9 0,0 9 0,0-9 0,0 4 0,-4-5 0,3-5 0,-3 4 0,0-4 0,3 5 0,-8-5 0,8 3 0,-3-3 0,0 5 0,3 5 0,-3-4 0,4 9 0,0-4 0,0 0 0,0 4 0,0-9 0,0 4 0,0-5 0,0-5 0,0 3 0,0-3 0,0 5 0,0 1 0,0 3 0,0-2 0,0 7 0,0-7 0,0 7 0,0-3 0,0 0 0,0 4 0,0-4 0,0 4 0,0-4 0,0 4 0,0-4 0,0 0 0,0 3 0,0-7 0,0 7 0,0-19 0,0 12 0,0-14 0,0 12 0,0 0 0,0 0 0,0 0 0,0 1 0,4-1 0,1 0 0,4 0 0,0 1 0,0-1 0,0 0 0,0-5 0,0 8 0,0-7 0,4 9 0,-4 0 0,4 1 0,-5 0 0,0 4 0,1-4 0,-1 8 0,0-2 0,-1 3 0,1-4 0,4-1 0,2-4 0,-2 4 0,4-4 0,-2 0 0,2 4 0,1-4 0,0 0 0,0 3 0,4-3 0,-3 4 0,3 0 0,-5 1 0,5 3 0,-7-3 0,6 7 0,-11-2 0,2 3 0,-4 1 0,1-1 0,-1 1 0,0-1 0,1-2 0,-1 2 0,1 0 0,-1 2 0,6 5 0,0-2 0,4-1 0,0-1 0,-1-6 0,0 2 0,1-3 0,4-1 0,-4 4 0,4-7 0,0 7 0,-4-7 0,9 3 0,-9 0 0,4-3 0,-4 7 0,-1-3 0,0 4 0,1-1 0,-5 2 0,3-1 0,-6 0 0,2 4 0,-4-3 0,5 3 0,-4-4 0,3 4 0,1-3 0,-4 3 0,3-4 0,1 0 0,-4 1 0,7 2 0,-6-1 0,6 1 0,-3-2 0,5-2 0,-5 2 0,3 2 0,-6-1 0,6 5 0,-3-6 0,1 3 0,2-1 0,-6 2 0,6-1 0,-7 4 0,7-8 0,-6 7 0,6-6 0,-7 6 0,8-6 0,-4 6 0,4-3 0,1 1 0,-1 2 0,0-6 0,1 6 0,6-6 0,-5 2 0,2-3 0,-5 4 0,-6-3 0,6 6 0,-7-5 0,7 5 0,-2-2 0,3 3 0,0 0 0,1 0 0,4 0 0,1 0 0,5-4 0,0 3 0,-1-3 0,1 0 0,0-1 0,0 0 0,0-3 0,-5 7 0,3-7 0,-2 7 0,-1-7 0,-1 8 0,-9-4 0,3 4 0,-6 0 0,2 0 0,-4 0 0,1 0 0,-1 0 0,0 0 0,5 0 0,5 0 0,0 0 0,9 0 0,-4 0 0,5 0 0,-5 0 0,4 0 0,-9 0 0,9 0 0,-9 0 0,4 0 0,-4 0 0,-1 0 0,0-4 0,1 3 0,-1-2 0,5 3 0,-4 0 0,4 0 0,-4 0 0,-1 0 0,5 0 0,-3-4 0,7 3 0,-7-2 0,13 3 0,-8 0 0,15 0 0,-10 0 0,10 0 0,-10 0 0,9 0 0,-8 0 0,3 0 0,0 0 0,-8 0 0,7-4 0,8 3 0,-8-3 0,13 4 0,-11 0 0,0 0 0,1 0 0,3 0 0,-3 0 0,0 0 0,3 4 0,-3 1 0,-1 5 0,5-1 0,-5 1 0,6 4 0,0-3 0,0 7 0,0-7 0,-5 7 0,4-8 0,-10 7 0,9-6 0,-8 6 0,8-2 0,-9-1 0,5 4 0,-7-8 0,1 6 0,0-6 0,0 7 0,5-2 0,-4 3 0,10 1 0,-10-1 0,10 2 0,-10-2 0,5 5 0,0-3 0,-3 8 0,3-3 0,-3 4 0,-1 1 0,-5-2 0,4 1 0,-8 3 0,4 3 0,-5 4 0,10 23 0,-7-17 0,7 17 0,-14-23 0,-2-5 0,1 3 0,-3-8 0,2 3 0,-4-5 0,0 5 0,0-4 0,1 4 0,-1 1 0,0 0 0,6 6 0,-5 0 0,4 0 0,-4 0 0,0 0 0,-1-6 0,-3-1 0,2 1 0,-3-5 0,0 4 0,8 12 0,-11-13 0,6 14 0,-4-13 0,-3-4 0,4 4 0,-5 1 0,0-5 0,0 4 0,0-5 0,0 0 0,0 0 0,4-1 0,-3 7 0,3-5 0,-4 9 0,0-8 0,0 8 0,0-9 0,0 10 0,0-5 0,0 1 0,0 10 0,0-14 0,0 9 0,0-13 0,0-3 0,0 2 0,0-3 0,0 5 0,0 0 0,0 5 0,0-4 0,-4 5 0,3-1 0,-7-4 0,7 10 0,-8-5 0,8 6 0,-7-5 0,7 3 0,-7-3 0,2 5 0,-3-5 0,0-2 0,0-5 0,-4 11 0,3-8 0,-6 4 0,5-3 0,-1-12 0,7 12 0,-2-9 0,2 5 0,-4 0 0,0 0 0,0 0 0,0-5 0,0 4 0,1-9 0,-4 4 0,-1-8 0,-3 2 0,0-6 0,-1 3 0,1-4 0,0 0 0,4 0 0,-4 0 0,8 0 0,0 5 0,1-4 0,7 7 0,-11-3 0,6 3 0,-11 0 0,7-3 0,-6 2 0,7-7 0,-4 8 0,1-8 0,2 4 0,-2-4 0,3-1 0,-3-3 0,3 3 0,-8-7 0,8 7 0,-7-3 0,6 1 0,-6 2 0,3-6 0,-1 6 0,-2-3 0,7 4 0,-8-4 0,8 3 0,-3-3 0,-1 3 0,4 1 0,-4-1 0,5 1 0,-4 0 0,2-1 0,-2 1 0,0-4 0,2 2 0,-2-2 0,0 1 0,2-2 0,-2 0 0,4-2 0,-1 2 0,1 0 0,0-2 0,-1 3 0,1-4 0,-1 3 0,-3-2 0,3 5 0,-4-2 0,1 0 0,3 3 0,-8-3 0,8 4 0,-7 0 0,-1-1 0,3 1 0,-2-1 0,4 1 0,3-4 0,-4 3 0,1-6 0,3 6 0,-8-3 0,4 0 0,0 3 0,-4-2 0,4-1 0,0 3 0,-4-7 0,11 7 0,-9-6 0,9 2 0,-7 0 0,5-2 0,-4 6 0,-2-6 0,1 3 0,1-1 0,-8 1 0,9 1 0,-13-2 0,11 1 0,0-3 0,-4 2 0,4-3 0,0 4 0,-4-4 0,4 4 0,-4-4 0,-1 0 0,1 3 0,0-2 0,-1 3 0,1-4 0,4 0 0,-4 0 0,8 0 0,-7 0 0,2 0 0,1 0 0,-11 0 0,9 0 0,-9 3 0,2-2 0,3 3 0,-3 0 0,0-4 0,4 4 0,-4-4 0,9 3 0,0-2 0,5 2 0,-1-3 0,1 0 0,0 0 0,0 0 0,0 0 0,0 0 0,-5 0 0,4 0 0,-3 0 0,3 0 0,1 0 0,0 0 0,0 0 0,0 0 0,1 0 0,-2 0 0,1 0 0,0-3 0,0 3 0,-5-7 0,0 6 0,-4-6 0,3 3 0,2-1 0,4 2 0,-1 0 0,1 2 0,0-3 0,2 4 0,2 0 0</inkml:trace>
+</inkml:ink>
+</file>
+
+<file path=ppt/ink/ink22.xml><?xml version="1.0" encoding="utf-8"?>
+<inkml:ink xmlns:inkml="http://www.w3.org/2003/InkML">
+  <inkml:definitions>
+    <inkml:context xml:id="ctx0">
+      <inkml:inkSource xml:id="inkSrc0">
+        <inkml:traceFormat>
+          <inkml:channel name="X" type="integer" min="-2.14748E9" max="2.14748E9" units="cm"/>
+          <inkml:channel name="Y" type="integer" min="-2.14748E9" max="2.14748E9" units="cm"/>
+          <inkml:channel name="F" type="integer" max="32767" units="dev"/>
+        </inkml:traceFormat>
+        <inkml:channelProperties>
+          <inkml:channelProperty channel="X" name="resolution" value="1000" units="1/cm"/>
+          <inkml:channelProperty channel="Y" name="resolution" value="1000" units="1/cm"/>
+          <inkml:channelProperty channel="F" name="resolution" value="0" units="1/dev"/>
+        </inkml:channelProperties>
+      </inkml:inkSource>
+      <inkml:timestamp xml:id="ts0" timeString="2022-06-20T16:39:24.857"/>
+    </inkml:context>
+    <inkml:brush xml:id="br0">
+      <inkml:brushProperty name="width" value="0.1" units="cm"/>
+      <inkml:brushProperty name="height" value="0.1" units="cm"/>
+    </inkml:brush>
+  </inkml:definitions>
+  <inkml:trace contextRef="#ctx0" brushRef="#br0">2692 4035 24575,'-11'0'0,"-3"0"0,6 0 0,-6 0 0,1 0 0,-3 0 0,0 0 0,-1 0 0,1 0 0,4 0 0,-4 0 0,-1 0 0,4 0 0,-7 0 0,7 0 0,-3 0 0,0 0 0,0 0 0,-1 0 0,5 0 0,-3 0 0,2 0 0,-8 4 0,4-3 0,-9 11 0,4-10 0,-5 6 0,0-4 0,0-3 0,5 7 0,-3-3 0,2 3 0,1-3 0,-3 3 0,7-7 0,-8 7 0,9-3 0,-9 0 0,4 2 0,-5-6 0,0 7 0,5-7 0,-3 3 0,7 0 0,-7-3 0,7 2 0,-3-3 0,0 0 0,4 0 0,-4 0 0,4 0 0,1 0 0,4 0 0,-4 0 0,4 0 0,-4 0 0,-1 0 0,1 0 0,0 0 0,4 0 0,-4 0 0,-7-3 0,4 2 0,-7-6 0,5 2 0,3 1 0,-8-4 0,9 3 0,-9-4 0,-3-3 0,0 2 0,0-2 0,3 3 0,-1 0 0,-2 0 0,-3 0 0,5-4 0,0-1 0,1 0 0,-1-3 0,0 7 0,0-7 0,0 3 0,1-3 0,3 3 0,-2-3 0,3 4 0,-5-5 0,0 0 0,5 1 0,-4-1 0,9 5 0,-9-4 0,9 4 0,-9-4 0,-4-4 0,6 3 0,-4-3 0,7 8 0,4-2 0,-4 2 0,4-4 0,1 1 0,0 0 0,0-1 0,-1 1 0,1 0 0,0-1 0,3 1 0,-3 0 0,4-1 0,-5 5 0,5-4 0,-4 4 0,3-9 0,-3 3 0,2-3 0,-9-7 0,8 4 0,-7-10 0,6 7 0,2 5 0,1-4 0,0 4 0,0-4 0,4-1 0,-8 0 0,7 0 0,-3 5 0,0-4 0,4 4 0,-4 0 0,4-4 0,5 9 0,-4-9 0,3 9 0,0-4 0,-2 0 0,6 3 0,-7-19 0,3 16 0,0-16 0,-2 14 0,6 1 0,-7-3 0,7 7 0,-7-8 0,7 9 0,-3-9 0,4 9 0,0-9 0,0 9 0,0-9 0,0 4 0,-4-5 0,3-5 0,-3 4 0,0-4 0,3 5 0,-8-5 0,8 3 0,-3-3 0,0 5 0,3 5 0,-3-4 0,4 9 0,0-4 0,0 0 0,0 4 0,0-9 0,0 4 0,0-5 0,0-5 0,0 3 0,0-3 0,0 5 0,0 1 0,0 3 0,0-2 0,0 7 0,0-7 0,0 7 0,0-3 0,0 0 0,0 4 0,0-4 0,0 4 0,0-4 0,0 4 0,0-4 0,0 0 0,0 3 0,0-7 0,0 7 0,0-19 0,0 12 0,0-14 0,0 12 0,0 0 0,0 0 0,0 0 0,0 1 0,4-1 0,1 0 0,4 0 0,0 1 0,0-1 0,0 0 0,0-5 0,0 8 0,0-7 0,4 9 0,-4 0 0,4 1 0,-5 0 0,0 4 0,1-4 0,-1 8 0,0-2 0,-1 3 0,1-4 0,4-1 0,2-4 0,-2 4 0,4-4 0,-2 0 0,2 4 0,1-4 0,0 0 0,0 3 0,4-3 0,-3 4 0,3 0 0,-5 1 0,5 3 0,-7-3 0,6 7 0,-11-2 0,2 3 0,-4 1 0,1-1 0,-1 1 0,0-1 0,1-2 0,-1 2 0,1 0 0,-1 2 0,6 5 0,0-2 0,4-1 0,0-1 0,-1-6 0,0 2 0,1-3 0,4-1 0,-4 4 0,4-7 0,0 7 0,-4-7 0,9 3 0,-9 0 0,4-3 0,-4 7 0,-1-3 0,0 4 0,1-1 0,-5 2 0,3-1 0,-6 0 0,2 4 0,-4-3 0,5 3 0,-4-4 0,3 4 0,1-3 0,-4 3 0,3-4 0,1 0 0,-4 1 0,7 2 0,-6-1 0,6 1 0,-3-2 0,5-2 0,-5 2 0,3 2 0,-6-1 0,6 5 0,-3-6 0,1 3 0,2-1 0,-6 2 0,6-1 0,-7 4 0,7-8 0,-6 7 0,6-6 0,-7 6 0,8-6 0,-4 6 0,4-3 0,1 1 0,-1 2 0,0-6 0,1 6 0,6-6 0,-5 2 0,2-3 0,-5 4 0,-6-3 0,6 6 0,-7-5 0,7 5 0,-2-2 0,3 3 0,0 0 0,1 0 0,4 0 0,1 0 0,5-4 0,0 3 0,-1-3 0,1 0 0,0-1 0,0 0 0,0-3 0,-5 7 0,3-7 0,-2 7 0,-1-7 0,-1 8 0,-9-4 0,3 4 0,-6 0 0,2 0 0,-4 0 0,1 0 0,-1 0 0,0 0 0,5 0 0,5 0 0,0 0 0,9 0 0,-4 0 0,5 0 0,-5 0 0,4 0 0,-9 0 0,9 0 0,-9 0 0,4 0 0,-4 0 0,-1 0 0,0-4 0,1 3 0,-1-2 0,5 3 0,-4 0 0,4 0 0,-4 0 0,-1 0 0,5 0 0,-3-4 0,7 3 0,-7-2 0,13 3 0,-8 0 0,15 0 0,-10 0 0,10 0 0,-10 0 0,9 0 0,-8 0 0,3 0 0,0 0 0,-8 0 0,7-4 0,8 3 0,-8-3 0,13 4 0,-11 0 0,0 0 0,1 0 0,3 0 0,-3 0 0,0 0 0,3 4 0,-3 1 0,-1 5 0,5-1 0,-5 1 0,6 4 0,0-3 0,0 7 0,0-7 0,-5 7 0,4-8 0,-10 7 0,9-6 0,-8 6 0,8-2 0,-9-1 0,5 4 0,-7-8 0,1 6 0,0-6 0,0 7 0,5-2 0,-4 3 0,10 1 0,-10-1 0,10 2 0,-10-2 0,5 5 0,0-3 0,-3 8 0,3-3 0,-3 4 0,-1 1 0,-5-2 0,4 1 0,-8 3 0,4 3 0,-5 4 0,10 23 0,-7-17 0,7 17 0,-14-23 0,-2-5 0,1 3 0,-3-8 0,2 3 0,-4-5 0,0 5 0,0-4 0,1 4 0,-1 1 0,0 0 0,6 6 0,-5 0 0,4 0 0,-4 0 0,0 0 0,-1-6 0,-3-1 0,2 1 0,-3-5 0,0 4 0,8 12 0,-11-13 0,6 14 0,-4-13 0,-3-4 0,4 4 0,-5 1 0,0-5 0,0 4 0,0-5 0,0 0 0,0 0 0,4-1 0,-3 7 0,3-5 0,-4 9 0,0-8 0,0 8 0,0-9 0,0 10 0,0-5 0,0 1 0,0 10 0,0-14 0,0 9 0,0-13 0,0-3 0,0 2 0,0-3 0,0 5 0,0 0 0,0 5 0,0-4 0,-4 5 0,3-1 0,-7-4 0,7 10 0,-8-5 0,8 6 0,-7-5 0,7 3 0,-7-3 0,2 5 0,-3-5 0,0-2 0,0-5 0,-4 11 0,3-8 0,-6 4 0,5-3 0,-1-12 0,7 12 0,-2-9 0,2 5 0,-4 0 0,0 0 0,0 0 0,0-5 0,0 4 0,1-9 0,-4 4 0,-1-8 0,-3 2 0,0-6 0,-1 3 0,1-4 0,0 0 0,4 0 0,-4 0 0,8 0 0,0 5 0,1-4 0,7 7 0,-11-3 0,6 3 0,-11 0 0,7-3 0,-6 2 0,7-7 0,-4 8 0,1-8 0,2 4 0,-2-4 0,3-1 0,-3-3 0,3 3 0,-8-7 0,8 7 0,-7-3 0,6 1 0,-6 2 0,3-6 0,-1 6 0,-2-3 0,7 4 0,-8-4 0,8 3 0,-3-3 0,-1 3 0,4 1 0,-4-1 0,5 1 0,-4 0 0,2-1 0,-2 1 0,0-4 0,2 2 0,-2-2 0,0 1 0,2-2 0,-2 0 0,4-2 0,-1 2 0,1 0 0,0-2 0,-1 3 0,1-4 0,-1 3 0,-3-2 0,3 5 0,-4-2 0,1 0 0,3 3 0,-8-3 0,8 4 0,-7 0 0,-1-1 0,3 1 0,-2-1 0,4 1 0,3-4 0,-4 3 0,1-6 0,3 6 0,-8-3 0,4 0 0,0 3 0,-4-2 0,4-1 0,0 3 0,-4-7 0,11 7 0,-9-6 0,9 2 0,-7 0 0,5-2 0,-4 6 0,-2-6 0,1 3 0,1-1 0,-8 1 0,9 1 0,-13-2 0,11 1 0,0-3 0,-4 2 0,4-3 0,0 4 0,-4-4 0,4 4 0,-4-4 0,-1 0 0,1 3 0,0-2 0,-1 3 0,1-4 0,4 0 0,-4 0 0,8 0 0,-7 0 0,2 0 0,1 0 0,-11 0 0,9 0 0,-9 3 0,2-2 0,3 3 0,-3 0 0,0-4 0,4 4 0,-4-4 0,9 3 0,0-2 0,5 2 0,-1-3 0,1 0 0,0 0 0,0 0 0,0 0 0,0 0 0,-5 0 0,4 0 0,-3 0 0,3 0 0,1 0 0,0 0 0,0 0 0,0 0 0,1 0 0,-2 0 0,1 0 0,0-3 0,0 3 0,-5-7 0,0 6 0,-4-6 0,3 3 0,2-1 0,4 2 0,-1 0 0,1 2 0,0-3 0,2 4 0,2 0 0</inkml:trace>
+</inkml:ink>
+</file>
+
+<file path=ppt/ink/ink23.xml><?xml version="1.0" encoding="utf-8"?>
+<inkml:ink xmlns:inkml="http://www.w3.org/2003/InkML">
+  <inkml:definitions>
+    <inkml:context xml:id="ctx0">
+      <inkml:inkSource xml:id="inkSrc0">
+        <inkml:traceFormat>
+          <inkml:channel name="X" type="integer" min="-2.14748E9" max="2.14748E9" units="cm"/>
+          <inkml:channel name="Y" type="integer" min="-2.14748E9" max="2.14748E9" units="cm"/>
+          <inkml:channel name="F" type="integer" max="32767" units="dev"/>
+        </inkml:traceFormat>
+        <inkml:channelProperties>
+          <inkml:channelProperty channel="X" name="resolution" value="1000" units="1/cm"/>
+          <inkml:channelProperty channel="Y" name="resolution" value="1000" units="1/cm"/>
+          <inkml:channelProperty channel="F" name="resolution" value="0" units="1/dev"/>
+        </inkml:channelProperties>
+      </inkml:inkSource>
+      <inkml:timestamp xml:id="ts0" timeString="2022-06-20T16:39:24.859"/>
+    </inkml:context>
+    <inkml:brush xml:id="br0">
+      <inkml:brushProperty name="width" value="0.1" units="cm"/>
+      <inkml:brushProperty name="height" value="0.1" units="cm"/>
+    </inkml:brush>
+  </inkml:definitions>
+  <inkml:trace contextRef="#ctx0" brushRef="#br0">2692 4035 24575,'-11'0'0,"-3"0"0,6 0 0,-6 0 0,1 0 0,-3 0 0,0 0 0,-1 0 0,1 0 0,4 0 0,-4 0 0,-1 0 0,4 0 0,-7 0 0,7 0 0,-3 0 0,0 0 0,0 0 0,-1 0 0,5 0 0,-3 0 0,2 0 0,-8 4 0,4-3 0,-9 11 0,4-10 0,-5 6 0,0-4 0,0-3 0,5 7 0,-3-3 0,2 3 0,1-3 0,-3 3 0,7-7 0,-8 7 0,9-3 0,-9 0 0,4 2 0,-5-6 0,0 7 0,5-7 0,-3 3 0,7 0 0,-7-3 0,7 2 0,-3-3 0,0 0 0,4 0 0,-4 0 0,4 0 0,1 0 0,4 0 0,-4 0 0,4 0 0,-4 0 0,-1 0 0,1 0 0,0 0 0,4 0 0,-4 0 0,-7-3 0,4 2 0,-7-6 0,5 2 0,3 1 0,-8-4 0,9 3 0,-9-4 0,-3-3 0,0 2 0,0-2 0,3 3 0,-1 0 0,-2 0 0,-3 0 0,5-4 0,0-1 0,1 0 0,-1-3 0,0 7 0,0-7 0,0 3 0,1-3 0,3 3 0,-2-3 0,3 4 0,-5-5 0,0 0 0,5 1 0,-4-1 0,9 5 0,-9-4 0,9 4 0,-9-4 0,-4-4 0,6 3 0,-4-3 0,7 8 0,4-2 0,-4 2 0,4-4 0,1 1 0,0 0 0,0-1 0,-1 1 0,1 0 0,0-1 0,3 1 0,-3 0 0,4-1 0,-5 5 0,5-4 0,-4 4 0,3-9 0,-3 3 0,2-3 0,-9-7 0,8 4 0,-7-10 0,6 7 0,2 5 0,1-4 0,0 4 0,0-4 0,4-1 0,-8 0 0,7 0 0,-3 5 0,0-4 0,4 4 0,-4 0 0,4-4 0,5 9 0,-4-9 0,3 9 0,0-4 0,-2 0 0,6 3 0,-7-19 0,3 16 0,0-16 0,-2 14 0,6 1 0,-7-3 0,7 7 0,-7-8 0,7 9 0,-3-9 0,4 9 0,0-9 0,0 9 0,0-9 0,0 4 0,-4-5 0,3-5 0,-3 4 0,0-4 0,3 5 0,-8-5 0,8 3 0,-3-3 0,0 5 0,3 5 0,-3-4 0,4 9 0,0-4 0,0 0 0,0 4 0,0-9 0,0 4 0,0-5 0,0-5 0,0 3 0,0-3 0,0 5 0,0 1 0,0 3 0,0-2 0,0 7 0,0-7 0,0 7 0,0-3 0,0 0 0,0 4 0,0-4 0,0 4 0,0-4 0,0 4 0,0-4 0,0 0 0,0 3 0,0-7 0,0 7 0,0-19 0,0 12 0,0-14 0,0 12 0,0 0 0,0 0 0,0 0 0,0 1 0,4-1 0,1 0 0,4 0 0,0 1 0,0-1 0,0 0 0,0-5 0,0 8 0,0-7 0,4 9 0,-4 0 0,4 1 0,-5 0 0,0 4 0,1-4 0,-1 8 0,0-2 0,-1 3 0,1-4 0,4-1 0,2-4 0,-2 4 0,4-4 0,-2 0 0,2 4 0,1-4 0,0 0 0,0 3 0,4-3 0,-3 4 0,3 0 0,-5 1 0,5 3 0,-7-3 0,6 7 0,-11-2 0,2 3 0,-4 1 0,1-1 0,-1 1 0,0-1 0,1-2 0,-1 2 0,1 0 0,-1 2 0,6 5 0,0-2 0,4-1 0,0-1 0,-1-6 0,0 2 0,1-3 0,4-1 0,-4 4 0,4-7 0,0 7 0,-4-7 0,9 3 0,-9 0 0,4-3 0,-4 7 0,-1-3 0,0 4 0,1-1 0,-5 2 0,3-1 0,-6 0 0,2 4 0,-4-3 0,5 3 0,-4-4 0,3 4 0,1-3 0,-4 3 0,3-4 0,1 0 0,-4 1 0,7 2 0,-6-1 0,6 1 0,-3-2 0,5-2 0,-5 2 0,3 2 0,-6-1 0,6 5 0,-3-6 0,1 3 0,2-1 0,-6 2 0,6-1 0,-7 4 0,7-8 0,-6 7 0,6-6 0,-7 6 0,8-6 0,-4 6 0,4-3 0,1 1 0,-1 2 0,0-6 0,1 6 0,6-6 0,-5 2 0,2-3 0,-5 4 0,-6-3 0,6 6 0,-7-5 0,7 5 0,-2-2 0,3 3 0,0 0 0,1 0 0,4 0 0,1 0 0,5-4 0,0 3 0,-1-3 0,1 0 0,0-1 0,0 0 0,0-3 0,-5 7 0,3-7 0,-2 7 0,-1-7 0,-1 8 0,-9-4 0,3 4 0,-6 0 0,2 0 0,-4 0 0,1 0 0,-1 0 0,0 0 0,5 0 0,5 0 0,0 0 0,9 0 0,-4 0 0,5 0 0,-5 0 0,4 0 0,-9 0 0,9 0 0,-9 0 0,4 0 0,-4 0 0,-1 0 0,0-4 0,1 3 0,-1-2 0,5 3 0,-4 0 0,4 0 0,-4 0 0,-1 0 0,5 0 0,-3-4 0,7 3 0,-7-2 0,13 3 0,-8 0 0,15 0 0,-10 0 0,10 0 0,-10 0 0,9 0 0,-8 0 0,3 0 0,0 0 0,-8 0 0,7-4 0,8 3 0,-8-3 0,13 4 0,-11 0 0,0 0 0,1 0 0,3 0 0,-3 0 0,0 0 0,3 4 0,-3 1 0,-1 5 0,5-1 0,-5 1 0,6 4 0,0-3 0,0 7 0,0-7 0,-5 7 0,4-8 0,-10 7 0,9-6 0,-8 6 0,8-2 0,-9-1 0,5 4 0,-7-8 0,1 6 0,0-6 0,0 7 0,5-2 0,-4 3 0,10 1 0,-10-1 0,10 2 0,-10-2 0,5 5 0,0-3 0,-3 8 0,3-3 0,-3 4 0,-1 1 0,-5-2 0,4 1 0,-8 3 0,4 3 0,-5 4 0,10 23 0,-7-17 0,7 17 0,-14-23 0,-2-5 0,1 3 0,-3-8 0,2 3 0,-4-5 0,0 5 0,0-4 0,1 4 0,-1 1 0,0 0 0,6 6 0,-5 0 0,4 0 0,-4 0 0,0 0 0,-1-6 0,-3-1 0,2 1 0,-3-5 0,0 4 0,8 12 0,-11-13 0,6 14 0,-4-13 0,-3-4 0,4 4 0,-5 1 0,0-5 0,0 4 0,0-5 0,0 0 0,0 0 0,4-1 0,-3 7 0,3-5 0,-4 9 0,0-8 0,0 8 0,0-9 0,0 10 0,0-5 0,0 1 0,0 10 0,0-14 0,0 9 0,0-13 0,0-3 0,0 2 0,0-3 0,0 5 0,0 0 0,0 5 0,0-4 0,-4 5 0,3-1 0,-7-4 0,7 10 0,-8-5 0,8 6 0,-7-5 0,7 3 0,-7-3 0,2 5 0,-3-5 0,0-2 0,0-5 0,-4 11 0,3-8 0,-6 4 0,5-3 0,-1-12 0,7 12 0,-2-9 0,2 5 0,-4 0 0,0 0 0,0 0 0,0-5 0,0 4 0,1-9 0,-4 4 0,-1-8 0,-3 2 0,0-6 0,-1 3 0,1-4 0,0 0 0,4 0 0,-4 0 0,8 0 0,0 5 0,1-4 0,7 7 0,-11-3 0,6 3 0,-11 0 0,7-3 0,-6 2 0,7-7 0,-4 8 0,1-8 0,2 4 0,-2-4 0,3-1 0,-3-3 0,3 3 0,-8-7 0,8 7 0,-7-3 0,6 1 0,-6 2 0,3-6 0,-1 6 0,-2-3 0,7 4 0,-8-4 0,8 3 0,-3-3 0,-1 3 0,4 1 0,-4-1 0,5 1 0,-4 0 0,2-1 0,-2 1 0,0-4 0,2 2 0,-2-2 0,0 1 0,2-2 0,-2 0 0,4-2 0,-1 2 0,1 0 0,0-2 0,-1 3 0,1-4 0,-1 3 0,-3-2 0,3 5 0,-4-2 0,1 0 0,3 3 0,-8-3 0,8 4 0,-7 0 0,-1-1 0,3 1 0,-2-1 0,4 1 0,3-4 0,-4 3 0,1-6 0,3 6 0,-8-3 0,4 0 0,0 3 0,-4-2 0,4-1 0,0 3 0,-4-7 0,11 7 0,-9-6 0,9 2 0,-7 0 0,5-2 0,-4 6 0,-2-6 0,1 3 0,1-1 0,-8 1 0,9 1 0,-13-2 0,11 1 0,0-3 0,-4 2 0,4-3 0,0 4 0,-4-4 0,4 4 0,-4-4 0,-1 0 0,1 3 0,0-2 0,-1 3 0,1-4 0,4 0 0,-4 0 0,8 0 0,-7 0 0,2 0 0,1 0 0,-11 0 0,9 0 0,-9 3 0,2-2 0,3 3 0,-3 0 0,0-4 0,4 4 0,-4-4 0,9 3 0,0-2 0,5 2 0,-1-3 0,1 0 0,0 0 0,0 0 0,0 0 0,0 0 0,-5 0 0,4 0 0,-3 0 0,3 0 0,1 0 0,0 0 0,0 0 0,0 0 0,1 0 0,-2 0 0,1 0 0,0-3 0,0 3 0,-5-7 0,0 6 0,-4-6 0,3 3 0,2-1 0,4 2 0,-1 0 0,1 2 0,0-3 0,2 4 0,2 0 0</inkml:trace>
+</inkml:ink>
+</file>
+
+<file path=ppt/ink/ink24.xml><?xml version="1.0" encoding="utf-8"?>
+<inkml:ink xmlns:inkml="http://www.w3.org/2003/InkML">
+  <inkml:definitions>
+    <inkml:context xml:id="ctx0">
+      <inkml:inkSource xml:id="inkSrc0">
+        <inkml:traceFormat>
+          <inkml:channel name="X" type="integer" min="-2.14748E9" max="2.14748E9" units="cm"/>
+          <inkml:channel name="Y" type="integer" min="-2.14748E9" max="2.14748E9" units="cm"/>
+          <inkml:channel name="F" type="integer" max="32767" units="dev"/>
+        </inkml:traceFormat>
+        <inkml:channelProperties>
+          <inkml:channelProperty channel="X" name="resolution" value="1000" units="1/cm"/>
+          <inkml:channelProperty channel="Y" name="resolution" value="1000" units="1/cm"/>
+          <inkml:channelProperty channel="F" name="resolution" value="0" units="1/dev"/>
+        </inkml:channelProperties>
+      </inkml:inkSource>
+      <inkml:timestamp xml:id="ts0" timeString="2022-06-20T16:42:04.669"/>
+    </inkml:context>
+    <inkml:brush xml:id="br0">
+      <inkml:brushProperty name="width" value="0.1" units="cm"/>
+      <inkml:brushProperty name="height" value="0.1" units="cm"/>
+    </inkml:brush>
+  </inkml:definitions>
+  <inkml:trace contextRef="#ctx0" brushRef="#br0">1778 0 24575,'0'21'0,"-7"1"0,-1 8 0,-14 0 0,5 1 0,-22 9 0,19-7 0,-43 32 0,23-18 0,-26 11 0,13-6 0,10-9 0,-7 2 0,16-6 0,-5-8 0,9 0 0,7-8 0,2-2 0,7-8 0,1 1 0,-2 7 0,2-6 0,-2 6 0,-6 1 0,5 0 0,-5 1 0,7-2 0,-1 0 0,7-5 0,-4 5 0,10-7 0,-10-1 0,5 0 0,-6 0 0,-1 1 0,0 7 0,0 2 0,-1 7 0,-7 0 0,5 0 0,-4-7 0,-1 6 0,7-14 0,-7 14 0,1-13 0,-3 6 0,1-8 0,2 0 0,8 0 0,-1 0 0,0-7 0,1 5 0,-8-4 0,6 0 0,-12 5 0,4-5 0,-7 7 0,-1 1 0,1-1 0,7-1 0,-5 1 0,13-1 0,-6 0 0,13-1 0,-4-5 0,10 4 0,-9-5 0,3 7 0,-5-1 0,-1 1 0,0 0 0,0 7 0,0-6 0,0 6 0,6 0 0,-4-5 0,5 5 0,-1-8 0,-4 1 0,10-1 0,-10-5 0,11 3 0,-11-9 0,5 3 0,0 1 0,-9 1 0,8 5 0,-5 1 0,8 0 0,-1-5 0,4 4 0,-4-5 0,1 0 0,3 4 0,-9-9 0,3 10 0,-5-5 0,0 1 0,5 4 0,3-16 0,5 3 0,0-12 0,0-8 0,0-1 0,0-8 0,0-9 0,0 6 0,0-14 0,0 6 0,0-9 0,0 9 0,0-7 0,0 16 0,0-16 0,0 16 0,-14-7 0,11 16 0,-10-6 0,6 7 0,5-9 0,-11 1 0,11 7 0,-5-5 0,1 5 0,4 0 0,-5 2 0,7 7 0,0 1 0,0-1 0,0 0 0,0 7 0,0 1 0</inkml:trace>
+</inkml:ink>
+</file>
+
+<file path=ppt/ink/ink25.xml><?xml version="1.0" encoding="utf-8"?>
+<inkml:ink xmlns:inkml="http://www.w3.org/2003/InkML">
+  <inkml:definitions>
+    <inkml:context xml:id="ctx0">
+      <inkml:inkSource xml:id="inkSrc0">
+        <inkml:traceFormat>
+          <inkml:channel name="X" type="integer" min="-2.14748E9" max="2.14748E9" units="cm"/>
+          <inkml:channel name="Y" type="integer" min="-2.14748E9" max="2.14748E9" units="cm"/>
+          <inkml:channel name="F" type="integer" max="32767" units="dev"/>
+        </inkml:traceFormat>
+        <inkml:channelProperties>
+          <inkml:channelProperty channel="X" name="resolution" value="1000" units="1/cm"/>
+          <inkml:channelProperty channel="Y" name="resolution" value="1000" units="1/cm"/>
+          <inkml:channelProperty channel="F" name="resolution" value="0" units="1/dev"/>
+        </inkml:channelProperties>
+      </inkml:inkSource>
+      <inkml:timestamp xml:id="ts0" timeString="2022-06-20T16:42:14.565"/>
+    </inkml:context>
+    <inkml:brush xml:id="br0">
+      <inkml:brushProperty name="width" value="0.1" units="cm"/>
+      <inkml:brushProperty name="height" value="0.1" units="cm"/>
+    </inkml:brush>
+  </inkml:definitions>
+  <inkml:trace contextRef="#ctx0" brushRef="#br0">1 264 24575,'13'0'0,"7"0"0,3 0 0,0 0 0,14 0 0,-12-6 0,23-4 0,-7-13 0,9 5 0,9-7 0,-6 8 0,16-1 0,-16 2 0,16-2 0,-16 1 0,6 0 0,-9 0 0,0 8 0,-9-5 0,-2 12 0,0-12 0,-14 12 0,12-5 0,-22 7 0,6-6 0,-7 5 0,-1-6 0,-5 7 0,-2 0 0</inkml:trace>
+</inkml:ink>
+</file>
+
+<file path=ppt/ink/ink26.xml><?xml version="1.0" encoding="utf-8"?>
+<inkml:ink xmlns:inkml="http://www.w3.org/2003/InkML">
+  <inkml:definitions>
+    <inkml:context xml:id="ctx0">
+      <inkml:inkSource xml:id="inkSrc0">
+        <inkml:traceFormat>
+          <inkml:channel name="X" type="integer" min="-2.14748E9" max="2.14748E9" units="cm"/>
+          <inkml:channel name="Y" type="integer" min="-2.14748E9" max="2.14748E9" units="cm"/>
+          <inkml:channel name="F" type="integer" max="32767" units="dev"/>
+        </inkml:traceFormat>
+        <inkml:channelProperties>
+          <inkml:channelProperty channel="X" name="resolution" value="1000" units="1/cm"/>
+          <inkml:channelProperty channel="Y" name="resolution" value="1000" units="1/cm"/>
+          <inkml:channelProperty channel="F" name="resolution" value="0" units="1/dev"/>
+        </inkml:channelProperties>
+      </inkml:inkSource>
+      <inkml:timestamp xml:id="ts0" timeString="2022-06-20T16:42:28.470"/>
+    </inkml:context>
+    <inkml:brush xml:id="br0">
+      <inkml:brushProperty name="width" value="0.1" units="cm"/>
+      <inkml:brushProperty name="height" value="0.1" units="cm"/>
+    </inkml:brush>
+  </inkml:definitions>
+  <inkml:trace contextRef="#ctx0" brushRef="#br0">1 0 24575,'28'29'0,"9"-3"0,18 26 0,-18-25 0,25 36 0,-12-2-1067,9 9 1067,-18-20 0,-1 0 0,9 18 0,-15-24 0,0 1 0,23 31 0,-21-31 0,0 0 0,23 23 0,-21-24 0,0-1 0,9 12 261,18 10-261,-21-22 0,-10-2 0,-6-17 0,-11-3 0,4-7 806,0 1-806,-6-2 0,6-4 0,0 3 0,-5-4 0,5 0 0,-8 5 0,1-12 0,0 11 0,-1-4 0,1-1 0,0-1 0,-1-6 0,-5 7 0,4-6 0,-5 11 0,14-4 0,-5 6 0,12 1 0,-5 0 0,7 0 0,-7-1 0,5 1 0,-11 6 0,4-4 0,0 4 0,2 0 0,0-4 0,6 4 0,-13 1 0,12-6 0,-4 13 0,-1-6 0,6 8 0,-12-1 0,5 0 0,-1 0 0,-4-7 0,4 6 0,-7-14 0,1 14 0,-1-14 0,0 6 0,0-7 0,-1-1 0,1 1 0,-6 0 0,4-1 0,-11 1 0,11-6 0,-10 3 0,10-9 0,-11 10 0,11-5 0,-5 7 0,7 0 0,-6-1 0,4 1 0,-5 0 0,7-1 0,-6 1 0,4-6 0,-11 4 0,11-11 0,-5 5 0,5-6 0,-5 6 0,5-5 0,-5 11 0,6-5 0,-1 5 0,1 1 0,-6-11 0,-1-4 0,-6-17 0,0 5 0,0-14 0,0 6 0,0-9 0,0 1 0,0-9 0,0 7 0,0-7 0,0 0 0,0 6 0,0 2 0,0 3 0,0 12 0,0-5 0,0 8 0,0 0 0,0-6 0,0 5 0,0-13 0,0 4 0,0 1 0,0-7 0,0 14 0,0-6 0,0 0 0,0-2 0,0 0 0,0-6 0,0 14 0,0-6 0,0 7 0,0 1 0,0-1 0,0 1 0,0 1 0,0-1 0,6 5 0,-5-3 0,5 4 0,-6-6 0,0 0 0,0-1 0,0 0 0,7-5 0,0 3 0,1-11 0,-2 12 0,0-6 0,-5 7 0,6 1 0,-2 6 0,-4 2 0,5 5 0</inkml:trace>
+</inkml:ink>
+</file>
+
+<file path=ppt/ink/ink27.xml><?xml version="1.0" encoding="utf-8"?>
+<inkml:ink xmlns:inkml="http://www.w3.org/2003/InkML">
+  <inkml:definitions>
+    <inkml:context xml:id="ctx0">
+      <inkml:inkSource xml:id="inkSrc0">
+        <inkml:traceFormat>
+          <inkml:channel name="X" type="integer" min="-2.14748E9" max="2.14748E9" units="cm"/>
+          <inkml:channel name="Y" type="integer" min="-2.14748E9" max="2.14748E9" units="cm"/>
+          <inkml:channel name="F" type="integer" max="32767" units="dev"/>
+        </inkml:traceFormat>
+        <inkml:channelProperties>
+          <inkml:channelProperty channel="X" name="resolution" value="1000" units="1/cm"/>
+          <inkml:channelProperty channel="Y" name="resolution" value="1000" units="1/cm"/>
+          <inkml:channelProperty channel="F" name="resolution" value="0" units="1/dev"/>
+        </inkml:channelProperties>
+      </inkml:inkSource>
+      <inkml:timestamp xml:id="ts0" timeString="2022-06-20T16:42:30.747"/>
+    </inkml:context>
+    <inkml:brush xml:id="br0">
+      <inkml:brushProperty name="width" value="0.1" units="cm"/>
+      <inkml:brushProperty name="height" value="0.1" units="cm"/>
+    </inkml:brush>
+  </inkml:definitions>
+  <inkml:trace contextRef="#ctx0" brushRef="#br0">1119 1 24575,'-20'0'0,"-2"0"0,-17 0 0,-2 0 0,-9 0 0,-10 0 0,-13 0 0,-2 0 0,-9 0 0,22 0 0,-19 0 0,34 0 0,-21 0 0,35 0 0,-6 0 0,17 0 0,-6 0 0,14 0 0,-5 0 0,6 0 0,0 0 0,-8 0 0,5 0 0,-12 0 0,5 0 0,0 0 0,-5 0 0,12 0 0,-5 0 0,7 6 0,1-5 0,6 5 0,1-6 0</inkml:trace>
+</inkml:ink>
+</file>
+
+<file path=ppt/ink/ink28.xml><?xml version="1.0" encoding="utf-8"?>
+<inkml:ink xmlns:inkml="http://www.w3.org/2003/InkML">
+  <inkml:definitions>
+    <inkml:context xml:id="ctx0">
+      <inkml:inkSource xml:id="inkSrc0">
+        <inkml:traceFormat>
+          <inkml:channel name="X" type="integer" min="-2.14748E9" max="2.14748E9" units="cm"/>
+          <inkml:channel name="Y" type="integer" min="-2.14748E9" max="2.14748E9" units="cm"/>
+          <inkml:channel name="F" type="integer" max="32767" units="dev"/>
+        </inkml:traceFormat>
+        <inkml:channelProperties>
+          <inkml:channelProperty channel="X" name="resolution" value="1000" units="1/cm"/>
+          <inkml:channelProperty channel="Y" name="resolution" value="1000" units="1/cm"/>
+          <inkml:channelProperty channel="F" name="resolution" value="0" units="1/dev"/>
+        </inkml:channelProperties>
+      </inkml:inkSource>
+      <inkml:timestamp xml:id="ts0" timeString="2022-06-20T16:35:15.585"/>
+    </inkml:context>
+    <inkml:brush xml:id="br0">
+      <inkml:brushProperty name="width" value="0.1" units="cm"/>
+      <inkml:brushProperty name="height" value="0.1" units="cm"/>
+    </inkml:brush>
+  </inkml:definitions>
+  <inkml:trace contextRef="#ctx0" brushRef="#br0">2692 115 24575,'-11'0'0,"-3"0"0,6 0 0,-6 0 0,1 0 0,-3 0 0,0 0 0,-1 0 0,1 0 0,4 0 0,-4 0 0,-1 0 0,4 0 0,-7 0 0,7 0 0,-3 0 0,0 0 0,0 0 0,-1 0 0,5 0 0,-3 0 0,2 0 0,-8-4 0,4 3 0,-9-11 0,4 10 0,-5-6 0,0 4 0,0 3 0,5-7 0,-3 3 0,2-3 0,1 3 0,-3-3 0,7 7 0,-8-7 0,9 3 0,-9 0 0,4-2 0,-5 6 0,0-7 0,5 7 0,-3-3 0,7 0 0,-7 3 0,7-2 0,-3 3 0,0 0 0,4 0 0,-4 0 0,4 0 0,1 0 0,4 0 0,-4 0 0,4 0 0,-4 0 0,-1 0 0,1 0 0,0 0 0,4 0 0,-4 0 0,-7 3 0,4-2 0,-7 6 0,5-2 0,3-1 0,-8 4 0,9-3 0,-9 4 0,-3 3 0,0-2 0,0 2 0,3-3 0,-1 0 0,-2 0 0,-3 0 0,5 4 0,0 1 0,1 0 0,-1 3 0,0-7 0,0 7 0,0-3 0,1 3 0,3-3 0,-2 3 0,3-4 0,-5 5 0,0 0 0,5-1 0,-4 1 0,9-5 0,-9 4 0,9-4 0,-9 4 0,-4 4 0,6-3 0,-4 3 0,7-8 0,4 2 0,-4-2 0,4 4 0,1-1 0,0 0 0,0 1 0,-1-1 0,1 0 0,0 1 0,3-1 0,-3 0 0,4 1 0,-5-5 0,5 4 0,-4-4 0,3 9 0,-3-3 0,2 3 0,-9 7 0,8-4 0,-7 10 0,6-7 0,2-5 0,1 4 0,0-4 0,0 4 0,4 1 0,-8 0 0,7 0 0,-3-5 0,0 4 0,4-4 0,-4 0 0,4 4 0,5-9 0,-4 9 0,3-9 0,0 4 0,-2 0 0,6-3 0,-7 19 0,3-16 0,0 16 0,-2-14 0,6-1 0,-7 3 0,7-7 0,-7 8 0,7-9 0,-3 9 0,4-9 0,0 9 0,0-9 0,0 9 0,0-4 0,-4 5 0,3 5 0,-3-4 0,0 4 0,3-5 0,-8 5 0,8-3 0,-3 3 0,0-5 0,3-5 0,-3 4 0,4-9 0,0 4 0,0 0 0,0-4 0,0 9 0,0-4 0,0 5 0,0 5 0,0-3 0,0 3 0,0-5 0,0-1 0,0-3 0,0 2 0,0-7 0,0 7 0,0-7 0,0 3 0,0 0 0,0-4 0,0 4 0,0-4 0,0 4 0,0-4 0,0 4 0,0 0 0,0-3 0,0 7 0,0-7 0,0 19 0,0-12 0,0 14 0,0-12 0,0 0 0,0 0 0,0 0 0,0-1 0,4 1 0,1 0 0,4 0 0,0-1 0,0 1 0,0 0 0,0 5 0,0-8 0,0 7 0,4-9 0,-4 0 0,4-1 0,-5 0 0,0-4 0,1 4 0,-1-8 0,0 2 0,-1-3 0,1 4 0,4 1 0,2 4 0,-2-4 0,4 4 0,-2 0 0,2-4 0,1 4 0,0 0 0,0-3 0,4 3 0,-3-4 0,3 0 0,-5-1 0,5-3 0,-7 3 0,6-7 0,-11 2 0,2-3 0,-4-1 0,1 1 0,-1-1 0,0 1 0,1 2 0,-1-2 0,1 0 0,-1-2 0,6-5 0,0 2 0,4 1 0,0 1 0,-1 6 0,0-2 0,1 3 0,4 1 0,-4-4 0,4 7 0,0-7 0,-4 7 0,9-3 0,-9 0 0,4 3 0,-4-7 0,-1 3 0,0-4 0,1 1 0,-5-2 0,3 1 0,-6 0 0,2-4 0,-4 3 0,5-3 0,-4 4 0,3-4 0,1 3 0,-4-3 0,3 4 0,1 0 0,-4-1 0,7-2 0,-6 1 0,6-1 0,-3 2 0,5 2 0,-5-2 0,3-2 0,-6 1 0,6-5 0,-3 6 0,1-3 0,2 1 0,-6-2 0,6 1 0,-7-4 0,7 8 0,-6-7 0,6 6 0,-7-6 0,8 6 0,-4-6 0,4 3 0,1-1 0,-1-2 0,0 6 0,1-6 0,6 6 0,-5-2 0,2 3 0,-5-4 0,-6 3 0,6-6 0,-7 5 0,7-5 0,-2 2 0,3-3 0,0 0 0,1 0 0,4 0 0,1 0 0,5 4 0,0-3 0,-1 3 0,1 0 0,0 1 0,0 0 0,0 3 0,-5-7 0,3 7 0,-2-7 0,-1 7 0,-1-8 0,-9 4 0,3-4 0,-6 0 0,2 0 0,-4 0 0,1 0 0,-1 0 0,0 0 0,5 0 0,5 0 0,0 0 0,9 0 0,-4 0 0,5 0 0,-5 0 0,4 0 0,-9 0 0,9 0 0,-9 0 0,4 0 0,-4 0 0,-1 0 0,0 4 0,1-3 0,-1 2 0,5-3 0,-4 0 0,4 0 0,-4 0 0,-1 0 0,5 0 0,-3 4 0,7-3 0,-7 2 0,13-3 0,-8 0 0,15 0 0,-10 0 0,10 0 0,-10 0 0,9 0 0,-8 0 0,3 0 0,0 0 0,-8 0 0,7 4 0,8-3 0,-8 3 0,13-4 0,-11 0 0,0 0 0,1 0 0,3 0 0,-3 0 0,0 0 0,3-4 0,-3-1 0,-1-5 0,5 1 0,-5-1 0,6-4 0,0 3 0,0-7 0,0 7 0,-5-7 0,4 8 0,-10-7 0,9 6 0,-8-6 0,8 2 0,-9 1 0,5-4 0,-7 8 0,1-6 0,0 6 0,0-7 0,5 2 0,-4-3 0,10-1 0,-10 1 0,10-2 0,-10 2 0,5-5 0,0 3 0,-3-8 0,3 3 0,-3-4 0,-1-1 0,-5 2 0,4-1 0,-8-3 0,4-3 0,-5-4 0,10-23 0,-7 17 0,7-17 0,-14 23 0,-2 5 0,1-3 0,-3 8 0,2-3 0,-4 5 0,0-5 0,0 4 0,1-4 0,-1-1 0,0 0 0,6-6 0,-5 0 0,4 0 0,-4 0 0,0 0 0,-1 6 0,-3 1 0,2-1 0,-3 5 0,0-4 0,8-12 0,-11 13 0,6-14 0,-4 13 0,-3 4 0,4-4 0,-5-1 0,0 5 0,0-4 0,0 5 0,0 0 0,0 0 0,4 1 0,-3-7 0,3 5 0,-4-9 0,0 8 0,0-8 0,0 9 0,0-10 0,0 5 0,0-1 0,0-10 0,0 14 0,0-9 0,0 13 0,0 3 0,0-2 0,0 3 0,0-5 0,0 0 0,0-5 0,0 4 0,-4-5 0,3 1 0,-7 4 0,7-10 0,-8 5 0,8-6 0,-7 5 0,7-3 0,-7 3 0,2-5 0,-3 5 0,0 2 0,0 5 0,-4-11 0,3 8 0,-6-4 0,5 3 0,-1 12 0,7-12 0,-2 9 0,2-5 0,-4 0 0,0 0 0,0 0 0,0 5 0,0-4 0,1 9 0,-4-4 0,-1 8 0,-3-2 0,0 6 0,-1-3 0,1 4 0,0 0 0,4 0 0,-4 0 0,8 0 0,0-5 0,1 4 0,7-7 0,-11 3 0,6-3 0,-11 0 0,7 3 0,-6-2 0,7 7 0,-4-8 0,1 8 0,2-4 0,-2 4 0,3 1 0,-3 3 0,3-3 0,-8 7 0,8-7 0,-7 3 0,6-1 0,-6-2 0,3 6 0,-1-6 0,-2 3 0,7-4 0,-8 4 0,8-3 0,-3 3 0,-1-3 0,4-1 0,-4 1 0,5-1 0,-4 0 0,2 1 0,-2-1 0,0 4 0,2-2 0,-2 2 0,0-1 0,2 2 0,-2 0 0,4 2 0,-1-2 0,1 0 0,0 2 0,-1-3 0,1 4 0,-1-3 0,-3 2 0,3-5 0,-4 2 0,1 0 0,3-3 0,-8 3 0,8-4 0,-7 0 0,-1 1 0,3-1 0,-2 1 0,4-1 0,3 4 0,-4-3 0,1 6 0,3-6 0,-8 3 0,4 0 0,0-3 0,-4 2 0,4 1 0,0-3 0,-4 7 0,11-7 0,-9 6 0,9-2 0,-7 0 0,5 2 0,-4-6 0,-2 6 0,1-3 0,1 1 0,-8-1 0,9-1 0,-13 2 0,11-1 0,0 3 0,-4-2 0,4 3 0,0-4 0,-4 4 0,4-4 0,-4 4 0,-1 0 0,1-3 0,0 2 0,-1-3 0,1 4 0,4 0 0,-4 0 0,8 0 0,-7 0 0,2 0 0,1 0 0,-11 0 0,9 0 0,-9-3 0,2 2 0,3-3 0,-3 0 0,0 4 0,4-4 0,-4 4 0,9-3 0,0 2 0,5-2 0,-1 3 0,1 0 0,0 0 0,0 0 0,0 0 0,0 0 0,-5 0 0,4 0 0,-3 0 0,3 0 0,1 0 0,0 0 0,0 0 0,0 0 0,1 0 0,-2 0 0,1 0 0,0 3 0,0-3 0,-5 7 0,0-6 0,-4 6 0,3-3 0,2 1 0,4-2 0,-1 0 0,1-2 0,0 3 0,2-4 0,2 0 0</inkml:trace>
+</inkml:ink>
+</file>
+
+<file path=ppt/ink/ink29.xml><?xml version="1.0" encoding="utf-8"?>
+<inkml:ink xmlns:inkml="http://www.w3.org/2003/InkML">
+  <inkml:definitions>
+    <inkml:context xml:id="ctx0">
+      <inkml:inkSource xml:id="inkSrc0">
+        <inkml:traceFormat>
+          <inkml:channel name="X" type="integer" min="-2.14748E9" max="2.14748E9" units="cm"/>
+          <inkml:channel name="Y" type="integer" min="-2.14748E9" max="2.14748E9" units="cm"/>
+          <inkml:channel name="F" type="integer" max="32767" units="dev"/>
+        </inkml:traceFormat>
+        <inkml:channelProperties>
+          <inkml:channelProperty channel="X" name="resolution" value="1000" units="1/cm"/>
+          <inkml:channelProperty channel="Y" name="resolution" value="1000" units="1/cm"/>
+          <inkml:channelProperty channel="F" name="resolution" value="0" units="1/dev"/>
+        </inkml:channelProperties>
+      </inkml:inkSource>
+      <inkml:timestamp xml:id="ts0" timeString="2022-06-20T16:35:15.588"/>
+    </inkml:context>
+    <inkml:brush xml:id="br0">
+      <inkml:brushProperty name="width" value="0.1" units="cm"/>
+      <inkml:brushProperty name="height" value="0.1" units="cm"/>
+    </inkml:brush>
+  </inkml:definitions>
+  <inkml:trace contextRef="#ctx0" brushRef="#br0">2692 115 24575,'-11'0'0,"-3"0"0,6 0 0,-6 0 0,1 0 0,-3 0 0,0 0 0,-1 0 0,1 0 0,4 0 0,-4 0 0,-1 0 0,4 0 0,-7 0 0,7 0 0,-3 0 0,0 0 0,0 0 0,-1 0 0,5 0 0,-3 0 0,2 0 0,-8-4 0,4 3 0,-9-11 0,4 10 0,-5-6 0,0 4 0,0 3 0,5-7 0,-3 3 0,2-3 0,1 3 0,-3-3 0,7 7 0,-8-7 0,9 3 0,-9 0 0,4-2 0,-5 6 0,0-7 0,5 7 0,-3-3 0,7 0 0,-7 3 0,7-2 0,-3 3 0,0 0 0,4 0 0,-4 0 0,4 0 0,1 0 0,4 0 0,-4 0 0,4 0 0,-4 0 0,-1 0 0,1 0 0,0 0 0,4 0 0,-4 0 0,-7 3 0,4-2 0,-7 6 0,5-2 0,3-1 0,-8 4 0,9-3 0,-9 4 0,-3 3 0,0-2 0,0 2 0,3-3 0,-1 0 0,-2 0 0,-3 0 0,5 4 0,0 1 0,1 0 0,-1 3 0,0-7 0,0 7 0,0-3 0,1 3 0,3-3 0,-2 3 0,3-4 0,-5 5 0,0 0 0,5-1 0,-4 1 0,9-5 0,-9 4 0,9-4 0,-9 4 0,-4 4 0,6-3 0,-4 3 0,7-8 0,4 2 0,-4-2 0,4 4 0,1-1 0,0 0 0,0 1 0,-1-1 0,1 0 0,0 1 0,3-1 0,-3 0 0,4 1 0,-5-5 0,5 4 0,-4-4 0,3 9 0,-3-3 0,2 3 0,-9 7 0,8-4 0,-7 10 0,6-7 0,2-5 0,1 4 0,0-4 0,0 4 0,4 1 0,-8 0 0,7 0 0,-3-5 0,0 4 0,4-4 0,-4 0 0,4 4 0,5-9 0,-4 9 0,3-9 0,0 4 0,-2 0 0,6-3 0,-7 19 0,3-16 0,0 16 0,-2-14 0,6-1 0,-7 3 0,7-7 0,-7 8 0,7-9 0,-3 9 0,4-9 0,0 9 0,0-9 0,0 9 0,0-4 0,-4 5 0,3 5 0,-3-4 0,0 4 0,3-5 0,-8 5 0,8-3 0,-3 3 0,0-5 0,3-5 0,-3 4 0,4-9 0,0 4 0,0 0 0,0-4 0,0 9 0,0-4 0,0 5 0,0 5 0,0-3 0,0 3 0,0-5 0,0-1 0,0-3 0,0 2 0,0-7 0,0 7 0,0-7 0,0 3 0,0 0 0,0-4 0,0 4 0,0-4 0,0 4 0,0-4 0,0 4 0,0 0 0,0-3 0,0 7 0,0-7 0,0 19 0,0-12 0,0 14 0,0-12 0,0 0 0,0 0 0,0 0 0,0-1 0,4 1 0,1 0 0,4 0 0,0-1 0,0 1 0,0 0 0,0 5 0,0-8 0,0 7 0,4-9 0,-4 0 0,4-1 0,-5 0 0,0-4 0,1 4 0,-1-8 0,0 2 0,-1-3 0,1 4 0,4 1 0,2 4 0,-2-4 0,4 4 0,-2 0 0,2-4 0,1 4 0,0 0 0,0-3 0,4 3 0,-3-4 0,3 0 0,-5-1 0,5-3 0,-7 3 0,6-7 0,-11 2 0,2-3 0,-4-1 0,1 1 0,-1-1 0,0 1 0,1 2 0,-1-2 0,1 0 0,-1-2 0,6-5 0,0 2 0,4 1 0,0 1 0,-1 6 0,0-2 0,1 3 0,4 1 0,-4-4 0,4 7 0,0-7 0,-4 7 0,9-3 0,-9 0 0,4 3 0,-4-7 0,-1 3 0,0-4 0,1 1 0,-5-2 0,3 1 0,-6 0 0,2-4 0,-4 3 0,5-3 0,-4 4 0,3-4 0,1 3 0,-4-3 0,3 4 0,1 0 0,-4-1 0,7-2 0,-6 1 0,6-1 0,-3 2 0,5 2 0,-5-2 0,3-2 0,-6 1 0,6-5 0,-3 6 0,1-3 0,2 1 0,-6-2 0,6 1 0,-7-4 0,7 8 0,-6-7 0,6 6 0,-7-6 0,8 6 0,-4-6 0,4 3 0,1-1 0,-1-2 0,0 6 0,1-6 0,6 6 0,-5-2 0,2 3 0,-5-4 0,-6 3 0,6-6 0,-7 5 0,7-5 0,-2 2 0,3-3 0,0 0 0,1 0 0,4 0 0,1 0 0,5 4 0,0-3 0,-1 3 0,1 0 0,0 1 0,0 0 0,0 3 0,-5-7 0,3 7 0,-2-7 0,-1 7 0,-1-8 0,-9 4 0,3-4 0,-6 0 0,2 0 0,-4 0 0,1 0 0,-1 0 0,0 0 0,5 0 0,5 0 0,0 0 0,9 0 0,-4 0 0,5 0 0,-5 0 0,4 0 0,-9 0 0,9 0 0,-9 0 0,4 0 0,-4 0 0,-1 0 0,0 4 0,1-3 0,-1 2 0,5-3 0,-4 0 0,4 0 0,-4 0 0,-1 0 0,5 0 0,-3 4 0,7-3 0,-7 2 0,13-3 0,-8 0 0,15 0 0,-10 0 0,10 0 0,-10 0 0,9 0 0,-8 0 0,3 0 0,0 0 0,-8 0 0,7 4 0,8-3 0,-8 3 0,13-4 0,-11 0 0,0 0 0,1 0 0,3 0 0,-3 0 0,0 0 0,3-4 0,-3-1 0,-1-5 0,5 1 0,-5-1 0,6-4 0,0 3 0,0-7 0,0 7 0,-5-7 0,4 8 0,-10-7 0,9 6 0,-8-6 0,8 2 0,-9 1 0,5-4 0,-7 8 0,1-6 0,0 6 0,0-7 0,5 2 0,-4-3 0,10-1 0,-10 1 0,10-2 0,-10 2 0,5-5 0,0 3 0,-3-8 0,3 3 0,-3-4 0,-1-1 0,-5 2 0,4-1 0,-8-3 0,4-3 0,-5-4 0,10-23 0,-7 17 0,7-17 0,-14 23 0,-2 5 0,1-3 0,-3 8 0,2-3 0,-4 5 0,0-5 0,0 4 0,1-4 0,-1-1 0,0 0 0,6-6 0,-5 0 0,4 0 0,-4 0 0,0 0 0,-1 6 0,-3 1 0,2-1 0,-3 5 0,0-4 0,8-12 0,-11 13 0,6-14 0,-4 13 0,-3 4 0,4-4 0,-5-1 0,0 5 0,0-4 0,0 5 0,0 0 0,0 0 0,4 1 0,-3-7 0,3 5 0,-4-9 0,0 8 0,0-8 0,0 9 0,0-10 0,0 5 0,0-1 0,0-10 0,0 14 0,0-9 0,0 13 0,0 3 0,0-2 0,0 3 0,0-5 0,0 0 0,0-5 0,0 4 0,-4-5 0,3 1 0,-7 4 0,7-10 0,-8 5 0,8-6 0,-7 5 0,7-3 0,-7 3 0,2-5 0,-3 5 0,0 2 0,0 5 0,-4-11 0,3 8 0,-6-4 0,5 3 0,-1 12 0,7-12 0,-2 9 0,2-5 0,-4 0 0,0 0 0,0 0 0,0 5 0,0-4 0,1 9 0,-4-4 0,-1 8 0,-3-2 0,0 6 0,-1-3 0,1 4 0,0 0 0,4 0 0,-4 0 0,8 0 0,0-5 0,1 4 0,7-7 0,-11 3 0,6-3 0,-11 0 0,7 3 0,-6-2 0,7 7 0,-4-8 0,1 8 0,2-4 0,-2 4 0,3 1 0,-3 3 0,3-3 0,-8 7 0,8-7 0,-7 3 0,6-1 0,-6-2 0,3 6 0,-1-6 0,-2 3 0,7-4 0,-8 4 0,8-3 0,-3 3 0,-1-3 0,4-1 0,-4 1 0,5-1 0,-4 0 0,2 1 0,-2-1 0,0 4 0,2-2 0,-2 2 0,0-1 0,2 2 0,-2 0 0,4 2 0,-1-2 0,1 0 0,0 2 0,-1-3 0,1 4 0,-1-3 0,-3 2 0,3-5 0,-4 2 0,1 0 0,3-3 0,-8 3 0,8-4 0,-7 0 0,-1 1 0,3-1 0,-2 1 0,4-1 0,3 4 0,-4-3 0,1 6 0,3-6 0,-8 3 0,4 0 0,0-3 0,-4 2 0,4 1 0,0-3 0,-4 7 0,11-7 0,-9 6 0,9-2 0,-7 0 0,5 2 0,-4-6 0,-2 6 0,1-3 0,1 1 0,-8-1 0,9-1 0,-13 2 0,11-1 0,0 3 0,-4-2 0,4 3 0,0-4 0,-4 4 0,4-4 0,-4 4 0,-1 0 0,1-3 0,0 2 0,-1-3 0,1 4 0,4 0 0,-4 0 0,8 0 0,-7 0 0,2 0 0,1 0 0,-11 0 0,9 0 0,-9-3 0,2 2 0,3-3 0,-3 0 0,0 4 0,4-4 0,-4 4 0,9-3 0,0 2 0,5-2 0,-1 3 0,1 0 0,0 0 0,0 0 0,0 0 0,0 0 0,-5 0 0,4 0 0,-3 0 0,3 0 0,1 0 0,0 0 0,0 0 0,0 0 0,1 0 0,-2 0 0,1 0 0,0 3 0,0-3 0,-5 7 0,0-6 0,-4 6 0,3-3 0,2 1 0,4-2 0,-1 0 0,1-2 0,0 3 0,2-4 0,2 0 0</inkml:trace>
+</inkml:ink>
+</file>
+
 <file path=ppt/ink/ink3.xml><?xml version="1.0" encoding="utf-8"?>
 <inkml:ink xmlns:inkml="http://www.w3.org/2003/InkML">
   <inkml:definitions>
@@ -482,6 +727,284 @@
     </inkml:brush>
   </inkml:definitions>
   <inkml:trace contextRef="#ctx0" brushRef="#br0">125 5 24575,'15'-3'0,"0"2"0,2 5 0,-1 1 0,0 7 0,0-4 0,7 9 0,-6-6 0,10 7 0,-13-6 0,11-3 0,-15 3 0,14 1 0,-14-5 0,14 5 0,-5-1 0,3-6 0,-1 9 0,-5-5 0,0 2 0,5 4 0,-3-3 0,3 1 0,-5 1 0,1-2 0,-1-1 0,0 0 0,0 0 0,1-3 0,-1 6 0,5-5 0,-3 5 0,-1-6 0,-2 3 0,-7-1 0,8-2 0,-7 3 0,6-4 0,-3 0 0,1 0 0,2 0 0,-3-1 0,5-2 0,4 3 0,-4-4 0,4 5 0,0-5 0,-3 3 0,7-2 0,-7 4 0,3-1 0,-5 0 0,-4 0 0,0 0 0,-2-1 0,2 1 0,0-1 0,-1-2 0,-3 1 0,-1-2 0,0 4 0,1-1 0,-1 0 0,0 0 0,0 0 0,0 0 0,0 1 0,1-1 0,-1 0 0,1 1 0,-1-1 0,0 1 0,-3-1 0,3 0 0,-6 1 0,2-1 0,0-3 0,-2 2 0,-1-5 0,-4 2 0,-7-3 0,-6 4 0,0 1 0,-9 4 0,4 3 0,-5 2 0,-5 1 0,-2 2 0,-5-2 0,-6 10 0,4-4 0,-5 9 0,7-9 0,-2 4 0,7-1 0,-6 2 0,4 4 0,0 1 0,1-1 0,5-1 0,0 6 0,1-4 0,3 3 0,-2-5 0,9-2 0,-4 1 0,6-6 0,0-1 0,5-5 0,-4-3 0,7-2 0,-2-3 0,7 0 0,-2-1 0,2 0 0,0 0 0,-3-3 0,3 3 0,0-3 0,-3 3 0,3 1 0,-3-1 0,0 0 0,3 1 0,-3-4 0,6 2 0,-5-5 0,5 5 0,-5-2 0,2 3 0,-3-3 0,-1 2 0,1-2 0,-5 4 0,4-1 0,-7 1 0,6 0 0,-2 0 0,4-1 0,-1 0 0,1 1 0,3-1 0,-3-3 0,7 2 0,-7-2 0,3 3 0,-7 1 0,-2 0 0,1 4 0,-4 0 0,4 1 0,-1 2 0,-3-5 0,8 1 0,0-3 0,1-1 0,6 0 0,-2-2 0,3-2 0</inkml:trace>
+</inkml:ink>
+</file>
+
+<file path=ppt/ink/ink30.xml><?xml version="1.0" encoding="utf-8"?>
+<inkml:ink xmlns:inkml="http://www.w3.org/2003/InkML">
+  <inkml:definitions>
+    <inkml:context xml:id="ctx0">
+      <inkml:inkSource xml:id="inkSrc0">
+        <inkml:traceFormat>
+          <inkml:channel name="X" type="integer" min="-2.14748E9" max="2.14748E9" units="cm"/>
+          <inkml:channel name="Y" type="integer" min="-2.14748E9" max="2.14748E9" units="cm"/>
+          <inkml:channel name="F" type="integer" max="32767" units="dev"/>
+        </inkml:traceFormat>
+        <inkml:channelProperties>
+          <inkml:channelProperty channel="X" name="resolution" value="1000" units="1/cm"/>
+          <inkml:channelProperty channel="Y" name="resolution" value="1000" units="1/cm"/>
+          <inkml:channelProperty channel="F" name="resolution" value="0" units="1/dev"/>
+        </inkml:channelProperties>
+      </inkml:inkSource>
+      <inkml:timestamp xml:id="ts0" timeString="2022-06-20T16:35:47.902"/>
+    </inkml:context>
+    <inkml:brush xml:id="br0">
+      <inkml:brushProperty name="width" value="0.1" units="cm"/>
+      <inkml:brushProperty name="height" value="0.1" units="cm"/>
+    </inkml:brush>
+  </inkml:definitions>
+  <inkml:trace contextRef="#ctx0" brushRef="#br0">2692 115 24575,'-11'0'0,"-3"0"0,6 0 0,-6 0 0,1 0 0,-3 0 0,0 0 0,-1 0 0,1 0 0,4 0 0,-4 0 0,-1 0 0,4 0 0,-7 0 0,7 0 0,-3 0 0,0 0 0,0 0 0,-1 0 0,5 0 0,-3 0 0,2 0 0,-8-4 0,4 3 0,-9-11 0,4 10 0,-5-6 0,0 4 0,0 3 0,5-7 0,-3 3 0,2-3 0,1 3 0,-3-3 0,7 7 0,-8-7 0,9 3 0,-9 0 0,4-2 0,-5 6 0,0-7 0,5 7 0,-3-3 0,7 0 0,-7 3 0,7-2 0,-3 3 0,0 0 0,4 0 0,-4 0 0,4 0 0,1 0 0,4 0 0,-4 0 0,4 0 0,-4 0 0,-1 0 0,1 0 0,0 0 0,4 0 0,-4 0 0,-7 3 0,4-2 0,-7 6 0,5-2 0,3-1 0,-8 4 0,9-3 0,-9 4 0,-3 3 0,0-2 0,0 2 0,3-3 0,-1 0 0,-2 0 0,-3 0 0,5 4 0,0 1 0,1 0 0,-1 3 0,0-7 0,0 7 0,0-3 0,1 3 0,3-3 0,-2 3 0,3-4 0,-5 5 0,0 0 0,5-1 0,-4 1 0,9-5 0,-9 4 0,9-4 0,-9 4 0,-4 4 0,6-3 0,-4 3 0,7-8 0,4 2 0,-4-2 0,4 4 0,1-1 0,0 0 0,0 1 0,-1-1 0,1 0 0,0 1 0,3-1 0,-3 0 0,4 1 0,-5-5 0,5 4 0,-4-4 0,3 9 0,-3-3 0,2 3 0,-9 7 0,8-4 0,-7 10 0,6-7 0,2-5 0,1 4 0,0-4 0,0 4 0,4 1 0,-8 0 0,7 0 0,-3-5 0,0 4 0,4-4 0,-4 0 0,4 4 0,5-9 0,-4 9 0,3-9 0,0 4 0,-2 0 0,6-3 0,-7 19 0,3-16 0,0 16 0,-2-14 0,6-1 0,-7 3 0,7-7 0,-7 8 0,7-9 0,-3 9 0,4-9 0,0 9 0,0-9 0,0 9 0,0-4 0,-4 5 0,3 5 0,-3-4 0,0 4 0,3-5 0,-8 5 0,8-3 0,-3 3 0,0-5 0,3-5 0,-3 4 0,4-9 0,0 4 0,0 0 0,0-4 0,0 9 0,0-4 0,0 5 0,0 5 0,0-3 0,0 3 0,0-5 0,0-1 0,0-3 0,0 2 0,0-7 0,0 7 0,0-7 0,0 3 0,0 0 0,0-4 0,0 4 0,0-4 0,0 4 0,0-4 0,0 4 0,0 0 0,0-3 0,0 7 0,0-7 0,0 19 0,0-12 0,0 14 0,0-12 0,0 0 0,0 0 0,0 0 0,0-1 0,4 1 0,1 0 0,4 0 0,0-1 0,0 1 0,0 0 0,0 5 0,0-8 0,0 7 0,4-9 0,-4 0 0,4-1 0,-5 0 0,0-4 0,1 4 0,-1-8 0,0 2 0,-1-3 0,1 4 0,4 1 0,2 4 0,-2-4 0,4 4 0,-2 0 0,2-4 0,1 4 0,0 0 0,0-3 0,4 3 0,-3-4 0,3 0 0,-5-1 0,5-3 0,-7 3 0,6-7 0,-11 2 0,2-3 0,-4-1 0,1 1 0,-1-1 0,0 1 0,1 2 0,-1-2 0,1 0 0,-1-2 0,6-5 0,0 2 0,4 1 0,0 1 0,-1 6 0,0-2 0,1 3 0,4 1 0,-4-4 0,4 7 0,0-7 0,-4 7 0,9-3 0,-9 0 0,4 3 0,-4-7 0,-1 3 0,0-4 0,1 1 0,-5-2 0,3 1 0,-6 0 0,2-4 0,-4 3 0,5-3 0,-4 4 0,3-4 0,1 3 0,-4-3 0,3 4 0,1 0 0,-4-1 0,7-2 0,-6 1 0,6-1 0,-3 2 0,5 2 0,-5-2 0,3-2 0,-6 1 0,6-5 0,-3 6 0,1-3 0,2 1 0,-6-2 0,6 1 0,-7-4 0,7 8 0,-6-7 0,6 6 0,-7-6 0,8 6 0,-4-6 0,4 3 0,1-1 0,-1-2 0,0 6 0,1-6 0,6 6 0,-5-2 0,2 3 0,-5-4 0,-6 3 0,6-6 0,-7 5 0,7-5 0,-2 2 0,3-3 0,0 0 0,1 0 0,4 0 0,1 0 0,5 4 0,0-3 0,-1 3 0,1 0 0,0 1 0,0 0 0,0 3 0,-5-7 0,3 7 0,-2-7 0,-1 7 0,-1-8 0,-9 4 0,3-4 0,-6 0 0,2 0 0,-4 0 0,1 0 0,-1 0 0,0 0 0,5 0 0,5 0 0,0 0 0,9 0 0,-4 0 0,5 0 0,-5 0 0,4 0 0,-9 0 0,9 0 0,-9 0 0,4 0 0,-4 0 0,-1 0 0,0 4 0,1-3 0,-1 2 0,5-3 0,-4 0 0,4 0 0,-4 0 0,-1 0 0,5 0 0,-3 4 0,7-3 0,-7 2 0,13-3 0,-8 0 0,15 0 0,-10 0 0,10 0 0,-10 0 0,9 0 0,-8 0 0,3 0 0,0 0 0,-8 0 0,7 4 0,8-3 0,-8 3 0,13-4 0,-11 0 0,0 0 0,1 0 0,3 0 0,-3 0 0,0 0 0,3-4 0,-3-1 0,-1-5 0,5 1 0,-5-1 0,6-4 0,0 3 0,0-7 0,0 7 0,-5-7 0,4 8 0,-10-7 0,9 6 0,-8-6 0,8 2 0,-9 1 0,5-4 0,-7 8 0,1-6 0,0 6 0,0-7 0,5 2 0,-4-3 0,10-1 0,-10 1 0,10-2 0,-10 2 0,5-5 0,0 3 0,-3-8 0,3 3 0,-3-4 0,-1-1 0,-5 2 0,4-1 0,-8-3 0,4-3 0,-5-4 0,10-23 0,-7 17 0,7-17 0,-14 23 0,-2 5 0,1-3 0,-3 8 0,2-3 0,-4 5 0,0-5 0,0 4 0,1-4 0,-1-1 0,0 0 0,6-6 0,-5 0 0,4 0 0,-4 0 0,0 0 0,-1 6 0,-3 1 0,2-1 0,-3 5 0,0-4 0,8-12 0,-11 13 0,6-14 0,-4 13 0,-3 4 0,4-4 0,-5-1 0,0 5 0,0-4 0,0 5 0,0 0 0,0 0 0,4 1 0,-3-7 0,3 5 0,-4-9 0,0 8 0,0-8 0,0 9 0,0-10 0,0 5 0,0-1 0,0-10 0,0 14 0,0-9 0,0 13 0,0 3 0,0-2 0,0 3 0,0-5 0,0 0 0,0-5 0,0 4 0,-4-5 0,3 1 0,-7 4 0,7-10 0,-8 5 0,8-6 0,-7 5 0,7-3 0,-7 3 0,2-5 0,-3 5 0,0 2 0,0 5 0,-4-11 0,3 8 0,-6-4 0,5 3 0,-1 12 0,7-12 0,-2 9 0,2-5 0,-4 0 0,0 0 0,0 0 0,0 5 0,0-4 0,1 9 0,-4-4 0,-1 8 0,-3-2 0,0 6 0,-1-3 0,1 4 0,0 0 0,4 0 0,-4 0 0,8 0 0,0-5 0,1 4 0,7-7 0,-11 3 0,6-3 0,-11 0 0,7 3 0,-6-2 0,7 7 0,-4-8 0,1 8 0,2-4 0,-2 4 0,3 1 0,-3 3 0,3-3 0,-8 7 0,8-7 0,-7 3 0,6-1 0,-6-2 0,3 6 0,-1-6 0,-2 3 0,7-4 0,-8 4 0,8-3 0,-3 3 0,-1-3 0,4-1 0,-4 1 0,5-1 0,-4 0 0,2 1 0,-2-1 0,0 4 0,2-2 0,-2 2 0,0-1 0,2 2 0,-2 0 0,4 2 0,-1-2 0,1 0 0,0 2 0,-1-3 0,1 4 0,-1-3 0,-3 2 0,3-5 0,-4 2 0,1 0 0,3-3 0,-8 3 0,8-4 0,-7 0 0,-1 1 0,3-1 0,-2 1 0,4-1 0,3 4 0,-4-3 0,1 6 0,3-6 0,-8 3 0,4 0 0,0-3 0,-4 2 0,4 1 0,0-3 0,-4 7 0,11-7 0,-9 6 0,9-2 0,-7 0 0,5 2 0,-4-6 0,-2 6 0,1-3 0,1 1 0,-8-1 0,9-1 0,-13 2 0,11-1 0,0 3 0,-4-2 0,4 3 0,0-4 0,-4 4 0,4-4 0,-4 4 0,-1 0 0,1-3 0,0 2 0,-1-3 0,1 4 0,4 0 0,-4 0 0,8 0 0,-7 0 0,2 0 0,1 0 0,-11 0 0,9 0 0,-9-3 0,2 2 0,3-3 0,-3 0 0,0 4 0,4-4 0,-4 4 0,9-3 0,0 2 0,5-2 0,-1 3 0,1 0 0,0 0 0,0 0 0,0 0 0,0 0 0,-5 0 0,4 0 0,-3 0 0,3 0 0,1 0 0,0 0 0,0 0 0,0 0 0,1 0 0,-2 0 0,1 0 0,0 3 0,0-3 0,-5 7 0,0-6 0,-4 6 0,3-3 0,2 1 0,4-2 0,-1 0 0,1-2 0,0 3 0,2-4 0,2 0 0</inkml:trace>
+</inkml:ink>
+</file>
+
+<file path=ppt/ink/ink31.xml><?xml version="1.0" encoding="utf-8"?>
+<inkml:ink xmlns:inkml="http://www.w3.org/2003/InkML">
+  <inkml:definitions>
+    <inkml:context xml:id="ctx0">
+      <inkml:inkSource xml:id="inkSrc0">
+        <inkml:traceFormat>
+          <inkml:channel name="X" type="integer" min="-2.14748E9" max="2.14748E9" units="cm"/>
+          <inkml:channel name="Y" type="integer" min="-2.14748E9" max="2.14748E9" units="cm"/>
+          <inkml:channel name="F" type="integer" max="32767" units="dev"/>
+        </inkml:traceFormat>
+        <inkml:channelProperties>
+          <inkml:channelProperty channel="X" name="resolution" value="1000" units="1/cm"/>
+          <inkml:channelProperty channel="Y" name="resolution" value="1000" units="1/cm"/>
+          <inkml:channelProperty channel="F" name="resolution" value="0" units="1/dev"/>
+        </inkml:channelProperties>
+      </inkml:inkSource>
+      <inkml:timestamp xml:id="ts0" timeString="2022-06-20T16:36:09.771"/>
+    </inkml:context>
+    <inkml:brush xml:id="br0">
+      <inkml:brushProperty name="width" value="0.1" units="cm"/>
+      <inkml:brushProperty name="height" value="0.1" units="cm"/>
+      <inkml:brushProperty name="color" value="#BFBFBF"/>
+    </inkml:brush>
+  </inkml:definitions>
+  <inkml:trace contextRef="#ctx0" brushRef="#br0">2217 0 24575,'-76'60'0,"0"-1"0,0 0 0,0 0 0,1 1 0,-1-1 0,0 0 0,0 0 0,0 1 0,1-1 0,-5 4 0,-1 0 0,2 0 0,5-5 0,8-6 0,10-9 0,15-11 0,-17 12 0,13-5 0,23-24 0,0 12 0,-5-11 0,12 4 0,-12 0 0,13-5 0,-13 11 0,6-4 0,-1-1 0,-5 6 0,6-5 0,-8 0 0,1 5 0,-1-5 0,7 6 0,-5 1 0,5-1 0,-6 1 0,-1-1 0,7 1 0,-5-1 0,12-6 0,-5 4 0,7-11 0,-1 5 0,1-8 0,6 1 0,-4 0 0,9 0 0,-3 0 0,5-1 0,0 0 0,0 0 0,-6-5 0,4 4 0,-9-4 0,10 6 0,-18 0 0,16 0 0,-15 0 0,11 0 0,-6 0 0,6 0 0,-5 0 0,11 0 0,-5 0 0,1-6 0,3 4 0,-9-10 0,10 10 0,-10-10 0,3 11 0,-4-5 0,5 6 0,-5-6 0,11 4 0,-11-9 0,11 9 0,-10-9 0,9-7 0,-3-18 0,5-5 0,0-17 0,-7 6 0,5-17 0,-4 7 0,-2-17 0,6 7 0,-12 1 0,12-7 0,-5 16 0,7-7 0,0 10 0,0 7 0,-7-6 0,5 15 0,-5-7 0,7 15 0,0-4 0,0 11 0,0-5 0,0 7 0,0 1 0,0 5 0,0 2 0</inkml:trace>
+</inkml:ink>
+</file>
+
+<file path=ppt/ink/ink32.xml><?xml version="1.0" encoding="utf-8"?>
+<inkml:ink xmlns:inkml="http://www.w3.org/2003/InkML">
+  <inkml:definitions>
+    <inkml:context xml:id="ctx0">
+      <inkml:inkSource xml:id="inkSrc0">
+        <inkml:traceFormat>
+          <inkml:channel name="X" type="integer" min="-2.14748E9" max="2.14748E9" units="cm"/>
+          <inkml:channel name="Y" type="integer" min="-2.14748E9" max="2.14748E9" units="cm"/>
+          <inkml:channel name="F" type="integer" max="32767" units="dev"/>
+        </inkml:traceFormat>
+        <inkml:channelProperties>
+          <inkml:channelProperty channel="X" name="resolution" value="1000" units="1/cm"/>
+          <inkml:channelProperty channel="Y" name="resolution" value="1000" units="1/cm"/>
+          <inkml:channelProperty channel="F" name="resolution" value="0" units="1/dev"/>
+        </inkml:channelProperties>
+      </inkml:inkSource>
+      <inkml:timestamp xml:id="ts0" timeString="2022-06-20T16:36:12.043"/>
+    </inkml:context>
+    <inkml:brush xml:id="br0">
+      <inkml:brushProperty name="width" value="0.1" units="cm"/>
+      <inkml:brushProperty name="height" value="0.1" units="cm"/>
+      <inkml:brushProperty name="color" value="#BFBFBF"/>
+    </inkml:brush>
+  </inkml:definitions>
+  <inkml:trace contextRef="#ctx0" brushRef="#br0">1 229 24575,'19'0'0,"10"0"0,10 0 0,-1 0 0,7 0 0,-21 0 0,19 0 0,-20 0 0,14 0 0,-9 0 0,9 0 0,2-14 0,-7 5 0,11-20 0,-12 6 0,16 6 0,-8-10 0,6 17 0,-15-11 0,0 7 0,-3 0 0,-13 7 0,6 0 0,-7 2 0,-1 3 0,0-3 0,0 5 0,1 0 0,0 0 0,-1 0 0,-4-11 0,-3 8 0,-5-7 0</inkml:trace>
+</inkml:ink>
+</file>
+
+<file path=ppt/ink/ink33.xml><?xml version="1.0" encoding="utf-8"?>
+<inkml:ink xmlns:inkml="http://www.w3.org/2003/InkML">
+  <inkml:definitions>
+    <inkml:context xml:id="ctx0">
+      <inkml:inkSource xml:id="inkSrc0">
+        <inkml:traceFormat>
+          <inkml:channel name="X" type="integer" min="-2.14748E9" max="2.14748E9" units="cm"/>
+          <inkml:channel name="Y" type="integer" min="-2.14748E9" max="2.14748E9" units="cm"/>
+          <inkml:channel name="F" type="integer" max="32767" units="dev"/>
+        </inkml:traceFormat>
+        <inkml:channelProperties>
+          <inkml:channelProperty channel="X" name="resolution" value="1000" units="1/cm"/>
+          <inkml:channelProperty channel="Y" name="resolution" value="1000" units="1/cm"/>
+          <inkml:channelProperty channel="F" name="resolution" value="0" units="1/dev"/>
+        </inkml:channelProperties>
+      </inkml:inkSource>
+      <inkml:timestamp xml:id="ts0" timeString="2022-06-20T16:36:14.880"/>
+    </inkml:context>
+    <inkml:brush xml:id="br0">
+      <inkml:brushProperty name="width" value="0.1" units="cm"/>
+      <inkml:brushProperty name="height" value="0.1" units="cm"/>
+      <inkml:brushProperty name="color" value="#BFBFBF"/>
+    </inkml:brush>
+  </inkml:definitions>
+  <inkml:trace contextRef="#ctx0" brushRef="#br0">0 6 24575,'12'0'0,"7"0"0,-4-5 0,11 9 0,4 6 0,1 6 0,5 12 0,1-4 0,-7 5 0,25 3 0,-21 5 0,22 6 0,-24-4 0,19 20 0,-12-25 0,-2 33 0,9-23 0,-10 14 0,7 1 0,6-6 0,-5 5 0,-2-8 0,-2-2 0,0 1 0,-7-2 0,7 2 0,-8-2 0,-1 0 0,0-1 0,0 1 0,1 0 0,-2-8 0,-6 6 0,3-15 0,-11 7 0,4-16 0,-6 6 0,-1-12 0,1 4 0,-2-12 0,1 4 0,0-9 0,-1 3 0,1 1 0,0 1 0,-1 6 0,1-6 0,0 4 0,0-4 0,0 0 0,0 5 0,0-5 0,-1 0 0,1 5 0,0-11 0,0 10 0,0-3 0,0-1 0,-1 4 0,1-4 0,0 6 0,7 1 0,-5-7 0,4 5 0,-6-11 0,0 11 0,-1-11 0,1 10 0,-1-10 0,0 10 0,1-9 0,0 9 0,0-10 0,-7 10 0,6-10 0,-6 5 0,7-6 0,-1 6 0,1 1 0,0 0 0,0 4 0,0-4 0,0 1 0,-1-3 0,-4 1 0,3-5 0,-10 4 0,5-5 0</inkml:trace>
+</inkml:ink>
+</file>
+
+<file path=ppt/ink/ink34.xml><?xml version="1.0" encoding="utf-8"?>
+<inkml:ink xmlns:inkml="http://www.w3.org/2003/InkML">
+  <inkml:definitions>
+    <inkml:context xml:id="ctx0">
+      <inkml:inkSource xml:id="inkSrc0">
+        <inkml:traceFormat>
+          <inkml:channel name="X" type="integer" min="-2.14748E9" max="2.14748E9" units="cm"/>
+          <inkml:channel name="Y" type="integer" min="-2.14748E9" max="2.14748E9" units="cm"/>
+          <inkml:channel name="F" type="integer" max="32767" units="dev"/>
+        </inkml:traceFormat>
+        <inkml:channelProperties>
+          <inkml:channelProperty channel="X" name="resolution" value="1000" units="1/cm"/>
+          <inkml:channelProperty channel="Y" name="resolution" value="1000" units="1/cm"/>
+          <inkml:channelProperty channel="F" name="resolution" value="0" units="1/dev"/>
+        </inkml:channelProperties>
+      </inkml:inkSource>
+      <inkml:timestamp xml:id="ts0" timeString="2022-06-20T16:36:17.499"/>
+    </inkml:context>
+    <inkml:brush xml:id="br0">
+      <inkml:brushProperty name="width" value="0.1" units="cm"/>
+      <inkml:brushProperty name="height" value="0.1" units="cm"/>
+      <inkml:brushProperty name="color" value="#BFBFBF"/>
+    </inkml:brush>
+  </inkml:definitions>
+  <inkml:trace contextRef="#ctx0" brushRef="#br0">0 1001 24575,'44'0'0,"4"0"0,10 0 0,8 0 0,-17 0 0,7 0 0,-9 0 0,0 0 0,0 0 0,-9 0 0,7 0 0,-6 0 0,0 0 0,5 0 0,-13 0 0,23 0 0,-21 0 0,21 0 0,-24 0 0,7 0 0,-9 0 0,1 0 0,-8 0 0,-1 0 0,-7 0 0,0 0 0,-1 0 0,1 0 0,0 0 0,0 0 0,-1 0 0,1 0 0,0 0 0,0 0 0,0 0 0,0 0 0,-6-11 0,-1 4 0,-6-11 0,0-1 0,0-11 0,0-8 0,-15-18 0,3-3 0,-12-9 0,11 14 0,0-1 0,-5-14 0,5 15 0,1 2 0,3 3 0,-5-8 0,12 19 0,-5 8 0,7 10 0,0 7 0,0 1 0,-5 5 0,4-8 0,-5 6 0,6-8 0,0 4 0,0 0 0,0 0 0,0-7 0,0 6 0,0-6 0,0 7 0,0 0 0,0 1 0,0 5 0,0 2 0</inkml:trace>
+</inkml:ink>
+</file>
+
+<file path=ppt/ink/ink35.xml><?xml version="1.0" encoding="utf-8"?>
+<inkml:ink xmlns:inkml="http://www.w3.org/2003/InkML">
+  <inkml:definitions>
+    <inkml:context xml:id="ctx0">
+      <inkml:inkSource xml:id="inkSrc0">
+        <inkml:traceFormat>
+          <inkml:channel name="X" type="integer" min="-2.14748E9" max="2.14748E9" units="cm"/>
+          <inkml:channel name="Y" type="integer" min="-2.14748E9" max="2.14748E9" units="cm"/>
+          <inkml:channel name="F" type="integer" max="32767" units="dev"/>
+        </inkml:traceFormat>
+        <inkml:channelProperties>
+          <inkml:channelProperty channel="X" name="resolution" value="1000" units="1/cm"/>
+          <inkml:channelProperty channel="Y" name="resolution" value="1000" units="1/cm"/>
+          <inkml:channelProperty channel="F" name="resolution" value="0" units="1/dev"/>
+        </inkml:channelProperties>
+      </inkml:inkSource>
+      <inkml:timestamp xml:id="ts0" timeString="2022-06-20T16:47:44.932"/>
+    </inkml:context>
+    <inkml:brush xml:id="br0">
+      <inkml:brushProperty name="width" value="0.1" units="cm"/>
+      <inkml:brushProperty name="height" value="0.1" units="cm"/>
+    </inkml:brush>
+  </inkml:definitions>
+  <inkml:trace contextRef="#ctx0" brushRef="#br0">1 402 24575,'59'0'0,"14"0"0,14 0-1312,-27 0 1,4 0 1311,-1 0 0,4 0-768,18 0 0,3 0 768,-10 0 0,5 0 0,0 0 0,7 0 0,-6 0 0,6 0 0,-1 0-399,-9 0 1,4 0 0,-5 0 398,1 0 0,-3 0 0,1 0 0,1 0-730,7 0 1,1 0 729,-5 0 0,-3 0 19,-11 0 1,-1 0-20,8 0 0,-2 0 0,-20 0 0,-1 0 0,18 0 0,0 0 0,-5 0 0,-4 0 0,-9 0 0,-1 0 1468,45 0-1468,-34 0 0,-2-7 2155,-13 5-2155,-14-5 1850,-6 7-1850,-13 0 1301,-1 0-1301,8 0 0,2-7 0,16 5 0,-7-4 0,16 6 0,-15-7 0,5 5 0,-7-4 0,-8 6 0,-2 0 0,-8 0 0,1 0 0,0 0 0,7-7 0,1 5 0,50-13 0,-13 13 0,25-13 0,-14 13 0,-18-5 0,7-1 0,1 7 0,-17-7 0,15 8 0,-26 0 0,16 0 0,-16 0 0,16 0 0,-7 0 0,9 0 0,-9 0 0,6 0 0,-14 0 0,-2 0 0,-2 0 0,-14 0 0,6 0 0,-7 0 0,-1 0 0,1 0 0,-1 0 0,8 0 0,2 0 0,16 0 0,2 0 0,0 0 0,-2 0 0,-9 0 0,0 0 0,-7 0 0,-2 0 0,-7 0 0,-1 0 0,1 0 0,15 0 0,5 0 0,16 0 0,-1 0 0,1 0 0,0 0 0,0 0 0,-9 0 0,-2 0 0,-16 0 0,-2 0 0,-8 0 0,1 0 0,0 0 0,7 0 0,2 0 0,7 0 0,0 0 0,0 0 0,1 0 0,-9 0 0,-1 0 0,-7 0 0,0 6 0,-1-4 0,0 4 0,0-6 0,0 0 0,0 0 0,1 0 0,0 0 0,-1 6 0,1-4 0,-6 9 0,-2-15 0,-6 3 0,-6-12 0,-2 0 0,-6-1 0,-7 0 0,-1-1 0,-2-7 0,-5 6 0,6-13 0,-1 6 0,3 0 0,0 1 0,5 8 0,1 0 0,3 0 0,5 7 0,0-5 0,-10 11 0,8-5 0,-10-8 0,5 11 0,0-10 0,0 13 0,7-7 0,-5 6 0,16-5 0,3 6 0,7 0 0,6 0 0,-7 6 0,1 1 0,0 7 0,-1 0 0,8 0 0,-5 0 0,5 0 0,-8 0 0,1 0 0,7 0 0,-5 0 0,5 0 0,-8 0 0,1-1 0,7 2 0,-6-2 0,7 2 0,-9-2 0,1 1 0,-1 0 0,-5-1 0,4-5 0,-5 4 0,6-5 0,0 0 0,-6 4 0,5-9 0,-5 4 0,0 0 0,-7 0 0,-1 7 0,-11 0 0,5 1 0,-7 0 0,1-1 0,-8 2 0,-2-1 0,-8 8 0,1 2 0,-9 0 0,7 4 0,-7-3 0,0 6 0,7-7 0,-16 7 0,16-7 0,-7 1 0,15 3 0,-5-4 0,6 0 0,-1 4 0,3-4 0,-1-1 0,12-2 0,-10-6 0,19-2 0,-12 1 0,12-1 0,-11-5 0,11-2 0,-4-6 0</inkml:trace>
+</inkml:ink>
+</file>
+
+<file path=ppt/ink/ink36.xml><?xml version="1.0" encoding="utf-8"?>
+<inkml:ink xmlns:inkml="http://www.w3.org/2003/InkML">
+  <inkml:definitions>
+    <inkml:context xml:id="ctx0">
+      <inkml:inkSource xml:id="inkSrc0">
+        <inkml:traceFormat>
+          <inkml:channel name="X" type="integer" min="-2.14748E9" max="2.14748E9" units="cm"/>
+          <inkml:channel name="Y" type="integer" min="-2.14748E9" max="2.14748E9" units="cm"/>
+          <inkml:channel name="F" type="integer" max="32767" units="dev"/>
+        </inkml:traceFormat>
+        <inkml:channelProperties>
+          <inkml:channelProperty channel="X" name="resolution" value="1000" units="1/cm"/>
+          <inkml:channelProperty channel="Y" name="resolution" value="1000" units="1/cm"/>
+          <inkml:channelProperty channel="F" name="resolution" value="0" units="1/dev"/>
+        </inkml:channelProperties>
+      </inkml:inkSource>
+      <inkml:timestamp xml:id="ts0" timeString="2022-06-20T16:48:06.939"/>
+    </inkml:context>
+    <inkml:brush xml:id="br0">
+      <inkml:brushProperty name="width" value="0.1" units="cm"/>
+      <inkml:brushProperty name="height" value="0.1" units="cm"/>
+      <inkml:brushProperty name="color" value="#A9A9A9"/>
+    </inkml:brush>
+  </inkml:definitions>
+  <inkml:trace contextRef="#ctx0" brushRef="#br0">0 0 24575,'0'0'0</inkml:trace>
+</inkml:ink>
+</file>
+
+<file path=ppt/ink/ink37.xml><?xml version="1.0" encoding="utf-8"?>
+<inkml:ink xmlns:inkml="http://www.w3.org/2003/InkML">
+  <inkml:definitions>
+    <inkml:context xml:id="ctx0">
+      <inkml:inkSource xml:id="inkSrc0">
+        <inkml:traceFormat>
+          <inkml:channel name="X" type="integer" min="-2.14748E9" max="2.14748E9" units="cm"/>
+          <inkml:channel name="Y" type="integer" min="-2.14748E9" max="2.14748E9" units="cm"/>
+          <inkml:channel name="F" type="integer" max="32767" units="dev"/>
+        </inkml:traceFormat>
+        <inkml:channelProperties>
+          <inkml:channelProperty channel="X" name="resolution" value="1000" units="1/cm"/>
+          <inkml:channelProperty channel="Y" name="resolution" value="1000" units="1/cm"/>
+          <inkml:channelProperty channel="F" name="resolution" value="0" units="1/dev"/>
+        </inkml:channelProperties>
+      </inkml:inkSource>
+      <inkml:timestamp xml:id="ts0" timeString="2022-06-20T16:48:07.018"/>
+    </inkml:context>
+    <inkml:brush xml:id="br0">
+      <inkml:brushProperty name="width" value="0.1" units="cm"/>
+      <inkml:brushProperty name="height" value="0.1" units="cm"/>
+      <inkml:brushProperty name="color" value="#A9A9A9"/>
+    </inkml:brush>
+  </inkml:definitions>
+  <inkml:trace contextRef="#ctx0" brushRef="#br0">0 0 24575,'0'0'0</inkml:trace>
+</inkml:ink>
+</file>
+
+<file path=ppt/ink/ink38.xml><?xml version="1.0" encoding="utf-8"?>
+<inkml:ink xmlns:inkml="http://www.w3.org/2003/InkML">
+  <inkml:definitions>
+    <inkml:context xml:id="ctx0">
+      <inkml:inkSource xml:id="inkSrc0">
+        <inkml:traceFormat>
+          <inkml:channel name="X" type="integer" min="-2.14748E9" max="2.14748E9" units="cm"/>
+          <inkml:channel name="Y" type="integer" min="-2.14748E9" max="2.14748E9" units="cm"/>
+          <inkml:channel name="F" type="integer" max="32767" units="dev"/>
+        </inkml:traceFormat>
+        <inkml:channelProperties>
+          <inkml:channelProperty channel="X" name="resolution" value="1000" units="1/cm"/>
+          <inkml:channelProperty channel="Y" name="resolution" value="1000" units="1/cm"/>
+          <inkml:channelProperty channel="F" name="resolution" value="0" units="1/dev"/>
+        </inkml:channelProperties>
+      </inkml:inkSource>
+      <inkml:timestamp xml:id="ts0" timeString="2022-06-20T16:48:21.639"/>
+    </inkml:context>
+    <inkml:brush xml:id="br0">
+      <inkml:brushProperty name="width" value="0.1" units="cm"/>
+      <inkml:brushProperty name="height" value="0.1" units="cm"/>
+      <inkml:brushProperty name="color" value="#E71224"/>
+    </inkml:brush>
+  </inkml:definitions>
+  <inkml:trace contextRef="#ctx0" brushRef="#br0">1 1021 24575,'0'-20'0,"0"-21"0,0-2 0,0-27 0,0 17 0,0-16 0,0 16 0,7-2 0,1-4 0,4-17 0,-4 14 0,1 3 0,-2 1 0,-7 6 0,0 22 0,0-1 0,0 1 0,7 0 0,-5 7 0,11-6 0,-11 14 0,4-6 0,0 7 0,-4 1 0,10 5 0,-11 2 0,5 6 0</inkml:trace>
+</inkml:ink>
+</file>
+
+<file path=ppt/ink/ink39.xml><?xml version="1.0" encoding="utf-8"?>
+<inkml:ink xmlns:inkml="http://www.w3.org/2003/InkML">
+  <inkml:definitions>
+    <inkml:context xml:id="ctx0">
+      <inkml:inkSource xml:id="inkSrc0">
+        <inkml:traceFormat>
+          <inkml:channel name="X" type="integer" min="-2.14748E9" max="2.14748E9" units="cm"/>
+          <inkml:channel name="Y" type="integer" min="-2.14748E9" max="2.14748E9" units="cm"/>
+          <inkml:channel name="F" type="integer" max="32767" units="dev"/>
+        </inkml:traceFormat>
+        <inkml:channelProperties>
+          <inkml:channelProperty channel="X" name="resolution" value="1000" units="1/cm"/>
+          <inkml:channelProperty channel="Y" name="resolution" value="1000" units="1/cm"/>
+          <inkml:channelProperty channel="F" name="resolution" value="0" units="1/dev"/>
+        </inkml:channelProperties>
+      </inkml:inkSource>
+      <inkml:timestamp xml:id="ts0" timeString="2022-06-20T16:48:23.160"/>
+    </inkml:context>
+    <inkml:brush xml:id="br0">
+      <inkml:brushProperty name="width" value="0.1" units="cm"/>
+      <inkml:brushProperty name="height" value="0.1" units="cm"/>
+      <inkml:brushProperty name="color" value="#E71224"/>
+    </inkml:brush>
+  </inkml:definitions>
+  <inkml:trace contextRef="#ctx0" brushRef="#br0">1 471 24575,'19'0'0,"-1"0"0,-4 0 0,-1 0 0,1 0 0,12-7 0,-15 0 0,22-1 0,-23-12 0,11 11 0,9-14 0,-11 2 0,11 10 0,0-10 0,-12 6 0,20-2 0,-15-5 0,1 0 0,4 12 0,-4-10 0,6 11 0,-13-5 0,2 6 0,-10-12 0,4 17 0,1-11 0,-1 9 0,1-3 0,-1 1 0,-6-5 0,5 5 0,-4-1 0,-1-4 0,4 10 0,-4-4 0,7-7 0,-1 3 0,9-11 0,-6-1 0,5 12 0,-6-9 0,-2 17 0,-5-4 0,-2 6 0</inkml:trace>
 </inkml:ink>
 </file>
 
@@ -512,6 +1035,283 @@
 </inkml:ink>
 </file>
 
+<file path=ppt/ink/ink40.xml><?xml version="1.0" encoding="utf-8"?>
+<inkml:ink xmlns:inkml="http://www.w3.org/2003/InkML">
+  <inkml:definitions>
+    <inkml:context xml:id="ctx0">
+      <inkml:inkSource xml:id="inkSrc0">
+        <inkml:traceFormat>
+          <inkml:channel name="X" type="integer" min="-2.14748E9" max="2.14748E9" units="cm"/>
+          <inkml:channel name="Y" type="integer" min="-2.14748E9" max="2.14748E9" units="cm"/>
+          <inkml:channel name="F" type="integer" max="32767" units="dev"/>
+        </inkml:traceFormat>
+        <inkml:channelProperties>
+          <inkml:channelProperty channel="X" name="resolution" value="1000" units="1/cm"/>
+          <inkml:channelProperty channel="Y" name="resolution" value="1000" units="1/cm"/>
+          <inkml:channelProperty channel="F" name="resolution" value="0" units="1/dev"/>
+        </inkml:channelProperties>
+      </inkml:inkSource>
+      <inkml:timestamp xml:id="ts0" timeString="2022-06-20T16:48:27.210"/>
+    </inkml:context>
+    <inkml:brush xml:id="br0">
+      <inkml:brushProperty name="width" value="0.1" units="cm"/>
+      <inkml:brushProperty name="height" value="0.1" units="cm"/>
+      <inkml:brushProperty name="color" value="#E71224"/>
+    </inkml:brush>
+  </inkml:definitions>
+  <inkml:trace contextRef="#ctx0" brushRef="#br0">384 0 24575,'-13'0'0,"0"0"0,-1 0 0,1 0 0,-8 0 0,-1 0 0,0 0 0,-5 0 0,11 0 0,-17 0 0,10 0 0,-4 6 0,8 1 0,11 7 0,-3-1 0,3 0 0,1 0 0,-5 1 0,4-1 0,1 1 0,-5-7 0,11 5 0,-5-5 0,0 6 0,5 0 0,-11-5 0,10 4 0,-10-5 0,10 7 0,-4-1 0,6 0 0,0 0 0,0 0 0,0 0 0,0 1 0,0-1 0,0 1 0,6-7 0,1-2 0,6-5 0,-5 6 0,3-4 0,-4 4 0,6-6 0,0 0 0,1 0 0,-1 0 0,0 0 0,0 0 0,0 0 0,-5-6 0,4-2 0,-4-5 0,5-1 0,1 0 0,0 7 0,-7-5 0,5 10 0,-10-10 0,10 11 0,-5-11 0,7 4 0,-2-4 0,2-2 0,-7 2 0,5 5 0,-11-5 0,11 4 0,-10-5 0,10-1 0,-11 0 0,12 1 0,-6-1 0,7 6 0,-7-4 0,5 5 0,-16 5 0,9 10 0,-17 6 0,5 6 0,-7-6 0,0-1 0,1 1 0,-1-1 0,0 1 0,1 0 0,-1-1 0,0 1 0,7 0 0,-5-1 0,10 1 0,-10 0 0,10-1 0,-4 0 0,6 0 0,0 1 0,0 0 0,-13 0 0,10 0 0,-11 0 0,14 0 0,0-1 0,0 1 0,0-1 0,6 0 0,2 0 0,-1 1 0,6-1 0,-6-5 0,6-2 0,0-6 0,0 0 0,0 0 0,1 0 0,-1 0 0,1 0 0,-1 0 0,1 0 0,-1 0 0,1 0 0,7 0 0,2 0 0,0 0 0,5-7 0,-12 6 0,5-12 0,-8 11 0,1-4 0,-1 0 0,1-1 0,-2-6 0,-4-7 0,4 4 0,-11-12 0,11 12 0,-10-12 0,4 5 0,0-7 0,-4 7 0,5 2 0,-7 7 0,0 1 0,0-1 0,0 0 0,0 1 0,-6 6 0,-9-5 0,0 10 0,-6-5 0,7 1 0,1 5 0,-1-5 0,0 6 0,1 0 0,0 0 0,0 0 0,6-6 0,-4 4 0,9-10 0,-9 11 0,4-5 0,-7 0 0,1-2 0,-1-5 0,-7 5 0,12-4 0,-11 4 0,12 1 0,1-5 0,-5 10 0,10-4 0,-4 6 0</inkml:trace>
+</inkml:ink>
+</file>
+
+<file path=ppt/ink/ink41.xml><?xml version="1.0" encoding="utf-8"?>
+<inkml:ink xmlns:inkml="http://www.w3.org/2003/InkML">
+  <inkml:definitions>
+    <inkml:context xml:id="ctx0">
+      <inkml:inkSource xml:id="inkSrc0">
+        <inkml:traceFormat>
+          <inkml:channel name="X" type="integer" min="-2.14748E9" max="2.14748E9" units="cm"/>
+          <inkml:channel name="Y" type="integer" min="-2.14748E9" max="2.14748E9" units="cm"/>
+          <inkml:channel name="F" type="integer" max="32767" units="dev"/>
+        </inkml:traceFormat>
+        <inkml:channelProperties>
+          <inkml:channelProperty channel="X" name="resolution" value="1000" units="1/cm"/>
+          <inkml:channelProperty channel="Y" name="resolution" value="1000" units="1/cm"/>
+          <inkml:channelProperty channel="F" name="resolution" value="0" units="1/dev"/>
+        </inkml:channelProperties>
+      </inkml:inkSource>
+      <inkml:timestamp xml:id="ts0" timeString="2022-06-20T16:48:46.895"/>
+    </inkml:context>
+    <inkml:brush xml:id="br0">
+      <inkml:brushProperty name="width" value="0.1" units="cm"/>
+      <inkml:brushProperty name="height" value="0.1" units="cm"/>
+      <inkml:brushProperty name="color" value="#E71224"/>
+    </inkml:brush>
+  </inkml:definitions>
+  <inkml:trace contextRef="#ctx0" brushRef="#br0">10 1 24575,'0'14'0,"0"4"0,0-2 0,-5-4 0,4 2 0,-3-9 0,4 5 0,0-1 0,0 1 0,0-1 0,0 0 0,0 0 0,0 0 0,0 0 0,0 0 0,0 0 0,0 6 0,0-4 0,0 9 0,0-4 0,0 5 0,0 1 0,0-1 0,0 0 0,0-5 0,0-1 0,0-5 0,0 0 0,4-1 0,1 0 0,4 0 0,1 1 0,0 0 0,-1-1 0,1 1 0,0 0 0,-1-1 0,-3 1 0,2-5 0,-3 0 0,5-5 0,-1 0 0,1 0 0,0 0 0,4 0 0,-3 0 0,9 0 0,-9 0 0,4 0 0,-5 0 0,5 0 0,-4 0 0,3 0 0,-4 0 0,0 0 0,-1 0 0,1 0 0,0 0 0,-1 0 0,1 0 0,-1 0 0,1 0 0,-2 0 0,1 0 0,-4-9 0,-1 3 0,-4-7 0,0-2 0,5-1 0,-4 0 0,4 1 0,-5 0 0,0 4 0,0-3 0,-4 8 0,3-2 0,-7-2 0,-3-2 0,-1-8 0,-3 3 0,5 1 0,-6-4 0,5 9 0,-4-9 0,5 9 0,0-4 0,0 6 0,1-1 0,-1 1 0,1-1 0,-1 5 0,0-4 0,1 4 0,-1-1 0,0-2 0,1 2 0,-1-3 0,0 3 0,1-2 0,-1 2 0,1 1 0,-1 1 0,5 0 0,-2 2 0,6-10 0,-3 11 0,4-7 0</inkml:trace>
+</inkml:ink>
+</file>
+
+<file path=ppt/ink/ink42.xml><?xml version="1.0" encoding="utf-8"?>
+<inkml:ink xmlns:inkml="http://www.w3.org/2003/InkML">
+  <inkml:definitions>
+    <inkml:context xml:id="ctx0">
+      <inkml:inkSource xml:id="inkSrc0">
+        <inkml:traceFormat>
+          <inkml:channel name="X" type="integer" min="-2.14748E9" max="2.14748E9" units="cm"/>
+          <inkml:channel name="Y" type="integer" min="-2.14748E9" max="2.14748E9" units="cm"/>
+          <inkml:channel name="F" type="integer" max="32767" units="dev"/>
+        </inkml:traceFormat>
+        <inkml:channelProperties>
+          <inkml:channelProperty channel="X" name="resolution" value="1000" units="1/cm"/>
+          <inkml:channelProperty channel="Y" name="resolution" value="1000" units="1/cm"/>
+          <inkml:channelProperty channel="F" name="resolution" value="0" units="1/dev"/>
+        </inkml:channelProperties>
+      </inkml:inkSource>
+      <inkml:timestamp xml:id="ts0" timeString="2022-06-20T16:48:32.051"/>
+    </inkml:context>
+    <inkml:brush xml:id="br0">
+      <inkml:brushProperty name="width" value="0.1" units="cm"/>
+      <inkml:brushProperty name="height" value="0.1" units="cm"/>
+      <inkml:brushProperty name="color" value="#E71224"/>
+    </inkml:brush>
+  </inkml:definitions>
+  <inkml:trace contextRef="#ctx0" brushRef="#br0">0 0 24575,'13'0'0,"0"0"0,1 0 0,-1 0 0,17 0 0,-12 0 0,19 0 0,-14 7 0,0 8 0,15 2 0,-13 5 0,7 1 0,-3-6 0,-5-2 0,-1 5 0,-8-11 0,5 13 0,-10-8 0,11 0 0,-8 0 0,1 0 0,0-1 0,-1 1 0,1 0 0,0-1 0,-1 1 0,1 0 0,-1-7 0,0 5 0,0-11 0,0 5 0,0-6 0,-6 5 0,4-3 0,-4 9 0,6-9 0,1 10 0,0-4 0,-1-1 0,1 5 0,0-4 0,-1 5 0,1-5 0,0 4 0,-7-5 0,5 1 0,-10 3 0,10-9 0,-5 3 0,6-5 0,-6 6 0,5-4 0,-4 4 0,-1 0 0,5-5 0,-5 11 0,6-11 0,-7 11 0,6-11 0,-10 11 0,10-10 0,-5 3 0,1-5 0,-3 0 0</inkml:trace>
+</inkml:ink>
+</file>
+
+<file path=ppt/ink/ink43.xml><?xml version="1.0" encoding="utf-8"?>
+<inkml:ink xmlns:inkml="http://www.w3.org/2003/InkML">
+  <inkml:definitions>
+    <inkml:context xml:id="ctx0">
+      <inkml:inkSource xml:id="inkSrc0">
+        <inkml:traceFormat>
+          <inkml:channel name="X" type="integer" min="-2.14748E9" max="2.14748E9" units="cm"/>
+          <inkml:channel name="Y" type="integer" min="-2.14748E9" max="2.14748E9" units="cm"/>
+          <inkml:channel name="F" type="integer" max="32767" units="dev"/>
+        </inkml:traceFormat>
+        <inkml:channelProperties>
+          <inkml:channelProperty channel="X" name="resolution" value="1000" units="1/cm"/>
+          <inkml:channelProperty channel="Y" name="resolution" value="1000" units="1/cm"/>
+          <inkml:channelProperty channel="F" name="resolution" value="0" units="1/dev"/>
+        </inkml:channelProperties>
+      </inkml:inkSource>
+      <inkml:timestamp xml:id="ts0" timeString="2022-06-20T16:48:33.748"/>
+    </inkml:context>
+    <inkml:brush xml:id="br0">
+      <inkml:brushProperty name="width" value="0.1" units="cm"/>
+      <inkml:brushProperty name="height" value="0.1" units="cm"/>
+      <inkml:brushProperty name="color" value="#E71224"/>
+    </inkml:brush>
+  </inkml:definitions>
+  <inkml:trace contextRef="#ctx0" brushRef="#br0">1 0 24575,'0'13'0,"0"7"0,0 3 0,0 0 0,0-2 0,0-7 0,0-1 0,0 8 0,0-5 0,0 5 0,0 0 0,0-5 0,0 12 0,0-5 0,0 0 0,0 5 0,0-5 0,6 26 0,-4-22 0,10 18 0,-11-30 0,5 5 0,-6-7 0,6 0 0,-4 0 0,10 1 0,-10 7 0,10 2 0,-10 7 0,12 0 0,-7-7 0,2 5 0,3-5 0,-4 0 0,0-2 0,5 0 0,-11-5 0,11 5 0,-12 0 0,11-6 0,-10 6 0,10-7 0,-11 7 0,5-5 0,1 5 0,-6-8 0,5 1 0,0 0 0,-4-1 0,4-6 0,-6-1 0</inkml:trace>
+</inkml:ink>
+</file>
+
+<file path=ppt/ink/ink44.xml><?xml version="1.0" encoding="utf-8"?>
+<inkml:ink xmlns:inkml="http://www.w3.org/2003/InkML">
+  <inkml:definitions>
+    <inkml:context xml:id="ctx0">
+      <inkml:inkSource xml:id="inkSrc0">
+        <inkml:traceFormat>
+          <inkml:channel name="X" type="integer" min="-2.14748E9" max="2.14748E9" units="cm"/>
+          <inkml:channel name="Y" type="integer" min="-2.14748E9" max="2.14748E9" units="cm"/>
+          <inkml:channel name="F" type="integer" max="32767" units="dev"/>
+        </inkml:traceFormat>
+        <inkml:channelProperties>
+          <inkml:channelProperty channel="X" name="resolution" value="1000" units="1/cm"/>
+          <inkml:channelProperty channel="Y" name="resolution" value="1000" units="1/cm"/>
+          <inkml:channelProperty channel="F" name="resolution" value="0" units="1/dev"/>
+        </inkml:channelProperties>
+      </inkml:inkSource>
+      <inkml:timestamp xml:id="ts0" timeString="2022-06-20T16:48:51.331"/>
+    </inkml:context>
+    <inkml:brush xml:id="br0">
+      <inkml:brushProperty name="width" value="0.1" units="cm"/>
+      <inkml:brushProperty name="height" value="0.1" units="cm"/>
+      <inkml:brushProperty name="color" value="#E71224"/>
+    </inkml:brush>
+  </inkml:definitions>
+  <inkml:trace contextRef="#ctx0" brushRef="#br0">1 125 24575,'0'-20'0,"0"6"0,0-5 0,3 13 0,3-3 0,-1 5 0,3 3 0,-3-8 0,5 4 0,-1 0 0,-4-3 0,4 7 0,-4-4 0,0 1 0,4 3 0,-4-3 0,4 4 0,0 0 0,1 0 0,-5-5 0,4 4 0,-4-3 0,4 4 0,1 0 0,-2 0 0,7 0 0,1 0 0,0 0 0,4 0 0,-9 0 0,4 0 0,-6 0 0,1 0 0,-1 0 0,0 0 0,0 0 0,1 0 0,-1 0 0,1 0 0,-1 4 0,1-3 0,-1 4 0,1-1 0,-1 1 0,0 0 0,0 3 0,1-7 0,0 8 0,-1-4 0,1 0 0,-1 4 0,1-4 0,0 1 0,-5 2 0,4-7 0,-8 8 0,7-8 0,-7 8 0,3-4 0,0 4 0,-3 1 0,8-1 0,-3 6 0,-1-4 0,5 9 0,-9-4 0,8 0 0,-8 4 0,3-9 0,-4 4 0,0 0 0,0-4 0,0 4 0,0-6 0,0 0 0,0 0 0,0 0 0,-4 0 0,-1-4 0,-4-1 0,0-4 0,0 0 0,-1 0 0,1 0 0,0 0 0,0 0 0,-4 0 0,2 0 0,-7 0 0,2 0 0,-6 0 0,6-4 0,-4 3 0,9-3 0,-4-1 0,6 4 0,-1-3 0,5 0 0,-4 3 0,4-4 0,-3 5 0,-7-4 0,-1-2 0,-5-5 0,0 0 0,-1 1 0,1-1 0,5 1 0,-4 4 0,9-3 0,-4 8 0,10-7 0,-4 7 0,4-4 0,-4 5 0,0 0 0,0 0 0,0 0 0,0 0 0,-1 0 0,5-3 0,-3 2 0,7-3 0,-2 4 0</inkml:trace>
+</inkml:ink>
+</file>
+
+<file path=ppt/ink/ink45.xml><?xml version="1.0" encoding="utf-8"?>
+<inkml:ink xmlns:inkml="http://www.w3.org/2003/InkML">
+  <inkml:definitions>
+    <inkml:context xml:id="ctx0">
+      <inkml:inkSource xml:id="inkSrc0">
+        <inkml:traceFormat>
+          <inkml:channel name="X" type="integer" min="-2.14748E9" max="2.14748E9" units="cm"/>
+          <inkml:channel name="Y" type="integer" min="-2.14748E9" max="2.14748E9" units="cm"/>
+          <inkml:channel name="F" type="integer" max="32767" units="dev"/>
+        </inkml:traceFormat>
+        <inkml:channelProperties>
+          <inkml:channelProperty channel="X" name="resolution" value="1000" units="1/cm"/>
+          <inkml:channelProperty channel="Y" name="resolution" value="1000" units="1/cm"/>
+          <inkml:channelProperty channel="F" name="resolution" value="0" units="1/dev"/>
+        </inkml:channelProperties>
+      </inkml:inkSource>
+      <inkml:timestamp xml:id="ts0" timeString="2022-06-20T16:35:15.585"/>
+    </inkml:context>
+    <inkml:brush xml:id="br0">
+      <inkml:brushProperty name="width" value="0.1" units="cm"/>
+      <inkml:brushProperty name="height" value="0.1" units="cm"/>
+    </inkml:brush>
+  </inkml:definitions>
+  <inkml:trace contextRef="#ctx0" brushRef="#br0">2692 115 24575,'-11'0'0,"-3"0"0,6 0 0,-6 0 0,1 0 0,-3 0 0,0 0 0,-1 0 0,1 0 0,4 0 0,-4 0 0,-1 0 0,4 0 0,-7 0 0,7 0 0,-3 0 0,0 0 0,0 0 0,-1 0 0,5 0 0,-3 0 0,2 0 0,-8-4 0,4 3 0,-9-11 0,4 10 0,-5-6 0,0 4 0,0 3 0,5-7 0,-3 3 0,2-3 0,1 3 0,-3-3 0,7 7 0,-8-7 0,9 3 0,-9 0 0,4-2 0,-5 6 0,0-7 0,5 7 0,-3-3 0,7 0 0,-7 3 0,7-2 0,-3 3 0,0 0 0,4 0 0,-4 0 0,4 0 0,1 0 0,4 0 0,-4 0 0,4 0 0,-4 0 0,-1 0 0,1 0 0,0 0 0,4 0 0,-4 0 0,-7 3 0,4-2 0,-7 6 0,5-2 0,3-1 0,-8 4 0,9-3 0,-9 4 0,-3 3 0,0-2 0,0 2 0,3-3 0,-1 0 0,-2 0 0,-3 0 0,5 4 0,0 1 0,1 0 0,-1 3 0,0-7 0,0 7 0,0-3 0,1 3 0,3-3 0,-2 3 0,3-4 0,-5 5 0,0 0 0,5-1 0,-4 1 0,9-5 0,-9 4 0,9-4 0,-9 4 0,-4 4 0,6-3 0,-4 3 0,7-8 0,4 2 0,-4-2 0,4 4 0,1-1 0,0 0 0,0 1 0,-1-1 0,1 0 0,0 1 0,3-1 0,-3 0 0,4 1 0,-5-5 0,5 4 0,-4-4 0,3 9 0,-3-3 0,2 3 0,-9 7 0,8-4 0,-7 10 0,6-7 0,2-5 0,1 4 0,0-4 0,0 4 0,4 1 0,-8 0 0,7 0 0,-3-5 0,0 4 0,4-4 0,-4 0 0,4 4 0,5-9 0,-4 9 0,3-9 0,0 4 0,-2 0 0,6-3 0,-7 19 0,3-16 0,0 16 0,-2-14 0,6-1 0,-7 3 0,7-7 0,-7 8 0,7-9 0,-3 9 0,4-9 0,0 9 0,0-9 0,0 9 0,0-4 0,-4 5 0,3 5 0,-3-4 0,0 4 0,3-5 0,-8 5 0,8-3 0,-3 3 0,0-5 0,3-5 0,-3 4 0,4-9 0,0 4 0,0 0 0,0-4 0,0 9 0,0-4 0,0 5 0,0 5 0,0-3 0,0 3 0,0-5 0,0-1 0,0-3 0,0 2 0,0-7 0,0 7 0,0-7 0,0 3 0,0 0 0,0-4 0,0 4 0,0-4 0,0 4 0,0-4 0,0 4 0,0 0 0,0-3 0,0 7 0,0-7 0,0 19 0,0-12 0,0 14 0,0-12 0,0 0 0,0 0 0,0 0 0,0-1 0,4 1 0,1 0 0,4 0 0,0-1 0,0 1 0,0 0 0,0 5 0,0-8 0,0 7 0,4-9 0,-4 0 0,4-1 0,-5 0 0,0-4 0,1 4 0,-1-8 0,0 2 0,-1-3 0,1 4 0,4 1 0,2 4 0,-2-4 0,4 4 0,-2 0 0,2-4 0,1 4 0,0 0 0,0-3 0,4 3 0,-3-4 0,3 0 0,-5-1 0,5-3 0,-7 3 0,6-7 0,-11 2 0,2-3 0,-4-1 0,1 1 0,-1-1 0,0 1 0,1 2 0,-1-2 0,1 0 0,-1-2 0,6-5 0,0 2 0,4 1 0,0 1 0,-1 6 0,0-2 0,1 3 0,4 1 0,-4-4 0,4 7 0,0-7 0,-4 7 0,9-3 0,-9 0 0,4 3 0,-4-7 0,-1 3 0,0-4 0,1 1 0,-5-2 0,3 1 0,-6 0 0,2-4 0,-4 3 0,5-3 0,-4 4 0,3-4 0,1 3 0,-4-3 0,3 4 0,1 0 0,-4-1 0,7-2 0,-6 1 0,6-1 0,-3 2 0,5 2 0,-5-2 0,3-2 0,-6 1 0,6-5 0,-3 6 0,1-3 0,2 1 0,-6-2 0,6 1 0,-7-4 0,7 8 0,-6-7 0,6 6 0,-7-6 0,8 6 0,-4-6 0,4 3 0,1-1 0,-1-2 0,0 6 0,1-6 0,6 6 0,-5-2 0,2 3 0,-5-4 0,-6 3 0,6-6 0,-7 5 0,7-5 0,-2 2 0,3-3 0,0 0 0,1 0 0,4 0 0,1 0 0,5 4 0,0-3 0,-1 3 0,1 0 0,0 1 0,0 0 0,0 3 0,-5-7 0,3 7 0,-2-7 0,-1 7 0,-1-8 0,-9 4 0,3-4 0,-6 0 0,2 0 0,-4 0 0,1 0 0,-1 0 0,0 0 0,5 0 0,5 0 0,0 0 0,9 0 0,-4 0 0,5 0 0,-5 0 0,4 0 0,-9 0 0,9 0 0,-9 0 0,4 0 0,-4 0 0,-1 0 0,0 4 0,1-3 0,-1 2 0,5-3 0,-4 0 0,4 0 0,-4 0 0,-1 0 0,5 0 0,-3 4 0,7-3 0,-7 2 0,13-3 0,-8 0 0,15 0 0,-10 0 0,10 0 0,-10 0 0,9 0 0,-8 0 0,3 0 0,0 0 0,-8 0 0,7 4 0,8-3 0,-8 3 0,13-4 0,-11 0 0,0 0 0,1 0 0,3 0 0,-3 0 0,0 0 0,3-4 0,-3-1 0,-1-5 0,5 1 0,-5-1 0,6-4 0,0 3 0,0-7 0,0 7 0,-5-7 0,4 8 0,-10-7 0,9 6 0,-8-6 0,8 2 0,-9 1 0,5-4 0,-7 8 0,1-6 0,0 6 0,0-7 0,5 2 0,-4-3 0,10-1 0,-10 1 0,10-2 0,-10 2 0,5-5 0,0 3 0,-3-8 0,3 3 0,-3-4 0,-1-1 0,-5 2 0,4-1 0,-8-3 0,4-3 0,-5-4 0,10-23 0,-7 17 0,7-17 0,-14 23 0,-2 5 0,1-3 0,-3 8 0,2-3 0,-4 5 0,0-5 0,0 4 0,1-4 0,-1-1 0,0 0 0,6-6 0,-5 0 0,4 0 0,-4 0 0,0 0 0,-1 6 0,-3 1 0,2-1 0,-3 5 0,0-4 0,8-12 0,-11 13 0,6-14 0,-4 13 0,-3 4 0,4-4 0,-5-1 0,0 5 0,0-4 0,0 5 0,0 0 0,0 0 0,4 1 0,-3-7 0,3 5 0,-4-9 0,0 8 0,0-8 0,0 9 0,0-10 0,0 5 0,0-1 0,0-10 0,0 14 0,0-9 0,0 13 0,0 3 0,0-2 0,0 3 0,0-5 0,0 0 0,0-5 0,0 4 0,-4-5 0,3 1 0,-7 4 0,7-10 0,-8 5 0,8-6 0,-7 5 0,7-3 0,-7 3 0,2-5 0,-3 5 0,0 2 0,0 5 0,-4-11 0,3 8 0,-6-4 0,5 3 0,-1 12 0,7-12 0,-2 9 0,2-5 0,-4 0 0,0 0 0,0 0 0,0 5 0,0-4 0,1 9 0,-4-4 0,-1 8 0,-3-2 0,0 6 0,-1-3 0,1 4 0,0 0 0,4 0 0,-4 0 0,8 0 0,0-5 0,1 4 0,7-7 0,-11 3 0,6-3 0,-11 0 0,7 3 0,-6-2 0,7 7 0,-4-8 0,1 8 0,2-4 0,-2 4 0,3 1 0,-3 3 0,3-3 0,-8 7 0,8-7 0,-7 3 0,6-1 0,-6-2 0,3 6 0,-1-6 0,-2 3 0,7-4 0,-8 4 0,8-3 0,-3 3 0,-1-3 0,4-1 0,-4 1 0,5-1 0,-4 0 0,2 1 0,-2-1 0,0 4 0,2-2 0,-2 2 0,0-1 0,2 2 0,-2 0 0,4 2 0,-1-2 0,1 0 0,0 2 0,-1-3 0,1 4 0,-1-3 0,-3 2 0,3-5 0,-4 2 0,1 0 0,3-3 0,-8 3 0,8-4 0,-7 0 0,-1 1 0,3-1 0,-2 1 0,4-1 0,3 4 0,-4-3 0,1 6 0,3-6 0,-8 3 0,4 0 0,0-3 0,-4 2 0,4 1 0,0-3 0,-4 7 0,11-7 0,-9 6 0,9-2 0,-7 0 0,5 2 0,-4-6 0,-2 6 0,1-3 0,1 1 0,-8-1 0,9-1 0,-13 2 0,11-1 0,0 3 0,-4-2 0,4 3 0,0-4 0,-4 4 0,4-4 0,-4 4 0,-1 0 0,1-3 0,0 2 0,-1-3 0,1 4 0,4 0 0,-4 0 0,8 0 0,-7 0 0,2 0 0,1 0 0,-11 0 0,9 0 0,-9-3 0,2 2 0,3-3 0,-3 0 0,0 4 0,4-4 0,-4 4 0,9-3 0,0 2 0,5-2 0,-1 3 0,1 0 0,0 0 0,0 0 0,0 0 0,0 0 0,-5 0 0,4 0 0,-3 0 0,3 0 0,1 0 0,0 0 0,0 0 0,0 0 0,1 0 0,-2 0 0,1 0 0,0 3 0,0-3 0,-5 7 0,0-6 0,-4 6 0,3-3 0,2 1 0,4-2 0,-1 0 0,1-2 0,0 3 0,2-4 0,2 0 0</inkml:trace>
+</inkml:ink>
+</file>
+
+<file path=ppt/ink/ink46.xml><?xml version="1.0" encoding="utf-8"?>
+<inkml:ink xmlns:inkml="http://www.w3.org/2003/InkML">
+  <inkml:definitions>
+    <inkml:context xml:id="ctx0">
+      <inkml:inkSource xml:id="inkSrc0">
+        <inkml:traceFormat>
+          <inkml:channel name="X" type="integer" min="-2.14748E9" max="2.14748E9" units="cm"/>
+          <inkml:channel name="Y" type="integer" min="-2.14748E9" max="2.14748E9" units="cm"/>
+          <inkml:channel name="F" type="integer" max="32767" units="dev"/>
+        </inkml:traceFormat>
+        <inkml:channelProperties>
+          <inkml:channelProperty channel="X" name="resolution" value="1000" units="1/cm"/>
+          <inkml:channelProperty channel="Y" name="resolution" value="1000" units="1/cm"/>
+          <inkml:channelProperty channel="F" name="resolution" value="0" units="1/dev"/>
+        </inkml:channelProperties>
+      </inkml:inkSource>
+      <inkml:timestamp xml:id="ts0" timeString="2022-06-20T16:35:15.588"/>
+    </inkml:context>
+    <inkml:brush xml:id="br0">
+      <inkml:brushProperty name="width" value="0.1" units="cm"/>
+      <inkml:brushProperty name="height" value="0.1" units="cm"/>
+    </inkml:brush>
+  </inkml:definitions>
+  <inkml:trace contextRef="#ctx0" brushRef="#br0">2692 115 24575,'-11'0'0,"-3"0"0,6 0 0,-6 0 0,1 0 0,-3 0 0,0 0 0,-1 0 0,1 0 0,4 0 0,-4 0 0,-1 0 0,4 0 0,-7 0 0,7 0 0,-3 0 0,0 0 0,0 0 0,-1 0 0,5 0 0,-3 0 0,2 0 0,-8-4 0,4 3 0,-9-11 0,4 10 0,-5-6 0,0 4 0,0 3 0,5-7 0,-3 3 0,2-3 0,1 3 0,-3-3 0,7 7 0,-8-7 0,9 3 0,-9 0 0,4-2 0,-5 6 0,0-7 0,5 7 0,-3-3 0,7 0 0,-7 3 0,7-2 0,-3 3 0,0 0 0,4 0 0,-4 0 0,4 0 0,1 0 0,4 0 0,-4 0 0,4 0 0,-4 0 0,-1 0 0,1 0 0,0 0 0,4 0 0,-4 0 0,-7 3 0,4-2 0,-7 6 0,5-2 0,3-1 0,-8 4 0,9-3 0,-9 4 0,-3 3 0,0-2 0,0 2 0,3-3 0,-1 0 0,-2 0 0,-3 0 0,5 4 0,0 1 0,1 0 0,-1 3 0,0-7 0,0 7 0,0-3 0,1 3 0,3-3 0,-2 3 0,3-4 0,-5 5 0,0 0 0,5-1 0,-4 1 0,9-5 0,-9 4 0,9-4 0,-9 4 0,-4 4 0,6-3 0,-4 3 0,7-8 0,4 2 0,-4-2 0,4 4 0,1-1 0,0 0 0,0 1 0,-1-1 0,1 0 0,0 1 0,3-1 0,-3 0 0,4 1 0,-5-5 0,5 4 0,-4-4 0,3 9 0,-3-3 0,2 3 0,-9 7 0,8-4 0,-7 10 0,6-7 0,2-5 0,1 4 0,0-4 0,0 4 0,4 1 0,-8 0 0,7 0 0,-3-5 0,0 4 0,4-4 0,-4 0 0,4 4 0,5-9 0,-4 9 0,3-9 0,0 4 0,-2 0 0,6-3 0,-7 19 0,3-16 0,0 16 0,-2-14 0,6-1 0,-7 3 0,7-7 0,-7 8 0,7-9 0,-3 9 0,4-9 0,0 9 0,0-9 0,0 9 0,0-4 0,-4 5 0,3 5 0,-3-4 0,0 4 0,3-5 0,-8 5 0,8-3 0,-3 3 0,0-5 0,3-5 0,-3 4 0,4-9 0,0 4 0,0 0 0,0-4 0,0 9 0,0-4 0,0 5 0,0 5 0,0-3 0,0 3 0,0-5 0,0-1 0,0-3 0,0 2 0,0-7 0,0 7 0,0-7 0,0 3 0,0 0 0,0-4 0,0 4 0,0-4 0,0 4 0,0-4 0,0 4 0,0 0 0,0-3 0,0 7 0,0-7 0,0 19 0,0-12 0,0 14 0,0-12 0,0 0 0,0 0 0,0 0 0,0-1 0,4 1 0,1 0 0,4 0 0,0-1 0,0 1 0,0 0 0,0 5 0,0-8 0,0 7 0,4-9 0,-4 0 0,4-1 0,-5 0 0,0-4 0,1 4 0,-1-8 0,0 2 0,-1-3 0,1 4 0,4 1 0,2 4 0,-2-4 0,4 4 0,-2 0 0,2-4 0,1 4 0,0 0 0,0-3 0,4 3 0,-3-4 0,3 0 0,-5-1 0,5-3 0,-7 3 0,6-7 0,-11 2 0,2-3 0,-4-1 0,1 1 0,-1-1 0,0 1 0,1 2 0,-1-2 0,1 0 0,-1-2 0,6-5 0,0 2 0,4 1 0,0 1 0,-1 6 0,0-2 0,1 3 0,4 1 0,-4-4 0,4 7 0,0-7 0,-4 7 0,9-3 0,-9 0 0,4 3 0,-4-7 0,-1 3 0,0-4 0,1 1 0,-5-2 0,3 1 0,-6 0 0,2-4 0,-4 3 0,5-3 0,-4 4 0,3-4 0,1 3 0,-4-3 0,3 4 0,1 0 0,-4-1 0,7-2 0,-6 1 0,6-1 0,-3 2 0,5 2 0,-5-2 0,3-2 0,-6 1 0,6-5 0,-3 6 0,1-3 0,2 1 0,-6-2 0,6 1 0,-7-4 0,7 8 0,-6-7 0,6 6 0,-7-6 0,8 6 0,-4-6 0,4 3 0,1-1 0,-1-2 0,0 6 0,1-6 0,6 6 0,-5-2 0,2 3 0,-5-4 0,-6 3 0,6-6 0,-7 5 0,7-5 0,-2 2 0,3-3 0,0 0 0,1 0 0,4 0 0,1 0 0,5 4 0,0-3 0,-1 3 0,1 0 0,0 1 0,0 0 0,0 3 0,-5-7 0,3 7 0,-2-7 0,-1 7 0,-1-8 0,-9 4 0,3-4 0,-6 0 0,2 0 0,-4 0 0,1 0 0,-1 0 0,0 0 0,5 0 0,5 0 0,0 0 0,9 0 0,-4 0 0,5 0 0,-5 0 0,4 0 0,-9 0 0,9 0 0,-9 0 0,4 0 0,-4 0 0,-1 0 0,0 4 0,1-3 0,-1 2 0,5-3 0,-4 0 0,4 0 0,-4 0 0,-1 0 0,5 0 0,-3 4 0,7-3 0,-7 2 0,13-3 0,-8 0 0,15 0 0,-10 0 0,10 0 0,-10 0 0,9 0 0,-8 0 0,3 0 0,0 0 0,-8 0 0,7 4 0,8-3 0,-8 3 0,13-4 0,-11 0 0,0 0 0,1 0 0,3 0 0,-3 0 0,0 0 0,3-4 0,-3-1 0,-1-5 0,5 1 0,-5-1 0,6-4 0,0 3 0,0-7 0,0 7 0,-5-7 0,4 8 0,-10-7 0,9 6 0,-8-6 0,8 2 0,-9 1 0,5-4 0,-7 8 0,1-6 0,0 6 0,0-7 0,5 2 0,-4-3 0,10-1 0,-10 1 0,10-2 0,-10 2 0,5-5 0,0 3 0,-3-8 0,3 3 0,-3-4 0,-1-1 0,-5 2 0,4-1 0,-8-3 0,4-3 0,-5-4 0,10-23 0,-7 17 0,7-17 0,-14 23 0,-2 5 0,1-3 0,-3 8 0,2-3 0,-4 5 0,0-5 0,0 4 0,1-4 0,-1-1 0,0 0 0,6-6 0,-5 0 0,4 0 0,-4 0 0,0 0 0,-1 6 0,-3 1 0,2-1 0,-3 5 0,0-4 0,8-12 0,-11 13 0,6-14 0,-4 13 0,-3 4 0,4-4 0,-5-1 0,0 5 0,0-4 0,0 5 0,0 0 0,0 0 0,4 1 0,-3-7 0,3 5 0,-4-9 0,0 8 0,0-8 0,0 9 0,0-10 0,0 5 0,0-1 0,0-10 0,0 14 0,0-9 0,0 13 0,0 3 0,0-2 0,0 3 0,0-5 0,0 0 0,0-5 0,0 4 0,-4-5 0,3 1 0,-7 4 0,7-10 0,-8 5 0,8-6 0,-7 5 0,7-3 0,-7 3 0,2-5 0,-3 5 0,0 2 0,0 5 0,-4-11 0,3 8 0,-6-4 0,5 3 0,-1 12 0,7-12 0,-2 9 0,2-5 0,-4 0 0,0 0 0,0 0 0,0 5 0,0-4 0,1 9 0,-4-4 0,-1 8 0,-3-2 0,0 6 0,-1-3 0,1 4 0,0 0 0,4 0 0,-4 0 0,8 0 0,0-5 0,1 4 0,7-7 0,-11 3 0,6-3 0,-11 0 0,7 3 0,-6-2 0,7 7 0,-4-8 0,1 8 0,2-4 0,-2 4 0,3 1 0,-3 3 0,3-3 0,-8 7 0,8-7 0,-7 3 0,6-1 0,-6-2 0,3 6 0,-1-6 0,-2 3 0,7-4 0,-8 4 0,8-3 0,-3 3 0,-1-3 0,4-1 0,-4 1 0,5-1 0,-4 0 0,2 1 0,-2-1 0,0 4 0,2-2 0,-2 2 0,0-1 0,2 2 0,-2 0 0,4 2 0,-1-2 0,1 0 0,0 2 0,-1-3 0,1 4 0,-1-3 0,-3 2 0,3-5 0,-4 2 0,1 0 0,3-3 0,-8 3 0,8-4 0,-7 0 0,-1 1 0,3-1 0,-2 1 0,4-1 0,3 4 0,-4-3 0,1 6 0,3-6 0,-8 3 0,4 0 0,0-3 0,-4 2 0,4 1 0,0-3 0,-4 7 0,11-7 0,-9 6 0,9-2 0,-7 0 0,5 2 0,-4-6 0,-2 6 0,1-3 0,1 1 0,-8-1 0,9-1 0,-13 2 0,11-1 0,0 3 0,-4-2 0,4 3 0,0-4 0,-4 4 0,4-4 0,-4 4 0,-1 0 0,1-3 0,0 2 0,-1-3 0,1 4 0,4 0 0,-4 0 0,8 0 0,-7 0 0,2 0 0,1 0 0,-11 0 0,9 0 0,-9-3 0,2 2 0,3-3 0,-3 0 0,0 4 0,4-4 0,-4 4 0,9-3 0,0 2 0,5-2 0,-1 3 0,1 0 0,0 0 0,0 0 0,0 0 0,0 0 0,-5 0 0,4 0 0,-3 0 0,3 0 0,1 0 0,0 0 0,0 0 0,0 0 0,1 0 0,-2 0 0,1 0 0,0 3 0,0-3 0,-5 7 0,0-6 0,-4 6 0,3-3 0,2 1 0,4-2 0,-1 0 0,1-2 0,0 3 0,2-4 0,2 0 0</inkml:trace>
+</inkml:ink>
+</file>
+
+<file path=ppt/ink/ink47.xml><?xml version="1.0" encoding="utf-8"?>
+<inkml:ink xmlns:inkml="http://www.w3.org/2003/InkML">
+  <inkml:definitions>
+    <inkml:context xml:id="ctx0">
+      <inkml:inkSource xml:id="inkSrc0">
+        <inkml:traceFormat>
+          <inkml:channel name="X" type="integer" min="-2.14748E9" max="2.14748E9" units="cm"/>
+          <inkml:channel name="Y" type="integer" min="-2.14748E9" max="2.14748E9" units="cm"/>
+          <inkml:channel name="F" type="integer" max="32767" units="dev"/>
+        </inkml:traceFormat>
+        <inkml:channelProperties>
+          <inkml:channelProperty channel="X" name="resolution" value="1000" units="1/cm"/>
+          <inkml:channelProperty channel="Y" name="resolution" value="1000" units="1/cm"/>
+          <inkml:channelProperty channel="F" name="resolution" value="0" units="1/dev"/>
+        </inkml:channelProperties>
+      </inkml:inkSource>
+      <inkml:timestamp xml:id="ts0" timeString="2022-06-20T16:35:47.902"/>
+    </inkml:context>
+    <inkml:brush xml:id="br0">
+      <inkml:brushProperty name="width" value="0.1" units="cm"/>
+      <inkml:brushProperty name="height" value="0.1" units="cm"/>
+    </inkml:brush>
+  </inkml:definitions>
+  <inkml:trace contextRef="#ctx0" brushRef="#br0">2692 115 24575,'-11'0'0,"-3"0"0,6 0 0,-6 0 0,1 0 0,-3 0 0,0 0 0,-1 0 0,1 0 0,4 0 0,-4 0 0,-1 0 0,4 0 0,-7 0 0,7 0 0,-3 0 0,0 0 0,0 0 0,-1 0 0,5 0 0,-3 0 0,2 0 0,-8-4 0,4 3 0,-9-11 0,4 10 0,-5-6 0,0 4 0,0 3 0,5-7 0,-3 3 0,2-3 0,1 3 0,-3-3 0,7 7 0,-8-7 0,9 3 0,-9 0 0,4-2 0,-5 6 0,0-7 0,5 7 0,-3-3 0,7 0 0,-7 3 0,7-2 0,-3 3 0,0 0 0,4 0 0,-4 0 0,4 0 0,1 0 0,4 0 0,-4 0 0,4 0 0,-4 0 0,-1 0 0,1 0 0,0 0 0,4 0 0,-4 0 0,-7 3 0,4-2 0,-7 6 0,5-2 0,3-1 0,-8 4 0,9-3 0,-9 4 0,-3 3 0,0-2 0,0 2 0,3-3 0,-1 0 0,-2 0 0,-3 0 0,5 4 0,0 1 0,1 0 0,-1 3 0,0-7 0,0 7 0,0-3 0,1 3 0,3-3 0,-2 3 0,3-4 0,-5 5 0,0 0 0,5-1 0,-4 1 0,9-5 0,-9 4 0,9-4 0,-9 4 0,-4 4 0,6-3 0,-4 3 0,7-8 0,4 2 0,-4-2 0,4 4 0,1-1 0,0 0 0,0 1 0,-1-1 0,1 0 0,0 1 0,3-1 0,-3 0 0,4 1 0,-5-5 0,5 4 0,-4-4 0,3 9 0,-3-3 0,2 3 0,-9 7 0,8-4 0,-7 10 0,6-7 0,2-5 0,1 4 0,0-4 0,0 4 0,4 1 0,-8 0 0,7 0 0,-3-5 0,0 4 0,4-4 0,-4 0 0,4 4 0,5-9 0,-4 9 0,3-9 0,0 4 0,-2 0 0,6-3 0,-7 19 0,3-16 0,0 16 0,-2-14 0,6-1 0,-7 3 0,7-7 0,-7 8 0,7-9 0,-3 9 0,4-9 0,0 9 0,0-9 0,0 9 0,0-4 0,-4 5 0,3 5 0,-3-4 0,0 4 0,3-5 0,-8 5 0,8-3 0,-3 3 0,0-5 0,3-5 0,-3 4 0,4-9 0,0 4 0,0 0 0,0-4 0,0 9 0,0-4 0,0 5 0,0 5 0,0-3 0,0 3 0,0-5 0,0-1 0,0-3 0,0 2 0,0-7 0,0 7 0,0-7 0,0 3 0,0 0 0,0-4 0,0 4 0,0-4 0,0 4 0,0-4 0,0 4 0,0 0 0,0-3 0,0 7 0,0-7 0,0 19 0,0-12 0,0 14 0,0-12 0,0 0 0,0 0 0,0 0 0,0-1 0,4 1 0,1 0 0,4 0 0,0-1 0,0 1 0,0 0 0,0 5 0,0-8 0,0 7 0,4-9 0,-4 0 0,4-1 0,-5 0 0,0-4 0,1 4 0,-1-8 0,0 2 0,-1-3 0,1 4 0,4 1 0,2 4 0,-2-4 0,4 4 0,-2 0 0,2-4 0,1 4 0,0 0 0,0-3 0,4 3 0,-3-4 0,3 0 0,-5-1 0,5-3 0,-7 3 0,6-7 0,-11 2 0,2-3 0,-4-1 0,1 1 0,-1-1 0,0 1 0,1 2 0,-1-2 0,1 0 0,-1-2 0,6-5 0,0 2 0,4 1 0,0 1 0,-1 6 0,0-2 0,1 3 0,4 1 0,-4-4 0,4 7 0,0-7 0,-4 7 0,9-3 0,-9 0 0,4 3 0,-4-7 0,-1 3 0,0-4 0,1 1 0,-5-2 0,3 1 0,-6 0 0,2-4 0,-4 3 0,5-3 0,-4 4 0,3-4 0,1 3 0,-4-3 0,3 4 0,1 0 0,-4-1 0,7-2 0,-6 1 0,6-1 0,-3 2 0,5 2 0,-5-2 0,3-2 0,-6 1 0,6-5 0,-3 6 0,1-3 0,2 1 0,-6-2 0,6 1 0,-7-4 0,7 8 0,-6-7 0,6 6 0,-7-6 0,8 6 0,-4-6 0,4 3 0,1-1 0,-1-2 0,0 6 0,1-6 0,6 6 0,-5-2 0,2 3 0,-5-4 0,-6 3 0,6-6 0,-7 5 0,7-5 0,-2 2 0,3-3 0,0 0 0,1 0 0,4 0 0,1 0 0,5 4 0,0-3 0,-1 3 0,1 0 0,0 1 0,0 0 0,0 3 0,-5-7 0,3 7 0,-2-7 0,-1 7 0,-1-8 0,-9 4 0,3-4 0,-6 0 0,2 0 0,-4 0 0,1 0 0,-1 0 0,0 0 0,5 0 0,5 0 0,0 0 0,9 0 0,-4 0 0,5 0 0,-5 0 0,4 0 0,-9 0 0,9 0 0,-9 0 0,4 0 0,-4 0 0,-1 0 0,0 4 0,1-3 0,-1 2 0,5-3 0,-4 0 0,4 0 0,-4 0 0,-1 0 0,5 0 0,-3 4 0,7-3 0,-7 2 0,13-3 0,-8 0 0,15 0 0,-10 0 0,10 0 0,-10 0 0,9 0 0,-8 0 0,3 0 0,0 0 0,-8 0 0,7 4 0,8-3 0,-8 3 0,13-4 0,-11 0 0,0 0 0,1 0 0,3 0 0,-3 0 0,0 0 0,3-4 0,-3-1 0,-1-5 0,5 1 0,-5-1 0,6-4 0,0 3 0,0-7 0,0 7 0,-5-7 0,4 8 0,-10-7 0,9 6 0,-8-6 0,8 2 0,-9 1 0,5-4 0,-7 8 0,1-6 0,0 6 0,0-7 0,5 2 0,-4-3 0,10-1 0,-10 1 0,10-2 0,-10 2 0,5-5 0,0 3 0,-3-8 0,3 3 0,-3-4 0,-1-1 0,-5 2 0,4-1 0,-8-3 0,4-3 0,-5-4 0,10-23 0,-7 17 0,7-17 0,-14 23 0,-2 5 0,1-3 0,-3 8 0,2-3 0,-4 5 0,0-5 0,0 4 0,1-4 0,-1-1 0,0 0 0,6-6 0,-5 0 0,4 0 0,-4 0 0,0 0 0,-1 6 0,-3 1 0,2-1 0,-3 5 0,0-4 0,8-12 0,-11 13 0,6-14 0,-4 13 0,-3 4 0,4-4 0,-5-1 0,0 5 0,0-4 0,0 5 0,0 0 0,0 0 0,4 1 0,-3-7 0,3 5 0,-4-9 0,0 8 0,0-8 0,0 9 0,0-10 0,0 5 0,0-1 0,0-10 0,0 14 0,0-9 0,0 13 0,0 3 0,0-2 0,0 3 0,0-5 0,0 0 0,0-5 0,0 4 0,-4-5 0,3 1 0,-7 4 0,7-10 0,-8 5 0,8-6 0,-7 5 0,7-3 0,-7 3 0,2-5 0,-3 5 0,0 2 0,0 5 0,-4-11 0,3 8 0,-6-4 0,5 3 0,-1 12 0,7-12 0,-2 9 0,2-5 0,-4 0 0,0 0 0,0 0 0,0 5 0,0-4 0,1 9 0,-4-4 0,-1 8 0,-3-2 0,0 6 0,-1-3 0,1 4 0,0 0 0,4 0 0,-4 0 0,8 0 0,0-5 0,1 4 0,7-7 0,-11 3 0,6-3 0,-11 0 0,7 3 0,-6-2 0,7 7 0,-4-8 0,1 8 0,2-4 0,-2 4 0,3 1 0,-3 3 0,3-3 0,-8 7 0,8-7 0,-7 3 0,6-1 0,-6-2 0,3 6 0,-1-6 0,-2 3 0,7-4 0,-8 4 0,8-3 0,-3 3 0,-1-3 0,4-1 0,-4 1 0,5-1 0,-4 0 0,2 1 0,-2-1 0,0 4 0,2-2 0,-2 2 0,0-1 0,2 2 0,-2 0 0,4 2 0,-1-2 0,1 0 0,0 2 0,-1-3 0,1 4 0,-1-3 0,-3 2 0,3-5 0,-4 2 0,1 0 0,3-3 0,-8 3 0,8-4 0,-7 0 0,-1 1 0,3-1 0,-2 1 0,4-1 0,3 4 0,-4-3 0,1 6 0,3-6 0,-8 3 0,4 0 0,0-3 0,-4 2 0,4 1 0,0-3 0,-4 7 0,11-7 0,-9 6 0,9-2 0,-7 0 0,5 2 0,-4-6 0,-2 6 0,1-3 0,1 1 0,-8-1 0,9-1 0,-13 2 0,11-1 0,0 3 0,-4-2 0,4 3 0,0-4 0,-4 4 0,4-4 0,-4 4 0,-1 0 0,1-3 0,0 2 0,-1-3 0,1 4 0,4 0 0,-4 0 0,8 0 0,-7 0 0,2 0 0,1 0 0,-11 0 0,9 0 0,-9-3 0,2 2 0,3-3 0,-3 0 0,0 4 0,4-4 0,-4 4 0,9-3 0,0 2 0,5-2 0,-1 3 0,1 0 0,0 0 0,0 0 0,0 0 0,0 0 0,-5 0 0,4 0 0,-3 0 0,3 0 0,1 0 0,0 0 0,0 0 0,0 0 0,1 0 0,-2 0 0,1 0 0,0 3 0,0-3 0,-5 7 0,0-6 0,-4 6 0,3-3 0,2 1 0,4-2 0,-1 0 0,1-2 0,0 3 0,2-4 0,2 0 0</inkml:trace>
+</inkml:ink>
+</file>
+
+<file path=ppt/ink/ink48.xml><?xml version="1.0" encoding="utf-8"?>
+<inkml:ink xmlns:inkml="http://www.w3.org/2003/InkML">
+  <inkml:definitions>
+    <inkml:context xml:id="ctx0">
+      <inkml:inkSource xml:id="inkSrc0">
+        <inkml:traceFormat>
+          <inkml:channel name="X" type="integer" min="-2.14748E9" max="2.14748E9" units="cm"/>
+          <inkml:channel name="Y" type="integer" min="-2.14748E9" max="2.14748E9" units="cm"/>
+          <inkml:channel name="F" type="integer" max="32767" units="dev"/>
+        </inkml:traceFormat>
+        <inkml:channelProperties>
+          <inkml:channelProperty channel="X" name="resolution" value="1000" units="1/cm"/>
+          <inkml:channelProperty channel="Y" name="resolution" value="1000" units="1/cm"/>
+          <inkml:channelProperty channel="F" name="resolution" value="0" units="1/dev"/>
+        </inkml:channelProperties>
+      </inkml:inkSource>
+      <inkml:timestamp xml:id="ts0" timeString="2022-06-20T16:36:09.771"/>
+    </inkml:context>
+    <inkml:brush xml:id="br0">
+      <inkml:brushProperty name="width" value="0.1" units="cm"/>
+      <inkml:brushProperty name="height" value="0.1" units="cm"/>
+      <inkml:brushProperty name="color" value="#BFBFBF"/>
+    </inkml:brush>
+  </inkml:definitions>
+  <inkml:trace contextRef="#ctx0" brushRef="#br0">2217 0 24575,'-76'60'0,"0"-1"0,0 0 0,0 0 0,1 1 0,-1-1 0,0 0 0,0 0 0,0 1 0,1-1 0,-5 4 0,-1 0 0,2 0 0,5-5 0,8-6 0,10-9 0,15-11 0,-17 12 0,13-5 0,23-24 0,0 12 0,-5-11 0,12 4 0,-12 0 0,13-5 0,-13 11 0,6-4 0,-1-1 0,-5 6 0,6-5 0,-8 0 0,1 5 0,-1-5 0,7 6 0,-5 1 0,5-1 0,-6 1 0,-1-1 0,7 1 0,-5-1 0,12-6 0,-5 4 0,7-11 0,-1 5 0,1-8 0,6 1 0,-4 0 0,9 0 0,-3 0 0,5-1 0,0 0 0,0 0 0,-6-5 0,4 4 0,-9-4 0,10 6 0,-18 0 0,16 0 0,-15 0 0,11 0 0,-6 0 0,6 0 0,-5 0 0,11 0 0,-5 0 0,1-6 0,3 4 0,-9-10 0,10 10 0,-10-10 0,3 11 0,-4-5 0,5 6 0,-5-6 0,11 4 0,-11-9 0,11 9 0,-10-9 0,9-7 0,-3-18 0,5-5 0,0-17 0,-7 6 0,5-17 0,-4 7 0,-2-17 0,6 7 0,-12 1 0,12-7 0,-5 16 0,7-7 0,0 10 0,0 7 0,-7-6 0,5 15 0,-5-7 0,7 15 0,0-4 0,0 11 0,0-5 0,0 7 0,0 1 0,0 5 0,0 2 0</inkml:trace>
+</inkml:ink>
+</file>
+
+<file path=ppt/ink/ink49.xml><?xml version="1.0" encoding="utf-8"?>
+<inkml:ink xmlns:inkml="http://www.w3.org/2003/InkML">
+  <inkml:definitions>
+    <inkml:context xml:id="ctx0">
+      <inkml:inkSource xml:id="inkSrc0">
+        <inkml:traceFormat>
+          <inkml:channel name="X" type="integer" min="-2.14748E9" max="2.14748E9" units="cm"/>
+          <inkml:channel name="Y" type="integer" min="-2.14748E9" max="2.14748E9" units="cm"/>
+          <inkml:channel name="F" type="integer" max="32767" units="dev"/>
+        </inkml:traceFormat>
+        <inkml:channelProperties>
+          <inkml:channelProperty channel="X" name="resolution" value="1000" units="1/cm"/>
+          <inkml:channelProperty channel="Y" name="resolution" value="1000" units="1/cm"/>
+          <inkml:channelProperty channel="F" name="resolution" value="0" units="1/dev"/>
+        </inkml:channelProperties>
+      </inkml:inkSource>
+      <inkml:timestamp xml:id="ts0" timeString="2022-06-20T16:36:12.043"/>
+    </inkml:context>
+    <inkml:brush xml:id="br0">
+      <inkml:brushProperty name="width" value="0.1" units="cm"/>
+      <inkml:brushProperty name="height" value="0.1" units="cm"/>
+      <inkml:brushProperty name="color" value="#BFBFBF"/>
+    </inkml:brush>
+  </inkml:definitions>
+  <inkml:trace contextRef="#ctx0" brushRef="#br0">1 229 24575,'19'0'0,"10"0"0,10 0 0,-1 0 0,7 0 0,-21 0 0,19 0 0,-20 0 0,14 0 0,-9 0 0,9 0 0,2-14 0,-7 5 0,11-20 0,-12 6 0,16 6 0,-8-10 0,6 17 0,-15-11 0,0 7 0,-3 0 0,-13 7 0,6 0 0,-7 2 0,-1 3 0,0-3 0,0 5 0,1 0 0,0 0 0,-1 0 0,-4-11 0,-3 8 0,-5-7 0</inkml:trace>
+</inkml:ink>
+</file>
+
 <file path=ppt/ink/ink5.xml><?xml version="1.0" encoding="utf-8"?>
 <inkml:ink xmlns:inkml="http://www.w3.org/2003/InkML">
   <inkml:definitions>
@@ -536,6 +1336,285 @@
     </inkml:brush>
   </inkml:definitions>
   <inkml:trace contextRef="#ctx0" brushRef="#br0">2692 115 24575,'-11'0'0,"-3"0"0,6 0 0,-6 0 0,1 0 0,-3 0 0,0 0 0,-1 0 0,1 0 0,4 0 0,-4 0 0,-1 0 0,4 0 0,-7 0 0,7 0 0,-3 0 0,0 0 0,0 0 0,-1 0 0,5 0 0,-3 0 0,2 0 0,-8-4 0,4 3 0,-9-11 0,4 10 0,-5-6 0,0 4 0,0 3 0,5-7 0,-3 3 0,2-3 0,1 3 0,-3-3 0,7 7 0,-8-7 0,9 3 0,-9 0 0,4-2 0,-5 6 0,0-7 0,5 7 0,-3-3 0,7 0 0,-7 3 0,7-2 0,-3 3 0,0 0 0,4 0 0,-4 0 0,4 0 0,1 0 0,4 0 0,-4 0 0,4 0 0,-4 0 0,-1 0 0,1 0 0,0 0 0,4 0 0,-4 0 0,-7 3 0,4-2 0,-7 6 0,5-2 0,3-1 0,-8 4 0,9-3 0,-9 4 0,-3 3 0,0-2 0,0 2 0,3-3 0,-1 0 0,-2 0 0,-3 0 0,5 4 0,0 1 0,1 0 0,-1 3 0,0-7 0,0 7 0,0-3 0,1 3 0,3-3 0,-2 3 0,3-4 0,-5 5 0,0 0 0,5-1 0,-4 1 0,9-5 0,-9 4 0,9-4 0,-9 4 0,-4 4 0,6-3 0,-4 3 0,7-8 0,4 2 0,-4-2 0,4 4 0,1-1 0,0 0 0,0 1 0,-1-1 0,1 0 0,0 1 0,3-1 0,-3 0 0,4 1 0,-5-5 0,5 4 0,-4-4 0,3 9 0,-3-3 0,2 3 0,-9 7 0,8-4 0,-7 10 0,6-7 0,2-5 0,1 4 0,0-4 0,0 4 0,4 1 0,-8 0 0,7 0 0,-3-5 0,0 4 0,4-4 0,-4 0 0,4 4 0,5-9 0,-4 9 0,3-9 0,0 4 0,-2 0 0,6-3 0,-7 19 0,3-16 0,0 16 0,-2-14 0,6-1 0,-7 3 0,7-7 0,-7 8 0,7-9 0,-3 9 0,4-9 0,0 9 0,0-9 0,0 9 0,0-4 0,-4 5 0,3 5 0,-3-4 0,0 4 0,3-5 0,-8 5 0,8-3 0,-3 3 0,0-5 0,3-5 0,-3 4 0,4-9 0,0 4 0,0 0 0,0-4 0,0 9 0,0-4 0,0 5 0,0 5 0,0-3 0,0 3 0,0-5 0,0-1 0,0-3 0,0 2 0,0-7 0,0 7 0,0-7 0,0 3 0,0 0 0,0-4 0,0 4 0,0-4 0,0 4 0,0-4 0,0 4 0,0 0 0,0-3 0,0 7 0,0-7 0,0 19 0,0-12 0,0 14 0,0-12 0,0 0 0,0 0 0,0 0 0,0-1 0,4 1 0,1 0 0,4 0 0,0-1 0,0 1 0,0 0 0,0 5 0,0-8 0,0 7 0,4-9 0,-4 0 0,4-1 0,-5 0 0,0-4 0,1 4 0,-1-8 0,0 2 0,-1-3 0,1 4 0,4 1 0,2 4 0,-2-4 0,4 4 0,-2 0 0,2-4 0,1 4 0,0 0 0,0-3 0,4 3 0,-3-4 0,3 0 0,-5-1 0,5-3 0,-7 3 0,6-7 0,-11 2 0,2-3 0,-4-1 0,1 1 0,-1-1 0,0 1 0,1 2 0,-1-2 0,1 0 0,-1-2 0,6-5 0,0 2 0,4 1 0,0 1 0,-1 6 0,0-2 0,1 3 0,4 1 0,-4-4 0,4 7 0,0-7 0,-4 7 0,9-3 0,-9 0 0,4 3 0,-4-7 0,-1 3 0,0-4 0,1 1 0,-5-2 0,3 1 0,-6 0 0,2-4 0,-4 3 0,5-3 0,-4 4 0,3-4 0,1 3 0,-4-3 0,3 4 0,1 0 0,-4-1 0,7-2 0,-6 1 0,6-1 0,-3 2 0,5 2 0,-5-2 0,3-2 0,-6 1 0,6-5 0,-3 6 0,1-3 0,2 1 0,-6-2 0,6 1 0,-7-4 0,7 8 0,-6-7 0,6 6 0,-7-6 0,8 6 0,-4-6 0,4 3 0,1-1 0,-1-2 0,0 6 0,1-6 0,6 6 0,-5-2 0,2 3 0,-5-4 0,-6 3 0,6-6 0,-7 5 0,7-5 0,-2 2 0,3-3 0,0 0 0,1 0 0,4 0 0,1 0 0,5 4 0,0-3 0,-1 3 0,1 0 0,0 1 0,0 0 0,0 3 0,-5-7 0,3 7 0,-2-7 0,-1 7 0,-1-8 0,-9 4 0,3-4 0,-6 0 0,2 0 0,-4 0 0,1 0 0,-1 0 0,0 0 0,5 0 0,5 0 0,0 0 0,9 0 0,-4 0 0,5 0 0,-5 0 0,4 0 0,-9 0 0,9 0 0,-9 0 0,4 0 0,-4 0 0,-1 0 0,0 4 0,1-3 0,-1 2 0,5-3 0,-4 0 0,4 0 0,-4 0 0,-1 0 0,5 0 0,-3 4 0,7-3 0,-7 2 0,13-3 0,-8 0 0,15 0 0,-10 0 0,10 0 0,-10 0 0,9 0 0,-8 0 0,3 0 0,0 0 0,-8 0 0,7 4 0,8-3 0,-8 3 0,13-4 0,-11 0 0,0 0 0,1 0 0,3 0 0,-3 0 0,0 0 0,3-4 0,-3-1 0,-1-5 0,5 1 0,-5-1 0,6-4 0,0 3 0,0-7 0,0 7 0,-5-7 0,4 8 0,-10-7 0,9 6 0,-8-6 0,8 2 0,-9 1 0,5-4 0,-7 8 0,1-6 0,0 6 0,0-7 0,5 2 0,-4-3 0,10-1 0,-10 1 0,10-2 0,-10 2 0,5-5 0,0 3 0,-3-8 0,3 3 0,-3-4 0,-1-1 0,-5 2 0,4-1 0,-8-3 0,4-3 0,-5-4 0,10-23 0,-7 17 0,7-17 0,-14 23 0,-2 5 0,1-3 0,-3 8 0,2-3 0,-4 5 0,0-5 0,0 4 0,1-4 0,-1-1 0,0 0 0,6-6 0,-5 0 0,4 0 0,-4 0 0,0 0 0,-1 6 0,-3 1 0,2-1 0,-3 5 0,0-4 0,8-12 0,-11 13 0,6-14 0,-4 13 0,-3 4 0,4-4 0,-5-1 0,0 5 0,0-4 0,0 5 0,0 0 0,0 0 0,4 1 0,-3-7 0,3 5 0,-4-9 0,0 8 0,0-8 0,0 9 0,0-10 0,0 5 0,0-1 0,0-10 0,0 14 0,0-9 0,0 13 0,0 3 0,0-2 0,0 3 0,0-5 0,0 0 0,0-5 0,0 4 0,-4-5 0,3 1 0,-7 4 0,7-10 0,-8 5 0,8-6 0,-7 5 0,7-3 0,-7 3 0,2-5 0,-3 5 0,0 2 0,0 5 0,-4-11 0,3 8 0,-6-4 0,5 3 0,-1 12 0,7-12 0,-2 9 0,2-5 0,-4 0 0,0 0 0,0 0 0,0 5 0,0-4 0,1 9 0,-4-4 0,-1 8 0,-3-2 0,0 6 0,-1-3 0,1 4 0,0 0 0,4 0 0,-4 0 0,8 0 0,0-5 0,1 4 0,7-7 0,-11 3 0,6-3 0,-11 0 0,7 3 0,-6-2 0,7 7 0,-4-8 0,1 8 0,2-4 0,-2 4 0,3 1 0,-3 3 0,3-3 0,-8 7 0,8-7 0,-7 3 0,6-1 0,-6-2 0,3 6 0,-1-6 0,-2 3 0,7-4 0,-8 4 0,8-3 0,-3 3 0,-1-3 0,4-1 0,-4 1 0,5-1 0,-4 0 0,2 1 0,-2-1 0,0 4 0,2-2 0,-2 2 0,0-1 0,2 2 0,-2 0 0,4 2 0,-1-2 0,1 0 0,0 2 0,-1-3 0,1 4 0,-1-3 0,-3 2 0,3-5 0,-4 2 0,1 0 0,3-3 0,-8 3 0,8-4 0,-7 0 0,-1 1 0,3-1 0,-2 1 0,4-1 0,3 4 0,-4-3 0,1 6 0,3-6 0,-8 3 0,4 0 0,0-3 0,-4 2 0,4 1 0,0-3 0,-4 7 0,11-7 0,-9 6 0,9-2 0,-7 0 0,5 2 0,-4-6 0,-2 6 0,1-3 0,1 1 0,-8-1 0,9-1 0,-13 2 0,11-1 0,0 3 0,-4-2 0,4 3 0,0-4 0,-4 4 0,4-4 0,-4 4 0,-1 0 0,1-3 0,0 2 0,-1-3 0,1 4 0,4 0 0,-4 0 0,8 0 0,-7 0 0,2 0 0,1 0 0,-11 0 0,9 0 0,-9-3 0,2 2 0,3-3 0,-3 0 0,0 4 0,4-4 0,-4 4 0,9-3 0,0 2 0,5-2 0,-1 3 0,1 0 0,0 0 0,0 0 0,0 0 0,0 0 0,-5 0 0,4 0 0,-3 0 0,3 0 0,1 0 0,0 0 0,0 0 0,0 0 0,1 0 0,-2 0 0,1 0 0,0 3 0,0-3 0,-5 7 0,0-6 0,-4 6 0,3-3 0,2 1 0,4-2 0,-1 0 0,1-2 0,0 3 0,2-4 0,2 0 0</inkml:trace>
+</inkml:ink>
+</file>
+
+<file path=ppt/ink/ink50.xml><?xml version="1.0" encoding="utf-8"?>
+<inkml:ink xmlns:inkml="http://www.w3.org/2003/InkML">
+  <inkml:definitions>
+    <inkml:context xml:id="ctx0">
+      <inkml:inkSource xml:id="inkSrc0">
+        <inkml:traceFormat>
+          <inkml:channel name="X" type="integer" min="-2.14748E9" max="2.14748E9" units="cm"/>
+          <inkml:channel name="Y" type="integer" min="-2.14748E9" max="2.14748E9" units="cm"/>
+          <inkml:channel name="F" type="integer" max="32767" units="dev"/>
+        </inkml:traceFormat>
+        <inkml:channelProperties>
+          <inkml:channelProperty channel="X" name="resolution" value="1000" units="1/cm"/>
+          <inkml:channelProperty channel="Y" name="resolution" value="1000" units="1/cm"/>
+          <inkml:channelProperty channel="F" name="resolution" value="0" units="1/dev"/>
+        </inkml:channelProperties>
+      </inkml:inkSource>
+      <inkml:timestamp xml:id="ts0" timeString="2022-06-20T16:36:14.880"/>
+    </inkml:context>
+    <inkml:brush xml:id="br0">
+      <inkml:brushProperty name="width" value="0.1" units="cm"/>
+      <inkml:brushProperty name="height" value="0.1" units="cm"/>
+      <inkml:brushProperty name="color" value="#BFBFBF"/>
+    </inkml:brush>
+  </inkml:definitions>
+  <inkml:trace contextRef="#ctx0" brushRef="#br0">0 6 24575,'12'0'0,"7"0"0,-4-5 0,11 9 0,4 6 0,1 6 0,5 12 0,1-4 0,-7 5 0,25 3 0,-21 5 0,22 6 0,-24-4 0,19 20 0,-12-25 0,-2 33 0,9-23 0,-10 14 0,7 1 0,6-6 0,-5 5 0,-2-8 0,-2-2 0,0 1 0,-7-2 0,7 2 0,-8-2 0,-1 0 0,0-1 0,0 1 0,1 0 0,-2-8 0,-6 6 0,3-15 0,-11 7 0,4-16 0,-6 6 0,-1-12 0,1 4 0,-2-12 0,1 4 0,0-9 0,-1 3 0,1 1 0,0 1 0,-1 6 0,1-6 0,0 4 0,0-4 0,0 0 0,0 5 0,0-5 0,-1 0 0,1 5 0,0-11 0,0 10 0,0-3 0,0-1 0,-1 4 0,1-4 0,0 6 0,7 1 0,-5-7 0,4 5 0,-6-11 0,0 11 0,-1-11 0,1 10 0,-1-10 0,0 10 0,1-9 0,0 9 0,0-10 0,-7 10 0,6-10 0,-6 5 0,7-6 0,-1 6 0,1 1 0,0 0 0,0 4 0,0-4 0,0 1 0,-1-3 0,-4 1 0,3-5 0,-10 4 0,5-5 0</inkml:trace>
+</inkml:ink>
+</file>
+
+<file path=ppt/ink/ink51.xml><?xml version="1.0" encoding="utf-8"?>
+<inkml:ink xmlns:inkml="http://www.w3.org/2003/InkML">
+  <inkml:definitions>
+    <inkml:context xml:id="ctx0">
+      <inkml:inkSource xml:id="inkSrc0">
+        <inkml:traceFormat>
+          <inkml:channel name="X" type="integer" min="-2.14748E9" max="2.14748E9" units="cm"/>
+          <inkml:channel name="Y" type="integer" min="-2.14748E9" max="2.14748E9" units="cm"/>
+          <inkml:channel name="F" type="integer" max="32767" units="dev"/>
+        </inkml:traceFormat>
+        <inkml:channelProperties>
+          <inkml:channelProperty channel="X" name="resolution" value="1000" units="1/cm"/>
+          <inkml:channelProperty channel="Y" name="resolution" value="1000" units="1/cm"/>
+          <inkml:channelProperty channel="F" name="resolution" value="0" units="1/dev"/>
+        </inkml:channelProperties>
+      </inkml:inkSource>
+      <inkml:timestamp xml:id="ts0" timeString="2022-06-20T16:36:17.499"/>
+    </inkml:context>
+    <inkml:brush xml:id="br0">
+      <inkml:brushProperty name="width" value="0.1" units="cm"/>
+      <inkml:brushProperty name="height" value="0.1" units="cm"/>
+      <inkml:brushProperty name="color" value="#BFBFBF"/>
+    </inkml:brush>
+  </inkml:definitions>
+  <inkml:trace contextRef="#ctx0" brushRef="#br0">0 1001 24575,'44'0'0,"4"0"0,10 0 0,8 0 0,-17 0 0,7 0 0,-9 0 0,0 0 0,0 0 0,-9 0 0,7 0 0,-6 0 0,0 0 0,5 0 0,-13 0 0,23 0 0,-21 0 0,21 0 0,-24 0 0,7 0 0,-9 0 0,1 0 0,-8 0 0,-1 0 0,-7 0 0,0 0 0,-1 0 0,1 0 0,0 0 0,0 0 0,-1 0 0,1 0 0,0 0 0,0 0 0,0 0 0,0 0 0,-6-11 0,-1 4 0,-6-11 0,0-1 0,0-11 0,0-8 0,-15-18 0,3-3 0,-12-9 0,11 14 0,0-1 0,-5-14 0,5 15 0,1 2 0,3 3 0,-5-8 0,12 19 0,-5 8 0,7 10 0,0 7 0,0 1 0,-5 5 0,4-8 0,-5 6 0,6-8 0,0 4 0,0 0 0,0 0 0,0-7 0,0 6 0,0-6 0,0 7 0,0 0 0,0 1 0,0 5 0,0 2 0</inkml:trace>
+</inkml:ink>
+</file>
+
+<file path=ppt/ink/ink52.xml><?xml version="1.0" encoding="utf-8"?>
+<inkml:ink xmlns:inkml="http://www.w3.org/2003/InkML">
+  <inkml:definitions>
+    <inkml:context xml:id="ctx0">
+      <inkml:inkSource xml:id="inkSrc0">
+        <inkml:traceFormat>
+          <inkml:channel name="X" type="integer" min="-2.14748E9" max="2.14748E9" units="cm"/>
+          <inkml:channel name="Y" type="integer" min="-2.14748E9" max="2.14748E9" units="cm"/>
+          <inkml:channel name="F" type="integer" max="32767" units="dev"/>
+        </inkml:traceFormat>
+        <inkml:channelProperties>
+          <inkml:channelProperty channel="X" name="resolution" value="1000" units="1/cm"/>
+          <inkml:channelProperty channel="Y" name="resolution" value="1000" units="1/cm"/>
+          <inkml:channelProperty channel="F" name="resolution" value="0" units="1/dev"/>
+        </inkml:channelProperties>
+      </inkml:inkSource>
+      <inkml:timestamp xml:id="ts0" timeString="2022-06-20T16:47:44.932"/>
+    </inkml:context>
+    <inkml:brush xml:id="br0">
+      <inkml:brushProperty name="width" value="0.1" units="cm"/>
+      <inkml:brushProperty name="height" value="0.1" units="cm"/>
+    </inkml:brush>
+  </inkml:definitions>
+  <inkml:trace contextRef="#ctx0" brushRef="#br0">1 402 24575,'59'0'0,"14"0"0,14 0-1312,-27 0 1,4 0 1311,-1 0 0,4 0-768,18 0 0,3 0 768,-10 0 0,5 0 0,0 0 0,7 0 0,-6 0 0,6 0 0,-1 0-399,-9 0 1,4 0 0,-5 0 398,1 0 0,-3 0 0,1 0 0,1 0-730,7 0 1,1 0 729,-5 0 0,-3 0 19,-11 0 1,-1 0-20,8 0 0,-2 0 0,-20 0 0,-1 0 0,18 0 0,0 0 0,-5 0 0,-4 0 0,-9 0 0,-1 0 1468,45 0-1468,-34 0 0,-2-7 2155,-13 5-2155,-14-5 1850,-6 7-1850,-13 0 1301,-1 0-1301,8 0 0,2-7 0,16 5 0,-7-4 0,16 6 0,-15-7 0,5 5 0,-7-4 0,-8 6 0,-2 0 0,-8 0 0,1 0 0,0 0 0,7-7 0,1 5 0,50-13 0,-13 13 0,25-13 0,-14 13 0,-18-5 0,7-1 0,1 7 0,-17-7 0,15 8 0,-26 0 0,16 0 0,-16 0 0,16 0 0,-7 0 0,9 0 0,-9 0 0,6 0 0,-14 0 0,-2 0 0,-2 0 0,-14 0 0,6 0 0,-7 0 0,-1 0 0,1 0 0,-1 0 0,8 0 0,2 0 0,16 0 0,2 0 0,0 0 0,-2 0 0,-9 0 0,0 0 0,-7 0 0,-2 0 0,-7 0 0,-1 0 0,1 0 0,15 0 0,5 0 0,16 0 0,-1 0 0,1 0 0,0 0 0,0 0 0,-9 0 0,-2 0 0,-16 0 0,-2 0 0,-8 0 0,1 0 0,0 0 0,7 0 0,2 0 0,7 0 0,0 0 0,0 0 0,1 0 0,-9 0 0,-1 0 0,-7 0 0,0 6 0,-1-4 0,0 4 0,0-6 0,0 0 0,0 0 0,1 0 0,0 0 0,-1 6 0,1-4 0,-6 9 0,-2-15 0,-6 3 0,-6-12 0,-2 0 0,-6-1 0,-7 0 0,-1-1 0,-2-7 0,-5 6 0,6-13 0,-1 6 0,3 0 0,0 1 0,5 8 0,1 0 0,3 0 0,5 7 0,0-5 0,-10 11 0,8-5 0,-10-8 0,5 11 0,0-10 0,0 13 0,7-7 0,-5 6 0,16-5 0,3 6 0,7 0 0,6 0 0,-7 6 0,1 1 0,0 7 0,-1 0 0,8 0 0,-5 0 0,5 0 0,-8 0 0,1 0 0,7 0 0,-5 0 0,5 0 0,-8 0 0,1-1 0,7 2 0,-6-2 0,7 2 0,-9-2 0,1 1 0,-1 0 0,-5-1 0,4-5 0,-5 4 0,6-5 0,0 0 0,-6 4 0,5-9 0,-5 4 0,0 0 0,-7 0 0,-1 7 0,-11 0 0,5 1 0,-7 0 0,1-1 0,-8 2 0,-2-1 0,-8 8 0,1 2 0,-9 0 0,7 4 0,-7-3 0,0 6 0,7-7 0,-16 7 0,16-7 0,-7 1 0,15 3 0,-5-4 0,6 0 0,-1 4 0,3-4 0,-1-1 0,12-2 0,-10-6 0,19-2 0,-12 1 0,12-1 0,-11-5 0,11-2 0,-4-6 0</inkml:trace>
+</inkml:ink>
+</file>
+
+<file path=ppt/ink/ink53.xml><?xml version="1.0" encoding="utf-8"?>
+<inkml:ink xmlns:inkml="http://www.w3.org/2003/InkML">
+  <inkml:definitions>
+    <inkml:context xml:id="ctx0">
+      <inkml:inkSource xml:id="inkSrc0">
+        <inkml:traceFormat>
+          <inkml:channel name="X" type="integer" min="-2.14748E9" max="2.14748E9" units="cm"/>
+          <inkml:channel name="Y" type="integer" min="-2.14748E9" max="2.14748E9" units="cm"/>
+          <inkml:channel name="F" type="integer" max="32767" units="dev"/>
+        </inkml:traceFormat>
+        <inkml:channelProperties>
+          <inkml:channelProperty channel="X" name="resolution" value="1000" units="1/cm"/>
+          <inkml:channelProperty channel="Y" name="resolution" value="1000" units="1/cm"/>
+          <inkml:channelProperty channel="F" name="resolution" value="0" units="1/dev"/>
+        </inkml:channelProperties>
+      </inkml:inkSource>
+      <inkml:timestamp xml:id="ts0" timeString="2022-06-20T16:48:06.939"/>
+    </inkml:context>
+    <inkml:brush xml:id="br0">
+      <inkml:brushProperty name="width" value="0.1" units="cm"/>
+      <inkml:brushProperty name="height" value="0.1" units="cm"/>
+      <inkml:brushProperty name="color" value="#A9A9A9"/>
+    </inkml:brush>
+  </inkml:definitions>
+  <inkml:trace contextRef="#ctx0" brushRef="#br0">0 0 24575,'0'0'0</inkml:trace>
+</inkml:ink>
+</file>
+
+<file path=ppt/ink/ink54.xml><?xml version="1.0" encoding="utf-8"?>
+<inkml:ink xmlns:inkml="http://www.w3.org/2003/InkML">
+  <inkml:definitions>
+    <inkml:context xml:id="ctx0">
+      <inkml:inkSource xml:id="inkSrc0">
+        <inkml:traceFormat>
+          <inkml:channel name="X" type="integer" min="-2.14748E9" max="2.14748E9" units="cm"/>
+          <inkml:channel name="Y" type="integer" min="-2.14748E9" max="2.14748E9" units="cm"/>
+          <inkml:channel name="F" type="integer" max="32767" units="dev"/>
+        </inkml:traceFormat>
+        <inkml:channelProperties>
+          <inkml:channelProperty channel="X" name="resolution" value="1000" units="1/cm"/>
+          <inkml:channelProperty channel="Y" name="resolution" value="1000" units="1/cm"/>
+          <inkml:channelProperty channel="F" name="resolution" value="0" units="1/dev"/>
+        </inkml:channelProperties>
+      </inkml:inkSource>
+      <inkml:timestamp xml:id="ts0" timeString="2022-06-20T16:48:07.018"/>
+    </inkml:context>
+    <inkml:brush xml:id="br0">
+      <inkml:brushProperty name="width" value="0.1" units="cm"/>
+      <inkml:brushProperty name="height" value="0.1" units="cm"/>
+      <inkml:brushProperty name="color" value="#A9A9A9"/>
+    </inkml:brush>
+  </inkml:definitions>
+  <inkml:trace contextRef="#ctx0" brushRef="#br0">0 0 24575,'0'0'0</inkml:trace>
+</inkml:ink>
+</file>
+
+<file path=ppt/ink/ink55.xml><?xml version="1.0" encoding="utf-8"?>
+<inkml:ink xmlns:inkml="http://www.w3.org/2003/InkML">
+  <inkml:definitions>
+    <inkml:context xml:id="ctx0">
+      <inkml:inkSource xml:id="inkSrc0">
+        <inkml:traceFormat>
+          <inkml:channel name="X" type="integer" min="-2.14748E9" max="2.14748E9" units="cm"/>
+          <inkml:channel name="Y" type="integer" min="-2.14748E9" max="2.14748E9" units="cm"/>
+          <inkml:channel name="F" type="integer" max="32767" units="dev"/>
+        </inkml:traceFormat>
+        <inkml:channelProperties>
+          <inkml:channelProperty channel="X" name="resolution" value="1000" units="1/cm"/>
+          <inkml:channelProperty channel="Y" name="resolution" value="1000" units="1/cm"/>
+          <inkml:channelProperty channel="F" name="resolution" value="0" units="1/dev"/>
+        </inkml:channelProperties>
+      </inkml:inkSource>
+      <inkml:timestamp xml:id="ts0" timeString="2022-06-20T16:48:21.639"/>
+    </inkml:context>
+    <inkml:brush xml:id="br0">
+      <inkml:brushProperty name="width" value="0.1" units="cm"/>
+      <inkml:brushProperty name="height" value="0.1" units="cm"/>
+      <inkml:brushProperty name="color" value="#E71224"/>
+    </inkml:brush>
+  </inkml:definitions>
+  <inkml:trace contextRef="#ctx0" brushRef="#br0">1 1021 24575,'0'-20'0,"0"-21"0,0-2 0,0-27 0,0 17 0,0-16 0,0 16 0,7-2 0,1-4 0,4-17 0,-4 14 0,1 3 0,-2 1 0,-7 6 0,0 22 0,0-1 0,0 1 0,7 0 0,-5 7 0,11-6 0,-11 14 0,4-6 0,0 7 0,-4 1 0,10 5 0,-11 2 0,5 6 0</inkml:trace>
+</inkml:ink>
+</file>
+
+<file path=ppt/ink/ink56.xml><?xml version="1.0" encoding="utf-8"?>
+<inkml:ink xmlns:inkml="http://www.w3.org/2003/InkML">
+  <inkml:definitions>
+    <inkml:context xml:id="ctx0">
+      <inkml:inkSource xml:id="inkSrc0">
+        <inkml:traceFormat>
+          <inkml:channel name="X" type="integer" min="-2.14748E9" max="2.14748E9" units="cm"/>
+          <inkml:channel name="Y" type="integer" min="-2.14748E9" max="2.14748E9" units="cm"/>
+          <inkml:channel name="F" type="integer" max="32767" units="dev"/>
+        </inkml:traceFormat>
+        <inkml:channelProperties>
+          <inkml:channelProperty channel="X" name="resolution" value="1000" units="1/cm"/>
+          <inkml:channelProperty channel="Y" name="resolution" value="1000" units="1/cm"/>
+          <inkml:channelProperty channel="F" name="resolution" value="0" units="1/dev"/>
+        </inkml:channelProperties>
+      </inkml:inkSource>
+      <inkml:timestamp xml:id="ts0" timeString="2022-06-20T16:48:23.160"/>
+    </inkml:context>
+    <inkml:brush xml:id="br0">
+      <inkml:brushProperty name="width" value="0.1" units="cm"/>
+      <inkml:brushProperty name="height" value="0.1" units="cm"/>
+      <inkml:brushProperty name="color" value="#E71224"/>
+    </inkml:brush>
+  </inkml:definitions>
+  <inkml:trace contextRef="#ctx0" brushRef="#br0">1 471 24575,'19'0'0,"-1"0"0,-4 0 0,-1 0 0,1 0 0,12-7 0,-15 0 0,22-1 0,-23-12 0,11 11 0,9-14 0,-11 2 0,11 10 0,0-10 0,-12 6 0,20-2 0,-15-5 0,1 0 0,4 12 0,-4-10 0,6 11 0,-13-5 0,2 6 0,-10-12 0,4 17 0,1-11 0,-1 9 0,1-3 0,-1 1 0,-6-5 0,5 5 0,-4-1 0,-1-4 0,4 10 0,-4-4 0,7-7 0,-1 3 0,9-11 0,-6-1 0,5 12 0,-6-9 0,-2 17 0,-5-4 0,-2 6 0</inkml:trace>
+</inkml:ink>
+</file>
+
+<file path=ppt/ink/ink57.xml><?xml version="1.0" encoding="utf-8"?>
+<inkml:ink xmlns:inkml="http://www.w3.org/2003/InkML">
+  <inkml:definitions>
+    <inkml:context xml:id="ctx0">
+      <inkml:inkSource xml:id="inkSrc0">
+        <inkml:traceFormat>
+          <inkml:channel name="X" type="integer" min="-2.14748E9" max="2.14748E9" units="cm"/>
+          <inkml:channel name="Y" type="integer" min="-2.14748E9" max="2.14748E9" units="cm"/>
+          <inkml:channel name="F" type="integer" max="32767" units="dev"/>
+        </inkml:traceFormat>
+        <inkml:channelProperties>
+          <inkml:channelProperty channel="X" name="resolution" value="1000" units="1/cm"/>
+          <inkml:channelProperty channel="Y" name="resolution" value="1000" units="1/cm"/>
+          <inkml:channelProperty channel="F" name="resolution" value="0" units="1/dev"/>
+        </inkml:channelProperties>
+      </inkml:inkSource>
+      <inkml:timestamp xml:id="ts0" timeString="2022-06-20T16:48:27.210"/>
+    </inkml:context>
+    <inkml:brush xml:id="br0">
+      <inkml:brushProperty name="width" value="0.1" units="cm"/>
+      <inkml:brushProperty name="height" value="0.1" units="cm"/>
+      <inkml:brushProperty name="color" value="#E71224"/>
+    </inkml:brush>
+  </inkml:definitions>
+  <inkml:trace contextRef="#ctx0" brushRef="#br0">384 0 24575,'-13'0'0,"0"0"0,-1 0 0,1 0 0,-8 0 0,-1 0 0,0 0 0,-5 0 0,11 0 0,-17 0 0,10 0 0,-4 6 0,8 1 0,11 7 0,-3-1 0,3 0 0,1 0 0,-5 1 0,4-1 0,1 1 0,-5-7 0,11 5 0,-5-5 0,0 6 0,5 0 0,-11-5 0,10 4 0,-10-5 0,10 7 0,-4-1 0,6 0 0,0 0 0,0 0 0,0 0 0,0 1 0,0-1 0,0 1 0,6-7 0,1-2 0,6-5 0,-5 6 0,3-4 0,-4 4 0,6-6 0,0 0 0,1 0 0,-1 0 0,0 0 0,0 0 0,0 0 0,-5-6 0,4-2 0,-4-5 0,5-1 0,1 0 0,0 7 0,-7-5 0,5 10 0,-10-10 0,10 11 0,-5-11 0,7 4 0,-2-4 0,2-2 0,-7 2 0,5 5 0,-11-5 0,11 4 0,-10-5 0,10-1 0,-11 0 0,12 1 0,-6-1 0,7 6 0,-7-4 0,5 5 0,-16 5 0,9 10 0,-17 6 0,5 6 0,-7-6 0,0-1 0,1 1 0,-1-1 0,0 1 0,1 0 0,-1-1 0,0 1 0,7 0 0,-5-1 0,10 1 0,-10 0 0,10-1 0,-4 0 0,6 0 0,0 1 0,0 0 0,-13 0 0,10 0 0,-11 0 0,14 0 0,0-1 0,0 1 0,0-1 0,6 0 0,2 0 0,-1 1 0,6-1 0,-6-5 0,6-2 0,0-6 0,0 0 0,0 0 0,1 0 0,-1 0 0,1 0 0,-1 0 0,1 0 0,-1 0 0,1 0 0,7 0 0,2 0 0,0 0 0,5-7 0,-12 6 0,5-12 0,-8 11 0,1-4 0,-1 0 0,1-1 0,-2-6 0,-4-7 0,4 4 0,-11-12 0,11 12 0,-10-12 0,4 5 0,0-7 0,-4 7 0,5 2 0,-7 7 0,0 1 0,0-1 0,0 0 0,0 1 0,-6 6 0,-9-5 0,0 10 0,-6-5 0,7 1 0,1 5 0,-1-5 0,0 6 0,1 0 0,0 0 0,0 0 0,6-6 0,-4 4 0,9-10 0,-9 11 0,4-5 0,-7 0 0,1-2 0,-1-5 0,-7 5 0,12-4 0,-11 4 0,12 1 0,1-5 0,-5 10 0,10-4 0,-4 6 0</inkml:trace>
+</inkml:ink>
+</file>
+
+<file path=ppt/ink/ink58.xml><?xml version="1.0" encoding="utf-8"?>
+<inkml:ink xmlns:inkml="http://www.w3.org/2003/InkML">
+  <inkml:definitions>
+    <inkml:context xml:id="ctx0">
+      <inkml:inkSource xml:id="inkSrc0">
+        <inkml:traceFormat>
+          <inkml:channel name="X" type="integer" min="-2.14748E9" max="2.14748E9" units="cm"/>
+          <inkml:channel name="Y" type="integer" min="-2.14748E9" max="2.14748E9" units="cm"/>
+          <inkml:channel name="F" type="integer" max="32767" units="dev"/>
+        </inkml:traceFormat>
+        <inkml:channelProperties>
+          <inkml:channelProperty channel="X" name="resolution" value="1000" units="1/cm"/>
+          <inkml:channelProperty channel="Y" name="resolution" value="1000" units="1/cm"/>
+          <inkml:channelProperty channel="F" name="resolution" value="0" units="1/dev"/>
+        </inkml:channelProperties>
+      </inkml:inkSource>
+      <inkml:timestamp xml:id="ts0" timeString="2022-06-20T16:48:46.895"/>
+    </inkml:context>
+    <inkml:brush xml:id="br0">
+      <inkml:brushProperty name="width" value="0.1" units="cm"/>
+      <inkml:brushProperty name="height" value="0.1" units="cm"/>
+      <inkml:brushProperty name="color" value="#E71224"/>
+    </inkml:brush>
+  </inkml:definitions>
+  <inkml:trace contextRef="#ctx0" brushRef="#br0">10 1 24575,'0'14'0,"0"4"0,0-2 0,-5-4 0,4 2 0,-3-9 0,4 5 0,0-1 0,0 1 0,0-1 0,0 0 0,0 0 0,0 0 0,0 0 0,0 0 0,0 0 0,0 6 0,0-4 0,0 9 0,0-4 0,0 5 0,0 1 0,0-1 0,0 0 0,0-5 0,0-1 0,0-5 0,0 0 0,4-1 0,1 0 0,4 0 0,1 1 0,0 0 0,-1-1 0,1 1 0,0 0 0,-1-1 0,-3 1 0,2-5 0,-3 0 0,5-5 0,-1 0 0,1 0 0,0 0 0,4 0 0,-3 0 0,9 0 0,-9 0 0,4 0 0,-5 0 0,5 0 0,-4 0 0,3 0 0,-4 0 0,0 0 0,-1 0 0,1 0 0,0 0 0,-1 0 0,1 0 0,-1 0 0,1 0 0,-2 0 0,1 0 0,-4-9 0,-1 3 0,-4-7 0,0-2 0,5-1 0,-4 0 0,4 1 0,-5 0 0,0 4 0,0-3 0,-4 8 0,3-2 0,-7-2 0,-3-2 0,-1-8 0,-3 3 0,5 1 0,-6-4 0,5 9 0,-4-9 0,5 9 0,0-4 0,0 6 0,1-1 0,-1 1 0,1-1 0,-1 5 0,0-4 0,1 4 0,-1-1 0,0-2 0,1 2 0,-1-3 0,0 3 0,1-2 0,-1 2 0,1 1 0,-1 1 0,5 0 0,-2 2 0,6-10 0,-3 11 0,4-7 0</inkml:trace>
+</inkml:ink>
+</file>
+
+<file path=ppt/ink/ink59.xml><?xml version="1.0" encoding="utf-8"?>
+<inkml:ink xmlns:inkml="http://www.w3.org/2003/InkML">
+  <inkml:definitions>
+    <inkml:context xml:id="ctx0">
+      <inkml:inkSource xml:id="inkSrc0">
+        <inkml:traceFormat>
+          <inkml:channel name="X" type="integer" min="-2.14748E9" max="2.14748E9" units="cm"/>
+          <inkml:channel name="Y" type="integer" min="-2.14748E9" max="2.14748E9" units="cm"/>
+          <inkml:channel name="F" type="integer" max="32767" units="dev"/>
+        </inkml:traceFormat>
+        <inkml:channelProperties>
+          <inkml:channelProperty channel="X" name="resolution" value="1000" units="1/cm"/>
+          <inkml:channelProperty channel="Y" name="resolution" value="1000" units="1/cm"/>
+          <inkml:channelProperty channel="F" name="resolution" value="0" units="1/dev"/>
+        </inkml:channelProperties>
+      </inkml:inkSource>
+      <inkml:timestamp xml:id="ts0" timeString="2022-06-20T16:48:32.051"/>
+    </inkml:context>
+    <inkml:brush xml:id="br0">
+      <inkml:brushProperty name="width" value="0.1" units="cm"/>
+      <inkml:brushProperty name="height" value="0.1" units="cm"/>
+      <inkml:brushProperty name="color" value="#E71224"/>
+    </inkml:brush>
+  </inkml:definitions>
+  <inkml:trace contextRef="#ctx0" brushRef="#br0">0 0 24575,'13'0'0,"0"0"0,1 0 0,-1 0 0,17 0 0,-12 0 0,19 0 0,-14 7 0,0 8 0,15 2 0,-13 5 0,7 1 0,-3-6 0,-5-2 0,-1 5 0,-8-11 0,5 13 0,-10-8 0,11 0 0,-8 0 0,1 0 0,0-1 0,-1 1 0,1 0 0,0-1 0,-1 1 0,1 0 0,-1-7 0,0 5 0,0-11 0,0 5 0,0-6 0,-6 5 0,4-3 0,-4 9 0,6-9 0,1 10 0,0-4 0,-1-1 0,1 5 0,0-4 0,-1 5 0,1-5 0,0 4 0,-7-5 0,5 1 0,-10 3 0,10-9 0,-5 3 0,6-5 0,-6 6 0,5-4 0,-4 4 0,-1 0 0,5-5 0,-5 11 0,6-11 0,-7 11 0,6-11 0,-10 11 0,10-10 0,-5 3 0,1-5 0,-3 0 0</inkml:trace>
 </inkml:ink>
 </file>
 
@@ -566,6 +1645,285 @@
 </inkml:ink>
 </file>
 
+<file path=ppt/ink/ink60.xml><?xml version="1.0" encoding="utf-8"?>
+<inkml:ink xmlns:inkml="http://www.w3.org/2003/InkML">
+  <inkml:definitions>
+    <inkml:context xml:id="ctx0">
+      <inkml:inkSource xml:id="inkSrc0">
+        <inkml:traceFormat>
+          <inkml:channel name="X" type="integer" min="-2.14748E9" max="2.14748E9" units="cm"/>
+          <inkml:channel name="Y" type="integer" min="-2.14748E9" max="2.14748E9" units="cm"/>
+          <inkml:channel name="F" type="integer" max="32767" units="dev"/>
+        </inkml:traceFormat>
+        <inkml:channelProperties>
+          <inkml:channelProperty channel="X" name="resolution" value="1000" units="1/cm"/>
+          <inkml:channelProperty channel="Y" name="resolution" value="1000" units="1/cm"/>
+          <inkml:channelProperty channel="F" name="resolution" value="0" units="1/dev"/>
+        </inkml:channelProperties>
+      </inkml:inkSource>
+      <inkml:timestamp xml:id="ts0" timeString="2022-06-20T16:48:33.748"/>
+    </inkml:context>
+    <inkml:brush xml:id="br0">
+      <inkml:brushProperty name="width" value="0.1" units="cm"/>
+      <inkml:brushProperty name="height" value="0.1" units="cm"/>
+      <inkml:brushProperty name="color" value="#E71224"/>
+    </inkml:brush>
+  </inkml:definitions>
+  <inkml:trace contextRef="#ctx0" brushRef="#br0">1 0 24575,'0'13'0,"0"7"0,0 3 0,0 0 0,0-2 0,0-7 0,0-1 0,0 8 0,0-5 0,0 5 0,0 0 0,0-5 0,0 12 0,0-5 0,0 0 0,0 5 0,0-5 0,6 26 0,-4-22 0,10 18 0,-11-30 0,5 5 0,-6-7 0,6 0 0,-4 0 0,10 1 0,-10 7 0,10 2 0,-10 7 0,12 0 0,-7-7 0,2 5 0,3-5 0,-4 0 0,0-2 0,5 0 0,-11-5 0,11 5 0,-12 0 0,11-6 0,-10 6 0,10-7 0,-11 7 0,5-5 0,1 5 0,-6-8 0,5 1 0,0 0 0,-4-1 0,4-6 0,-6-1 0</inkml:trace>
+</inkml:ink>
+</file>
+
+<file path=ppt/ink/ink61.xml><?xml version="1.0" encoding="utf-8"?>
+<inkml:ink xmlns:inkml="http://www.w3.org/2003/InkML">
+  <inkml:definitions>
+    <inkml:context xml:id="ctx0">
+      <inkml:inkSource xml:id="inkSrc0">
+        <inkml:traceFormat>
+          <inkml:channel name="X" type="integer" min="-2.14748E9" max="2.14748E9" units="cm"/>
+          <inkml:channel name="Y" type="integer" min="-2.14748E9" max="2.14748E9" units="cm"/>
+          <inkml:channel name="F" type="integer" max="32767" units="dev"/>
+        </inkml:traceFormat>
+        <inkml:channelProperties>
+          <inkml:channelProperty channel="X" name="resolution" value="1000" units="1/cm"/>
+          <inkml:channelProperty channel="Y" name="resolution" value="1000" units="1/cm"/>
+          <inkml:channelProperty channel="F" name="resolution" value="0" units="1/dev"/>
+        </inkml:channelProperties>
+      </inkml:inkSource>
+      <inkml:timestamp xml:id="ts0" timeString="2022-06-20T16:48:51.331"/>
+    </inkml:context>
+    <inkml:brush xml:id="br0">
+      <inkml:brushProperty name="width" value="0.1" units="cm"/>
+      <inkml:brushProperty name="height" value="0.1" units="cm"/>
+      <inkml:brushProperty name="color" value="#E71224"/>
+    </inkml:brush>
+  </inkml:definitions>
+  <inkml:trace contextRef="#ctx0" brushRef="#br0">1 125 24575,'0'-20'0,"0"6"0,0-5 0,3 13 0,3-3 0,-1 5 0,3 3 0,-3-8 0,5 4 0,-1 0 0,-4-3 0,4 7 0,-4-4 0,0 1 0,4 3 0,-4-3 0,4 4 0,0 0 0,1 0 0,-5-5 0,4 4 0,-4-3 0,4 4 0,1 0 0,-2 0 0,7 0 0,1 0 0,0 0 0,4 0 0,-9 0 0,4 0 0,-6 0 0,1 0 0,-1 0 0,0 0 0,0 0 0,1 0 0,-1 0 0,1 0 0,-1 4 0,1-3 0,-1 4 0,1-1 0,-1 1 0,0 0 0,0 3 0,1-7 0,0 8 0,-1-4 0,1 0 0,-1 4 0,1-4 0,0 1 0,-5 2 0,4-7 0,-8 8 0,7-8 0,-7 8 0,3-4 0,0 4 0,-3 1 0,8-1 0,-3 6 0,-1-4 0,5 9 0,-9-4 0,8 0 0,-8 4 0,3-9 0,-4 4 0,0 0 0,0-4 0,0 4 0,0-6 0,0 0 0,0 0 0,0 0 0,-4 0 0,-1-4 0,-4-1 0,0-4 0,0 0 0,-1 0 0,1 0 0,0 0 0,0 0 0,-4 0 0,2 0 0,-7 0 0,2 0 0,-6 0 0,6-4 0,-4 3 0,9-3 0,-4-1 0,6 4 0,-1-3 0,5 0 0,-4 3 0,4-4 0,-3 5 0,-7-4 0,-1-2 0,-5-5 0,0 0 0,-1 1 0,1-1 0,5 1 0,-4 4 0,9-3 0,-4 8 0,10-7 0,-4 7 0,4-4 0,-4 5 0,0 0 0,0 0 0,0 0 0,0 0 0,-1 0 0,5-3 0,-3 2 0,7-3 0,-2 4 0</inkml:trace>
+</inkml:ink>
+</file>
+
+<file path=ppt/ink/ink62.xml><?xml version="1.0" encoding="utf-8"?>
+<inkml:ink xmlns:inkml="http://www.w3.org/2003/InkML">
+  <inkml:definitions>
+    <inkml:context xml:id="ctx0">
+      <inkml:inkSource xml:id="inkSrc0">
+        <inkml:traceFormat>
+          <inkml:channel name="X" type="integer" min="-2.14748E9" max="2.14748E9" units="cm"/>
+          <inkml:channel name="Y" type="integer" min="-2.14748E9" max="2.14748E9" units="cm"/>
+          <inkml:channel name="F" type="integer" max="32767" units="dev"/>
+        </inkml:traceFormat>
+        <inkml:channelProperties>
+          <inkml:channelProperty channel="X" name="resolution" value="1000" units="1/cm"/>
+          <inkml:channelProperty channel="Y" name="resolution" value="1000" units="1/cm"/>
+          <inkml:channelProperty channel="F" name="resolution" value="0" units="1/dev"/>
+        </inkml:channelProperties>
+      </inkml:inkSource>
+      <inkml:timestamp xml:id="ts0" timeString="2022-06-20T16:54:09.810"/>
+    </inkml:context>
+    <inkml:brush xml:id="br0">
+      <inkml:brushProperty name="width" value="0.1" units="cm"/>
+      <inkml:brushProperty name="height" value="0.1" units="cm"/>
+    </inkml:brush>
+  </inkml:definitions>
+  <inkml:trace contextRef="#ctx0" brushRef="#br0">2692 115 24575,'-11'0'0,"-3"0"0,6 0 0,-6 0 0,1 0 0,-3 0 0,0 0 0,-1 0 0,1 0 0,4 0 0,-4 0 0,-1 0 0,4 0 0,-7 0 0,7 0 0,-3 0 0,0 0 0,0 0 0,-1 0 0,5 0 0,-3 0 0,2 0 0,-8-4 0,4 3 0,-9-11 0,4 10 0,-5-6 0,0 4 0,0 3 0,5-7 0,-3 3 0,2-3 0,1 3 0,-3-3 0,7 7 0,-8-7 0,9 3 0,-9 0 0,4-2 0,-5 6 0,0-7 0,5 7 0,-3-3 0,7 0 0,-7 3 0,7-2 0,-3 3 0,0 0 0,4 0 0,-4 0 0,4 0 0,1 0 0,4 0 0,-4 0 0,4 0 0,-4 0 0,-1 0 0,1 0 0,0 0 0,4 0 0,-4 0 0,-7 3 0,4-2 0,-7 6 0,5-2 0,3-1 0,-8 4 0,9-3 0,-9 4 0,-3 3 0,0-2 0,0 2 0,3-3 0,-1 0 0,-2 0 0,-3 0 0,5 4 0,0 1 0,1 0 0,-1 3 0,0-7 0,0 7 0,0-3 0,1 3 0,3-3 0,-2 3 0,3-4 0,-5 5 0,0 0 0,5-1 0,-4 1 0,9-5 0,-9 4 0,9-4 0,-9 4 0,-4 4 0,6-3 0,-4 3 0,7-8 0,4 2 0,-4-2 0,4 4 0,1-1 0,0 0 0,0 1 0,-1-1 0,1 0 0,0 1 0,3-1 0,-3 0 0,4 1 0,-5-5 0,5 4 0,-4-4 0,3 9 0,-3-3 0,2 3 0,-9 7 0,8-4 0,-7 10 0,6-7 0,2-5 0,1 4 0,0-4 0,0 4 0,4 1 0,-8 0 0,7 0 0,-3-5 0,0 4 0,4-4 0,-4 0 0,4 4 0,5-9 0,-4 9 0,3-9 0,0 4 0,-2 0 0,6-3 0,-7 19 0,3-16 0,0 16 0,-2-14 0,6-1 0,-7 3 0,7-7 0,-7 8 0,7-9 0,-3 9 0,4-9 0,0 9 0,0-9 0,0 9 0,0-4 0,-4 5 0,3 5 0,-3-4 0,0 4 0,3-5 0,-8 5 0,8-3 0,-3 3 0,0-5 0,3-5 0,-3 4 0,4-9 0,0 4 0,0 0 0,0-4 0,0 9 0,0-4 0,0 5 0,0 5 0,0-3 0,0 3 0,0-5 0,0-1 0,0-3 0,0 2 0,0-7 0,0 7 0,0-7 0,0 3 0,0 0 0,0-4 0,0 4 0,0-4 0,0 4 0,0-4 0,0 4 0,0 0 0,0-3 0,0 7 0,0-7 0,0 19 0,0-12 0,0 14 0,0-12 0,0 0 0,0 0 0,0 0 0,0-1 0,4 1 0,1 0 0,4 0 0,0-1 0,0 1 0,0 0 0,0 5 0,0-8 0,0 7 0,4-9 0,-4 0 0,4-1 0,-5 0 0,0-4 0,1 4 0,-1-8 0,0 2 0,-1-3 0,1 4 0,4 1 0,2 4 0,-2-4 0,4 4 0,-2 0 0,2-4 0,1 4 0,0 0 0,0-3 0,4 3 0,-3-4 0,3 0 0,-5-1 0,5-3 0,-7 3 0,6-7 0,-11 2 0,2-3 0,-4-1 0,1 1 0,-1-1 0,0 1 0,1 2 0,-1-2 0,1 0 0,-1-2 0,6-5 0,0 2 0,4 1 0,0 1 0,-1 6 0,0-2 0,1 3 0,4 1 0,-4-4 0,4 7 0,0-7 0,-4 7 0,9-3 0,-9 0 0,4 3 0,-4-7 0,-1 3 0,0-4 0,1 1 0,-5-2 0,3 1 0,-6 0 0,2-4 0,-4 3 0,5-3 0,-4 4 0,3-4 0,1 3 0,-4-3 0,3 4 0,1 0 0,-4-1 0,7-2 0,-6 1 0,6-1 0,-3 2 0,5 2 0,-5-2 0,3-2 0,-6 1 0,6-5 0,-3 6 0,1-3 0,2 1 0,-6-2 0,6 1 0,-7-4 0,7 8 0,-6-7 0,6 6 0,-7-6 0,8 6 0,-4-6 0,4 3 0,1-1 0,-1-2 0,0 6 0,1-6 0,6 6 0,-5-2 0,2 3 0,-5-4 0,-6 3 0,6-6 0,-7 5 0,7-5 0,-2 2 0,3-3 0,0 0 0,1 0 0,4 0 0,1 0 0,5 4 0,0-3 0,-1 3 0,1 0 0,0 1 0,0 0 0,0 3 0,-5-7 0,3 7 0,-2-7 0,-1 7 0,-1-8 0,-9 4 0,3-4 0,-6 0 0,2 0 0,-4 0 0,1 0 0,-1 0 0,0 0 0,5 0 0,5 0 0,0 0 0,9 0 0,-4 0 0,5 0 0,-5 0 0,4 0 0,-9 0 0,9 0 0,-9 0 0,4 0 0,-4 0 0,-1 0 0,0 4 0,1-3 0,-1 2 0,5-3 0,-4 0 0,4 0 0,-4 0 0,-1 0 0,5 0 0,-3 4 0,7-3 0,-7 2 0,13-3 0,-8 0 0,15 0 0,-10 0 0,10 0 0,-10 0 0,9 0 0,-8 0 0,3 0 0,0 0 0,-8 0 0,7 4 0,8-3 0,-8 3 0,13-4 0,-11 0 0,0 0 0,1 0 0,3 0 0,-3 0 0,0 0 0,3-4 0,-3-1 0,-1-5 0,5 1 0,-5-1 0,6-4 0,0 3 0,0-7 0,0 7 0,-5-7 0,4 8 0,-10-7 0,9 6 0,-8-6 0,8 2 0,-9 1 0,5-4 0,-7 8 0,1-6 0,0 6 0,0-7 0,5 2 0,-4-3 0,10-1 0,-10 1 0,10-2 0,-10 2 0,5-5 0,0 3 0,-3-8 0,3 3 0,-3-4 0,-1-1 0,-5 2 0,4-1 0,-8-3 0,4-3 0,-5-4 0,10-23 0,-7 17 0,7-17 0,-14 23 0,-2 5 0,1-3 0,-3 8 0,2-3 0,-4 5 0,0-5 0,0 4 0,1-4 0,-1-1 0,0 0 0,6-6 0,-5 0 0,4 0 0,-4 0 0,0 0 0,-1 6 0,-3 1 0,2-1 0,-3 5 0,0-4 0,8-12 0,-11 13 0,6-14 0,-4 13 0,-3 4 0,4-4 0,-5-1 0,0 5 0,0-4 0,0 5 0,0 0 0,0 0 0,4 1 0,-3-7 0,3 5 0,-4-9 0,0 8 0,0-8 0,0 9 0,0-10 0,0 5 0,0-1 0,0-10 0,0 14 0,0-9 0,0 13 0,0 3 0,0-2 0,0 3 0,0-5 0,0 0 0,0-5 0,0 4 0,-4-5 0,3 1 0,-7 4 0,7-10 0,-8 5 0,8-6 0,-7 5 0,7-3 0,-7 3 0,2-5 0,-3 5 0,0 2 0,0 5 0,-4-11 0,3 8 0,-6-4 0,5 3 0,-1 12 0,7-12 0,-2 9 0,2-5 0,-4 0 0,0 0 0,0 0 0,0 5 0,0-4 0,1 9 0,-4-4 0,-1 8 0,-3-2 0,0 6 0,-1-3 0,1 4 0,0 0 0,4 0 0,-4 0 0,8 0 0,0-5 0,1 4 0,7-7 0,-11 3 0,6-3 0,-11 0 0,7 3 0,-6-2 0,7 7 0,-4-8 0,1 8 0,2-4 0,-2 4 0,3 1 0,-3 3 0,3-3 0,-8 7 0,8-7 0,-7 3 0,6-1 0,-6-2 0,3 6 0,-1-6 0,-2 3 0,7-4 0,-8 4 0,8-3 0,-3 3 0,-1-3 0,4-1 0,-4 1 0,5-1 0,-4 0 0,2 1 0,-2-1 0,0 4 0,2-2 0,-2 2 0,0-1 0,2 2 0,-2 0 0,4 2 0,-1-2 0,1 0 0,0 2 0,-1-3 0,1 4 0,-1-3 0,-3 2 0,3-5 0,-4 2 0,1 0 0,3-3 0,-8 3 0,8-4 0,-7 0 0,-1 1 0,3-1 0,-2 1 0,4-1 0,3 4 0,-4-3 0,1 6 0,3-6 0,-8 3 0,4 0 0,0-3 0,-4 2 0,4 1 0,0-3 0,-4 7 0,11-7 0,-9 6 0,9-2 0,-7 0 0,5 2 0,-4-6 0,-2 6 0,1-3 0,1 1 0,-8-1 0,9-1 0,-13 2 0,11-1 0,0 3 0,-4-2 0,4 3 0,0-4 0,-4 4 0,4-4 0,-4 4 0,-1 0 0,1-3 0,0 2 0,-1-3 0,1 4 0,4 0 0,-4 0 0,8 0 0,-7 0 0,2 0 0,1 0 0,-11 0 0,9 0 0,-9-3 0,2 2 0,3-3 0,-3 0 0,0 4 0,4-4 0,-4 4 0,9-3 0,0 2 0,5-2 0,-1 3 0,1 0 0,0 0 0,0 0 0,0 0 0,0 0 0,-5 0 0,4 0 0,-3 0 0,3 0 0,1 0 0,0 0 0,0 0 0,0 0 0,1 0 0,-2 0 0,1 0 0,0 3 0,0-3 0,-5 7 0,0-6 0,-4 6 0,3-3 0,2 1 0,4-2 0,-1 0 0,1-2 0,0 3 0,2-4 0,2 0 0</inkml:trace>
+</inkml:ink>
+</file>
+
+<file path=ppt/ink/ink63.xml><?xml version="1.0" encoding="utf-8"?>
+<inkml:ink xmlns:inkml="http://www.w3.org/2003/InkML">
+  <inkml:definitions>
+    <inkml:context xml:id="ctx0">
+      <inkml:inkSource xml:id="inkSrc0">
+        <inkml:traceFormat>
+          <inkml:channel name="X" type="integer" min="-2.14748E9" max="2.14748E9" units="cm"/>
+          <inkml:channel name="Y" type="integer" min="-2.14748E9" max="2.14748E9" units="cm"/>
+          <inkml:channel name="F" type="integer" max="32767" units="dev"/>
+        </inkml:traceFormat>
+        <inkml:channelProperties>
+          <inkml:channelProperty channel="X" name="resolution" value="1000" units="1/cm"/>
+          <inkml:channelProperty channel="Y" name="resolution" value="1000" units="1/cm"/>
+          <inkml:channelProperty channel="F" name="resolution" value="0" units="1/dev"/>
+        </inkml:channelProperties>
+      </inkml:inkSource>
+      <inkml:timestamp xml:id="ts0" timeString="2022-06-20T16:55:36.464"/>
+    </inkml:context>
+    <inkml:brush xml:id="br0">
+      <inkml:brushProperty name="width" value="0.1" units="cm"/>
+      <inkml:brushProperty name="height" value="0.1" units="cm"/>
+      <inkml:brushProperty name="color" value="#BFBFBF"/>
+    </inkml:brush>
+  </inkml:definitions>
+  <inkml:trace contextRef="#ctx0" brushRef="#br0">3525 1 24575,'0'26'0,"0"5"0,0-8 0,0 11 0,0-12 0,0 12 0,-15 5 0,11-2 0,-16 2 0,8-6 0,0-4 0,-10 6 0,8 7 0,-8-5 0,8 12 0,-16-3 0,8 6 0,-10 0 0,6-1 0,-6 2 0,5-1 0,-6 1 0,8-9 0,1-2 0,1-7 0,-1 0 0,1 0 0,-2 7 0,2-5 0,-2 5 0,1 1 0,0-7 0,0 7 0,1-8 0,-1 0 0,1 0 0,-1 0 0,2-6 0,4 5 0,-3-5 0,3 0 0,0 4 0,-4 4 0,4-1 0,-7 14 0,0-6 0,-7 8 0,4 0 0,-11 2 0,11-2 0,-3-6 0,7-4 0,-1 0 0,7-12 0,-5 11 0,0 4 0,4-6 0,-8 11 0,8-14 0,-4-1 0,5 0 0,-4 0 0,3 7 0,0-5 0,-4 5 0,10-7 0,-4 8 0,0-7 0,3 14 0,-10-6 0,4 15 0,-14 11 0,4 1 0,-12 15 0,19-22 0,-18 20 0,18-21 0,-13 23-428,8-6 428,-1 0 0,6 7 0,-9 6 0,15-9 0,-8 0 0,12-25 0,0-8 0,-4-7 0,3 5 0,-4-5 0,0 7 428,-2 0-428,0 8 0,-5-6 0,5 5 0,-5-7 0,-1 0 0,1 0 0,6-8 0,-4 0 0,10-15 0,-9 6 0,10-5 0,-5 0 0,-4 14 0,7-11 0,-12 6 0,13-4 0,-8-5 0,8 0 0,-3 4 0,5-10 0,0 5 0,0-7 0,0 0 0,5 1 0,-3-6 0,4 4 0,-20 31 0,10-8 0,-11 22 0,9-23 0,4 0 0,-10-5 0,9 13 0,-3-14 0,10 7 0,-3-14 0,4-2 0,1-11 0,0-1 0,5-5 0,0-1 0,-4-3 0,2 2 0,-6-2 0,2 8 0,-4 2 0,-1 6 0,-5 5 0,4 2 0,-11 6 0,5 16 0,0-18 0,7 16 0,1-26 0,4 4 0,0 1 0,-3-5 0,3-1 0,1-2 0,-4-4 0,7 0 0,-7 4 0,3-9 0,1 9 0,-4-9 0,3 9 0,1-3 0,-5 4 0,4 0 0,-5 7 0,0 1 0,5 0 0,-10 20 0,13-16 0,-12 11 0,14-10 0,-4-12 0,1 6 0,2-7 0,-2 0 0,-1 7 0,3 1 0,-8 6 0,3 0 0,1 0 0,-4 0 0,3 0 0,1-6 0,0 4 0,2-10 0,3 5 0,-4-12 0,5-1 0,0-1 0,-4-3 0,2 9 0,-6 1 0,2 1 0,-4 4 0,4-10 0,1-1 0,1-6 0,3 1 0,-3 0 0,4-1 0,0 1 0,0-1 0,-5 1 0,0-1 0,0 1 0,-4 5 0,3 1 0,-5 11 0,0-4 0,-1 11 0,1-11 0,0 4 0,1-5 0,-1-1 0,0 0 0,1 1 0,-1-1 0,0 0 0,1 1 0,-2 5 0,2-4 0,-6 5 0,3-1 0,-7-4 0,8 4 0,1-10 0,2-3 0,4-4 0,-1 0 0,2-1 0,0 1 0,-2 0 0,-3-1 0,-1 1 0,0 5 0,0 1 0,-6 5 0,5 1 0,-10-1 0,14 0 0,-6-5 0,7-1 0,1-5 0,1 0 0,-1-1 0,0 1 0,0-1 0,-4 1 0,4-1 0,0 1 0,-4 5 0,3-4 0,0 4 0,2-6 0,0 1 0,3-1 0,-3 1 0,4 0 0,-4-5 0,3 3 0,-3-3 0,4 4 0,0 1 0,0-1 0,0 0 0,0 1 0,0 5 0,-10 1 0,8 5 0,-8-5 0,6-1 0,3-5 0,-3-1 0,4 1 0,0 0 0,0-5 0,0-1 0</inkml:trace>
+</inkml:ink>
+</file>
+
+<file path=ppt/ink/ink64.xml><?xml version="1.0" encoding="utf-8"?>
+<inkml:ink xmlns:inkml="http://www.w3.org/2003/InkML">
+  <inkml:definitions>
+    <inkml:context xml:id="ctx0">
+      <inkml:inkSource xml:id="inkSrc0">
+        <inkml:traceFormat>
+          <inkml:channel name="X" type="integer" min="-2.14748E9" max="2.14748E9" units="cm"/>
+          <inkml:channel name="Y" type="integer" min="-2.14748E9" max="2.14748E9" units="cm"/>
+          <inkml:channel name="F" type="integer" max="32767" units="dev"/>
+        </inkml:traceFormat>
+        <inkml:channelProperties>
+          <inkml:channelProperty channel="X" name="resolution" value="1000" units="1/cm"/>
+          <inkml:channelProperty channel="Y" name="resolution" value="1000" units="1/cm"/>
+          <inkml:channelProperty channel="F" name="resolution" value="0" units="1/dev"/>
+        </inkml:channelProperties>
+      </inkml:inkSource>
+      <inkml:timestamp xml:id="ts0" timeString="2022-06-20T16:55:41.927"/>
+    </inkml:context>
+    <inkml:brush xml:id="br0">
+      <inkml:brushProperty name="width" value="0.1" units="cm"/>
+      <inkml:brushProperty name="height" value="0.1" units="cm"/>
+      <inkml:brushProperty name="color" value="#BFBFBF"/>
+    </inkml:brush>
+  </inkml:definitions>
+  <inkml:trace contextRef="#ctx0" brushRef="#br0">0 0 24575,'0'20'0,"0"-5"0,0 5 0,0-4 0,0 5 0,0-6 0,0 5 0,0-1 0,0 3 0,0 7 0,0-11 0,0 12 0,5-18 0,1 15 0,-1-11 0,9 5 0,-11 0 0,11 1 0,-3 5 0,-3-4 0,12 5 0,-13-1 0,9 2 0,1 6 0,-4 0 0,9 1 0,-9-1 0,3-11 0,-5 2 0,0-10 0,-1 0 0,0-1 0,-5-6 0,0 1 0,-5-1 0,0 0 0,4-4 0,-3 3 0,3-3 0,0 5 0,-2 0 0,2-1 0,-4 1 0,0-1 0,4-3 0,-3 2 0,3-3 0,-4 5 0,0 0 0,0-1 0,0 1 0,0-1 0,0 1 0,0 0 0,0-1 0,0 1 0,0 0 0,5-1 0,-4 1 0,3 0 0,-4-1 0,0 1 0,0 0 0,0-1 0,0 0 0,4-4 0,1-1 0,4-8 0,1 3 0,5-8 0,1 3 0,5-10 0,7 4 0,1-9 0,0 4 0,6-13 0,-6 6 0,2-5 0,2 5 0,-15 3 0,9 3 0,-11-2 0,0 9 0,0-9 0,-6 3 0,5-4 0,2 0 0,5-7 0,0 5 0,1-10 0,-1 10 0,0-5 0,-1 7 0,1 0 0,-1-1 0,-5 6 0,4 1 0,-8 0 0,3 4 0,0-5 0,-4 6 0,4-5 0,-5 4 0,5-4 0,-4 5 0,4 0 0,-5 0 0,-1 1 0,1-1 0,5 0 0,-4 0 0,4-5 0,-5 8 0,0-6 0,-1 7 0,1 1 0,0 1 0,-5-1 0,3 4 0,-7-3 0,3 4 0</inkml:trace>
+</inkml:ink>
+</file>
+
+<file path=ppt/ink/ink65.xml><?xml version="1.0" encoding="utf-8"?>
+<inkml:ink xmlns:inkml="http://www.w3.org/2003/InkML">
+  <inkml:definitions>
+    <inkml:context xml:id="ctx0">
+      <inkml:inkSource xml:id="inkSrc0">
+        <inkml:traceFormat>
+          <inkml:channel name="X" type="integer" min="-2.14748E9" max="2.14748E9" units="cm"/>
+          <inkml:channel name="Y" type="integer" min="-2.14748E9" max="2.14748E9" units="cm"/>
+          <inkml:channel name="F" type="integer" max="32767" units="dev"/>
+        </inkml:traceFormat>
+        <inkml:channelProperties>
+          <inkml:channelProperty channel="X" name="resolution" value="1000" units="1/cm"/>
+          <inkml:channelProperty channel="Y" name="resolution" value="1000" units="1/cm"/>
+          <inkml:channelProperty channel="F" name="resolution" value="0" units="1/dev"/>
+        </inkml:channelProperties>
+      </inkml:inkSource>
+      <inkml:timestamp xml:id="ts0" timeString="2022-06-20T16:55:53.762"/>
+    </inkml:context>
+    <inkml:brush xml:id="br0">
+      <inkml:brushProperty name="width" value="0.1" units="cm"/>
+      <inkml:brushProperty name="height" value="0.1" units="cm"/>
+      <inkml:brushProperty name="color" value="#BFBFBF"/>
+    </inkml:brush>
+  </inkml:definitions>
+  <inkml:trace contextRef="#ctx0" brushRef="#br0">1 0 24575,'0'15'0,"0"3"0,0-7 0,0 15 0,0-13 0,0 13 0,5-10 0,-4 0 0,4 10 0,4-8 0,-7 4 0,13 5 0,-9-10 0,6 17 0,-1-5 0,0 0 0,6 5 0,-4-5 0,9 6 0,-5-6 0,1 4 0,4 3 0,-9 1 0,5 12 0,-6-12 0,6 5 0,-5-7 0,3 0 0,-4-6 0,-1 5 0,0-11 0,0-1 0,-1-2 0,1-4 0,-1 5 0,0-4 0,1 9 0,0-9 0,0 17 0,1-5 0,-6 0 0,5 12 0,-4-10 0,4 5 0,1-3 0,-1-4 0,1 6 0,-1-6 0,0-1 0,0-1 0,0-4 0,0 4 0,5 4 0,-4-1 0,4 2 0,-5 2 0,5-11 0,-4 11 0,9-12 0,-8 12 0,2-11 0,-4 4 0,5-5 0,-5-1 0,5 7 0,-5-6 0,5 6 0,-4-7 0,4 7 0,-5 1 0,1 6 0,-1 0 0,1 0 0,0 0 0,0 7 0,0-5 0,0 5 0,0-7 0,-1 0 0,6 0 0,-4 1 0,4-7 0,-6-2 0,0 0 0,0-4 0,5 5 0,-5-7 0,5 1 0,-5-1 0,0 6 0,-1-4 0,2 5 0,-1-1 0,0 2 0,0 0 0,1 5 0,-1-5 0,1 6 0,0 7 0,0-5 0,0 5 0,0 0 0,0 2 0,1 7 0,0 0 0,-6 0 0,4-7 0,-5-1 0,1-8 0,-2-6 0,0-2 0,-4-5 0,4-1 0,0 0 0,-4 1 0,3-1 0,-4 0 0,6 7 0,-5 1 0,4 0 0,0 4 0,-3-4 0,3 13 0,0-5 0,-4-1 0,4-2 0,6 10 0,-9-11 0,14 16 0,-15-26 0,9 5 0,-3-1 0,-1-4 0,4 5 0,-4-7 0,4 0 0,-4 7 0,4-5 0,-4 4 0,4-6 0,1 1 0,0-1 0,-5 0 0,3 1 0,-3-1 0,5 1 0,-1-1 0,2 6 0,-2-4 0,6 5 0,-3-1 0,2-4 0,-3 11 0,4-5 0,-3 6 0,4 0 0,0 0 0,-4 0 0,9 0 0,-9 0 0,9 1 0,-4-1 0,7 7 0,-7-5 0,4-1 0,-4 13 0,4-22 0,-5 16 0,-1-22 0,-6 0 0,1 1 0,0-1 0,-5-5 0,3 4 0,-3-4 0,5 12 0,-5-5 0,4 4 0,-4-5 0,0-1 0,3 0 0,-3 1 0,5-1 0,-5 0 0,3 1 0,-3-1 0,6 6 0,-6 2 0,4 6 0,2 23 0,1-17 0,4 10 0,-5-17 0,-1-11 0,-1-1 0,-4-2 0,-2-9 0,0 3 0,-2 1 0,7 1 0,-3 6 0,4-1 0,-4 0 0,4 1 0,-4-1 0,4 1 0,1-1 0,-1-5 0,1 4 0,-1-4 0,5 6 0,-2 5 0,8 2 0,3 29 0,1-10 0,5 11 0,-6-17 0,0 0 0,-6-11 0,0 10 0,-7-18 0,0 10 0,0-10 0,0-1 0,-5-7 0,3 0 0,-8 1 0,4 0 0,-1 4 0,-3-4 0,9 1 0,-9 3 0,8-4 0,-8 0 0,8 4 0,-3-4 0,0 0 0,4 14 0,-5-17 0,1 17 0,-2-19 0,1 3 0,-4 1 0,7-4 0,-7 4 0,8 0 0,-8-4 0,4 4 0,0 0 0,-4 1 0,8 0 0,-3 4 0,-1 2 0,5 1 0,-4 5 0,5-1 0,0-4 0,6 11 0,-5-5 0,10 6 0,-8 7 0,18 10 0,-15 1 0,10 0 0,-14-11 0,-2-13 0,0-1 0,0-7 0,-1 0 0,0-5 0,1-1 0,-6-5 0,3 0 0,-6-1 0,2 1 0,0-1 0,-3 1 0,8 0 0,-8-1 0,3 1 0,-4 0 0,0-1 0,4-3 0,-3 2 0,3-3 0,-4 4 0,0 0 0,0 1 0,0-1 0,0 1 0,0-1 0,0 1 0,4-5 0,-3 3 0,3 2 0,-4 6 0,5 5 0,1 1 0,0-1 0,3 0 0,-8-5 0,8-1 0,-7-5 0,2 0 0,-4-1 0,0 0 0,0 1 0,0-1 0,4 0 0,-3 1 0,3-1 0,-4 0 0,0 0 0,0 0 0,0 1 0,0-1 0,0 0 0,0 0 0,4-4 0,1-2 0,4-3 0,-4 4 0,-1-3 0,-4 3 0</inkml:trace>
+</inkml:ink>
+</file>
+
+<file path=ppt/ink/ink66.xml><?xml version="1.0" encoding="utf-8"?>
+<inkml:ink xmlns:inkml="http://www.w3.org/2003/InkML">
+  <inkml:definitions>
+    <inkml:context xml:id="ctx0">
+      <inkml:inkSource xml:id="inkSrc0">
+        <inkml:traceFormat>
+          <inkml:channel name="X" type="integer" min="-2.14748E9" max="2.14748E9" units="cm"/>
+          <inkml:channel name="Y" type="integer" min="-2.14748E9" max="2.14748E9" units="cm"/>
+          <inkml:channel name="F" type="integer" max="32767" units="dev"/>
+        </inkml:traceFormat>
+        <inkml:channelProperties>
+          <inkml:channelProperty channel="X" name="resolution" value="1000" units="1/cm"/>
+          <inkml:channelProperty channel="Y" name="resolution" value="1000" units="1/cm"/>
+          <inkml:channelProperty channel="F" name="resolution" value="0" units="1/dev"/>
+        </inkml:channelProperties>
+      </inkml:inkSource>
+      <inkml:timestamp xml:id="ts0" timeString="2022-06-20T16:55:57.347"/>
+    </inkml:context>
+    <inkml:brush xml:id="br0">
+      <inkml:brushProperty name="width" value="0.1" units="cm"/>
+      <inkml:brushProperty name="height" value="0.1" units="cm"/>
+      <inkml:brushProperty name="color" value="#BFBFBF"/>
+    </inkml:brush>
+  </inkml:definitions>
+  <inkml:trace contextRef="#ctx0" brushRef="#br0">1 299 24575,'9'-4'0,"3"7"0,-1-2 0,0 14 0,10 2 0,-10 4 0,10 1 0,-10-1 0,10-4 0,-4 9 0,0-8 0,4 5 0,-3 3 0,-2-13 0,6 19 0,-11-19 0,11 19 0,-15-20 0,14 21 0,-14-16 0,5 6 0,2-3 0,-2 5 0,4-1 0,0 7 0,-6-10 0,0-5 0,6 4 0,-5-4 0,4 1 0,-5-3 0,-4-4 0,2 0 0,-7-1 0,8 1 0,-4-1 0,4 1 0,0-1 0,1 1 0,0-1 0,0 6 0,0-4 0,0 4 0,-1-6 0,1 1 0,-5 0 0,4-5 0,-5-1 0,11-4 0,-5 0 0,5 0 0,-5 0 0,-1 0 0,1 0 0,0 0 0,-1 0 0,-3-3 0,-2-2 0,-4-5 0,0 1 0,0 0 0,0-1 0,0-5 0,0-7 0,0-7 0,0-6 0,0 0 0,0-7 0,6-2 0,0 0 0,12 2 0,-5-1 0,4 13 0,-6-5 0,0 19 0,-1-4 0,0 13 0,-4-7 0,2 13 0,-7-7 0,8 3 0,-4-10 0,5-1 0,1-5 0,0-1 0,0-5 0,4 4 0,-2-11 0,2 17 0,-4-4 0,-1 11 0,-5 0 0,-1 1 0,-4 0 0,4 4 0,-3-3 0,7-1 0,-7-2 0,7-2 0,-7 3 0,4 1 0,-5-1 0,4 0 0,-3 1 0,7 0 0,-7 0 0,7 0 0,-3-1 0,0 1 0,-1-1 0,1 5 0,-4-3 0,3 3 0,0-5 0,-3 1 0,8-1 0,-8 1 0,7-1 0,-6 0 0,6 5 0,-7-3 0,3 3 0,-4-5 0,4 1 0,-3 0 0,3 3 0,-4 2 0</inkml:trace>
+</inkml:ink>
+</file>
+
+<file path=ppt/ink/ink67.xml><?xml version="1.0" encoding="utf-8"?>
+<inkml:ink xmlns:inkml="http://www.w3.org/2003/InkML">
+  <inkml:definitions>
+    <inkml:context xml:id="ctx0">
+      <inkml:inkSource xml:id="inkSrc0">
+        <inkml:traceFormat>
+          <inkml:channel name="X" type="integer" min="-2.14748E9" max="2.14748E9" units="cm"/>
+          <inkml:channel name="Y" type="integer" min="-2.14748E9" max="2.14748E9" units="cm"/>
+          <inkml:channel name="F" type="integer" max="32767" units="dev"/>
+        </inkml:traceFormat>
+        <inkml:channelProperties>
+          <inkml:channelProperty channel="X" name="resolution" value="1000" units="1/cm"/>
+          <inkml:channelProperty channel="Y" name="resolution" value="1000" units="1/cm"/>
+          <inkml:channelProperty channel="F" name="resolution" value="0" units="1/dev"/>
+        </inkml:channelProperties>
+      </inkml:inkSource>
+      <inkml:timestamp xml:id="ts0" timeString="2022-06-20T16:56:06.939"/>
+    </inkml:context>
+    <inkml:brush xml:id="br0">
+      <inkml:brushProperty name="width" value="0.1" units="cm"/>
+      <inkml:brushProperty name="height" value="0.1" units="cm"/>
+      <inkml:brushProperty name="color" value="#E71224"/>
+    </inkml:brush>
+  </inkml:definitions>
+  <inkml:trace contextRef="#ctx0" brushRef="#br0">10 1 24575,'0'14'0,"0"4"0,0-2 0,-5-4 0,4 2 0,-3-9 0,4 5 0,0-1 0,0 1 0,0-1 0,0 0 0,0 0 0,0 0 0,0 0 0,0 0 0,0 0 0,0 6 0,0-4 0,0 9 0,0-4 0,0 5 0,0 1 0,0-1 0,0 0 0,0-5 0,0-1 0,0-5 0,0 0 0,4-1 0,1 0 0,4 0 0,1 1 0,0 0 0,-1-1 0,1 1 0,0 0 0,-1-1 0,-3 1 0,2-5 0,-3 0 0,5-5 0,-1 0 0,1 0 0,0 0 0,4 0 0,-3 0 0,9 0 0,-9 0 0,4 0 0,-5 0 0,5 0 0,-4 0 0,3 0 0,-4 0 0,0 0 0,-1 0 0,1 0 0,0 0 0,-1 0 0,1 0 0,-1 0 0,1 0 0,-2 0 0,1 0 0,-4-9 0,-1 3 0,-4-7 0,0-2 0,5-1 0,-4 0 0,4 1 0,-5 0 0,0 4 0,0-3 0,-4 8 0,3-2 0,-7-2 0,-3-2 0,-1-8 0,-3 3 0,5 1 0,-6-4 0,5 9 0,-4-9 0,5 9 0,0-4 0,0 6 0,1-1 0,-1 1 0,1-1 0,-1 5 0,0-4 0,1 4 0,-1-1 0,0-2 0,1 2 0,-1-3 0,0 3 0,1-2 0,-1 2 0,1 1 0,-1 1 0,5 0 0,-2 2 0,6-10 0,-3 11 0,4-7 0</inkml:trace>
+</inkml:ink>
+</file>
+
+<file path=ppt/ink/ink68.xml><?xml version="1.0" encoding="utf-8"?>
+<inkml:ink xmlns:inkml="http://www.w3.org/2003/InkML">
+  <inkml:definitions>
+    <inkml:context xml:id="ctx0">
+      <inkml:inkSource xml:id="inkSrc0">
+        <inkml:traceFormat>
+          <inkml:channel name="X" type="integer" min="-2.14748E9" max="2.14748E9" units="cm"/>
+          <inkml:channel name="Y" type="integer" min="-2.14748E9" max="2.14748E9" units="cm"/>
+          <inkml:channel name="F" type="integer" max="32767" units="dev"/>
+        </inkml:traceFormat>
+        <inkml:channelProperties>
+          <inkml:channelProperty channel="X" name="resolution" value="1000" units="1/cm"/>
+          <inkml:channelProperty channel="Y" name="resolution" value="1000" units="1/cm"/>
+          <inkml:channelProperty channel="F" name="resolution" value="0" units="1/dev"/>
+        </inkml:channelProperties>
+      </inkml:inkSource>
+      <inkml:timestamp xml:id="ts0" timeString="2022-06-20T16:56:06.940"/>
+    </inkml:context>
+    <inkml:brush xml:id="br0">
+      <inkml:brushProperty name="width" value="0.1" units="cm"/>
+      <inkml:brushProperty name="height" value="0.1" units="cm"/>
+      <inkml:brushProperty name="color" value="#E71224"/>
+    </inkml:brush>
+  </inkml:definitions>
+  <inkml:trace contextRef="#ctx0" brushRef="#br0">0 0 24575,'13'0'0,"0"0"0,1 0 0,-1 0 0,17 0 0,-12 0 0,19 0 0,-14 7 0,0 8 0,15 2 0,-13 5 0,7 1 0,-3-6 0,-5-2 0,-1 5 0,-8-11 0,5 13 0,-10-8 0,11 0 0,-8 0 0,1 0 0,0-1 0,-1 1 0,1 0 0,0-1 0,-1 1 0,1 0 0,-1-7 0,0 5 0,0-11 0,0 5 0,0-6 0,-6 5 0,4-3 0,-4 9 0,6-9 0,1 10 0,0-4 0,-1-1 0,1 5 0,0-4 0,-1 5 0,1-5 0,0 4 0,-7-5 0,5 1 0,-10 3 0,10-9 0,-5 3 0,6-5 0,-6 6 0,5-4 0,-4 4 0,-1 0 0,5-5 0,-5 11 0,6-11 0,-7 11 0,6-11 0,-10 11 0,10-10 0,-5 3 0,1-5 0,-3 0 0</inkml:trace>
+</inkml:ink>
+</file>
+
+<file path=ppt/ink/ink69.xml><?xml version="1.0" encoding="utf-8"?>
+<inkml:ink xmlns:inkml="http://www.w3.org/2003/InkML">
+  <inkml:definitions>
+    <inkml:context xml:id="ctx0">
+      <inkml:inkSource xml:id="inkSrc0">
+        <inkml:traceFormat>
+          <inkml:channel name="X" type="integer" min="-2.14748E9" max="2.14748E9" units="cm"/>
+          <inkml:channel name="Y" type="integer" min="-2.14748E9" max="2.14748E9" units="cm"/>
+          <inkml:channel name="F" type="integer" max="32767" units="dev"/>
+        </inkml:traceFormat>
+        <inkml:channelProperties>
+          <inkml:channelProperty channel="X" name="resolution" value="1000" units="1/cm"/>
+          <inkml:channelProperty channel="Y" name="resolution" value="1000" units="1/cm"/>
+          <inkml:channelProperty channel="F" name="resolution" value="0" units="1/dev"/>
+        </inkml:channelProperties>
+      </inkml:inkSource>
+      <inkml:timestamp xml:id="ts0" timeString="2022-06-20T16:56:06.941"/>
+    </inkml:context>
+    <inkml:brush xml:id="br0">
+      <inkml:brushProperty name="width" value="0.1" units="cm"/>
+      <inkml:brushProperty name="height" value="0.1" units="cm"/>
+      <inkml:brushProperty name="color" value="#E71224"/>
+    </inkml:brush>
+  </inkml:definitions>
+  <inkml:trace contextRef="#ctx0" brushRef="#br0">1 0 24575,'0'13'0,"0"7"0,0 3 0,0 0 0,0-2 0,0-7 0,0-1 0,0 8 0,0-5 0,0 5 0,0 0 0,0-5 0,0 12 0,0-5 0,0 0 0,0 5 0,0-5 0,6 26 0,-4-22 0,10 18 0,-11-30 0,5 5 0,-6-7 0,6 0 0,-4 0 0,10 1 0,-10 7 0,10 2 0,-10 7 0,12 0 0,-7-7 0,2 5 0,3-5 0,-4 0 0,0-2 0,5 0 0,-11-5 0,11 5 0,-12 0 0,11-6 0,-10 6 0,10-7 0,-11 7 0,5-5 0,1 5 0,-6-8 0,5 1 0,0 0 0,-4-1 0,4-6 0,-6-1 0</inkml:trace>
+</inkml:ink>
+</file>
+
 <file path=ppt/ink/ink7.xml><?xml version="1.0" encoding="utf-8"?>
 <inkml:ink xmlns:inkml="http://www.w3.org/2003/InkML">
   <inkml:definitions>
@@ -590,6 +1948,118 @@
     </inkml:brush>
   </inkml:definitions>
   <inkml:trace contextRef="#ctx0" brushRef="#br0">125 5 24575,'15'-3'0,"0"2"0,2 5 0,-1 1 0,0 7 0,0-4 0,7 9 0,-6-6 0,10 7 0,-13-6 0,11-3 0,-15 3 0,14 1 0,-14-5 0,14 5 0,-5-1 0,3-6 0,-1 9 0,-5-5 0,0 2 0,5 4 0,-3-3 0,3 1 0,-5 1 0,1-2 0,-1-1 0,0 0 0,0 0 0,1-3 0,-1 6 0,5-5 0,-3 5 0,-1-6 0,-2 3 0,-7-1 0,8-2 0,-7 3 0,6-4 0,-3 0 0,1 0 0,2 0 0,-3-1 0,5-2 0,4 3 0,-4-4 0,4 5 0,0-5 0,-3 3 0,7-2 0,-7 4 0,3-1 0,-5 0 0,-4 0 0,0 0 0,-2-1 0,2 1 0,0-1 0,-1-2 0,-3 1 0,-1-2 0,0 4 0,1-1 0,-1 0 0,0 0 0,0 0 0,0 0 0,0 1 0,1-1 0,-1 0 0,1 1 0,-1-1 0,0 1 0,-3-1 0,3 0 0,-6 1 0,2-1 0,0-3 0,-2 2 0,-1-5 0,-4 2 0,-7-3 0,-6 4 0,0 1 0,-9 4 0,4 3 0,-5 2 0,-5 1 0,-2 2 0,-5-2 0,-6 10 0,4-4 0,-5 9 0,7-9 0,-2 4 0,7-1 0,-6 2 0,4 4 0,0 1 0,1-1 0,5-1 0,0 6 0,1-4 0,3 3 0,-2-5 0,9-2 0,-4 1 0,6-6 0,0-1 0,5-5 0,-4-3 0,7-2 0,-2-3 0,7 0 0,-2-1 0,2 0 0,0 0 0,-3-3 0,3 3 0,0-3 0,-3 3 0,3 1 0,-3-1 0,0 0 0,3 1 0,-3-4 0,6 2 0,-5-5 0,5 5 0,-5-2 0,2 3 0,-3-3 0,-1 2 0,1-2 0,-5 4 0,4-1 0,-7 1 0,6 0 0,-2 0 0,4-1 0,-1 0 0,1 1 0,3-1 0,-3-3 0,7 2 0,-7-2 0,3 3 0,-7 1 0,-2 0 0,1 4 0,-4 0 0,4 1 0,-1 2 0,-3-5 0,8 1 0,0-3 0,1-1 0,6 0 0,-2-2 0,3-2 0</inkml:trace>
+</inkml:ink>
+</file>
+
+<file path=ppt/ink/ink70.xml><?xml version="1.0" encoding="utf-8"?>
+<inkml:ink xmlns:inkml="http://www.w3.org/2003/InkML">
+  <inkml:definitions>
+    <inkml:context xml:id="ctx0">
+      <inkml:inkSource xml:id="inkSrc0">
+        <inkml:traceFormat>
+          <inkml:channel name="X" type="integer" min="-2.14748E9" max="2.14748E9" units="cm"/>
+          <inkml:channel name="Y" type="integer" min="-2.14748E9" max="2.14748E9" units="cm"/>
+          <inkml:channel name="F" type="integer" max="32767" units="dev"/>
+        </inkml:traceFormat>
+        <inkml:channelProperties>
+          <inkml:channelProperty channel="X" name="resolution" value="1000" units="1/cm"/>
+          <inkml:channelProperty channel="Y" name="resolution" value="1000" units="1/cm"/>
+          <inkml:channelProperty channel="F" name="resolution" value="0" units="1/dev"/>
+        </inkml:channelProperties>
+      </inkml:inkSource>
+      <inkml:timestamp xml:id="ts0" timeString="2022-06-20T16:56:06.942"/>
+    </inkml:context>
+    <inkml:brush xml:id="br0">
+      <inkml:brushProperty name="width" value="0.1" units="cm"/>
+      <inkml:brushProperty name="height" value="0.1" units="cm"/>
+      <inkml:brushProperty name="color" value="#E71224"/>
+    </inkml:brush>
+  </inkml:definitions>
+  <inkml:trace contextRef="#ctx0" brushRef="#br0">1 125 24575,'0'-20'0,"0"6"0,0-5 0,3 13 0,3-3 0,-1 5 0,3 3 0,-3-8 0,5 4 0,-1 0 0,-4-3 0,4 7 0,-4-4 0,0 1 0,4 3 0,-4-3 0,4 4 0,0 0 0,1 0 0,-5-5 0,4 4 0,-4-3 0,4 4 0,1 0 0,-2 0 0,7 0 0,1 0 0,0 0 0,4 0 0,-9 0 0,4 0 0,-6 0 0,1 0 0,-1 0 0,0 0 0,0 0 0,1 0 0,-1 0 0,1 0 0,-1 4 0,1-3 0,-1 4 0,1-1 0,-1 1 0,0 0 0,0 3 0,1-7 0,0 8 0,-1-4 0,1 0 0,-1 4 0,1-4 0,0 1 0,-5 2 0,4-7 0,-8 8 0,7-8 0,-7 8 0,3-4 0,0 4 0,-3 1 0,8-1 0,-3 6 0,-1-4 0,5 9 0,-9-4 0,8 0 0,-8 4 0,3-9 0,-4 4 0,0 0 0,0-4 0,0 4 0,0-6 0,0 0 0,0 0 0,0 0 0,-4 0 0,-1-4 0,-4-1 0,0-4 0,0 0 0,-1 0 0,1 0 0,0 0 0,0 0 0,-4 0 0,2 0 0,-7 0 0,2 0 0,-6 0 0,6-4 0,-4 3 0,9-3 0,-4-1 0,6 4 0,-1-3 0,5 0 0,-4 3 0,4-4 0,-3 5 0,-7-4 0,-1-2 0,-5-5 0,0 0 0,-1 1 0,1-1 0,5 1 0,-4 4 0,9-3 0,-4 8 0,10-7 0,-4 7 0,4-4 0,-4 5 0,0 0 0,0 0 0,0 0 0,0 0 0,-1 0 0,5-3 0,-3 2 0,7-3 0,-2 4 0</inkml:trace>
+</inkml:ink>
+</file>
+
+<file path=ppt/ink/ink71.xml><?xml version="1.0" encoding="utf-8"?>
+<inkml:ink xmlns:inkml="http://www.w3.org/2003/InkML">
+  <inkml:definitions>
+    <inkml:context xml:id="ctx0">
+      <inkml:inkSource xml:id="inkSrc0">
+        <inkml:traceFormat>
+          <inkml:channel name="X" type="integer" min="-2.14748E9" max="2.14748E9" units="cm"/>
+          <inkml:channel name="Y" type="integer" min="-2.14748E9" max="2.14748E9" units="cm"/>
+          <inkml:channel name="F" type="integer" max="32767" units="dev"/>
+        </inkml:traceFormat>
+        <inkml:channelProperties>
+          <inkml:channelProperty channel="X" name="resolution" value="1000" units="1/cm"/>
+          <inkml:channelProperty channel="Y" name="resolution" value="1000" units="1/cm"/>
+          <inkml:channelProperty channel="F" name="resolution" value="0" units="1/dev"/>
+        </inkml:channelProperties>
+      </inkml:inkSource>
+      <inkml:timestamp xml:id="ts0" timeString="2022-06-20T16:56:14.081"/>
+    </inkml:context>
+    <inkml:brush xml:id="br0">
+      <inkml:brushProperty name="width" value="0.1" units="cm"/>
+      <inkml:brushProperty name="height" value="0.1" units="cm"/>
+      <inkml:brushProperty name="color" value="#E71224"/>
+    </inkml:brush>
+  </inkml:definitions>
+  <inkml:trace contextRef="#ctx0" brushRef="#br0">1 1021 24575,'0'-20'0,"0"-21"0,0-2 0,0-27 0,0 17 0,0-16 0,0 16 0,7-2 0,1-4 0,4-17 0,-4 14 0,1 3 0,-2 1 0,-7 6 0,0 22 0,0-1 0,0 1 0,7 0 0,-5 7 0,11-6 0,-11 14 0,4-6 0,0 7 0,-4 1 0,10 5 0,-11 2 0,5 6 0</inkml:trace>
+</inkml:ink>
+</file>
+
+<file path=ppt/ink/ink72.xml><?xml version="1.0" encoding="utf-8"?>
+<inkml:ink xmlns:inkml="http://www.w3.org/2003/InkML">
+  <inkml:definitions>
+    <inkml:context xml:id="ctx0">
+      <inkml:inkSource xml:id="inkSrc0">
+        <inkml:traceFormat>
+          <inkml:channel name="X" type="integer" min="-2.14748E9" max="2.14748E9" units="cm"/>
+          <inkml:channel name="Y" type="integer" min="-2.14748E9" max="2.14748E9" units="cm"/>
+          <inkml:channel name="F" type="integer" max="32767" units="dev"/>
+        </inkml:traceFormat>
+        <inkml:channelProperties>
+          <inkml:channelProperty channel="X" name="resolution" value="1000" units="1/cm"/>
+          <inkml:channelProperty channel="Y" name="resolution" value="1000" units="1/cm"/>
+          <inkml:channelProperty channel="F" name="resolution" value="0" units="1/dev"/>
+        </inkml:channelProperties>
+      </inkml:inkSource>
+      <inkml:timestamp xml:id="ts0" timeString="2022-06-20T16:56:14.082"/>
+    </inkml:context>
+    <inkml:brush xml:id="br0">
+      <inkml:brushProperty name="width" value="0.1" units="cm"/>
+      <inkml:brushProperty name="height" value="0.1" units="cm"/>
+      <inkml:brushProperty name="color" value="#E71224"/>
+    </inkml:brush>
+  </inkml:definitions>
+  <inkml:trace contextRef="#ctx0" brushRef="#br0">1 471 24575,'19'0'0,"-1"0"0,-4 0 0,-1 0 0,1 0 0,12-7 0,-15 0 0,22-1 0,-23-12 0,11 11 0,9-14 0,-11 2 0,11 10 0,0-10 0,-12 6 0,20-2 0,-15-5 0,1 0 0,4 12 0,-4-10 0,6 11 0,-13-5 0,2 6 0,-10-12 0,4 17 0,1-11 0,-1 9 0,1-3 0,-1 1 0,-6-5 0,5 5 0,-4-1 0,-1-4 0,4 10 0,-4-4 0,7-7 0,-1 3 0,9-11 0,-6-1 0,5 12 0,-6-9 0,-2 17 0,-5-4 0,-2 6 0</inkml:trace>
+</inkml:ink>
+</file>
+
+<file path=ppt/ink/ink73.xml><?xml version="1.0" encoding="utf-8"?>
+<inkml:ink xmlns:inkml="http://www.w3.org/2003/InkML">
+  <inkml:definitions>
+    <inkml:context xml:id="ctx0">
+      <inkml:inkSource xml:id="inkSrc0">
+        <inkml:traceFormat>
+          <inkml:channel name="X" type="integer" min="-2.14748E9" max="2.14748E9" units="cm"/>
+          <inkml:channel name="Y" type="integer" min="-2.14748E9" max="2.14748E9" units="cm"/>
+          <inkml:channel name="F" type="integer" max="32767" units="dev"/>
+        </inkml:traceFormat>
+        <inkml:channelProperties>
+          <inkml:channelProperty channel="X" name="resolution" value="1000" units="1/cm"/>
+          <inkml:channelProperty channel="Y" name="resolution" value="1000" units="1/cm"/>
+          <inkml:channelProperty channel="F" name="resolution" value="0" units="1/dev"/>
+        </inkml:channelProperties>
+      </inkml:inkSource>
+      <inkml:timestamp xml:id="ts0" timeString="2022-06-20T16:56:14.083"/>
+    </inkml:context>
+    <inkml:brush xml:id="br0">
+      <inkml:brushProperty name="width" value="0.1" units="cm"/>
+      <inkml:brushProperty name="height" value="0.1" units="cm"/>
+      <inkml:brushProperty name="color" value="#E71224"/>
+    </inkml:brush>
+  </inkml:definitions>
+  <inkml:trace contextRef="#ctx0" brushRef="#br0">384 0 24575,'-13'0'0,"0"0"0,-1 0 0,1 0 0,-8 0 0,-1 0 0,0 0 0,-5 0 0,11 0 0,-17 0 0,10 0 0,-4 6 0,8 1 0,11 7 0,-3-1 0,3 0 0,1 0 0,-5 1 0,4-1 0,1 1 0,-5-7 0,11 5 0,-5-5 0,0 6 0,5 0 0,-11-5 0,10 4 0,-10-5 0,10 7 0,-4-1 0,6 0 0,0 0 0,0 0 0,0 0 0,0 1 0,0-1 0,0 1 0,6-7 0,1-2 0,6-5 0,-5 6 0,3-4 0,-4 4 0,6-6 0,0 0 0,1 0 0,-1 0 0,0 0 0,0 0 0,0 0 0,-5-6 0,4-2 0,-4-5 0,5-1 0,1 0 0,0 7 0,-7-5 0,5 10 0,-10-10 0,10 11 0,-5-11 0,7 4 0,-2-4 0,2-2 0,-7 2 0,5 5 0,-11-5 0,11 4 0,-10-5 0,10-1 0,-11 0 0,12 1 0,-6-1 0,7 6 0,-7-4 0,5 5 0,-16 5 0,9 10 0,-17 6 0,5 6 0,-7-6 0,0-1 0,1 1 0,-1-1 0,0 1 0,1 0 0,-1-1 0,0 1 0,7 0 0,-5-1 0,10 1 0,-10 0 0,10-1 0,-4 0 0,6 0 0,0 1 0,0 0 0,-13 0 0,10 0 0,-11 0 0,14 0 0,0-1 0,0 1 0,0-1 0,6 0 0,2 0 0,-1 1 0,6-1 0,-6-5 0,6-2 0,0-6 0,0 0 0,0 0 0,1 0 0,-1 0 0,1 0 0,-1 0 0,1 0 0,-1 0 0,1 0 0,7 0 0,2 0 0,0 0 0,5-7 0,-12 6 0,5-12 0,-8 11 0,1-4 0,-1 0 0,1-1 0,-2-6 0,-4-7 0,4 4 0,-11-12 0,11 12 0,-10-12 0,4 5 0,0-7 0,-4 7 0,5 2 0,-7 7 0,0 1 0,0-1 0,0 0 0,0 1 0,-6 6 0,-9-5 0,0 10 0,-6-5 0,7 1 0,1 5 0,-1-5 0,0 6 0,1 0 0,0 0 0,0 0 0,6-6 0,-4 4 0,9-10 0,-9 11 0,4-5 0,-7 0 0,1-2 0,-1-5 0,-7 5 0,12-4 0,-11 4 0,12 1 0,1-5 0,-5 10 0,10-4 0,-4 6 0</inkml:trace>
 </inkml:ink>
 </file>
 
@@ -676,8 +2146,8 @@
         </p:nvSpPr>
         <p:spPr>
           <a:xfrm>
-            <a:off x="914400" y="1945429"/>
-            <a:ext cx="10363200" cy="4138507"/>
+            <a:off x="914400" y="2678603"/>
+            <a:ext cx="10363200" cy="5698184"/>
           </a:xfrm>
         </p:spPr>
         <p:txBody>
@@ -708,8 +2178,8 @@
         </p:nvSpPr>
         <p:spPr>
           <a:xfrm>
-            <a:off x="1524000" y="6243533"/>
-            <a:ext cx="9144000" cy="2869987"/>
+            <a:off x="1524000" y="8596530"/>
+            <a:ext cx="9144000" cy="3951599"/>
           </a:xfrm>
         </p:spPr>
         <p:txBody>
@@ -829,7 +2299,7 @@
     </p:spTree>
     <p:extLst>
       <p:ext uri="{BB962C8B-B14F-4D97-AF65-F5344CB8AC3E}">
-        <p14:creationId xmlns:p14="http://schemas.microsoft.com/office/powerpoint/2010/main" val="2017195297"/>
+        <p14:creationId xmlns:p14="http://schemas.microsoft.com/office/powerpoint/2010/main" val="2016582088"/>
       </p:ext>
     </p:extLst>
   </p:cSld>
@@ -999,7 +2469,7 @@
     </p:spTree>
     <p:extLst>
       <p:ext uri="{BB962C8B-B14F-4D97-AF65-F5344CB8AC3E}">
-        <p14:creationId xmlns:p14="http://schemas.microsoft.com/office/powerpoint/2010/main" val="4086271922"/>
+        <p14:creationId xmlns:p14="http://schemas.microsoft.com/office/powerpoint/2010/main" val="1069056549"/>
       </p:ext>
     </p:extLst>
   </p:cSld>
@@ -1038,8 +2508,8 @@
         </p:nvSpPr>
         <p:spPr>
           <a:xfrm>
-            <a:off x="8724901" y="632883"/>
-            <a:ext cx="2628900" cy="10073853"/>
+            <a:off x="8724901" y="871398"/>
+            <a:ext cx="2628900" cy="13870382"/>
           </a:xfrm>
         </p:spPr>
         <p:txBody>
@@ -1066,8 +2536,8 @@
         </p:nvSpPr>
         <p:spPr>
           <a:xfrm>
-            <a:off x="838201" y="632883"/>
-            <a:ext cx="7734300" cy="10073853"/>
+            <a:off x="838201" y="871398"/>
+            <a:ext cx="7734300" cy="13870382"/>
           </a:xfrm>
         </p:spPr>
         <p:txBody>
@@ -1179,7 +2649,7 @@
     </p:spTree>
     <p:extLst>
       <p:ext uri="{BB962C8B-B14F-4D97-AF65-F5344CB8AC3E}">
-        <p14:creationId xmlns:p14="http://schemas.microsoft.com/office/powerpoint/2010/main" val="1685286273"/>
+        <p14:creationId xmlns:p14="http://schemas.microsoft.com/office/powerpoint/2010/main" val="3766146992"/>
       </p:ext>
     </p:extLst>
   </p:cSld>
@@ -1349,7 +2819,7 @@
     </p:spTree>
     <p:extLst>
       <p:ext uri="{BB962C8B-B14F-4D97-AF65-F5344CB8AC3E}">
-        <p14:creationId xmlns:p14="http://schemas.microsoft.com/office/powerpoint/2010/main" val="2179585837"/>
+        <p14:creationId xmlns:p14="http://schemas.microsoft.com/office/powerpoint/2010/main" val="3363822550"/>
       </p:ext>
     </p:extLst>
   </p:cSld>
@@ -1388,8 +2858,8 @@
         </p:nvSpPr>
         <p:spPr>
           <a:xfrm>
-            <a:off x="831851" y="2963549"/>
-            <a:ext cx="10515600" cy="4944744"/>
+            <a:off x="831851" y="4080420"/>
+            <a:ext cx="10515600" cy="6808268"/>
           </a:xfrm>
         </p:spPr>
         <p:txBody>
@@ -1420,8 +2890,8 @@
         </p:nvSpPr>
         <p:spPr>
           <a:xfrm>
-            <a:off x="831851" y="7955072"/>
-            <a:ext cx="10515600" cy="2600324"/>
+            <a:off x="831851" y="10953097"/>
+            <a:ext cx="10515600" cy="3580307"/>
           </a:xfrm>
         </p:spPr>
         <p:txBody>
@@ -1593,7 +3063,7 @@
     </p:spTree>
     <p:extLst>
       <p:ext uri="{BB962C8B-B14F-4D97-AF65-F5344CB8AC3E}">
-        <p14:creationId xmlns:p14="http://schemas.microsoft.com/office/powerpoint/2010/main" val="42283113"/>
+        <p14:creationId xmlns:p14="http://schemas.microsoft.com/office/powerpoint/2010/main" val="1940475464"/>
       </p:ext>
     </p:extLst>
   </p:cSld>
@@ -1655,8 +3125,8 @@
         </p:nvSpPr>
         <p:spPr>
           <a:xfrm>
-            <a:off x="838200" y="3164417"/>
-            <a:ext cx="5181600" cy="7542319"/>
+            <a:off x="838200" y="4356990"/>
+            <a:ext cx="5181600" cy="10384790"/>
           </a:xfrm>
         </p:spPr>
         <p:txBody>
@@ -1712,8 +3182,8 @@
         </p:nvSpPr>
         <p:spPr>
           <a:xfrm>
-            <a:off x="6172200" y="3164417"/>
-            <a:ext cx="5181600" cy="7542319"/>
+            <a:off x="6172200" y="4356990"/>
+            <a:ext cx="5181600" cy="10384790"/>
           </a:xfrm>
         </p:spPr>
         <p:txBody>
@@ -1825,7 +3295,7 @@
     </p:spTree>
     <p:extLst>
       <p:ext uri="{BB962C8B-B14F-4D97-AF65-F5344CB8AC3E}">
-        <p14:creationId xmlns:p14="http://schemas.microsoft.com/office/powerpoint/2010/main" val="2851512392"/>
+        <p14:creationId xmlns:p14="http://schemas.microsoft.com/office/powerpoint/2010/main" val="1901563693"/>
       </p:ext>
     </p:extLst>
   </p:cSld>
@@ -1864,8 +3334,8 @@
         </p:nvSpPr>
         <p:spPr>
           <a:xfrm>
-            <a:off x="839788" y="632886"/>
-            <a:ext cx="10515600" cy="2297643"/>
+            <a:off x="839788" y="871402"/>
+            <a:ext cx="10515600" cy="3163554"/>
           </a:xfrm>
         </p:spPr>
         <p:txBody>
@@ -1892,8 +3362,8 @@
         </p:nvSpPr>
         <p:spPr>
           <a:xfrm>
-            <a:off x="839789" y="2914016"/>
-            <a:ext cx="5157787" cy="1428114"/>
+            <a:off x="839789" y="4012220"/>
+            <a:ext cx="5157787" cy="1966327"/>
           </a:xfrm>
         </p:spPr>
         <p:txBody>
@@ -1957,8 +3427,8 @@
         </p:nvSpPr>
         <p:spPr>
           <a:xfrm>
-            <a:off x="839789" y="4342130"/>
-            <a:ext cx="5157787" cy="6386619"/>
+            <a:off x="839789" y="5978547"/>
+            <a:ext cx="5157787" cy="8793542"/>
           </a:xfrm>
         </p:spPr>
         <p:txBody>
@@ -2014,8 +3484,8 @@
         </p:nvSpPr>
         <p:spPr>
           <a:xfrm>
-            <a:off x="6172201" y="2914016"/>
-            <a:ext cx="5183188" cy="1428114"/>
+            <a:off x="6172201" y="4012220"/>
+            <a:ext cx="5183188" cy="1966327"/>
           </a:xfrm>
         </p:spPr>
         <p:txBody>
@@ -2079,8 +3549,8 @@
         </p:nvSpPr>
         <p:spPr>
           <a:xfrm>
-            <a:off x="6172201" y="4342130"/>
-            <a:ext cx="5183188" cy="6386619"/>
+            <a:off x="6172201" y="5978547"/>
+            <a:ext cx="5183188" cy="8793542"/>
           </a:xfrm>
         </p:spPr>
         <p:txBody>
@@ -2192,7 +3662,7 @@
     </p:spTree>
     <p:extLst>
       <p:ext uri="{BB962C8B-B14F-4D97-AF65-F5344CB8AC3E}">
-        <p14:creationId xmlns:p14="http://schemas.microsoft.com/office/powerpoint/2010/main" val="2017282369"/>
+        <p14:creationId xmlns:p14="http://schemas.microsoft.com/office/powerpoint/2010/main" val="4061667964"/>
       </p:ext>
     </p:extLst>
   </p:cSld>
@@ -2310,7 +3780,7 @@
     </p:spTree>
     <p:extLst>
       <p:ext uri="{BB962C8B-B14F-4D97-AF65-F5344CB8AC3E}">
-        <p14:creationId xmlns:p14="http://schemas.microsoft.com/office/powerpoint/2010/main" val="386227697"/>
+        <p14:creationId xmlns:p14="http://schemas.microsoft.com/office/powerpoint/2010/main" val="4252168023"/>
       </p:ext>
     </p:extLst>
   </p:cSld>
@@ -2405,7 +3875,7 @@
     </p:spTree>
     <p:extLst>
       <p:ext uri="{BB962C8B-B14F-4D97-AF65-F5344CB8AC3E}">
-        <p14:creationId xmlns:p14="http://schemas.microsoft.com/office/powerpoint/2010/main" val="3092210183"/>
+        <p14:creationId xmlns:p14="http://schemas.microsoft.com/office/powerpoint/2010/main" val="3809428791"/>
       </p:ext>
     </p:extLst>
   </p:cSld>
@@ -2444,8 +3914,8 @@
         </p:nvSpPr>
         <p:spPr>
           <a:xfrm>
-            <a:off x="839788" y="792480"/>
-            <a:ext cx="3932237" cy="2773680"/>
+            <a:off x="839788" y="1091142"/>
+            <a:ext cx="3932237" cy="3818996"/>
           </a:xfrm>
         </p:spPr>
         <p:txBody>
@@ -2476,8 +3946,8 @@
         </p:nvSpPr>
         <p:spPr>
           <a:xfrm>
-            <a:off x="5183188" y="1711539"/>
-            <a:ext cx="6172200" cy="8447617"/>
+            <a:off x="5183188" y="2356567"/>
+            <a:ext cx="6172200" cy="11631267"/>
           </a:xfrm>
         </p:spPr>
         <p:txBody>
@@ -2561,8 +4031,8 @@
         </p:nvSpPr>
         <p:spPr>
           <a:xfrm>
-            <a:off x="839788" y="3566160"/>
-            <a:ext cx="3932237" cy="6606753"/>
+            <a:off x="839788" y="4910138"/>
+            <a:ext cx="3932237" cy="9096637"/>
           </a:xfrm>
         </p:spPr>
         <p:txBody>
@@ -2682,7 +4152,7 @@
     </p:spTree>
     <p:extLst>
       <p:ext uri="{BB962C8B-B14F-4D97-AF65-F5344CB8AC3E}">
-        <p14:creationId xmlns:p14="http://schemas.microsoft.com/office/powerpoint/2010/main" val="2259836017"/>
+        <p14:creationId xmlns:p14="http://schemas.microsoft.com/office/powerpoint/2010/main" val="1695727260"/>
       </p:ext>
     </p:extLst>
   </p:cSld>
@@ -2721,8 +4191,8 @@
         </p:nvSpPr>
         <p:spPr>
           <a:xfrm>
-            <a:off x="839788" y="792480"/>
-            <a:ext cx="3932237" cy="2773680"/>
+            <a:off x="839788" y="1091142"/>
+            <a:ext cx="3932237" cy="3818996"/>
           </a:xfrm>
         </p:spPr>
         <p:txBody>
@@ -2753,8 +4223,8 @@
         </p:nvSpPr>
         <p:spPr>
           <a:xfrm>
-            <a:off x="5183188" y="1711539"/>
-            <a:ext cx="6172200" cy="8447617"/>
+            <a:off x="5183188" y="2356567"/>
+            <a:ext cx="6172200" cy="11631267"/>
           </a:xfrm>
         </p:spPr>
         <p:txBody>
@@ -2818,8 +4288,8 @@
         </p:nvSpPr>
         <p:spPr>
           <a:xfrm>
-            <a:off x="839788" y="3566160"/>
-            <a:ext cx="3932237" cy="6606753"/>
+            <a:off x="839788" y="4910138"/>
+            <a:ext cx="3932237" cy="9096637"/>
           </a:xfrm>
         </p:spPr>
         <p:txBody>
@@ -2939,7 +4409,7 @@
     </p:spTree>
     <p:extLst>
       <p:ext uri="{BB962C8B-B14F-4D97-AF65-F5344CB8AC3E}">
-        <p14:creationId xmlns:p14="http://schemas.microsoft.com/office/powerpoint/2010/main" val="886879012"/>
+        <p14:creationId xmlns:p14="http://schemas.microsoft.com/office/powerpoint/2010/main" val="335490329"/>
       </p:ext>
     </p:extLst>
   </p:cSld>
@@ -2983,8 +4453,8 @@
         </p:nvSpPr>
         <p:spPr>
           <a:xfrm>
-            <a:off x="838200" y="632886"/>
-            <a:ext cx="10515600" cy="2297643"/>
+            <a:off x="838200" y="871402"/>
+            <a:ext cx="10515600" cy="3163554"/>
           </a:xfrm>
           <a:prstGeom prst="rect">
             <a:avLst/>
@@ -3016,8 +4486,8 @@
         </p:nvSpPr>
         <p:spPr>
           <a:xfrm>
-            <a:off x="838200" y="3164417"/>
-            <a:ext cx="10515600" cy="7542319"/>
+            <a:off x="838200" y="4356990"/>
+            <a:ext cx="10515600" cy="10384790"/>
           </a:xfrm>
           <a:prstGeom prst="rect">
             <a:avLst/>
@@ -3078,8 +4548,8 @@
         </p:nvSpPr>
         <p:spPr>
           <a:xfrm>
-            <a:off x="838200" y="11017676"/>
-            <a:ext cx="2743200" cy="632883"/>
+            <a:off x="838200" y="15169904"/>
+            <a:ext cx="2743200" cy="871398"/>
           </a:xfrm>
           <a:prstGeom prst="rect">
             <a:avLst/>
@@ -3119,8 +4589,8 @@
         </p:nvSpPr>
         <p:spPr>
           <a:xfrm>
-            <a:off x="4038600" y="11017676"/>
-            <a:ext cx="4114800" cy="632883"/>
+            <a:off x="4038600" y="15169904"/>
+            <a:ext cx="4114800" cy="871398"/>
           </a:xfrm>
           <a:prstGeom prst="rect">
             <a:avLst/>
@@ -3156,8 +4626,8 @@
         </p:nvSpPr>
         <p:spPr>
           <a:xfrm>
-            <a:off x="8610600" y="11017676"/>
-            <a:ext cx="2743200" cy="632883"/>
+            <a:off x="8610600" y="15169904"/>
+            <a:ext cx="2743200" cy="871398"/>
           </a:xfrm>
           <a:prstGeom prst="rect">
             <a:avLst/>
@@ -3188,23 +4658,23 @@
     </p:spTree>
     <p:extLst>
       <p:ext uri="{BB962C8B-B14F-4D97-AF65-F5344CB8AC3E}">
-        <p14:creationId xmlns:p14="http://schemas.microsoft.com/office/powerpoint/2010/main" val="1334336929"/>
+        <p14:creationId xmlns:p14="http://schemas.microsoft.com/office/powerpoint/2010/main" val="4001762818"/>
       </p:ext>
     </p:extLst>
   </p:cSld>
   <p:clrMap bg1="lt1" tx1="dk1" bg2="lt2" tx2="dk2" accent1="accent1" accent2="accent2" accent3="accent3" accent4="accent4" accent5="accent5" accent6="accent6" hlink="hlink" folHlink="folHlink"/>
   <p:sldLayoutIdLst>
-    <p:sldLayoutId id="2147483661" r:id="rId1"/>
-    <p:sldLayoutId id="2147483662" r:id="rId2"/>
-    <p:sldLayoutId id="2147483663" r:id="rId3"/>
-    <p:sldLayoutId id="2147483664" r:id="rId4"/>
-    <p:sldLayoutId id="2147483665" r:id="rId5"/>
-    <p:sldLayoutId id="2147483666" r:id="rId6"/>
-    <p:sldLayoutId id="2147483667" r:id="rId7"/>
-    <p:sldLayoutId id="2147483668" r:id="rId8"/>
-    <p:sldLayoutId id="2147483669" r:id="rId9"/>
-    <p:sldLayoutId id="2147483670" r:id="rId10"/>
-    <p:sldLayoutId id="2147483671" r:id="rId11"/>
+    <p:sldLayoutId id="2147483673" r:id="rId1"/>
+    <p:sldLayoutId id="2147483674" r:id="rId2"/>
+    <p:sldLayoutId id="2147483675" r:id="rId3"/>
+    <p:sldLayoutId id="2147483676" r:id="rId4"/>
+    <p:sldLayoutId id="2147483677" r:id="rId5"/>
+    <p:sldLayoutId id="2147483678" r:id="rId6"/>
+    <p:sldLayoutId id="2147483679" r:id="rId7"/>
+    <p:sldLayoutId id="2147483680" r:id="rId8"/>
+    <p:sldLayoutId id="2147483681" r:id="rId9"/>
+    <p:sldLayoutId id="2147483682" r:id="rId10"/>
+    <p:sldLayoutId id="2147483683" r:id="rId11"/>
   </p:sldLayoutIdLst>
   <p:txStyles>
     <p:titleStyle>
@@ -3521,7 +4991,7 @@
               <p14:nvPr/>
             </p14:nvContentPartPr>
             <p14:xfrm>
-              <a:off x="266136" y="2944282"/>
+              <a:off x="176489" y="2423115"/>
               <a:ext cx="1677960" cy="1494000"/>
             </p14:xfrm>
           </p:contentPart>
@@ -3547,7 +5017,7 @@
             </p:blipFill>
             <p:spPr>
               <a:xfrm>
-                <a:off x="248136" y="2926642"/>
+                <a:off x="158489" y="2405475"/>
                 <a:ext cx="1713600" cy="1529640"/>
               </a:xfrm>
               <a:prstGeom prst="rect">
@@ -3572,7 +5042,7 @@
               <p14:nvPr/>
             </p14:nvContentPartPr>
             <p14:xfrm>
-              <a:off x="1987656" y="3676522"/>
+              <a:off x="1898009" y="3155355"/>
               <a:ext cx="1928520" cy="86760"/>
             </p14:xfrm>
           </p:contentPart>
@@ -3598,7 +5068,7 @@
             </p:blipFill>
             <p:spPr>
               <a:xfrm>
-                <a:off x="1970016" y="3658522"/>
+                <a:off x="1880369" y="3137355"/>
                 <a:ext cx="1964160" cy="122400"/>
               </a:xfrm>
               <a:prstGeom prst="rect">
@@ -3623,7 +5093,7 @@
               <p14:nvPr/>
             </p14:nvContentPartPr>
             <p14:xfrm>
-              <a:off x="3742296" y="3441082"/>
+              <a:off x="3652649" y="2919915"/>
               <a:ext cx="438480" cy="606960"/>
             </p14:xfrm>
           </p:contentPart>
@@ -3649,7 +5119,7 @@
             </p:blipFill>
             <p:spPr>
               <a:xfrm>
-                <a:off x="3724656" y="3423442"/>
+                <a:off x="3635009" y="2902275"/>
                 <a:ext cx="474120" cy="642600"/>
               </a:xfrm>
               <a:prstGeom prst="rect">
@@ -3674,7 +5144,7 @@
               <p14:nvPr/>
             </p14:nvContentPartPr>
             <p14:xfrm>
-              <a:off x="4180776" y="2929522"/>
+              <a:off x="4091129" y="2408355"/>
               <a:ext cx="1677960" cy="1494000"/>
             </p14:xfrm>
           </p:contentPart>
@@ -3700,7 +5170,7 @@
             </p:blipFill>
             <p:spPr>
               <a:xfrm>
-                <a:off x="4162776" y="2911882"/>
+                <a:off x="4073129" y="2390715"/>
                 <a:ext cx="1713600" cy="1529640"/>
               </a:xfrm>
               <a:prstGeom prst="rect">
@@ -3724,8 +5194,8 @@
         </p:nvSpPr>
         <p:spPr>
           <a:xfrm>
-            <a:off x="666743" y="3491856"/>
-            <a:ext cx="843629" cy="369332"/>
+            <a:off x="467516" y="2970689"/>
+            <a:ext cx="1062791" cy="461665"/>
           </a:xfrm>
           <a:prstGeom prst="rect">
             <a:avLst/>
@@ -3738,8 +5208,9 @@
           </a:bodyPr>
           <a:lstStyle/>
           <a:p>
+            <a:pPr algn="ctr"/>
             <a:r>
-              <a:rPr lang="en-US" dirty="0"/>
+              <a:rPr lang="en-US" sz="2400" dirty="0"/>
               <a:t>Money</a:t>
             </a:r>
           </a:p>
@@ -3759,8 +5230,8 @@
         </p:nvSpPr>
         <p:spPr>
           <a:xfrm>
-            <a:off x="4443316" y="3506616"/>
-            <a:ext cx="1152880" cy="369332"/>
+            <a:off x="4192567" y="2985449"/>
+            <a:ext cx="1475084" cy="461665"/>
           </a:xfrm>
           <a:prstGeom prst="rect">
             <a:avLst/>
@@ -3773,8 +5244,9 @@
           </a:bodyPr>
           <a:lstStyle/>
           <a:p>
+            <a:pPr algn="ctr"/>
             <a:r>
-              <a:rPr lang="en-US" dirty="0"/>
+              <a:rPr lang="en-US" sz="2400" dirty="0"/>
               <a:t>Happiness</a:t>
             </a:r>
           </a:p>
@@ -3794,8 +5266,8 @@
         </p:nvSpPr>
         <p:spPr>
           <a:xfrm>
-            <a:off x="2677264" y="2856308"/>
-            <a:ext cx="375424" cy="584775"/>
+            <a:off x="2564374" y="2335142"/>
+            <a:ext cx="421910" cy="707886"/>
           </a:xfrm>
           <a:prstGeom prst="rect">
             <a:avLst/>
@@ -3808,8 +5280,9 @@
           </a:bodyPr>
           <a:lstStyle/>
           <a:p>
+            <a:pPr algn="ctr"/>
             <a:r>
-              <a:rPr lang="en-US" sz="3200" dirty="0"/>
+              <a:rPr lang="en-US" sz="4000" dirty="0"/>
               <a:t>?</a:t>
             </a:r>
           </a:p>
@@ -3830,7 +5303,7 @@
               <p14:nvPr/>
             </p14:nvContentPartPr>
             <p14:xfrm>
-              <a:off x="6417456" y="2550108"/>
+              <a:off x="6417456" y="2871628"/>
               <a:ext cx="1677960" cy="1494000"/>
             </p14:xfrm>
           </p:contentPart>
@@ -3856,7 +5329,7 @@
             </p:blipFill>
             <p:spPr>
               <a:xfrm>
-                <a:off x="6399456" y="2532468"/>
+                <a:off x="6399456" y="2853988"/>
                 <a:ext cx="1713600" cy="1529640"/>
               </a:xfrm>
               <a:prstGeom prst="rect">
@@ -3881,7 +5354,7 @@
               <p14:nvPr/>
             </p14:nvContentPartPr>
             <p14:xfrm>
-              <a:off x="8138976" y="3282348"/>
+              <a:off x="8138976" y="3603868"/>
               <a:ext cx="1928520" cy="86760"/>
             </p14:xfrm>
           </p:contentPart>
@@ -3907,7 +5380,7 @@
             </p:blipFill>
             <p:spPr>
               <a:xfrm>
-                <a:off x="8121336" y="3264348"/>
+                <a:off x="8121336" y="3585868"/>
                 <a:ext cx="1964160" cy="122400"/>
               </a:xfrm>
               <a:prstGeom prst="rect">
@@ -3932,7 +5405,7 @@
               <p14:nvPr/>
             </p14:nvContentPartPr>
             <p14:xfrm>
-              <a:off x="9893616" y="3046908"/>
+              <a:off x="9893616" y="3368428"/>
               <a:ext cx="438480" cy="606960"/>
             </p14:xfrm>
           </p:contentPart>
@@ -3958,7 +5431,7 @@
             </p:blipFill>
             <p:spPr>
               <a:xfrm>
-                <a:off x="9875976" y="3029268"/>
+                <a:off x="9875976" y="3350788"/>
                 <a:ext cx="474120" cy="642600"/>
               </a:xfrm>
               <a:prstGeom prst="rect">
@@ -3983,7 +5456,7 @@
               <p14:nvPr/>
             </p14:nvContentPartPr>
             <p14:xfrm>
-              <a:off x="10332096" y="2535348"/>
+              <a:off x="10332096" y="2856868"/>
               <a:ext cx="1677960" cy="1494000"/>
             </p14:xfrm>
           </p:contentPart>
@@ -4009,7 +5482,7 @@
             </p:blipFill>
             <p:spPr>
               <a:xfrm>
-                <a:off x="10314096" y="2517708"/>
+                <a:off x="10314096" y="2839228"/>
                 <a:ext cx="1713600" cy="1529640"/>
               </a:xfrm>
               <a:prstGeom prst="rect">
@@ -4033,8 +5506,8 @@
         </p:nvSpPr>
         <p:spPr>
           <a:xfrm>
-            <a:off x="6818063" y="3097682"/>
-            <a:ext cx="843629" cy="369332"/>
+            <a:off x="6708483" y="3419202"/>
+            <a:ext cx="1062791" cy="461665"/>
           </a:xfrm>
           <a:prstGeom prst="rect">
             <a:avLst/>
@@ -4047,8 +5520,9 @@
           </a:bodyPr>
           <a:lstStyle/>
           <a:p>
+            <a:pPr algn="ctr"/>
             <a:r>
-              <a:rPr lang="en-US" dirty="0"/>
+              <a:rPr lang="en-US" sz="2400" dirty="0"/>
               <a:t>Money</a:t>
             </a:r>
           </a:p>
@@ -4068,8 +5542,8 @@
         </p:nvSpPr>
         <p:spPr>
           <a:xfrm>
-            <a:off x="10594636" y="3112442"/>
-            <a:ext cx="1152880" cy="369332"/>
+            <a:off x="10433534" y="3433962"/>
+            <a:ext cx="1475084" cy="461665"/>
           </a:xfrm>
           <a:prstGeom prst="rect">
             <a:avLst/>
@@ -4082,8 +5556,9 @@
           </a:bodyPr>
           <a:lstStyle/>
           <a:p>
+            <a:pPr algn="ctr"/>
             <a:r>
-              <a:rPr lang="en-US" dirty="0"/>
+              <a:rPr lang="en-US" sz="2400" dirty="0"/>
               <a:t>Happiness</a:t>
             </a:r>
           </a:p>
@@ -4104,7 +5579,7 @@
               <p14:nvPr/>
             </p14:nvContentPartPr>
             <p14:xfrm>
-              <a:off x="6369381" y="4963376"/>
+              <a:off x="6369381" y="5284896"/>
               <a:ext cx="1677960" cy="1494000"/>
             </p14:xfrm>
           </p:contentPart>
@@ -4130,7 +5605,7 @@
             </p:blipFill>
             <p:spPr>
               <a:xfrm>
-                <a:off x="6351381" y="4945736"/>
+                <a:off x="6351381" y="5267256"/>
                 <a:ext cx="1713600" cy="1529640"/>
               </a:xfrm>
               <a:prstGeom prst="rect">
@@ -4155,7 +5630,7 @@
               <p14:nvPr/>
             </p14:nvContentPartPr>
             <p14:xfrm>
-              <a:off x="8355501" y="5720073"/>
+              <a:off x="8355501" y="6041593"/>
               <a:ext cx="1928520" cy="86760"/>
             </p14:xfrm>
           </p:contentPart>
@@ -4181,7 +5656,7 @@
             </p:blipFill>
             <p:spPr>
               <a:xfrm>
-                <a:off x="8337861" y="5702073"/>
+                <a:off x="8337861" y="6023593"/>
                 <a:ext cx="1964160" cy="122400"/>
               </a:xfrm>
               <a:prstGeom prst="rect">
@@ -4206,7 +5681,7 @@
               <p14:nvPr/>
             </p14:nvContentPartPr>
             <p14:xfrm>
-              <a:off x="10284021" y="4948616"/>
+              <a:off x="10284021" y="5270136"/>
               <a:ext cx="1677960" cy="1494000"/>
             </p14:xfrm>
           </p:contentPart>
@@ -4232,7 +5707,7 @@
             </p:blipFill>
             <p:spPr>
               <a:xfrm>
-                <a:off x="10266021" y="4930976"/>
+                <a:off x="10266021" y="5252496"/>
                 <a:ext cx="1713600" cy="1529640"/>
               </a:xfrm>
               <a:prstGeom prst="rect">
@@ -4256,8 +5731,8 @@
         </p:nvSpPr>
         <p:spPr>
           <a:xfrm>
-            <a:off x="6769988" y="5510950"/>
-            <a:ext cx="843629" cy="369332"/>
+            <a:off x="6660408" y="5832470"/>
+            <a:ext cx="1062791" cy="461665"/>
           </a:xfrm>
           <a:prstGeom prst="rect">
             <a:avLst/>
@@ -4270,8 +5745,9 @@
           </a:bodyPr>
           <a:lstStyle/>
           <a:p>
+            <a:pPr algn="ctr"/>
             <a:r>
-              <a:rPr lang="en-US" dirty="0"/>
+              <a:rPr lang="en-US" sz="2400" dirty="0"/>
               <a:t>Money</a:t>
             </a:r>
           </a:p>
@@ -4291,8 +5767,8 @@
         </p:nvSpPr>
         <p:spPr>
           <a:xfrm>
-            <a:off x="10546561" y="5525710"/>
-            <a:ext cx="1152880" cy="369332"/>
+            <a:off x="10385459" y="5847230"/>
+            <a:ext cx="1475084" cy="461665"/>
           </a:xfrm>
           <a:prstGeom prst="rect">
             <a:avLst/>
@@ -4305,8 +5781,9 @@
           </a:bodyPr>
           <a:lstStyle/>
           <a:p>
+            <a:pPr algn="ctr"/>
             <a:r>
-              <a:rPr lang="en-US" dirty="0"/>
+              <a:rPr lang="en-US" sz="2400" dirty="0"/>
               <a:t>Happiness</a:t>
             </a:r>
           </a:p>
@@ -4326,7 +5803,7 @@
         </p:nvGrpSpPr>
         <p:grpSpPr>
           <a:xfrm>
-            <a:off x="8160815" y="5531632"/>
+            <a:off x="8160815" y="5853152"/>
             <a:ext cx="446400" cy="527760"/>
             <a:chOff x="8160815" y="3017032"/>
             <a:chExt cx="446400" cy="527760"/>
@@ -4450,7 +5927,7 @@
               <p14:nvPr/>
             </p14:nvContentPartPr>
             <p14:xfrm>
-              <a:off x="6369381" y="9348620"/>
+              <a:off x="6369381" y="9670140"/>
               <a:ext cx="1677960" cy="1494000"/>
             </p14:xfrm>
           </p:contentPart>
@@ -4476,7 +5953,7 @@
             </p:blipFill>
             <p:spPr>
               <a:xfrm>
-                <a:off x="6351381" y="9330980"/>
+                <a:off x="6351381" y="9652500"/>
                 <a:ext cx="1713600" cy="1529640"/>
               </a:xfrm>
               <a:prstGeom prst="rect">
@@ -4501,7 +5978,7 @@
               <p14:nvPr/>
             </p14:nvContentPartPr>
             <p14:xfrm>
-              <a:off x="10284021" y="9333860"/>
+              <a:off x="10284021" y="9655380"/>
               <a:ext cx="1677960" cy="1494000"/>
             </p14:xfrm>
           </p:contentPart>
@@ -4527,7 +6004,7 @@
             </p:blipFill>
             <p:spPr>
               <a:xfrm>
-                <a:off x="10266021" y="9316220"/>
+                <a:off x="10266021" y="9637740"/>
                 <a:ext cx="1713600" cy="1529640"/>
               </a:xfrm>
               <a:prstGeom prst="rect">
@@ -4551,8 +6028,8 @@
         </p:nvSpPr>
         <p:spPr>
           <a:xfrm>
-            <a:off x="6769988" y="9896194"/>
-            <a:ext cx="843629" cy="369332"/>
+            <a:off x="6660408" y="10217714"/>
+            <a:ext cx="1062791" cy="461665"/>
           </a:xfrm>
           <a:prstGeom prst="rect">
             <a:avLst/>
@@ -4565,8 +6042,9 @@
           </a:bodyPr>
           <a:lstStyle/>
           <a:p>
+            <a:pPr algn="ctr"/>
             <a:r>
-              <a:rPr lang="en-US" dirty="0"/>
+              <a:rPr lang="en-US" sz="2400" dirty="0"/>
               <a:t>Money</a:t>
             </a:r>
           </a:p>
@@ -4586,8 +6064,8 @@
         </p:nvSpPr>
         <p:spPr>
           <a:xfrm>
-            <a:off x="10546561" y="9910954"/>
-            <a:ext cx="1152880" cy="369332"/>
+            <a:off x="10385459" y="10232474"/>
+            <a:ext cx="1475084" cy="461665"/>
           </a:xfrm>
           <a:prstGeom prst="rect">
             <a:avLst/>
@@ -4600,8 +6078,9 @@
           </a:bodyPr>
           <a:lstStyle/>
           <a:p>
+            <a:pPr algn="ctr"/>
             <a:r>
-              <a:rPr lang="en-US" dirty="0"/>
+              <a:rPr lang="en-US" sz="2400" dirty="0"/>
               <a:t>Happiness</a:t>
             </a:r>
           </a:p>
@@ -4622,7 +6101,7 @@
               <p14:nvPr/>
             </p14:nvContentPartPr>
             <p14:xfrm>
-              <a:off x="8386821" y="7342668"/>
+              <a:off x="8386821" y="7664188"/>
               <a:ext cx="1677960" cy="1494000"/>
             </p14:xfrm>
           </p:contentPart>
@@ -4648,7 +6127,7 @@
             </p:blipFill>
             <p:spPr>
               <a:xfrm>
-                <a:off x="8368821" y="7325028"/>
+                <a:off x="8368821" y="7646548"/>
                 <a:ext cx="1713600" cy="1529640"/>
               </a:xfrm>
               <a:prstGeom prst="rect">
@@ -4672,8 +6151,8 @@
         </p:nvSpPr>
         <p:spPr>
           <a:xfrm>
-            <a:off x="8789623" y="7905002"/>
-            <a:ext cx="872355" cy="369332"/>
+            <a:off x="8675010" y="8226522"/>
+            <a:ext cx="1101584" cy="461665"/>
           </a:xfrm>
           <a:prstGeom prst="rect">
             <a:avLst/>
@@ -4686,8 +6165,9 @@
           </a:bodyPr>
           <a:lstStyle/>
           <a:p>
+            <a:pPr algn="ctr"/>
             <a:r>
-              <a:rPr lang="en-US" dirty="0"/>
+              <a:rPr lang="en-US" sz="2400" dirty="0"/>
               <a:t>Friends</a:t>
             </a:r>
           </a:p>
@@ -4707,7 +6187,7 @@
         </p:nvGrpSpPr>
         <p:grpSpPr>
           <a:xfrm>
-            <a:off x="7858200" y="8744608"/>
+            <a:off x="7858200" y="9066128"/>
             <a:ext cx="798120" cy="716400"/>
             <a:chOff x="7858200" y="8368094"/>
             <a:chExt cx="798120" cy="716400"/>
@@ -4830,7 +6310,7 @@
         </p:nvGrpSpPr>
         <p:grpSpPr>
           <a:xfrm>
-            <a:off x="9872760" y="8732728"/>
+            <a:off x="9872760" y="9054248"/>
             <a:ext cx="712440" cy="658440"/>
             <a:chOff x="9872760" y="8356214"/>
             <a:chExt cx="712440" cy="658440"/>
@@ -4953,7 +6433,7 @@
         </p:nvSpPr>
         <p:spPr>
           <a:xfrm>
-            <a:off x="6120755" y="1990563"/>
+            <a:off x="6031109" y="2276226"/>
             <a:ext cx="497252" cy="584775"/>
           </a:xfrm>
           <a:prstGeom prst="rect">
@@ -4988,7 +6468,7 @@
         </p:nvSpPr>
         <p:spPr>
           <a:xfrm>
-            <a:off x="6120755" y="4516725"/>
+            <a:off x="6031109" y="4677253"/>
             <a:ext cx="497252" cy="584775"/>
           </a:xfrm>
           <a:prstGeom prst="rect">
@@ -5023,7 +6503,7 @@
         </p:nvSpPr>
         <p:spPr>
           <a:xfrm>
-            <a:off x="6168830" y="6902142"/>
+            <a:off x="6031109" y="7073776"/>
             <a:ext cx="497252" cy="584775"/>
           </a:xfrm>
           <a:prstGeom prst="rect">
@@ -5044,10 +6524,3768 @@
           </a:p>
         </p:txBody>
       </p:sp>
+      <mc:AlternateContent xmlns:mc="http://schemas.openxmlformats.org/markup-compatibility/2006">
+        <mc:Choice xmlns:p14="http://schemas.microsoft.com/office/powerpoint/2010/main" Requires="p14">
+          <p:contentPart p14:bwMode="auto" r:id="rId31">
+            <p14:nvContentPartPr>
+              <p14:cNvPr id="54" name="Ink 53">
+                <a:extLst>
+                  <a:ext uri="{FF2B5EF4-FFF2-40B4-BE49-F238E27FC236}">
+                    <a16:creationId xmlns:a16="http://schemas.microsoft.com/office/drawing/2014/main" id="{52D10798-5C90-50D2-ABB8-8EDFAB21BBDF}"/>
+                  </a:ext>
+                </a:extLst>
+              </p14:cNvPr>
+              <p14:cNvContentPartPr/>
+              <p14:nvPr/>
+            </p14:nvContentPartPr>
+            <p14:xfrm flipV="1">
+              <a:off x="6369381" y="11925101"/>
+              <a:ext cx="1677960" cy="1494000"/>
+            </p14:xfrm>
+          </p:contentPart>
+        </mc:Choice>
+        <mc:Fallback>
+          <p:pic>
+            <p:nvPicPr>
+              <p:cNvPr id="54" name="Ink 53">
+                <a:extLst>
+                  <a:ext uri="{FF2B5EF4-FFF2-40B4-BE49-F238E27FC236}">
+                    <a16:creationId xmlns:a16="http://schemas.microsoft.com/office/drawing/2014/main" id="{52D10798-5C90-50D2-ABB8-8EDFAB21BBDF}"/>
+                  </a:ext>
+                </a:extLst>
+              </p:cNvPr>
+              <p:cNvPicPr/>
+              <p:nvPr/>
+            </p:nvPicPr>
+            <p:blipFill>
+              <a:blip r:embed="rId32"/>
+              <a:stretch>
+                <a:fillRect/>
+              </a:stretch>
+            </p:blipFill>
+            <p:spPr>
+              <a:xfrm flipV="1">
+                <a:off x="6351381" y="11907461"/>
+                <a:ext cx="1713600" cy="1529640"/>
+              </a:xfrm>
+              <a:prstGeom prst="rect">
+                <a:avLst/>
+              </a:prstGeom>
+            </p:spPr>
+          </p:pic>
+        </mc:Fallback>
+      </mc:AlternateContent>
+      <mc:AlternateContent xmlns:mc="http://schemas.openxmlformats.org/markup-compatibility/2006">
+        <mc:Choice xmlns:p14="http://schemas.microsoft.com/office/powerpoint/2010/main" Requires="p14">
+          <p:contentPart p14:bwMode="auto" r:id="rId33">
+            <p14:nvContentPartPr>
+              <p14:cNvPr id="55" name="Ink 54">
+                <a:extLst>
+                  <a:ext uri="{FF2B5EF4-FFF2-40B4-BE49-F238E27FC236}">
+                    <a16:creationId xmlns:a16="http://schemas.microsoft.com/office/drawing/2014/main" id="{28D78D6B-3E84-B788-4B40-8EE028CF1E55}"/>
+                  </a:ext>
+                </a:extLst>
+              </p14:cNvPr>
+              <p14:cNvContentPartPr/>
+              <p14:nvPr/>
+            </p14:nvContentPartPr>
+            <p14:xfrm flipV="1">
+              <a:off x="10284021" y="11910341"/>
+              <a:ext cx="1677960" cy="1494000"/>
+            </p14:xfrm>
+          </p:contentPart>
+        </mc:Choice>
+        <mc:Fallback>
+          <p:pic>
+            <p:nvPicPr>
+              <p:cNvPr id="55" name="Ink 54">
+                <a:extLst>
+                  <a:ext uri="{FF2B5EF4-FFF2-40B4-BE49-F238E27FC236}">
+                    <a16:creationId xmlns:a16="http://schemas.microsoft.com/office/drawing/2014/main" id="{28D78D6B-3E84-B788-4B40-8EE028CF1E55}"/>
+                  </a:ext>
+                </a:extLst>
+              </p:cNvPr>
+              <p:cNvPicPr/>
+              <p:nvPr/>
+            </p:nvPicPr>
+            <p:blipFill>
+              <a:blip r:embed="rId32"/>
+              <a:stretch>
+                <a:fillRect/>
+              </a:stretch>
+            </p:blipFill>
+            <p:spPr>
+              <a:xfrm flipV="1">
+                <a:off x="10266021" y="11892701"/>
+                <a:ext cx="1713600" cy="1529640"/>
+              </a:xfrm>
+              <a:prstGeom prst="rect">
+                <a:avLst/>
+              </a:prstGeom>
+            </p:spPr>
+          </p:pic>
+        </mc:Fallback>
+      </mc:AlternateContent>
+      <p:sp>
+        <p:nvSpPr>
+          <p:cNvPr id="56" name="TextBox 55">
+            <a:extLst>
+              <a:ext uri="{FF2B5EF4-FFF2-40B4-BE49-F238E27FC236}">
+                <a16:creationId xmlns:a16="http://schemas.microsoft.com/office/drawing/2014/main" id="{F2CEE853-1A08-BBFE-F206-6784F71E5F7E}"/>
+              </a:ext>
+            </a:extLst>
+          </p:cNvPr>
+          <p:cNvSpPr txBox="1"/>
+          <p:nvPr/>
+        </p:nvSpPr>
+        <p:spPr>
+          <a:xfrm>
+            <a:off x="6778955" y="16877267"/>
+            <a:ext cx="843629" cy="369332"/>
+          </a:xfrm>
+          <a:prstGeom prst="rect">
+            <a:avLst/>
+          </a:prstGeom>
+          <a:noFill/>
+        </p:spPr>
+        <p:txBody>
+          <a:bodyPr wrap="none" rtlCol="0">
+            <a:spAutoFit/>
+          </a:bodyPr>
+          <a:lstStyle/>
+          <a:p>
+            <a:r>
+              <a:rPr lang="en-US" dirty="0"/>
+              <a:t>Money</a:t>
+            </a:r>
+          </a:p>
+        </p:txBody>
+      </p:sp>
+      <p:sp>
+        <p:nvSpPr>
+          <p:cNvPr id="57" name="TextBox 56">
+            <a:extLst>
+              <a:ext uri="{FF2B5EF4-FFF2-40B4-BE49-F238E27FC236}">
+                <a16:creationId xmlns:a16="http://schemas.microsoft.com/office/drawing/2014/main" id="{3419CFF1-888C-6D85-09F2-86DBB33F22C7}"/>
+              </a:ext>
+            </a:extLst>
+          </p:cNvPr>
+          <p:cNvSpPr txBox="1"/>
+          <p:nvPr/>
+        </p:nvSpPr>
+        <p:spPr>
+          <a:xfrm>
+            <a:off x="10555527" y="16892027"/>
+            <a:ext cx="1152880" cy="369332"/>
+          </a:xfrm>
+          <a:prstGeom prst="rect">
+            <a:avLst/>
+          </a:prstGeom>
+          <a:noFill/>
+        </p:spPr>
+        <p:txBody>
+          <a:bodyPr wrap="none" rtlCol="0">
+            <a:spAutoFit/>
+          </a:bodyPr>
+          <a:lstStyle/>
+          <a:p>
+            <a:r>
+              <a:rPr lang="en-US" dirty="0"/>
+              <a:t>Happiness</a:t>
+            </a:r>
+          </a:p>
+        </p:txBody>
+      </p:sp>
+      <mc:AlternateContent xmlns:mc="http://schemas.openxmlformats.org/markup-compatibility/2006">
+        <mc:Choice xmlns:p14="http://schemas.microsoft.com/office/powerpoint/2010/main" Requires="p14">
+          <p:contentPart p14:bwMode="auto" r:id="rId34">
+            <p14:nvContentPartPr>
+              <p14:cNvPr id="58" name="Ink 57">
+                <a:extLst>
+                  <a:ext uri="{FF2B5EF4-FFF2-40B4-BE49-F238E27FC236}">
+                    <a16:creationId xmlns:a16="http://schemas.microsoft.com/office/drawing/2014/main" id="{C794B4FF-7042-FF0B-DC3F-B76CA17CBCDC}"/>
+                  </a:ext>
+                </a:extLst>
+              </p14:cNvPr>
+              <p14:cNvContentPartPr/>
+              <p14:nvPr/>
+            </p14:nvContentPartPr>
+            <p14:xfrm flipV="1">
+              <a:off x="8494646" y="13921106"/>
+              <a:ext cx="1677960" cy="1494000"/>
+            </p14:xfrm>
+          </p:contentPart>
+        </mc:Choice>
+        <mc:Fallback>
+          <p:pic>
+            <p:nvPicPr>
+              <p:cNvPr id="58" name="Ink 57">
+                <a:extLst>
+                  <a:ext uri="{FF2B5EF4-FFF2-40B4-BE49-F238E27FC236}">
+                    <a16:creationId xmlns:a16="http://schemas.microsoft.com/office/drawing/2014/main" id="{C794B4FF-7042-FF0B-DC3F-B76CA17CBCDC}"/>
+                  </a:ext>
+                </a:extLst>
+              </p:cNvPr>
+              <p:cNvPicPr/>
+              <p:nvPr/>
+            </p:nvPicPr>
+            <p:blipFill>
+              <a:blip r:embed="rId32"/>
+              <a:stretch>
+                <a:fillRect/>
+              </a:stretch>
+            </p:blipFill>
+            <p:spPr>
+              <a:xfrm flipV="1">
+                <a:off x="8476646" y="13903466"/>
+                <a:ext cx="1713600" cy="1529640"/>
+              </a:xfrm>
+              <a:prstGeom prst="rect">
+                <a:avLst/>
+              </a:prstGeom>
+            </p:spPr>
+          </p:pic>
+        </mc:Fallback>
+      </mc:AlternateContent>
+      <p:sp>
+        <p:nvSpPr>
+          <p:cNvPr id="59" name="TextBox 58">
+            <a:extLst>
+              <a:ext uri="{FF2B5EF4-FFF2-40B4-BE49-F238E27FC236}">
+                <a16:creationId xmlns:a16="http://schemas.microsoft.com/office/drawing/2014/main" id="{0F7BF896-1F5F-5E43-D58D-80A85BC3956E}"/>
+              </a:ext>
+            </a:extLst>
+          </p:cNvPr>
+          <p:cNvSpPr txBox="1"/>
+          <p:nvPr/>
+        </p:nvSpPr>
+        <p:spPr>
+          <a:xfrm>
+            <a:off x="8468731" y="14103913"/>
+            <a:ext cx="1753437" cy="1200329"/>
+          </a:xfrm>
+          <a:prstGeom prst="rect">
+            <a:avLst/>
+          </a:prstGeom>
+          <a:noFill/>
+        </p:spPr>
+        <p:txBody>
+          <a:bodyPr wrap="square" rtlCol="0">
+            <a:spAutoFit/>
+          </a:bodyPr>
+          <a:lstStyle/>
+          <a:p>
+            <a:pPr algn="ctr"/>
+            <a:r>
+              <a:rPr lang="en-US" sz="2400" dirty="0"/>
+              <a:t>Social services sample</a:t>
+            </a:r>
+          </a:p>
+        </p:txBody>
+      </p:sp>
+      <p:sp>
+        <p:nvSpPr>
+          <p:cNvPr id="66" name="TextBox 65">
+            <a:extLst>
+              <a:ext uri="{FF2B5EF4-FFF2-40B4-BE49-F238E27FC236}">
+                <a16:creationId xmlns:a16="http://schemas.microsoft.com/office/drawing/2014/main" id="{A99010B3-5CFD-84A8-A514-5289CF3AA82F}"/>
+              </a:ext>
+            </a:extLst>
+          </p:cNvPr>
+          <p:cNvSpPr txBox="1"/>
+          <p:nvPr/>
+        </p:nvSpPr>
+        <p:spPr>
+          <a:xfrm>
+            <a:off x="6040075" y="11304414"/>
+            <a:ext cx="497252" cy="584775"/>
+          </a:xfrm>
+          <a:prstGeom prst="rect">
+            <a:avLst/>
+          </a:prstGeom>
+          <a:noFill/>
+        </p:spPr>
+        <p:txBody>
+          <a:bodyPr wrap="square" rtlCol="0">
+            <a:spAutoFit/>
+          </a:bodyPr>
+          <a:lstStyle/>
+          <a:p>
+            <a:r>
+              <a:rPr lang="en-US" sz="3200" dirty="0"/>
+              <a:t>4.</a:t>
+            </a:r>
+          </a:p>
+        </p:txBody>
+      </p:sp>
+      <p:sp>
+        <p:nvSpPr>
+          <p:cNvPr id="68" name="TextBox 67">
+            <a:extLst>
+              <a:ext uri="{FF2B5EF4-FFF2-40B4-BE49-F238E27FC236}">
+                <a16:creationId xmlns:a16="http://schemas.microsoft.com/office/drawing/2014/main" id="{2697B3FF-F41F-57C9-CDDD-5B059ED155FF}"/>
+              </a:ext>
+            </a:extLst>
+          </p:cNvPr>
+          <p:cNvSpPr txBox="1"/>
+          <p:nvPr/>
+        </p:nvSpPr>
+        <p:spPr>
+          <a:xfrm>
+            <a:off x="10363519" y="12504614"/>
+            <a:ext cx="1475084" cy="461665"/>
+          </a:xfrm>
+          <a:prstGeom prst="rect">
+            <a:avLst/>
+          </a:prstGeom>
+          <a:noFill/>
+        </p:spPr>
+        <p:txBody>
+          <a:bodyPr wrap="none" rtlCol="0">
+            <a:spAutoFit/>
+          </a:bodyPr>
+          <a:lstStyle/>
+          <a:p>
+            <a:pPr algn="ctr"/>
+            <a:r>
+              <a:rPr lang="en-US" sz="2400" dirty="0"/>
+              <a:t>Happiness</a:t>
+            </a:r>
+          </a:p>
+        </p:txBody>
+      </p:sp>
+      <mc:AlternateContent xmlns:mc="http://schemas.openxmlformats.org/markup-compatibility/2006">
+        <mc:Choice xmlns:p14="http://schemas.microsoft.com/office/powerpoint/2010/main" Requires="p14">
+          <p:contentPart p14:bwMode="auto" r:id="rId35">
+            <p14:nvContentPartPr>
+              <p14:cNvPr id="69" name="Ink 68">
+                <a:extLst>
+                  <a:ext uri="{FF2B5EF4-FFF2-40B4-BE49-F238E27FC236}">
+                    <a16:creationId xmlns:a16="http://schemas.microsoft.com/office/drawing/2014/main" id="{0ABBA537-ED70-11FD-5149-811F61AB8136}"/>
+                  </a:ext>
+                </a:extLst>
+              </p14:cNvPr>
+              <p14:cNvContentPartPr/>
+              <p14:nvPr/>
+            </p14:nvContentPartPr>
+            <p14:xfrm>
+              <a:off x="9942360" y="13332090"/>
+              <a:ext cx="640440" cy="667800"/>
+            </p14:xfrm>
+          </p:contentPart>
+        </mc:Choice>
+        <mc:Fallback>
+          <p:pic>
+            <p:nvPicPr>
+              <p:cNvPr id="69" name="Ink 68">
+                <a:extLst>
+                  <a:ext uri="{FF2B5EF4-FFF2-40B4-BE49-F238E27FC236}">
+                    <a16:creationId xmlns:a16="http://schemas.microsoft.com/office/drawing/2014/main" id="{0ABBA537-ED70-11FD-5149-811F61AB8136}"/>
+                  </a:ext>
+                </a:extLst>
+              </p:cNvPr>
+              <p:cNvPicPr/>
+              <p:nvPr/>
+            </p:nvPicPr>
+            <p:blipFill>
+              <a:blip r:embed="rId36"/>
+              <a:stretch>
+                <a:fillRect/>
+              </a:stretch>
+            </p:blipFill>
+            <p:spPr>
+              <a:xfrm>
+                <a:off x="9924360" y="13314090"/>
+                <a:ext cx="676080" cy="703440"/>
+              </a:xfrm>
+              <a:prstGeom prst="rect">
+                <a:avLst/>
+              </a:prstGeom>
+            </p:spPr>
+          </p:pic>
+        </mc:Fallback>
+      </mc:AlternateContent>
+      <mc:AlternateContent xmlns:mc="http://schemas.openxmlformats.org/markup-compatibility/2006">
+        <mc:Choice xmlns:p14="http://schemas.microsoft.com/office/powerpoint/2010/main" Requires="p14">
+          <p:contentPart p14:bwMode="auto" r:id="rId37">
+            <p14:nvContentPartPr>
+              <p14:cNvPr id="74" name="Ink 73">
+                <a:extLst>
+                  <a:ext uri="{FF2B5EF4-FFF2-40B4-BE49-F238E27FC236}">
+                    <a16:creationId xmlns:a16="http://schemas.microsoft.com/office/drawing/2014/main" id="{7913478F-D700-8FD3-C5C3-E354176936C2}"/>
+                  </a:ext>
+                </a:extLst>
+              </p14:cNvPr>
+              <p14:cNvContentPartPr/>
+              <p14:nvPr/>
+            </p14:nvContentPartPr>
+            <p14:xfrm>
+              <a:off x="9957120" y="13911330"/>
+              <a:ext cx="379440" cy="95400"/>
+            </p14:xfrm>
+          </p:contentPart>
+        </mc:Choice>
+        <mc:Fallback>
+          <p:pic>
+            <p:nvPicPr>
+              <p:cNvPr id="74" name="Ink 73">
+                <a:extLst>
+                  <a:ext uri="{FF2B5EF4-FFF2-40B4-BE49-F238E27FC236}">
+                    <a16:creationId xmlns:a16="http://schemas.microsoft.com/office/drawing/2014/main" id="{7913478F-D700-8FD3-C5C3-E354176936C2}"/>
+                  </a:ext>
+                </a:extLst>
+              </p:cNvPr>
+              <p:cNvPicPr/>
+              <p:nvPr/>
+            </p:nvPicPr>
+            <p:blipFill>
+              <a:blip r:embed="rId38"/>
+              <a:stretch>
+                <a:fillRect/>
+              </a:stretch>
+            </p:blipFill>
+            <p:spPr>
+              <a:xfrm>
+                <a:off x="9939480" y="13893330"/>
+                <a:ext cx="415080" cy="131040"/>
+              </a:xfrm>
+              <a:prstGeom prst="rect">
+                <a:avLst/>
+              </a:prstGeom>
+            </p:spPr>
+          </p:pic>
+        </mc:Fallback>
+      </mc:AlternateContent>
+      <p:grpSp>
+        <p:nvGrpSpPr>
+          <p:cNvPr id="79" name="Group 78">
+            <a:extLst>
+              <a:ext uri="{FF2B5EF4-FFF2-40B4-BE49-F238E27FC236}">
+                <a16:creationId xmlns:a16="http://schemas.microsoft.com/office/drawing/2014/main" id="{EA7100C1-D3A2-B76B-F41C-FF7D2ED4DB78}"/>
+              </a:ext>
+            </a:extLst>
+          </p:cNvPr>
+          <p:cNvGrpSpPr/>
+          <p:nvPr/>
+        </p:nvGrpSpPr>
+        <p:grpSpPr>
+          <a:xfrm>
+            <a:off x="7949400" y="13261890"/>
+            <a:ext cx="799560" cy="801360"/>
+            <a:chOff x="7949400" y="13623840"/>
+            <a:chExt cx="799560" cy="801360"/>
+          </a:xfrm>
+        </p:grpSpPr>
+        <mc:AlternateContent xmlns:mc="http://schemas.openxmlformats.org/markup-compatibility/2006">
+          <mc:Choice xmlns:p14="http://schemas.microsoft.com/office/powerpoint/2010/main" Requires="p14">
+            <p:contentPart p14:bwMode="auto" r:id="rId39">
+              <p14:nvContentPartPr>
+                <p14:cNvPr id="77" name="Ink 76">
+                  <a:extLst>
+                    <a:ext uri="{FF2B5EF4-FFF2-40B4-BE49-F238E27FC236}">
+                      <a16:creationId xmlns:a16="http://schemas.microsoft.com/office/drawing/2014/main" id="{E7B01F4F-223A-E2A8-FF6F-0669387A82F2}"/>
+                    </a:ext>
+                  </a:extLst>
+                </p14:cNvPr>
+                <p14:cNvContentPartPr/>
+                <p14:nvPr/>
+              </p14:nvContentPartPr>
+              <p14:xfrm>
+                <a:off x="7949400" y="13623840"/>
+                <a:ext cx="799560" cy="776160"/>
+              </p14:xfrm>
+            </p:contentPart>
+          </mc:Choice>
+          <mc:Fallback>
+            <p:pic>
+              <p:nvPicPr>
+                <p:cNvPr id="77" name="Ink 76">
+                  <a:extLst>
+                    <a:ext uri="{FF2B5EF4-FFF2-40B4-BE49-F238E27FC236}">
+                      <a16:creationId xmlns:a16="http://schemas.microsoft.com/office/drawing/2014/main" id="{E7B01F4F-223A-E2A8-FF6F-0669387A82F2}"/>
+                    </a:ext>
+                  </a:extLst>
+                </p:cNvPr>
+                <p:cNvPicPr/>
+                <p:nvPr/>
+              </p:nvPicPr>
+              <p:blipFill>
+                <a:blip r:embed="rId40"/>
+                <a:stretch>
+                  <a:fillRect/>
+                </a:stretch>
+              </p:blipFill>
+              <p:spPr>
+                <a:xfrm>
+                  <a:off x="7931760" y="13605840"/>
+                  <a:ext cx="835200" cy="811800"/>
+                </a:xfrm>
+                <a:prstGeom prst="rect">
+                  <a:avLst/>
+                </a:prstGeom>
+              </p:spPr>
+            </p:pic>
+          </mc:Fallback>
+        </mc:AlternateContent>
+        <mc:AlternateContent xmlns:mc="http://schemas.openxmlformats.org/markup-compatibility/2006">
+          <mc:Choice xmlns:p14="http://schemas.microsoft.com/office/powerpoint/2010/main" Requires="p14">
+            <p:contentPart p14:bwMode="auto" r:id="rId41">
+              <p14:nvContentPartPr>
+                <p14:cNvPr id="78" name="Ink 77">
+                  <a:extLst>
+                    <a:ext uri="{FF2B5EF4-FFF2-40B4-BE49-F238E27FC236}">
+                      <a16:creationId xmlns:a16="http://schemas.microsoft.com/office/drawing/2014/main" id="{3495F0DE-8B34-B03B-F96C-E08642B73660}"/>
+                    </a:ext>
+                  </a:extLst>
+                </p14:cNvPr>
+                <p14:cNvContentPartPr/>
+                <p14:nvPr/>
+              </p14:nvContentPartPr>
+              <p14:xfrm>
+                <a:off x="8313720" y="14419800"/>
+                <a:ext cx="403200" cy="5400"/>
+              </p14:xfrm>
+            </p:contentPart>
+          </mc:Choice>
+          <mc:Fallback>
+            <p:pic>
+              <p:nvPicPr>
+                <p:cNvPr id="78" name="Ink 77">
+                  <a:extLst>
+                    <a:ext uri="{FF2B5EF4-FFF2-40B4-BE49-F238E27FC236}">
+                      <a16:creationId xmlns:a16="http://schemas.microsoft.com/office/drawing/2014/main" id="{3495F0DE-8B34-B03B-F96C-E08642B73660}"/>
+                    </a:ext>
+                  </a:extLst>
+                </p:cNvPr>
+                <p:cNvPicPr/>
+                <p:nvPr/>
+              </p:nvPicPr>
+              <p:blipFill>
+                <a:blip r:embed="rId42"/>
+                <a:stretch>
+                  <a:fillRect/>
+                </a:stretch>
+              </p:blipFill>
+              <p:spPr>
+                <a:xfrm>
+                  <a:off x="8295720" y="14402160"/>
+                  <a:ext cx="438840" cy="41040"/>
+                </a:xfrm>
+                <a:prstGeom prst="rect">
+                  <a:avLst/>
+                </a:prstGeom>
+              </p:spPr>
+            </p:pic>
+          </mc:Fallback>
+        </mc:AlternateContent>
+      </p:grpSp>
+      <p:sp>
+        <p:nvSpPr>
+          <p:cNvPr id="80" name="TextBox 79">
+            <a:extLst>
+              <a:ext uri="{FF2B5EF4-FFF2-40B4-BE49-F238E27FC236}">
+                <a16:creationId xmlns:a16="http://schemas.microsoft.com/office/drawing/2014/main" id="{0920784B-005C-15F6-587D-924656465BE0}"/>
+              </a:ext>
+            </a:extLst>
+          </p:cNvPr>
+          <p:cNvSpPr txBox="1"/>
+          <p:nvPr/>
+        </p:nvSpPr>
+        <p:spPr>
+          <a:xfrm>
+            <a:off x="6660407" y="12426508"/>
+            <a:ext cx="1062791" cy="461665"/>
+          </a:xfrm>
+          <a:prstGeom prst="rect">
+            <a:avLst/>
+          </a:prstGeom>
+          <a:noFill/>
+        </p:spPr>
+        <p:txBody>
+          <a:bodyPr wrap="none" rtlCol="0">
+            <a:spAutoFit/>
+          </a:bodyPr>
+          <a:lstStyle/>
+          <a:p>
+            <a:pPr algn="ctr"/>
+            <a:r>
+              <a:rPr lang="en-US" sz="2400" dirty="0"/>
+              <a:t>Money</a:t>
+            </a:r>
+          </a:p>
+        </p:txBody>
+      </p:sp>
     </p:spTree>
     <p:extLst>
       <p:ext uri="{BB962C8B-B14F-4D97-AF65-F5344CB8AC3E}">
         <p14:creationId xmlns:p14="http://schemas.microsoft.com/office/powerpoint/2010/main" val="3861708564"/>
+      </p:ext>
+    </p:extLst>
+  </p:cSld>
+  <p:clrMapOvr>
+    <a:masterClrMapping/>
+  </p:clrMapOvr>
+</p:sld>
+</file>
+
+<file path=ppt/slides/slide2.xml><?xml version="1.0" encoding="utf-8"?>
+<p:sld xmlns:a="http://schemas.openxmlformats.org/drawingml/2006/main" xmlns:r="http://schemas.openxmlformats.org/officeDocument/2006/relationships" xmlns:p="http://schemas.openxmlformats.org/presentationml/2006/main">
+  <p:cSld>
+    <p:spTree>
+      <p:nvGrpSpPr>
+        <p:cNvPr id="1" name=""/>
+        <p:cNvGrpSpPr/>
+        <p:nvPr/>
+      </p:nvGrpSpPr>
+      <p:grpSpPr>
+        <a:xfrm>
+          <a:off x="0" y="0"/>
+          <a:ext cx="0" cy="0"/>
+          <a:chOff x="0" y="0"/>
+          <a:chExt cx="0" cy="0"/>
+        </a:xfrm>
+      </p:grpSpPr>
+      <mc:AlternateContent xmlns:mc="http://schemas.openxmlformats.org/markup-compatibility/2006">
+        <mc:Choice xmlns:p14="http://schemas.microsoft.com/office/powerpoint/2010/main" Requires="p14">
+          <p:contentPart p14:bwMode="auto" r:id="rId2">
+            <p14:nvContentPartPr>
+              <p14:cNvPr id="37" name="Ink 36">
+                <a:extLst>
+                  <a:ext uri="{FF2B5EF4-FFF2-40B4-BE49-F238E27FC236}">
+                    <a16:creationId xmlns:a16="http://schemas.microsoft.com/office/drawing/2014/main" id="{CF1D74FF-7A9F-1627-7500-1F8CEC8042DB}"/>
+                  </a:ext>
+                </a:extLst>
+              </p14:cNvPr>
+              <p14:cNvContentPartPr/>
+              <p14:nvPr/>
+            </p14:nvContentPartPr>
+            <p14:xfrm>
+              <a:off x="2181360" y="7307940"/>
+              <a:ext cx="1677960" cy="1494000"/>
+            </p14:xfrm>
+          </p:contentPart>
+        </mc:Choice>
+        <mc:Fallback>
+          <p:pic>
+            <p:nvPicPr>
+              <p:cNvPr id="37" name="Ink 36">
+                <a:extLst>
+                  <a:ext uri="{FF2B5EF4-FFF2-40B4-BE49-F238E27FC236}">
+                    <a16:creationId xmlns:a16="http://schemas.microsoft.com/office/drawing/2014/main" id="{CF1D74FF-7A9F-1627-7500-1F8CEC8042DB}"/>
+                  </a:ext>
+                </a:extLst>
+              </p:cNvPr>
+              <p:cNvPicPr/>
+              <p:nvPr/>
+            </p:nvPicPr>
+            <p:blipFill>
+              <a:blip r:embed="rId3"/>
+              <a:stretch>
+                <a:fillRect/>
+              </a:stretch>
+            </p:blipFill>
+            <p:spPr>
+              <a:xfrm>
+                <a:off x="2163364" y="7289936"/>
+                <a:ext cx="1713592" cy="1529649"/>
+              </a:xfrm>
+              <a:prstGeom prst="rect">
+                <a:avLst/>
+              </a:prstGeom>
+            </p:spPr>
+          </p:pic>
+        </mc:Fallback>
+      </mc:AlternateContent>
+      <mc:AlternateContent xmlns:mc="http://schemas.openxmlformats.org/markup-compatibility/2006">
+        <mc:Choice xmlns:p14="http://schemas.microsoft.com/office/powerpoint/2010/main" Requires="p14">
+          <p:contentPart p14:bwMode="auto" r:id="rId4">
+            <p14:nvContentPartPr>
+              <p14:cNvPr id="40" name="Ink 39">
+                <a:extLst>
+                  <a:ext uri="{FF2B5EF4-FFF2-40B4-BE49-F238E27FC236}">
+                    <a16:creationId xmlns:a16="http://schemas.microsoft.com/office/drawing/2014/main" id="{FAEEBEC9-D759-72F5-3B6E-05ABF0D6EF12}"/>
+                  </a:ext>
+                </a:extLst>
+              </p14:cNvPr>
+              <p14:cNvContentPartPr/>
+              <p14:nvPr/>
+            </p14:nvContentPartPr>
+            <p14:xfrm>
+              <a:off x="6096000" y="7293180"/>
+              <a:ext cx="1677960" cy="1494000"/>
+            </p14:xfrm>
+          </p:contentPart>
+        </mc:Choice>
+        <mc:Fallback>
+          <p:pic>
+            <p:nvPicPr>
+              <p:cNvPr id="40" name="Ink 39">
+                <a:extLst>
+                  <a:ext uri="{FF2B5EF4-FFF2-40B4-BE49-F238E27FC236}">
+                    <a16:creationId xmlns:a16="http://schemas.microsoft.com/office/drawing/2014/main" id="{FAEEBEC9-D759-72F5-3B6E-05ABF0D6EF12}"/>
+                  </a:ext>
+                </a:extLst>
+              </p:cNvPr>
+              <p:cNvPicPr/>
+              <p:nvPr/>
+            </p:nvPicPr>
+            <p:blipFill>
+              <a:blip r:embed="rId3"/>
+              <a:stretch>
+                <a:fillRect/>
+              </a:stretch>
+            </p:blipFill>
+            <p:spPr>
+              <a:xfrm>
+                <a:off x="6078004" y="7275176"/>
+                <a:ext cx="1713592" cy="1529649"/>
+              </a:xfrm>
+              <a:prstGeom prst="rect">
+                <a:avLst/>
+              </a:prstGeom>
+            </p:spPr>
+          </p:pic>
+        </mc:Fallback>
+      </mc:AlternateContent>
+      <p:sp>
+        <p:nvSpPr>
+          <p:cNvPr id="41" name="TextBox 40">
+            <a:extLst>
+              <a:ext uri="{FF2B5EF4-FFF2-40B4-BE49-F238E27FC236}">
+                <a16:creationId xmlns:a16="http://schemas.microsoft.com/office/drawing/2014/main" id="{5B7773E2-3B76-393A-441F-E1460319DE59}"/>
+              </a:ext>
+            </a:extLst>
+          </p:cNvPr>
+          <p:cNvSpPr txBox="1"/>
+          <p:nvPr/>
+        </p:nvSpPr>
+        <p:spPr>
+          <a:xfrm>
+            <a:off x="2472387" y="7855514"/>
+            <a:ext cx="1062791" cy="461665"/>
+          </a:xfrm>
+          <a:prstGeom prst="rect">
+            <a:avLst/>
+          </a:prstGeom>
+          <a:noFill/>
+        </p:spPr>
+        <p:txBody>
+          <a:bodyPr wrap="none" rtlCol="0">
+            <a:spAutoFit/>
+          </a:bodyPr>
+          <a:lstStyle/>
+          <a:p>
+            <a:pPr algn="ctr"/>
+            <a:r>
+              <a:rPr lang="en-US" sz="2400" dirty="0"/>
+              <a:t>Money</a:t>
+            </a:r>
+          </a:p>
+        </p:txBody>
+      </p:sp>
+      <p:sp>
+        <p:nvSpPr>
+          <p:cNvPr id="42" name="TextBox 41">
+            <a:extLst>
+              <a:ext uri="{FF2B5EF4-FFF2-40B4-BE49-F238E27FC236}">
+                <a16:creationId xmlns:a16="http://schemas.microsoft.com/office/drawing/2014/main" id="{9B4EC886-0DD4-92EC-A3F1-A670C4A3AB9A}"/>
+              </a:ext>
+            </a:extLst>
+          </p:cNvPr>
+          <p:cNvSpPr txBox="1"/>
+          <p:nvPr/>
+        </p:nvSpPr>
+        <p:spPr>
+          <a:xfrm>
+            <a:off x="6197438" y="7870274"/>
+            <a:ext cx="1475084" cy="461665"/>
+          </a:xfrm>
+          <a:prstGeom prst="rect">
+            <a:avLst/>
+          </a:prstGeom>
+          <a:noFill/>
+        </p:spPr>
+        <p:txBody>
+          <a:bodyPr wrap="none" rtlCol="0">
+            <a:spAutoFit/>
+          </a:bodyPr>
+          <a:lstStyle/>
+          <a:p>
+            <a:pPr algn="ctr"/>
+            <a:r>
+              <a:rPr lang="en-US" sz="2400" dirty="0"/>
+              <a:t>Happiness</a:t>
+            </a:r>
+          </a:p>
+        </p:txBody>
+      </p:sp>
+      <mc:AlternateContent xmlns:mc="http://schemas.openxmlformats.org/markup-compatibility/2006">
+        <mc:Choice xmlns:p14="http://schemas.microsoft.com/office/powerpoint/2010/main" Requires="p14">
+          <p:contentPart p14:bwMode="auto" r:id="rId5">
+            <p14:nvContentPartPr>
+              <p14:cNvPr id="43" name="Ink 42">
+                <a:extLst>
+                  <a:ext uri="{FF2B5EF4-FFF2-40B4-BE49-F238E27FC236}">
+                    <a16:creationId xmlns:a16="http://schemas.microsoft.com/office/drawing/2014/main" id="{176B173F-C282-94B3-BD36-B01E97D9584E}"/>
+                  </a:ext>
+                </a:extLst>
+              </p14:cNvPr>
+              <p14:cNvContentPartPr/>
+              <p14:nvPr/>
+            </p14:nvContentPartPr>
+            <p14:xfrm>
+              <a:off x="4198800" y="5301988"/>
+              <a:ext cx="1677960" cy="1494000"/>
+            </p14:xfrm>
+          </p:contentPart>
+        </mc:Choice>
+        <mc:Fallback>
+          <p:pic>
+            <p:nvPicPr>
+              <p:cNvPr id="43" name="Ink 42">
+                <a:extLst>
+                  <a:ext uri="{FF2B5EF4-FFF2-40B4-BE49-F238E27FC236}">
+                    <a16:creationId xmlns:a16="http://schemas.microsoft.com/office/drawing/2014/main" id="{176B173F-C282-94B3-BD36-B01E97D9584E}"/>
+                  </a:ext>
+                </a:extLst>
+              </p:cNvPr>
+              <p:cNvPicPr/>
+              <p:nvPr/>
+            </p:nvPicPr>
+            <p:blipFill>
+              <a:blip r:embed="rId3"/>
+              <a:stretch>
+                <a:fillRect/>
+              </a:stretch>
+            </p:blipFill>
+            <p:spPr>
+              <a:xfrm>
+                <a:off x="4180804" y="5283984"/>
+                <a:ext cx="1713592" cy="1529649"/>
+              </a:xfrm>
+              <a:prstGeom prst="rect">
+                <a:avLst/>
+              </a:prstGeom>
+            </p:spPr>
+          </p:pic>
+        </mc:Fallback>
+      </mc:AlternateContent>
+      <p:sp>
+        <p:nvSpPr>
+          <p:cNvPr id="44" name="TextBox 43">
+            <a:extLst>
+              <a:ext uri="{FF2B5EF4-FFF2-40B4-BE49-F238E27FC236}">
+                <a16:creationId xmlns:a16="http://schemas.microsoft.com/office/drawing/2014/main" id="{C30618B8-0029-1477-0F01-40B06E06E0B1}"/>
+              </a:ext>
+            </a:extLst>
+          </p:cNvPr>
+          <p:cNvSpPr txBox="1"/>
+          <p:nvPr/>
+        </p:nvSpPr>
+        <p:spPr>
+          <a:xfrm>
+            <a:off x="4486989" y="5864322"/>
+            <a:ext cx="1101584" cy="461665"/>
+          </a:xfrm>
+          <a:prstGeom prst="rect">
+            <a:avLst/>
+          </a:prstGeom>
+          <a:noFill/>
+        </p:spPr>
+        <p:txBody>
+          <a:bodyPr wrap="none" rtlCol="0">
+            <a:spAutoFit/>
+          </a:bodyPr>
+          <a:lstStyle/>
+          <a:p>
+            <a:pPr algn="ctr"/>
+            <a:r>
+              <a:rPr lang="en-US" sz="2400" dirty="0"/>
+              <a:t>Friends</a:t>
+            </a:r>
+          </a:p>
+        </p:txBody>
+      </p:sp>
+      <p:grpSp>
+        <p:nvGrpSpPr>
+          <p:cNvPr id="47" name="Group 46">
+            <a:extLst>
+              <a:ext uri="{FF2B5EF4-FFF2-40B4-BE49-F238E27FC236}">
+                <a16:creationId xmlns:a16="http://schemas.microsoft.com/office/drawing/2014/main" id="{F2F36897-8945-6BCB-B960-292EEB363ABF}"/>
+              </a:ext>
+            </a:extLst>
+          </p:cNvPr>
+          <p:cNvGrpSpPr/>
+          <p:nvPr/>
+        </p:nvGrpSpPr>
+        <p:grpSpPr>
+          <a:xfrm>
+            <a:off x="3670179" y="6703928"/>
+            <a:ext cx="798120" cy="716400"/>
+            <a:chOff x="7858200" y="8368094"/>
+            <a:chExt cx="798120" cy="716400"/>
+          </a:xfrm>
+        </p:grpSpPr>
+        <mc:AlternateContent xmlns:mc="http://schemas.openxmlformats.org/markup-compatibility/2006">
+          <mc:Choice xmlns:p14="http://schemas.microsoft.com/office/powerpoint/2010/main" Requires="p14">
+            <p:contentPart p14:bwMode="auto" r:id="rId6">
+              <p14:nvContentPartPr>
+                <p14:cNvPr id="45" name="Ink 44">
+                  <a:extLst>
+                    <a:ext uri="{FF2B5EF4-FFF2-40B4-BE49-F238E27FC236}">
+                      <a16:creationId xmlns:a16="http://schemas.microsoft.com/office/drawing/2014/main" id="{1B1FD228-12ED-946F-698E-1D0DFD7AE076}"/>
+                    </a:ext>
+                  </a:extLst>
+                </p14:cNvPr>
+                <p14:cNvContentPartPr/>
+                <p14:nvPr/>
+              </p14:nvContentPartPr>
+              <p14:xfrm>
+                <a:off x="7858200" y="8368094"/>
+                <a:ext cx="798120" cy="714600"/>
+              </p14:xfrm>
+            </p:contentPart>
+          </mc:Choice>
+          <mc:Fallback>
+            <p:pic>
+              <p:nvPicPr>
+                <p:cNvPr id="45" name="Ink 44">
+                  <a:extLst>
+                    <a:ext uri="{FF2B5EF4-FFF2-40B4-BE49-F238E27FC236}">
+                      <a16:creationId xmlns:a16="http://schemas.microsoft.com/office/drawing/2014/main" id="{1B1FD228-12ED-946F-698E-1D0DFD7AE076}"/>
+                    </a:ext>
+                  </a:extLst>
+                </p:cNvPr>
+                <p:cNvPicPr/>
+                <p:nvPr/>
+              </p:nvPicPr>
+              <p:blipFill>
+                <a:blip r:embed="rId7"/>
+                <a:stretch>
+                  <a:fillRect/>
+                </a:stretch>
+              </p:blipFill>
+              <p:spPr>
+                <a:xfrm>
+                  <a:off x="7840208" y="8350103"/>
+                  <a:ext cx="833744" cy="750222"/>
+                </a:xfrm>
+                <a:prstGeom prst="rect">
+                  <a:avLst/>
+                </a:prstGeom>
+              </p:spPr>
+            </p:pic>
+          </mc:Fallback>
+        </mc:AlternateContent>
+        <mc:AlternateContent xmlns:mc="http://schemas.openxmlformats.org/markup-compatibility/2006">
+          <mc:Choice xmlns:p14="http://schemas.microsoft.com/office/powerpoint/2010/main" Requires="p14">
+            <p:contentPart p14:bwMode="auto" r:id="rId8">
+              <p14:nvContentPartPr>
+                <p14:cNvPr id="46" name="Ink 45">
+                  <a:extLst>
+                    <a:ext uri="{FF2B5EF4-FFF2-40B4-BE49-F238E27FC236}">
+                      <a16:creationId xmlns:a16="http://schemas.microsoft.com/office/drawing/2014/main" id="{25BA9A8D-5ED8-03E1-6588-C159038D94F5}"/>
+                    </a:ext>
+                  </a:extLst>
+                </p14:cNvPr>
+                <p14:cNvContentPartPr/>
+                <p14:nvPr/>
+              </p14:nvContentPartPr>
+              <p14:xfrm>
+                <a:off x="7913640" y="9001694"/>
+                <a:ext cx="309600" cy="82800"/>
+              </p14:xfrm>
+            </p:contentPart>
+          </mc:Choice>
+          <mc:Fallback>
+            <p:pic>
+              <p:nvPicPr>
+                <p:cNvPr id="46" name="Ink 45">
+                  <a:extLst>
+                    <a:ext uri="{FF2B5EF4-FFF2-40B4-BE49-F238E27FC236}">
+                      <a16:creationId xmlns:a16="http://schemas.microsoft.com/office/drawing/2014/main" id="{25BA9A8D-5ED8-03E1-6588-C159038D94F5}"/>
+                    </a:ext>
+                  </a:extLst>
+                </p:cNvPr>
+                <p:cNvPicPr/>
+                <p:nvPr/>
+              </p:nvPicPr>
+              <p:blipFill>
+                <a:blip r:embed="rId9"/>
+                <a:stretch>
+                  <a:fillRect/>
+                </a:stretch>
+              </p:blipFill>
+              <p:spPr>
+                <a:xfrm>
+                  <a:off x="7895640" y="8983615"/>
+                  <a:ext cx="345240" cy="118596"/>
+                </a:xfrm>
+                <a:prstGeom prst="rect">
+                  <a:avLst/>
+                </a:prstGeom>
+              </p:spPr>
+            </p:pic>
+          </mc:Fallback>
+        </mc:AlternateContent>
+      </p:grpSp>
+      <p:grpSp>
+        <p:nvGrpSpPr>
+          <p:cNvPr id="50" name="Group 49">
+            <a:extLst>
+              <a:ext uri="{FF2B5EF4-FFF2-40B4-BE49-F238E27FC236}">
+                <a16:creationId xmlns:a16="http://schemas.microsoft.com/office/drawing/2014/main" id="{F9FB491D-B455-1D32-29EA-AD7FC15D1B5A}"/>
+              </a:ext>
+            </a:extLst>
+          </p:cNvPr>
+          <p:cNvGrpSpPr/>
+          <p:nvPr/>
+        </p:nvGrpSpPr>
+        <p:grpSpPr>
+          <a:xfrm>
+            <a:off x="5684739" y="6692048"/>
+            <a:ext cx="712440" cy="658440"/>
+            <a:chOff x="9872760" y="8356214"/>
+            <a:chExt cx="712440" cy="658440"/>
+          </a:xfrm>
+        </p:grpSpPr>
+        <mc:AlternateContent xmlns:mc="http://schemas.openxmlformats.org/markup-compatibility/2006">
+          <mc:Choice xmlns:p14="http://schemas.microsoft.com/office/powerpoint/2010/main" Requires="p14">
+            <p:contentPart p14:bwMode="auto" r:id="rId10">
+              <p14:nvContentPartPr>
+                <p14:cNvPr id="48" name="Ink 47">
+                  <a:extLst>
+                    <a:ext uri="{FF2B5EF4-FFF2-40B4-BE49-F238E27FC236}">
+                      <a16:creationId xmlns:a16="http://schemas.microsoft.com/office/drawing/2014/main" id="{18519DF9-6B96-AC25-5CA8-2359606D5114}"/>
+                    </a:ext>
+                  </a:extLst>
+                </p14:cNvPr>
+                <p14:cNvContentPartPr/>
+                <p14:nvPr/>
+              </p14:nvContentPartPr>
+              <p14:xfrm>
+                <a:off x="9872760" y="8356214"/>
+                <a:ext cx="673200" cy="630000"/>
+              </p14:xfrm>
+            </p:contentPart>
+          </mc:Choice>
+          <mc:Fallback>
+            <p:pic>
+              <p:nvPicPr>
+                <p:cNvPr id="48" name="Ink 47">
+                  <a:extLst>
+                    <a:ext uri="{FF2B5EF4-FFF2-40B4-BE49-F238E27FC236}">
+                      <a16:creationId xmlns:a16="http://schemas.microsoft.com/office/drawing/2014/main" id="{18519DF9-6B96-AC25-5CA8-2359606D5114}"/>
+                    </a:ext>
+                  </a:extLst>
+                </p:cNvPr>
+                <p:cNvPicPr/>
+                <p:nvPr/>
+              </p:nvPicPr>
+              <p:blipFill>
+                <a:blip r:embed="rId11"/>
+                <a:stretch>
+                  <a:fillRect/>
+                </a:stretch>
+              </p:blipFill>
+              <p:spPr>
+                <a:xfrm>
+                  <a:off x="9854760" y="8338204"/>
+                  <a:ext cx="708840" cy="665660"/>
+                </a:xfrm>
+                <a:prstGeom prst="rect">
+                  <a:avLst/>
+                </a:prstGeom>
+              </p:spPr>
+            </p:pic>
+          </mc:Fallback>
+        </mc:AlternateContent>
+        <mc:AlternateContent xmlns:mc="http://schemas.openxmlformats.org/markup-compatibility/2006">
+          <mc:Choice xmlns:p14="http://schemas.microsoft.com/office/powerpoint/2010/main" Requires="p14">
+            <p:contentPart p14:bwMode="auto" r:id="rId12">
+              <p14:nvContentPartPr>
+                <p14:cNvPr id="49" name="Ink 48">
+                  <a:extLst>
+                    <a:ext uri="{FF2B5EF4-FFF2-40B4-BE49-F238E27FC236}">
+                      <a16:creationId xmlns:a16="http://schemas.microsoft.com/office/drawing/2014/main" id="{743B7AF3-D5C5-3FD1-F06A-BAF97C1ADFF6}"/>
+                    </a:ext>
+                  </a:extLst>
+                </p14:cNvPr>
+                <p14:cNvContentPartPr/>
+                <p14:nvPr/>
+              </p14:nvContentPartPr>
+              <p14:xfrm>
+                <a:off x="10163640" y="8654294"/>
+                <a:ext cx="421560" cy="360360"/>
+              </p14:xfrm>
+            </p:contentPart>
+          </mc:Choice>
+          <mc:Fallback>
+            <p:pic>
+              <p:nvPicPr>
+                <p:cNvPr id="49" name="Ink 48">
+                  <a:extLst>
+                    <a:ext uri="{FF2B5EF4-FFF2-40B4-BE49-F238E27FC236}">
+                      <a16:creationId xmlns:a16="http://schemas.microsoft.com/office/drawing/2014/main" id="{743B7AF3-D5C5-3FD1-F06A-BAF97C1ADFF6}"/>
+                    </a:ext>
+                  </a:extLst>
+                </p:cNvPr>
+                <p:cNvPicPr/>
+                <p:nvPr/>
+              </p:nvPicPr>
+              <p:blipFill>
+                <a:blip r:embed="rId13"/>
+                <a:stretch>
+                  <a:fillRect/>
+                </a:stretch>
+              </p:blipFill>
+              <p:spPr>
+                <a:xfrm>
+                  <a:off x="10145655" y="8636294"/>
+                  <a:ext cx="457170" cy="396000"/>
+                </a:xfrm>
+                <a:prstGeom prst="rect">
+                  <a:avLst/>
+                </a:prstGeom>
+              </p:spPr>
+            </p:pic>
+          </mc:Fallback>
+        </mc:AlternateContent>
+      </p:grpSp>
+      <p:sp>
+        <p:nvSpPr>
+          <p:cNvPr id="56" name="TextBox 55">
+            <a:extLst>
+              <a:ext uri="{FF2B5EF4-FFF2-40B4-BE49-F238E27FC236}">
+                <a16:creationId xmlns:a16="http://schemas.microsoft.com/office/drawing/2014/main" id="{F2CEE853-1A08-BBFE-F206-6784F71E5F7E}"/>
+              </a:ext>
+            </a:extLst>
+          </p:cNvPr>
+          <p:cNvSpPr txBox="1"/>
+          <p:nvPr/>
+        </p:nvSpPr>
+        <p:spPr>
+          <a:xfrm>
+            <a:off x="6778955" y="16877267"/>
+            <a:ext cx="843629" cy="369332"/>
+          </a:xfrm>
+          <a:prstGeom prst="rect">
+            <a:avLst/>
+          </a:prstGeom>
+          <a:noFill/>
+        </p:spPr>
+        <p:txBody>
+          <a:bodyPr wrap="none" rtlCol="0">
+            <a:spAutoFit/>
+          </a:bodyPr>
+          <a:lstStyle/>
+          <a:p>
+            <a:r>
+              <a:rPr lang="en-US" dirty="0"/>
+              <a:t>Money</a:t>
+            </a:r>
+          </a:p>
+        </p:txBody>
+      </p:sp>
+      <p:sp>
+        <p:nvSpPr>
+          <p:cNvPr id="57" name="TextBox 56">
+            <a:extLst>
+              <a:ext uri="{FF2B5EF4-FFF2-40B4-BE49-F238E27FC236}">
+                <a16:creationId xmlns:a16="http://schemas.microsoft.com/office/drawing/2014/main" id="{3419CFF1-888C-6D85-09F2-86DBB33F22C7}"/>
+              </a:ext>
+            </a:extLst>
+          </p:cNvPr>
+          <p:cNvSpPr txBox="1"/>
+          <p:nvPr/>
+        </p:nvSpPr>
+        <p:spPr>
+          <a:xfrm>
+            <a:off x="10555527" y="16892027"/>
+            <a:ext cx="1152880" cy="369332"/>
+          </a:xfrm>
+          <a:prstGeom prst="rect">
+            <a:avLst/>
+          </a:prstGeom>
+          <a:noFill/>
+        </p:spPr>
+        <p:txBody>
+          <a:bodyPr wrap="none" rtlCol="0">
+            <a:spAutoFit/>
+          </a:bodyPr>
+          <a:lstStyle/>
+          <a:p>
+            <a:r>
+              <a:rPr lang="en-US" dirty="0"/>
+              <a:t>Happiness</a:t>
+            </a:r>
+          </a:p>
+        </p:txBody>
+      </p:sp>
+      <mc:AlternateContent xmlns:mc="http://schemas.openxmlformats.org/markup-compatibility/2006">
+        <mc:Choice xmlns:p14="http://schemas.microsoft.com/office/powerpoint/2010/main" Requires="p14">
+          <p:contentPart p14:bwMode="auto" r:id="rId14">
+            <p14:nvContentPartPr>
+              <p14:cNvPr id="2" name="Ink 1">
+                <a:extLst>
+                  <a:ext uri="{FF2B5EF4-FFF2-40B4-BE49-F238E27FC236}">
+                    <a16:creationId xmlns:a16="http://schemas.microsoft.com/office/drawing/2014/main" id="{A85B09DB-1FCC-F6B0-D6BD-BE4F77CC08A6}"/>
+                  </a:ext>
+                </a:extLst>
+              </p14:cNvPr>
+              <p14:cNvContentPartPr/>
+              <p14:nvPr/>
+            </p14:nvContentPartPr>
+            <p14:xfrm>
+              <a:off x="3912720" y="7942680"/>
+              <a:ext cx="2156400" cy="337680"/>
+            </p14:xfrm>
+          </p:contentPart>
+        </mc:Choice>
+        <mc:Fallback>
+          <p:pic>
+            <p:nvPicPr>
+              <p:cNvPr id="2" name="Ink 1">
+                <a:extLst>
+                  <a:ext uri="{FF2B5EF4-FFF2-40B4-BE49-F238E27FC236}">
+                    <a16:creationId xmlns:a16="http://schemas.microsoft.com/office/drawing/2014/main" id="{A85B09DB-1FCC-F6B0-D6BD-BE4F77CC08A6}"/>
+                  </a:ext>
+                </a:extLst>
+              </p:cNvPr>
+              <p:cNvPicPr/>
+              <p:nvPr/>
+            </p:nvPicPr>
+            <p:blipFill>
+              <a:blip r:embed="rId15"/>
+              <a:stretch>
+                <a:fillRect/>
+              </a:stretch>
+            </p:blipFill>
+            <p:spPr>
+              <a:xfrm>
+                <a:off x="3895080" y="7925040"/>
+                <a:ext cx="2192040" cy="373320"/>
+              </a:xfrm>
+              <a:prstGeom prst="rect">
+                <a:avLst/>
+              </a:prstGeom>
+            </p:spPr>
+          </p:pic>
+        </mc:Fallback>
+      </mc:AlternateContent>
+      <p:grpSp>
+        <p:nvGrpSpPr>
+          <p:cNvPr id="5" name="Group 4">
+            <a:extLst>
+              <a:ext uri="{FF2B5EF4-FFF2-40B4-BE49-F238E27FC236}">
+                <a16:creationId xmlns:a16="http://schemas.microsoft.com/office/drawing/2014/main" id="{799773D2-F22D-EFA5-FD83-E3548AEC6500}"/>
+              </a:ext>
+            </a:extLst>
+          </p:cNvPr>
+          <p:cNvGrpSpPr/>
+          <p:nvPr/>
+        </p:nvGrpSpPr>
+        <p:grpSpPr>
+          <a:xfrm>
+            <a:off x="8642400" y="4714920"/>
+            <a:ext cx="360" cy="360"/>
+            <a:chOff x="8642400" y="4714920"/>
+            <a:chExt cx="360" cy="360"/>
+          </a:xfrm>
+        </p:grpSpPr>
+        <mc:AlternateContent xmlns:mc="http://schemas.openxmlformats.org/markup-compatibility/2006">
+          <mc:Choice xmlns:p14="http://schemas.microsoft.com/office/powerpoint/2010/main" Requires="p14">
+            <p:contentPart p14:bwMode="auto" r:id="rId16">
+              <p14:nvContentPartPr>
+                <p14:cNvPr id="3" name="Ink 2">
+                  <a:extLst>
+                    <a:ext uri="{FF2B5EF4-FFF2-40B4-BE49-F238E27FC236}">
+                      <a16:creationId xmlns:a16="http://schemas.microsoft.com/office/drawing/2014/main" id="{CCEE581B-363E-9B6D-784A-8E7506BF12C7}"/>
+                    </a:ext>
+                  </a:extLst>
+                </p14:cNvPr>
+                <p14:cNvContentPartPr/>
+                <p14:nvPr/>
+              </p14:nvContentPartPr>
+              <p14:xfrm>
+                <a:off x="8642400" y="4714920"/>
+                <a:ext cx="360" cy="360"/>
+              </p14:xfrm>
+            </p:contentPart>
+          </mc:Choice>
+          <mc:Fallback>
+            <p:pic>
+              <p:nvPicPr>
+                <p:cNvPr id="3" name="Ink 2">
+                  <a:extLst>
+                    <a:ext uri="{FF2B5EF4-FFF2-40B4-BE49-F238E27FC236}">
+                      <a16:creationId xmlns:a16="http://schemas.microsoft.com/office/drawing/2014/main" id="{CCEE581B-363E-9B6D-784A-8E7506BF12C7}"/>
+                    </a:ext>
+                  </a:extLst>
+                </p:cNvPr>
+                <p:cNvPicPr/>
+                <p:nvPr/>
+              </p:nvPicPr>
+              <p:blipFill>
+                <a:blip r:embed="rId17"/>
+                <a:stretch>
+                  <a:fillRect/>
+                </a:stretch>
+              </p:blipFill>
+              <p:spPr>
+                <a:xfrm>
+                  <a:off x="8624400" y="4696920"/>
+                  <a:ext cx="36000" cy="36000"/>
+                </a:xfrm>
+                <a:prstGeom prst="rect">
+                  <a:avLst/>
+                </a:prstGeom>
+              </p:spPr>
+            </p:pic>
+          </mc:Fallback>
+        </mc:AlternateContent>
+        <mc:AlternateContent xmlns:mc="http://schemas.openxmlformats.org/markup-compatibility/2006">
+          <mc:Choice xmlns:p14="http://schemas.microsoft.com/office/powerpoint/2010/main" Requires="p14">
+            <p:contentPart p14:bwMode="auto" r:id="rId18">
+              <p14:nvContentPartPr>
+                <p14:cNvPr id="4" name="Ink 3">
+                  <a:extLst>
+                    <a:ext uri="{FF2B5EF4-FFF2-40B4-BE49-F238E27FC236}">
+                      <a16:creationId xmlns:a16="http://schemas.microsoft.com/office/drawing/2014/main" id="{ED9EBC83-087F-F838-C63C-CD4054E0C024}"/>
+                    </a:ext>
+                  </a:extLst>
+                </p14:cNvPr>
+                <p14:cNvContentPartPr/>
+                <p14:nvPr/>
+              </p14:nvContentPartPr>
+              <p14:xfrm>
+                <a:off x="8642400" y="4714920"/>
+                <a:ext cx="360" cy="360"/>
+              </p14:xfrm>
+            </p:contentPart>
+          </mc:Choice>
+          <mc:Fallback>
+            <p:pic>
+              <p:nvPicPr>
+                <p:cNvPr id="4" name="Ink 3">
+                  <a:extLst>
+                    <a:ext uri="{FF2B5EF4-FFF2-40B4-BE49-F238E27FC236}">
+                      <a16:creationId xmlns:a16="http://schemas.microsoft.com/office/drawing/2014/main" id="{ED9EBC83-087F-F838-C63C-CD4054E0C024}"/>
+                    </a:ext>
+                  </a:extLst>
+                </p:cNvPr>
+                <p:cNvPicPr/>
+                <p:nvPr/>
+              </p:nvPicPr>
+              <p:blipFill>
+                <a:blip r:embed="rId17"/>
+                <a:stretch>
+                  <a:fillRect/>
+                </a:stretch>
+              </p:blipFill>
+              <p:spPr>
+                <a:xfrm>
+                  <a:off x="8624400" y="4696920"/>
+                  <a:ext cx="36000" cy="36000"/>
+                </a:xfrm>
+                <a:prstGeom prst="rect">
+                  <a:avLst/>
+                </a:prstGeom>
+              </p:spPr>
+            </p:pic>
+          </mc:Fallback>
+        </mc:AlternateContent>
+      </p:grpSp>
+      <p:grpSp>
+        <p:nvGrpSpPr>
+          <p:cNvPr id="12" name="Group 11">
+            <a:extLst>
+              <a:ext uri="{FF2B5EF4-FFF2-40B4-BE49-F238E27FC236}">
+                <a16:creationId xmlns:a16="http://schemas.microsoft.com/office/drawing/2014/main" id="{3BBE3966-8251-5B37-32E4-F6F9733363A6}"/>
+              </a:ext>
+            </a:extLst>
+          </p:cNvPr>
+          <p:cNvGrpSpPr/>
+          <p:nvPr/>
+        </p:nvGrpSpPr>
+        <p:grpSpPr>
+          <a:xfrm>
+            <a:off x="5725680" y="6722280"/>
+            <a:ext cx="428040" cy="590040"/>
+            <a:chOff x="5725680" y="6722280"/>
+            <a:chExt cx="428040" cy="590040"/>
+          </a:xfrm>
+        </p:grpSpPr>
+        <mc:AlternateContent xmlns:mc="http://schemas.openxmlformats.org/markup-compatibility/2006">
+          <mc:Choice xmlns:p14="http://schemas.microsoft.com/office/powerpoint/2010/main" Requires="p14">
+            <p:contentPart p14:bwMode="auto" r:id="rId19">
+              <p14:nvContentPartPr>
+                <p14:cNvPr id="8" name="Ink 7">
+                  <a:extLst>
+                    <a:ext uri="{FF2B5EF4-FFF2-40B4-BE49-F238E27FC236}">
+                      <a16:creationId xmlns:a16="http://schemas.microsoft.com/office/drawing/2014/main" id="{90232097-83E1-8BD5-0F63-A7E7E427A3DB}"/>
+                    </a:ext>
+                  </a:extLst>
+                </p14:cNvPr>
+                <p14:cNvContentPartPr/>
+                <p14:nvPr/>
+              </p14:nvContentPartPr>
+              <p14:xfrm>
+                <a:off x="5875080" y="6722280"/>
+                <a:ext cx="39240" cy="367560"/>
+              </p14:xfrm>
+            </p:contentPart>
+          </mc:Choice>
+          <mc:Fallback>
+            <p:pic>
+              <p:nvPicPr>
+                <p:cNvPr id="8" name="Ink 7">
+                  <a:extLst>
+                    <a:ext uri="{FF2B5EF4-FFF2-40B4-BE49-F238E27FC236}">
+                      <a16:creationId xmlns:a16="http://schemas.microsoft.com/office/drawing/2014/main" id="{90232097-83E1-8BD5-0F63-A7E7E427A3DB}"/>
+                    </a:ext>
+                  </a:extLst>
+                </p:cNvPr>
+                <p:cNvPicPr/>
+                <p:nvPr/>
+              </p:nvPicPr>
+              <p:blipFill>
+                <a:blip r:embed="rId20"/>
+                <a:stretch>
+                  <a:fillRect/>
+                </a:stretch>
+              </p:blipFill>
+              <p:spPr>
+                <a:xfrm>
+                  <a:off x="5857440" y="6704640"/>
+                  <a:ext cx="74880" cy="403200"/>
+                </a:xfrm>
+                <a:prstGeom prst="rect">
+                  <a:avLst/>
+                </a:prstGeom>
+              </p:spPr>
+            </p:pic>
+          </mc:Fallback>
+        </mc:AlternateContent>
+        <mc:AlternateContent xmlns:mc="http://schemas.openxmlformats.org/markup-compatibility/2006">
+          <mc:Choice xmlns:p14="http://schemas.microsoft.com/office/powerpoint/2010/main" Requires="p14">
+            <p:contentPart p14:bwMode="auto" r:id="rId21">
+              <p14:nvContentPartPr>
+                <p14:cNvPr id="9" name="Ink 8">
+                  <a:extLst>
+                    <a:ext uri="{FF2B5EF4-FFF2-40B4-BE49-F238E27FC236}">
+                      <a16:creationId xmlns:a16="http://schemas.microsoft.com/office/drawing/2014/main" id="{BCE62E94-0E9E-9D6F-D633-5D785B291ABA}"/>
+                    </a:ext>
+                  </a:extLst>
+                </p14:cNvPr>
+                <p14:cNvContentPartPr/>
+                <p14:nvPr/>
+              </p14:nvContentPartPr>
+              <p14:xfrm>
+                <a:off x="5877960" y="6936120"/>
+                <a:ext cx="275760" cy="169560"/>
+              </p14:xfrm>
+            </p:contentPart>
+          </mc:Choice>
+          <mc:Fallback>
+            <p:pic>
+              <p:nvPicPr>
+                <p:cNvPr id="9" name="Ink 8">
+                  <a:extLst>
+                    <a:ext uri="{FF2B5EF4-FFF2-40B4-BE49-F238E27FC236}">
+                      <a16:creationId xmlns:a16="http://schemas.microsoft.com/office/drawing/2014/main" id="{BCE62E94-0E9E-9D6F-D633-5D785B291ABA}"/>
+                    </a:ext>
+                  </a:extLst>
+                </p:cNvPr>
+                <p:cNvPicPr/>
+                <p:nvPr/>
+              </p:nvPicPr>
+              <p:blipFill>
+                <a:blip r:embed="rId22"/>
+                <a:stretch>
+                  <a:fillRect/>
+                </a:stretch>
+              </p:blipFill>
+              <p:spPr>
+                <a:xfrm>
+                  <a:off x="5860320" y="6918120"/>
+                  <a:ext cx="311400" cy="205200"/>
+                </a:xfrm>
+                <a:prstGeom prst="rect">
+                  <a:avLst/>
+                </a:prstGeom>
+              </p:spPr>
+            </p:pic>
+          </mc:Fallback>
+        </mc:AlternateContent>
+        <mc:AlternateContent xmlns:mc="http://schemas.openxmlformats.org/markup-compatibility/2006">
+          <mc:Choice xmlns:p14="http://schemas.microsoft.com/office/powerpoint/2010/main" Requires="p14">
+            <p:contentPart p14:bwMode="auto" r:id="rId23">
+              <p14:nvContentPartPr>
+                <p14:cNvPr id="11" name="Ink 10">
+                  <a:extLst>
+                    <a:ext uri="{FF2B5EF4-FFF2-40B4-BE49-F238E27FC236}">
+                      <a16:creationId xmlns:a16="http://schemas.microsoft.com/office/drawing/2014/main" id="{6F5C41E4-5790-3BA3-3708-2A70214CCA73}"/>
+                    </a:ext>
+                  </a:extLst>
+                </p14:cNvPr>
+                <p14:cNvContentPartPr/>
+                <p14:nvPr/>
+              </p14:nvContentPartPr>
+              <p14:xfrm>
+                <a:off x="5725680" y="7133040"/>
+                <a:ext cx="229320" cy="179280"/>
+              </p14:xfrm>
+            </p:contentPart>
+          </mc:Choice>
+          <mc:Fallback>
+            <p:pic>
+              <p:nvPicPr>
+                <p:cNvPr id="11" name="Ink 10">
+                  <a:extLst>
+                    <a:ext uri="{FF2B5EF4-FFF2-40B4-BE49-F238E27FC236}">
+                      <a16:creationId xmlns:a16="http://schemas.microsoft.com/office/drawing/2014/main" id="{6F5C41E4-5790-3BA3-3708-2A70214CCA73}"/>
+                    </a:ext>
+                  </a:extLst>
+                </p:cNvPr>
+                <p:cNvPicPr/>
+                <p:nvPr/>
+              </p:nvPicPr>
+              <p:blipFill>
+                <a:blip r:embed="rId24"/>
+                <a:stretch>
+                  <a:fillRect/>
+                </a:stretch>
+              </p:blipFill>
+              <p:spPr>
+                <a:xfrm>
+                  <a:off x="5707680" y="7115040"/>
+                  <a:ext cx="264960" cy="214920"/>
+                </a:xfrm>
+                <a:prstGeom prst="rect">
+                  <a:avLst/>
+                </a:prstGeom>
+              </p:spPr>
+            </p:pic>
+          </mc:Fallback>
+        </mc:AlternateContent>
+      </p:grpSp>
+      <mc:AlternateContent xmlns:mc="http://schemas.openxmlformats.org/markup-compatibility/2006">
+        <mc:Choice xmlns:p14="http://schemas.microsoft.com/office/powerpoint/2010/main" Requires="p14">
+          <p:contentPart p14:bwMode="auto" r:id="rId25">
+            <p14:nvContentPartPr>
+              <p14:cNvPr id="60" name="Ink 59">
+                <a:extLst>
+                  <a:ext uri="{FF2B5EF4-FFF2-40B4-BE49-F238E27FC236}">
+                    <a16:creationId xmlns:a16="http://schemas.microsoft.com/office/drawing/2014/main" id="{E987A702-4C92-E03C-B53E-D76BF58C6F10}"/>
+                  </a:ext>
+                </a:extLst>
+              </p14:cNvPr>
+              <p14:cNvContentPartPr/>
+              <p14:nvPr/>
+            </p14:nvContentPartPr>
+            <p14:xfrm>
+              <a:off x="4276673" y="7118322"/>
+              <a:ext cx="136800" cy="171000"/>
+            </p14:xfrm>
+          </p:contentPart>
+        </mc:Choice>
+        <mc:Fallback>
+          <p:pic>
+            <p:nvPicPr>
+              <p:cNvPr id="60" name="Ink 59">
+                <a:extLst>
+                  <a:ext uri="{FF2B5EF4-FFF2-40B4-BE49-F238E27FC236}">
+                    <a16:creationId xmlns:a16="http://schemas.microsoft.com/office/drawing/2014/main" id="{E987A702-4C92-E03C-B53E-D76BF58C6F10}"/>
+                  </a:ext>
+                </a:extLst>
+              </p:cNvPr>
+              <p:cNvPicPr/>
+              <p:nvPr/>
+            </p:nvPicPr>
+            <p:blipFill>
+              <a:blip r:embed="rId26"/>
+              <a:stretch>
+                <a:fillRect/>
+              </a:stretch>
+            </p:blipFill>
+            <p:spPr>
+              <a:xfrm>
+                <a:off x="4258673" y="7100682"/>
+                <a:ext cx="172440" cy="206640"/>
+              </a:xfrm>
+              <a:prstGeom prst="rect">
+                <a:avLst/>
+              </a:prstGeom>
+            </p:spPr>
+          </p:pic>
+        </mc:Fallback>
+      </mc:AlternateContent>
+      <p:grpSp>
+        <p:nvGrpSpPr>
+          <p:cNvPr id="63" name="Group 62">
+            <a:extLst>
+              <a:ext uri="{FF2B5EF4-FFF2-40B4-BE49-F238E27FC236}">
+                <a16:creationId xmlns:a16="http://schemas.microsoft.com/office/drawing/2014/main" id="{E6757CD6-8675-80ED-203A-C8121EB3F3CA}"/>
+              </a:ext>
+            </a:extLst>
+          </p:cNvPr>
+          <p:cNvGrpSpPr/>
+          <p:nvPr/>
+        </p:nvGrpSpPr>
+        <p:grpSpPr>
+          <a:xfrm>
+            <a:off x="3942960" y="6742800"/>
+            <a:ext cx="559793" cy="418002"/>
+            <a:chOff x="3942960" y="6742800"/>
+            <a:chExt cx="559793" cy="418002"/>
+          </a:xfrm>
+        </p:grpSpPr>
+        <mc:AlternateContent xmlns:mc="http://schemas.openxmlformats.org/markup-compatibility/2006">
+          <mc:Choice xmlns:p14="http://schemas.microsoft.com/office/powerpoint/2010/main" Requires="p14">
+            <p:contentPart p14:bwMode="auto" r:id="rId27">
+              <p14:nvContentPartPr>
+                <p14:cNvPr id="13" name="Ink 12">
+                  <a:extLst>
+                    <a:ext uri="{FF2B5EF4-FFF2-40B4-BE49-F238E27FC236}">
+                      <a16:creationId xmlns:a16="http://schemas.microsoft.com/office/drawing/2014/main" id="{CF2716CA-DD4A-A8A4-8FB0-E5F9BE7D3562}"/>
+                    </a:ext>
+                  </a:extLst>
+                </p14:cNvPr>
+                <p14:cNvContentPartPr/>
+                <p14:nvPr/>
+              </p14:nvContentPartPr>
+              <p14:xfrm>
+                <a:off x="3942960" y="6883920"/>
+                <a:ext cx="329400" cy="191160"/>
+              </p14:xfrm>
+            </p:contentPart>
+          </mc:Choice>
+          <mc:Fallback>
+            <p:pic>
+              <p:nvPicPr>
+                <p:cNvPr id="13" name="Ink 12">
+                  <a:extLst>
+                    <a:ext uri="{FF2B5EF4-FFF2-40B4-BE49-F238E27FC236}">
+                      <a16:creationId xmlns:a16="http://schemas.microsoft.com/office/drawing/2014/main" id="{CF2716CA-DD4A-A8A4-8FB0-E5F9BE7D3562}"/>
+                    </a:ext>
+                  </a:extLst>
+                </p:cNvPr>
+                <p:cNvPicPr/>
+                <p:nvPr/>
+              </p:nvPicPr>
+              <p:blipFill>
+                <a:blip r:embed="rId28"/>
+                <a:stretch>
+                  <a:fillRect/>
+                </a:stretch>
+              </p:blipFill>
+              <p:spPr>
+                <a:xfrm>
+                  <a:off x="3924960" y="6865920"/>
+                  <a:ext cx="365040" cy="226800"/>
+                </a:xfrm>
+                <a:prstGeom prst="rect">
+                  <a:avLst/>
+                </a:prstGeom>
+              </p:spPr>
+            </p:pic>
+          </mc:Fallback>
+        </mc:AlternateContent>
+        <mc:AlternateContent xmlns:mc="http://schemas.openxmlformats.org/markup-compatibility/2006">
+          <mc:Choice xmlns:p14="http://schemas.microsoft.com/office/powerpoint/2010/main" Requires="p14">
+            <p:contentPart p14:bwMode="auto" r:id="rId29">
+              <p14:nvContentPartPr>
+                <p14:cNvPr id="14" name="Ink 13">
+                  <a:extLst>
+                    <a:ext uri="{FF2B5EF4-FFF2-40B4-BE49-F238E27FC236}">
+                      <a16:creationId xmlns:a16="http://schemas.microsoft.com/office/drawing/2014/main" id="{AD2A53CC-76F6-0457-7CBF-8C4868034F45}"/>
+                    </a:ext>
+                  </a:extLst>
+                </p14:cNvPr>
+                <p14:cNvContentPartPr/>
+                <p14:nvPr/>
+              </p14:nvContentPartPr>
+              <p14:xfrm>
+                <a:off x="4199640" y="6742800"/>
+                <a:ext cx="76320" cy="371880"/>
+              </p14:xfrm>
+            </p:contentPart>
+          </mc:Choice>
+          <mc:Fallback>
+            <p:pic>
+              <p:nvPicPr>
+                <p:cNvPr id="14" name="Ink 13">
+                  <a:extLst>
+                    <a:ext uri="{FF2B5EF4-FFF2-40B4-BE49-F238E27FC236}">
+                      <a16:creationId xmlns:a16="http://schemas.microsoft.com/office/drawing/2014/main" id="{AD2A53CC-76F6-0457-7CBF-8C4868034F45}"/>
+                    </a:ext>
+                  </a:extLst>
+                </p:cNvPr>
+                <p:cNvPicPr/>
+                <p:nvPr/>
+              </p:nvPicPr>
+              <p:blipFill>
+                <a:blip r:embed="rId30"/>
+                <a:stretch>
+                  <a:fillRect/>
+                </a:stretch>
+              </p:blipFill>
+              <p:spPr>
+                <a:xfrm>
+                  <a:off x="4182000" y="6724800"/>
+                  <a:ext cx="111960" cy="407520"/>
+                </a:xfrm>
+                <a:prstGeom prst="rect">
+                  <a:avLst/>
+                </a:prstGeom>
+              </p:spPr>
+            </p:pic>
+          </mc:Fallback>
+        </mc:AlternateContent>
+        <mc:AlternateContent xmlns:mc="http://schemas.openxmlformats.org/markup-compatibility/2006">
+          <mc:Choice xmlns:p14="http://schemas.microsoft.com/office/powerpoint/2010/main" Requires="p14">
+            <p:contentPart p14:bwMode="auto" r:id="rId31">
+              <p14:nvContentPartPr>
+                <p14:cNvPr id="62" name="Ink 61">
+                  <a:extLst>
+                    <a:ext uri="{FF2B5EF4-FFF2-40B4-BE49-F238E27FC236}">
+                      <a16:creationId xmlns:a16="http://schemas.microsoft.com/office/drawing/2014/main" id="{61A755A6-EA8E-A609-7C22-712FD4A369D0}"/>
+                    </a:ext>
+                  </a:extLst>
+                </p14:cNvPr>
+                <p14:cNvContentPartPr/>
+                <p14:nvPr/>
+              </p14:nvContentPartPr>
+              <p14:xfrm>
+                <a:off x="4308713" y="7033722"/>
+                <a:ext cx="194040" cy="127080"/>
+              </p14:xfrm>
+            </p:contentPart>
+          </mc:Choice>
+          <mc:Fallback>
+            <p:pic>
+              <p:nvPicPr>
+                <p:cNvPr id="62" name="Ink 61">
+                  <a:extLst>
+                    <a:ext uri="{FF2B5EF4-FFF2-40B4-BE49-F238E27FC236}">
+                      <a16:creationId xmlns:a16="http://schemas.microsoft.com/office/drawing/2014/main" id="{61A755A6-EA8E-A609-7C22-712FD4A369D0}"/>
+                    </a:ext>
+                  </a:extLst>
+                </p:cNvPr>
+                <p:cNvPicPr/>
+                <p:nvPr/>
+              </p:nvPicPr>
+              <p:blipFill>
+                <a:blip r:embed="rId32"/>
+                <a:stretch>
+                  <a:fillRect/>
+                </a:stretch>
+              </p:blipFill>
+              <p:spPr>
+                <a:xfrm>
+                  <a:off x="4291073" y="7015722"/>
+                  <a:ext cx="229680" cy="162720"/>
+                </a:xfrm>
+                <a:prstGeom prst="rect">
+                  <a:avLst/>
+                </a:prstGeom>
+              </p:spPr>
+            </p:pic>
+          </mc:Fallback>
+        </mc:AlternateContent>
+      </p:grpSp>
+      <p:sp>
+        <p:nvSpPr>
+          <p:cNvPr id="73" name="TextBox 72">
+            <a:extLst>
+              <a:ext uri="{FF2B5EF4-FFF2-40B4-BE49-F238E27FC236}">
+                <a16:creationId xmlns:a16="http://schemas.microsoft.com/office/drawing/2014/main" id="{46A3FABB-E505-A508-8547-BB9B977ACB37}"/>
+              </a:ext>
+            </a:extLst>
+          </p:cNvPr>
+          <p:cNvSpPr txBox="1"/>
+          <p:nvPr/>
+        </p:nvSpPr>
+        <p:spPr>
+          <a:xfrm>
+            <a:off x="3782898" y="8908793"/>
+            <a:ext cx="1901841" cy="830997"/>
+          </a:xfrm>
+          <a:prstGeom prst="rect">
+            <a:avLst/>
+          </a:prstGeom>
+          <a:noFill/>
+        </p:spPr>
+        <p:txBody>
+          <a:bodyPr wrap="square" rtlCol="0">
+            <a:spAutoFit/>
+          </a:bodyPr>
+          <a:lstStyle/>
+          <a:p>
+            <a:pPr algn="ctr"/>
+            <a:r>
+              <a:rPr lang="en-US" sz="2400" dirty="0">
+                <a:latin typeface="Times" pitchFamily="2" charset="0"/>
+              </a:rPr>
+              <a:t>Experimental intervention</a:t>
+            </a:r>
+          </a:p>
+        </p:txBody>
+      </p:sp>
+      <p:sp>
+        <p:nvSpPr>
+          <p:cNvPr id="75" name="TextBox 74">
+            <a:extLst>
+              <a:ext uri="{FF2B5EF4-FFF2-40B4-BE49-F238E27FC236}">
+                <a16:creationId xmlns:a16="http://schemas.microsoft.com/office/drawing/2014/main" id="{2CA4CE2D-1B81-CA53-7264-6DBE8D5BBA37}"/>
+              </a:ext>
+            </a:extLst>
+          </p:cNvPr>
+          <p:cNvSpPr txBox="1"/>
+          <p:nvPr/>
+        </p:nvSpPr>
+        <p:spPr>
+          <a:xfrm>
+            <a:off x="6684825" y="5398937"/>
+            <a:ext cx="2392552" cy="1200329"/>
+          </a:xfrm>
+          <a:prstGeom prst="rect">
+            <a:avLst/>
+          </a:prstGeom>
+          <a:noFill/>
+        </p:spPr>
+        <p:txBody>
+          <a:bodyPr wrap="square" rtlCol="0">
+            <a:spAutoFit/>
+          </a:bodyPr>
+          <a:lstStyle/>
+          <a:p>
+            <a:pPr algn="ctr"/>
+            <a:r>
+              <a:rPr lang="en-US" sz="2400" dirty="0">
+                <a:solidFill>
+                  <a:srgbClr val="FF0000"/>
+                </a:solidFill>
+                <a:latin typeface="Times" pitchFamily="2" charset="0"/>
+              </a:rPr>
+              <a:t>Randomization cuts other causal connections </a:t>
+            </a:r>
+          </a:p>
+        </p:txBody>
+      </p:sp>
+    </p:spTree>
+    <p:extLst>
+      <p:ext uri="{BB962C8B-B14F-4D97-AF65-F5344CB8AC3E}">
+        <p14:creationId xmlns:p14="http://schemas.microsoft.com/office/powerpoint/2010/main" val="4272085733"/>
+      </p:ext>
+    </p:extLst>
+  </p:cSld>
+  <p:clrMapOvr>
+    <a:masterClrMapping/>
+  </p:clrMapOvr>
+</p:sld>
+</file>
+
+<file path=ppt/slides/slide3.xml><?xml version="1.0" encoding="utf-8"?>
+<p:sld xmlns:a="http://schemas.openxmlformats.org/drawingml/2006/main" xmlns:r="http://schemas.openxmlformats.org/officeDocument/2006/relationships" xmlns:p="http://schemas.openxmlformats.org/presentationml/2006/main">
+  <p:cSld>
+    <p:spTree>
+      <p:nvGrpSpPr>
+        <p:cNvPr id="1" name=""/>
+        <p:cNvGrpSpPr/>
+        <p:nvPr/>
+      </p:nvGrpSpPr>
+      <p:grpSpPr>
+        <a:xfrm>
+          <a:off x="0" y="0"/>
+          <a:ext cx="0" cy="0"/>
+          <a:chOff x="0" y="0"/>
+          <a:chExt cx="0" cy="0"/>
+        </a:xfrm>
+      </p:grpSpPr>
+      <mc:AlternateContent xmlns:mc="http://schemas.openxmlformats.org/markup-compatibility/2006">
+        <mc:Choice xmlns:p14="http://schemas.microsoft.com/office/powerpoint/2010/main" Requires="p14">
+          <p:contentPart p14:bwMode="auto" r:id="rId2">
+            <p14:nvContentPartPr>
+              <p14:cNvPr id="37" name="Ink 36">
+                <a:extLst>
+                  <a:ext uri="{FF2B5EF4-FFF2-40B4-BE49-F238E27FC236}">
+                    <a16:creationId xmlns:a16="http://schemas.microsoft.com/office/drawing/2014/main" id="{CF1D74FF-7A9F-1627-7500-1F8CEC8042DB}"/>
+                  </a:ext>
+                </a:extLst>
+              </p14:cNvPr>
+              <p14:cNvContentPartPr/>
+              <p14:nvPr/>
+            </p14:nvContentPartPr>
+            <p14:xfrm>
+              <a:off x="2181360" y="7307940"/>
+              <a:ext cx="1677960" cy="1494000"/>
+            </p14:xfrm>
+          </p:contentPart>
+        </mc:Choice>
+        <mc:Fallback>
+          <p:pic>
+            <p:nvPicPr>
+              <p:cNvPr id="37" name="Ink 36">
+                <a:extLst>
+                  <a:ext uri="{FF2B5EF4-FFF2-40B4-BE49-F238E27FC236}">
+                    <a16:creationId xmlns:a16="http://schemas.microsoft.com/office/drawing/2014/main" id="{CF1D74FF-7A9F-1627-7500-1F8CEC8042DB}"/>
+                  </a:ext>
+                </a:extLst>
+              </p:cNvPr>
+              <p:cNvPicPr/>
+              <p:nvPr/>
+            </p:nvPicPr>
+            <p:blipFill>
+              <a:blip r:embed="rId3"/>
+              <a:stretch>
+                <a:fillRect/>
+              </a:stretch>
+            </p:blipFill>
+            <p:spPr>
+              <a:xfrm>
+                <a:off x="2163364" y="7289936"/>
+                <a:ext cx="1713592" cy="1529649"/>
+              </a:xfrm>
+              <a:prstGeom prst="rect">
+                <a:avLst/>
+              </a:prstGeom>
+            </p:spPr>
+          </p:pic>
+        </mc:Fallback>
+      </mc:AlternateContent>
+      <mc:AlternateContent xmlns:mc="http://schemas.openxmlformats.org/markup-compatibility/2006">
+        <mc:Choice xmlns:p14="http://schemas.microsoft.com/office/powerpoint/2010/main" Requires="p14">
+          <p:contentPart p14:bwMode="auto" r:id="rId4">
+            <p14:nvContentPartPr>
+              <p14:cNvPr id="40" name="Ink 39">
+                <a:extLst>
+                  <a:ext uri="{FF2B5EF4-FFF2-40B4-BE49-F238E27FC236}">
+                    <a16:creationId xmlns:a16="http://schemas.microsoft.com/office/drawing/2014/main" id="{FAEEBEC9-D759-72F5-3B6E-05ABF0D6EF12}"/>
+                  </a:ext>
+                </a:extLst>
+              </p14:cNvPr>
+              <p14:cNvContentPartPr/>
+              <p14:nvPr/>
+            </p14:nvContentPartPr>
+            <p14:xfrm>
+              <a:off x="6096000" y="7293180"/>
+              <a:ext cx="1677960" cy="1494000"/>
+            </p14:xfrm>
+          </p:contentPart>
+        </mc:Choice>
+        <mc:Fallback>
+          <p:pic>
+            <p:nvPicPr>
+              <p:cNvPr id="40" name="Ink 39">
+                <a:extLst>
+                  <a:ext uri="{FF2B5EF4-FFF2-40B4-BE49-F238E27FC236}">
+                    <a16:creationId xmlns:a16="http://schemas.microsoft.com/office/drawing/2014/main" id="{FAEEBEC9-D759-72F5-3B6E-05ABF0D6EF12}"/>
+                  </a:ext>
+                </a:extLst>
+              </p:cNvPr>
+              <p:cNvPicPr/>
+              <p:nvPr/>
+            </p:nvPicPr>
+            <p:blipFill>
+              <a:blip r:embed="rId3"/>
+              <a:stretch>
+                <a:fillRect/>
+              </a:stretch>
+            </p:blipFill>
+            <p:spPr>
+              <a:xfrm>
+                <a:off x="6078004" y="7275176"/>
+                <a:ext cx="1713592" cy="1529649"/>
+              </a:xfrm>
+              <a:prstGeom prst="rect">
+                <a:avLst/>
+              </a:prstGeom>
+            </p:spPr>
+          </p:pic>
+        </mc:Fallback>
+      </mc:AlternateContent>
+      <p:sp>
+        <p:nvSpPr>
+          <p:cNvPr id="41" name="TextBox 40">
+            <a:extLst>
+              <a:ext uri="{FF2B5EF4-FFF2-40B4-BE49-F238E27FC236}">
+                <a16:creationId xmlns:a16="http://schemas.microsoft.com/office/drawing/2014/main" id="{5B7773E2-3B76-393A-441F-E1460319DE59}"/>
+              </a:ext>
+            </a:extLst>
+          </p:cNvPr>
+          <p:cNvSpPr txBox="1"/>
+          <p:nvPr/>
+        </p:nvSpPr>
+        <p:spPr>
+          <a:xfrm>
+            <a:off x="2472387" y="7855514"/>
+            <a:ext cx="1062791" cy="461665"/>
+          </a:xfrm>
+          <a:prstGeom prst="rect">
+            <a:avLst/>
+          </a:prstGeom>
+          <a:noFill/>
+        </p:spPr>
+        <p:txBody>
+          <a:bodyPr wrap="none" rtlCol="0">
+            <a:spAutoFit/>
+          </a:bodyPr>
+          <a:lstStyle/>
+          <a:p>
+            <a:pPr algn="ctr"/>
+            <a:r>
+              <a:rPr lang="en-US" sz="2400" dirty="0"/>
+              <a:t>Money</a:t>
+            </a:r>
+          </a:p>
+        </p:txBody>
+      </p:sp>
+      <p:sp>
+        <p:nvSpPr>
+          <p:cNvPr id="42" name="TextBox 41">
+            <a:extLst>
+              <a:ext uri="{FF2B5EF4-FFF2-40B4-BE49-F238E27FC236}">
+                <a16:creationId xmlns:a16="http://schemas.microsoft.com/office/drawing/2014/main" id="{9B4EC886-0DD4-92EC-A3F1-A670C4A3AB9A}"/>
+              </a:ext>
+            </a:extLst>
+          </p:cNvPr>
+          <p:cNvSpPr txBox="1"/>
+          <p:nvPr/>
+        </p:nvSpPr>
+        <p:spPr>
+          <a:xfrm>
+            <a:off x="6197438" y="7870274"/>
+            <a:ext cx="1475084" cy="461665"/>
+          </a:xfrm>
+          <a:prstGeom prst="rect">
+            <a:avLst/>
+          </a:prstGeom>
+          <a:noFill/>
+        </p:spPr>
+        <p:txBody>
+          <a:bodyPr wrap="none" rtlCol="0">
+            <a:spAutoFit/>
+          </a:bodyPr>
+          <a:lstStyle/>
+          <a:p>
+            <a:pPr algn="ctr"/>
+            <a:r>
+              <a:rPr lang="en-US" sz="2400" dirty="0"/>
+              <a:t>Happiness</a:t>
+            </a:r>
+          </a:p>
+        </p:txBody>
+      </p:sp>
+      <mc:AlternateContent xmlns:mc="http://schemas.openxmlformats.org/markup-compatibility/2006">
+        <mc:Choice xmlns:p14="http://schemas.microsoft.com/office/powerpoint/2010/main" Requires="p14">
+          <p:contentPart p14:bwMode="auto" r:id="rId5">
+            <p14:nvContentPartPr>
+              <p14:cNvPr id="43" name="Ink 42">
+                <a:extLst>
+                  <a:ext uri="{FF2B5EF4-FFF2-40B4-BE49-F238E27FC236}">
+                    <a16:creationId xmlns:a16="http://schemas.microsoft.com/office/drawing/2014/main" id="{176B173F-C282-94B3-BD36-B01E97D9584E}"/>
+                  </a:ext>
+                </a:extLst>
+              </p14:cNvPr>
+              <p14:cNvContentPartPr/>
+              <p14:nvPr/>
+            </p14:nvContentPartPr>
+            <p14:xfrm>
+              <a:off x="4198800" y="5301988"/>
+              <a:ext cx="1677960" cy="1494000"/>
+            </p14:xfrm>
+          </p:contentPart>
+        </mc:Choice>
+        <mc:Fallback>
+          <p:pic>
+            <p:nvPicPr>
+              <p:cNvPr id="43" name="Ink 42">
+                <a:extLst>
+                  <a:ext uri="{FF2B5EF4-FFF2-40B4-BE49-F238E27FC236}">
+                    <a16:creationId xmlns:a16="http://schemas.microsoft.com/office/drawing/2014/main" id="{176B173F-C282-94B3-BD36-B01E97D9584E}"/>
+                  </a:ext>
+                </a:extLst>
+              </p:cNvPr>
+              <p:cNvPicPr/>
+              <p:nvPr/>
+            </p:nvPicPr>
+            <p:blipFill>
+              <a:blip r:embed="rId3"/>
+              <a:stretch>
+                <a:fillRect/>
+              </a:stretch>
+            </p:blipFill>
+            <p:spPr>
+              <a:xfrm>
+                <a:off x="4180804" y="5283984"/>
+                <a:ext cx="1713592" cy="1529649"/>
+              </a:xfrm>
+              <a:prstGeom prst="rect">
+                <a:avLst/>
+              </a:prstGeom>
+            </p:spPr>
+          </p:pic>
+        </mc:Fallback>
+      </mc:AlternateContent>
+      <p:sp>
+        <p:nvSpPr>
+          <p:cNvPr id="44" name="TextBox 43">
+            <a:extLst>
+              <a:ext uri="{FF2B5EF4-FFF2-40B4-BE49-F238E27FC236}">
+                <a16:creationId xmlns:a16="http://schemas.microsoft.com/office/drawing/2014/main" id="{C30618B8-0029-1477-0F01-40B06E06E0B1}"/>
+              </a:ext>
+            </a:extLst>
+          </p:cNvPr>
+          <p:cNvSpPr txBox="1"/>
+          <p:nvPr/>
+        </p:nvSpPr>
+        <p:spPr>
+          <a:xfrm>
+            <a:off x="4486989" y="5864322"/>
+            <a:ext cx="1101584" cy="461665"/>
+          </a:xfrm>
+          <a:prstGeom prst="rect">
+            <a:avLst/>
+          </a:prstGeom>
+          <a:noFill/>
+        </p:spPr>
+        <p:txBody>
+          <a:bodyPr wrap="none" rtlCol="0">
+            <a:spAutoFit/>
+          </a:bodyPr>
+          <a:lstStyle/>
+          <a:p>
+            <a:pPr algn="ctr"/>
+            <a:r>
+              <a:rPr lang="en-US" sz="2400" dirty="0"/>
+              <a:t>Friends</a:t>
+            </a:r>
+          </a:p>
+        </p:txBody>
+      </p:sp>
+      <p:grpSp>
+        <p:nvGrpSpPr>
+          <p:cNvPr id="47" name="Group 46">
+            <a:extLst>
+              <a:ext uri="{FF2B5EF4-FFF2-40B4-BE49-F238E27FC236}">
+                <a16:creationId xmlns:a16="http://schemas.microsoft.com/office/drawing/2014/main" id="{F2F36897-8945-6BCB-B960-292EEB363ABF}"/>
+              </a:ext>
+            </a:extLst>
+          </p:cNvPr>
+          <p:cNvGrpSpPr/>
+          <p:nvPr/>
+        </p:nvGrpSpPr>
+        <p:grpSpPr>
+          <a:xfrm>
+            <a:off x="3670179" y="6703928"/>
+            <a:ext cx="798120" cy="716400"/>
+            <a:chOff x="7858200" y="8368094"/>
+            <a:chExt cx="798120" cy="716400"/>
+          </a:xfrm>
+        </p:grpSpPr>
+        <mc:AlternateContent xmlns:mc="http://schemas.openxmlformats.org/markup-compatibility/2006">
+          <mc:Choice xmlns:p14="http://schemas.microsoft.com/office/powerpoint/2010/main" Requires="p14">
+            <p:contentPart p14:bwMode="auto" r:id="rId6">
+              <p14:nvContentPartPr>
+                <p14:cNvPr id="45" name="Ink 44">
+                  <a:extLst>
+                    <a:ext uri="{FF2B5EF4-FFF2-40B4-BE49-F238E27FC236}">
+                      <a16:creationId xmlns:a16="http://schemas.microsoft.com/office/drawing/2014/main" id="{1B1FD228-12ED-946F-698E-1D0DFD7AE076}"/>
+                    </a:ext>
+                  </a:extLst>
+                </p14:cNvPr>
+                <p14:cNvContentPartPr/>
+                <p14:nvPr/>
+              </p14:nvContentPartPr>
+              <p14:xfrm>
+                <a:off x="7858200" y="8368094"/>
+                <a:ext cx="798120" cy="714600"/>
+              </p14:xfrm>
+            </p:contentPart>
+          </mc:Choice>
+          <mc:Fallback>
+            <p:pic>
+              <p:nvPicPr>
+                <p:cNvPr id="45" name="Ink 44">
+                  <a:extLst>
+                    <a:ext uri="{FF2B5EF4-FFF2-40B4-BE49-F238E27FC236}">
+                      <a16:creationId xmlns:a16="http://schemas.microsoft.com/office/drawing/2014/main" id="{1B1FD228-12ED-946F-698E-1D0DFD7AE076}"/>
+                    </a:ext>
+                  </a:extLst>
+                </p:cNvPr>
+                <p:cNvPicPr/>
+                <p:nvPr/>
+              </p:nvPicPr>
+              <p:blipFill>
+                <a:blip r:embed="rId7"/>
+                <a:stretch>
+                  <a:fillRect/>
+                </a:stretch>
+              </p:blipFill>
+              <p:spPr>
+                <a:xfrm>
+                  <a:off x="7840208" y="8350103"/>
+                  <a:ext cx="833744" cy="750222"/>
+                </a:xfrm>
+                <a:prstGeom prst="rect">
+                  <a:avLst/>
+                </a:prstGeom>
+              </p:spPr>
+            </p:pic>
+          </mc:Fallback>
+        </mc:AlternateContent>
+        <mc:AlternateContent xmlns:mc="http://schemas.openxmlformats.org/markup-compatibility/2006">
+          <mc:Choice xmlns:p14="http://schemas.microsoft.com/office/powerpoint/2010/main" Requires="p14">
+            <p:contentPart p14:bwMode="auto" r:id="rId8">
+              <p14:nvContentPartPr>
+                <p14:cNvPr id="46" name="Ink 45">
+                  <a:extLst>
+                    <a:ext uri="{FF2B5EF4-FFF2-40B4-BE49-F238E27FC236}">
+                      <a16:creationId xmlns:a16="http://schemas.microsoft.com/office/drawing/2014/main" id="{25BA9A8D-5ED8-03E1-6588-C159038D94F5}"/>
+                    </a:ext>
+                  </a:extLst>
+                </p14:cNvPr>
+                <p14:cNvContentPartPr/>
+                <p14:nvPr/>
+              </p14:nvContentPartPr>
+              <p14:xfrm>
+                <a:off x="7913640" y="9001694"/>
+                <a:ext cx="309600" cy="82800"/>
+              </p14:xfrm>
+            </p:contentPart>
+          </mc:Choice>
+          <mc:Fallback>
+            <p:pic>
+              <p:nvPicPr>
+                <p:cNvPr id="46" name="Ink 45">
+                  <a:extLst>
+                    <a:ext uri="{FF2B5EF4-FFF2-40B4-BE49-F238E27FC236}">
+                      <a16:creationId xmlns:a16="http://schemas.microsoft.com/office/drawing/2014/main" id="{25BA9A8D-5ED8-03E1-6588-C159038D94F5}"/>
+                    </a:ext>
+                  </a:extLst>
+                </p:cNvPr>
+                <p:cNvPicPr/>
+                <p:nvPr/>
+              </p:nvPicPr>
+              <p:blipFill>
+                <a:blip r:embed="rId9"/>
+                <a:stretch>
+                  <a:fillRect/>
+                </a:stretch>
+              </p:blipFill>
+              <p:spPr>
+                <a:xfrm>
+                  <a:off x="7895640" y="8983615"/>
+                  <a:ext cx="345240" cy="118596"/>
+                </a:xfrm>
+                <a:prstGeom prst="rect">
+                  <a:avLst/>
+                </a:prstGeom>
+              </p:spPr>
+            </p:pic>
+          </mc:Fallback>
+        </mc:AlternateContent>
+      </p:grpSp>
+      <p:grpSp>
+        <p:nvGrpSpPr>
+          <p:cNvPr id="50" name="Group 49">
+            <a:extLst>
+              <a:ext uri="{FF2B5EF4-FFF2-40B4-BE49-F238E27FC236}">
+                <a16:creationId xmlns:a16="http://schemas.microsoft.com/office/drawing/2014/main" id="{F9FB491D-B455-1D32-29EA-AD7FC15D1B5A}"/>
+              </a:ext>
+            </a:extLst>
+          </p:cNvPr>
+          <p:cNvGrpSpPr/>
+          <p:nvPr/>
+        </p:nvGrpSpPr>
+        <p:grpSpPr>
+          <a:xfrm>
+            <a:off x="5684739" y="6692048"/>
+            <a:ext cx="712440" cy="658440"/>
+            <a:chOff x="9872760" y="8356214"/>
+            <a:chExt cx="712440" cy="658440"/>
+          </a:xfrm>
+        </p:grpSpPr>
+        <mc:AlternateContent xmlns:mc="http://schemas.openxmlformats.org/markup-compatibility/2006">
+          <mc:Choice xmlns:p14="http://schemas.microsoft.com/office/powerpoint/2010/main" Requires="p14">
+            <p:contentPart p14:bwMode="auto" r:id="rId10">
+              <p14:nvContentPartPr>
+                <p14:cNvPr id="48" name="Ink 47">
+                  <a:extLst>
+                    <a:ext uri="{FF2B5EF4-FFF2-40B4-BE49-F238E27FC236}">
+                      <a16:creationId xmlns:a16="http://schemas.microsoft.com/office/drawing/2014/main" id="{18519DF9-6B96-AC25-5CA8-2359606D5114}"/>
+                    </a:ext>
+                  </a:extLst>
+                </p14:cNvPr>
+                <p14:cNvContentPartPr/>
+                <p14:nvPr/>
+              </p14:nvContentPartPr>
+              <p14:xfrm>
+                <a:off x="9872760" y="8356214"/>
+                <a:ext cx="673200" cy="630000"/>
+              </p14:xfrm>
+            </p:contentPart>
+          </mc:Choice>
+          <mc:Fallback>
+            <p:pic>
+              <p:nvPicPr>
+                <p:cNvPr id="48" name="Ink 47">
+                  <a:extLst>
+                    <a:ext uri="{FF2B5EF4-FFF2-40B4-BE49-F238E27FC236}">
+                      <a16:creationId xmlns:a16="http://schemas.microsoft.com/office/drawing/2014/main" id="{18519DF9-6B96-AC25-5CA8-2359606D5114}"/>
+                    </a:ext>
+                  </a:extLst>
+                </p:cNvPr>
+                <p:cNvPicPr/>
+                <p:nvPr/>
+              </p:nvPicPr>
+              <p:blipFill>
+                <a:blip r:embed="rId11"/>
+                <a:stretch>
+                  <a:fillRect/>
+                </a:stretch>
+              </p:blipFill>
+              <p:spPr>
+                <a:xfrm>
+                  <a:off x="9854760" y="8338204"/>
+                  <a:ext cx="708840" cy="665660"/>
+                </a:xfrm>
+                <a:prstGeom prst="rect">
+                  <a:avLst/>
+                </a:prstGeom>
+              </p:spPr>
+            </p:pic>
+          </mc:Fallback>
+        </mc:AlternateContent>
+        <mc:AlternateContent xmlns:mc="http://schemas.openxmlformats.org/markup-compatibility/2006">
+          <mc:Choice xmlns:p14="http://schemas.microsoft.com/office/powerpoint/2010/main" Requires="p14">
+            <p:contentPart p14:bwMode="auto" r:id="rId12">
+              <p14:nvContentPartPr>
+                <p14:cNvPr id="49" name="Ink 48">
+                  <a:extLst>
+                    <a:ext uri="{FF2B5EF4-FFF2-40B4-BE49-F238E27FC236}">
+                      <a16:creationId xmlns:a16="http://schemas.microsoft.com/office/drawing/2014/main" id="{743B7AF3-D5C5-3FD1-F06A-BAF97C1ADFF6}"/>
+                    </a:ext>
+                  </a:extLst>
+                </p14:cNvPr>
+                <p14:cNvContentPartPr/>
+                <p14:nvPr/>
+              </p14:nvContentPartPr>
+              <p14:xfrm>
+                <a:off x="10163640" y="8654294"/>
+                <a:ext cx="421560" cy="360360"/>
+              </p14:xfrm>
+            </p:contentPart>
+          </mc:Choice>
+          <mc:Fallback>
+            <p:pic>
+              <p:nvPicPr>
+                <p:cNvPr id="49" name="Ink 48">
+                  <a:extLst>
+                    <a:ext uri="{FF2B5EF4-FFF2-40B4-BE49-F238E27FC236}">
+                      <a16:creationId xmlns:a16="http://schemas.microsoft.com/office/drawing/2014/main" id="{743B7AF3-D5C5-3FD1-F06A-BAF97C1ADFF6}"/>
+                    </a:ext>
+                  </a:extLst>
+                </p:cNvPr>
+                <p:cNvPicPr/>
+                <p:nvPr/>
+              </p:nvPicPr>
+              <p:blipFill>
+                <a:blip r:embed="rId13"/>
+                <a:stretch>
+                  <a:fillRect/>
+                </a:stretch>
+              </p:blipFill>
+              <p:spPr>
+                <a:xfrm>
+                  <a:off x="10145655" y="8636294"/>
+                  <a:ext cx="457170" cy="396000"/>
+                </a:xfrm>
+                <a:prstGeom prst="rect">
+                  <a:avLst/>
+                </a:prstGeom>
+              </p:spPr>
+            </p:pic>
+          </mc:Fallback>
+        </mc:AlternateContent>
+      </p:grpSp>
+      <p:sp>
+        <p:nvSpPr>
+          <p:cNvPr id="56" name="TextBox 55">
+            <a:extLst>
+              <a:ext uri="{FF2B5EF4-FFF2-40B4-BE49-F238E27FC236}">
+                <a16:creationId xmlns:a16="http://schemas.microsoft.com/office/drawing/2014/main" id="{F2CEE853-1A08-BBFE-F206-6784F71E5F7E}"/>
+              </a:ext>
+            </a:extLst>
+          </p:cNvPr>
+          <p:cNvSpPr txBox="1"/>
+          <p:nvPr/>
+        </p:nvSpPr>
+        <p:spPr>
+          <a:xfrm>
+            <a:off x="6778955" y="16877267"/>
+            <a:ext cx="843629" cy="369332"/>
+          </a:xfrm>
+          <a:prstGeom prst="rect">
+            <a:avLst/>
+          </a:prstGeom>
+          <a:noFill/>
+        </p:spPr>
+        <p:txBody>
+          <a:bodyPr wrap="none" rtlCol="0">
+            <a:spAutoFit/>
+          </a:bodyPr>
+          <a:lstStyle/>
+          <a:p>
+            <a:r>
+              <a:rPr lang="en-US" dirty="0"/>
+              <a:t>Money</a:t>
+            </a:r>
+          </a:p>
+        </p:txBody>
+      </p:sp>
+      <p:sp>
+        <p:nvSpPr>
+          <p:cNvPr id="57" name="TextBox 56">
+            <a:extLst>
+              <a:ext uri="{FF2B5EF4-FFF2-40B4-BE49-F238E27FC236}">
+                <a16:creationId xmlns:a16="http://schemas.microsoft.com/office/drawing/2014/main" id="{3419CFF1-888C-6D85-09F2-86DBB33F22C7}"/>
+              </a:ext>
+            </a:extLst>
+          </p:cNvPr>
+          <p:cNvSpPr txBox="1"/>
+          <p:nvPr/>
+        </p:nvSpPr>
+        <p:spPr>
+          <a:xfrm>
+            <a:off x="10555527" y="16892027"/>
+            <a:ext cx="1152880" cy="369332"/>
+          </a:xfrm>
+          <a:prstGeom prst="rect">
+            <a:avLst/>
+          </a:prstGeom>
+          <a:noFill/>
+        </p:spPr>
+        <p:txBody>
+          <a:bodyPr wrap="none" rtlCol="0">
+            <a:spAutoFit/>
+          </a:bodyPr>
+          <a:lstStyle/>
+          <a:p>
+            <a:r>
+              <a:rPr lang="en-US" dirty="0"/>
+              <a:t>Happiness</a:t>
+            </a:r>
+          </a:p>
+        </p:txBody>
+      </p:sp>
+      <mc:AlternateContent xmlns:mc="http://schemas.openxmlformats.org/markup-compatibility/2006">
+        <mc:Choice xmlns:p14="http://schemas.microsoft.com/office/powerpoint/2010/main" Requires="p14">
+          <p:contentPart p14:bwMode="auto" r:id="rId14">
+            <p14:nvContentPartPr>
+              <p14:cNvPr id="2" name="Ink 1">
+                <a:extLst>
+                  <a:ext uri="{FF2B5EF4-FFF2-40B4-BE49-F238E27FC236}">
+                    <a16:creationId xmlns:a16="http://schemas.microsoft.com/office/drawing/2014/main" id="{A85B09DB-1FCC-F6B0-D6BD-BE4F77CC08A6}"/>
+                  </a:ext>
+                </a:extLst>
+              </p14:cNvPr>
+              <p14:cNvContentPartPr/>
+              <p14:nvPr/>
+            </p14:nvContentPartPr>
+            <p14:xfrm>
+              <a:off x="3912720" y="7942680"/>
+              <a:ext cx="2156400" cy="337680"/>
+            </p14:xfrm>
+          </p:contentPart>
+        </mc:Choice>
+        <mc:Fallback>
+          <p:pic>
+            <p:nvPicPr>
+              <p:cNvPr id="2" name="Ink 1">
+                <a:extLst>
+                  <a:ext uri="{FF2B5EF4-FFF2-40B4-BE49-F238E27FC236}">
+                    <a16:creationId xmlns:a16="http://schemas.microsoft.com/office/drawing/2014/main" id="{A85B09DB-1FCC-F6B0-D6BD-BE4F77CC08A6}"/>
+                  </a:ext>
+                </a:extLst>
+              </p:cNvPr>
+              <p:cNvPicPr/>
+              <p:nvPr/>
+            </p:nvPicPr>
+            <p:blipFill>
+              <a:blip r:embed="rId15"/>
+              <a:stretch>
+                <a:fillRect/>
+              </a:stretch>
+            </p:blipFill>
+            <p:spPr>
+              <a:xfrm>
+                <a:off x="3894717" y="7924680"/>
+                <a:ext cx="2192046" cy="373320"/>
+              </a:xfrm>
+              <a:prstGeom prst="rect">
+                <a:avLst/>
+              </a:prstGeom>
+            </p:spPr>
+          </p:pic>
+        </mc:Fallback>
+      </mc:AlternateContent>
+      <p:grpSp>
+        <p:nvGrpSpPr>
+          <p:cNvPr id="5" name="Group 4">
+            <a:extLst>
+              <a:ext uri="{FF2B5EF4-FFF2-40B4-BE49-F238E27FC236}">
+                <a16:creationId xmlns:a16="http://schemas.microsoft.com/office/drawing/2014/main" id="{799773D2-F22D-EFA5-FD83-E3548AEC6500}"/>
+              </a:ext>
+            </a:extLst>
+          </p:cNvPr>
+          <p:cNvGrpSpPr/>
+          <p:nvPr/>
+        </p:nvGrpSpPr>
+        <p:grpSpPr>
+          <a:xfrm>
+            <a:off x="8642400" y="4714920"/>
+            <a:ext cx="360" cy="360"/>
+            <a:chOff x="8642400" y="4714920"/>
+            <a:chExt cx="360" cy="360"/>
+          </a:xfrm>
+        </p:grpSpPr>
+        <mc:AlternateContent xmlns:mc="http://schemas.openxmlformats.org/markup-compatibility/2006">
+          <mc:Choice xmlns:p14="http://schemas.microsoft.com/office/powerpoint/2010/main" Requires="p14">
+            <p:contentPart p14:bwMode="auto" r:id="rId16">
+              <p14:nvContentPartPr>
+                <p14:cNvPr id="3" name="Ink 2">
+                  <a:extLst>
+                    <a:ext uri="{FF2B5EF4-FFF2-40B4-BE49-F238E27FC236}">
+                      <a16:creationId xmlns:a16="http://schemas.microsoft.com/office/drawing/2014/main" id="{CCEE581B-363E-9B6D-784A-8E7506BF12C7}"/>
+                    </a:ext>
+                  </a:extLst>
+                </p14:cNvPr>
+                <p14:cNvContentPartPr/>
+                <p14:nvPr/>
+              </p14:nvContentPartPr>
+              <p14:xfrm>
+                <a:off x="8642400" y="4714920"/>
+                <a:ext cx="360" cy="360"/>
+              </p14:xfrm>
+            </p:contentPart>
+          </mc:Choice>
+          <mc:Fallback>
+            <p:pic>
+              <p:nvPicPr>
+                <p:cNvPr id="3" name="Ink 2">
+                  <a:extLst>
+                    <a:ext uri="{FF2B5EF4-FFF2-40B4-BE49-F238E27FC236}">
+                      <a16:creationId xmlns:a16="http://schemas.microsoft.com/office/drawing/2014/main" id="{CCEE581B-363E-9B6D-784A-8E7506BF12C7}"/>
+                    </a:ext>
+                  </a:extLst>
+                </p:cNvPr>
+                <p:cNvPicPr/>
+                <p:nvPr/>
+              </p:nvPicPr>
+              <p:blipFill>
+                <a:blip r:embed="rId17"/>
+                <a:stretch>
+                  <a:fillRect/>
+                </a:stretch>
+              </p:blipFill>
+              <p:spPr>
+                <a:xfrm>
+                  <a:off x="8624400" y="4696920"/>
+                  <a:ext cx="36000" cy="36000"/>
+                </a:xfrm>
+                <a:prstGeom prst="rect">
+                  <a:avLst/>
+                </a:prstGeom>
+              </p:spPr>
+            </p:pic>
+          </mc:Fallback>
+        </mc:AlternateContent>
+        <mc:AlternateContent xmlns:mc="http://schemas.openxmlformats.org/markup-compatibility/2006">
+          <mc:Choice xmlns:p14="http://schemas.microsoft.com/office/powerpoint/2010/main" Requires="p14">
+            <p:contentPart p14:bwMode="auto" r:id="rId18">
+              <p14:nvContentPartPr>
+                <p14:cNvPr id="4" name="Ink 3">
+                  <a:extLst>
+                    <a:ext uri="{FF2B5EF4-FFF2-40B4-BE49-F238E27FC236}">
+                      <a16:creationId xmlns:a16="http://schemas.microsoft.com/office/drawing/2014/main" id="{ED9EBC83-087F-F838-C63C-CD4054E0C024}"/>
+                    </a:ext>
+                  </a:extLst>
+                </p14:cNvPr>
+                <p14:cNvContentPartPr/>
+                <p14:nvPr/>
+              </p14:nvContentPartPr>
+              <p14:xfrm>
+                <a:off x="8642400" y="4714920"/>
+                <a:ext cx="360" cy="360"/>
+              </p14:xfrm>
+            </p:contentPart>
+          </mc:Choice>
+          <mc:Fallback>
+            <p:pic>
+              <p:nvPicPr>
+                <p:cNvPr id="4" name="Ink 3">
+                  <a:extLst>
+                    <a:ext uri="{FF2B5EF4-FFF2-40B4-BE49-F238E27FC236}">
+                      <a16:creationId xmlns:a16="http://schemas.microsoft.com/office/drawing/2014/main" id="{ED9EBC83-087F-F838-C63C-CD4054E0C024}"/>
+                    </a:ext>
+                  </a:extLst>
+                </p:cNvPr>
+                <p:cNvPicPr/>
+                <p:nvPr/>
+              </p:nvPicPr>
+              <p:blipFill>
+                <a:blip r:embed="rId17"/>
+                <a:stretch>
+                  <a:fillRect/>
+                </a:stretch>
+              </p:blipFill>
+              <p:spPr>
+                <a:xfrm>
+                  <a:off x="8624400" y="4696920"/>
+                  <a:ext cx="36000" cy="36000"/>
+                </a:xfrm>
+                <a:prstGeom prst="rect">
+                  <a:avLst/>
+                </a:prstGeom>
+              </p:spPr>
+            </p:pic>
+          </mc:Fallback>
+        </mc:AlternateContent>
+      </p:grpSp>
+      <p:grpSp>
+        <p:nvGrpSpPr>
+          <p:cNvPr id="12" name="Group 11">
+            <a:extLst>
+              <a:ext uri="{FF2B5EF4-FFF2-40B4-BE49-F238E27FC236}">
+                <a16:creationId xmlns:a16="http://schemas.microsoft.com/office/drawing/2014/main" id="{3BBE3966-8251-5B37-32E4-F6F9733363A6}"/>
+              </a:ext>
+            </a:extLst>
+          </p:cNvPr>
+          <p:cNvGrpSpPr/>
+          <p:nvPr/>
+        </p:nvGrpSpPr>
+        <p:grpSpPr>
+          <a:xfrm>
+            <a:off x="5725680" y="6722280"/>
+            <a:ext cx="428040" cy="590040"/>
+            <a:chOff x="5725680" y="6722280"/>
+            <a:chExt cx="428040" cy="590040"/>
+          </a:xfrm>
+        </p:grpSpPr>
+        <mc:AlternateContent xmlns:mc="http://schemas.openxmlformats.org/markup-compatibility/2006">
+          <mc:Choice xmlns:p14="http://schemas.microsoft.com/office/powerpoint/2010/main" Requires="p14">
+            <p:contentPart p14:bwMode="auto" r:id="rId19">
+              <p14:nvContentPartPr>
+                <p14:cNvPr id="8" name="Ink 7">
+                  <a:extLst>
+                    <a:ext uri="{FF2B5EF4-FFF2-40B4-BE49-F238E27FC236}">
+                      <a16:creationId xmlns:a16="http://schemas.microsoft.com/office/drawing/2014/main" id="{90232097-83E1-8BD5-0F63-A7E7E427A3DB}"/>
+                    </a:ext>
+                  </a:extLst>
+                </p14:cNvPr>
+                <p14:cNvContentPartPr/>
+                <p14:nvPr/>
+              </p14:nvContentPartPr>
+              <p14:xfrm>
+                <a:off x="5875080" y="6722280"/>
+                <a:ext cx="39240" cy="367560"/>
+              </p14:xfrm>
+            </p:contentPart>
+          </mc:Choice>
+          <mc:Fallback>
+            <p:pic>
+              <p:nvPicPr>
+                <p:cNvPr id="8" name="Ink 7">
+                  <a:extLst>
+                    <a:ext uri="{FF2B5EF4-FFF2-40B4-BE49-F238E27FC236}">
+                      <a16:creationId xmlns:a16="http://schemas.microsoft.com/office/drawing/2014/main" id="{90232097-83E1-8BD5-0F63-A7E7E427A3DB}"/>
+                    </a:ext>
+                  </a:extLst>
+                </p:cNvPr>
+                <p:cNvPicPr/>
+                <p:nvPr/>
+              </p:nvPicPr>
+              <p:blipFill>
+                <a:blip r:embed="rId20"/>
+                <a:stretch>
+                  <a:fillRect/>
+                </a:stretch>
+              </p:blipFill>
+              <p:spPr>
+                <a:xfrm>
+                  <a:off x="5857080" y="6704280"/>
+                  <a:ext cx="74880" cy="403200"/>
+                </a:xfrm>
+                <a:prstGeom prst="rect">
+                  <a:avLst/>
+                </a:prstGeom>
+              </p:spPr>
+            </p:pic>
+          </mc:Fallback>
+        </mc:AlternateContent>
+        <mc:AlternateContent xmlns:mc="http://schemas.openxmlformats.org/markup-compatibility/2006">
+          <mc:Choice xmlns:p14="http://schemas.microsoft.com/office/powerpoint/2010/main" Requires="p14">
+            <p:contentPart p14:bwMode="auto" r:id="rId21">
+              <p14:nvContentPartPr>
+                <p14:cNvPr id="9" name="Ink 8">
+                  <a:extLst>
+                    <a:ext uri="{FF2B5EF4-FFF2-40B4-BE49-F238E27FC236}">
+                      <a16:creationId xmlns:a16="http://schemas.microsoft.com/office/drawing/2014/main" id="{BCE62E94-0E9E-9D6F-D633-5D785B291ABA}"/>
+                    </a:ext>
+                  </a:extLst>
+                </p14:cNvPr>
+                <p14:cNvContentPartPr/>
+                <p14:nvPr/>
+              </p14:nvContentPartPr>
+              <p14:xfrm>
+                <a:off x="5877960" y="6936120"/>
+                <a:ext cx="275760" cy="169560"/>
+              </p14:xfrm>
+            </p:contentPart>
+          </mc:Choice>
+          <mc:Fallback>
+            <p:pic>
+              <p:nvPicPr>
+                <p:cNvPr id="9" name="Ink 8">
+                  <a:extLst>
+                    <a:ext uri="{FF2B5EF4-FFF2-40B4-BE49-F238E27FC236}">
+                      <a16:creationId xmlns:a16="http://schemas.microsoft.com/office/drawing/2014/main" id="{BCE62E94-0E9E-9D6F-D633-5D785B291ABA}"/>
+                    </a:ext>
+                  </a:extLst>
+                </p:cNvPr>
+                <p:cNvPicPr/>
+                <p:nvPr/>
+              </p:nvPicPr>
+              <p:blipFill>
+                <a:blip r:embed="rId22"/>
+                <a:stretch>
+                  <a:fillRect/>
+                </a:stretch>
+              </p:blipFill>
+              <p:spPr>
+                <a:xfrm>
+                  <a:off x="5859960" y="6918158"/>
+                  <a:ext cx="311400" cy="205124"/>
+                </a:xfrm>
+                <a:prstGeom prst="rect">
+                  <a:avLst/>
+                </a:prstGeom>
+              </p:spPr>
+            </p:pic>
+          </mc:Fallback>
+        </mc:AlternateContent>
+        <mc:AlternateContent xmlns:mc="http://schemas.openxmlformats.org/markup-compatibility/2006">
+          <mc:Choice xmlns:p14="http://schemas.microsoft.com/office/powerpoint/2010/main" Requires="p14">
+            <p:contentPart p14:bwMode="auto" r:id="rId23">
+              <p14:nvContentPartPr>
+                <p14:cNvPr id="11" name="Ink 10">
+                  <a:extLst>
+                    <a:ext uri="{FF2B5EF4-FFF2-40B4-BE49-F238E27FC236}">
+                      <a16:creationId xmlns:a16="http://schemas.microsoft.com/office/drawing/2014/main" id="{6F5C41E4-5790-3BA3-3708-2A70214CCA73}"/>
+                    </a:ext>
+                  </a:extLst>
+                </p14:cNvPr>
+                <p14:cNvContentPartPr/>
+                <p14:nvPr/>
+              </p14:nvContentPartPr>
+              <p14:xfrm>
+                <a:off x="5725680" y="7133040"/>
+                <a:ext cx="229320" cy="179280"/>
+              </p14:xfrm>
+            </p:contentPart>
+          </mc:Choice>
+          <mc:Fallback>
+            <p:pic>
+              <p:nvPicPr>
+                <p:cNvPr id="11" name="Ink 10">
+                  <a:extLst>
+                    <a:ext uri="{FF2B5EF4-FFF2-40B4-BE49-F238E27FC236}">
+                      <a16:creationId xmlns:a16="http://schemas.microsoft.com/office/drawing/2014/main" id="{6F5C41E4-5790-3BA3-3708-2A70214CCA73}"/>
+                    </a:ext>
+                  </a:extLst>
+                </p:cNvPr>
+                <p:cNvPicPr/>
+                <p:nvPr/>
+              </p:nvPicPr>
+              <p:blipFill>
+                <a:blip r:embed="rId24"/>
+                <a:stretch>
+                  <a:fillRect/>
+                </a:stretch>
+              </p:blipFill>
+              <p:spPr>
+                <a:xfrm>
+                  <a:off x="5707680" y="7115040"/>
+                  <a:ext cx="264960" cy="214920"/>
+                </a:xfrm>
+                <a:prstGeom prst="rect">
+                  <a:avLst/>
+                </a:prstGeom>
+              </p:spPr>
+            </p:pic>
+          </mc:Fallback>
+        </mc:AlternateContent>
+      </p:grpSp>
+      <mc:AlternateContent xmlns:mc="http://schemas.openxmlformats.org/markup-compatibility/2006">
+        <mc:Choice xmlns:p14="http://schemas.microsoft.com/office/powerpoint/2010/main" Requires="p14">
+          <p:contentPart p14:bwMode="auto" r:id="rId25">
+            <p14:nvContentPartPr>
+              <p14:cNvPr id="60" name="Ink 59">
+                <a:extLst>
+                  <a:ext uri="{FF2B5EF4-FFF2-40B4-BE49-F238E27FC236}">
+                    <a16:creationId xmlns:a16="http://schemas.microsoft.com/office/drawing/2014/main" id="{E987A702-4C92-E03C-B53E-D76BF58C6F10}"/>
+                  </a:ext>
+                </a:extLst>
+              </p14:cNvPr>
+              <p14:cNvContentPartPr/>
+              <p14:nvPr/>
+            </p14:nvContentPartPr>
+            <p14:xfrm>
+              <a:off x="4276673" y="7118322"/>
+              <a:ext cx="136800" cy="171000"/>
+            </p14:xfrm>
+          </p:contentPart>
+        </mc:Choice>
+        <mc:Fallback>
+          <p:pic>
+            <p:nvPicPr>
+              <p:cNvPr id="60" name="Ink 59">
+                <a:extLst>
+                  <a:ext uri="{FF2B5EF4-FFF2-40B4-BE49-F238E27FC236}">
+                    <a16:creationId xmlns:a16="http://schemas.microsoft.com/office/drawing/2014/main" id="{E987A702-4C92-E03C-B53E-D76BF58C6F10}"/>
+                  </a:ext>
+                </a:extLst>
+              </p:cNvPr>
+              <p:cNvPicPr/>
+              <p:nvPr/>
+            </p:nvPicPr>
+            <p:blipFill>
+              <a:blip r:embed="rId26"/>
+              <a:stretch>
+                <a:fillRect/>
+              </a:stretch>
+            </p:blipFill>
+            <p:spPr>
+              <a:xfrm>
+                <a:off x="4258673" y="7100322"/>
+                <a:ext cx="172440" cy="206640"/>
+              </a:xfrm>
+              <a:prstGeom prst="rect">
+                <a:avLst/>
+              </a:prstGeom>
+            </p:spPr>
+          </p:pic>
+        </mc:Fallback>
+      </mc:AlternateContent>
+      <p:grpSp>
+        <p:nvGrpSpPr>
+          <p:cNvPr id="63" name="Group 62">
+            <a:extLst>
+              <a:ext uri="{FF2B5EF4-FFF2-40B4-BE49-F238E27FC236}">
+                <a16:creationId xmlns:a16="http://schemas.microsoft.com/office/drawing/2014/main" id="{E6757CD6-8675-80ED-203A-C8121EB3F3CA}"/>
+              </a:ext>
+            </a:extLst>
+          </p:cNvPr>
+          <p:cNvGrpSpPr/>
+          <p:nvPr/>
+        </p:nvGrpSpPr>
+        <p:grpSpPr>
+          <a:xfrm>
+            <a:off x="3942960" y="6742800"/>
+            <a:ext cx="559793" cy="418002"/>
+            <a:chOff x="3942960" y="6742800"/>
+            <a:chExt cx="559793" cy="418002"/>
+          </a:xfrm>
+        </p:grpSpPr>
+        <mc:AlternateContent xmlns:mc="http://schemas.openxmlformats.org/markup-compatibility/2006">
+          <mc:Choice xmlns:p14="http://schemas.microsoft.com/office/powerpoint/2010/main" Requires="p14">
+            <p:contentPart p14:bwMode="auto" r:id="rId27">
+              <p14:nvContentPartPr>
+                <p14:cNvPr id="13" name="Ink 12">
+                  <a:extLst>
+                    <a:ext uri="{FF2B5EF4-FFF2-40B4-BE49-F238E27FC236}">
+                      <a16:creationId xmlns:a16="http://schemas.microsoft.com/office/drawing/2014/main" id="{CF2716CA-DD4A-A8A4-8FB0-E5F9BE7D3562}"/>
+                    </a:ext>
+                  </a:extLst>
+                </p14:cNvPr>
+                <p14:cNvContentPartPr/>
+                <p14:nvPr/>
+              </p14:nvContentPartPr>
+              <p14:xfrm>
+                <a:off x="3942960" y="6883920"/>
+                <a:ext cx="329400" cy="191160"/>
+              </p14:xfrm>
+            </p:contentPart>
+          </mc:Choice>
+          <mc:Fallback>
+            <p:pic>
+              <p:nvPicPr>
+                <p:cNvPr id="13" name="Ink 12">
+                  <a:extLst>
+                    <a:ext uri="{FF2B5EF4-FFF2-40B4-BE49-F238E27FC236}">
+                      <a16:creationId xmlns:a16="http://schemas.microsoft.com/office/drawing/2014/main" id="{CF2716CA-DD4A-A8A4-8FB0-E5F9BE7D3562}"/>
+                    </a:ext>
+                  </a:extLst>
+                </p:cNvPr>
+                <p:cNvPicPr/>
+                <p:nvPr/>
+              </p:nvPicPr>
+              <p:blipFill>
+                <a:blip r:embed="rId28"/>
+                <a:stretch>
+                  <a:fillRect/>
+                </a:stretch>
+              </p:blipFill>
+              <p:spPr>
+                <a:xfrm>
+                  <a:off x="3924960" y="6865920"/>
+                  <a:ext cx="365040" cy="226800"/>
+                </a:xfrm>
+                <a:prstGeom prst="rect">
+                  <a:avLst/>
+                </a:prstGeom>
+              </p:spPr>
+            </p:pic>
+          </mc:Fallback>
+        </mc:AlternateContent>
+        <mc:AlternateContent xmlns:mc="http://schemas.openxmlformats.org/markup-compatibility/2006">
+          <mc:Choice xmlns:p14="http://schemas.microsoft.com/office/powerpoint/2010/main" Requires="p14">
+            <p:contentPart p14:bwMode="auto" r:id="rId29">
+              <p14:nvContentPartPr>
+                <p14:cNvPr id="14" name="Ink 13">
+                  <a:extLst>
+                    <a:ext uri="{FF2B5EF4-FFF2-40B4-BE49-F238E27FC236}">
+                      <a16:creationId xmlns:a16="http://schemas.microsoft.com/office/drawing/2014/main" id="{AD2A53CC-76F6-0457-7CBF-8C4868034F45}"/>
+                    </a:ext>
+                  </a:extLst>
+                </p14:cNvPr>
+                <p14:cNvContentPartPr/>
+                <p14:nvPr/>
+              </p14:nvContentPartPr>
+              <p14:xfrm>
+                <a:off x="4199640" y="6742800"/>
+                <a:ext cx="76320" cy="371880"/>
+              </p14:xfrm>
+            </p:contentPart>
+          </mc:Choice>
+          <mc:Fallback>
+            <p:pic>
+              <p:nvPicPr>
+                <p:cNvPr id="14" name="Ink 13">
+                  <a:extLst>
+                    <a:ext uri="{FF2B5EF4-FFF2-40B4-BE49-F238E27FC236}">
+                      <a16:creationId xmlns:a16="http://schemas.microsoft.com/office/drawing/2014/main" id="{AD2A53CC-76F6-0457-7CBF-8C4868034F45}"/>
+                    </a:ext>
+                  </a:extLst>
+                </p:cNvPr>
+                <p:cNvPicPr/>
+                <p:nvPr/>
+              </p:nvPicPr>
+              <p:blipFill>
+                <a:blip r:embed="rId30"/>
+                <a:stretch>
+                  <a:fillRect/>
+                </a:stretch>
+              </p:blipFill>
+              <p:spPr>
+                <a:xfrm>
+                  <a:off x="4181640" y="6724800"/>
+                  <a:ext cx="111960" cy="407520"/>
+                </a:xfrm>
+                <a:prstGeom prst="rect">
+                  <a:avLst/>
+                </a:prstGeom>
+              </p:spPr>
+            </p:pic>
+          </mc:Fallback>
+        </mc:AlternateContent>
+        <mc:AlternateContent xmlns:mc="http://schemas.openxmlformats.org/markup-compatibility/2006">
+          <mc:Choice xmlns:p14="http://schemas.microsoft.com/office/powerpoint/2010/main" Requires="p14">
+            <p:contentPart p14:bwMode="auto" r:id="rId31">
+              <p14:nvContentPartPr>
+                <p14:cNvPr id="62" name="Ink 61">
+                  <a:extLst>
+                    <a:ext uri="{FF2B5EF4-FFF2-40B4-BE49-F238E27FC236}">
+                      <a16:creationId xmlns:a16="http://schemas.microsoft.com/office/drawing/2014/main" id="{61A755A6-EA8E-A609-7C22-712FD4A369D0}"/>
+                    </a:ext>
+                  </a:extLst>
+                </p14:cNvPr>
+                <p14:cNvContentPartPr/>
+                <p14:nvPr/>
+              </p14:nvContentPartPr>
+              <p14:xfrm>
+                <a:off x="4308713" y="7033722"/>
+                <a:ext cx="194040" cy="127080"/>
+              </p14:xfrm>
+            </p:contentPart>
+          </mc:Choice>
+          <mc:Fallback>
+            <p:pic>
+              <p:nvPicPr>
+                <p:cNvPr id="62" name="Ink 61">
+                  <a:extLst>
+                    <a:ext uri="{FF2B5EF4-FFF2-40B4-BE49-F238E27FC236}">
+                      <a16:creationId xmlns:a16="http://schemas.microsoft.com/office/drawing/2014/main" id="{61A755A6-EA8E-A609-7C22-712FD4A369D0}"/>
+                    </a:ext>
+                  </a:extLst>
+                </p:cNvPr>
+                <p:cNvPicPr/>
+                <p:nvPr/>
+              </p:nvPicPr>
+              <p:blipFill>
+                <a:blip r:embed="rId32"/>
+                <a:stretch>
+                  <a:fillRect/>
+                </a:stretch>
+              </p:blipFill>
+              <p:spPr>
+                <a:xfrm>
+                  <a:off x="4290680" y="7015722"/>
+                  <a:ext cx="229746" cy="162720"/>
+                </a:xfrm>
+                <a:prstGeom prst="rect">
+                  <a:avLst/>
+                </a:prstGeom>
+              </p:spPr>
+            </p:pic>
+          </mc:Fallback>
+        </mc:AlternateContent>
+      </p:grpSp>
+      <mc:AlternateContent xmlns:mc="http://schemas.openxmlformats.org/markup-compatibility/2006">
+        <mc:Choice xmlns:p14="http://schemas.microsoft.com/office/powerpoint/2010/main" Requires="p14">
+          <p:contentPart p14:bwMode="auto" r:id="rId33">
+            <p14:nvContentPartPr>
+              <p14:cNvPr id="31" name="Ink 30">
+                <a:extLst>
+                  <a:ext uri="{FF2B5EF4-FFF2-40B4-BE49-F238E27FC236}">
+                    <a16:creationId xmlns:a16="http://schemas.microsoft.com/office/drawing/2014/main" id="{0EF71A7F-18BA-1E8D-5119-5CECB397C88D}"/>
+                  </a:ext>
+                </a:extLst>
+              </p14:cNvPr>
+              <p14:cNvContentPartPr/>
+              <p14:nvPr/>
+            </p14:nvContentPartPr>
+            <p14:xfrm>
+              <a:off x="4236360" y="2892462"/>
+              <a:ext cx="1677960" cy="1494000"/>
+            </p14:xfrm>
+          </p:contentPart>
+        </mc:Choice>
+        <mc:Fallback>
+          <p:pic>
+            <p:nvPicPr>
+              <p:cNvPr id="31" name="Ink 30">
+                <a:extLst>
+                  <a:ext uri="{FF2B5EF4-FFF2-40B4-BE49-F238E27FC236}">
+                    <a16:creationId xmlns:a16="http://schemas.microsoft.com/office/drawing/2014/main" id="{0EF71A7F-18BA-1E8D-5119-5CECB397C88D}"/>
+                  </a:ext>
+                </a:extLst>
+              </p:cNvPr>
+              <p:cNvPicPr/>
+              <p:nvPr/>
+            </p:nvPicPr>
+            <p:blipFill>
+              <a:blip r:embed="rId3"/>
+              <a:stretch>
+                <a:fillRect/>
+              </a:stretch>
+            </p:blipFill>
+            <p:spPr>
+              <a:xfrm>
+                <a:off x="4218364" y="2874458"/>
+                <a:ext cx="1713592" cy="1529649"/>
+              </a:xfrm>
+              <a:prstGeom prst="rect">
+                <a:avLst/>
+              </a:prstGeom>
+            </p:spPr>
+          </p:pic>
+        </mc:Fallback>
+      </mc:AlternateContent>
+      <p:sp>
+        <p:nvSpPr>
+          <p:cNvPr id="32" name="TextBox 31">
+            <a:extLst>
+              <a:ext uri="{FF2B5EF4-FFF2-40B4-BE49-F238E27FC236}">
+                <a16:creationId xmlns:a16="http://schemas.microsoft.com/office/drawing/2014/main" id="{2B4149B0-1BC2-4135-DF67-C5ED4C7E840E}"/>
+              </a:ext>
+            </a:extLst>
+          </p:cNvPr>
+          <p:cNvSpPr txBox="1"/>
+          <p:nvPr/>
+        </p:nvSpPr>
+        <p:spPr>
+          <a:xfrm>
+            <a:off x="4123160" y="3456698"/>
+            <a:ext cx="1904359" cy="461665"/>
+          </a:xfrm>
+          <a:prstGeom prst="rect">
+            <a:avLst/>
+          </a:prstGeom>
+          <a:noFill/>
+        </p:spPr>
+        <p:txBody>
+          <a:bodyPr wrap="square" rtlCol="0">
+            <a:spAutoFit/>
+          </a:bodyPr>
+          <a:lstStyle/>
+          <a:p>
+            <a:pPr algn="ctr"/>
+            <a:r>
+              <a:rPr lang="en-US" sz="2400" dirty="0"/>
+              <a:t>Education</a:t>
+            </a:r>
+          </a:p>
+        </p:txBody>
+      </p:sp>
+      <p:sp>
+        <p:nvSpPr>
+          <p:cNvPr id="38" name="TextBox 37">
+            <a:extLst>
+              <a:ext uri="{FF2B5EF4-FFF2-40B4-BE49-F238E27FC236}">
+                <a16:creationId xmlns:a16="http://schemas.microsoft.com/office/drawing/2014/main" id="{82900567-127D-91AF-9704-AB00C3731A12}"/>
+              </a:ext>
+            </a:extLst>
+          </p:cNvPr>
+          <p:cNvSpPr txBox="1"/>
+          <p:nvPr/>
+        </p:nvSpPr>
+        <p:spPr>
+          <a:xfrm>
+            <a:off x="6424440" y="3558169"/>
+            <a:ext cx="2149608" cy="1569660"/>
+          </a:xfrm>
+          <a:prstGeom prst="rect">
+            <a:avLst/>
+          </a:prstGeom>
+          <a:noFill/>
+        </p:spPr>
+        <p:txBody>
+          <a:bodyPr wrap="square" rtlCol="0">
+            <a:spAutoFit/>
+          </a:bodyPr>
+          <a:lstStyle/>
+          <a:p>
+            <a:pPr algn="ctr"/>
+            <a:r>
+              <a:rPr lang="en-US" sz="2400" dirty="0">
+                <a:latin typeface="Times" pitchFamily="2" charset="0"/>
+              </a:rPr>
+              <a:t>Randomization removes other unknown confounds</a:t>
+            </a:r>
+          </a:p>
+        </p:txBody>
+      </p:sp>
+      <mc:AlternateContent xmlns:mc="http://schemas.openxmlformats.org/markup-compatibility/2006">
+        <mc:Choice xmlns:p14="http://schemas.microsoft.com/office/powerpoint/2010/main" Requires="p14">
+          <p:contentPart p14:bwMode="auto" r:id="rId34">
+            <p14:nvContentPartPr>
+              <p14:cNvPr id="10" name="Ink 9">
+                <a:extLst>
+                  <a:ext uri="{FF2B5EF4-FFF2-40B4-BE49-F238E27FC236}">
+                    <a16:creationId xmlns:a16="http://schemas.microsoft.com/office/drawing/2014/main" id="{2086C81A-9939-D2E0-B7B0-7FE2F753F80D}"/>
+                  </a:ext>
+                </a:extLst>
+              </p14:cNvPr>
+              <p14:cNvContentPartPr/>
+              <p14:nvPr/>
+            </p14:nvContentPartPr>
+            <p14:xfrm>
+              <a:off x="3275513" y="4309962"/>
+              <a:ext cx="1269000" cy="2984040"/>
+            </p14:xfrm>
+          </p:contentPart>
+        </mc:Choice>
+        <mc:Fallback>
+          <p:pic>
+            <p:nvPicPr>
+              <p:cNvPr id="10" name="Ink 9">
+                <a:extLst>
+                  <a:ext uri="{FF2B5EF4-FFF2-40B4-BE49-F238E27FC236}">
+                    <a16:creationId xmlns:a16="http://schemas.microsoft.com/office/drawing/2014/main" id="{2086C81A-9939-D2E0-B7B0-7FE2F753F80D}"/>
+                  </a:ext>
+                </a:extLst>
+              </p:cNvPr>
+              <p:cNvPicPr/>
+              <p:nvPr/>
+            </p:nvPicPr>
+            <p:blipFill>
+              <a:blip r:embed="rId35"/>
+              <a:stretch>
+                <a:fillRect/>
+              </a:stretch>
+            </p:blipFill>
+            <p:spPr>
+              <a:xfrm>
+                <a:off x="3257873" y="4292322"/>
+                <a:ext cx="1304640" cy="3019680"/>
+              </a:xfrm>
+              <a:prstGeom prst="rect">
+                <a:avLst/>
+              </a:prstGeom>
+            </p:spPr>
+          </p:pic>
+        </mc:Fallback>
+      </mc:AlternateContent>
+      <mc:AlternateContent xmlns:mc="http://schemas.openxmlformats.org/markup-compatibility/2006">
+        <mc:Choice xmlns:p14="http://schemas.microsoft.com/office/powerpoint/2010/main" Requires="p14">
+          <p:contentPart p14:bwMode="auto" r:id="rId36">
+            <p14:nvContentPartPr>
+              <p14:cNvPr id="16" name="Ink 15">
+                <a:extLst>
+                  <a:ext uri="{FF2B5EF4-FFF2-40B4-BE49-F238E27FC236}">
+                    <a16:creationId xmlns:a16="http://schemas.microsoft.com/office/drawing/2014/main" id="{B6F0D66A-ED90-AC15-20D9-8E10FA28DB3D}"/>
+                  </a:ext>
+                </a:extLst>
+              </p14:cNvPr>
+              <p14:cNvContentPartPr/>
+              <p14:nvPr/>
+            </p14:nvContentPartPr>
+            <p14:xfrm>
+              <a:off x="3180113" y="6938322"/>
+              <a:ext cx="423720" cy="374760"/>
+            </p14:xfrm>
+          </p:contentPart>
+        </mc:Choice>
+        <mc:Fallback>
+          <p:pic>
+            <p:nvPicPr>
+              <p:cNvPr id="16" name="Ink 15">
+                <a:extLst>
+                  <a:ext uri="{FF2B5EF4-FFF2-40B4-BE49-F238E27FC236}">
+                    <a16:creationId xmlns:a16="http://schemas.microsoft.com/office/drawing/2014/main" id="{B6F0D66A-ED90-AC15-20D9-8E10FA28DB3D}"/>
+                  </a:ext>
+                </a:extLst>
+              </p:cNvPr>
+              <p:cNvPicPr/>
+              <p:nvPr/>
+            </p:nvPicPr>
+            <p:blipFill>
+              <a:blip r:embed="rId37"/>
+              <a:stretch>
+                <a:fillRect/>
+              </a:stretch>
+            </p:blipFill>
+            <p:spPr>
+              <a:xfrm>
+                <a:off x="3162113" y="6920322"/>
+                <a:ext cx="459360" cy="410400"/>
+              </a:xfrm>
+              <a:prstGeom prst="rect">
+                <a:avLst/>
+              </a:prstGeom>
+            </p:spPr>
+          </p:pic>
+        </mc:Fallback>
+      </mc:AlternateContent>
+      <mc:AlternateContent xmlns:mc="http://schemas.openxmlformats.org/markup-compatibility/2006">
+        <mc:Choice xmlns:p14="http://schemas.microsoft.com/office/powerpoint/2010/main" Requires="p14">
+          <p:contentPart p14:bwMode="auto" r:id="rId38">
+            <p14:nvContentPartPr>
+              <p14:cNvPr id="18" name="Ink 17">
+                <a:extLst>
+                  <a:ext uri="{FF2B5EF4-FFF2-40B4-BE49-F238E27FC236}">
+                    <a16:creationId xmlns:a16="http://schemas.microsoft.com/office/drawing/2014/main" id="{F7FFF573-206B-4360-4793-D62C1503670E}"/>
+                  </a:ext>
+                </a:extLst>
+              </p14:cNvPr>
+              <p14:cNvContentPartPr/>
+              <p14:nvPr/>
+            </p14:nvContentPartPr>
+            <p14:xfrm>
+              <a:off x="5683193" y="4319682"/>
+              <a:ext cx="1079280" cy="2898360"/>
+            </p14:xfrm>
+          </p:contentPart>
+        </mc:Choice>
+        <mc:Fallback>
+          <p:pic>
+            <p:nvPicPr>
+              <p:cNvPr id="18" name="Ink 17">
+                <a:extLst>
+                  <a:ext uri="{FF2B5EF4-FFF2-40B4-BE49-F238E27FC236}">
+                    <a16:creationId xmlns:a16="http://schemas.microsoft.com/office/drawing/2014/main" id="{F7FFF573-206B-4360-4793-D62C1503670E}"/>
+                  </a:ext>
+                </a:extLst>
+              </p:cNvPr>
+              <p:cNvPicPr/>
+              <p:nvPr/>
+            </p:nvPicPr>
+            <p:blipFill>
+              <a:blip r:embed="rId39"/>
+              <a:stretch>
+                <a:fillRect/>
+              </a:stretch>
+            </p:blipFill>
+            <p:spPr>
+              <a:xfrm>
+                <a:off x="5665553" y="4301682"/>
+                <a:ext cx="1114920" cy="2934000"/>
+              </a:xfrm>
+              <a:prstGeom prst="rect">
+                <a:avLst/>
+              </a:prstGeom>
+            </p:spPr>
+          </p:pic>
+        </mc:Fallback>
+      </mc:AlternateContent>
+      <mc:AlternateContent xmlns:mc="http://schemas.openxmlformats.org/markup-compatibility/2006">
+        <mc:Choice xmlns:p14="http://schemas.microsoft.com/office/powerpoint/2010/main" Requires="p14">
+          <p:contentPart p14:bwMode="auto" r:id="rId40">
+            <p14:nvContentPartPr>
+              <p14:cNvPr id="19" name="Ink 18">
+                <a:extLst>
+                  <a:ext uri="{FF2B5EF4-FFF2-40B4-BE49-F238E27FC236}">
+                    <a16:creationId xmlns:a16="http://schemas.microsoft.com/office/drawing/2014/main" id="{1555A92E-434D-0E62-D655-F396338085E6}"/>
+                  </a:ext>
+                </a:extLst>
+              </p14:cNvPr>
+              <p14:cNvContentPartPr/>
+              <p14:nvPr/>
+            </p14:nvContentPartPr>
+            <p14:xfrm>
+              <a:off x="6537473" y="6856242"/>
+              <a:ext cx="378000" cy="378000"/>
+            </p14:xfrm>
+          </p:contentPart>
+        </mc:Choice>
+        <mc:Fallback>
+          <p:pic>
+            <p:nvPicPr>
+              <p:cNvPr id="19" name="Ink 18">
+                <a:extLst>
+                  <a:ext uri="{FF2B5EF4-FFF2-40B4-BE49-F238E27FC236}">
+                    <a16:creationId xmlns:a16="http://schemas.microsoft.com/office/drawing/2014/main" id="{1555A92E-434D-0E62-D655-F396338085E6}"/>
+                  </a:ext>
+                </a:extLst>
+              </p:cNvPr>
+              <p:cNvPicPr/>
+              <p:nvPr/>
+            </p:nvPicPr>
+            <p:blipFill>
+              <a:blip r:embed="rId41"/>
+              <a:stretch>
+                <a:fillRect/>
+              </a:stretch>
+            </p:blipFill>
+            <p:spPr>
+              <a:xfrm>
+                <a:off x="6519833" y="6838242"/>
+                <a:ext cx="413640" cy="413640"/>
+              </a:xfrm>
+              <a:prstGeom prst="rect">
+                <a:avLst/>
+              </a:prstGeom>
+            </p:spPr>
+          </p:pic>
+        </mc:Fallback>
+      </mc:AlternateContent>
+      <mc:AlternateContent xmlns:mc="http://schemas.openxmlformats.org/markup-compatibility/2006">
+        <mc:Choice xmlns:p14="http://schemas.microsoft.com/office/powerpoint/2010/main" Requires="p14">
+          <p:contentPart p14:bwMode="auto" r:id="rId42">
+            <p14:nvContentPartPr>
+              <p14:cNvPr id="55" name="Ink 54">
+                <a:extLst>
+                  <a:ext uri="{FF2B5EF4-FFF2-40B4-BE49-F238E27FC236}">
+                    <a16:creationId xmlns:a16="http://schemas.microsoft.com/office/drawing/2014/main" id="{2D425543-AB5A-FD39-2327-A5D4FD89E32A}"/>
+                  </a:ext>
+                </a:extLst>
+              </p14:cNvPr>
+              <p14:cNvContentPartPr/>
+              <p14:nvPr/>
+            </p14:nvContentPartPr>
+            <p14:xfrm>
+              <a:off x="3868891" y="6221797"/>
+              <a:ext cx="136800" cy="171000"/>
+            </p14:xfrm>
+          </p:contentPart>
+        </mc:Choice>
+        <mc:Fallback>
+          <p:pic>
+            <p:nvPicPr>
+              <p:cNvPr id="55" name="Ink 54">
+                <a:extLst>
+                  <a:ext uri="{FF2B5EF4-FFF2-40B4-BE49-F238E27FC236}">
+                    <a16:creationId xmlns:a16="http://schemas.microsoft.com/office/drawing/2014/main" id="{2D425543-AB5A-FD39-2327-A5D4FD89E32A}"/>
+                  </a:ext>
+                </a:extLst>
+              </p:cNvPr>
+              <p:cNvPicPr/>
+              <p:nvPr/>
+            </p:nvPicPr>
+            <p:blipFill>
+              <a:blip r:embed="rId26"/>
+              <a:stretch>
+                <a:fillRect/>
+              </a:stretch>
+            </p:blipFill>
+            <p:spPr>
+              <a:xfrm>
+                <a:off x="3850891" y="6203797"/>
+                <a:ext cx="172440" cy="206640"/>
+              </a:xfrm>
+              <a:prstGeom prst="rect">
+                <a:avLst/>
+              </a:prstGeom>
+            </p:spPr>
+          </p:pic>
+        </mc:Fallback>
+      </mc:AlternateContent>
+      <p:grpSp>
+        <p:nvGrpSpPr>
+          <p:cNvPr id="58" name="Group 57">
+            <a:extLst>
+              <a:ext uri="{FF2B5EF4-FFF2-40B4-BE49-F238E27FC236}">
+                <a16:creationId xmlns:a16="http://schemas.microsoft.com/office/drawing/2014/main" id="{A8D9FB1D-8021-9756-FA30-CBC9F18FDCE7}"/>
+              </a:ext>
+            </a:extLst>
+          </p:cNvPr>
+          <p:cNvGrpSpPr/>
+          <p:nvPr/>
+        </p:nvGrpSpPr>
+        <p:grpSpPr>
+          <a:xfrm>
+            <a:off x="3535178" y="5846275"/>
+            <a:ext cx="559793" cy="418002"/>
+            <a:chOff x="3942960" y="6742800"/>
+            <a:chExt cx="559793" cy="418002"/>
+          </a:xfrm>
+        </p:grpSpPr>
+        <mc:AlternateContent xmlns:mc="http://schemas.openxmlformats.org/markup-compatibility/2006">
+          <mc:Choice xmlns:p14="http://schemas.microsoft.com/office/powerpoint/2010/main" Requires="p14">
+            <p:contentPart p14:bwMode="auto" r:id="rId43">
+              <p14:nvContentPartPr>
+                <p14:cNvPr id="59" name="Ink 58">
+                  <a:extLst>
+                    <a:ext uri="{FF2B5EF4-FFF2-40B4-BE49-F238E27FC236}">
+                      <a16:creationId xmlns:a16="http://schemas.microsoft.com/office/drawing/2014/main" id="{B58FB56F-918D-F642-23F6-11903582FCBB}"/>
+                    </a:ext>
+                  </a:extLst>
+                </p14:cNvPr>
+                <p14:cNvContentPartPr/>
+                <p14:nvPr/>
+              </p14:nvContentPartPr>
+              <p14:xfrm>
+                <a:off x="3942960" y="6883920"/>
+                <a:ext cx="329400" cy="191160"/>
+              </p14:xfrm>
+            </p:contentPart>
+          </mc:Choice>
+          <mc:Fallback>
+            <p:pic>
+              <p:nvPicPr>
+                <p:cNvPr id="59" name="Ink 58">
+                  <a:extLst>
+                    <a:ext uri="{FF2B5EF4-FFF2-40B4-BE49-F238E27FC236}">
+                      <a16:creationId xmlns:a16="http://schemas.microsoft.com/office/drawing/2014/main" id="{B58FB56F-918D-F642-23F6-11903582FCBB}"/>
+                    </a:ext>
+                  </a:extLst>
+                </p:cNvPr>
+                <p:cNvPicPr/>
+                <p:nvPr/>
+              </p:nvPicPr>
+              <p:blipFill>
+                <a:blip r:embed="rId28"/>
+                <a:stretch>
+                  <a:fillRect/>
+                </a:stretch>
+              </p:blipFill>
+              <p:spPr>
+                <a:xfrm>
+                  <a:off x="3924960" y="6865920"/>
+                  <a:ext cx="365040" cy="226800"/>
+                </a:xfrm>
+                <a:prstGeom prst="rect">
+                  <a:avLst/>
+                </a:prstGeom>
+              </p:spPr>
+            </p:pic>
+          </mc:Fallback>
+        </mc:AlternateContent>
+        <mc:AlternateContent xmlns:mc="http://schemas.openxmlformats.org/markup-compatibility/2006">
+          <mc:Choice xmlns:p14="http://schemas.microsoft.com/office/powerpoint/2010/main" Requires="p14">
+            <p:contentPart p14:bwMode="auto" r:id="rId44">
+              <p14:nvContentPartPr>
+                <p14:cNvPr id="61" name="Ink 60">
+                  <a:extLst>
+                    <a:ext uri="{FF2B5EF4-FFF2-40B4-BE49-F238E27FC236}">
+                      <a16:creationId xmlns:a16="http://schemas.microsoft.com/office/drawing/2014/main" id="{C08C0F03-5C01-3036-68A1-CA87BA8AD346}"/>
+                    </a:ext>
+                  </a:extLst>
+                </p14:cNvPr>
+                <p14:cNvContentPartPr/>
+                <p14:nvPr/>
+              </p14:nvContentPartPr>
+              <p14:xfrm>
+                <a:off x="4199640" y="6742800"/>
+                <a:ext cx="76320" cy="371880"/>
+              </p14:xfrm>
+            </p:contentPart>
+          </mc:Choice>
+          <mc:Fallback>
+            <p:pic>
+              <p:nvPicPr>
+                <p:cNvPr id="61" name="Ink 60">
+                  <a:extLst>
+                    <a:ext uri="{FF2B5EF4-FFF2-40B4-BE49-F238E27FC236}">
+                      <a16:creationId xmlns:a16="http://schemas.microsoft.com/office/drawing/2014/main" id="{C08C0F03-5C01-3036-68A1-CA87BA8AD346}"/>
+                    </a:ext>
+                  </a:extLst>
+                </p:cNvPr>
+                <p:cNvPicPr/>
+                <p:nvPr/>
+              </p:nvPicPr>
+              <p:blipFill>
+                <a:blip r:embed="rId30"/>
+                <a:stretch>
+                  <a:fillRect/>
+                </a:stretch>
+              </p:blipFill>
+              <p:spPr>
+                <a:xfrm>
+                  <a:off x="4181640" y="6724800"/>
+                  <a:ext cx="111960" cy="407520"/>
+                </a:xfrm>
+                <a:prstGeom prst="rect">
+                  <a:avLst/>
+                </a:prstGeom>
+              </p:spPr>
+            </p:pic>
+          </mc:Fallback>
+        </mc:AlternateContent>
+        <mc:AlternateContent xmlns:mc="http://schemas.openxmlformats.org/markup-compatibility/2006">
+          <mc:Choice xmlns:p14="http://schemas.microsoft.com/office/powerpoint/2010/main" Requires="p14">
+            <p:contentPart p14:bwMode="auto" r:id="rId45">
+              <p14:nvContentPartPr>
+                <p14:cNvPr id="64" name="Ink 63">
+                  <a:extLst>
+                    <a:ext uri="{FF2B5EF4-FFF2-40B4-BE49-F238E27FC236}">
+                      <a16:creationId xmlns:a16="http://schemas.microsoft.com/office/drawing/2014/main" id="{B0799794-62E9-2972-45EB-2674B1D7B66E}"/>
+                    </a:ext>
+                  </a:extLst>
+                </p14:cNvPr>
+                <p14:cNvContentPartPr/>
+                <p14:nvPr/>
+              </p14:nvContentPartPr>
+              <p14:xfrm>
+                <a:off x="4308713" y="7033722"/>
+                <a:ext cx="194040" cy="127080"/>
+              </p14:xfrm>
+            </p:contentPart>
+          </mc:Choice>
+          <mc:Fallback>
+            <p:pic>
+              <p:nvPicPr>
+                <p:cNvPr id="64" name="Ink 63">
+                  <a:extLst>
+                    <a:ext uri="{FF2B5EF4-FFF2-40B4-BE49-F238E27FC236}">
+                      <a16:creationId xmlns:a16="http://schemas.microsoft.com/office/drawing/2014/main" id="{B0799794-62E9-2972-45EB-2674B1D7B66E}"/>
+                    </a:ext>
+                  </a:extLst>
+                </p:cNvPr>
+                <p:cNvPicPr/>
+                <p:nvPr/>
+              </p:nvPicPr>
+              <p:blipFill>
+                <a:blip r:embed="rId32"/>
+                <a:stretch>
+                  <a:fillRect/>
+                </a:stretch>
+              </p:blipFill>
+              <p:spPr>
+                <a:xfrm>
+                  <a:off x="4290680" y="7015722"/>
+                  <a:ext cx="229746" cy="162720"/>
+                </a:xfrm>
+                <a:prstGeom prst="rect">
+                  <a:avLst/>
+                </a:prstGeom>
+              </p:spPr>
+            </p:pic>
+          </mc:Fallback>
+        </mc:AlternateContent>
+      </p:grpSp>
+      <p:grpSp>
+        <p:nvGrpSpPr>
+          <p:cNvPr id="65" name="Group 64">
+            <a:extLst>
+              <a:ext uri="{FF2B5EF4-FFF2-40B4-BE49-F238E27FC236}">
+                <a16:creationId xmlns:a16="http://schemas.microsoft.com/office/drawing/2014/main" id="{4DD7087C-43F5-4754-B883-16F8FD28BE43}"/>
+              </a:ext>
+            </a:extLst>
+          </p:cNvPr>
+          <p:cNvGrpSpPr/>
+          <p:nvPr/>
+        </p:nvGrpSpPr>
+        <p:grpSpPr>
+          <a:xfrm>
+            <a:off x="6028564" y="5638627"/>
+            <a:ext cx="428040" cy="590040"/>
+            <a:chOff x="5725680" y="6722280"/>
+            <a:chExt cx="428040" cy="590040"/>
+          </a:xfrm>
+        </p:grpSpPr>
+        <mc:AlternateContent xmlns:mc="http://schemas.openxmlformats.org/markup-compatibility/2006">
+          <mc:Choice xmlns:p14="http://schemas.microsoft.com/office/powerpoint/2010/main" Requires="p14">
+            <p:contentPart p14:bwMode="auto" r:id="rId46">
+              <p14:nvContentPartPr>
+                <p14:cNvPr id="66" name="Ink 65">
+                  <a:extLst>
+                    <a:ext uri="{FF2B5EF4-FFF2-40B4-BE49-F238E27FC236}">
+                      <a16:creationId xmlns:a16="http://schemas.microsoft.com/office/drawing/2014/main" id="{8D284321-0A33-78F7-3EC3-90DE092B3D39}"/>
+                    </a:ext>
+                  </a:extLst>
+                </p14:cNvPr>
+                <p14:cNvContentPartPr/>
+                <p14:nvPr/>
+              </p14:nvContentPartPr>
+              <p14:xfrm>
+                <a:off x="5875080" y="6722280"/>
+                <a:ext cx="39240" cy="367560"/>
+              </p14:xfrm>
+            </p:contentPart>
+          </mc:Choice>
+          <mc:Fallback>
+            <p:pic>
+              <p:nvPicPr>
+                <p:cNvPr id="66" name="Ink 65">
+                  <a:extLst>
+                    <a:ext uri="{FF2B5EF4-FFF2-40B4-BE49-F238E27FC236}">
+                      <a16:creationId xmlns:a16="http://schemas.microsoft.com/office/drawing/2014/main" id="{8D284321-0A33-78F7-3EC3-90DE092B3D39}"/>
+                    </a:ext>
+                  </a:extLst>
+                </p:cNvPr>
+                <p:cNvPicPr/>
+                <p:nvPr/>
+              </p:nvPicPr>
+              <p:blipFill>
+                <a:blip r:embed="rId20"/>
+                <a:stretch>
+                  <a:fillRect/>
+                </a:stretch>
+              </p:blipFill>
+              <p:spPr>
+                <a:xfrm>
+                  <a:off x="5857080" y="6704280"/>
+                  <a:ext cx="74880" cy="403200"/>
+                </a:xfrm>
+                <a:prstGeom prst="rect">
+                  <a:avLst/>
+                </a:prstGeom>
+              </p:spPr>
+            </p:pic>
+          </mc:Fallback>
+        </mc:AlternateContent>
+        <mc:AlternateContent xmlns:mc="http://schemas.openxmlformats.org/markup-compatibility/2006">
+          <mc:Choice xmlns:p14="http://schemas.microsoft.com/office/powerpoint/2010/main" Requires="p14">
+            <p:contentPart p14:bwMode="auto" r:id="rId47">
+              <p14:nvContentPartPr>
+                <p14:cNvPr id="67" name="Ink 66">
+                  <a:extLst>
+                    <a:ext uri="{FF2B5EF4-FFF2-40B4-BE49-F238E27FC236}">
+                      <a16:creationId xmlns:a16="http://schemas.microsoft.com/office/drawing/2014/main" id="{B831C250-95A0-4898-B7EE-24A334F55E79}"/>
+                    </a:ext>
+                  </a:extLst>
+                </p14:cNvPr>
+                <p14:cNvContentPartPr/>
+                <p14:nvPr/>
+              </p14:nvContentPartPr>
+              <p14:xfrm>
+                <a:off x="5877960" y="6936120"/>
+                <a:ext cx="275760" cy="169560"/>
+              </p14:xfrm>
+            </p:contentPart>
+          </mc:Choice>
+          <mc:Fallback>
+            <p:pic>
+              <p:nvPicPr>
+                <p:cNvPr id="67" name="Ink 66">
+                  <a:extLst>
+                    <a:ext uri="{FF2B5EF4-FFF2-40B4-BE49-F238E27FC236}">
+                      <a16:creationId xmlns:a16="http://schemas.microsoft.com/office/drawing/2014/main" id="{B831C250-95A0-4898-B7EE-24A334F55E79}"/>
+                    </a:ext>
+                  </a:extLst>
+                </p:cNvPr>
+                <p:cNvPicPr/>
+                <p:nvPr/>
+              </p:nvPicPr>
+              <p:blipFill>
+                <a:blip r:embed="rId22"/>
+                <a:stretch>
+                  <a:fillRect/>
+                </a:stretch>
+              </p:blipFill>
+              <p:spPr>
+                <a:xfrm>
+                  <a:off x="5859960" y="6918158"/>
+                  <a:ext cx="311400" cy="205124"/>
+                </a:xfrm>
+                <a:prstGeom prst="rect">
+                  <a:avLst/>
+                </a:prstGeom>
+              </p:spPr>
+            </p:pic>
+          </mc:Fallback>
+        </mc:AlternateContent>
+        <mc:AlternateContent xmlns:mc="http://schemas.openxmlformats.org/markup-compatibility/2006">
+          <mc:Choice xmlns:p14="http://schemas.microsoft.com/office/powerpoint/2010/main" Requires="p14">
+            <p:contentPart p14:bwMode="auto" r:id="rId48">
+              <p14:nvContentPartPr>
+                <p14:cNvPr id="68" name="Ink 67">
+                  <a:extLst>
+                    <a:ext uri="{FF2B5EF4-FFF2-40B4-BE49-F238E27FC236}">
+                      <a16:creationId xmlns:a16="http://schemas.microsoft.com/office/drawing/2014/main" id="{5769C5AD-9CBE-EFE3-1EA4-B85E6B6D2B84}"/>
+                    </a:ext>
+                  </a:extLst>
+                </p14:cNvPr>
+                <p14:cNvContentPartPr/>
+                <p14:nvPr/>
+              </p14:nvContentPartPr>
+              <p14:xfrm>
+                <a:off x="5725680" y="7133040"/>
+                <a:ext cx="229320" cy="179280"/>
+              </p14:xfrm>
+            </p:contentPart>
+          </mc:Choice>
+          <mc:Fallback>
+            <p:pic>
+              <p:nvPicPr>
+                <p:cNvPr id="68" name="Ink 67">
+                  <a:extLst>
+                    <a:ext uri="{FF2B5EF4-FFF2-40B4-BE49-F238E27FC236}">
+                      <a16:creationId xmlns:a16="http://schemas.microsoft.com/office/drawing/2014/main" id="{5769C5AD-9CBE-EFE3-1EA4-B85E6B6D2B84}"/>
+                    </a:ext>
+                  </a:extLst>
+                </p:cNvPr>
+                <p:cNvPicPr/>
+                <p:nvPr/>
+              </p:nvPicPr>
+              <p:blipFill>
+                <a:blip r:embed="rId24"/>
+                <a:stretch>
+                  <a:fillRect/>
+                </a:stretch>
+              </p:blipFill>
+              <p:spPr>
+                <a:xfrm>
+                  <a:off x="5707680" y="7115040"/>
+                  <a:ext cx="264960" cy="214920"/>
+                </a:xfrm>
+                <a:prstGeom prst="rect">
+                  <a:avLst/>
+                </a:prstGeom>
+              </p:spPr>
+            </p:pic>
+          </mc:Fallback>
+        </mc:AlternateContent>
+      </p:grpSp>
+    </p:spTree>
+    <p:extLst>
+      <p:ext uri="{BB962C8B-B14F-4D97-AF65-F5344CB8AC3E}">
+        <p14:creationId xmlns:p14="http://schemas.microsoft.com/office/powerpoint/2010/main" val="2883395995"/>
       </p:ext>
     </p:extLst>
   </p:cSld>

--- a/images/intro/money.pptx
+++ b/images/intro/money.pptx
@@ -8,6 +8,7 @@
     <p:sldId id="256" r:id="rId2"/>
     <p:sldId id="257" r:id="rId3"/>
     <p:sldId id="258" r:id="rId4"/>
+    <p:sldId id="259" r:id="rId5"/>
   </p:sldIdLst>
   <p:sldSz cx="12192000" cy="16367125"/>
   <p:notesSz cx="6858000" cy="9144000"/>
@@ -106,6 +107,11 @@
       </a:defRPr>
     </a:lvl9pPr>
   </p:defaultTextStyle>
+  <p:extLst>
+    <p:ext uri="{EFAFB233-063F-42B5-8137-9DF3F51BA10A}">
+      <p15:sldGuideLst xmlns:p15="http://schemas.microsoft.com/office/powerpoint/2012/main"/>
+    </p:ext>
+  </p:extLst>
 </p:presentation>
 </file>
 
@@ -163,6 +169,282 @@
 </inkml:ink>
 </file>
 
+<file path=ppt/ink/ink100.xml><?xml version="1.0" encoding="utf-8"?>
+<inkml:ink xmlns:inkml="http://www.w3.org/2003/InkML">
+  <inkml:definitions>
+    <inkml:context xml:id="ctx0">
+      <inkml:inkSource xml:id="inkSrc0">
+        <inkml:traceFormat>
+          <inkml:channel name="X" type="integer" min="-2.14748E9" max="2.14748E9" units="cm"/>
+          <inkml:channel name="Y" type="integer" min="-2.14748E9" max="2.14748E9" units="cm"/>
+          <inkml:channel name="F" type="integer" max="32767" units="dev"/>
+        </inkml:traceFormat>
+        <inkml:channelProperties>
+          <inkml:channelProperty channel="X" name="resolution" value="1000" units="1/cm"/>
+          <inkml:channelProperty channel="Y" name="resolution" value="1000" units="1/cm"/>
+          <inkml:channelProperty channel="F" name="resolution" value="0" units="1/dev"/>
+        </inkml:channelProperties>
+      </inkml:inkSource>
+      <inkml:timestamp xml:id="ts0" timeString="2022-06-20T16:48:23.160"/>
+    </inkml:context>
+    <inkml:brush xml:id="br0">
+      <inkml:brushProperty name="width" value="0.1" units="cm"/>
+      <inkml:brushProperty name="height" value="0.1" units="cm"/>
+      <inkml:brushProperty name="color" value="#E71224"/>
+    </inkml:brush>
+  </inkml:definitions>
+  <inkml:trace contextRef="#ctx0" brushRef="#br0">1 471 24575,'19'0'0,"-1"0"0,-4 0 0,-1 0 0,1 0 0,12-7 0,-15 0 0,22-1 0,-23-12 0,11 11 0,9-14 0,-11 2 0,11 10 0,0-10 0,-12 6 0,20-2 0,-15-5 0,1 0 0,4 12 0,-4-10 0,6 11 0,-13-5 0,2 6 0,-10-12 0,4 17 0,1-11 0,-1 9 0,1-3 0,-1 1 0,-6-5 0,5 5 0,-4-1 0,-1-4 0,4 10 0,-4-4 0,7-7 0,-1 3 0,9-11 0,-6-1 0,5 12 0,-6-9 0,-2 17 0,-5-4 0,-2 6 0</inkml:trace>
+</inkml:ink>
+</file>
+
+<file path=ppt/ink/ink101.xml><?xml version="1.0" encoding="utf-8"?>
+<inkml:ink xmlns:inkml="http://www.w3.org/2003/InkML">
+  <inkml:definitions>
+    <inkml:context xml:id="ctx0">
+      <inkml:inkSource xml:id="inkSrc0">
+        <inkml:traceFormat>
+          <inkml:channel name="X" type="integer" min="-2.14748E9" max="2.14748E9" units="cm"/>
+          <inkml:channel name="Y" type="integer" min="-2.14748E9" max="2.14748E9" units="cm"/>
+          <inkml:channel name="F" type="integer" max="32767" units="dev"/>
+        </inkml:traceFormat>
+        <inkml:channelProperties>
+          <inkml:channelProperty channel="X" name="resolution" value="1000" units="1/cm"/>
+          <inkml:channelProperty channel="Y" name="resolution" value="1000" units="1/cm"/>
+          <inkml:channelProperty channel="F" name="resolution" value="0" units="1/dev"/>
+        </inkml:channelProperties>
+      </inkml:inkSource>
+      <inkml:timestamp xml:id="ts0" timeString="2022-06-20T16:48:27.210"/>
+    </inkml:context>
+    <inkml:brush xml:id="br0">
+      <inkml:brushProperty name="width" value="0.1" units="cm"/>
+      <inkml:brushProperty name="height" value="0.1" units="cm"/>
+      <inkml:brushProperty name="color" value="#E71224"/>
+    </inkml:brush>
+  </inkml:definitions>
+  <inkml:trace contextRef="#ctx0" brushRef="#br0">384 0 24575,'-13'0'0,"0"0"0,-1 0 0,1 0 0,-8 0 0,-1 0 0,0 0 0,-5 0 0,11 0 0,-17 0 0,10 0 0,-4 6 0,8 1 0,11 7 0,-3-1 0,3 0 0,1 0 0,-5 1 0,4-1 0,1 1 0,-5-7 0,11 5 0,-5-5 0,0 6 0,5 0 0,-11-5 0,10 4 0,-10-5 0,10 7 0,-4-1 0,6 0 0,0 0 0,0 0 0,0 0 0,0 1 0,0-1 0,0 1 0,6-7 0,1-2 0,6-5 0,-5 6 0,3-4 0,-4 4 0,6-6 0,0 0 0,1 0 0,-1 0 0,0 0 0,0 0 0,0 0 0,-5-6 0,4-2 0,-4-5 0,5-1 0,1 0 0,0 7 0,-7-5 0,5 10 0,-10-10 0,10 11 0,-5-11 0,7 4 0,-2-4 0,2-2 0,-7 2 0,5 5 0,-11-5 0,11 4 0,-10-5 0,10-1 0,-11 0 0,12 1 0,-6-1 0,7 6 0,-7-4 0,5 5 0,-16 5 0,9 10 0,-17 6 0,5 6 0,-7-6 0,0-1 0,1 1 0,-1-1 0,0 1 0,1 0 0,-1-1 0,0 1 0,7 0 0,-5-1 0,10 1 0,-10 0 0,10-1 0,-4 0 0,6 0 0,0 1 0,0 0 0,-13 0 0,10 0 0,-11 0 0,14 0 0,0-1 0,0 1 0,0-1 0,6 0 0,2 0 0,-1 1 0,6-1 0,-6-5 0,6-2 0,0-6 0,0 0 0,0 0 0,1 0 0,-1 0 0,1 0 0,-1 0 0,1 0 0,-1 0 0,1 0 0,7 0 0,2 0 0,0 0 0,5-7 0,-12 6 0,5-12 0,-8 11 0,1-4 0,-1 0 0,1-1 0,-2-6 0,-4-7 0,4 4 0,-11-12 0,11 12 0,-10-12 0,4 5 0,0-7 0,-4 7 0,5 2 0,-7 7 0,0 1 0,0-1 0,0 0 0,0 1 0,-6 6 0,-9-5 0,0 10 0,-6-5 0,7 1 0,1 5 0,-1-5 0,0 6 0,1 0 0,0 0 0,0 0 0,6-6 0,-4 4 0,9-10 0,-9 11 0,4-5 0,-7 0 0,1-2 0,-1-5 0,-7 5 0,12-4 0,-11 4 0,12 1 0,1-5 0,-5 10 0,10-4 0,-4 6 0</inkml:trace>
+</inkml:ink>
+</file>
+
+<file path=ppt/ink/ink102.xml><?xml version="1.0" encoding="utf-8"?>
+<inkml:ink xmlns:inkml="http://www.w3.org/2003/InkML">
+  <inkml:definitions>
+    <inkml:context xml:id="ctx0">
+      <inkml:inkSource xml:id="inkSrc0">
+        <inkml:traceFormat>
+          <inkml:channel name="X" type="integer" min="-2.14748E9" max="2.14748E9" units="cm"/>
+          <inkml:channel name="Y" type="integer" min="-2.14748E9" max="2.14748E9" units="cm"/>
+          <inkml:channel name="F" type="integer" max="32767" units="dev"/>
+        </inkml:traceFormat>
+        <inkml:channelProperties>
+          <inkml:channelProperty channel="X" name="resolution" value="1000" units="1/cm"/>
+          <inkml:channelProperty channel="Y" name="resolution" value="1000" units="1/cm"/>
+          <inkml:channelProperty channel="F" name="resolution" value="0" units="1/dev"/>
+        </inkml:channelProperties>
+      </inkml:inkSource>
+      <inkml:timestamp xml:id="ts0" timeString="2022-06-20T16:48:46.895"/>
+    </inkml:context>
+    <inkml:brush xml:id="br0">
+      <inkml:brushProperty name="width" value="0.1" units="cm"/>
+      <inkml:brushProperty name="height" value="0.1" units="cm"/>
+      <inkml:brushProperty name="color" value="#E71224"/>
+    </inkml:brush>
+  </inkml:definitions>
+  <inkml:trace contextRef="#ctx0" brushRef="#br0">10 1 24575,'0'14'0,"0"4"0,0-2 0,-5-4 0,4 2 0,-3-9 0,4 5 0,0-1 0,0 1 0,0-1 0,0 0 0,0 0 0,0 0 0,0 0 0,0 0 0,0 0 0,0 6 0,0-4 0,0 9 0,0-4 0,0 5 0,0 1 0,0-1 0,0 0 0,0-5 0,0-1 0,0-5 0,0 0 0,4-1 0,1 0 0,4 0 0,1 1 0,0 0 0,-1-1 0,1 1 0,0 0 0,-1-1 0,-3 1 0,2-5 0,-3 0 0,5-5 0,-1 0 0,1 0 0,0 0 0,4 0 0,-3 0 0,9 0 0,-9 0 0,4 0 0,-5 0 0,5 0 0,-4 0 0,3 0 0,-4 0 0,0 0 0,-1 0 0,1 0 0,0 0 0,-1 0 0,1 0 0,-1 0 0,1 0 0,-2 0 0,1 0 0,-4-9 0,-1 3 0,-4-7 0,0-2 0,5-1 0,-4 0 0,4 1 0,-5 0 0,0 4 0,0-3 0,-4 8 0,3-2 0,-7-2 0,-3-2 0,-1-8 0,-3 3 0,5 1 0,-6-4 0,5 9 0,-4-9 0,5 9 0,0-4 0,0 6 0,1-1 0,-1 1 0,1-1 0,-1 5 0,0-4 0,1 4 0,-1-1 0,0-2 0,1 2 0,-1-3 0,0 3 0,1-2 0,-1 2 0,1 1 0,-1 1 0,5 0 0,-2 2 0,6-10 0,-3 11 0,4-7 0</inkml:trace>
+</inkml:ink>
+</file>
+
+<file path=ppt/ink/ink103.xml><?xml version="1.0" encoding="utf-8"?>
+<inkml:ink xmlns:inkml="http://www.w3.org/2003/InkML">
+  <inkml:definitions>
+    <inkml:context xml:id="ctx0">
+      <inkml:inkSource xml:id="inkSrc0">
+        <inkml:traceFormat>
+          <inkml:channel name="X" type="integer" min="-2.14748E9" max="2.14748E9" units="cm"/>
+          <inkml:channel name="Y" type="integer" min="-2.14748E9" max="2.14748E9" units="cm"/>
+          <inkml:channel name="F" type="integer" max="32767" units="dev"/>
+        </inkml:traceFormat>
+        <inkml:channelProperties>
+          <inkml:channelProperty channel="X" name="resolution" value="1000" units="1/cm"/>
+          <inkml:channelProperty channel="Y" name="resolution" value="1000" units="1/cm"/>
+          <inkml:channelProperty channel="F" name="resolution" value="0" units="1/dev"/>
+        </inkml:channelProperties>
+      </inkml:inkSource>
+      <inkml:timestamp xml:id="ts0" timeString="2022-06-20T16:48:32.051"/>
+    </inkml:context>
+    <inkml:brush xml:id="br0">
+      <inkml:brushProperty name="width" value="0.1" units="cm"/>
+      <inkml:brushProperty name="height" value="0.1" units="cm"/>
+      <inkml:brushProperty name="color" value="#E71224"/>
+    </inkml:brush>
+  </inkml:definitions>
+  <inkml:trace contextRef="#ctx0" brushRef="#br0">0 0 24575,'13'0'0,"0"0"0,1 0 0,-1 0 0,17 0 0,-12 0 0,19 0 0,-14 7 0,0 8 0,15 2 0,-13 5 0,7 1 0,-3-6 0,-5-2 0,-1 5 0,-8-11 0,5 13 0,-10-8 0,11 0 0,-8 0 0,1 0 0,0-1 0,-1 1 0,1 0 0,0-1 0,-1 1 0,1 0 0,-1-7 0,0 5 0,0-11 0,0 5 0,0-6 0,-6 5 0,4-3 0,-4 9 0,6-9 0,1 10 0,0-4 0,-1-1 0,1 5 0,0-4 0,-1 5 0,1-5 0,0 4 0,-7-5 0,5 1 0,-10 3 0,10-9 0,-5 3 0,6-5 0,-6 6 0,5-4 0,-4 4 0,-1 0 0,5-5 0,-5 11 0,6-11 0,-7 11 0,6-11 0,-10 11 0,10-10 0,-5 3 0,1-5 0,-3 0 0</inkml:trace>
+</inkml:ink>
+</file>
+
+<file path=ppt/ink/ink104.xml><?xml version="1.0" encoding="utf-8"?>
+<inkml:ink xmlns:inkml="http://www.w3.org/2003/InkML">
+  <inkml:definitions>
+    <inkml:context xml:id="ctx0">
+      <inkml:inkSource xml:id="inkSrc0">
+        <inkml:traceFormat>
+          <inkml:channel name="X" type="integer" min="-2.14748E9" max="2.14748E9" units="cm"/>
+          <inkml:channel name="Y" type="integer" min="-2.14748E9" max="2.14748E9" units="cm"/>
+          <inkml:channel name="F" type="integer" max="32767" units="dev"/>
+        </inkml:traceFormat>
+        <inkml:channelProperties>
+          <inkml:channelProperty channel="X" name="resolution" value="1000" units="1/cm"/>
+          <inkml:channelProperty channel="Y" name="resolution" value="1000" units="1/cm"/>
+          <inkml:channelProperty channel="F" name="resolution" value="0" units="1/dev"/>
+        </inkml:channelProperties>
+      </inkml:inkSource>
+      <inkml:timestamp xml:id="ts0" timeString="2022-06-20T16:48:33.748"/>
+    </inkml:context>
+    <inkml:brush xml:id="br0">
+      <inkml:brushProperty name="width" value="0.1" units="cm"/>
+      <inkml:brushProperty name="height" value="0.1" units="cm"/>
+      <inkml:brushProperty name="color" value="#E71224"/>
+    </inkml:brush>
+  </inkml:definitions>
+  <inkml:trace contextRef="#ctx0" brushRef="#br0">1 0 24575,'0'13'0,"0"7"0,0 3 0,0 0 0,0-2 0,0-7 0,0-1 0,0 8 0,0-5 0,0 5 0,0 0 0,0-5 0,0 12 0,0-5 0,0 0 0,0 5 0,0-5 0,6 26 0,-4-22 0,10 18 0,-11-30 0,5 5 0,-6-7 0,6 0 0,-4 0 0,10 1 0,-10 7 0,10 2 0,-10 7 0,12 0 0,-7-7 0,2 5 0,3-5 0,-4 0 0,0-2 0,5 0 0,-11-5 0,11 5 0,-12 0 0,11-6 0,-10 6 0,10-7 0,-11 7 0,5-5 0,1 5 0,-6-8 0,5 1 0,0 0 0,-4-1 0,4-6 0,-6-1 0</inkml:trace>
+</inkml:ink>
+</file>
+
+<file path=ppt/ink/ink105.xml><?xml version="1.0" encoding="utf-8"?>
+<inkml:ink xmlns:inkml="http://www.w3.org/2003/InkML">
+  <inkml:definitions>
+    <inkml:context xml:id="ctx0">
+      <inkml:inkSource xml:id="inkSrc0">
+        <inkml:traceFormat>
+          <inkml:channel name="X" type="integer" min="-2.14748E9" max="2.14748E9" units="cm"/>
+          <inkml:channel name="Y" type="integer" min="-2.14748E9" max="2.14748E9" units="cm"/>
+          <inkml:channel name="F" type="integer" max="32767" units="dev"/>
+        </inkml:traceFormat>
+        <inkml:channelProperties>
+          <inkml:channelProperty channel="X" name="resolution" value="1000" units="1/cm"/>
+          <inkml:channelProperty channel="Y" name="resolution" value="1000" units="1/cm"/>
+          <inkml:channelProperty channel="F" name="resolution" value="0" units="1/dev"/>
+        </inkml:channelProperties>
+      </inkml:inkSource>
+      <inkml:timestamp xml:id="ts0" timeString="2022-06-20T16:48:51.331"/>
+    </inkml:context>
+    <inkml:brush xml:id="br0">
+      <inkml:brushProperty name="width" value="0.1" units="cm"/>
+      <inkml:brushProperty name="height" value="0.1" units="cm"/>
+      <inkml:brushProperty name="color" value="#E71224"/>
+    </inkml:brush>
+  </inkml:definitions>
+  <inkml:trace contextRef="#ctx0" brushRef="#br0">1 125 24575,'0'-20'0,"0"6"0,0-5 0,3 13 0,3-3 0,-1 5 0,3 3 0,-3-8 0,5 4 0,-1 0 0,-4-3 0,4 7 0,-4-4 0,0 1 0,4 3 0,-4-3 0,4 4 0,0 0 0,1 0 0,-5-5 0,4 4 0,-4-3 0,4 4 0,1 0 0,-2 0 0,7 0 0,1 0 0,0 0 0,4 0 0,-9 0 0,4 0 0,-6 0 0,1 0 0,-1 0 0,0 0 0,0 0 0,1 0 0,-1 0 0,1 0 0,-1 4 0,1-3 0,-1 4 0,1-1 0,-1 1 0,0 0 0,0 3 0,1-7 0,0 8 0,-1-4 0,1 0 0,-1 4 0,1-4 0,0 1 0,-5 2 0,4-7 0,-8 8 0,7-8 0,-7 8 0,3-4 0,0 4 0,-3 1 0,8-1 0,-3 6 0,-1-4 0,5 9 0,-9-4 0,8 0 0,-8 4 0,3-9 0,-4 4 0,0 0 0,0-4 0,0 4 0,0-6 0,0 0 0,0 0 0,0 0 0,-4 0 0,-1-4 0,-4-1 0,0-4 0,0 0 0,-1 0 0,1 0 0,0 0 0,0 0 0,-4 0 0,2 0 0,-7 0 0,2 0 0,-6 0 0,6-4 0,-4 3 0,9-3 0,-4-1 0,6 4 0,-1-3 0,5 0 0,-4 3 0,4-4 0,-3 5 0,-7-4 0,-1-2 0,-5-5 0,0 0 0,-1 1 0,1-1 0,5 1 0,-4 4 0,9-3 0,-4 8 0,10-7 0,-4 7 0,4-4 0,-4 5 0,0 0 0,0 0 0,0 0 0,0 0 0,-1 0 0,5-3 0,-3 2 0,7-3 0,-2 4 0</inkml:trace>
+</inkml:ink>
+</file>
+
+<file path=ppt/ink/ink106.xml><?xml version="1.0" encoding="utf-8"?>
+<inkml:ink xmlns:inkml="http://www.w3.org/2003/InkML">
+  <inkml:definitions>
+    <inkml:context xml:id="ctx0">
+      <inkml:inkSource xml:id="inkSrc0">
+        <inkml:traceFormat>
+          <inkml:channel name="X" type="integer" min="-2.14748E9" max="2.14748E9" units="cm"/>
+          <inkml:channel name="Y" type="integer" min="-2.14748E9" max="2.14748E9" units="cm"/>
+          <inkml:channel name="F" type="integer" max="32767" units="dev"/>
+        </inkml:traceFormat>
+        <inkml:channelProperties>
+          <inkml:channelProperty channel="X" name="resolution" value="1000" units="1/cm"/>
+          <inkml:channelProperty channel="Y" name="resolution" value="1000" units="1/cm"/>
+          <inkml:channelProperty channel="F" name="resolution" value="0" units="1/dev"/>
+        </inkml:channelProperties>
+      </inkml:inkSource>
+      <inkml:timestamp xml:id="ts0" timeString="2022-06-20T17:01:16.242"/>
+    </inkml:context>
+    <inkml:brush xml:id="br0">
+      <inkml:brushProperty name="width" value="0.1" units="cm"/>
+      <inkml:brushProperty name="height" value="0.1" units="cm"/>
+    </inkml:brush>
+  </inkml:definitions>
+  <inkml:trace contextRef="#ctx0" brushRef="#br0">2692 4035 24575,'-11'0'0,"-3"0"0,6 0 0,-6 0 0,1 0 0,-3 0 0,0 0 0,-1 0 0,1 0 0,4 0 0,-4 0 0,-1 0 0,4 0 0,-7 0 0,7 0 0,-3 0 0,0 0 0,0 0 0,-1 0 0,5 0 0,-3 0 0,2 0 0,-8 4 0,4-3 0,-9 11 0,4-10 0,-5 6 0,0-4 0,0-3 0,5 7 0,-3-3 0,2 3 0,1-3 0,-3 3 0,7-7 0,-8 7 0,9-3 0,-9 0 0,4 2 0,-5-6 0,0 7 0,5-7 0,-3 3 0,7 0 0,-7-3 0,7 2 0,-3-3 0,0 0 0,4 0 0,-4 0 0,4 0 0,1 0 0,4 0 0,-4 0 0,4 0 0,-4 0 0,-1 0 0,1 0 0,0 0 0,4 0 0,-4 0 0,-7-3 0,4 2 0,-7-6 0,5 2 0,3 1 0,-8-4 0,9 3 0,-9-4 0,-3-3 0,0 2 0,0-2 0,3 3 0,-1 0 0,-2 0 0,-3 0 0,5-4 0,0-1 0,1 0 0,-1-3 0,0 7 0,0-7 0,0 3 0,1-3 0,3 3 0,-2-3 0,3 4 0,-5-5 0,0 0 0,5 1 0,-4-1 0,9 5 0,-9-4 0,9 4 0,-9-4 0,-4-4 0,6 3 0,-4-3 0,7 8 0,4-2 0,-4 2 0,4-4 0,1 1 0,0 0 0,0-1 0,-1 1 0,1 0 0,0-1 0,3 1 0,-3 0 0,4-1 0,-5 5 0,5-4 0,-4 4 0,3-9 0,-3 3 0,2-3 0,-9-7 0,8 4 0,-7-10 0,6 7 0,2 5 0,1-4 0,0 4 0,0-4 0,4-1 0,-8 0 0,7 0 0,-3 5 0,0-4 0,4 4 0,-4 0 0,4-4 0,5 9 0,-4-9 0,3 9 0,0-4 0,-2 0 0,6 3 0,-7-19 0,3 16 0,0-16 0,-2 14 0,6 1 0,-7-3 0,7 7 0,-7-8 0,7 9 0,-3-9 0,4 9 0,0-9 0,0 9 0,0-9 0,0 4 0,-4-5 0,3-5 0,-3 4 0,0-4 0,3 5 0,-8-5 0,8 3 0,-3-3 0,0 5 0,3 5 0,-3-4 0,4 9 0,0-4 0,0 0 0,0 4 0,0-9 0,0 4 0,0-5 0,0-5 0,0 3 0,0-3 0,0 5 0,0 1 0,0 3 0,0-2 0,0 7 0,0-7 0,0 7 0,0-3 0,0 0 0,0 4 0,0-4 0,0 4 0,0-4 0,0 4 0,0-4 0,0 0 0,0 3 0,0-7 0,0 7 0,0-19 0,0 12 0,0-14 0,0 12 0,0 0 0,0 0 0,0 0 0,0 1 0,4-1 0,1 0 0,4 0 0,0 1 0,0-1 0,0 0 0,0-5 0,0 8 0,0-7 0,4 9 0,-4 0 0,4 1 0,-5 0 0,0 4 0,1-4 0,-1 8 0,0-2 0,-1 3 0,1-4 0,4-1 0,2-4 0,-2 4 0,4-4 0,-2 0 0,2 4 0,1-4 0,0 0 0,0 3 0,4-3 0,-3 4 0,3 0 0,-5 1 0,5 3 0,-7-3 0,6 7 0,-11-2 0,2 3 0,-4 1 0,1-1 0,-1 1 0,0-1 0,1-2 0,-1 2 0,1 0 0,-1 2 0,6 5 0,0-2 0,4-1 0,0-1 0,-1-6 0,0 2 0,1-3 0,4-1 0,-4 4 0,4-7 0,0 7 0,-4-7 0,9 3 0,-9 0 0,4-3 0,-4 7 0,-1-3 0,0 4 0,1-1 0,-5 2 0,3-1 0,-6 0 0,2 4 0,-4-3 0,5 3 0,-4-4 0,3 4 0,1-3 0,-4 3 0,3-4 0,1 0 0,-4 1 0,7 2 0,-6-1 0,6 1 0,-3-2 0,5-2 0,-5 2 0,3 2 0,-6-1 0,6 5 0,-3-6 0,1 3 0,2-1 0,-6 2 0,6-1 0,-7 4 0,7-8 0,-6 7 0,6-6 0,-7 6 0,8-6 0,-4 6 0,4-3 0,1 1 0,-1 2 0,0-6 0,1 6 0,6-6 0,-5 2 0,2-3 0,-5 4 0,-6-3 0,6 6 0,-7-5 0,7 5 0,-2-2 0,3 3 0,0 0 0,1 0 0,4 0 0,1 0 0,5-4 0,0 3 0,-1-3 0,1 0 0,0-1 0,0 0 0,0-3 0,-5 7 0,3-7 0,-2 7 0,-1-7 0,-1 8 0,-9-4 0,3 4 0,-6 0 0,2 0 0,-4 0 0,1 0 0,-1 0 0,0 0 0,5 0 0,5 0 0,0 0 0,9 0 0,-4 0 0,5 0 0,-5 0 0,4 0 0,-9 0 0,9 0 0,-9 0 0,4 0 0,-4 0 0,-1 0 0,0-4 0,1 3 0,-1-2 0,5 3 0,-4 0 0,4 0 0,-4 0 0,-1 0 0,5 0 0,-3-4 0,7 3 0,-7-2 0,13 3 0,-8 0 0,15 0 0,-10 0 0,10 0 0,-10 0 0,9 0 0,-8 0 0,3 0 0,0 0 0,-8 0 0,7-4 0,8 3 0,-8-3 0,13 4 0,-11 0 0,0 0 0,1 0 0,3 0 0,-3 0 0,0 0 0,3 4 0,-3 1 0,-1 5 0,5-1 0,-5 1 0,6 4 0,0-3 0,0 7 0,0-7 0,-5 7 0,4-8 0,-10 7 0,9-6 0,-8 6 0,8-2 0,-9-1 0,5 4 0,-7-8 0,1 6 0,0-6 0,0 7 0,5-2 0,-4 3 0,10 1 0,-10-1 0,10 2 0,-10-2 0,5 5 0,0-3 0,-3 8 0,3-3 0,-3 4 0,-1 1 0,-5-2 0,4 1 0,-8 3 0,4 3 0,-5 4 0,10 23 0,-7-17 0,7 17 0,-14-23 0,-2-5 0,1 3 0,-3-8 0,2 3 0,-4-5 0,0 5 0,0-4 0,1 4 0,-1 1 0,0 0 0,6 6 0,-5 0 0,4 0 0,-4 0 0,0 0 0,-1-6 0,-3-1 0,2 1 0,-3-5 0,0 4 0,8 12 0,-11-13 0,6 14 0,-4-13 0,-3-4 0,4 4 0,-5 1 0,0-5 0,0 4 0,0-5 0,0 0 0,0 0 0,4-1 0,-3 7 0,3-5 0,-4 9 0,0-8 0,0 8 0,0-9 0,0 10 0,0-5 0,0 1 0,0 10 0,0-14 0,0 9 0,0-13 0,0-3 0,0 2 0,0-3 0,0 5 0,0 0 0,0 5 0,0-4 0,-4 5 0,3-1 0,-7-4 0,7 10 0,-8-5 0,8 6 0,-7-5 0,7 3 0,-7-3 0,2 5 0,-3-5 0,0-2 0,0-5 0,-4 11 0,3-8 0,-6 4 0,5-3 0,-1-12 0,7 12 0,-2-9 0,2 5 0,-4 0 0,0 0 0,0 0 0,0-5 0,0 4 0,1-9 0,-4 4 0,-1-8 0,-3 2 0,0-6 0,-1 3 0,1-4 0,0 0 0,4 0 0,-4 0 0,8 0 0,0 5 0,1-4 0,7 7 0,-11-3 0,6 3 0,-11 0 0,7-3 0,-6 2 0,7-7 0,-4 8 0,1-8 0,2 4 0,-2-4 0,3-1 0,-3-3 0,3 3 0,-8-7 0,8 7 0,-7-3 0,6 1 0,-6 2 0,3-6 0,-1 6 0,-2-3 0,7 4 0,-8-4 0,8 3 0,-3-3 0,-1 3 0,4 1 0,-4-1 0,5 1 0,-4 0 0,2-1 0,-2 1 0,0-4 0,2 2 0,-2-2 0,0 1 0,2-2 0,-2 0 0,4-2 0,-1 2 0,1 0 0,0-2 0,-1 3 0,1-4 0,-1 3 0,-3-2 0,3 5 0,-4-2 0,1 0 0,3 3 0,-8-3 0,8 4 0,-7 0 0,-1-1 0,3 1 0,-2-1 0,4 1 0,3-4 0,-4 3 0,1-6 0,3 6 0,-8-3 0,4 0 0,0 3 0,-4-2 0,4-1 0,0 3 0,-4-7 0,11 7 0,-9-6 0,9 2 0,-7 0 0,5-2 0,-4 6 0,-2-6 0,1 3 0,1-1 0,-8 1 0,9 1 0,-13-2 0,11 1 0,0-3 0,-4 2 0,4-3 0,0 4 0,-4-4 0,4 4 0,-4-4 0,-1 0 0,1 3 0,0-2 0,-1 3 0,1-4 0,4 0 0,-4 0 0,8 0 0,-7 0 0,2 0 0,1 0 0,-11 0 0,9 0 0,-9 3 0,2-2 0,3 3 0,-3 0 0,0-4 0,4 4 0,-4-4 0,9 3 0,0-2 0,5 2 0,-1-3 0,1 0 0,0 0 0,0 0 0,0 0 0,0 0 0,-5 0 0,4 0 0,-3 0 0,3 0 0,1 0 0,0 0 0,0 0 0,0 0 0,1 0 0,-2 0 0,1 0 0,0-3 0,0 3 0,-5-7 0,0 6 0,-4-6 0,3 3 0,2-1 0,4 2 0,-1 0 0,1 2 0,0-3 0,2 4 0,2 0 0</inkml:trace>
+</inkml:ink>
+</file>
+
+<file path=ppt/ink/ink107.xml><?xml version="1.0" encoding="utf-8"?>
+<inkml:ink xmlns:inkml="http://www.w3.org/2003/InkML">
+  <inkml:definitions>
+    <inkml:context xml:id="ctx0">
+      <inkml:inkSource xml:id="inkSrc0">
+        <inkml:traceFormat>
+          <inkml:channel name="X" type="integer" min="-2.14748E9" max="2.14748E9" units="cm"/>
+          <inkml:channel name="Y" type="integer" min="-2.14748E9" max="2.14748E9" units="cm"/>
+          <inkml:channel name="F" type="integer" max="32767" units="dev"/>
+        </inkml:traceFormat>
+        <inkml:channelProperties>
+          <inkml:channelProperty channel="X" name="resolution" value="1000" units="1/cm"/>
+          <inkml:channelProperty channel="Y" name="resolution" value="1000" units="1/cm"/>
+          <inkml:channelProperty channel="F" name="resolution" value="0" units="1/dev"/>
+        </inkml:channelProperties>
+      </inkml:inkSource>
+      <inkml:timestamp xml:id="ts0" timeString="2022-06-20T17:01:16.243"/>
+    </inkml:context>
+    <inkml:brush xml:id="br0">
+      <inkml:brushProperty name="width" value="0.1" units="cm"/>
+      <inkml:brushProperty name="height" value="0.1" units="cm"/>
+    </inkml:brush>
+  </inkml:definitions>
+  <inkml:trace contextRef="#ctx0" brushRef="#br0">2692 4035 24575,'-11'0'0,"-3"0"0,6 0 0,-6 0 0,1 0 0,-3 0 0,0 0 0,-1 0 0,1 0 0,4 0 0,-4 0 0,-1 0 0,4 0 0,-7 0 0,7 0 0,-3 0 0,0 0 0,0 0 0,-1 0 0,5 0 0,-3 0 0,2 0 0,-8 4 0,4-3 0,-9 11 0,4-10 0,-5 6 0,0-4 0,0-3 0,5 7 0,-3-3 0,2 3 0,1-3 0,-3 3 0,7-7 0,-8 7 0,9-3 0,-9 0 0,4 2 0,-5-6 0,0 7 0,5-7 0,-3 3 0,7 0 0,-7-3 0,7 2 0,-3-3 0,0 0 0,4 0 0,-4 0 0,4 0 0,1 0 0,4 0 0,-4 0 0,4 0 0,-4 0 0,-1 0 0,1 0 0,0 0 0,4 0 0,-4 0 0,-7-3 0,4 2 0,-7-6 0,5 2 0,3 1 0,-8-4 0,9 3 0,-9-4 0,-3-3 0,0 2 0,0-2 0,3 3 0,-1 0 0,-2 0 0,-3 0 0,5-4 0,0-1 0,1 0 0,-1-3 0,0 7 0,0-7 0,0 3 0,1-3 0,3 3 0,-2-3 0,3 4 0,-5-5 0,0 0 0,5 1 0,-4-1 0,9 5 0,-9-4 0,9 4 0,-9-4 0,-4-4 0,6 3 0,-4-3 0,7 8 0,4-2 0,-4 2 0,4-4 0,1 1 0,0 0 0,0-1 0,-1 1 0,1 0 0,0-1 0,3 1 0,-3 0 0,4-1 0,-5 5 0,5-4 0,-4 4 0,3-9 0,-3 3 0,2-3 0,-9-7 0,8 4 0,-7-10 0,6 7 0,2 5 0,1-4 0,0 4 0,0-4 0,4-1 0,-8 0 0,7 0 0,-3 5 0,0-4 0,4 4 0,-4 0 0,4-4 0,5 9 0,-4-9 0,3 9 0,0-4 0,-2 0 0,6 3 0,-7-19 0,3 16 0,0-16 0,-2 14 0,6 1 0,-7-3 0,7 7 0,-7-8 0,7 9 0,-3-9 0,4 9 0,0-9 0,0 9 0,0-9 0,0 4 0,-4-5 0,3-5 0,-3 4 0,0-4 0,3 5 0,-8-5 0,8 3 0,-3-3 0,0 5 0,3 5 0,-3-4 0,4 9 0,0-4 0,0 0 0,0 4 0,0-9 0,0 4 0,0-5 0,0-5 0,0 3 0,0-3 0,0 5 0,0 1 0,0 3 0,0-2 0,0 7 0,0-7 0,0 7 0,0-3 0,0 0 0,0 4 0,0-4 0,0 4 0,0-4 0,0 4 0,0-4 0,0 0 0,0 3 0,0-7 0,0 7 0,0-19 0,0 12 0,0-14 0,0 12 0,0 0 0,0 0 0,0 0 0,0 1 0,4-1 0,1 0 0,4 0 0,0 1 0,0-1 0,0 0 0,0-5 0,0 8 0,0-7 0,4 9 0,-4 0 0,4 1 0,-5 0 0,0 4 0,1-4 0,-1 8 0,0-2 0,-1 3 0,1-4 0,4-1 0,2-4 0,-2 4 0,4-4 0,-2 0 0,2 4 0,1-4 0,0 0 0,0 3 0,4-3 0,-3 4 0,3 0 0,-5 1 0,5 3 0,-7-3 0,6 7 0,-11-2 0,2 3 0,-4 1 0,1-1 0,-1 1 0,0-1 0,1-2 0,-1 2 0,1 0 0,-1 2 0,6 5 0,0-2 0,4-1 0,0-1 0,-1-6 0,0 2 0,1-3 0,4-1 0,-4 4 0,4-7 0,0 7 0,-4-7 0,9 3 0,-9 0 0,4-3 0,-4 7 0,-1-3 0,0 4 0,1-1 0,-5 2 0,3-1 0,-6 0 0,2 4 0,-4-3 0,5 3 0,-4-4 0,3 4 0,1-3 0,-4 3 0,3-4 0,1 0 0,-4 1 0,7 2 0,-6-1 0,6 1 0,-3-2 0,5-2 0,-5 2 0,3 2 0,-6-1 0,6 5 0,-3-6 0,1 3 0,2-1 0,-6 2 0,6-1 0,-7 4 0,7-8 0,-6 7 0,6-6 0,-7 6 0,8-6 0,-4 6 0,4-3 0,1 1 0,-1 2 0,0-6 0,1 6 0,6-6 0,-5 2 0,2-3 0,-5 4 0,-6-3 0,6 6 0,-7-5 0,7 5 0,-2-2 0,3 3 0,0 0 0,1 0 0,4 0 0,1 0 0,5-4 0,0 3 0,-1-3 0,1 0 0,0-1 0,0 0 0,0-3 0,-5 7 0,3-7 0,-2 7 0,-1-7 0,-1 8 0,-9-4 0,3 4 0,-6 0 0,2 0 0,-4 0 0,1 0 0,-1 0 0,0 0 0,5 0 0,5 0 0,0 0 0,9 0 0,-4 0 0,5 0 0,-5 0 0,4 0 0,-9 0 0,9 0 0,-9 0 0,4 0 0,-4 0 0,-1 0 0,0-4 0,1 3 0,-1-2 0,5 3 0,-4 0 0,4 0 0,-4 0 0,-1 0 0,5 0 0,-3-4 0,7 3 0,-7-2 0,13 3 0,-8 0 0,15 0 0,-10 0 0,10 0 0,-10 0 0,9 0 0,-8 0 0,3 0 0,0 0 0,-8 0 0,7-4 0,8 3 0,-8-3 0,13 4 0,-11 0 0,0 0 0,1 0 0,3 0 0,-3 0 0,0 0 0,3 4 0,-3 1 0,-1 5 0,5-1 0,-5 1 0,6 4 0,0-3 0,0 7 0,0-7 0,-5 7 0,4-8 0,-10 7 0,9-6 0,-8 6 0,8-2 0,-9-1 0,5 4 0,-7-8 0,1 6 0,0-6 0,0 7 0,5-2 0,-4 3 0,10 1 0,-10-1 0,10 2 0,-10-2 0,5 5 0,0-3 0,-3 8 0,3-3 0,-3 4 0,-1 1 0,-5-2 0,4 1 0,-8 3 0,4 3 0,-5 4 0,10 23 0,-7-17 0,7 17 0,-14-23 0,-2-5 0,1 3 0,-3-8 0,2 3 0,-4-5 0,0 5 0,0-4 0,1 4 0,-1 1 0,0 0 0,6 6 0,-5 0 0,4 0 0,-4 0 0,0 0 0,-1-6 0,-3-1 0,2 1 0,-3-5 0,0 4 0,8 12 0,-11-13 0,6 14 0,-4-13 0,-3-4 0,4 4 0,-5 1 0,0-5 0,0 4 0,0-5 0,0 0 0,0 0 0,4-1 0,-3 7 0,3-5 0,-4 9 0,0-8 0,0 8 0,0-9 0,0 10 0,0-5 0,0 1 0,0 10 0,0-14 0,0 9 0,0-13 0,0-3 0,0 2 0,0-3 0,0 5 0,0 0 0,0 5 0,0-4 0,-4 5 0,3-1 0,-7-4 0,7 10 0,-8-5 0,8 6 0,-7-5 0,7 3 0,-7-3 0,2 5 0,-3-5 0,0-2 0,0-5 0,-4 11 0,3-8 0,-6 4 0,5-3 0,-1-12 0,7 12 0,-2-9 0,2 5 0,-4 0 0,0 0 0,0 0 0,0-5 0,0 4 0,1-9 0,-4 4 0,-1-8 0,-3 2 0,0-6 0,-1 3 0,1-4 0,0 0 0,4 0 0,-4 0 0,8 0 0,0 5 0,1-4 0,7 7 0,-11-3 0,6 3 0,-11 0 0,7-3 0,-6 2 0,7-7 0,-4 8 0,1-8 0,2 4 0,-2-4 0,3-1 0,-3-3 0,3 3 0,-8-7 0,8 7 0,-7-3 0,6 1 0,-6 2 0,3-6 0,-1 6 0,-2-3 0,7 4 0,-8-4 0,8 3 0,-3-3 0,-1 3 0,4 1 0,-4-1 0,5 1 0,-4 0 0,2-1 0,-2 1 0,0-4 0,2 2 0,-2-2 0,0 1 0,2-2 0,-2 0 0,4-2 0,-1 2 0,1 0 0,0-2 0,-1 3 0,1-4 0,-1 3 0,-3-2 0,3 5 0,-4-2 0,1 0 0,3 3 0,-8-3 0,8 4 0,-7 0 0,-1-1 0,3 1 0,-2-1 0,4 1 0,3-4 0,-4 3 0,1-6 0,3 6 0,-8-3 0,4 0 0,0 3 0,-4-2 0,4-1 0,0 3 0,-4-7 0,11 7 0,-9-6 0,9 2 0,-7 0 0,5-2 0,-4 6 0,-2-6 0,1 3 0,1-1 0,-8 1 0,9 1 0,-13-2 0,11 1 0,0-3 0,-4 2 0,4-3 0,0 4 0,-4-4 0,4 4 0,-4-4 0,-1 0 0,1 3 0,0-2 0,-1 3 0,1-4 0,4 0 0,-4 0 0,8 0 0,-7 0 0,2 0 0,1 0 0,-11 0 0,9 0 0,-9 3 0,2-2 0,3 3 0,-3 0 0,0-4 0,4 4 0,-4-4 0,9 3 0,0-2 0,5 2 0,-1-3 0,1 0 0,0 0 0,0 0 0,0 0 0,0 0 0,-5 0 0,4 0 0,-3 0 0,3 0 0,1 0 0,0 0 0,0 0 0,0 0 0,1 0 0,-2 0 0,1 0 0,0-3 0,0 3 0,-5-7 0,0 6 0,-4-6 0,3 3 0,2-1 0,4 2 0,-1 0 0,1 2 0,0-3 0,2 4 0,2 0 0</inkml:trace>
+</inkml:ink>
+</file>
+
+<file path=ppt/ink/ink108.xml><?xml version="1.0" encoding="utf-8"?>
+<inkml:ink xmlns:inkml="http://www.w3.org/2003/InkML">
+  <inkml:definitions>
+    <inkml:context xml:id="ctx0">
+      <inkml:inkSource xml:id="inkSrc0">
+        <inkml:traceFormat>
+          <inkml:channel name="X" type="integer" min="-2.14748E9" max="2.14748E9" units="cm"/>
+          <inkml:channel name="Y" type="integer" min="-2.14748E9" max="2.14748E9" units="cm"/>
+          <inkml:channel name="F" type="integer" max="32767" units="dev"/>
+        </inkml:traceFormat>
+        <inkml:channelProperties>
+          <inkml:channelProperty channel="X" name="resolution" value="1000" units="1/cm"/>
+          <inkml:channelProperty channel="Y" name="resolution" value="1000" units="1/cm"/>
+          <inkml:channelProperty channel="F" name="resolution" value="0" units="1/dev"/>
+        </inkml:channelProperties>
+      </inkml:inkSource>
+      <inkml:timestamp xml:id="ts0" timeString="2022-06-20T17:01:16.244"/>
+    </inkml:context>
+    <inkml:brush xml:id="br0">
+      <inkml:brushProperty name="width" value="0.1" units="cm"/>
+      <inkml:brushProperty name="height" value="0.1" units="cm"/>
+    </inkml:brush>
+  </inkml:definitions>
+  <inkml:trace contextRef="#ctx0" brushRef="#br0">2692 4035 24575,'-11'0'0,"-3"0"0,6 0 0,-6 0 0,1 0 0,-3 0 0,0 0 0,-1 0 0,1 0 0,4 0 0,-4 0 0,-1 0 0,4 0 0,-7 0 0,7 0 0,-3 0 0,0 0 0,0 0 0,-1 0 0,5 0 0,-3 0 0,2 0 0,-8 4 0,4-3 0,-9 11 0,4-10 0,-5 6 0,0-4 0,0-3 0,5 7 0,-3-3 0,2 3 0,1-3 0,-3 3 0,7-7 0,-8 7 0,9-3 0,-9 0 0,4 2 0,-5-6 0,0 7 0,5-7 0,-3 3 0,7 0 0,-7-3 0,7 2 0,-3-3 0,0 0 0,4 0 0,-4 0 0,4 0 0,1 0 0,4 0 0,-4 0 0,4 0 0,-4 0 0,-1 0 0,1 0 0,0 0 0,4 0 0,-4 0 0,-7-3 0,4 2 0,-7-6 0,5 2 0,3 1 0,-8-4 0,9 3 0,-9-4 0,-3-3 0,0 2 0,0-2 0,3 3 0,-1 0 0,-2 0 0,-3 0 0,5-4 0,0-1 0,1 0 0,-1-3 0,0 7 0,0-7 0,0 3 0,1-3 0,3 3 0,-2-3 0,3 4 0,-5-5 0,0 0 0,5 1 0,-4-1 0,9 5 0,-9-4 0,9 4 0,-9-4 0,-4-4 0,6 3 0,-4-3 0,7 8 0,4-2 0,-4 2 0,4-4 0,1 1 0,0 0 0,0-1 0,-1 1 0,1 0 0,0-1 0,3 1 0,-3 0 0,4-1 0,-5 5 0,5-4 0,-4 4 0,3-9 0,-3 3 0,2-3 0,-9-7 0,8 4 0,-7-10 0,6 7 0,2 5 0,1-4 0,0 4 0,0-4 0,4-1 0,-8 0 0,7 0 0,-3 5 0,0-4 0,4 4 0,-4 0 0,4-4 0,5 9 0,-4-9 0,3 9 0,0-4 0,-2 0 0,6 3 0,-7-19 0,3 16 0,0-16 0,-2 14 0,6 1 0,-7-3 0,7 7 0,-7-8 0,7 9 0,-3-9 0,4 9 0,0-9 0,0 9 0,0-9 0,0 4 0,-4-5 0,3-5 0,-3 4 0,0-4 0,3 5 0,-8-5 0,8 3 0,-3-3 0,0 5 0,3 5 0,-3-4 0,4 9 0,0-4 0,0 0 0,0 4 0,0-9 0,0 4 0,0-5 0,0-5 0,0 3 0,0-3 0,0 5 0,0 1 0,0 3 0,0-2 0,0 7 0,0-7 0,0 7 0,0-3 0,0 0 0,0 4 0,0-4 0,0 4 0,0-4 0,0 4 0,0-4 0,0 0 0,0 3 0,0-7 0,0 7 0,0-19 0,0 12 0,0-14 0,0 12 0,0 0 0,0 0 0,0 0 0,0 1 0,4-1 0,1 0 0,4 0 0,0 1 0,0-1 0,0 0 0,0-5 0,0 8 0,0-7 0,4 9 0,-4 0 0,4 1 0,-5 0 0,0 4 0,1-4 0,-1 8 0,0-2 0,-1 3 0,1-4 0,4-1 0,2-4 0,-2 4 0,4-4 0,-2 0 0,2 4 0,1-4 0,0 0 0,0 3 0,4-3 0,-3 4 0,3 0 0,-5 1 0,5 3 0,-7-3 0,6 7 0,-11-2 0,2 3 0,-4 1 0,1-1 0,-1 1 0,0-1 0,1-2 0,-1 2 0,1 0 0,-1 2 0,6 5 0,0-2 0,4-1 0,0-1 0,-1-6 0,0 2 0,1-3 0,4-1 0,-4 4 0,4-7 0,0 7 0,-4-7 0,9 3 0,-9 0 0,4-3 0,-4 7 0,-1-3 0,0 4 0,1-1 0,-5 2 0,3-1 0,-6 0 0,2 4 0,-4-3 0,5 3 0,-4-4 0,3 4 0,1-3 0,-4 3 0,3-4 0,1 0 0,-4 1 0,7 2 0,-6-1 0,6 1 0,-3-2 0,5-2 0,-5 2 0,3 2 0,-6-1 0,6 5 0,-3-6 0,1 3 0,2-1 0,-6 2 0,6-1 0,-7 4 0,7-8 0,-6 7 0,6-6 0,-7 6 0,8-6 0,-4 6 0,4-3 0,1 1 0,-1 2 0,0-6 0,1 6 0,6-6 0,-5 2 0,2-3 0,-5 4 0,-6-3 0,6 6 0,-7-5 0,7 5 0,-2-2 0,3 3 0,0 0 0,1 0 0,4 0 0,1 0 0,5-4 0,0 3 0,-1-3 0,1 0 0,0-1 0,0 0 0,0-3 0,-5 7 0,3-7 0,-2 7 0,-1-7 0,-1 8 0,-9-4 0,3 4 0,-6 0 0,2 0 0,-4 0 0,1 0 0,-1 0 0,0 0 0,5 0 0,5 0 0,0 0 0,9 0 0,-4 0 0,5 0 0,-5 0 0,4 0 0,-9 0 0,9 0 0,-9 0 0,4 0 0,-4 0 0,-1 0 0,0-4 0,1 3 0,-1-2 0,5 3 0,-4 0 0,4 0 0,-4 0 0,-1 0 0,5 0 0,-3-4 0,7 3 0,-7-2 0,13 3 0,-8 0 0,15 0 0,-10 0 0,10 0 0,-10 0 0,9 0 0,-8 0 0,3 0 0,0 0 0,-8 0 0,7-4 0,8 3 0,-8-3 0,13 4 0,-11 0 0,0 0 0,1 0 0,3 0 0,-3 0 0,0 0 0,3 4 0,-3 1 0,-1 5 0,5-1 0,-5 1 0,6 4 0,0-3 0,0 7 0,0-7 0,-5 7 0,4-8 0,-10 7 0,9-6 0,-8 6 0,8-2 0,-9-1 0,5 4 0,-7-8 0,1 6 0,0-6 0,0 7 0,5-2 0,-4 3 0,10 1 0,-10-1 0,10 2 0,-10-2 0,5 5 0,0-3 0,-3 8 0,3-3 0,-3 4 0,-1 1 0,-5-2 0,4 1 0,-8 3 0,4 3 0,-5 4 0,10 23 0,-7-17 0,7 17 0,-14-23 0,-2-5 0,1 3 0,-3-8 0,2 3 0,-4-5 0,0 5 0,0-4 0,1 4 0,-1 1 0,0 0 0,6 6 0,-5 0 0,4 0 0,-4 0 0,0 0 0,-1-6 0,-3-1 0,2 1 0,-3-5 0,0 4 0,8 12 0,-11-13 0,6 14 0,-4-13 0,-3-4 0,4 4 0,-5 1 0,0-5 0,0 4 0,0-5 0,0 0 0,0 0 0,4-1 0,-3 7 0,3-5 0,-4 9 0,0-8 0,0 8 0,0-9 0,0 10 0,0-5 0,0 1 0,0 10 0,0-14 0,0 9 0,0-13 0,0-3 0,0 2 0,0-3 0,0 5 0,0 0 0,0 5 0,0-4 0,-4 5 0,3-1 0,-7-4 0,7 10 0,-8-5 0,8 6 0,-7-5 0,7 3 0,-7-3 0,2 5 0,-3-5 0,0-2 0,0-5 0,-4 11 0,3-8 0,-6 4 0,5-3 0,-1-12 0,7 12 0,-2-9 0,2 5 0,-4 0 0,0 0 0,0 0 0,0-5 0,0 4 0,1-9 0,-4 4 0,-1-8 0,-3 2 0,0-6 0,-1 3 0,1-4 0,0 0 0,4 0 0,-4 0 0,8 0 0,0 5 0,1-4 0,7 7 0,-11-3 0,6 3 0,-11 0 0,7-3 0,-6 2 0,7-7 0,-4 8 0,1-8 0,2 4 0,-2-4 0,3-1 0,-3-3 0,3 3 0,-8-7 0,8 7 0,-7-3 0,6 1 0,-6 2 0,3-6 0,-1 6 0,-2-3 0,7 4 0,-8-4 0,8 3 0,-3-3 0,-1 3 0,4 1 0,-4-1 0,5 1 0,-4 0 0,2-1 0,-2 1 0,0-4 0,2 2 0,-2-2 0,0 1 0,2-2 0,-2 0 0,4-2 0,-1 2 0,1 0 0,0-2 0,-1 3 0,1-4 0,-1 3 0,-3-2 0,3 5 0,-4-2 0,1 0 0,3 3 0,-8-3 0,8 4 0,-7 0 0,-1-1 0,3 1 0,-2-1 0,4 1 0,3-4 0,-4 3 0,1-6 0,3 6 0,-8-3 0,4 0 0,0 3 0,-4-2 0,4-1 0,0 3 0,-4-7 0,11 7 0,-9-6 0,9 2 0,-7 0 0,5-2 0,-4 6 0,-2-6 0,1 3 0,1-1 0,-8 1 0,9 1 0,-13-2 0,11 1 0,0-3 0,-4 2 0,4-3 0,0 4 0,-4-4 0,4 4 0,-4-4 0,-1 0 0,1 3 0,0-2 0,-1 3 0,1-4 0,4 0 0,-4 0 0,8 0 0,-7 0 0,2 0 0,1 0 0,-11 0 0,9 0 0,-9 3 0,2-2 0,3 3 0,-3 0 0,0-4 0,4 4 0,-4-4 0,9 3 0,0-2 0,5 2 0,-1-3 0,1 0 0,0 0 0,0 0 0,0 0 0,0 0 0,-5 0 0,4 0 0,-3 0 0,3 0 0,1 0 0,0 0 0,0 0 0,0 0 0,1 0 0,-2 0 0,1 0 0,0-3 0,0 3 0,-5-7 0,0 6 0,-4-6 0,3 3 0,2-1 0,4 2 0,-1 0 0,1 2 0,0-3 0,2 4 0,2 0 0</inkml:trace>
+</inkml:ink>
+</file>
+
+<file path=ppt/ink/ink109.xml><?xml version="1.0" encoding="utf-8"?>
+<inkml:ink xmlns:inkml="http://www.w3.org/2003/InkML">
+  <inkml:definitions>
+    <inkml:context xml:id="ctx0">
+      <inkml:inkSource xml:id="inkSrc0">
+        <inkml:traceFormat>
+          <inkml:channel name="X" type="integer" min="-2.14748E9" max="2.14748E9" units="cm"/>
+          <inkml:channel name="Y" type="integer" min="-2.14748E9" max="2.14748E9" units="cm"/>
+          <inkml:channel name="F" type="integer" max="32767" units="dev"/>
+        </inkml:traceFormat>
+        <inkml:channelProperties>
+          <inkml:channelProperty channel="X" name="resolution" value="1000" units="1/cm"/>
+          <inkml:channelProperty channel="Y" name="resolution" value="1000" units="1/cm"/>
+          <inkml:channelProperty channel="F" name="resolution" value="0" units="1/dev"/>
+        </inkml:channelProperties>
+      </inkml:inkSource>
+      <inkml:timestamp xml:id="ts0" timeString="2022-06-20T17:01:16.247"/>
+    </inkml:context>
+    <inkml:brush xml:id="br0">
+      <inkml:brushProperty name="width" value="0.1" units="cm"/>
+      <inkml:brushProperty name="height" value="0.1" units="cm"/>
+    </inkml:brush>
+  </inkml:definitions>
+  <inkml:trace contextRef="#ctx0" brushRef="#br0">1 0 24575,'28'29'0,"9"-3"0,18 26 0,-18-25 0,25 36 0,-12-2-1067,9 9 1067,-18-20 0,-1 0 0,9 18 0,-15-24 0,0 1 0,23 31 0,-21-31 0,0 0 0,23 23 0,-21-24 0,0-1 0,9 12 261,18 10-261,-21-22 0,-10-2 0,-6-17 0,-11-3 0,4-7 806,0 1-806,-6-2 0,6-4 0,0 3 0,-5-4 0,5 0 0,-8 5 0,1-12 0,0 11 0,-1-4 0,1-1 0,0-1 0,-1-6 0,-5 7 0,4-6 0,-5 11 0,14-4 0,-5 6 0,12 1 0,-5 0 0,7 0 0,-7-1 0,5 1 0,-11 6 0,4-4 0,0 4 0,2 0 0,0-4 0,6 4 0,-13 1 0,12-6 0,-4 13 0,-1-6 0,6 8 0,-12-1 0,5 0 0,-1 0 0,-4-7 0,4 6 0,-7-14 0,1 14 0,-1-14 0,0 6 0,0-7 0,-1-1 0,1 1 0,-6 0 0,4-1 0,-11 1 0,11-6 0,-10 3 0,10-9 0,-11 10 0,11-5 0,-5 7 0,7 0 0,-6-1 0,4 1 0,-5 0 0,7-1 0,-6 1 0,4-6 0,-11 4 0,11-11 0,-5 5 0,5-6 0,-5 6 0,5-5 0,-5 11 0,6-5 0,-1 5 0,1 1 0,-6-11 0,-1-4 0,-6-17 0,0 5 0,0-14 0,0 6 0,0-9 0,0 1 0,0-9 0,0 7 0,0-7 0,0 0 0,0 6 0,0 2 0,0 3 0,0 12 0,0-5 0,0 8 0,0 0 0,0-6 0,0 5 0,0-13 0,0 4 0,0 1 0,0-7 0,0 14 0,0-6 0,0 0 0,0-2 0,0 0 0,0-6 0,0 14 0,0-6 0,0 7 0,0 1 0,0-1 0,0 1 0,0 1 0,0-1 0,6 5 0,-5-3 0,5 4 0,-6-6 0,0 0 0,0-1 0,0 0 0,7-5 0,0 3 0,1-11 0,-2 12 0,0-6 0,-5 7 0,6 1 0,-2 6 0,-4 2 0,5 5 0</inkml:trace>
+</inkml:ink>
+</file>
+
 <file path=ppt/ink/ink11.xml><?xml version="1.0" encoding="utf-8"?>
 <inkml:ink xmlns:inkml="http://www.w3.org/2003/InkML">
   <inkml:definitions>
@@ -187,6 +469,114 @@
     </inkml:brush>
   </inkml:definitions>
   <inkml:trace contextRef="#ctx0" brushRef="#br0">2692 115 24575,'-11'0'0,"-3"0"0,6 0 0,-6 0 0,1 0 0,-3 0 0,0 0 0,-1 0 0,1 0 0,4 0 0,-4 0 0,-1 0 0,4 0 0,-7 0 0,7 0 0,-3 0 0,0 0 0,0 0 0,-1 0 0,5 0 0,-3 0 0,2 0 0,-8-4 0,4 3 0,-9-11 0,4 10 0,-5-6 0,0 4 0,0 3 0,5-7 0,-3 3 0,2-3 0,1 3 0,-3-3 0,7 7 0,-8-7 0,9 3 0,-9 0 0,4-2 0,-5 6 0,0-7 0,5 7 0,-3-3 0,7 0 0,-7 3 0,7-2 0,-3 3 0,0 0 0,4 0 0,-4 0 0,4 0 0,1 0 0,4 0 0,-4 0 0,4 0 0,-4 0 0,-1 0 0,1 0 0,0 0 0,4 0 0,-4 0 0,-7 3 0,4-2 0,-7 6 0,5-2 0,3-1 0,-8 4 0,9-3 0,-9 4 0,-3 3 0,0-2 0,0 2 0,3-3 0,-1 0 0,-2 0 0,-3 0 0,5 4 0,0 1 0,1 0 0,-1 3 0,0-7 0,0 7 0,0-3 0,1 3 0,3-3 0,-2 3 0,3-4 0,-5 5 0,0 0 0,5-1 0,-4 1 0,9-5 0,-9 4 0,9-4 0,-9 4 0,-4 4 0,6-3 0,-4 3 0,7-8 0,4 2 0,-4-2 0,4 4 0,1-1 0,0 0 0,0 1 0,-1-1 0,1 0 0,0 1 0,3-1 0,-3 0 0,4 1 0,-5-5 0,5 4 0,-4-4 0,3 9 0,-3-3 0,2 3 0,-9 7 0,8-4 0,-7 10 0,6-7 0,2-5 0,1 4 0,0-4 0,0 4 0,4 1 0,-8 0 0,7 0 0,-3-5 0,0 4 0,4-4 0,-4 0 0,4 4 0,5-9 0,-4 9 0,3-9 0,0 4 0,-2 0 0,6-3 0,-7 19 0,3-16 0,0 16 0,-2-14 0,6-1 0,-7 3 0,7-7 0,-7 8 0,7-9 0,-3 9 0,4-9 0,0 9 0,0-9 0,0 9 0,0-4 0,-4 5 0,3 5 0,-3-4 0,0 4 0,3-5 0,-8 5 0,8-3 0,-3 3 0,0-5 0,3-5 0,-3 4 0,4-9 0,0 4 0,0 0 0,0-4 0,0 9 0,0-4 0,0 5 0,0 5 0,0-3 0,0 3 0,0-5 0,0-1 0,0-3 0,0 2 0,0-7 0,0 7 0,0-7 0,0 3 0,0 0 0,0-4 0,0 4 0,0-4 0,0 4 0,0-4 0,0 4 0,0 0 0,0-3 0,0 7 0,0-7 0,0 19 0,0-12 0,0 14 0,0-12 0,0 0 0,0 0 0,0 0 0,0-1 0,4 1 0,1 0 0,4 0 0,0-1 0,0 1 0,0 0 0,0 5 0,0-8 0,0 7 0,4-9 0,-4 0 0,4-1 0,-5 0 0,0-4 0,1 4 0,-1-8 0,0 2 0,-1-3 0,1 4 0,4 1 0,2 4 0,-2-4 0,4 4 0,-2 0 0,2-4 0,1 4 0,0 0 0,0-3 0,4 3 0,-3-4 0,3 0 0,-5-1 0,5-3 0,-7 3 0,6-7 0,-11 2 0,2-3 0,-4-1 0,1 1 0,-1-1 0,0 1 0,1 2 0,-1-2 0,1 0 0,-1-2 0,6-5 0,0 2 0,4 1 0,0 1 0,-1 6 0,0-2 0,1 3 0,4 1 0,-4-4 0,4 7 0,0-7 0,-4 7 0,9-3 0,-9 0 0,4 3 0,-4-7 0,-1 3 0,0-4 0,1 1 0,-5-2 0,3 1 0,-6 0 0,2-4 0,-4 3 0,5-3 0,-4 4 0,3-4 0,1 3 0,-4-3 0,3 4 0,1 0 0,-4-1 0,7-2 0,-6 1 0,6-1 0,-3 2 0,5 2 0,-5-2 0,3-2 0,-6 1 0,6-5 0,-3 6 0,1-3 0,2 1 0,-6-2 0,6 1 0,-7-4 0,7 8 0,-6-7 0,6 6 0,-7-6 0,8 6 0,-4-6 0,4 3 0,1-1 0,-1-2 0,0 6 0,1-6 0,6 6 0,-5-2 0,2 3 0,-5-4 0,-6 3 0,6-6 0,-7 5 0,7-5 0,-2 2 0,3-3 0,0 0 0,1 0 0,4 0 0,1 0 0,5 4 0,0-3 0,-1 3 0,1 0 0,0 1 0,0 0 0,0 3 0,-5-7 0,3 7 0,-2-7 0,-1 7 0,-1-8 0,-9 4 0,3-4 0,-6 0 0,2 0 0,-4 0 0,1 0 0,-1 0 0,0 0 0,5 0 0,5 0 0,0 0 0,9 0 0,-4 0 0,5 0 0,-5 0 0,4 0 0,-9 0 0,9 0 0,-9 0 0,4 0 0,-4 0 0,-1 0 0,0 4 0,1-3 0,-1 2 0,5-3 0,-4 0 0,4 0 0,-4 0 0,-1 0 0,5 0 0,-3 4 0,7-3 0,-7 2 0,13-3 0,-8 0 0,15 0 0,-10 0 0,10 0 0,-10 0 0,9 0 0,-8 0 0,3 0 0,0 0 0,-8 0 0,7 4 0,8-3 0,-8 3 0,13-4 0,-11 0 0,0 0 0,1 0 0,3 0 0,-3 0 0,0 0 0,3-4 0,-3-1 0,-1-5 0,5 1 0,-5-1 0,6-4 0,0 3 0,0-7 0,0 7 0,-5-7 0,4 8 0,-10-7 0,9 6 0,-8-6 0,8 2 0,-9 1 0,5-4 0,-7 8 0,1-6 0,0 6 0,0-7 0,5 2 0,-4-3 0,10-1 0,-10 1 0,10-2 0,-10 2 0,5-5 0,0 3 0,-3-8 0,3 3 0,-3-4 0,-1-1 0,-5 2 0,4-1 0,-8-3 0,4-3 0,-5-4 0,10-23 0,-7 17 0,7-17 0,-14 23 0,-2 5 0,1-3 0,-3 8 0,2-3 0,-4 5 0,0-5 0,0 4 0,1-4 0,-1-1 0,0 0 0,6-6 0,-5 0 0,4 0 0,-4 0 0,0 0 0,-1 6 0,-3 1 0,2-1 0,-3 5 0,0-4 0,8-12 0,-11 13 0,6-14 0,-4 13 0,-3 4 0,4-4 0,-5-1 0,0 5 0,0-4 0,0 5 0,0 0 0,0 0 0,4 1 0,-3-7 0,3 5 0,-4-9 0,0 8 0,0-8 0,0 9 0,0-10 0,0 5 0,0-1 0,0-10 0,0 14 0,0-9 0,0 13 0,0 3 0,0-2 0,0 3 0,0-5 0,0 0 0,0-5 0,0 4 0,-4-5 0,3 1 0,-7 4 0,7-10 0,-8 5 0,8-6 0,-7 5 0,7-3 0,-7 3 0,2-5 0,-3 5 0,0 2 0,0 5 0,-4-11 0,3 8 0,-6-4 0,5 3 0,-1 12 0,7-12 0,-2 9 0,2-5 0,-4 0 0,0 0 0,0 0 0,0 5 0,0-4 0,1 9 0,-4-4 0,-1 8 0,-3-2 0,0 6 0,-1-3 0,1 4 0,0 0 0,4 0 0,-4 0 0,8 0 0,0-5 0,1 4 0,7-7 0,-11 3 0,6-3 0,-11 0 0,7 3 0,-6-2 0,7 7 0,-4-8 0,1 8 0,2-4 0,-2 4 0,3 1 0,-3 3 0,3-3 0,-8 7 0,8-7 0,-7 3 0,6-1 0,-6-2 0,3 6 0,-1-6 0,-2 3 0,7-4 0,-8 4 0,8-3 0,-3 3 0,-1-3 0,4-1 0,-4 1 0,5-1 0,-4 0 0,2 1 0,-2-1 0,0 4 0,2-2 0,-2 2 0,0-1 0,2 2 0,-2 0 0,4 2 0,-1-2 0,1 0 0,0 2 0,-1-3 0,1 4 0,-1-3 0,-3 2 0,3-5 0,-4 2 0,1 0 0,3-3 0,-8 3 0,8-4 0,-7 0 0,-1 1 0,3-1 0,-2 1 0,4-1 0,3 4 0,-4-3 0,1 6 0,3-6 0,-8 3 0,4 0 0,0-3 0,-4 2 0,4 1 0,0-3 0,-4 7 0,11-7 0,-9 6 0,9-2 0,-7 0 0,5 2 0,-4-6 0,-2 6 0,1-3 0,1 1 0,-8-1 0,9-1 0,-13 2 0,11-1 0,0 3 0,-4-2 0,4 3 0,0-4 0,-4 4 0,4-4 0,-4 4 0,-1 0 0,1-3 0,0 2 0,-1-3 0,1 4 0,4 0 0,-4 0 0,8 0 0,-7 0 0,2 0 0,1 0 0,-11 0 0,9 0 0,-9-3 0,2 2 0,3-3 0,-3 0 0,0 4 0,4-4 0,-4 4 0,9-3 0,0 2 0,5-2 0,-1 3 0,1 0 0,0 0 0,0 0 0,0 0 0,0 0 0,-5 0 0,4 0 0,-3 0 0,3 0 0,1 0 0,0 0 0,0 0 0,0 0 0,1 0 0,-2 0 0,1 0 0,0 3 0,0-3 0,-5 7 0,0-6 0,-4 6 0,3-3 0,2 1 0,4-2 0,-1 0 0,1-2 0,0 3 0,2-4 0,2 0 0</inkml:trace>
+</inkml:ink>
+</file>
+
+<file path=ppt/ink/ink110.xml><?xml version="1.0" encoding="utf-8"?>
+<inkml:ink xmlns:inkml="http://www.w3.org/2003/InkML">
+  <inkml:definitions>
+    <inkml:context xml:id="ctx0">
+      <inkml:inkSource xml:id="inkSrc0">
+        <inkml:traceFormat>
+          <inkml:channel name="X" type="integer" min="-2.14748E9" max="2.14748E9" units="cm"/>
+          <inkml:channel name="Y" type="integer" min="-2.14748E9" max="2.14748E9" units="cm"/>
+          <inkml:channel name="F" type="integer" max="32767" units="dev"/>
+        </inkml:traceFormat>
+        <inkml:channelProperties>
+          <inkml:channelProperty channel="X" name="resolution" value="1000" units="1/cm"/>
+          <inkml:channelProperty channel="Y" name="resolution" value="1000" units="1/cm"/>
+          <inkml:channelProperty channel="F" name="resolution" value="0" units="1/dev"/>
+        </inkml:channelProperties>
+      </inkml:inkSource>
+      <inkml:timestamp xml:id="ts0" timeString="2022-06-20T17:01:16.248"/>
+    </inkml:context>
+    <inkml:brush xml:id="br0">
+      <inkml:brushProperty name="width" value="0.1" units="cm"/>
+      <inkml:brushProperty name="height" value="0.1" units="cm"/>
+    </inkml:brush>
+  </inkml:definitions>
+  <inkml:trace contextRef="#ctx0" brushRef="#br0">1119 1 24575,'-20'0'0,"-2"0"0,-17 0 0,-2 0 0,-9 0 0,-10 0 0,-13 0 0,-2 0 0,-9 0 0,22 0 0,-19 0 0,34 0 0,-21 0 0,35 0 0,-6 0 0,17 0 0,-6 0 0,14 0 0,-5 0 0,6 0 0,0 0 0,-8 0 0,5 0 0,-12 0 0,5 0 0,0 0 0,-5 0 0,12 0 0,-5 0 0,7 6 0,1-5 0,6 5 0,1-6 0</inkml:trace>
+</inkml:ink>
+</file>
+
+<file path=ppt/ink/ink111.xml><?xml version="1.0" encoding="utf-8"?>
+<inkml:ink xmlns:inkml="http://www.w3.org/2003/InkML">
+  <inkml:definitions>
+    <inkml:context xml:id="ctx0">
+      <inkml:inkSource xml:id="inkSrc0">
+        <inkml:traceFormat>
+          <inkml:channel name="X" type="integer" min="-2.14748E9" max="2.14748E9" units="cm"/>
+          <inkml:channel name="Y" type="integer" min="-2.14748E9" max="2.14748E9" units="cm"/>
+          <inkml:channel name="F" type="integer" max="32767" units="dev"/>
+        </inkml:traceFormat>
+        <inkml:channelProperties>
+          <inkml:channelProperty channel="X" name="resolution" value="1000" units="1/cm"/>
+          <inkml:channelProperty channel="Y" name="resolution" value="1000" units="1/cm"/>
+          <inkml:channelProperty channel="F" name="resolution" value="0" units="1/dev"/>
+        </inkml:channelProperties>
+      </inkml:inkSource>
+      <inkml:timestamp xml:id="ts0" timeString="2022-06-20T17:01:31.521"/>
+    </inkml:context>
+    <inkml:brush xml:id="br0">
+      <inkml:brushProperty name="width" value="0.1" units="cm"/>
+      <inkml:brushProperty name="height" value="0.1" units="cm"/>
+    </inkml:brush>
+  </inkml:definitions>
+  <inkml:trace contextRef="#ctx0" brushRef="#br0">1 402 24575,'59'0'0,"14"0"0,14 0-1312,-27 0 1,4 0 1311,-1 0 0,4 0-768,18 0 0,3 0 768,-10 0 0,5 0 0,0 0 0,7 0 0,-6 0 0,6 0 0,-1 0-399,-9 0 1,4 0 0,-5 0 398,1 0 0,-3 0 0,1 0 0,1 0-730,7 0 1,1 0 729,-5 0 0,-3 0 19,-11 0 1,-1 0-20,8 0 0,-2 0 0,-20 0 0,-1 0 0,18 0 0,0 0 0,-5 0 0,-4 0 0,-9 0 0,-1 0 1468,45 0-1468,-34 0 0,-2-7 2155,-13 5-2155,-14-5 1850,-6 7-1850,-13 0 1301,-1 0-1301,8 0 0,2-7 0,16 5 0,-7-4 0,16 6 0,-15-7 0,5 5 0,-7-4 0,-8 6 0,-2 0 0,-8 0 0,1 0 0,0 0 0,7-7 0,1 5 0,50-13 0,-13 13 0,25-13 0,-14 13 0,-18-5 0,7-1 0,1 7 0,-17-7 0,15 8 0,-26 0 0,16 0 0,-16 0 0,16 0 0,-7 0 0,9 0 0,-9 0 0,6 0 0,-14 0 0,-2 0 0,-2 0 0,-14 0 0,6 0 0,-7 0 0,-1 0 0,1 0 0,-1 0 0,8 0 0,2 0 0,16 0 0,2 0 0,0 0 0,-2 0 0,-9 0 0,0 0 0,-7 0 0,-2 0 0,-7 0 0,-1 0 0,1 0 0,15 0 0,5 0 0,16 0 0,-1 0 0,1 0 0,0 0 0,0 0 0,-9 0 0,-2 0 0,-16 0 0,-2 0 0,-8 0 0,1 0 0,0 0 0,7 0 0,2 0 0,7 0 0,0 0 0,0 0 0,1 0 0,-9 0 0,-1 0 0,-7 0 0,0 6 0,-1-4 0,0 4 0,0-6 0,0 0 0,0 0 0,1 0 0,0 0 0,-1 6 0,1-4 0,-6 9 0,-2-15 0,-6 3 0,-6-12 0,-2 0 0,-6-1 0,-7 0 0,-1-1 0,-2-7 0,-5 6 0,6-13 0,-1 6 0,3 0 0,0 1 0,5 8 0,1 0 0,3 0 0,5 7 0,0-5 0,-10 11 0,8-5 0,-10-8 0,5 11 0,0-10 0,0 13 0,7-7 0,-5 6 0,16-5 0,3 6 0,7 0 0,6 0 0,-7 6 0,1 1 0,0 7 0,-1 0 0,8 0 0,-5 0 0,5 0 0,-8 0 0,1 0 0,7 0 0,-5 0 0,5 0 0,-8 0 0,1-1 0,7 2 0,-6-2 0,7 2 0,-9-2 0,1 1 0,-1 0 0,-5-1 0,4-5 0,-5 4 0,6-5 0,0 0 0,-6 4 0,5-9 0,-5 4 0,0 0 0,-7 0 0,-1 7 0,-11 0 0,5 1 0,-7 0 0,1-1 0,-8 2 0,-2-1 0,-8 8 0,1 2 0,-9 0 0,7 4 0,-7-3 0,0 6 0,7-7 0,-16 7 0,16-7 0,-7 1 0,15 3 0,-5-4 0,6 0 0,-1 4 0,3-4 0,-1-1 0,12-2 0,-10-6 0,19-2 0,-12 1 0,12-1 0,-11-5 0,11-2 0,-4-6 0</inkml:trace>
+</inkml:ink>
+</file>
+
+<file path=ppt/ink/ink112.xml><?xml version="1.0" encoding="utf-8"?>
+<inkml:ink xmlns:inkml="http://www.w3.org/2003/InkML">
+  <inkml:definitions>
+    <inkml:context xml:id="ctx0">
+      <inkml:inkSource xml:id="inkSrc0">
+        <inkml:traceFormat>
+          <inkml:channel name="X" type="integer" min="-2.14748E9" max="2.14748E9" units="cm"/>
+          <inkml:channel name="Y" type="integer" min="-2.14748E9" max="2.14748E9" units="cm"/>
+          <inkml:channel name="F" type="integer" max="32767" units="dev"/>
+        </inkml:traceFormat>
+        <inkml:channelProperties>
+          <inkml:channelProperty channel="X" name="resolution" value="1000" units="1/cm"/>
+          <inkml:channelProperty channel="Y" name="resolution" value="1000" units="1/cm"/>
+          <inkml:channelProperty channel="F" name="resolution" value="0" units="1/dev"/>
+        </inkml:channelProperties>
+      </inkml:inkSource>
+      <inkml:timestamp xml:id="ts0" timeString="2022-06-20T17:34:34.037"/>
+    </inkml:context>
+    <inkml:brush xml:id="br0">
+      <inkml:brushProperty name="width" value="0.1" units="cm"/>
+      <inkml:brushProperty name="height" value="0.1" units="cm"/>
+    </inkml:brush>
+  </inkml:definitions>
+  <inkml:trace contextRef="#ctx0" brushRef="#br0">1 0 24575,'28'29'0,"9"-3"0,18 26 0,-18-25 0,25 36 0,-12-2-1067,9 9 1067,-18-20 0,-1 0 0,9 18 0,-15-24 0,0 1 0,23 31 0,-21-31 0,0 0 0,23 23 0,-21-24 0,0-1 0,9 12 261,18 10-261,-21-22 0,-10-2 0,-6-17 0,-11-3 0,4-7 806,0 1-806,-6-2 0,6-4 0,0 3 0,-5-4 0,5 0 0,-8 5 0,1-12 0,0 11 0,-1-4 0,1-1 0,0-1 0,-1-6 0,-5 7 0,4-6 0,-5 11 0,14-4 0,-5 6 0,12 1 0,-5 0 0,7 0 0,-7-1 0,5 1 0,-11 6 0,4-4 0,0 4 0,2 0 0,0-4 0,6 4 0,-13 1 0,12-6 0,-4 13 0,-1-6 0,6 8 0,-12-1 0,5 0 0,-1 0 0,-4-7 0,4 6 0,-7-14 0,1 14 0,-1-14 0,0 6 0,0-7 0,-1-1 0,1 1 0,-6 0 0,4-1 0,-11 1 0,11-6 0,-10 3 0,10-9 0,-11 10 0,11-5 0,-5 7 0,7 0 0,-6-1 0,4 1 0,-5 0 0,7-1 0,-6 1 0,4-6 0,-11 4 0,11-11 0,-5 5 0,5-6 0,-5 6 0,5-5 0,-5 11 0,6-5 0,-1 5 0,1 1 0,-6-11 0,-1-4 0,-6-17 0,0 5 0,0-14 0,0 6 0,0-9 0,0 1 0,0-9 0,0 7 0,0-7 0,0 0 0,0 6 0,0 2 0,0 3 0,0 12 0,0-5 0,0 8 0,0 0 0,0-6 0,0 5 0,0-13 0,0 4 0,0 1 0,0-7 0,0 14 0,0-6 0,0 0 0,0-2 0,0 0 0,0-6 0,0 14 0,0-6 0,0 7 0,0 1 0,0-1 0,0 1 0,0 1 0,0-1 0,6 5 0,-5-3 0,5 4 0,-6-6 0,0 0 0,0-1 0,0 0 0,7-5 0,0 3 0,1-11 0,-2 12 0,0-6 0,-5 7 0,6 1 0,-2 6 0,-4 2 0,5 5 0</inkml:trace>
+</inkml:ink>
+</file>
+
+<file path=ppt/ink/ink113.xml><?xml version="1.0" encoding="utf-8"?>
+<inkml:ink xmlns:inkml="http://www.w3.org/2003/InkML">
+  <inkml:definitions>
+    <inkml:context xml:id="ctx0">
+      <inkml:inkSource xml:id="inkSrc0">
+        <inkml:traceFormat>
+          <inkml:channel name="X" type="integer" min="-2.14748E9" max="2.14748E9" units="cm"/>
+          <inkml:channel name="Y" type="integer" min="-2.14748E9" max="2.14748E9" units="cm"/>
+          <inkml:channel name="F" type="integer" max="32767" units="dev"/>
+        </inkml:traceFormat>
+        <inkml:channelProperties>
+          <inkml:channelProperty channel="X" name="resolution" value="1000" units="1/cm"/>
+          <inkml:channelProperty channel="Y" name="resolution" value="1000" units="1/cm"/>
+          <inkml:channelProperty channel="F" name="resolution" value="0" units="1/dev"/>
+        </inkml:channelProperties>
+      </inkml:inkSource>
+      <inkml:timestamp xml:id="ts0" timeString="2022-06-20T17:34:34.038"/>
+    </inkml:context>
+    <inkml:brush xml:id="br0">
+      <inkml:brushProperty name="width" value="0.1" units="cm"/>
+      <inkml:brushProperty name="height" value="0.1" units="cm"/>
+    </inkml:brush>
+  </inkml:definitions>
+  <inkml:trace contextRef="#ctx0" brushRef="#br0">1119 1 24575,'-20'0'0,"-2"0"0,-17 0 0,-2 0 0,-9 0 0,-10 0 0,-13 0 0,-2 0 0,-9 0 0,22 0 0,-19 0 0,34 0 0,-21 0 0,35 0 0,-6 0 0,17 0 0,-6 0 0,14 0 0,-5 0 0,6 0 0,0 0 0,-8 0 0,5 0 0,-12 0 0,5 0 0,0 0 0,-5 0 0,12 0 0,-5 0 0,7 6 0,1-5 0,6 5 0,1-6 0</inkml:trace>
 </inkml:ink>
 </file>
 
@@ -1191,14 +1581,14 @@
           <inkml:channelProperty channel="F" name="resolution" value="0" units="1/dev"/>
         </inkml:channelProperties>
       </inkml:inkSource>
-      <inkml:timestamp xml:id="ts0" timeString="2022-06-20T16:35:15.585"/>
+      <inkml:timestamp xml:id="ts0" timeString="2022-06-20T17:01:16.242"/>
     </inkml:context>
     <inkml:brush xml:id="br0">
       <inkml:brushProperty name="width" value="0.1" units="cm"/>
       <inkml:brushProperty name="height" value="0.1" units="cm"/>
     </inkml:brush>
   </inkml:definitions>
-  <inkml:trace contextRef="#ctx0" brushRef="#br0">2692 115 24575,'-11'0'0,"-3"0"0,6 0 0,-6 0 0,1 0 0,-3 0 0,0 0 0,-1 0 0,1 0 0,4 0 0,-4 0 0,-1 0 0,4 0 0,-7 0 0,7 0 0,-3 0 0,0 0 0,0 0 0,-1 0 0,5 0 0,-3 0 0,2 0 0,-8-4 0,4 3 0,-9-11 0,4 10 0,-5-6 0,0 4 0,0 3 0,5-7 0,-3 3 0,2-3 0,1 3 0,-3-3 0,7 7 0,-8-7 0,9 3 0,-9 0 0,4-2 0,-5 6 0,0-7 0,5 7 0,-3-3 0,7 0 0,-7 3 0,7-2 0,-3 3 0,0 0 0,4 0 0,-4 0 0,4 0 0,1 0 0,4 0 0,-4 0 0,4 0 0,-4 0 0,-1 0 0,1 0 0,0 0 0,4 0 0,-4 0 0,-7 3 0,4-2 0,-7 6 0,5-2 0,3-1 0,-8 4 0,9-3 0,-9 4 0,-3 3 0,0-2 0,0 2 0,3-3 0,-1 0 0,-2 0 0,-3 0 0,5 4 0,0 1 0,1 0 0,-1 3 0,0-7 0,0 7 0,0-3 0,1 3 0,3-3 0,-2 3 0,3-4 0,-5 5 0,0 0 0,5-1 0,-4 1 0,9-5 0,-9 4 0,9-4 0,-9 4 0,-4 4 0,6-3 0,-4 3 0,7-8 0,4 2 0,-4-2 0,4 4 0,1-1 0,0 0 0,0 1 0,-1-1 0,1 0 0,0 1 0,3-1 0,-3 0 0,4 1 0,-5-5 0,5 4 0,-4-4 0,3 9 0,-3-3 0,2 3 0,-9 7 0,8-4 0,-7 10 0,6-7 0,2-5 0,1 4 0,0-4 0,0 4 0,4 1 0,-8 0 0,7 0 0,-3-5 0,0 4 0,4-4 0,-4 0 0,4 4 0,5-9 0,-4 9 0,3-9 0,0 4 0,-2 0 0,6-3 0,-7 19 0,3-16 0,0 16 0,-2-14 0,6-1 0,-7 3 0,7-7 0,-7 8 0,7-9 0,-3 9 0,4-9 0,0 9 0,0-9 0,0 9 0,0-4 0,-4 5 0,3 5 0,-3-4 0,0 4 0,3-5 0,-8 5 0,8-3 0,-3 3 0,0-5 0,3-5 0,-3 4 0,4-9 0,0 4 0,0 0 0,0-4 0,0 9 0,0-4 0,0 5 0,0 5 0,0-3 0,0 3 0,0-5 0,0-1 0,0-3 0,0 2 0,0-7 0,0 7 0,0-7 0,0 3 0,0 0 0,0-4 0,0 4 0,0-4 0,0 4 0,0-4 0,0 4 0,0 0 0,0-3 0,0 7 0,0-7 0,0 19 0,0-12 0,0 14 0,0-12 0,0 0 0,0 0 0,0 0 0,0-1 0,4 1 0,1 0 0,4 0 0,0-1 0,0 1 0,0 0 0,0 5 0,0-8 0,0 7 0,4-9 0,-4 0 0,4-1 0,-5 0 0,0-4 0,1 4 0,-1-8 0,0 2 0,-1-3 0,1 4 0,4 1 0,2 4 0,-2-4 0,4 4 0,-2 0 0,2-4 0,1 4 0,0 0 0,0-3 0,4 3 0,-3-4 0,3 0 0,-5-1 0,5-3 0,-7 3 0,6-7 0,-11 2 0,2-3 0,-4-1 0,1 1 0,-1-1 0,0 1 0,1 2 0,-1-2 0,1 0 0,-1-2 0,6-5 0,0 2 0,4 1 0,0 1 0,-1 6 0,0-2 0,1 3 0,4 1 0,-4-4 0,4 7 0,0-7 0,-4 7 0,9-3 0,-9 0 0,4 3 0,-4-7 0,-1 3 0,0-4 0,1 1 0,-5-2 0,3 1 0,-6 0 0,2-4 0,-4 3 0,5-3 0,-4 4 0,3-4 0,1 3 0,-4-3 0,3 4 0,1 0 0,-4-1 0,7-2 0,-6 1 0,6-1 0,-3 2 0,5 2 0,-5-2 0,3-2 0,-6 1 0,6-5 0,-3 6 0,1-3 0,2 1 0,-6-2 0,6 1 0,-7-4 0,7 8 0,-6-7 0,6 6 0,-7-6 0,8 6 0,-4-6 0,4 3 0,1-1 0,-1-2 0,0 6 0,1-6 0,6 6 0,-5-2 0,2 3 0,-5-4 0,-6 3 0,6-6 0,-7 5 0,7-5 0,-2 2 0,3-3 0,0 0 0,1 0 0,4 0 0,1 0 0,5 4 0,0-3 0,-1 3 0,1 0 0,0 1 0,0 0 0,0 3 0,-5-7 0,3 7 0,-2-7 0,-1 7 0,-1-8 0,-9 4 0,3-4 0,-6 0 0,2 0 0,-4 0 0,1 0 0,-1 0 0,0 0 0,5 0 0,5 0 0,0 0 0,9 0 0,-4 0 0,5 0 0,-5 0 0,4 0 0,-9 0 0,9 0 0,-9 0 0,4 0 0,-4 0 0,-1 0 0,0 4 0,1-3 0,-1 2 0,5-3 0,-4 0 0,4 0 0,-4 0 0,-1 0 0,5 0 0,-3 4 0,7-3 0,-7 2 0,13-3 0,-8 0 0,15 0 0,-10 0 0,10 0 0,-10 0 0,9 0 0,-8 0 0,3 0 0,0 0 0,-8 0 0,7 4 0,8-3 0,-8 3 0,13-4 0,-11 0 0,0 0 0,1 0 0,3 0 0,-3 0 0,0 0 0,3-4 0,-3-1 0,-1-5 0,5 1 0,-5-1 0,6-4 0,0 3 0,0-7 0,0 7 0,-5-7 0,4 8 0,-10-7 0,9 6 0,-8-6 0,8 2 0,-9 1 0,5-4 0,-7 8 0,1-6 0,0 6 0,0-7 0,5 2 0,-4-3 0,10-1 0,-10 1 0,10-2 0,-10 2 0,5-5 0,0 3 0,-3-8 0,3 3 0,-3-4 0,-1-1 0,-5 2 0,4-1 0,-8-3 0,4-3 0,-5-4 0,10-23 0,-7 17 0,7-17 0,-14 23 0,-2 5 0,1-3 0,-3 8 0,2-3 0,-4 5 0,0-5 0,0 4 0,1-4 0,-1-1 0,0 0 0,6-6 0,-5 0 0,4 0 0,-4 0 0,0 0 0,-1 6 0,-3 1 0,2-1 0,-3 5 0,0-4 0,8-12 0,-11 13 0,6-14 0,-4 13 0,-3 4 0,4-4 0,-5-1 0,0 5 0,0-4 0,0 5 0,0 0 0,0 0 0,4 1 0,-3-7 0,3 5 0,-4-9 0,0 8 0,0-8 0,0 9 0,0-10 0,0 5 0,0-1 0,0-10 0,0 14 0,0-9 0,0 13 0,0 3 0,0-2 0,0 3 0,0-5 0,0 0 0,0-5 0,0 4 0,-4-5 0,3 1 0,-7 4 0,7-10 0,-8 5 0,8-6 0,-7 5 0,7-3 0,-7 3 0,2-5 0,-3 5 0,0 2 0,0 5 0,-4-11 0,3 8 0,-6-4 0,5 3 0,-1 12 0,7-12 0,-2 9 0,2-5 0,-4 0 0,0 0 0,0 0 0,0 5 0,0-4 0,1 9 0,-4-4 0,-1 8 0,-3-2 0,0 6 0,-1-3 0,1 4 0,0 0 0,4 0 0,-4 0 0,8 0 0,0-5 0,1 4 0,7-7 0,-11 3 0,6-3 0,-11 0 0,7 3 0,-6-2 0,7 7 0,-4-8 0,1 8 0,2-4 0,-2 4 0,3 1 0,-3 3 0,3-3 0,-8 7 0,8-7 0,-7 3 0,6-1 0,-6-2 0,3 6 0,-1-6 0,-2 3 0,7-4 0,-8 4 0,8-3 0,-3 3 0,-1-3 0,4-1 0,-4 1 0,5-1 0,-4 0 0,2 1 0,-2-1 0,0 4 0,2-2 0,-2 2 0,0-1 0,2 2 0,-2 0 0,4 2 0,-1-2 0,1 0 0,0 2 0,-1-3 0,1 4 0,-1-3 0,-3 2 0,3-5 0,-4 2 0,1 0 0,3-3 0,-8 3 0,8-4 0,-7 0 0,-1 1 0,3-1 0,-2 1 0,4-1 0,3 4 0,-4-3 0,1 6 0,3-6 0,-8 3 0,4 0 0,0-3 0,-4 2 0,4 1 0,0-3 0,-4 7 0,11-7 0,-9 6 0,9-2 0,-7 0 0,5 2 0,-4-6 0,-2 6 0,1-3 0,1 1 0,-8-1 0,9-1 0,-13 2 0,11-1 0,0 3 0,-4-2 0,4 3 0,0-4 0,-4 4 0,4-4 0,-4 4 0,-1 0 0,1-3 0,0 2 0,-1-3 0,1 4 0,4 0 0,-4 0 0,8 0 0,-7 0 0,2 0 0,1 0 0,-11 0 0,9 0 0,-9-3 0,2 2 0,3-3 0,-3 0 0,0 4 0,4-4 0,-4 4 0,9-3 0,0 2 0,5-2 0,-1 3 0,1 0 0,0 0 0,0 0 0,0 0 0,0 0 0,-5 0 0,4 0 0,-3 0 0,3 0 0,1 0 0,0 0 0,0 0 0,0 0 0,1 0 0,-2 0 0,1 0 0,0 3 0,0-3 0,-5 7 0,0-6 0,-4 6 0,3-3 0,2 1 0,4-2 0,-1 0 0,1-2 0,0 3 0,2-4 0,2 0 0</inkml:trace>
+  <inkml:trace contextRef="#ctx0" brushRef="#br0">2692 4035 24575,'-11'0'0,"-3"0"0,6 0 0,-6 0 0,1 0 0,-3 0 0,0 0 0,-1 0 0,1 0 0,4 0 0,-4 0 0,-1 0 0,4 0 0,-7 0 0,7 0 0,-3 0 0,0 0 0,0 0 0,-1 0 0,5 0 0,-3 0 0,2 0 0,-8 4 0,4-3 0,-9 11 0,4-10 0,-5 6 0,0-4 0,0-3 0,5 7 0,-3-3 0,2 3 0,1-3 0,-3 3 0,7-7 0,-8 7 0,9-3 0,-9 0 0,4 2 0,-5-6 0,0 7 0,5-7 0,-3 3 0,7 0 0,-7-3 0,7 2 0,-3-3 0,0 0 0,4 0 0,-4 0 0,4 0 0,1 0 0,4 0 0,-4 0 0,4 0 0,-4 0 0,-1 0 0,1 0 0,0 0 0,4 0 0,-4 0 0,-7-3 0,4 2 0,-7-6 0,5 2 0,3 1 0,-8-4 0,9 3 0,-9-4 0,-3-3 0,0 2 0,0-2 0,3 3 0,-1 0 0,-2 0 0,-3 0 0,5-4 0,0-1 0,1 0 0,-1-3 0,0 7 0,0-7 0,0 3 0,1-3 0,3 3 0,-2-3 0,3 4 0,-5-5 0,0 0 0,5 1 0,-4-1 0,9 5 0,-9-4 0,9 4 0,-9-4 0,-4-4 0,6 3 0,-4-3 0,7 8 0,4-2 0,-4 2 0,4-4 0,1 1 0,0 0 0,0-1 0,-1 1 0,1 0 0,0-1 0,3 1 0,-3 0 0,4-1 0,-5 5 0,5-4 0,-4 4 0,3-9 0,-3 3 0,2-3 0,-9-7 0,8 4 0,-7-10 0,6 7 0,2 5 0,1-4 0,0 4 0,0-4 0,4-1 0,-8 0 0,7 0 0,-3 5 0,0-4 0,4 4 0,-4 0 0,4-4 0,5 9 0,-4-9 0,3 9 0,0-4 0,-2 0 0,6 3 0,-7-19 0,3 16 0,0-16 0,-2 14 0,6 1 0,-7-3 0,7 7 0,-7-8 0,7 9 0,-3-9 0,4 9 0,0-9 0,0 9 0,0-9 0,0 4 0,-4-5 0,3-5 0,-3 4 0,0-4 0,3 5 0,-8-5 0,8 3 0,-3-3 0,0 5 0,3 5 0,-3-4 0,4 9 0,0-4 0,0 0 0,0 4 0,0-9 0,0 4 0,0-5 0,0-5 0,0 3 0,0-3 0,0 5 0,0 1 0,0 3 0,0-2 0,0 7 0,0-7 0,0 7 0,0-3 0,0 0 0,0 4 0,0-4 0,0 4 0,0-4 0,0 4 0,0-4 0,0 0 0,0 3 0,0-7 0,0 7 0,0-19 0,0 12 0,0-14 0,0 12 0,0 0 0,0 0 0,0 0 0,0 1 0,4-1 0,1 0 0,4 0 0,0 1 0,0-1 0,0 0 0,0-5 0,0 8 0,0-7 0,4 9 0,-4 0 0,4 1 0,-5 0 0,0 4 0,1-4 0,-1 8 0,0-2 0,-1 3 0,1-4 0,4-1 0,2-4 0,-2 4 0,4-4 0,-2 0 0,2 4 0,1-4 0,0 0 0,0 3 0,4-3 0,-3 4 0,3 0 0,-5 1 0,5 3 0,-7-3 0,6 7 0,-11-2 0,2 3 0,-4 1 0,1-1 0,-1 1 0,0-1 0,1-2 0,-1 2 0,1 0 0,-1 2 0,6 5 0,0-2 0,4-1 0,0-1 0,-1-6 0,0 2 0,1-3 0,4-1 0,-4 4 0,4-7 0,0 7 0,-4-7 0,9 3 0,-9 0 0,4-3 0,-4 7 0,-1-3 0,0 4 0,1-1 0,-5 2 0,3-1 0,-6 0 0,2 4 0,-4-3 0,5 3 0,-4-4 0,3 4 0,1-3 0,-4 3 0,3-4 0,1 0 0,-4 1 0,7 2 0,-6-1 0,6 1 0,-3-2 0,5-2 0,-5 2 0,3 2 0,-6-1 0,6 5 0,-3-6 0,1 3 0,2-1 0,-6 2 0,6-1 0,-7 4 0,7-8 0,-6 7 0,6-6 0,-7 6 0,8-6 0,-4 6 0,4-3 0,1 1 0,-1 2 0,0-6 0,1 6 0,6-6 0,-5 2 0,2-3 0,-5 4 0,-6-3 0,6 6 0,-7-5 0,7 5 0,-2-2 0,3 3 0,0 0 0,1 0 0,4 0 0,1 0 0,5-4 0,0 3 0,-1-3 0,1 0 0,0-1 0,0 0 0,0-3 0,-5 7 0,3-7 0,-2 7 0,-1-7 0,-1 8 0,-9-4 0,3 4 0,-6 0 0,2 0 0,-4 0 0,1 0 0,-1 0 0,0 0 0,5 0 0,5 0 0,0 0 0,9 0 0,-4 0 0,5 0 0,-5 0 0,4 0 0,-9 0 0,9 0 0,-9 0 0,4 0 0,-4 0 0,-1 0 0,0-4 0,1 3 0,-1-2 0,5 3 0,-4 0 0,4 0 0,-4 0 0,-1 0 0,5 0 0,-3-4 0,7 3 0,-7-2 0,13 3 0,-8 0 0,15 0 0,-10 0 0,10 0 0,-10 0 0,9 0 0,-8 0 0,3 0 0,0 0 0,-8 0 0,7-4 0,8 3 0,-8-3 0,13 4 0,-11 0 0,0 0 0,1 0 0,3 0 0,-3 0 0,0 0 0,3 4 0,-3 1 0,-1 5 0,5-1 0,-5 1 0,6 4 0,0-3 0,0 7 0,0-7 0,-5 7 0,4-8 0,-10 7 0,9-6 0,-8 6 0,8-2 0,-9-1 0,5 4 0,-7-8 0,1 6 0,0-6 0,0 7 0,5-2 0,-4 3 0,10 1 0,-10-1 0,10 2 0,-10-2 0,5 5 0,0-3 0,-3 8 0,3-3 0,-3 4 0,-1 1 0,-5-2 0,4 1 0,-8 3 0,4 3 0,-5 4 0,10 23 0,-7-17 0,7 17 0,-14-23 0,-2-5 0,1 3 0,-3-8 0,2 3 0,-4-5 0,0 5 0,0-4 0,1 4 0,-1 1 0,0 0 0,6 6 0,-5 0 0,4 0 0,-4 0 0,0 0 0,-1-6 0,-3-1 0,2 1 0,-3-5 0,0 4 0,8 12 0,-11-13 0,6 14 0,-4-13 0,-3-4 0,4 4 0,-5 1 0,0-5 0,0 4 0,0-5 0,0 0 0,0 0 0,4-1 0,-3 7 0,3-5 0,-4 9 0,0-8 0,0 8 0,0-9 0,0 10 0,0-5 0,0 1 0,0 10 0,0-14 0,0 9 0,0-13 0,0-3 0,0 2 0,0-3 0,0 5 0,0 0 0,0 5 0,0-4 0,-4 5 0,3-1 0,-7-4 0,7 10 0,-8-5 0,8 6 0,-7-5 0,7 3 0,-7-3 0,2 5 0,-3-5 0,0-2 0,0-5 0,-4 11 0,3-8 0,-6 4 0,5-3 0,-1-12 0,7 12 0,-2-9 0,2 5 0,-4 0 0,0 0 0,0 0 0,0-5 0,0 4 0,1-9 0,-4 4 0,-1-8 0,-3 2 0,0-6 0,-1 3 0,1-4 0,0 0 0,4 0 0,-4 0 0,8 0 0,0 5 0,1-4 0,7 7 0,-11-3 0,6 3 0,-11 0 0,7-3 0,-6 2 0,7-7 0,-4 8 0,1-8 0,2 4 0,-2-4 0,3-1 0,-3-3 0,3 3 0,-8-7 0,8 7 0,-7-3 0,6 1 0,-6 2 0,3-6 0,-1 6 0,-2-3 0,7 4 0,-8-4 0,8 3 0,-3-3 0,-1 3 0,4 1 0,-4-1 0,5 1 0,-4 0 0,2-1 0,-2 1 0,0-4 0,2 2 0,-2-2 0,0 1 0,2-2 0,-2 0 0,4-2 0,-1 2 0,1 0 0,0-2 0,-1 3 0,1-4 0,-1 3 0,-3-2 0,3 5 0,-4-2 0,1 0 0,3 3 0,-8-3 0,8 4 0,-7 0 0,-1-1 0,3 1 0,-2-1 0,4 1 0,3-4 0,-4 3 0,1-6 0,3 6 0,-8-3 0,4 0 0,0 3 0,-4-2 0,4-1 0,0 3 0,-4-7 0,11 7 0,-9-6 0,9 2 0,-7 0 0,5-2 0,-4 6 0,-2-6 0,1 3 0,1-1 0,-8 1 0,9 1 0,-13-2 0,11 1 0,0-3 0,-4 2 0,4-3 0,0 4 0,-4-4 0,4 4 0,-4-4 0,-1 0 0,1 3 0,0-2 0,-1 3 0,1-4 0,4 0 0,-4 0 0,8 0 0,-7 0 0,2 0 0,1 0 0,-11 0 0,9 0 0,-9 3 0,2-2 0,3 3 0,-3 0 0,0-4 0,4 4 0,-4-4 0,9 3 0,0-2 0,5 2 0,-1-3 0,1 0 0,0 0 0,0 0 0,0 0 0,0 0 0,-5 0 0,4 0 0,-3 0 0,3 0 0,1 0 0,0 0 0,0 0 0,0 0 0,1 0 0,-2 0 0,1 0 0,0-3 0,0 3 0,-5-7 0,0 6 0,-4-6 0,3 3 0,2-1 0,4 2 0,-1 0 0,1 2 0,0-3 0,2 4 0,2 0 0</inkml:trace>
 </inkml:ink>
 </file>
 
@@ -1218,14 +1608,14 @@
           <inkml:channelProperty channel="F" name="resolution" value="0" units="1/dev"/>
         </inkml:channelProperties>
       </inkml:inkSource>
-      <inkml:timestamp xml:id="ts0" timeString="2022-06-20T16:35:15.588"/>
+      <inkml:timestamp xml:id="ts0" timeString="2022-06-20T17:01:16.243"/>
     </inkml:context>
     <inkml:brush xml:id="br0">
       <inkml:brushProperty name="width" value="0.1" units="cm"/>
       <inkml:brushProperty name="height" value="0.1" units="cm"/>
     </inkml:brush>
   </inkml:definitions>
-  <inkml:trace contextRef="#ctx0" brushRef="#br0">2692 115 24575,'-11'0'0,"-3"0"0,6 0 0,-6 0 0,1 0 0,-3 0 0,0 0 0,-1 0 0,1 0 0,4 0 0,-4 0 0,-1 0 0,4 0 0,-7 0 0,7 0 0,-3 0 0,0 0 0,0 0 0,-1 0 0,5 0 0,-3 0 0,2 0 0,-8-4 0,4 3 0,-9-11 0,4 10 0,-5-6 0,0 4 0,0 3 0,5-7 0,-3 3 0,2-3 0,1 3 0,-3-3 0,7 7 0,-8-7 0,9 3 0,-9 0 0,4-2 0,-5 6 0,0-7 0,5 7 0,-3-3 0,7 0 0,-7 3 0,7-2 0,-3 3 0,0 0 0,4 0 0,-4 0 0,4 0 0,1 0 0,4 0 0,-4 0 0,4 0 0,-4 0 0,-1 0 0,1 0 0,0 0 0,4 0 0,-4 0 0,-7 3 0,4-2 0,-7 6 0,5-2 0,3-1 0,-8 4 0,9-3 0,-9 4 0,-3 3 0,0-2 0,0 2 0,3-3 0,-1 0 0,-2 0 0,-3 0 0,5 4 0,0 1 0,1 0 0,-1 3 0,0-7 0,0 7 0,0-3 0,1 3 0,3-3 0,-2 3 0,3-4 0,-5 5 0,0 0 0,5-1 0,-4 1 0,9-5 0,-9 4 0,9-4 0,-9 4 0,-4 4 0,6-3 0,-4 3 0,7-8 0,4 2 0,-4-2 0,4 4 0,1-1 0,0 0 0,0 1 0,-1-1 0,1 0 0,0 1 0,3-1 0,-3 0 0,4 1 0,-5-5 0,5 4 0,-4-4 0,3 9 0,-3-3 0,2 3 0,-9 7 0,8-4 0,-7 10 0,6-7 0,2-5 0,1 4 0,0-4 0,0 4 0,4 1 0,-8 0 0,7 0 0,-3-5 0,0 4 0,4-4 0,-4 0 0,4 4 0,5-9 0,-4 9 0,3-9 0,0 4 0,-2 0 0,6-3 0,-7 19 0,3-16 0,0 16 0,-2-14 0,6-1 0,-7 3 0,7-7 0,-7 8 0,7-9 0,-3 9 0,4-9 0,0 9 0,0-9 0,0 9 0,0-4 0,-4 5 0,3 5 0,-3-4 0,0 4 0,3-5 0,-8 5 0,8-3 0,-3 3 0,0-5 0,3-5 0,-3 4 0,4-9 0,0 4 0,0 0 0,0-4 0,0 9 0,0-4 0,0 5 0,0 5 0,0-3 0,0 3 0,0-5 0,0-1 0,0-3 0,0 2 0,0-7 0,0 7 0,0-7 0,0 3 0,0 0 0,0-4 0,0 4 0,0-4 0,0 4 0,0-4 0,0 4 0,0 0 0,0-3 0,0 7 0,0-7 0,0 19 0,0-12 0,0 14 0,0-12 0,0 0 0,0 0 0,0 0 0,0-1 0,4 1 0,1 0 0,4 0 0,0-1 0,0 1 0,0 0 0,0 5 0,0-8 0,0 7 0,4-9 0,-4 0 0,4-1 0,-5 0 0,0-4 0,1 4 0,-1-8 0,0 2 0,-1-3 0,1 4 0,4 1 0,2 4 0,-2-4 0,4 4 0,-2 0 0,2-4 0,1 4 0,0 0 0,0-3 0,4 3 0,-3-4 0,3 0 0,-5-1 0,5-3 0,-7 3 0,6-7 0,-11 2 0,2-3 0,-4-1 0,1 1 0,-1-1 0,0 1 0,1 2 0,-1-2 0,1 0 0,-1-2 0,6-5 0,0 2 0,4 1 0,0 1 0,-1 6 0,0-2 0,1 3 0,4 1 0,-4-4 0,4 7 0,0-7 0,-4 7 0,9-3 0,-9 0 0,4 3 0,-4-7 0,-1 3 0,0-4 0,1 1 0,-5-2 0,3 1 0,-6 0 0,2-4 0,-4 3 0,5-3 0,-4 4 0,3-4 0,1 3 0,-4-3 0,3 4 0,1 0 0,-4-1 0,7-2 0,-6 1 0,6-1 0,-3 2 0,5 2 0,-5-2 0,3-2 0,-6 1 0,6-5 0,-3 6 0,1-3 0,2 1 0,-6-2 0,6 1 0,-7-4 0,7 8 0,-6-7 0,6 6 0,-7-6 0,8 6 0,-4-6 0,4 3 0,1-1 0,-1-2 0,0 6 0,1-6 0,6 6 0,-5-2 0,2 3 0,-5-4 0,-6 3 0,6-6 0,-7 5 0,7-5 0,-2 2 0,3-3 0,0 0 0,1 0 0,4 0 0,1 0 0,5 4 0,0-3 0,-1 3 0,1 0 0,0 1 0,0 0 0,0 3 0,-5-7 0,3 7 0,-2-7 0,-1 7 0,-1-8 0,-9 4 0,3-4 0,-6 0 0,2 0 0,-4 0 0,1 0 0,-1 0 0,0 0 0,5 0 0,5 0 0,0 0 0,9 0 0,-4 0 0,5 0 0,-5 0 0,4 0 0,-9 0 0,9 0 0,-9 0 0,4 0 0,-4 0 0,-1 0 0,0 4 0,1-3 0,-1 2 0,5-3 0,-4 0 0,4 0 0,-4 0 0,-1 0 0,5 0 0,-3 4 0,7-3 0,-7 2 0,13-3 0,-8 0 0,15 0 0,-10 0 0,10 0 0,-10 0 0,9 0 0,-8 0 0,3 0 0,0 0 0,-8 0 0,7 4 0,8-3 0,-8 3 0,13-4 0,-11 0 0,0 0 0,1 0 0,3 0 0,-3 0 0,0 0 0,3-4 0,-3-1 0,-1-5 0,5 1 0,-5-1 0,6-4 0,0 3 0,0-7 0,0 7 0,-5-7 0,4 8 0,-10-7 0,9 6 0,-8-6 0,8 2 0,-9 1 0,5-4 0,-7 8 0,1-6 0,0 6 0,0-7 0,5 2 0,-4-3 0,10-1 0,-10 1 0,10-2 0,-10 2 0,5-5 0,0 3 0,-3-8 0,3 3 0,-3-4 0,-1-1 0,-5 2 0,4-1 0,-8-3 0,4-3 0,-5-4 0,10-23 0,-7 17 0,7-17 0,-14 23 0,-2 5 0,1-3 0,-3 8 0,2-3 0,-4 5 0,0-5 0,0 4 0,1-4 0,-1-1 0,0 0 0,6-6 0,-5 0 0,4 0 0,-4 0 0,0 0 0,-1 6 0,-3 1 0,2-1 0,-3 5 0,0-4 0,8-12 0,-11 13 0,6-14 0,-4 13 0,-3 4 0,4-4 0,-5-1 0,0 5 0,0-4 0,0 5 0,0 0 0,0 0 0,4 1 0,-3-7 0,3 5 0,-4-9 0,0 8 0,0-8 0,0 9 0,0-10 0,0 5 0,0-1 0,0-10 0,0 14 0,0-9 0,0 13 0,0 3 0,0-2 0,0 3 0,0-5 0,0 0 0,0-5 0,0 4 0,-4-5 0,3 1 0,-7 4 0,7-10 0,-8 5 0,8-6 0,-7 5 0,7-3 0,-7 3 0,2-5 0,-3 5 0,0 2 0,0 5 0,-4-11 0,3 8 0,-6-4 0,5 3 0,-1 12 0,7-12 0,-2 9 0,2-5 0,-4 0 0,0 0 0,0 0 0,0 5 0,0-4 0,1 9 0,-4-4 0,-1 8 0,-3-2 0,0 6 0,-1-3 0,1 4 0,0 0 0,4 0 0,-4 0 0,8 0 0,0-5 0,1 4 0,7-7 0,-11 3 0,6-3 0,-11 0 0,7 3 0,-6-2 0,7 7 0,-4-8 0,1 8 0,2-4 0,-2 4 0,3 1 0,-3 3 0,3-3 0,-8 7 0,8-7 0,-7 3 0,6-1 0,-6-2 0,3 6 0,-1-6 0,-2 3 0,7-4 0,-8 4 0,8-3 0,-3 3 0,-1-3 0,4-1 0,-4 1 0,5-1 0,-4 0 0,2 1 0,-2-1 0,0 4 0,2-2 0,-2 2 0,0-1 0,2 2 0,-2 0 0,4 2 0,-1-2 0,1 0 0,0 2 0,-1-3 0,1 4 0,-1-3 0,-3 2 0,3-5 0,-4 2 0,1 0 0,3-3 0,-8 3 0,8-4 0,-7 0 0,-1 1 0,3-1 0,-2 1 0,4-1 0,3 4 0,-4-3 0,1 6 0,3-6 0,-8 3 0,4 0 0,0-3 0,-4 2 0,4 1 0,0-3 0,-4 7 0,11-7 0,-9 6 0,9-2 0,-7 0 0,5 2 0,-4-6 0,-2 6 0,1-3 0,1 1 0,-8-1 0,9-1 0,-13 2 0,11-1 0,0 3 0,-4-2 0,4 3 0,0-4 0,-4 4 0,4-4 0,-4 4 0,-1 0 0,1-3 0,0 2 0,-1-3 0,1 4 0,4 0 0,-4 0 0,8 0 0,-7 0 0,2 0 0,1 0 0,-11 0 0,9 0 0,-9-3 0,2 2 0,3-3 0,-3 0 0,0 4 0,4-4 0,-4 4 0,9-3 0,0 2 0,5-2 0,-1 3 0,1 0 0,0 0 0,0 0 0,0 0 0,0 0 0,-5 0 0,4 0 0,-3 0 0,3 0 0,1 0 0,0 0 0,0 0 0,0 0 0,1 0 0,-2 0 0,1 0 0,0 3 0,0-3 0,-5 7 0,0-6 0,-4 6 0,3-3 0,2 1 0,4-2 0,-1 0 0,1-2 0,0 3 0,2-4 0,2 0 0</inkml:trace>
+  <inkml:trace contextRef="#ctx0" brushRef="#br0">2692 4035 24575,'-11'0'0,"-3"0"0,6 0 0,-6 0 0,1 0 0,-3 0 0,0 0 0,-1 0 0,1 0 0,4 0 0,-4 0 0,-1 0 0,4 0 0,-7 0 0,7 0 0,-3 0 0,0 0 0,0 0 0,-1 0 0,5 0 0,-3 0 0,2 0 0,-8 4 0,4-3 0,-9 11 0,4-10 0,-5 6 0,0-4 0,0-3 0,5 7 0,-3-3 0,2 3 0,1-3 0,-3 3 0,7-7 0,-8 7 0,9-3 0,-9 0 0,4 2 0,-5-6 0,0 7 0,5-7 0,-3 3 0,7 0 0,-7-3 0,7 2 0,-3-3 0,0 0 0,4 0 0,-4 0 0,4 0 0,1 0 0,4 0 0,-4 0 0,4 0 0,-4 0 0,-1 0 0,1 0 0,0 0 0,4 0 0,-4 0 0,-7-3 0,4 2 0,-7-6 0,5 2 0,3 1 0,-8-4 0,9 3 0,-9-4 0,-3-3 0,0 2 0,0-2 0,3 3 0,-1 0 0,-2 0 0,-3 0 0,5-4 0,0-1 0,1 0 0,-1-3 0,0 7 0,0-7 0,0 3 0,1-3 0,3 3 0,-2-3 0,3 4 0,-5-5 0,0 0 0,5 1 0,-4-1 0,9 5 0,-9-4 0,9 4 0,-9-4 0,-4-4 0,6 3 0,-4-3 0,7 8 0,4-2 0,-4 2 0,4-4 0,1 1 0,0 0 0,0-1 0,-1 1 0,1 0 0,0-1 0,3 1 0,-3 0 0,4-1 0,-5 5 0,5-4 0,-4 4 0,3-9 0,-3 3 0,2-3 0,-9-7 0,8 4 0,-7-10 0,6 7 0,2 5 0,1-4 0,0 4 0,0-4 0,4-1 0,-8 0 0,7 0 0,-3 5 0,0-4 0,4 4 0,-4 0 0,4-4 0,5 9 0,-4-9 0,3 9 0,0-4 0,-2 0 0,6 3 0,-7-19 0,3 16 0,0-16 0,-2 14 0,6 1 0,-7-3 0,7 7 0,-7-8 0,7 9 0,-3-9 0,4 9 0,0-9 0,0 9 0,0-9 0,0 4 0,-4-5 0,3-5 0,-3 4 0,0-4 0,3 5 0,-8-5 0,8 3 0,-3-3 0,0 5 0,3 5 0,-3-4 0,4 9 0,0-4 0,0 0 0,0 4 0,0-9 0,0 4 0,0-5 0,0-5 0,0 3 0,0-3 0,0 5 0,0 1 0,0 3 0,0-2 0,0 7 0,0-7 0,0 7 0,0-3 0,0 0 0,0 4 0,0-4 0,0 4 0,0-4 0,0 4 0,0-4 0,0 0 0,0 3 0,0-7 0,0 7 0,0-19 0,0 12 0,0-14 0,0 12 0,0 0 0,0 0 0,0 0 0,0 1 0,4-1 0,1 0 0,4 0 0,0 1 0,0-1 0,0 0 0,0-5 0,0 8 0,0-7 0,4 9 0,-4 0 0,4 1 0,-5 0 0,0 4 0,1-4 0,-1 8 0,0-2 0,-1 3 0,1-4 0,4-1 0,2-4 0,-2 4 0,4-4 0,-2 0 0,2 4 0,1-4 0,0 0 0,0 3 0,4-3 0,-3 4 0,3 0 0,-5 1 0,5 3 0,-7-3 0,6 7 0,-11-2 0,2 3 0,-4 1 0,1-1 0,-1 1 0,0-1 0,1-2 0,-1 2 0,1 0 0,-1 2 0,6 5 0,0-2 0,4-1 0,0-1 0,-1-6 0,0 2 0,1-3 0,4-1 0,-4 4 0,4-7 0,0 7 0,-4-7 0,9 3 0,-9 0 0,4-3 0,-4 7 0,-1-3 0,0 4 0,1-1 0,-5 2 0,3-1 0,-6 0 0,2 4 0,-4-3 0,5 3 0,-4-4 0,3 4 0,1-3 0,-4 3 0,3-4 0,1 0 0,-4 1 0,7 2 0,-6-1 0,6 1 0,-3-2 0,5-2 0,-5 2 0,3 2 0,-6-1 0,6 5 0,-3-6 0,1 3 0,2-1 0,-6 2 0,6-1 0,-7 4 0,7-8 0,-6 7 0,6-6 0,-7 6 0,8-6 0,-4 6 0,4-3 0,1 1 0,-1 2 0,0-6 0,1 6 0,6-6 0,-5 2 0,2-3 0,-5 4 0,-6-3 0,6 6 0,-7-5 0,7 5 0,-2-2 0,3 3 0,0 0 0,1 0 0,4 0 0,1 0 0,5-4 0,0 3 0,-1-3 0,1 0 0,0-1 0,0 0 0,0-3 0,-5 7 0,3-7 0,-2 7 0,-1-7 0,-1 8 0,-9-4 0,3 4 0,-6 0 0,2 0 0,-4 0 0,1 0 0,-1 0 0,0 0 0,5 0 0,5 0 0,0 0 0,9 0 0,-4 0 0,5 0 0,-5 0 0,4 0 0,-9 0 0,9 0 0,-9 0 0,4 0 0,-4 0 0,-1 0 0,0-4 0,1 3 0,-1-2 0,5 3 0,-4 0 0,4 0 0,-4 0 0,-1 0 0,5 0 0,-3-4 0,7 3 0,-7-2 0,13 3 0,-8 0 0,15 0 0,-10 0 0,10 0 0,-10 0 0,9 0 0,-8 0 0,3 0 0,0 0 0,-8 0 0,7-4 0,8 3 0,-8-3 0,13 4 0,-11 0 0,0 0 0,1 0 0,3 0 0,-3 0 0,0 0 0,3 4 0,-3 1 0,-1 5 0,5-1 0,-5 1 0,6 4 0,0-3 0,0 7 0,0-7 0,-5 7 0,4-8 0,-10 7 0,9-6 0,-8 6 0,8-2 0,-9-1 0,5 4 0,-7-8 0,1 6 0,0-6 0,0 7 0,5-2 0,-4 3 0,10 1 0,-10-1 0,10 2 0,-10-2 0,5 5 0,0-3 0,-3 8 0,3-3 0,-3 4 0,-1 1 0,-5-2 0,4 1 0,-8 3 0,4 3 0,-5 4 0,10 23 0,-7-17 0,7 17 0,-14-23 0,-2-5 0,1 3 0,-3-8 0,2 3 0,-4-5 0,0 5 0,0-4 0,1 4 0,-1 1 0,0 0 0,6 6 0,-5 0 0,4 0 0,-4 0 0,0 0 0,-1-6 0,-3-1 0,2 1 0,-3-5 0,0 4 0,8 12 0,-11-13 0,6 14 0,-4-13 0,-3-4 0,4 4 0,-5 1 0,0-5 0,0 4 0,0-5 0,0 0 0,0 0 0,4-1 0,-3 7 0,3-5 0,-4 9 0,0-8 0,0 8 0,0-9 0,0 10 0,0-5 0,0 1 0,0 10 0,0-14 0,0 9 0,0-13 0,0-3 0,0 2 0,0-3 0,0 5 0,0 0 0,0 5 0,0-4 0,-4 5 0,3-1 0,-7-4 0,7 10 0,-8-5 0,8 6 0,-7-5 0,7 3 0,-7-3 0,2 5 0,-3-5 0,0-2 0,0-5 0,-4 11 0,3-8 0,-6 4 0,5-3 0,-1-12 0,7 12 0,-2-9 0,2 5 0,-4 0 0,0 0 0,0 0 0,0-5 0,0 4 0,1-9 0,-4 4 0,-1-8 0,-3 2 0,0-6 0,-1 3 0,1-4 0,0 0 0,4 0 0,-4 0 0,8 0 0,0 5 0,1-4 0,7 7 0,-11-3 0,6 3 0,-11 0 0,7-3 0,-6 2 0,7-7 0,-4 8 0,1-8 0,2 4 0,-2-4 0,3-1 0,-3-3 0,3 3 0,-8-7 0,8 7 0,-7-3 0,6 1 0,-6 2 0,3-6 0,-1 6 0,-2-3 0,7 4 0,-8-4 0,8 3 0,-3-3 0,-1 3 0,4 1 0,-4-1 0,5 1 0,-4 0 0,2-1 0,-2 1 0,0-4 0,2 2 0,-2-2 0,0 1 0,2-2 0,-2 0 0,4-2 0,-1 2 0,1 0 0,0-2 0,-1 3 0,1-4 0,-1 3 0,-3-2 0,3 5 0,-4-2 0,1 0 0,3 3 0,-8-3 0,8 4 0,-7 0 0,-1-1 0,3 1 0,-2-1 0,4 1 0,3-4 0,-4 3 0,1-6 0,3 6 0,-8-3 0,4 0 0,0 3 0,-4-2 0,4-1 0,0 3 0,-4-7 0,11 7 0,-9-6 0,9 2 0,-7 0 0,5-2 0,-4 6 0,-2-6 0,1 3 0,1-1 0,-8 1 0,9 1 0,-13-2 0,11 1 0,0-3 0,-4 2 0,4-3 0,0 4 0,-4-4 0,4 4 0,-4-4 0,-1 0 0,1 3 0,0-2 0,-1 3 0,1-4 0,4 0 0,-4 0 0,8 0 0,-7 0 0,2 0 0,1 0 0,-11 0 0,9 0 0,-9 3 0,2-2 0,3 3 0,-3 0 0,0-4 0,4 4 0,-4-4 0,9 3 0,0-2 0,5 2 0,-1-3 0,1 0 0,0 0 0,0 0 0,0 0 0,0 0 0,-5 0 0,4 0 0,-3 0 0,3 0 0,1 0 0,0 0 0,0 0 0,0 0 0,1 0 0,-2 0 0,1 0 0,0-3 0,0 3 0,-5-7 0,0 6 0,-4-6 0,3 3 0,2-1 0,4 2 0,-1 0 0,1 2 0,0-3 0,2 4 0,2 0 0</inkml:trace>
 </inkml:ink>
 </file>
 
@@ -1245,14 +1635,14 @@
           <inkml:channelProperty channel="F" name="resolution" value="0" units="1/dev"/>
         </inkml:channelProperties>
       </inkml:inkSource>
-      <inkml:timestamp xml:id="ts0" timeString="2022-06-20T16:35:47.902"/>
+      <inkml:timestamp xml:id="ts0" timeString="2022-06-20T17:01:16.244"/>
     </inkml:context>
     <inkml:brush xml:id="br0">
       <inkml:brushProperty name="width" value="0.1" units="cm"/>
       <inkml:brushProperty name="height" value="0.1" units="cm"/>
     </inkml:brush>
   </inkml:definitions>
-  <inkml:trace contextRef="#ctx0" brushRef="#br0">2692 115 24575,'-11'0'0,"-3"0"0,6 0 0,-6 0 0,1 0 0,-3 0 0,0 0 0,-1 0 0,1 0 0,4 0 0,-4 0 0,-1 0 0,4 0 0,-7 0 0,7 0 0,-3 0 0,0 0 0,0 0 0,-1 0 0,5 0 0,-3 0 0,2 0 0,-8-4 0,4 3 0,-9-11 0,4 10 0,-5-6 0,0 4 0,0 3 0,5-7 0,-3 3 0,2-3 0,1 3 0,-3-3 0,7 7 0,-8-7 0,9 3 0,-9 0 0,4-2 0,-5 6 0,0-7 0,5 7 0,-3-3 0,7 0 0,-7 3 0,7-2 0,-3 3 0,0 0 0,4 0 0,-4 0 0,4 0 0,1 0 0,4 0 0,-4 0 0,4 0 0,-4 0 0,-1 0 0,1 0 0,0 0 0,4 0 0,-4 0 0,-7 3 0,4-2 0,-7 6 0,5-2 0,3-1 0,-8 4 0,9-3 0,-9 4 0,-3 3 0,0-2 0,0 2 0,3-3 0,-1 0 0,-2 0 0,-3 0 0,5 4 0,0 1 0,1 0 0,-1 3 0,0-7 0,0 7 0,0-3 0,1 3 0,3-3 0,-2 3 0,3-4 0,-5 5 0,0 0 0,5-1 0,-4 1 0,9-5 0,-9 4 0,9-4 0,-9 4 0,-4 4 0,6-3 0,-4 3 0,7-8 0,4 2 0,-4-2 0,4 4 0,1-1 0,0 0 0,0 1 0,-1-1 0,1 0 0,0 1 0,3-1 0,-3 0 0,4 1 0,-5-5 0,5 4 0,-4-4 0,3 9 0,-3-3 0,2 3 0,-9 7 0,8-4 0,-7 10 0,6-7 0,2-5 0,1 4 0,0-4 0,0 4 0,4 1 0,-8 0 0,7 0 0,-3-5 0,0 4 0,4-4 0,-4 0 0,4 4 0,5-9 0,-4 9 0,3-9 0,0 4 0,-2 0 0,6-3 0,-7 19 0,3-16 0,0 16 0,-2-14 0,6-1 0,-7 3 0,7-7 0,-7 8 0,7-9 0,-3 9 0,4-9 0,0 9 0,0-9 0,0 9 0,0-4 0,-4 5 0,3 5 0,-3-4 0,0 4 0,3-5 0,-8 5 0,8-3 0,-3 3 0,0-5 0,3-5 0,-3 4 0,4-9 0,0 4 0,0 0 0,0-4 0,0 9 0,0-4 0,0 5 0,0 5 0,0-3 0,0 3 0,0-5 0,0-1 0,0-3 0,0 2 0,0-7 0,0 7 0,0-7 0,0 3 0,0 0 0,0-4 0,0 4 0,0-4 0,0 4 0,0-4 0,0 4 0,0 0 0,0-3 0,0 7 0,0-7 0,0 19 0,0-12 0,0 14 0,0-12 0,0 0 0,0 0 0,0 0 0,0-1 0,4 1 0,1 0 0,4 0 0,0-1 0,0 1 0,0 0 0,0 5 0,0-8 0,0 7 0,4-9 0,-4 0 0,4-1 0,-5 0 0,0-4 0,1 4 0,-1-8 0,0 2 0,-1-3 0,1 4 0,4 1 0,2 4 0,-2-4 0,4 4 0,-2 0 0,2-4 0,1 4 0,0 0 0,0-3 0,4 3 0,-3-4 0,3 0 0,-5-1 0,5-3 0,-7 3 0,6-7 0,-11 2 0,2-3 0,-4-1 0,1 1 0,-1-1 0,0 1 0,1 2 0,-1-2 0,1 0 0,-1-2 0,6-5 0,0 2 0,4 1 0,0 1 0,-1 6 0,0-2 0,1 3 0,4 1 0,-4-4 0,4 7 0,0-7 0,-4 7 0,9-3 0,-9 0 0,4 3 0,-4-7 0,-1 3 0,0-4 0,1 1 0,-5-2 0,3 1 0,-6 0 0,2-4 0,-4 3 0,5-3 0,-4 4 0,3-4 0,1 3 0,-4-3 0,3 4 0,1 0 0,-4-1 0,7-2 0,-6 1 0,6-1 0,-3 2 0,5 2 0,-5-2 0,3-2 0,-6 1 0,6-5 0,-3 6 0,1-3 0,2 1 0,-6-2 0,6 1 0,-7-4 0,7 8 0,-6-7 0,6 6 0,-7-6 0,8 6 0,-4-6 0,4 3 0,1-1 0,-1-2 0,0 6 0,1-6 0,6 6 0,-5-2 0,2 3 0,-5-4 0,-6 3 0,6-6 0,-7 5 0,7-5 0,-2 2 0,3-3 0,0 0 0,1 0 0,4 0 0,1 0 0,5 4 0,0-3 0,-1 3 0,1 0 0,0 1 0,0 0 0,0 3 0,-5-7 0,3 7 0,-2-7 0,-1 7 0,-1-8 0,-9 4 0,3-4 0,-6 0 0,2 0 0,-4 0 0,1 0 0,-1 0 0,0 0 0,5 0 0,5 0 0,0 0 0,9 0 0,-4 0 0,5 0 0,-5 0 0,4 0 0,-9 0 0,9 0 0,-9 0 0,4 0 0,-4 0 0,-1 0 0,0 4 0,1-3 0,-1 2 0,5-3 0,-4 0 0,4 0 0,-4 0 0,-1 0 0,5 0 0,-3 4 0,7-3 0,-7 2 0,13-3 0,-8 0 0,15 0 0,-10 0 0,10 0 0,-10 0 0,9 0 0,-8 0 0,3 0 0,0 0 0,-8 0 0,7 4 0,8-3 0,-8 3 0,13-4 0,-11 0 0,0 0 0,1 0 0,3 0 0,-3 0 0,0 0 0,3-4 0,-3-1 0,-1-5 0,5 1 0,-5-1 0,6-4 0,0 3 0,0-7 0,0 7 0,-5-7 0,4 8 0,-10-7 0,9 6 0,-8-6 0,8 2 0,-9 1 0,5-4 0,-7 8 0,1-6 0,0 6 0,0-7 0,5 2 0,-4-3 0,10-1 0,-10 1 0,10-2 0,-10 2 0,5-5 0,0 3 0,-3-8 0,3 3 0,-3-4 0,-1-1 0,-5 2 0,4-1 0,-8-3 0,4-3 0,-5-4 0,10-23 0,-7 17 0,7-17 0,-14 23 0,-2 5 0,1-3 0,-3 8 0,2-3 0,-4 5 0,0-5 0,0 4 0,1-4 0,-1-1 0,0 0 0,6-6 0,-5 0 0,4 0 0,-4 0 0,0 0 0,-1 6 0,-3 1 0,2-1 0,-3 5 0,0-4 0,8-12 0,-11 13 0,6-14 0,-4 13 0,-3 4 0,4-4 0,-5-1 0,0 5 0,0-4 0,0 5 0,0 0 0,0 0 0,4 1 0,-3-7 0,3 5 0,-4-9 0,0 8 0,0-8 0,0 9 0,0-10 0,0 5 0,0-1 0,0-10 0,0 14 0,0-9 0,0 13 0,0 3 0,0-2 0,0 3 0,0-5 0,0 0 0,0-5 0,0 4 0,-4-5 0,3 1 0,-7 4 0,7-10 0,-8 5 0,8-6 0,-7 5 0,7-3 0,-7 3 0,2-5 0,-3 5 0,0 2 0,0 5 0,-4-11 0,3 8 0,-6-4 0,5 3 0,-1 12 0,7-12 0,-2 9 0,2-5 0,-4 0 0,0 0 0,0 0 0,0 5 0,0-4 0,1 9 0,-4-4 0,-1 8 0,-3-2 0,0 6 0,-1-3 0,1 4 0,0 0 0,4 0 0,-4 0 0,8 0 0,0-5 0,1 4 0,7-7 0,-11 3 0,6-3 0,-11 0 0,7 3 0,-6-2 0,7 7 0,-4-8 0,1 8 0,2-4 0,-2 4 0,3 1 0,-3 3 0,3-3 0,-8 7 0,8-7 0,-7 3 0,6-1 0,-6-2 0,3 6 0,-1-6 0,-2 3 0,7-4 0,-8 4 0,8-3 0,-3 3 0,-1-3 0,4-1 0,-4 1 0,5-1 0,-4 0 0,2 1 0,-2-1 0,0 4 0,2-2 0,-2 2 0,0-1 0,2 2 0,-2 0 0,4 2 0,-1-2 0,1 0 0,0 2 0,-1-3 0,1 4 0,-1-3 0,-3 2 0,3-5 0,-4 2 0,1 0 0,3-3 0,-8 3 0,8-4 0,-7 0 0,-1 1 0,3-1 0,-2 1 0,4-1 0,3 4 0,-4-3 0,1 6 0,3-6 0,-8 3 0,4 0 0,0-3 0,-4 2 0,4 1 0,0-3 0,-4 7 0,11-7 0,-9 6 0,9-2 0,-7 0 0,5 2 0,-4-6 0,-2 6 0,1-3 0,1 1 0,-8-1 0,9-1 0,-13 2 0,11-1 0,0 3 0,-4-2 0,4 3 0,0-4 0,-4 4 0,4-4 0,-4 4 0,-1 0 0,1-3 0,0 2 0,-1-3 0,1 4 0,4 0 0,-4 0 0,8 0 0,-7 0 0,2 0 0,1 0 0,-11 0 0,9 0 0,-9-3 0,2 2 0,3-3 0,-3 0 0,0 4 0,4-4 0,-4 4 0,9-3 0,0 2 0,5-2 0,-1 3 0,1 0 0,0 0 0,0 0 0,0 0 0,0 0 0,-5 0 0,4 0 0,-3 0 0,3 0 0,1 0 0,0 0 0,0 0 0,0 0 0,1 0 0,-2 0 0,1 0 0,0 3 0,0-3 0,-5 7 0,0-6 0,-4 6 0,3-3 0,2 1 0,4-2 0,-1 0 0,1-2 0,0 3 0,2-4 0,2 0 0</inkml:trace>
+  <inkml:trace contextRef="#ctx0" brushRef="#br0">2692 4035 24575,'-11'0'0,"-3"0"0,6 0 0,-6 0 0,1 0 0,-3 0 0,0 0 0,-1 0 0,1 0 0,4 0 0,-4 0 0,-1 0 0,4 0 0,-7 0 0,7 0 0,-3 0 0,0 0 0,0 0 0,-1 0 0,5 0 0,-3 0 0,2 0 0,-8 4 0,4-3 0,-9 11 0,4-10 0,-5 6 0,0-4 0,0-3 0,5 7 0,-3-3 0,2 3 0,1-3 0,-3 3 0,7-7 0,-8 7 0,9-3 0,-9 0 0,4 2 0,-5-6 0,0 7 0,5-7 0,-3 3 0,7 0 0,-7-3 0,7 2 0,-3-3 0,0 0 0,4 0 0,-4 0 0,4 0 0,1 0 0,4 0 0,-4 0 0,4 0 0,-4 0 0,-1 0 0,1 0 0,0 0 0,4 0 0,-4 0 0,-7-3 0,4 2 0,-7-6 0,5 2 0,3 1 0,-8-4 0,9 3 0,-9-4 0,-3-3 0,0 2 0,0-2 0,3 3 0,-1 0 0,-2 0 0,-3 0 0,5-4 0,0-1 0,1 0 0,-1-3 0,0 7 0,0-7 0,0 3 0,1-3 0,3 3 0,-2-3 0,3 4 0,-5-5 0,0 0 0,5 1 0,-4-1 0,9 5 0,-9-4 0,9 4 0,-9-4 0,-4-4 0,6 3 0,-4-3 0,7 8 0,4-2 0,-4 2 0,4-4 0,1 1 0,0 0 0,0-1 0,-1 1 0,1 0 0,0-1 0,3 1 0,-3 0 0,4-1 0,-5 5 0,5-4 0,-4 4 0,3-9 0,-3 3 0,2-3 0,-9-7 0,8 4 0,-7-10 0,6 7 0,2 5 0,1-4 0,0 4 0,0-4 0,4-1 0,-8 0 0,7 0 0,-3 5 0,0-4 0,4 4 0,-4 0 0,4-4 0,5 9 0,-4-9 0,3 9 0,0-4 0,-2 0 0,6 3 0,-7-19 0,3 16 0,0-16 0,-2 14 0,6 1 0,-7-3 0,7 7 0,-7-8 0,7 9 0,-3-9 0,4 9 0,0-9 0,0 9 0,0-9 0,0 4 0,-4-5 0,3-5 0,-3 4 0,0-4 0,3 5 0,-8-5 0,8 3 0,-3-3 0,0 5 0,3 5 0,-3-4 0,4 9 0,0-4 0,0 0 0,0 4 0,0-9 0,0 4 0,0-5 0,0-5 0,0 3 0,0-3 0,0 5 0,0 1 0,0 3 0,0-2 0,0 7 0,0-7 0,0 7 0,0-3 0,0 0 0,0 4 0,0-4 0,0 4 0,0-4 0,0 4 0,0-4 0,0 0 0,0 3 0,0-7 0,0 7 0,0-19 0,0 12 0,0-14 0,0 12 0,0 0 0,0 0 0,0 0 0,0 1 0,4-1 0,1 0 0,4 0 0,0 1 0,0-1 0,0 0 0,0-5 0,0 8 0,0-7 0,4 9 0,-4 0 0,4 1 0,-5 0 0,0 4 0,1-4 0,-1 8 0,0-2 0,-1 3 0,1-4 0,4-1 0,2-4 0,-2 4 0,4-4 0,-2 0 0,2 4 0,1-4 0,0 0 0,0 3 0,4-3 0,-3 4 0,3 0 0,-5 1 0,5 3 0,-7-3 0,6 7 0,-11-2 0,2 3 0,-4 1 0,1-1 0,-1 1 0,0-1 0,1-2 0,-1 2 0,1 0 0,-1 2 0,6 5 0,0-2 0,4-1 0,0-1 0,-1-6 0,0 2 0,1-3 0,4-1 0,-4 4 0,4-7 0,0 7 0,-4-7 0,9 3 0,-9 0 0,4-3 0,-4 7 0,-1-3 0,0 4 0,1-1 0,-5 2 0,3-1 0,-6 0 0,2 4 0,-4-3 0,5 3 0,-4-4 0,3 4 0,1-3 0,-4 3 0,3-4 0,1 0 0,-4 1 0,7 2 0,-6-1 0,6 1 0,-3-2 0,5-2 0,-5 2 0,3 2 0,-6-1 0,6 5 0,-3-6 0,1 3 0,2-1 0,-6 2 0,6-1 0,-7 4 0,7-8 0,-6 7 0,6-6 0,-7 6 0,8-6 0,-4 6 0,4-3 0,1 1 0,-1 2 0,0-6 0,1 6 0,6-6 0,-5 2 0,2-3 0,-5 4 0,-6-3 0,6 6 0,-7-5 0,7 5 0,-2-2 0,3 3 0,0 0 0,1 0 0,4 0 0,1 0 0,5-4 0,0 3 0,-1-3 0,1 0 0,0-1 0,0 0 0,0-3 0,-5 7 0,3-7 0,-2 7 0,-1-7 0,-1 8 0,-9-4 0,3 4 0,-6 0 0,2 0 0,-4 0 0,1 0 0,-1 0 0,0 0 0,5 0 0,5 0 0,0 0 0,9 0 0,-4 0 0,5 0 0,-5 0 0,4 0 0,-9 0 0,9 0 0,-9 0 0,4 0 0,-4 0 0,-1 0 0,0-4 0,1 3 0,-1-2 0,5 3 0,-4 0 0,4 0 0,-4 0 0,-1 0 0,5 0 0,-3-4 0,7 3 0,-7-2 0,13 3 0,-8 0 0,15 0 0,-10 0 0,10 0 0,-10 0 0,9 0 0,-8 0 0,3 0 0,0 0 0,-8 0 0,7-4 0,8 3 0,-8-3 0,13 4 0,-11 0 0,0 0 0,1 0 0,3 0 0,-3 0 0,0 0 0,3 4 0,-3 1 0,-1 5 0,5-1 0,-5 1 0,6 4 0,0-3 0,0 7 0,0-7 0,-5 7 0,4-8 0,-10 7 0,9-6 0,-8 6 0,8-2 0,-9-1 0,5 4 0,-7-8 0,1 6 0,0-6 0,0 7 0,5-2 0,-4 3 0,10 1 0,-10-1 0,10 2 0,-10-2 0,5 5 0,0-3 0,-3 8 0,3-3 0,-3 4 0,-1 1 0,-5-2 0,4 1 0,-8 3 0,4 3 0,-5 4 0,10 23 0,-7-17 0,7 17 0,-14-23 0,-2-5 0,1 3 0,-3-8 0,2 3 0,-4-5 0,0 5 0,0-4 0,1 4 0,-1 1 0,0 0 0,6 6 0,-5 0 0,4 0 0,-4 0 0,0 0 0,-1-6 0,-3-1 0,2 1 0,-3-5 0,0 4 0,8 12 0,-11-13 0,6 14 0,-4-13 0,-3-4 0,4 4 0,-5 1 0,0-5 0,0 4 0,0-5 0,0 0 0,0 0 0,4-1 0,-3 7 0,3-5 0,-4 9 0,0-8 0,0 8 0,0-9 0,0 10 0,0-5 0,0 1 0,0 10 0,0-14 0,0 9 0,0-13 0,0-3 0,0 2 0,0-3 0,0 5 0,0 0 0,0 5 0,0-4 0,-4 5 0,3-1 0,-7-4 0,7 10 0,-8-5 0,8 6 0,-7-5 0,7 3 0,-7-3 0,2 5 0,-3-5 0,0-2 0,0-5 0,-4 11 0,3-8 0,-6 4 0,5-3 0,-1-12 0,7 12 0,-2-9 0,2 5 0,-4 0 0,0 0 0,0 0 0,0-5 0,0 4 0,1-9 0,-4 4 0,-1-8 0,-3 2 0,0-6 0,-1 3 0,1-4 0,0 0 0,4 0 0,-4 0 0,8 0 0,0 5 0,1-4 0,7 7 0,-11-3 0,6 3 0,-11 0 0,7-3 0,-6 2 0,7-7 0,-4 8 0,1-8 0,2 4 0,-2-4 0,3-1 0,-3-3 0,3 3 0,-8-7 0,8 7 0,-7-3 0,6 1 0,-6 2 0,3-6 0,-1 6 0,-2-3 0,7 4 0,-8-4 0,8 3 0,-3-3 0,-1 3 0,4 1 0,-4-1 0,5 1 0,-4 0 0,2-1 0,-2 1 0,0-4 0,2 2 0,-2-2 0,0 1 0,2-2 0,-2 0 0,4-2 0,-1 2 0,1 0 0,0-2 0,-1 3 0,1-4 0,-1 3 0,-3-2 0,3 5 0,-4-2 0,1 0 0,3 3 0,-8-3 0,8 4 0,-7 0 0,-1-1 0,3 1 0,-2-1 0,4 1 0,3-4 0,-4 3 0,1-6 0,3 6 0,-8-3 0,4 0 0,0 3 0,-4-2 0,4-1 0,0 3 0,-4-7 0,11 7 0,-9-6 0,9 2 0,-7 0 0,5-2 0,-4 6 0,-2-6 0,1 3 0,1-1 0,-8 1 0,9 1 0,-13-2 0,11 1 0,0-3 0,-4 2 0,4-3 0,0 4 0,-4-4 0,4 4 0,-4-4 0,-1 0 0,1 3 0,0-2 0,-1 3 0,1-4 0,4 0 0,-4 0 0,8 0 0,-7 0 0,2 0 0,1 0 0,-11 0 0,9 0 0,-9 3 0,2-2 0,3 3 0,-3 0 0,0-4 0,4 4 0,-4-4 0,9 3 0,0-2 0,5 2 0,-1-3 0,1 0 0,0 0 0,0 0 0,0 0 0,0 0 0,-5 0 0,4 0 0,-3 0 0,3 0 0,1 0 0,0 0 0,0 0 0,0 0 0,1 0 0,-2 0 0,1 0 0,0-3 0,0 3 0,-5-7 0,0 6 0,-4-6 0,3 3 0,2-1 0,4 2 0,-1 0 0,1 2 0,0-3 0,2 4 0,2 0 0</inkml:trace>
 </inkml:ink>
 </file>
 
@@ -1272,7 +1662,7 @@
           <inkml:channelProperty channel="F" name="resolution" value="0" units="1/dev"/>
         </inkml:channelProperties>
       </inkml:inkSource>
-      <inkml:timestamp xml:id="ts0" timeString="2022-06-20T16:36:09.771"/>
+      <inkml:timestamp xml:id="ts0" timeString="2022-06-20T17:01:16.245"/>
     </inkml:context>
     <inkml:brush xml:id="br0">
       <inkml:brushProperty name="width" value="0.1" units="cm"/>
@@ -1280,7 +1670,7 @@
       <inkml:brushProperty name="color" value="#BFBFBF"/>
     </inkml:brush>
   </inkml:definitions>
-  <inkml:trace contextRef="#ctx0" brushRef="#br0">2217 0 24575,'-76'60'0,"0"-1"0,0 0 0,0 0 0,1 1 0,-1-1 0,0 0 0,0 0 0,0 1 0,1-1 0,-5 4 0,-1 0 0,2 0 0,5-5 0,8-6 0,10-9 0,15-11 0,-17 12 0,13-5 0,23-24 0,0 12 0,-5-11 0,12 4 0,-12 0 0,13-5 0,-13 11 0,6-4 0,-1-1 0,-5 6 0,6-5 0,-8 0 0,1 5 0,-1-5 0,7 6 0,-5 1 0,5-1 0,-6 1 0,-1-1 0,7 1 0,-5-1 0,12-6 0,-5 4 0,7-11 0,-1 5 0,1-8 0,6 1 0,-4 0 0,9 0 0,-3 0 0,5-1 0,0 0 0,0 0 0,-6-5 0,4 4 0,-9-4 0,10 6 0,-18 0 0,16 0 0,-15 0 0,11 0 0,-6 0 0,6 0 0,-5 0 0,11 0 0,-5 0 0,1-6 0,3 4 0,-9-10 0,10 10 0,-10-10 0,3 11 0,-4-5 0,5 6 0,-5-6 0,11 4 0,-11-9 0,11 9 0,-10-9 0,9-7 0,-3-18 0,5-5 0,0-17 0,-7 6 0,5-17 0,-4 7 0,-2-17 0,6 7 0,-12 1 0,12-7 0,-5 16 0,7-7 0,0 10 0,0 7 0,-7-6 0,5 15 0,-5-7 0,7 15 0,0-4 0,0 11 0,0-5 0,0 7 0,0 1 0,0 5 0,0 2 0</inkml:trace>
+  <inkml:trace contextRef="#ctx0" brushRef="#br0">1778 0 24575,'0'21'0,"-7"1"0,-1 8 0,-14 0 0,5 1 0,-22 9 0,19-7 0,-43 32 0,23-18 0,-26 11 0,13-6 0,10-9 0,-7 2 0,16-6 0,-5-8 0,9 0 0,7-8 0,2-2 0,7-8 0,1 1 0,-2 7 0,2-6 0,-2 6 0,-6 1 0,5 0 0,-5 1 0,7-2 0,-1 0 0,7-5 0,-4 5 0,10-7 0,-10-1 0,5 0 0,-6 0 0,-1 1 0,0 7 0,0 2 0,-1 7 0,-7 0 0,5 0 0,-4-7 0,-1 6 0,7-14 0,-7 14 0,1-13 0,-3 6 0,1-8 0,2 0 0,8 0 0,-1 0 0,0-7 0,1 5 0,-8-4 0,6 0 0,-12 5 0,4-5 0,-7 7 0,-1 1 0,1-1 0,7-1 0,-5 1 0,13-1 0,-6 0 0,13-1 0,-4-5 0,10 4 0,-9-5 0,3 7 0,-5-1 0,-1 1 0,0 0 0,0 7 0,0-6 0,0 6 0,6 0 0,-4-5 0,5 5 0,-1-8 0,-4 1 0,10-1 0,-10-5 0,11 3 0,-11-9 0,5 3 0,0 1 0,-9 1 0,8 5 0,-5 1 0,8 0 0,-1-5 0,4 4 0,-4-5 0,1 0 0,3 4 0,-9-9 0,3 10 0,-5-5 0,0 1 0,5 4 0,3-16 0,5 3 0,0-12 0,0-8 0,0-1 0,0-8 0,0-9 0,0 6 0,0-14 0,0 6 0,0-9 0,0 9 0,0-7 0,0 16 0,0-16 0,0 16 0,-14-7 0,11 16 0,-10-6 0,6 7 0,5-9 0,-11 1 0,11 7 0,-5-5 0,1 5 0,4 0 0,-5 2 0,7 7 0,0 1 0,0-1 0,0 0 0,0 7 0,0 1 0</inkml:trace>
 </inkml:ink>
 </file>
 
@@ -1300,7 +1690,7 @@
           <inkml:channelProperty channel="F" name="resolution" value="0" units="1/dev"/>
         </inkml:channelProperties>
       </inkml:inkSource>
-      <inkml:timestamp xml:id="ts0" timeString="2022-06-20T16:36:12.043"/>
+      <inkml:timestamp xml:id="ts0" timeString="2022-06-20T17:01:16.246"/>
     </inkml:context>
     <inkml:brush xml:id="br0">
       <inkml:brushProperty name="width" value="0.1" units="cm"/>
@@ -1308,7 +1698,7 @@
       <inkml:brushProperty name="color" value="#BFBFBF"/>
     </inkml:brush>
   </inkml:definitions>
-  <inkml:trace contextRef="#ctx0" brushRef="#br0">1 229 24575,'19'0'0,"10"0"0,10 0 0,-1 0 0,7 0 0,-21 0 0,19 0 0,-20 0 0,14 0 0,-9 0 0,9 0 0,2-14 0,-7 5 0,11-20 0,-12 6 0,16 6 0,-8-10 0,6 17 0,-15-11 0,0 7 0,-3 0 0,-13 7 0,6 0 0,-7 2 0,-1 3 0,0-3 0,0 5 0,1 0 0,0 0 0,-1 0 0,-4-11 0,-3 8 0,-5-7 0</inkml:trace>
+  <inkml:trace contextRef="#ctx0" brushRef="#br0">1 264 24575,'13'0'0,"7"0"0,3 0 0,0 0 0,14 0 0,-12-6 0,23-4 0,-7-13 0,9 5 0,9-7 0,-6 8 0,16-1 0,-16 2 0,16-2 0,-16 1 0,6 0 0,-9 0 0,0 8 0,-9-5 0,-2 12 0,0-12 0,-14 12 0,12-5 0,-22 7 0,6-6 0,-7 5 0,-1-6 0,-5 7 0,-2 0 0</inkml:trace>
 </inkml:ink>
 </file>
 
@@ -1355,7 +1745,7 @@
           <inkml:channelProperty channel="F" name="resolution" value="0" units="1/dev"/>
         </inkml:channelProperties>
       </inkml:inkSource>
-      <inkml:timestamp xml:id="ts0" timeString="2022-06-20T16:36:14.880"/>
+      <inkml:timestamp xml:id="ts0" timeString="2022-06-20T17:01:16.247"/>
     </inkml:context>
     <inkml:brush xml:id="br0">
       <inkml:brushProperty name="width" value="0.1" units="cm"/>
@@ -1363,7 +1753,7 @@
       <inkml:brushProperty name="color" value="#BFBFBF"/>
     </inkml:brush>
   </inkml:definitions>
-  <inkml:trace contextRef="#ctx0" brushRef="#br0">0 6 24575,'12'0'0,"7"0"0,-4-5 0,11 9 0,4 6 0,1 6 0,5 12 0,1-4 0,-7 5 0,25 3 0,-21 5 0,22 6 0,-24-4 0,19 20 0,-12-25 0,-2 33 0,9-23 0,-10 14 0,7 1 0,6-6 0,-5 5 0,-2-8 0,-2-2 0,0 1 0,-7-2 0,7 2 0,-8-2 0,-1 0 0,0-1 0,0 1 0,1 0 0,-2-8 0,-6 6 0,3-15 0,-11 7 0,4-16 0,-6 6 0,-1-12 0,1 4 0,-2-12 0,1 4 0,0-9 0,-1 3 0,1 1 0,0 1 0,-1 6 0,1-6 0,0 4 0,0-4 0,0 0 0,0 5 0,0-5 0,-1 0 0,1 5 0,0-11 0,0 10 0,0-3 0,0-1 0,-1 4 0,1-4 0,0 6 0,7 1 0,-5-7 0,4 5 0,-6-11 0,0 11 0,-1-11 0,1 10 0,-1-10 0,0 10 0,1-9 0,0 9 0,0-10 0,-7 10 0,6-10 0,-6 5 0,7-6 0,-1 6 0,1 1 0,0 0 0,0 4 0,0-4 0,0 1 0,-1-3 0,-4 1 0,3-5 0,-10 4 0,5-5 0</inkml:trace>
+  <inkml:trace contextRef="#ctx0" brushRef="#br0">1 0 24575,'28'29'0,"9"-3"0,18 26 0,-18-25 0,25 36 0,-12-2-1067,9 9 1067,-18-20 0,-1 0 0,9 18 0,-15-24 0,0 1 0,23 31 0,-21-31 0,0 0 0,23 23 0,-21-24 0,0-1 0,9 12 261,18 10-261,-21-22 0,-10-2 0,-6-17 0,-11-3 0,4-7 806,0 1-806,-6-2 0,6-4 0,0 3 0,-5-4 0,5 0 0,-8 5 0,1-12 0,0 11 0,-1-4 0,1-1 0,0-1 0,-1-6 0,-5 7 0,4-6 0,-5 11 0,14-4 0,-5 6 0,12 1 0,-5 0 0,7 0 0,-7-1 0,5 1 0,-11 6 0,4-4 0,0 4 0,2 0 0,0-4 0,6 4 0,-13 1 0,12-6 0,-4 13 0,-1-6 0,6 8 0,-12-1 0,5 0 0,-1 0 0,-4-7 0,4 6 0,-7-14 0,1 14 0,-1-14 0,0 6 0,0-7 0,-1-1 0,1 1 0,-6 0 0,4-1 0,-11 1 0,11-6 0,-10 3 0,10-9 0,-11 10 0,11-5 0,-5 7 0,7 0 0,-6-1 0,4 1 0,-5 0 0,7-1 0,-6 1 0,4-6 0,-11 4 0,11-11 0,-5 5 0,5-6 0,-5 6 0,5-5 0,-5 11 0,6-5 0,-1 5 0,1 1 0,-6-11 0,-1-4 0,-6-17 0,0 5 0,0-14 0,0 6 0,0-9 0,0 1 0,0-9 0,0 7 0,0-7 0,0 0 0,0 6 0,0 2 0,0 3 0,0 12 0,0-5 0,0 8 0,0 0 0,0-6 0,0 5 0,0-13 0,0 4 0,0 1 0,0-7 0,0 14 0,0-6 0,0 0 0,0-2 0,0 0 0,0-6 0,0 14 0,0-6 0,0 7 0,0 1 0,0-1 0,0 1 0,0 1 0,0-1 0,6 5 0,-5-3 0,5 4 0,-6-6 0,0 0 0,0-1 0,0 0 0,7-5 0,0 3 0,1-11 0,-2 12 0,0-6 0,-5 7 0,6 1 0,-2 6 0,-4 2 0,5 5 0</inkml:trace>
 </inkml:ink>
 </file>
 
@@ -1383,7 +1773,7 @@
           <inkml:channelProperty channel="F" name="resolution" value="0" units="1/dev"/>
         </inkml:channelProperties>
       </inkml:inkSource>
-      <inkml:timestamp xml:id="ts0" timeString="2022-06-20T16:36:17.499"/>
+      <inkml:timestamp xml:id="ts0" timeString="2022-06-20T17:01:16.248"/>
     </inkml:context>
     <inkml:brush xml:id="br0">
       <inkml:brushProperty name="width" value="0.1" units="cm"/>
@@ -1391,7 +1781,7 @@
       <inkml:brushProperty name="color" value="#BFBFBF"/>
     </inkml:brush>
   </inkml:definitions>
-  <inkml:trace contextRef="#ctx0" brushRef="#br0">0 1001 24575,'44'0'0,"4"0"0,10 0 0,8 0 0,-17 0 0,7 0 0,-9 0 0,0 0 0,0 0 0,-9 0 0,7 0 0,-6 0 0,0 0 0,5 0 0,-13 0 0,23 0 0,-21 0 0,21 0 0,-24 0 0,7 0 0,-9 0 0,1 0 0,-8 0 0,-1 0 0,-7 0 0,0 0 0,-1 0 0,1 0 0,0 0 0,0 0 0,-1 0 0,1 0 0,0 0 0,0 0 0,0 0 0,0 0 0,-6-11 0,-1 4 0,-6-11 0,0-1 0,0-11 0,0-8 0,-15-18 0,3-3 0,-12-9 0,11 14 0,0-1 0,-5-14 0,5 15 0,1 2 0,3 3 0,-5-8 0,12 19 0,-5 8 0,7 10 0,0 7 0,0 1 0,-5 5 0,4-8 0,-5 6 0,6-8 0,0 4 0,0 0 0,0 0 0,0-7 0,0 6 0,0-6 0,0 7 0,0 0 0,0 1 0,0 5 0,0 2 0</inkml:trace>
+  <inkml:trace contextRef="#ctx0" brushRef="#br0">1119 1 24575,'-20'0'0,"-2"0"0,-17 0 0,-2 0 0,-9 0 0,-10 0 0,-13 0 0,-2 0 0,-9 0 0,22 0 0,-19 0 0,34 0 0,-21 0 0,35 0 0,-6 0 0,17 0 0,-6 0 0,14 0 0,-5 0 0,6 0 0,0 0 0,-8 0 0,5 0 0,-12 0 0,5 0 0,0 0 0,-5 0 0,12 0 0,-5 0 0,7 6 0,1-5 0,6 5 0,1-6 0</inkml:trace>
 </inkml:ink>
 </file>
 
@@ -1411,7 +1801,7 @@
           <inkml:channelProperty channel="F" name="resolution" value="0" units="1/dev"/>
         </inkml:channelProperties>
       </inkml:inkSource>
-      <inkml:timestamp xml:id="ts0" timeString="2022-06-20T16:47:44.932"/>
+      <inkml:timestamp xml:id="ts0" timeString="2022-06-20T17:01:31.521"/>
     </inkml:context>
     <inkml:brush xml:id="br0">
       <inkml:brushProperty name="width" value="0.1" units="cm"/>
@@ -1438,15 +1828,15 @@
           <inkml:channelProperty channel="F" name="resolution" value="0" units="1/dev"/>
         </inkml:channelProperties>
       </inkml:inkSource>
-      <inkml:timestamp xml:id="ts0" timeString="2022-06-20T16:48:06.939"/>
+      <inkml:timestamp xml:id="ts0" timeString="2022-06-20T17:02:04.353"/>
     </inkml:context>
     <inkml:brush xml:id="br0">
       <inkml:brushProperty name="width" value="0.1" units="cm"/>
       <inkml:brushProperty name="height" value="0.1" units="cm"/>
-      <inkml:brushProperty name="color" value="#A9A9A9"/>
+      <inkml:brushProperty name="color" value="#E71224"/>
     </inkml:brush>
   </inkml:definitions>
-  <inkml:trace contextRef="#ctx0" brushRef="#br0">0 0 24575,'0'0'0</inkml:trace>
+  <inkml:trace contextRef="#ctx0" brushRef="#br0">1 1021 24575,'0'-20'0,"0"-21"0,0-2 0,0-27 0,0 17 0,0-16 0,0 16 0,7-2 0,1-4 0,4-17 0,-4 14 0,1 3 0,-2 1 0,-7 6 0,0 22 0,0-1 0,0 1 0,7 0 0,-5 7 0,11-6 0,-11 14 0,4-6 0,0 7 0,-4 1 0,10 5 0,-11 2 0,5 6 0</inkml:trace>
 </inkml:ink>
 </file>
 
@@ -1466,15 +1856,15 @@
           <inkml:channelProperty channel="F" name="resolution" value="0" units="1/dev"/>
         </inkml:channelProperties>
       </inkml:inkSource>
-      <inkml:timestamp xml:id="ts0" timeString="2022-06-20T16:48:07.018"/>
+      <inkml:timestamp xml:id="ts0" timeString="2022-06-20T17:02:04.354"/>
     </inkml:context>
     <inkml:brush xml:id="br0">
       <inkml:brushProperty name="width" value="0.1" units="cm"/>
       <inkml:brushProperty name="height" value="0.1" units="cm"/>
-      <inkml:brushProperty name="color" value="#A9A9A9"/>
+      <inkml:brushProperty name="color" value="#E71224"/>
     </inkml:brush>
   </inkml:definitions>
-  <inkml:trace contextRef="#ctx0" brushRef="#br0">0 0 24575,'0'0'0</inkml:trace>
+  <inkml:trace contextRef="#ctx0" brushRef="#br0">1 471 24575,'19'0'0,"-1"0"0,-4 0 0,-1 0 0,1 0 0,12-7 0,-15 0 0,22-1 0,-23-12 0,11 11 0,9-14 0,-11 2 0,11 10 0,0-10 0,-12 6 0,20-2 0,-15-5 0,1 0 0,4 12 0,-4-10 0,6 11 0,-13-5 0,2 6 0,-10-12 0,4 17 0,1-11 0,-1 9 0,1-3 0,-1 1 0,-6-5 0,5 5 0,-4-1 0,-1-4 0,4 10 0,-4-4 0,7-7 0,-1 3 0,9-11 0,-6-1 0,5 12 0,-6-9 0,-2 17 0,-5-4 0,-2 6 0</inkml:trace>
 </inkml:ink>
 </file>
 
@@ -1494,7 +1884,7 @@
           <inkml:channelProperty channel="F" name="resolution" value="0" units="1/dev"/>
         </inkml:channelProperties>
       </inkml:inkSource>
-      <inkml:timestamp xml:id="ts0" timeString="2022-06-20T16:48:21.639"/>
+      <inkml:timestamp xml:id="ts0" timeString="2022-06-20T17:02:04.355"/>
     </inkml:context>
     <inkml:brush xml:id="br0">
       <inkml:brushProperty name="width" value="0.1" units="cm"/>
@@ -1502,7 +1892,7 @@
       <inkml:brushProperty name="color" value="#E71224"/>
     </inkml:brush>
   </inkml:definitions>
-  <inkml:trace contextRef="#ctx0" brushRef="#br0">1 1021 24575,'0'-20'0,"0"-21"0,0-2 0,0-27 0,0 17 0,0-16 0,0 16 0,7-2 0,1-4 0,4-17 0,-4 14 0,1 3 0,-2 1 0,-7 6 0,0 22 0,0-1 0,0 1 0,7 0 0,-5 7 0,11-6 0,-11 14 0,4-6 0,0 7 0,-4 1 0,10 5 0,-11 2 0,5 6 0</inkml:trace>
+  <inkml:trace contextRef="#ctx0" brushRef="#br0">384 0 24575,'-13'0'0,"0"0"0,-1 0 0,1 0 0,-8 0 0,-1 0 0,0 0 0,-5 0 0,11 0 0,-17 0 0,10 0 0,-4 6 0,8 1 0,11 7 0,-3-1 0,3 0 0,1 0 0,-5 1 0,4-1 0,1 1 0,-5-7 0,11 5 0,-5-5 0,0 6 0,5 0 0,-11-5 0,10 4 0,-10-5 0,10 7 0,-4-1 0,6 0 0,0 0 0,0 0 0,0 0 0,0 1 0,0-1 0,0 1 0,6-7 0,1-2 0,6-5 0,-5 6 0,3-4 0,-4 4 0,6-6 0,0 0 0,1 0 0,-1 0 0,0 0 0,0 0 0,0 0 0,-5-6 0,4-2 0,-4-5 0,5-1 0,1 0 0,0 7 0,-7-5 0,5 10 0,-10-10 0,10 11 0,-5-11 0,7 4 0,-2-4 0,2-2 0,-7 2 0,5 5 0,-11-5 0,11 4 0,-10-5 0,10-1 0,-11 0 0,12 1 0,-6-1 0,7 6 0,-7-4 0,5 5 0,-16 5 0,9 10 0,-17 6 0,5 6 0,-7-6 0,0-1 0,1 1 0,-1-1 0,0 1 0,1 0 0,-1-1 0,0 1 0,7 0 0,-5-1 0,10 1 0,-10 0 0,10-1 0,-4 0 0,6 0 0,0 1 0,0 0 0,-13 0 0,10 0 0,-11 0 0,14 0 0,0-1 0,0 1 0,0-1 0,6 0 0,2 0 0,-1 1 0,6-1 0,-6-5 0,6-2 0,0-6 0,0 0 0,0 0 0,1 0 0,-1 0 0,1 0 0,-1 0 0,1 0 0,-1 0 0,1 0 0,7 0 0,2 0 0,0 0 0,5-7 0,-12 6 0,5-12 0,-8 11 0,1-4 0,-1 0 0,1-1 0,-2-6 0,-4-7 0,4 4 0,-11-12 0,11 12 0,-10-12 0,4 5 0,0-7 0,-4 7 0,5 2 0,-7 7 0,0 1 0,0-1 0,0 0 0,0 1 0,-6 6 0,-9-5 0,0 10 0,-6-5 0,7 1 0,1 5 0,-1-5 0,0 6 0,1 0 0,0 0 0,0 0 0,6-6 0,-4 4 0,9-10 0,-9 11 0,4-5 0,-7 0 0,1-2 0,-1-5 0,-7 5 0,12-4 0,-11 4 0,12 1 0,1-5 0,-5 10 0,10-4 0,-4 6 0</inkml:trace>
 </inkml:ink>
 </file>
 
@@ -1522,7 +1912,7 @@
           <inkml:channelProperty channel="F" name="resolution" value="0" units="1/dev"/>
         </inkml:channelProperties>
       </inkml:inkSource>
-      <inkml:timestamp xml:id="ts0" timeString="2022-06-20T16:48:23.160"/>
+      <inkml:timestamp xml:id="ts0" timeString="2022-06-20T17:02:14.705"/>
     </inkml:context>
     <inkml:brush xml:id="br0">
       <inkml:brushProperty name="width" value="0.1" units="cm"/>
@@ -1530,7 +1920,7 @@
       <inkml:brushProperty name="color" value="#E71224"/>
     </inkml:brush>
   </inkml:definitions>
-  <inkml:trace contextRef="#ctx0" brushRef="#br0">1 471 24575,'19'0'0,"-1"0"0,-4 0 0,-1 0 0,1 0 0,12-7 0,-15 0 0,22-1 0,-23-12 0,11 11 0,9-14 0,-11 2 0,11 10 0,0-10 0,-12 6 0,20-2 0,-15-5 0,1 0 0,4 12 0,-4-10 0,6 11 0,-13-5 0,2 6 0,-10-12 0,4 17 0,1-11 0,-1 9 0,1-3 0,-1 1 0,-6-5 0,5 5 0,-4-1 0,-1-4 0,4 10 0,-4-4 0,7-7 0,-1 3 0,9-11 0,-6-1 0,5 12 0,-6-9 0,-2 17 0,-5-4 0,-2 6 0</inkml:trace>
+  <inkml:trace contextRef="#ctx0" brushRef="#br0">10 1 24575,'0'14'0,"0"4"0,0-2 0,-5-4 0,4 2 0,-3-9 0,4 5 0,0-1 0,0 1 0,0-1 0,0 0 0,0 0 0,0 0 0,0 0 0,0 0 0,0 0 0,0 6 0,0-4 0,0 9 0,0-4 0,0 5 0,0 1 0,0-1 0,0 0 0,0-5 0,0-1 0,0-5 0,0 0 0,4-1 0,1 0 0,4 0 0,1 1 0,0 0 0,-1-1 0,1 1 0,0 0 0,-1-1 0,-3 1 0,2-5 0,-3 0 0,5-5 0,-1 0 0,1 0 0,0 0 0,4 0 0,-3 0 0,9 0 0,-9 0 0,4 0 0,-5 0 0,5 0 0,-4 0 0,3 0 0,-4 0 0,0 0 0,-1 0 0,1 0 0,0 0 0,-1 0 0,1 0 0,-1 0 0,1 0 0,-2 0 0,1 0 0,-4-9 0,-1 3 0,-4-7 0,0-2 0,5-1 0,-4 0 0,4 1 0,-5 0 0,0 4 0,0-3 0,-4 8 0,3-2 0,-7-2 0,-3-2 0,-1-8 0,-3 3 0,5 1 0,-6-4 0,5 9 0,-4-9 0,5 9 0,0-4 0,0 6 0,1-1 0,-1 1 0,1-1 0,-1 5 0,0-4 0,1 4 0,-1-1 0,0-2 0,1 2 0,-1-3 0,0 3 0,1-2 0,-1 2 0,1 1 0,-1 1 0,5 0 0,-2 2 0,6-10 0,-3 11 0,4-7 0</inkml:trace>
 </inkml:ink>
 </file>
 
@@ -1550,7 +1940,7 @@
           <inkml:channelProperty channel="F" name="resolution" value="0" units="1/dev"/>
         </inkml:channelProperties>
       </inkml:inkSource>
-      <inkml:timestamp xml:id="ts0" timeString="2022-06-20T16:48:27.210"/>
+      <inkml:timestamp xml:id="ts0" timeString="2022-06-20T17:02:14.706"/>
     </inkml:context>
     <inkml:brush xml:id="br0">
       <inkml:brushProperty name="width" value="0.1" units="cm"/>
@@ -1558,7 +1948,7 @@
       <inkml:brushProperty name="color" value="#E71224"/>
     </inkml:brush>
   </inkml:definitions>
-  <inkml:trace contextRef="#ctx0" brushRef="#br0">384 0 24575,'-13'0'0,"0"0"0,-1 0 0,1 0 0,-8 0 0,-1 0 0,0 0 0,-5 0 0,11 0 0,-17 0 0,10 0 0,-4 6 0,8 1 0,11 7 0,-3-1 0,3 0 0,1 0 0,-5 1 0,4-1 0,1 1 0,-5-7 0,11 5 0,-5-5 0,0 6 0,5 0 0,-11-5 0,10 4 0,-10-5 0,10 7 0,-4-1 0,6 0 0,0 0 0,0 0 0,0 0 0,0 1 0,0-1 0,0 1 0,6-7 0,1-2 0,6-5 0,-5 6 0,3-4 0,-4 4 0,6-6 0,0 0 0,1 0 0,-1 0 0,0 0 0,0 0 0,0 0 0,-5-6 0,4-2 0,-4-5 0,5-1 0,1 0 0,0 7 0,-7-5 0,5 10 0,-10-10 0,10 11 0,-5-11 0,7 4 0,-2-4 0,2-2 0,-7 2 0,5 5 0,-11-5 0,11 4 0,-10-5 0,10-1 0,-11 0 0,12 1 0,-6-1 0,7 6 0,-7-4 0,5 5 0,-16 5 0,9 10 0,-17 6 0,5 6 0,-7-6 0,0-1 0,1 1 0,-1-1 0,0 1 0,1 0 0,-1-1 0,0 1 0,7 0 0,-5-1 0,10 1 0,-10 0 0,10-1 0,-4 0 0,6 0 0,0 1 0,0 0 0,-13 0 0,10 0 0,-11 0 0,14 0 0,0-1 0,0 1 0,0-1 0,6 0 0,2 0 0,-1 1 0,6-1 0,-6-5 0,6-2 0,0-6 0,0 0 0,0 0 0,1 0 0,-1 0 0,1 0 0,-1 0 0,1 0 0,-1 0 0,1 0 0,7 0 0,2 0 0,0 0 0,5-7 0,-12 6 0,5-12 0,-8 11 0,1-4 0,-1 0 0,1-1 0,-2-6 0,-4-7 0,4 4 0,-11-12 0,11 12 0,-10-12 0,4 5 0,0-7 0,-4 7 0,5 2 0,-7 7 0,0 1 0,0-1 0,0 0 0,0 1 0,-6 6 0,-9-5 0,0 10 0,-6-5 0,7 1 0,1 5 0,-1-5 0,0 6 0,1 0 0,0 0 0,0 0 0,6-6 0,-4 4 0,9-10 0,-9 11 0,4-5 0,-7 0 0,1-2 0,-1-5 0,-7 5 0,12-4 0,-11 4 0,12 1 0,1-5 0,-5 10 0,10-4 0,-4 6 0</inkml:trace>
+  <inkml:trace contextRef="#ctx0" brushRef="#br0">0 0 24575,'13'0'0,"0"0"0,1 0 0,-1 0 0,17 0 0,-12 0 0,19 0 0,-14 7 0,0 8 0,15 2 0,-13 5 0,7 1 0,-3-6 0,-5-2 0,-1 5 0,-8-11 0,5 13 0,-10-8 0,11 0 0,-8 0 0,1 0 0,0-1 0,-1 1 0,1 0 0,0-1 0,-1 1 0,1 0 0,-1-7 0,0 5 0,0-11 0,0 5 0,0-6 0,-6 5 0,4-3 0,-4 9 0,6-9 0,1 10 0,0-4 0,-1-1 0,1 5 0,0-4 0,-1 5 0,1-5 0,0 4 0,-7-5 0,5 1 0,-10 3 0,10-9 0,-5 3 0,6-5 0,-6 6 0,5-4 0,-4 4 0,-1 0 0,5-5 0,-5 11 0,6-11 0,-7 11 0,6-11 0,-10 11 0,10-10 0,-5 3 0,1-5 0,-3 0 0</inkml:trace>
 </inkml:ink>
 </file>
 
@@ -1578,7 +1968,7 @@
           <inkml:channelProperty channel="F" name="resolution" value="0" units="1/dev"/>
         </inkml:channelProperties>
       </inkml:inkSource>
-      <inkml:timestamp xml:id="ts0" timeString="2022-06-20T16:48:46.895"/>
+      <inkml:timestamp xml:id="ts0" timeString="2022-06-20T17:02:14.707"/>
     </inkml:context>
     <inkml:brush xml:id="br0">
       <inkml:brushProperty name="width" value="0.1" units="cm"/>
@@ -1586,7 +1976,7 @@
       <inkml:brushProperty name="color" value="#E71224"/>
     </inkml:brush>
   </inkml:definitions>
-  <inkml:trace contextRef="#ctx0" brushRef="#br0">10 1 24575,'0'14'0,"0"4"0,0-2 0,-5-4 0,4 2 0,-3-9 0,4 5 0,0-1 0,0 1 0,0-1 0,0 0 0,0 0 0,0 0 0,0 0 0,0 0 0,0 0 0,0 6 0,0-4 0,0 9 0,0-4 0,0 5 0,0 1 0,0-1 0,0 0 0,0-5 0,0-1 0,0-5 0,0 0 0,4-1 0,1 0 0,4 0 0,1 1 0,0 0 0,-1-1 0,1 1 0,0 0 0,-1-1 0,-3 1 0,2-5 0,-3 0 0,5-5 0,-1 0 0,1 0 0,0 0 0,4 0 0,-3 0 0,9 0 0,-9 0 0,4 0 0,-5 0 0,5 0 0,-4 0 0,3 0 0,-4 0 0,0 0 0,-1 0 0,1 0 0,0 0 0,-1 0 0,1 0 0,-1 0 0,1 0 0,-2 0 0,1 0 0,-4-9 0,-1 3 0,-4-7 0,0-2 0,5-1 0,-4 0 0,4 1 0,-5 0 0,0 4 0,0-3 0,-4 8 0,3-2 0,-7-2 0,-3-2 0,-1-8 0,-3 3 0,5 1 0,-6-4 0,5 9 0,-4-9 0,5 9 0,0-4 0,0 6 0,1-1 0,-1 1 0,1-1 0,-1 5 0,0-4 0,1 4 0,-1-1 0,0-2 0,1 2 0,-1-3 0,0 3 0,1-2 0,-1 2 0,1 1 0,-1 1 0,5 0 0,-2 2 0,6-10 0,-3 11 0,4-7 0</inkml:trace>
+  <inkml:trace contextRef="#ctx0" brushRef="#br0">1 0 24575,'0'13'0,"0"7"0,0 3 0,0 0 0,0-2 0,0-7 0,0-1 0,0 8 0,0-5 0,0 5 0,0 0 0,0-5 0,0 12 0,0-5 0,0 0 0,0 5 0,0-5 0,6 26 0,-4-22 0,10 18 0,-11-30 0,5 5 0,-6-7 0,6 0 0,-4 0 0,10 1 0,-10 7 0,10 2 0,-10 7 0,12 0 0,-7-7 0,2 5 0,3-5 0,-4 0 0,0-2 0,5 0 0,-11-5 0,11 5 0,-12 0 0,11-6 0,-10 6 0,10-7 0,-11 7 0,5-5 0,1 5 0,-6-8 0,5 1 0,0 0 0,-4-1 0,4-6 0,-6-1 0</inkml:trace>
 </inkml:ink>
 </file>
 
@@ -1606,7 +1996,7 @@
           <inkml:channelProperty channel="F" name="resolution" value="0" units="1/dev"/>
         </inkml:channelProperties>
       </inkml:inkSource>
-      <inkml:timestamp xml:id="ts0" timeString="2022-06-20T16:48:32.051"/>
+      <inkml:timestamp xml:id="ts0" timeString="2022-06-20T17:02:14.708"/>
     </inkml:context>
     <inkml:brush xml:id="br0">
       <inkml:brushProperty name="width" value="0.1" units="cm"/>
@@ -1614,7 +2004,7 @@
       <inkml:brushProperty name="color" value="#E71224"/>
     </inkml:brush>
   </inkml:definitions>
-  <inkml:trace contextRef="#ctx0" brushRef="#br0">0 0 24575,'13'0'0,"0"0"0,1 0 0,-1 0 0,17 0 0,-12 0 0,19 0 0,-14 7 0,0 8 0,15 2 0,-13 5 0,7 1 0,-3-6 0,-5-2 0,-1 5 0,-8-11 0,5 13 0,-10-8 0,11 0 0,-8 0 0,1 0 0,0-1 0,-1 1 0,1 0 0,0-1 0,-1 1 0,1 0 0,-1-7 0,0 5 0,0-11 0,0 5 0,0-6 0,-6 5 0,4-3 0,-4 9 0,6-9 0,1 10 0,0-4 0,-1-1 0,1 5 0,0-4 0,-1 5 0,1-5 0,0 4 0,-7-5 0,5 1 0,-10 3 0,10-9 0,-5 3 0,6-5 0,-6 6 0,5-4 0,-4 4 0,-1 0 0,5-5 0,-5 11 0,6-11 0,-7 11 0,6-11 0,-10 11 0,10-10 0,-5 3 0,1-5 0,-3 0 0</inkml:trace>
+  <inkml:trace contextRef="#ctx0" brushRef="#br0">1 125 24575,'0'-20'0,"0"6"0,0-5 0,3 13 0,3-3 0,-1 5 0,3 3 0,-3-8 0,5 4 0,-1 0 0,-4-3 0,4 7 0,-4-4 0,0 1 0,4 3 0,-4-3 0,4 4 0,0 0 0,1 0 0,-5-5 0,4 4 0,-4-3 0,4 4 0,1 0 0,-2 0 0,7 0 0,1 0 0,0 0 0,4 0 0,-9 0 0,4 0 0,-6 0 0,1 0 0,-1 0 0,0 0 0,0 0 0,1 0 0,-1 0 0,1 0 0,-1 4 0,1-3 0,-1 4 0,1-1 0,-1 1 0,0 0 0,0 3 0,1-7 0,0 8 0,-1-4 0,1 0 0,-1 4 0,1-4 0,0 1 0,-5 2 0,4-7 0,-8 8 0,7-8 0,-7 8 0,3-4 0,0 4 0,-3 1 0,8-1 0,-3 6 0,-1-4 0,5 9 0,-9-4 0,8 0 0,-8 4 0,3-9 0,-4 4 0,0 0 0,0-4 0,0 4 0,0-6 0,0 0 0,0 0 0,0 0 0,-4 0 0,-1-4 0,-4-1 0,0-4 0,0 0 0,-1 0 0,1 0 0,0 0 0,0 0 0,-4 0 0,2 0 0,-7 0 0,2 0 0,-6 0 0,6-4 0,-4 3 0,9-3 0,-4-1 0,6 4 0,-1-3 0,5 0 0,-4 3 0,4-4 0,-3 5 0,-7-4 0,-1-2 0,-5-5 0,0 0 0,-1 1 0,1-1 0,5 1 0,-4 4 0,9-3 0,-4 8 0,10-7 0,-4 7 0,4-4 0,-4 5 0,0 0 0,0 0 0,0 0 0,0 0 0,-1 0 0,5-3 0,-3 2 0,7-3 0,-2 4 0</inkml:trace>
 </inkml:ink>
 </file>
 
@@ -1661,15 +2051,14 @@
           <inkml:channelProperty channel="F" name="resolution" value="0" units="1/dev"/>
         </inkml:channelProperties>
       </inkml:inkSource>
-      <inkml:timestamp xml:id="ts0" timeString="2022-06-20T16:48:33.748"/>
+      <inkml:timestamp xml:id="ts0" timeString="2022-06-20T16:35:15.585"/>
     </inkml:context>
     <inkml:brush xml:id="br0">
       <inkml:brushProperty name="width" value="0.1" units="cm"/>
       <inkml:brushProperty name="height" value="0.1" units="cm"/>
-      <inkml:brushProperty name="color" value="#E71224"/>
     </inkml:brush>
   </inkml:definitions>
-  <inkml:trace contextRef="#ctx0" brushRef="#br0">1 0 24575,'0'13'0,"0"7"0,0 3 0,0 0 0,0-2 0,0-7 0,0-1 0,0 8 0,0-5 0,0 5 0,0 0 0,0-5 0,0 12 0,0-5 0,0 0 0,0 5 0,0-5 0,6 26 0,-4-22 0,10 18 0,-11-30 0,5 5 0,-6-7 0,6 0 0,-4 0 0,10 1 0,-10 7 0,10 2 0,-10 7 0,12 0 0,-7-7 0,2 5 0,3-5 0,-4 0 0,0-2 0,5 0 0,-11-5 0,11 5 0,-12 0 0,11-6 0,-10 6 0,10-7 0,-11 7 0,5-5 0,1 5 0,-6-8 0,5 1 0,0 0 0,-4-1 0,4-6 0,-6-1 0</inkml:trace>
+  <inkml:trace contextRef="#ctx0" brushRef="#br0">2692 115 24575,'-11'0'0,"-3"0"0,6 0 0,-6 0 0,1 0 0,-3 0 0,0 0 0,-1 0 0,1 0 0,4 0 0,-4 0 0,-1 0 0,4 0 0,-7 0 0,7 0 0,-3 0 0,0 0 0,0 0 0,-1 0 0,5 0 0,-3 0 0,2 0 0,-8-4 0,4 3 0,-9-11 0,4 10 0,-5-6 0,0 4 0,0 3 0,5-7 0,-3 3 0,2-3 0,1 3 0,-3-3 0,7 7 0,-8-7 0,9 3 0,-9 0 0,4-2 0,-5 6 0,0-7 0,5 7 0,-3-3 0,7 0 0,-7 3 0,7-2 0,-3 3 0,0 0 0,4 0 0,-4 0 0,4 0 0,1 0 0,4 0 0,-4 0 0,4 0 0,-4 0 0,-1 0 0,1 0 0,0 0 0,4 0 0,-4 0 0,-7 3 0,4-2 0,-7 6 0,5-2 0,3-1 0,-8 4 0,9-3 0,-9 4 0,-3 3 0,0-2 0,0 2 0,3-3 0,-1 0 0,-2 0 0,-3 0 0,5 4 0,0 1 0,1 0 0,-1 3 0,0-7 0,0 7 0,0-3 0,1 3 0,3-3 0,-2 3 0,3-4 0,-5 5 0,0 0 0,5-1 0,-4 1 0,9-5 0,-9 4 0,9-4 0,-9 4 0,-4 4 0,6-3 0,-4 3 0,7-8 0,4 2 0,-4-2 0,4 4 0,1-1 0,0 0 0,0 1 0,-1-1 0,1 0 0,0 1 0,3-1 0,-3 0 0,4 1 0,-5-5 0,5 4 0,-4-4 0,3 9 0,-3-3 0,2 3 0,-9 7 0,8-4 0,-7 10 0,6-7 0,2-5 0,1 4 0,0-4 0,0 4 0,4 1 0,-8 0 0,7 0 0,-3-5 0,0 4 0,4-4 0,-4 0 0,4 4 0,5-9 0,-4 9 0,3-9 0,0 4 0,-2 0 0,6-3 0,-7 19 0,3-16 0,0 16 0,-2-14 0,6-1 0,-7 3 0,7-7 0,-7 8 0,7-9 0,-3 9 0,4-9 0,0 9 0,0-9 0,0 9 0,0-4 0,-4 5 0,3 5 0,-3-4 0,0 4 0,3-5 0,-8 5 0,8-3 0,-3 3 0,0-5 0,3-5 0,-3 4 0,4-9 0,0 4 0,0 0 0,0-4 0,0 9 0,0-4 0,0 5 0,0 5 0,0-3 0,0 3 0,0-5 0,0-1 0,0-3 0,0 2 0,0-7 0,0 7 0,0-7 0,0 3 0,0 0 0,0-4 0,0 4 0,0-4 0,0 4 0,0-4 0,0 4 0,0 0 0,0-3 0,0 7 0,0-7 0,0 19 0,0-12 0,0 14 0,0-12 0,0 0 0,0 0 0,0 0 0,0-1 0,4 1 0,1 0 0,4 0 0,0-1 0,0 1 0,0 0 0,0 5 0,0-8 0,0 7 0,4-9 0,-4 0 0,4-1 0,-5 0 0,0-4 0,1 4 0,-1-8 0,0 2 0,-1-3 0,1 4 0,4 1 0,2 4 0,-2-4 0,4 4 0,-2 0 0,2-4 0,1 4 0,0 0 0,0-3 0,4 3 0,-3-4 0,3 0 0,-5-1 0,5-3 0,-7 3 0,6-7 0,-11 2 0,2-3 0,-4-1 0,1 1 0,-1-1 0,0 1 0,1 2 0,-1-2 0,1 0 0,-1-2 0,6-5 0,0 2 0,4 1 0,0 1 0,-1 6 0,0-2 0,1 3 0,4 1 0,-4-4 0,4 7 0,0-7 0,-4 7 0,9-3 0,-9 0 0,4 3 0,-4-7 0,-1 3 0,0-4 0,1 1 0,-5-2 0,3 1 0,-6 0 0,2-4 0,-4 3 0,5-3 0,-4 4 0,3-4 0,1 3 0,-4-3 0,3 4 0,1 0 0,-4-1 0,7-2 0,-6 1 0,6-1 0,-3 2 0,5 2 0,-5-2 0,3-2 0,-6 1 0,6-5 0,-3 6 0,1-3 0,2 1 0,-6-2 0,6 1 0,-7-4 0,7 8 0,-6-7 0,6 6 0,-7-6 0,8 6 0,-4-6 0,4 3 0,1-1 0,-1-2 0,0 6 0,1-6 0,6 6 0,-5-2 0,2 3 0,-5-4 0,-6 3 0,6-6 0,-7 5 0,7-5 0,-2 2 0,3-3 0,0 0 0,1 0 0,4 0 0,1 0 0,5 4 0,0-3 0,-1 3 0,1 0 0,0 1 0,0 0 0,0 3 0,-5-7 0,3 7 0,-2-7 0,-1 7 0,-1-8 0,-9 4 0,3-4 0,-6 0 0,2 0 0,-4 0 0,1 0 0,-1 0 0,0 0 0,5 0 0,5 0 0,0 0 0,9 0 0,-4 0 0,5 0 0,-5 0 0,4 0 0,-9 0 0,9 0 0,-9 0 0,4 0 0,-4 0 0,-1 0 0,0 4 0,1-3 0,-1 2 0,5-3 0,-4 0 0,4 0 0,-4 0 0,-1 0 0,5 0 0,-3 4 0,7-3 0,-7 2 0,13-3 0,-8 0 0,15 0 0,-10 0 0,10 0 0,-10 0 0,9 0 0,-8 0 0,3 0 0,0 0 0,-8 0 0,7 4 0,8-3 0,-8 3 0,13-4 0,-11 0 0,0 0 0,1 0 0,3 0 0,-3 0 0,0 0 0,3-4 0,-3-1 0,-1-5 0,5 1 0,-5-1 0,6-4 0,0 3 0,0-7 0,0 7 0,-5-7 0,4 8 0,-10-7 0,9 6 0,-8-6 0,8 2 0,-9 1 0,5-4 0,-7 8 0,1-6 0,0 6 0,0-7 0,5 2 0,-4-3 0,10-1 0,-10 1 0,10-2 0,-10 2 0,5-5 0,0 3 0,-3-8 0,3 3 0,-3-4 0,-1-1 0,-5 2 0,4-1 0,-8-3 0,4-3 0,-5-4 0,10-23 0,-7 17 0,7-17 0,-14 23 0,-2 5 0,1-3 0,-3 8 0,2-3 0,-4 5 0,0-5 0,0 4 0,1-4 0,-1-1 0,0 0 0,6-6 0,-5 0 0,4 0 0,-4 0 0,0 0 0,-1 6 0,-3 1 0,2-1 0,-3 5 0,0-4 0,8-12 0,-11 13 0,6-14 0,-4 13 0,-3 4 0,4-4 0,-5-1 0,0 5 0,0-4 0,0 5 0,0 0 0,0 0 0,4 1 0,-3-7 0,3 5 0,-4-9 0,0 8 0,0-8 0,0 9 0,0-10 0,0 5 0,0-1 0,0-10 0,0 14 0,0-9 0,0 13 0,0 3 0,0-2 0,0 3 0,0-5 0,0 0 0,0-5 0,0 4 0,-4-5 0,3 1 0,-7 4 0,7-10 0,-8 5 0,8-6 0,-7 5 0,7-3 0,-7 3 0,2-5 0,-3 5 0,0 2 0,0 5 0,-4-11 0,3 8 0,-6-4 0,5 3 0,-1 12 0,7-12 0,-2 9 0,2-5 0,-4 0 0,0 0 0,0 0 0,0 5 0,0-4 0,1 9 0,-4-4 0,-1 8 0,-3-2 0,0 6 0,-1-3 0,1 4 0,0 0 0,4 0 0,-4 0 0,8 0 0,0-5 0,1 4 0,7-7 0,-11 3 0,6-3 0,-11 0 0,7 3 0,-6-2 0,7 7 0,-4-8 0,1 8 0,2-4 0,-2 4 0,3 1 0,-3 3 0,3-3 0,-8 7 0,8-7 0,-7 3 0,6-1 0,-6-2 0,3 6 0,-1-6 0,-2 3 0,7-4 0,-8 4 0,8-3 0,-3 3 0,-1-3 0,4-1 0,-4 1 0,5-1 0,-4 0 0,2 1 0,-2-1 0,0 4 0,2-2 0,-2 2 0,0-1 0,2 2 0,-2 0 0,4 2 0,-1-2 0,1 0 0,0 2 0,-1-3 0,1 4 0,-1-3 0,-3 2 0,3-5 0,-4 2 0,1 0 0,3-3 0,-8 3 0,8-4 0,-7 0 0,-1 1 0,3-1 0,-2 1 0,4-1 0,3 4 0,-4-3 0,1 6 0,3-6 0,-8 3 0,4 0 0,0-3 0,-4 2 0,4 1 0,0-3 0,-4 7 0,11-7 0,-9 6 0,9-2 0,-7 0 0,5 2 0,-4-6 0,-2 6 0,1-3 0,1 1 0,-8-1 0,9-1 0,-13 2 0,11-1 0,0 3 0,-4-2 0,4 3 0,0-4 0,-4 4 0,4-4 0,-4 4 0,-1 0 0,1-3 0,0 2 0,-1-3 0,1 4 0,4 0 0,-4 0 0,8 0 0,-7 0 0,2 0 0,1 0 0,-11 0 0,9 0 0,-9-3 0,2 2 0,3-3 0,-3 0 0,0 4 0,4-4 0,-4 4 0,9-3 0,0 2 0,5-2 0,-1 3 0,1 0 0,0 0 0,0 0 0,0 0 0,0 0 0,-5 0 0,4 0 0,-3 0 0,3 0 0,1 0 0,0 0 0,0 0 0,0 0 0,1 0 0,-2 0 0,1 0 0,0 3 0,0-3 0,-5 7 0,0-6 0,-4 6 0,3-3 0,2 1 0,4-2 0,-1 0 0,1-2 0,0 3 0,2-4 0,2 0 0</inkml:trace>
 </inkml:ink>
 </file>
 
@@ -1689,15 +2078,14 @@
           <inkml:channelProperty channel="F" name="resolution" value="0" units="1/dev"/>
         </inkml:channelProperties>
       </inkml:inkSource>
-      <inkml:timestamp xml:id="ts0" timeString="2022-06-20T16:48:51.331"/>
+      <inkml:timestamp xml:id="ts0" timeString="2022-06-20T16:35:15.588"/>
     </inkml:context>
     <inkml:brush xml:id="br0">
       <inkml:brushProperty name="width" value="0.1" units="cm"/>
       <inkml:brushProperty name="height" value="0.1" units="cm"/>
-      <inkml:brushProperty name="color" value="#E71224"/>
     </inkml:brush>
   </inkml:definitions>
-  <inkml:trace contextRef="#ctx0" brushRef="#br0">1 125 24575,'0'-20'0,"0"6"0,0-5 0,3 13 0,3-3 0,-1 5 0,3 3 0,-3-8 0,5 4 0,-1 0 0,-4-3 0,4 7 0,-4-4 0,0 1 0,4 3 0,-4-3 0,4 4 0,0 0 0,1 0 0,-5-5 0,4 4 0,-4-3 0,4 4 0,1 0 0,-2 0 0,7 0 0,1 0 0,0 0 0,4 0 0,-9 0 0,4 0 0,-6 0 0,1 0 0,-1 0 0,0 0 0,0 0 0,1 0 0,-1 0 0,1 0 0,-1 4 0,1-3 0,-1 4 0,1-1 0,-1 1 0,0 0 0,0 3 0,1-7 0,0 8 0,-1-4 0,1 0 0,-1 4 0,1-4 0,0 1 0,-5 2 0,4-7 0,-8 8 0,7-8 0,-7 8 0,3-4 0,0 4 0,-3 1 0,8-1 0,-3 6 0,-1-4 0,5 9 0,-9-4 0,8 0 0,-8 4 0,3-9 0,-4 4 0,0 0 0,0-4 0,0 4 0,0-6 0,0 0 0,0 0 0,0 0 0,-4 0 0,-1-4 0,-4-1 0,0-4 0,0 0 0,-1 0 0,1 0 0,0 0 0,0 0 0,-4 0 0,2 0 0,-7 0 0,2 0 0,-6 0 0,6-4 0,-4 3 0,9-3 0,-4-1 0,6 4 0,-1-3 0,5 0 0,-4 3 0,4-4 0,-3 5 0,-7-4 0,-1-2 0,-5-5 0,0 0 0,-1 1 0,1-1 0,5 1 0,-4 4 0,9-3 0,-4 8 0,10-7 0,-4 7 0,4-4 0,-4 5 0,0 0 0,0 0 0,0 0 0,0 0 0,-1 0 0,5-3 0,-3 2 0,7-3 0,-2 4 0</inkml:trace>
+  <inkml:trace contextRef="#ctx0" brushRef="#br0">2692 115 24575,'-11'0'0,"-3"0"0,6 0 0,-6 0 0,1 0 0,-3 0 0,0 0 0,-1 0 0,1 0 0,4 0 0,-4 0 0,-1 0 0,4 0 0,-7 0 0,7 0 0,-3 0 0,0 0 0,0 0 0,-1 0 0,5 0 0,-3 0 0,2 0 0,-8-4 0,4 3 0,-9-11 0,4 10 0,-5-6 0,0 4 0,0 3 0,5-7 0,-3 3 0,2-3 0,1 3 0,-3-3 0,7 7 0,-8-7 0,9 3 0,-9 0 0,4-2 0,-5 6 0,0-7 0,5 7 0,-3-3 0,7 0 0,-7 3 0,7-2 0,-3 3 0,0 0 0,4 0 0,-4 0 0,4 0 0,1 0 0,4 0 0,-4 0 0,4 0 0,-4 0 0,-1 0 0,1 0 0,0 0 0,4 0 0,-4 0 0,-7 3 0,4-2 0,-7 6 0,5-2 0,3-1 0,-8 4 0,9-3 0,-9 4 0,-3 3 0,0-2 0,0 2 0,3-3 0,-1 0 0,-2 0 0,-3 0 0,5 4 0,0 1 0,1 0 0,-1 3 0,0-7 0,0 7 0,0-3 0,1 3 0,3-3 0,-2 3 0,3-4 0,-5 5 0,0 0 0,5-1 0,-4 1 0,9-5 0,-9 4 0,9-4 0,-9 4 0,-4 4 0,6-3 0,-4 3 0,7-8 0,4 2 0,-4-2 0,4 4 0,1-1 0,0 0 0,0 1 0,-1-1 0,1 0 0,0 1 0,3-1 0,-3 0 0,4 1 0,-5-5 0,5 4 0,-4-4 0,3 9 0,-3-3 0,2 3 0,-9 7 0,8-4 0,-7 10 0,6-7 0,2-5 0,1 4 0,0-4 0,0 4 0,4 1 0,-8 0 0,7 0 0,-3-5 0,0 4 0,4-4 0,-4 0 0,4 4 0,5-9 0,-4 9 0,3-9 0,0 4 0,-2 0 0,6-3 0,-7 19 0,3-16 0,0 16 0,-2-14 0,6-1 0,-7 3 0,7-7 0,-7 8 0,7-9 0,-3 9 0,4-9 0,0 9 0,0-9 0,0 9 0,0-4 0,-4 5 0,3 5 0,-3-4 0,0 4 0,3-5 0,-8 5 0,8-3 0,-3 3 0,0-5 0,3-5 0,-3 4 0,4-9 0,0 4 0,0 0 0,0-4 0,0 9 0,0-4 0,0 5 0,0 5 0,0-3 0,0 3 0,0-5 0,0-1 0,0-3 0,0 2 0,0-7 0,0 7 0,0-7 0,0 3 0,0 0 0,0-4 0,0 4 0,0-4 0,0 4 0,0-4 0,0 4 0,0 0 0,0-3 0,0 7 0,0-7 0,0 19 0,0-12 0,0 14 0,0-12 0,0 0 0,0 0 0,0 0 0,0-1 0,4 1 0,1 0 0,4 0 0,0-1 0,0 1 0,0 0 0,0 5 0,0-8 0,0 7 0,4-9 0,-4 0 0,4-1 0,-5 0 0,0-4 0,1 4 0,-1-8 0,0 2 0,-1-3 0,1 4 0,4 1 0,2 4 0,-2-4 0,4 4 0,-2 0 0,2-4 0,1 4 0,0 0 0,0-3 0,4 3 0,-3-4 0,3 0 0,-5-1 0,5-3 0,-7 3 0,6-7 0,-11 2 0,2-3 0,-4-1 0,1 1 0,-1-1 0,0 1 0,1 2 0,-1-2 0,1 0 0,-1-2 0,6-5 0,0 2 0,4 1 0,0 1 0,-1 6 0,0-2 0,1 3 0,4 1 0,-4-4 0,4 7 0,0-7 0,-4 7 0,9-3 0,-9 0 0,4 3 0,-4-7 0,-1 3 0,0-4 0,1 1 0,-5-2 0,3 1 0,-6 0 0,2-4 0,-4 3 0,5-3 0,-4 4 0,3-4 0,1 3 0,-4-3 0,3 4 0,1 0 0,-4-1 0,7-2 0,-6 1 0,6-1 0,-3 2 0,5 2 0,-5-2 0,3-2 0,-6 1 0,6-5 0,-3 6 0,1-3 0,2 1 0,-6-2 0,6 1 0,-7-4 0,7 8 0,-6-7 0,6 6 0,-7-6 0,8 6 0,-4-6 0,4 3 0,1-1 0,-1-2 0,0 6 0,1-6 0,6 6 0,-5-2 0,2 3 0,-5-4 0,-6 3 0,6-6 0,-7 5 0,7-5 0,-2 2 0,3-3 0,0 0 0,1 0 0,4 0 0,1 0 0,5 4 0,0-3 0,-1 3 0,1 0 0,0 1 0,0 0 0,0 3 0,-5-7 0,3 7 0,-2-7 0,-1 7 0,-1-8 0,-9 4 0,3-4 0,-6 0 0,2 0 0,-4 0 0,1 0 0,-1 0 0,0 0 0,5 0 0,5 0 0,0 0 0,9 0 0,-4 0 0,5 0 0,-5 0 0,4 0 0,-9 0 0,9 0 0,-9 0 0,4 0 0,-4 0 0,-1 0 0,0 4 0,1-3 0,-1 2 0,5-3 0,-4 0 0,4 0 0,-4 0 0,-1 0 0,5 0 0,-3 4 0,7-3 0,-7 2 0,13-3 0,-8 0 0,15 0 0,-10 0 0,10 0 0,-10 0 0,9 0 0,-8 0 0,3 0 0,0 0 0,-8 0 0,7 4 0,8-3 0,-8 3 0,13-4 0,-11 0 0,0 0 0,1 0 0,3 0 0,-3 0 0,0 0 0,3-4 0,-3-1 0,-1-5 0,5 1 0,-5-1 0,6-4 0,0 3 0,0-7 0,0 7 0,-5-7 0,4 8 0,-10-7 0,9 6 0,-8-6 0,8 2 0,-9 1 0,5-4 0,-7 8 0,1-6 0,0 6 0,0-7 0,5 2 0,-4-3 0,10-1 0,-10 1 0,10-2 0,-10 2 0,5-5 0,0 3 0,-3-8 0,3 3 0,-3-4 0,-1-1 0,-5 2 0,4-1 0,-8-3 0,4-3 0,-5-4 0,10-23 0,-7 17 0,7-17 0,-14 23 0,-2 5 0,1-3 0,-3 8 0,2-3 0,-4 5 0,0-5 0,0 4 0,1-4 0,-1-1 0,0 0 0,6-6 0,-5 0 0,4 0 0,-4 0 0,0 0 0,-1 6 0,-3 1 0,2-1 0,-3 5 0,0-4 0,8-12 0,-11 13 0,6-14 0,-4 13 0,-3 4 0,4-4 0,-5-1 0,0 5 0,0-4 0,0 5 0,0 0 0,0 0 0,4 1 0,-3-7 0,3 5 0,-4-9 0,0 8 0,0-8 0,0 9 0,0-10 0,0 5 0,0-1 0,0-10 0,0 14 0,0-9 0,0 13 0,0 3 0,0-2 0,0 3 0,0-5 0,0 0 0,0-5 0,0 4 0,-4-5 0,3 1 0,-7 4 0,7-10 0,-8 5 0,8-6 0,-7 5 0,7-3 0,-7 3 0,2-5 0,-3 5 0,0 2 0,0 5 0,-4-11 0,3 8 0,-6-4 0,5 3 0,-1 12 0,7-12 0,-2 9 0,2-5 0,-4 0 0,0 0 0,0 0 0,0 5 0,0-4 0,1 9 0,-4-4 0,-1 8 0,-3-2 0,0 6 0,-1-3 0,1 4 0,0 0 0,4 0 0,-4 0 0,8 0 0,0-5 0,1 4 0,7-7 0,-11 3 0,6-3 0,-11 0 0,7 3 0,-6-2 0,7 7 0,-4-8 0,1 8 0,2-4 0,-2 4 0,3 1 0,-3 3 0,3-3 0,-8 7 0,8-7 0,-7 3 0,6-1 0,-6-2 0,3 6 0,-1-6 0,-2 3 0,7-4 0,-8 4 0,8-3 0,-3 3 0,-1-3 0,4-1 0,-4 1 0,5-1 0,-4 0 0,2 1 0,-2-1 0,0 4 0,2-2 0,-2 2 0,0-1 0,2 2 0,-2 0 0,4 2 0,-1-2 0,1 0 0,0 2 0,-1-3 0,1 4 0,-1-3 0,-3 2 0,3-5 0,-4 2 0,1 0 0,3-3 0,-8 3 0,8-4 0,-7 0 0,-1 1 0,3-1 0,-2 1 0,4-1 0,3 4 0,-4-3 0,1 6 0,3-6 0,-8 3 0,4 0 0,0-3 0,-4 2 0,4 1 0,0-3 0,-4 7 0,11-7 0,-9 6 0,9-2 0,-7 0 0,5 2 0,-4-6 0,-2 6 0,1-3 0,1 1 0,-8-1 0,9-1 0,-13 2 0,11-1 0,0 3 0,-4-2 0,4 3 0,0-4 0,-4 4 0,4-4 0,-4 4 0,-1 0 0,1-3 0,0 2 0,-1-3 0,1 4 0,4 0 0,-4 0 0,8 0 0,-7 0 0,2 0 0,1 0 0,-11 0 0,9 0 0,-9-3 0,2 2 0,3-3 0,-3 0 0,0 4 0,4-4 0,-4 4 0,9-3 0,0 2 0,5-2 0,-1 3 0,1 0 0,0 0 0,0 0 0,0 0 0,0 0 0,-5 0 0,4 0 0,-3 0 0,3 0 0,1 0 0,0 0 0,0 0 0,0 0 0,1 0 0,-2 0 0,1 0 0,0 3 0,0-3 0,-5 7 0,0-6 0,-4 6 0,3-3 0,2 1 0,4-2 0,-1 0 0,1-2 0,0 3 0,2-4 0,2 0 0</inkml:trace>
 </inkml:ink>
 </file>
 
@@ -1717,7 +2105,7 @@
           <inkml:channelProperty channel="F" name="resolution" value="0" units="1/dev"/>
         </inkml:channelProperties>
       </inkml:inkSource>
-      <inkml:timestamp xml:id="ts0" timeString="2022-06-20T16:54:09.810"/>
+      <inkml:timestamp xml:id="ts0" timeString="2022-06-20T16:35:47.902"/>
     </inkml:context>
     <inkml:brush xml:id="br0">
       <inkml:brushProperty name="width" value="0.1" units="cm"/>
@@ -1744,7 +2132,7 @@
           <inkml:channelProperty channel="F" name="resolution" value="0" units="1/dev"/>
         </inkml:channelProperties>
       </inkml:inkSource>
-      <inkml:timestamp xml:id="ts0" timeString="2022-06-20T16:55:36.464"/>
+      <inkml:timestamp xml:id="ts0" timeString="2022-06-20T16:36:09.771"/>
     </inkml:context>
     <inkml:brush xml:id="br0">
       <inkml:brushProperty name="width" value="0.1" units="cm"/>
@@ -1752,7 +2140,7 @@
       <inkml:brushProperty name="color" value="#BFBFBF"/>
     </inkml:brush>
   </inkml:definitions>
-  <inkml:trace contextRef="#ctx0" brushRef="#br0">3525 1 24575,'0'26'0,"0"5"0,0-8 0,0 11 0,0-12 0,0 12 0,-15 5 0,11-2 0,-16 2 0,8-6 0,0-4 0,-10 6 0,8 7 0,-8-5 0,8 12 0,-16-3 0,8 6 0,-10 0 0,6-1 0,-6 2 0,5-1 0,-6 1 0,8-9 0,1-2 0,1-7 0,-1 0 0,1 0 0,-2 7 0,2-5 0,-2 5 0,1 1 0,0-7 0,0 7 0,1-8 0,-1 0 0,1 0 0,-1 0 0,2-6 0,4 5 0,-3-5 0,3 0 0,0 4 0,-4 4 0,4-1 0,-7 14 0,0-6 0,-7 8 0,4 0 0,-11 2 0,11-2 0,-3-6 0,7-4 0,-1 0 0,7-12 0,-5 11 0,0 4 0,4-6 0,-8 11 0,8-14 0,-4-1 0,5 0 0,-4 0 0,3 7 0,0-5 0,-4 5 0,10-7 0,-4 8 0,0-7 0,3 14 0,-10-6 0,4 15 0,-14 11 0,4 1 0,-12 15 0,19-22 0,-18 20 0,18-21 0,-13 23-428,8-6 428,-1 0 0,6 7 0,-9 6 0,15-9 0,-8 0 0,12-25 0,0-8 0,-4-7 0,3 5 0,-4-5 0,0 7 428,-2 0-428,0 8 0,-5-6 0,5 5 0,-5-7 0,-1 0 0,1 0 0,6-8 0,-4 0 0,10-15 0,-9 6 0,10-5 0,-5 0 0,-4 14 0,7-11 0,-12 6 0,13-4 0,-8-5 0,8 0 0,-3 4 0,5-10 0,0 5 0,0-7 0,0 0 0,5 1 0,-3-6 0,4 4 0,-20 31 0,10-8 0,-11 22 0,9-23 0,4 0 0,-10-5 0,9 13 0,-3-14 0,10 7 0,-3-14 0,4-2 0,1-11 0,0-1 0,5-5 0,0-1 0,-4-3 0,2 2 0,-6-2 0,2 8 0,-4 2 0,-1 6 0,-5 5 0,4 2 0,-11 6 0,5 16 0,0-18 0,7 16 0,1-26 0,4 4 0,0 1 0,-3-5 0,3-1 0,1-2 0,-4-4 0,7 0 0,-7 4 0,3-9 0,1 9 0,-4-9 0,3 9 0,1-3 0,-5 4 0,4 0 0,-5 7 0,0 1 0,5 0 0,-10 20 0,13-16 0,-12 11 0,14-10 0,-4-12 0,1 6 0,2-7 0,-2 0 0,-1 7 0,3 1 0,-8 6 0,3 0 0,1 0 0,-4 0 0,3 0 0,1-6 0,0 4 0,2-10 0,3 5 0,-4-12 0,5-1 0,0-1 0,-4-3 0,2 9 0,-6 1 0,2 1 0,-4 4 0,4-10 0,1-1 0,1-6 0,3 1 0,-3 0 0,4-1 0,0 1 0,0-1 0,-5 1 0,0-1 0,0 1 0,-4 5 0,3 1 0,-5 11 0,0-4 0,-1 11 0,1-11 0,0 4 0,1-5 0,-1-1 0,0 0 0,1 1 0,-1-1 0,0 0 0,1 1 0,-2 5 0,2-4 0,-6 5 0,3-1 0,-7-4 0,8 4 0,1-10 0,2-3 0,4-4 0,-1 0 0,2-1 0,0 1 0,-2 0 0,-3-1 0,-1 1 0,0 5 0,0 1 0,-6 5 0,5 1 0,-10-1 0,14 0 0,-6-5 0,7-1 0,1-5 0,1 0 0,-1-1 0,0 1 0,0-1 0,-4 1 0,4-1 0,0 1 0,-4 5 0,3-4 0,0 4 0,2-6 0,0 1 0,3-1 0,-3 1 0,4 0 0,-4-5 0,3 3 0,-3-3 0,4 4 0,0 1 0,0-1 0,0 0 0,0 1 0,0 5 0,-10 1 0,8 5 0,-8-5 0,6-1 0,3-5 0,-3-1 0,4 1 0,0 0 0,0-5 0,0-1 0</inkml:trace>
+  <inkml:trace contextRef="#ctx0" brushRef="#br0">2217 0 24575,'-76'60'0,"0"-1"0,0 0 0,0 0 0,1 1 0,-1-1 0,0 0 0,0 0 0,0 1 0,1-1 0,-5 4 0,-1 0 0,2 0 0,5-5 0,8-6 0,10-9 0,15-11 0,-17 12 0,13-5 0,23-24 0,0 12 0,-5-11 0,12 4 0,-12 0 0,13-5 0,-13 11 0,6-4 0,-1-1 0,-5 6 0,6-5 0,-8 0 0,1 5 0,-1-5 0,7 6 0,-5 1 0,5-1 0,-6 1 0,-1-1 0,7 1 0,-5-1 0,12-6 0,-5 4 0,7-11 0,-1 5 0,1-8 0,6 1 0,-4 0 0,9 0 0,-3 0 0,5-1 0,0 0 0,0 0 0,-6-5 0,4 4 0,-9-4 0,10 6 0,-18 0 0,16 0 0,-15 0 0,11 0 0,-6 0 0,6 0 0,-5 0 0,11 0 0,-5 0 0,1-6 0,3 4 0,-9-10 0,10 10 0,-10-10 0,3 11 0,-4-5 0,5 6 0,-5-6 0,11 4 0,-11-9 0,11 9 0,-10-9 0,9-7 0,-3-18 0,5-5 0,0-17 0,-7 6 0,5-17 0,-4 7 0,-2-17 0,6 7 0,-12 1 0,12-7 0,-5 16 0,7-7 0,0 10 0,0 7 0,-7-6 0,5 15 0,-5-7 0,7 15 0,0-4 0,0 11 0,0-5 0,0 7 0,0 1 0,0 5 0,0 2 0</inkml:trace>
 </inkml:ink>
 </file>
 
@@ -1772,7 +2160,7 @@
           <inkml:channelProperty channel="F" name="resolution" value="0" units="1/dev"/>
         </inkml:channelProperties>
       </inkml:inkSource>
-      <inkml:timestamp xml:id="ts0" timeString="2022-06-20T16:55:41.927"/>
+      <inkml:timestamp xml:id="ts0" timeString="2022-06-20T16:36:12.043"/>
     </inkml:context>
     <inkml:brush xml:id="br0">
       <inkml:brushProperty name="width" value="0.1" units="cm"/>
@@ -1780,7 +2168,7 @@
       <inkml:brushProperty name="color" value="#BFBFBF"/>
     </inkml:brush>
   </inkml:definitions>
-  <inkml:trace contextRef="#ctx0" brushRef="#br0">0 0 24575,'0'20'0,"0"-5"0,0 5 0,0-4 0,0 5 0,0-6 0,0 5 0,0-1 0,0 3 0,0 7 0,0-11 0,0 12 0,5-18 0,1 15 0,-1-11 0,9 5 0,-11 0 0,11 1 0,-3 5 0,-3-4 0,12 5 0,-13-1 0,9 2 0,1 6 0,-4 0 0,9 1 0,-9-1 0,3-11 0,-5 2 0,0-10 0,-1 0 0,0-1 0,-5-6 0,0 1 0,-5-1 0,0 0 0,4-4 0,-3 3 0,3-3 0,0 5 0,-2 0 0,2-1 0,-4 1 0,0-1 0,4-3 0,-3 2 0,3-3 0,-4 5 0,0 0 0,0-1 0,0 1 0,0-1 0,0 1 0,0 0 0,0-1 0,0 1 0,0 0 0,5-1 0,-4 1 0,3 0 0,-4-1 0,0 1 0,0 0 0,0-1 0,0 0 0,4-4 0,1-1 0,4-8 0,1 3 0,5-8 0,1 3 0,5-10 0,7 4 0,1-9 0,0 4 0,6-13 0,-6 6 0,2-5 0,2 5 0,-15 3 0,9 3 0,-11-2 0,0 9 0,0-9 0,-6 3 0,5-4 0,2 0 0,5-7 0,0 5 0,1-10 0,-1 10 0,0-5 0,-1 7 0,1 0 0,-1-1 0,-5 6 0,4 1 0,-8 0 0,3 4 0,0-5 0,-4 6 0,4-5 0,-5 4 0,5-4 0,-4 5 0,4 0 0,-5 0 0,-1 1 0,1-1 0,5 0 0,-4 0 0,4-5 0,-5 8 0,0-6 0,-1 7 0,1 1 0,0 1 0,-5-1 0,3 4 0,-7-3 0,3 4 0</inkml:trace>
+  <inkml:trace contextRef="#ctx0" brushRef="#br0">1 229 24575,'19'0'0,"10"0"0,10 0 0,-1 0 0,7 0 0,-21 0 0,19 0 0,-20 0 0,14 0 0,-9 0 0,9 0 0,2-14 0,-7 5 0,11-20 0,-12 6 0,16 6 0,-8-10 0,6 17 0,-15-11 0,0 7 0,-3 0 0,-13 7 0,6 0 0,-7 2 0,-1 3 0,0-3 0,0 5 0,1 0 0,0 0 0,-1 0 0,-4-11 0,-3 8 0,-5-7 0</inkml:trace>
 </inkml:ink>
 </file>
 
@@ -1800,7 +2188,7 @@
           <inkml:channelProperty channel="F" name="resolution" value="0" units="1/dev"/>
         </inkml:channelProperties>
       </inkml:inkSource>
-      <inkml:timestamp xml:id="ts0" timeString="2022-06-20T16:55:53.762"/>
+      <inkml:timestamp xml:id="ts0" timeString="2022-06-20T16:36:14.880"/>
     </inkml:context>
     <inkml:brush xml:id="br0">
       <inkml:brushProperty name="width" value="0.1" units="cm"/>
@@ -1808,7 +2196,7 @@
       <inkml:brushProperty name="color" value="#BFBFBF"/>
     </inkml:brush>
   </inkml:definitions>
-  <inkml:trace contextRef="#ctx0" brushRef="#br0">1 0 24575,'0'15'0,"0"3"0,0-7 0,0 15 0,0-13 0,0 13 0,5-10 0,-4 0 0,4 10 0,4-8 0,-7 4 0,13 5 0,-9-10 0,6 17 0,-1-5 0,0 0 0,6 5 0,-4-5 0,9 6 0,-5-6 0,1 4 0,4 3 0,-9 1 0,5 12 0,-6-12 0,6 5 0,-5-7 0,3 0 0,-4-6 0,-1 5 0,0-11 0,0-1 0,-1-2 0,1-4 0,-1 5 0,0-4 0,1 9 0,0-9 0,0 17 0,1-5 0,-6 0 0,5 12 0,-4-10 0,4 5 0,1-3 0,-1-4 0,1 6 0,-1-6 0,0-1 0,0-1 0,0-4 0,0 4 0,5 4 0,-4-1 0,4 2 0,-5 2 0,5-11 0,-4 11 0,9-12 0,-8 12 0,2-11 0,-4 4 0,5-5 0,-5-1 0,5 7 0,-5-6 0,5 6 0,-4-7 0,4 7 0,-5 1 0,1 6 0,-1 0 0,1 0 0,0 0 0,0 7 0,0-5 0,0 5 0,0-7 0,-1 0 0,6 0 0,-4 1 0,4-7 0,-6-2 0,0 0 0,0-4 0,5 5 0,-5-7 0,5 1 0,-5-1 0,0 6 0,-1-4 0,2 5 0,-1-1 0,0 2 0,0 0 0,1 5 0,-1-5 0,1 6 0,0 7 0,0-5 0,0 5 0,0 0 0,0 2 0,1 7 0,0 0 0,-6 0 0,4-7 0,-5-1 0,1-8 0,-2-6 0,0-2 0,-4-5 0,4-1 0,0 0 0,-4 1 0,3-1 0,-4 0 0,6 7 0,-5 1 0,4 0 0,0 4 0,-3-4 0,3 13 0,0-5 0,-4-1 0,4-2 0,6 10 0,-9-11 0,14 16 0,-15-26 0,9 5 0,-3-1 0,-1-4 0,4 5 0,-4-7 0,4 0 0,-4 7 0,4-5 0,-4 4 0,4-6 0,1 1 0,0-1 0,-5 0 0,3 1 0,-3-1 0,5 1 0,-1-1 0,2 6 0,-2-4 0,6 5 0,-3-1 0,2-4 0,-3 11 0,4-5 0,-3 6 0,4 0 0,0 0 0,-4 0 0,9 0 0,-9 0 0,9 1 0,-4-1 0,7 7 0,-7-5 0,4-1 0,-4 13 0,4-22 0,-5 16 0,-1-22 0,-6 0 0,1 1 0,0-1 0,-5-5 0,3 4 0,-3-4 0,5 12 0,-5-5 0,4 4 0,-4-5 0,0-1 0,3 0 0,-3 1 0,5-1 0,-5 0 0,3 1 0,-3-1 0,6 6 0,-6 2 0,4 6 0,2 23 0,1-17 0,4 10 0,-5-17 0,-1-11 0,-1-1 0,-4-2 0,-2-9 0,0 3 0,-2 1 0,7 1 0,-3 6 0,4-1 0,-4 0 0,4 1 0,-4-1 0,4 1 0,1-1 0,-1-5 0,1 4 0,-1-4 0,5 6 0,-2 5 0,8 2 0,3 29 0,1-10 0,5 11 0,-6-17 0,0 0 0,-6-11 0,0 10 0,-7-18 0,0 10 0,0-10 0,0-1 0,-5-7 0,3 0 0,-8 1 0,4 0 0,-1 4 0,-3-4 0,9 1 0,-9 3 0,8-4 0,-8 0 0,8 4 0,-3-4 0,0 0 0,4 14 0,-5-17 0,1 17 0,-2-19 0,1 3 0,-4 1 0,7-4 0,-7 4 0,8 0 0,-8-4 0,4 4 0,0 0 0,-4 1 0,8 0 0,-3 4 0,-1 2 0,5 1 0,-4 5 0,5-1 0,0-4 0,6 11 0,-5-5 0,10 6 0,-8 7 0,18 10 0,-15 1 0,10 0 0,-14-11 0,-2-13 0,0-1 0,0-7 0,-1 0 0,0-5 0,1-1 0,-6-5 0,3 0 0,-6-1 0,2 1 0,0-1 0,-3 1 0,8 0 0,-8-1 0,3 1 0,-4 0 0,0-1 0,4-3 0,-3 2 0,3-3 0,-4 4 0,0 0 0,0 1 0,0-1 0,0 1 0,0-1 0,0 1 0,4-5 0,-3 3 0,3 2 0,-4 6 0,5 5 0,1 1 0,0-1 0,3 0 0,-8-5 0,8-1 0,-7-5 0,2 0 0,-4-1 0,0 0 0,0 1 0,0-1 0,4 0 0,-3 1 0,3-1 0,-4 0 0,0 0 0,0 0 0,0 1 0,0-1 0,0 0 0,0 0 0,4-4 0,1-2 0,4-3 0,-4 4 0,-1-3 0,-4 3 0</inkml:trace>
+  <inkml:trace contextRef="#ctx0" brushRef="#br0">0 6 24575,'12'0'0,"7"0"0,-4-5 0,11 9 0,4 6 0,1 6 0,5 12 0,1-4 0,-7 5 0,25 3 0,-21 5 0,22 6 0,-24-4 0,19 20 0,-12-25 0,-2 33 0,9-23 0,-10 14 0,7 1 0,6-6 0,-5 5 0,-2-8 0,-2-2 0,0 1 0,-7-2 0,7 2 0,-8-2 0,-1 0 0,0-1 0,0 1 0,1 0 0,-2-8 0,-6 6 0,3-15 0,-11 7 0,4-16 0,-6 6 0,-1-12 0,1 4 0,-2-12 0,1 4 0,0-9 0,-1 3 0,1 1 0,0 1 0,-1 6 0,1-6 0,0 4 0,0-4 0,0 0 0,0 5 0,0-5 0,-1 0 0,1 5 0,0-11 0,0 10 0,0-3 0,0-1 0,-1 4 0,1-4 0,0 6 0,7 1 0,-5-7 0,4 5 0,-6-11 0,0 11 0,-1-11 0,1 10 0,-1-10 0,0 10 0,1-9 0,0 9 0,0-10 0,-7 10 0,6-10 0,-6 5 0,7-6 0,-1 6 0,1 1 0,0 0 0,0 4 0,0-4 0,0 1 0,-1-3 0,-4 1 0,3-5 0,-10 4 0,5-5 0</inkml:trace>
 </inkml:ink>
 </file>
 
@@ -1828,7 +2216,7 @@
           <inkml:channelProperty channel="F" name="resolution" value="0" units="1/dev"/>
         </inkml:channelProperties>
       </inkml:inkSource>
-      <inkml:timestamp xml:id="ts0" timeString="2022-06-20T16:55:57.347"/>
+      <inkml:timestamp xml:id="ts0" timeString="2022-06-20T16:36:17.499"/>
     </inkml:context>
     <inkml:brush xml:id="br0">
       <inkml:brushProperty name="width" value="0.1" units="cm"/>
@@ -1836,7 +2224,7 @@
       <inkml:brushProperty name="color" value="#BFBFBF"/>
     </inkml:brush>
   </inkml:definitions>
-  <inkml:trace contextRef="#ctx0" brushRef="#br0">1 299 24575,'9'-4'0,"3"7"0,-1-2 0,0 14 0,10 2 0,-10 4 0,10 1 0,-10-1 0,10-4 0,-4 9 0,0-8 0,4 5 0,-3 3 0,-2-13 0,6 19 0,-11-19 0,11 19 0,-15-20 0,14 21 0,-14-16 0,5 6 0,2-3 0,-2 5 0,4-1 0,0 7 0,-6-10 0,0-5 0,6 4 0,-5-4 0,4 1 0,-5-3 0,-4-4 0,2 0 0,-7-1 0,8 1 0,-4-1 0,4 1 0,0-1 0,1 1 0,0-1 0,0 6 0,0-4 0,0 4 0,-1-6 0,1 1 0,-5 0 0,4-5 0,-5-1 0,11-4 0,-5 0 0,5 0 0,-5 0 0,-1 0 0,1 0 0,0 0 0,-1 0 0,-3-3 0,-2-2 0,-4-5 0,0 1 0,0 0 0,0-1 0,0-5 0,0-7 0,0-7 0,0-6 0,0 0 0,0-7 0,6-2 0,0 0 0,12 2 0,-5-1 0,4 13 0,-6-5 0,0 19 0,-1-4 0,0 13 0,-4-7 0,2 13 0,-7-7 0,8 3 0,-4-10 0,5-1 0,1-5 0,0-1 0,0-5 0,4 4 0,-2-11 0,2 17 0,-4-4 0,-1 11 0,-5 0 0,-1 1 0,-4 0 0,4 4 0,-3-3 0,7-1 0,-7-2 0,7-2 0,-7 3 0,4 1 0,-5-1 0,4 0 0,-3 1 0,7 0 0,-7 0 0,7 0 0,-3-1 0,0 1 0,-1-1 0,1 5 0,-4-3 0,3 3 0,0-5 0,-3 1 0,8-1 0,-8 1 0,7-1 0,-6 0 0,6 5 0,-7-3 0,3 3 0,-4-5 0,4 1 0,-3 0 0,3 3 0,-4 2 0</inkml:trace>
+  <inkml:trace contextRef="#ctx0" brushRef="#br0">0 1001 24575,'44'0'0,"4"0"0,10 0 0,8 0 0,-17 0 0,7 0 0,-9 0 0,0 0 0,0 0 0,-9 0 0,7 0 0,-6 0 0,0 0 0,5 0 0,-13 0 0,23 0 0,-21 0 0,21 0 0,-24 0 0,7 0 0,-9 0 0,1 0 0,-8 0 0,-1 0 0,-7 0 0,0 0 0,-1 0 0,1 0 0,0 0 0,0 0 0,-1 0 0,1 0 0,0 0 0,0 0 0,0 0 0,0 0 0,-6-11 0,-1 4 0,-6-11 0,0-1 0,0-11 0,0-8 0,-15-18 0,3-3 0,-12-9 0,11 14 0,0-1 0,-5-14 0,5 15 0,1 2 0,3 3 0,-5-8 0,12 19 0,-5 8 0,7 10 0,0 7 0,0 1 0,-5 5 0,4-8 0,-5 6 0,6-8 0,0 4 0,0 0 0,0 0 0,0-7 0,0 6 0,0-6 0,0 7 0,0 0 0,0 1 0,0 5 0,0 2 0</inkml:trace>
 </inkml:ink>
 </file>
 
@@ -1856,15 +2244,14 @@
           <inkml:channelProperty channel="F" name="resolution" value="0" units="1/dev"/>
         </inkml:channelProperties>
       </inkml:inkSource>
-      <inkml:timestamp xml:id="ts0" timeString="2022-06-20T16:56:06.939"/>
+      <inkml:timestamp xml:id="ts0" timeString="2022-06-20T16:47:44.932"/>
     </inkml:context>
     <inkml:brush xml:id="br0">
       <inkml:brushProperty name="width" value="0.1" units="cm"/>
       <inkml:brushProperty name="height" value="0.1" units="cm"/>
-      <inkml:brushProperty name="color" value="#E71224"/>
     </inkml:brush>
   </inkml:definitions>
-  <inkml:trace contextRef="#ctx0" brushRef="#br0">10 1 24575,'0'14'0,"0"4"0,0-2 0,-5-4 0,4 2 0,-3-9 0,4 5 0,0-1 0,0 1 0,0-1 0,0 0 0,0 0 0,0 0 0,0 0 0,0 0 0,0 0 0,0 6 0,0-4 0,0 9 0,0-4 0,0 5 0,0 1 0,0-1 0,0 0 0,0-5 0,0-1 0,0-5 0,0 0 0,4-1 0,1 0 0,4 0 0,1 1 0,0 0 0,-1-1 0,1 1 0,0 0 0,-1-1 0,-3 1 0,2-5 0,-3 0 0,5-5 0,-1 0 0,1 0 0,0 0 0,4 0 0,-3 0 0,9 0 0,-9 0 0,4 0 0,-5 0 0,5 0 0,-4 0 0,3 0 0,-4 0 0,0 0 0,-1 0 0,1 0 0,0 0 0,-1 0 0,1 0 0,-1 0 0,1 0 0,-2 0 0,1 0 0,-4-9 0,-1 3 0,-4-7 0,0-2 0,5-1 0,-4 0 0,4 1 0,-5 0 0,0 4 0,0-3 0,-4 8 0,3-2 0,-7-2 0,-3-2 0,-1-8 0,-3 3 0,5 1 0,-6-4 0,5 9 0,-4-9 0,5 9 0,0-4 0,0 6 0,1-1 0,-1 1 0,1-1 0,-1 5 0,0-4 0,1 4 0,-1-1 0,0-2 0,1 2 0,-1-3 0,0 3 0,1-2 0,-1 2 0,1 1 0,-1 1 0,5 0 0,-2 2 0,6-10 0,-3 11 0,4-7 0</inkml:trace>
+  <inkml:trace contextRef="#ctx0" brushRef="#br0">1 402 24575,'59'0'0,"14"0"0,14 0-1312,-27 0 1,4 0 1311,-1 0 0,4 0-768,18 0 0,3 0 768,-10 0 0,5 0 0,0 0 0,7 0 0,-6 0 0,6 0 0,-1 0-399,-9 0 1,4 0 0,-5 0 398,1 0 0,-3 0 0,1 0 0,1 0-730,7 0 1,1 0 729,-5 0 0,-3 0 19,-11 0 1,-1 0-20,8 0 0,-2 0 0,-20 0 0,-1 0 0,18 0 0,0 0 0,-5 0 0,-4 0 0,-9 0 0,-1 0 1468,45 0-1468,-34 0 0,-2-7 2155,-13 5-2155,-14-5 1850,-6 7-1850,-13 0 1301,-1 0-1301,8 0 0,2-7 0,16 5 0,-7-4 0,16 6 0,-15-7 0,5 5 0,-7-4 0,-8 6 0,-2 0 0,-8 0 0,1 0 0,0 0 0,7-7 0,1 5 0,50-13 0,-13 13 0,25-13 0,-14 13 0,-18-5 0,7-1 0,1 7 0,-17-7 0,15 8 0,-26 0 0,16 0 0,-16 0 0,16 0 0,-7 0 0,9 0 0,-9 0 0,6 0 0,-14 0 0,-2 0 0,-2 0 0,-14 0 0,6 0 0,-7 0 0,-1 0 0,1 0 0,-1 0 0,8 0 0,2 0 0,16 0 0,2 0 0,0 0 0,-2 0 0,-9 0 0,0 0 0,-7 0 0,-2 0 0,-7 0 0,-1 0 0,1 0 0,15 0 0,5 0 0,16 0 0,-1 0 0,1 0 0,0 0 0,0 0 0,-9 0 0,-2 0 0,-16 0 0,-2 0 0,-8 0 0,1 0 0,0 0 0,7 0 0,2 0 0,7 0 0,0 0 0,0 0 0,1 0 0,-9 0 0,-1 0 0,-7 0 0,0 6 0,-1-4 0,0 4 0,0-6 0,0 0 0,0 0 0,1 0 0,0 0 0,-1 6 0,1-4 0,-6 9 0,-2-15 0,-6 3 0,-6-12 0,-2 0 0,-6-1 0,-7 0 0,-1-1 0,-2-7 0,-5 6 0,6-13 0,-1 6 0,3 0 0,0 1 0,5 8 0,1 0 0,3 0 0,5 7 0,0-5 0,-10 11 0,8-5 0,-10-8 0,5 11 0,0-10 0,0 13 0,7-7 0,-5 6 0,16-5 0,3 6 0,7 0 0,6 0 0,-7 6 0,1 1 0,0 7 0,-1 0 0,8 0 0,-5 0 0,5 0 0,-8 0 0,1 0 0,7 0 0,-5 0 0,5 0 0,-8 0 0,1-1 0,7 2 0,-6-2 0,7 2 0,-9-2 0,1 1 0,-1 0 0,-5-1 0,4-5 0,-5 4 0,6-5 0,0 0 0,-6 4 0,5-9 0,-5 4 0,0 0 0,-7 0 0,-1 7 0,-11 0 0,5 1 0,-7 0 0,1-1 0,-8 2 0,-2-1 0,-8 8 0,1 2 0,-9 0 0,7 4 0,-7-3 0,0 6 0,7-7 0,-16 7 0,16-7 0,-7 1 0,15 3 0,-5-4 0,6 0 0,-1 4 0,3-4 0,-1-1 0,12-2 0,-10-6 0,19-2 0,-12 1 0,12-1 0,-11-5 0,11-2 0,-4-6 0</inkml:trace>
 </inkml:ink>
 </file>
 
@@ -1884,15 +2271,15 @@
           <inkml:channelProperty channel="F" name="resolution" value="0" units="1/dev"/>
         </inkml:channelProperties>
       </inkml:inkSource>
-      <inkml:timestamp xml:id="ts0" timeString="2022-06-20T16:56:06.940"/>
+      <inkml:timestamp xml:id="ts0" timeString="2022-06-20T16:48:06.939"/>
     </inkml:context>
     <inkml:brush xml:id="br0">
       <inkml:brushProperty name="width" value="0.1" units="cm"/>
       <inkml:brushProperty name="height" value="0.1" units="cm"/>
-      <inkml:brushProperty name="color" value="#E71224"/>
+      <inkml:brushProperty name="color" value="#A9A9A9"/>
     </inkml:brush>
   </inkml:definitions>
-  <inkml:trace contextRef="#ctx0" brushRef="#br0">0 0 24575,'13'0'0,"0"0"0,1 0 0,-1 0 0,17 0 0,-12 0 0,19 0 0,-14 7 0,0 8 0,15 2 0,-13 5 0,7 1 0,-3-6 0,-5-2 0,-1 5 0,-8-11 0,5 13 0,-10-8 0,11 0 0,-8 0 0,1 0 0,0-1 0,-1 1 0,1 0 0,0-1 0,-1 1 0,1 0 0,-1-7 0,0 5 0,0-11 0,0 5 0,0-6 0,-6 5 0,4-3 0,-4 9 0,6-9 0,1 10 0,0-4 0,-1-1 0,1 5 0,0-4 0,-1 5 0,1-5 0,0 4 0,-7-5 0,5 1 0,-10 3 0,10-9 0,-5 3 0,6-5 0,-6 6 0,5-4 0,-4 4 0,-1 0 0,5-5 0,-5 11 0,6-11 0,-7 11 0,6-11 0,-10 11 0,10-10 0,-5 3 0,1-5 0,-3 0 0</inkml:trace>
+  <inkml:trace contextRef="#ctx0" brushRef="#br0">0 0 24575,'0'0'0</inkml:trace>
 </inkml:ink>
 </file>
 
@@ -1912,15 +2299,15 @@
           <inkml:channelProperty channel="F" name="resolution" value="0" units="1/dev"/>
         </inkml:channelProperties>
       </inkml:inkSource>
-      <inkml:timestamp xml:id="ts0" timeString="2022-06-20T16:56:06.941"/>
+      <inkml:timestamp xml:id="ts0" timeString="2022-06-20T16:48:07.018"/>
     </inkml:context>
     <inkml:brush xml:id="br0">
       <inkml:brushProperty name="width" value="0.1" units="cm"/>
       <inkml:brushProperty name="height" value="0.1" units="cm"/>
-      <inkml:brushProperty name="color" value="#E71224"/>
+      <inkml:brushProperty name="color" value="#A9A9A9"/>
     </inkml:brush>
   </inkml:definitions>
-  <inkml:trace contextRef="#ctx0" brushRef="#br0">1 0 24575,'0'13'0,"0"7"0,0 3 0,0 0 0,0-2 0,0-7 0,0-1 0,0 8 0,0-5 0,0 5 0,0 0 0,0-5 0,0 12 0,0-5 0,0 0 0,0 5 0,0-5 0,6 26 0,-4-22 0,10 18 0,-11-30 0,5 5 0,-6-7 0,6 0 0,-4 0 0,10 1 0,-10 7 0,10 2 0,-10 7 0,12 0 0,-7-7 0,2 5 0,3-5 0,-4 0 0,0-2 0,5 0 0,-11-5 0,11 5 0,-12 0 0,11-6 0,-10 6 0,10-7 0,-11 7 0,5-5 0,1 5 0,-6-8 0,5 1 0,0 0 0,-4-1 0,4-6 0,-6-1 0</inkml:trace>
+  <inkml:trace contextRef="#ctx0" brushRef="#br0">0 0 24575,'0'0'0</inkml:trace>
 </inkml:ink>
 </file>
 
@@ -1967,6 +2354,452 @@
           <inkml:channelProperty channel="F" name="resolution" value="0" units="1/dev"/>
         </inkml:channelProperties>
       </inkml:inkSource>
+      <inkml:timestamp xml:id="ts0" timeString="2022-06-20T16:48:21.639"/>
+    </inkml:context>
+    <inkml:brush xml:id="br0">
+      <inkml:brushProperty name="width" value="0.1" units="cm"/>
+      <inkml:brushProperty name="height" value="0.1" units="cm"/>
+      <inkml:brushProperty name="color" value="#E71224"/>
+    </inkml:brush>
+  </inkml:definitions>
+  <inkml:trace contextRef="#ctx0" brushRef="#br0">1 1021 24575,'0'-20'0,"0"-21"0,0-2 0,0-27 0,0 17 0,0-16 0,0 16 0,7-2 0,1-4 0,4-17 0,-4 14 0,1 3 0,-2 1 0,-7 6 0,0 22 0,0-1 0,0 1 0,7 0 0,-5 7 0,11-6 0,-11 14 0,4-6 0,0 7 0,-4 1 0,10 5 0,-11 2 0,5 6 0</inkml:trace>
+</inkml:ink>
+</file>
+
+<file path=ppt/ink/ink71.xml><?xml version="1.0" encoding="utf-8"?>
+<inkml:ink xmlns:inkml="http://www.w3.org/2003/InkML">
+  <inkml:definitions>
+    <inkml:context xml:id="ctx0">
+      <inkml:inkSource xml:id="inkSrc0">
+        <inkml:traceFormat>
+          <inkml:channel name="X" type="integer" min="-2.14748E9" max="2.14748E9" units="cm"/>
+          <inkml:channel name="Y" type="integer" min="-2.14748E9" max="2.14748E9" units="cm"/>
+          <inkml:channel name="F" type="integer" max="32767" units="dev"/>
+        </inkml:traceFormat>
+        <inkml:channelProperties>
+          <inkml:channelProperty channel="X" name="resolution" value="1000" units="1/cm"/>
+          <inkml:channelProperty channel="Y" name="resolution" value="1000" units="1/cm"/>
+          <inkml:channelProperty channel="F" name="resolution" value="0" units="1/dev"/>
+        </inkml:channelProperties>
+      </inkml:inkSource>
+      <inkml:timestamp xml:id="ts0" timeString="2022-06-20T16:48:23.160"/>
+    </inkml:context>
+    <inkml:brush xml:id="br0">
+      <inkml:brushProperty name="width" value="0.1" units="cm"/>
+      <inkml:brushProperty name="height" value="0.1" units="cm"/>
+      <inkml:brushProperty name="color" value="#E71224"/>
+    </inkml:brush>
+  </inkml:definitions>
+  <inkml:trace contextRef="#ctx0" brushRef="#br0">1 471 24575,'19'0'0,"-1"0"0,-4 0 0,-1 0 0,1 0 0,12-7 0,-15 0 0,22-1 0,-23-12 0,11 11 0,9-14 0,-11 2 0,11 10 0,0-10 0,-12 6 0,20-2 0,-15-5 0,1 0 0,4 12 0,-4-10 0,6 11 0,-13-5 0,2 6 0,-10-12 0,4 17 0,1-11 0,-1 9 0,1-3 0,-1 1 0,-6-5 0,5 5 0,-4-1 0,-1-4 0,4 10 0,-4-4 0,7-7 0,-1 3 0,9-11 0,-6-1 0,5 12 0,-6-9 0,-2 17 0,-5-4 0,-2 6 0</inkml:trace>
+</inkml:ink>
+</file>
+
+<file path=ppt/ink/ink72.xml><?xml version="1.0" encoding="utf-8"?>
+<inkml:ink xmlns:inkml="http://www.w3.org/2003/InkML">
+  <inkml:definitions>
+    <inkml:context xml:id="ctx0">
+      <inkml:inkSource xml:id="inkSrc0">
+        <inkml:traceFormat>
+          <inkml:channel name="X" type="integer" min="-2.14748E9" max="2.14748E9" units="cm"/>
+          <inkml:channel name="Y" type="integer" min="-2.14748E9" max="2.14748E9" units="cm"/>
+          <inkml:channel name="F" type="integer" max="32767" units="dev"/>
+        </inkml:traceFormat>
+        <inkml:channelProperties>
+          <inkml:channelProperty channel="X" name="resolution" value="1000" units="1/cm"/>
+          <inkml:channelProperty channel="Y" name="resolution" value="1000" units="1/cm"/>
+          <inkml:channelProperty channel="F" name="resolution" value="0" units="1/dev"/>
+        </inkml:channelProperties>
+      </inkml:inkSource>
+      <inkml:timestamp xml:id="ts0" timeString="2022-06-20T16:48:27.210"/>
+    </inkml:context>
+    <inkml:brush xml:id="br0">
+      <inkml:brushProperty name="width" value="0.1" units="cm"/>
+      <inkml:brushProperty name="height" value="0.1" units="cm"/>
+      <inkml:brushProperty name="color" value="#E71224"/>
+    </inkml:brush>
+  </inkml:definitions>
+  <inkml:trace contextRef="#ctx0" brushRef="#br0">384 0 24575,'-13'0'0,"0"0"0,-1 0 0,1 0 0,-8 0 0,-1 0 0,0 0 0,-5 0 0,11 0 0,-17 0 0,10 0 0,-4 6 0,8 1 0,11 7 0,-3-1 0,3 0 0,1 0 0,-5 1 0,4-1 0,1 1 0,-5-7 0,11 5 0,-5-5 0,0 6 0,5 0 0,-11-5 0,10 4 0,-10-5 0,10 7 0,-4-1 0,6 0 0,0 0 0,0 0 0,0 0 0,0 1 0,0-1 0,0 1 0,6-7 0,1-2 0,6-5 0,-5 6 0,3-4 0,-4 4 0,6-6 0,0 0 0,1 0 0,-1 0 0,0 0 0,0 0 0,0 0 0,-5-6 0,4-2 0,-4-5 0,5-1 0,1 0 0,0 7 0,-7-5 0,5 10 0,-10-10 0,10 11 0,-5-11 0,7 4 0,-2-4 0,2-2 0,-7 2 0,5 5 0,-11-5 0,11 4 0,-10-5 0,10-1 0,-11 0 0,12 1 0,-6-1 0,7 6 0,-7-4 0,5 5 0,-16 5 0,9 10 0,-17 6 0,5 6 0,-7-6 0,0-1 0,1 1 0,-1-1 0,0 1 0,1 0 0,-1-1 0,0 1 0,7 0 0,-5-1 0,10 1 0,-10 0 0,10-1 0,-4 0 0,6 0 0,0 1 0,0 0 0,-13 0 0,10 0 0,-11 0 0,14 0 0,0-1 0,0 1 0,0-1 0,6 0 0,2 0 0,-1 1 0,6-1 0,-6-5 0,6-2 0,0-6 0,0 0 0,0 0 0,1 0 0,-1 0 0,1 0 0,-1 0 0,1 0 0,-1 0 0,1 0 0,7 0 0,2 0 0,0 0 0,5-7 0,-12 6 0,5-12 0,-8 11 0,1-4 0,-1 0 0,1-1 0,-2-6 0,-4-7 0,4 4 0,-11-12 0,11 12 0,-10-12 0,4 5 0,0-7 0,-4 7 0,5 2 0,-7 7 0,0 1 0,0-1 0,0 0 0,0 1 0,-6 6 0,-9-5 0,0 10 0,-6-5 0,7 1 0,1 5 0,-1-5 0,0 6 0,1 0 0,0 0 0,0 0 0,6-6 0,-4 4 0,9-10 0,-9 11 0,4-5 0,-7 0 0,1-2 0,-1-5 0,-7 5 0,12-4 0,-11 4 0,12 1 0,1-5 0,-5 10 0,10-4 0,-4 6 0</inkml:trace>
+</inkml:ink>
+</file>
+
+<file path=ppt/ink/ink73.xml><?xml version="1.0" encoding="utf-8"?>
+<inkml:ink xmlns:inkml="http://www.w3.org/2003/InkML">
+  <inkml:definitions>
+    <inkml:context xml:id="ctx0">
+      <inkml:inkSource xml:id="inkSrc0">
+        <inkml:traceFormat>
+          <inkml:channel name="X" type="integer" min="-2.14748E9" max="2.14748E9" units="cm"/>
+          <inkml:channel name="Y" type="integer" min="-2.14748E9" max="2.14748E9" units="cm"/>
+          <inkml:channel name="F" type="integer" max="32767" units="dev"/>
+        </inkml:traceFormat>
+        <inkml:channelProperties>
+          <inkml:channelProperty channel="X" name="resolution" value="1000" units="1/cm"/>
+          <inkml:channelProperty channel="Y" name="resolution" value="1000" units="1/cm"/>
+          <inkml:channelProperty channel="F" name="resolution" value="0" units="1/dev"/>
+        </inkml:channelProperties>
+      </inkml:inkSource>
+      <inkml:timestamp xml:id="ts0" timeString="2022-06-20T16:48:46.895"/>
+    </inkml:context>
+    <inkml:brush xml:id="br0">
+      <inkml:brushProperty name="width" value="0.1" units="cm"/>
+      <inkml:brushProperty name="height" value="0.1" units="cm"/>
+      <inkml:brushProperty name="color" value="#E71224"/>
+    </inkml:brush>
+  </inkml:definitions>
+  <inkml:trace contextRef="#ctx0" brushRef="#br0">10 1 24575,'0'14'0,"0"4"0,0-2 0,-5-4 0,4 2 0,-3-9 0,4 5 0,0-1 0,0 1 0,0-1 0,0 0 0,0 0 0,0 0 0,0 0 0,0 0 0,0 0 0,0 6 0,0-4 0,0 9 0,0-4 0,0 5 0,0 1 0,0-1 0,0 0 0,0-5 0,0-1 0,0-5 0,0 0 0,4-1 0,1 0 0,4 0 0,1 1 0,0 0 0,-1-1 0,1 1 0,0 0 0,-1-1 0,-3 1 0,2-5 0,-3 0 0,5-5 0,-1 0 0,1 0 0,0 0 0,4 0 0,-3 0 0,9 0 0,-9 0 0,4 0 0,-5 0 0,5 0 0,-4 0 0,3 0 0,-4 0 0,0 0 0,-1 0 0,1 0 0,0 0 0,-1 0 0,1 0 0,-1 0 0,1 0 0,-2 0 0,1 0 0,-4-9 0,-1 3 0,-4-7 0,0-2 0,5-1 0,-4 0 0,4 1 0,-5 0 0,0 4 0,0-3 0,-4 8 0,3-2 0,-7-2 0,-3-2 0,-1-8 0,-3 3 0,5 1 0,-6-4 0,5 9 0,-4-9 0,5 9 0,0-4 0,0 6 0,1-1 0,-1 1 0,1-1 0,-1 5 0,0-4 0,1 4 0,-1-1 0,0-2 0,1 2 0,-1-3 0,0 3 0,1-2 0,-1 2 0,1 1 0,-1 1 0,5 0 0,-2 2 0,6-10 0,-3 11 0,4-7 0</inkml:trace>
+</inkml:ink>
+</file>
+
+<file path=ppt/ink/ink74.xml><?xml version="1.0" encoding="utf-8"?>
+<inkml:ink xmlns:inkml="http://www.w3.org/2003/InkML">
+  <inkml:definitions>
+    <inkml:context xml:id="ctx0">
+      <inkml:inkSource xml:id="inkSrc0">
+        <inkml:traceFormat>
+          <inkml:channel name="X" type="integer" min="-2.14748E9" max="2.14748E9" units="cm"/>
+          <inkml:channel name="Y" type="integer" min="-2.14748E9" max="2.14748E9" units="cm"/>
+          <inkml:channel name="F" type="integer" max="32767" units="dev"/>
+        </inkml:traceFormat>
+        <inkml:channelProperties>
+          <inkml:channelProperty channel="X" name="resolution" value="1000" units="1/cm"/>
+          <inkml:channelProperty channel="Y" name="resolution" value="1000" units="1/cm"/>
+          <inkml:channelProperty channel="F" name="resolution" value="0" units="1/dev"/>
+        </inkml:channelProperties>
+      </inkml:inkSource>
+      <inkml:timestamp xml:id="ts0" timeString="2022-06-20T16:48:32.051"/>
+    </inkml:context>
+    <inkml:brush xml:id="br0">
+      <inkml:brushProperty name="width" value="0.1" units="cm"/>
+      <inkml:brushProperty name="height" value="0.1" units="cm"/>
+      <inkml:brushProperty name="color" value="#E71224"/>
+    </inkml:brush>
+  </inkml:definitions>
+  <inkml:trace contextRef="#ctx0" brushRef="#br0">0 0 24575,'13'0'0,"0"0"0,1 0 0,-1 0 0,17 0 0,-12 0 0,19 0 0,-14 7 0,0 8 0,15 2 0,-13 5 0,7 1 0,-3-6 0,-5-2 0,-1 5 0,-8-11 0,5 13 0,-10-8 0,11 0 0,-8 0 0,1 0 0,0-1 0,-1 1 0,1 0 0,0-1 0,-1 1 0,1 0 0,-1-7 0,0 5 0,0-11 0,0 5 0,0-6 0,-6 5 0,4-3 0,-4 9 0,6-9 0,1 10 0,0-4 0,-1-1 0,1 5 0,0-4 0,-1 5 0,1-5 0,0 4 0,-7-5 0,5 1 0,-10 3 0,10-9 0,-5 3 0,6-5 0,-6 6 0,5-4 0,-4 4 0,-1 0 0,5-5 0,-5 11 0,6-11 0,-7 11 0,6-11 0,-10 11 0,10-10 0,-5 3 0,1-5 0,-3 0 0</inkml:trace>
+</inkml:ink>
+</file>
+
+<file path=ppt/ink/ink75.xml><?xml version="1.0" encoding="utf-8"?>
+<inkml:ink xmlns:inkml="http://www.w3.org/2003/InkML">
+  <inkml:definitions>
+    <inkml:context xml:id="ctx0">
+      <inkml:inkSource xml:id="inkSrc0">
+        <inkml:traceFormat>
+          <inkml:channel name="X" type="integer" min="-2.14748E9" max="2.14748E9" units="cm"/>
+          <inkml:channel name="Y" type="integer" min="-2.14748E9" max="2.14748E9" units="cm"/>
+          <inkml:channel name="F" type="integer" max="32767" units="dev"/>
+        </inkml:traceFormat>
+        <inkml:channelProperties>
+          <inkml:channelProperty channel="X" name="resolution" value="1000" units="1/cm"/>
+          <inkml:channelProperty channel="Y" name="resolution" value="1000" units="1/cm"/>
+          <inkml:channelProperty channel="F" name="resolution" value="0" units="1/dev"/>
+        </inkml:channelProperties>
+      </inkml:inkSource>
+      <inkml:timestamp xml:id="ts0" timeString="2022-06-20T16:48:33.748"/>
+    </inkml:context>
+    <inkml:brush xml:id="br0">
+      <inkml:brushProperty name="width" value="0.1" units="cm"/>
+      <inkml:brushProperty name="height" value="0.1" units="cm"/>
+      <inkml:brushProperty name="color" value="#E71224"/>
+    </inkml:brush>
+  </inkml:definitions>
+  <inkml:trace contextRef="#ctx0" brushRef="#br0">1 0 24575,'0'13'0,"0"7"0,0 3 0,0 0 0,0-2 0,0-7 0,0-1 0,0 8 0,0-5 0,0 5 0,0 0 0,0-5 0,0 12 0,0-5 0,0 0 0,0 5 0,0-5 0,6 26 0,-4-22 0,10 18 0,-11-30 0,5 5 0,-6-7 0,6 0 0,-4 0 0,10 1 0,-10 7 0,10 2 0,-10 7 0,12 0 0,-7-7 0,2 5 0,3-5 0,-4 0 0,0-2 0,5 0 0,-11-5 0,11 5 0,-12 0 0,11-6 0,-10 6 0,10-7 0,-11 7 0,5-5 0,1 5 0,-6-8 0,5 1 0,0 0 0,-4-1 0,4-6 0,-6-1 0</inkml:trace>
+</inkml:ink>
+</file>
+
+<file path=ppt/ink/ink76.xml><?xml version="1.0" encoding="utf-8"?>
+<inkml:ink xmlns:inkml="http://www.w3.org/2003/InkML">
+  <inkml:definitions>
+    <inkml:context xml:id="ctx0">
+      <inkml:inkSource xml:id="inkSrc0">
+        <inkml:traceFormat>
+          <inkml:channel name="X" type="integer" min="-2.14748E9" max="2.14748E9" units="cm"/>
+          <inkml:channel name="Y" type="integer" min="-2.14748E9" max="2.14748E9" units="cm"/>
+          <inkml:channel name="F" type="integer" max="32767" units="dev"/>
+        </inkml:traceFormat>
+        <inkml:channelProperties>
+          <inkml:channelProperty channel="X" name="resolution" value="1000" units="1/cm"/>
+          <inkml:channelProperty channel="Y" name="resolution" value="1000" units="1/cm"/>
+          <inkml:channelProperty channel="F" name="resolution" value="0" units="1/dev"/>
+        </inkml:channelProperties>
+      </inkml:inkSource>
+      <inkml:timestamp xml:id="ts0" timeString="2022-06-20T16:48:51.331"/>
+    </inkml:context>
+    <inkml:brush xml:id="br0">
+      <inkml:brushProperty name="width" value="0.1" units="cm"/>
+      <inkml:brushProperty name="height" value="0.1" units="cm"/>
+      <inkml:brushProperty name="color" value="#E71224"/>
+    </inkml:brush>
+  </inkml:definitions>
+  <inkml:trace contextRef="#ctx0" brushRef="#br0">1 125 24575,'0'-20'0,"0"6"0,0-5 0,3 13 0,3-3 0,-1 5 0,3 3 0,-3-8 0,5 4 0,-1 0 0,-4-3 0,4 7 0,-4-4 0,0 1 0,4 3 0,-4-3 0,4 4 0,0 0 0,1 0 0,-5-5 0,4 4 0,-4-3 0,4 4 0,1 0 0,-2 0 0,7 0 0,1 0 0,0 0 0,4 0 0,-9 0 0,4 0 0,-6 0 0,1 0 0,-1 0 0,0 0 0,0 0 0,1 0 0,-1 0 0,1 0 0,-1 4 0,1-3 0,-1 4 0,1-1 0,-1 1 0,0 0 0,0 3 0,1-7 0,0 8 0,-1-4 0,1 0 0,-1 4 0,1-4 0,0 1 0,-5 2 0,4-7 0,-8 8 0,7-8 0,-7 8 0,3-4 0,0 4 0,-3 1 0,8-1 0,-3 6 0,-1-4 0,5 9 0,-9-4 0,8 0 0,-8 4 0,3-9 0,-4 4 0,0 0 0,0-4 0,0 4 0,0-6 0,0 0 0,0 0 0,0 0 0,-4 0 0,-1-4 0,-4-1 0,0-4 0,0 0 0,-1 0 0,1 0 0,0 0 0,0 0 0,-4 0 0,2 0 0,-7 0 0,2 0 0,-6 0 0,6-4 0,-4 3 0,9-3 0,-4-1 0,6 4 0,-1-3 0,5 0 0,-4 3 0,4-4 0,-3 5 0,-7-4 0,-1-2 0,-5-5 0,0 0 0,-1 1 0,1-1 0,5 1 0,-4 4 0,9-3 0,-4 8 0,10-7 0,-4 7 0,4-4 0,-4 5 0,0 0 0,0 0 0,0 0 0,0 0 0,-1 0 0,5-3 0,-3 2 0,7-3 0,-2 4 0</inkml:trace>
+</inkml:ink>
+</file>
+
+<file path=ppt/ink/ink77.xml><?xml version="1.0" encoding="utf-8"?>
+<inkml:ink xmlns:inkml="http://www.w3.org/2003/InkML">
+  <inkml:definitions>
+    <inkml:context xml:id="ctx0">
+      <inkml:inkSource xml:id="inkSrc0">
+        <inkml:traceFormat>
+          <inkml:channel name="X" type="integer" min="-2.14748E9" max="2.14748E9" units="cm"/>
+          <inkml:channel name="Y" type="integer" min="-2.14748E9" max="2.14748E9" units="cm"/>
+          <inkml:channel name="F" type="integer" max="32767" units="dev"/>
+        </inkml:traceFormat>
+        <inkml:channelProperties>
+          <inkml:channelProperty channel="X" name="resolution" value="1000" units="1/cm"/>
+          <inkml:channelProperty channel="Y" name="resolution" value="1000" units="1/cm"/>
+          <inkml:channelProperty channel="F" name="resolution" value="0" units="1/dev"/>
+        </inkml:channelProperties>
+      </inkml:inkSource>
+      <inkml:timestamp xml:id="ts0" timeString="2022-06-20T16:54:09.810"/>
+    </inkml:context>
+    <inkml:brush xml:id="br0">
+      <inkml:brushProperty name="width" value="0.1" units="cm"/>
+      <inkml:brushProperty name="height" value="0.1" units="cm"/>
+    </inkml:brush>
+  </inkml:definitions>
+  <inkml:trace contextRef="#ctx0" brushRef="#br0">2692 115 24575,'-11'0'0,"-3"0"0,6 0 0,-6 0 0,1 0 0,-3 0 0,0 0 0,-1 0 0,1 0 0,4 0 0,-4 0 0,-1 0 0,4 0 0,-7 0 0,7 0 0,-3 0 0,0 0 0,0 0 0,-1 0 0,5 0 0,-3 0 0,2 0 0,-8-4 0,4 3 0,-9-11 0,4 10 0,-5-6 0,0 4 0,0 3 0,5-7 0,-3 3 0,2-3 0,1 3 0,-3-3 0,7 7 0,-8-7 0,9 3 0,-9 0 0,4-2 0,-5 6 0,0-7 0,5 7 0,-3-3 0,7 0 0,-7 3 0,7-2 0,-3 3 0,0 0 0,4 0 0,-4 0 0,4 0 0,1 0 0,4 0 0,-4 0 0,4 0 0,-4 0 0,-1 0 0,1 0 0,0 0 0,4 0 0,-4 0 0,-7 3 0,4-2 0,-7 6 0,5-2 0,3-1 0,-8 4 0,9-3 0,-9 4 0,-3 3 0,0-2 0,0 2 0,3-3 0,-1 0 0,-2 0 0,-3 0 0,5 4 0,0 1 0,1 0 0,-1 3 0,0-7 0,0 7 0,0-3 0,1 3 0,3-3 0,-2 3 0,3-4 0,-5 5 0,0 0 0,5-1 0,-4 1 0,9-5 0,-9 4 0,9-4 0,-9 4 0,-4 4 0,6-3 0,-4 3 0,7-8 0,4 2 0,-4-2 0,4 4 0,1-1 0,0 0 0,0 1 0,-1-1 0,1 0 0,0 1 0,3-1 0,-3 0 0,4 1 0,-5-5 0,5 4 0,-4-4 0,3 9 0,-3-3 0,2 3 0,-9 7 0,8-4 0,-7 10 0,6-7 0,2-5 0,1 4 0,0-4 0,0 4 0,4 1 0,-8 0 0,7 0 0,-3-5 0,0 4 0,4-4 0,-4 0 0,4 4 0,5-9 0,-4 9 0,3-9 0,0 4 0,-2 0 0,6-3 0,-7 19 0,3-16 0,0 16 0,-2-14 0,6-1 0,-7 3 0,7-7 0,-7 8 0,7-9 0,-3 9 0,4-9 0,0 9 0,0-9 0,0 9 0,0-4 0,-4 5 0,3 5 0,-3-4 0,0 4 0,3-5 0,-8 5 0,8-3 0,-3 3 0,0-5 0,3-5 0,-3 4 0,4-9 0,0 4 0,0 0 0,0-4 0,0 9 0,0-4 0,0 5 0,0 5 0,0-3 0,0 3 0,0-5 0,0-1 0,0-3 0,0 2 0,0-7 0,0 7 0,0-7 0,0 3 0,0 0 0,0-4 0,0 4 0,0-4 0,0 4 0,0-4 0,0 4 0,0 0 0,0-3 0,0 7 0,0-7 0,0 19 0,0-12 0,0 14 0,0-12 0,0 0 0,0 0 0,0 0 0,0-1 0,4 1 0,1 0 0,4 0 0,0-1 0,0 1 0,0 0 0,0 5 0,0-8 0,0 7 0,4-9 0,-4 0 0,4-1 0,-5 0 0,0-4 0,1 4 0,-1-8 0,0 2 0,-1-3 0,1 4 0,4 1 0,2 4 0,-2-4 0,4 4 0,-2 0 0,2-4 0,1 4 0,0 0 0,0-3 0,4 3 0,-3-4 0,3 0 0,-5-1 0,5-3 0,-7 3 0,6-7 0,-11 2 0,2-3 0,-4-1 0,1 1 0,-1-1 0,0 1 0,1 2 0,-1-2 0,1 0 0,-1-2 0,6-5 0,0 2 0,4 1 0,0 1 0,-1 6 0,0-2 0,1 3 0,4 1 0,-4-4 0,4 7 0,0-7 0,-4 7 0,9-3 0,-9 0 0,4 3 0,-4-7 0,-1 3 0,0-4 0,1 1 0,-5-2 0,3 1 0,-6 0 0,2-4 0,-4 3 0,5-3 0,-4 4 0,3-4 0,1 3 0,-4-3 0,3 4 0,1 0 0,-4-1 0,7-2 0,-6 1 0,6-1 0,-3 2 0,5 2 0,-5-2 0,3-2 0,-6 1 0,6-5 0,-3 6 0,1-3 0,2 1 0,-6-2 0,6 1 0,-7-4 0,7 8 0,-6-7 0,6 6 0,-7-6 0,8 6 0,-4-6 0,4 3 0,1-1 0,-1-2 0,0 6 0,1-6 0,6 6 0,-5-2 0,2 3 0,-5-4 0,-6 3 0,6-6 0,-7 5 0,7-5 0,-2 2 0,3-3 0,0 0 0,1 0 0,4 0 0,1 0 0,5 4 0,0-3 0,-1 3 0,1 0 0,0 1 0,0 0 0,0 3 0,-5-7 0,3 7 0,-2-7 0,-1 7 0,-1-8 0,-9 4 0,3-4 0,-6 0 0,2 0 0,-4 0 0,1 0 0,-1 0 0,0 0 0,5 0 0,5 0 0,0 0 0,9 0 0,-4 0 0,5 0 0,-5 0 0,4 0 0,-9 0 0,9 0 0,-9 0 0,4 0 0,-4 0 0,-1 0 0,0 4 0,1-3 0,-1 2 0,5-3 0,-4 0 0,4 0 0,-4 0 0,-1 0 0,5 0 0,-3 4 0,7-3 0,-7 2 0,13-3 0,-8 0 0,15 0 0,-10 0 0,10 0 0,-10 0 0,9 0 0,-8 0 0,3 0 0,0 0 0,-8 0 0,7 4 0,8-3 0,-8 3 0,13-4 0,-11 0 0,0 0 0,1 0 0,3 0 0,-3 0 0,0 0 0,3-4 0,-3-1 0,-1-5 0,5 1 0,-5-1 0,6-4 0,0 3 0,0-7 0,0 7 0,-5-7 0,4 8 0,-10-7 0,9 6 0,-8-6 0,8 2 0,-9 1 0,5-4 0,-7 8 0,1-6 0,0 6 0,0-7 0,5 2 0,-4-3 0,10-1 0,-10 1 0,10-2 0,-10 2 0,5-5 0,0 3 0,-3-8 0,3 3 0,-3-4 0,-1-1 0,-5 2 0,4-1 0,-8-3 0,4-3 0,-5-4 0,10-23 0,-7 17 0,7-17 0,-14 23 0,-2 5 0,1-3 0,-3 8 0,2-3 0,-4 5 0,0-5 0,0 4 0,1-4 0,-1-1 0,0 0 0,6-6 0,-5 0 0,4 0 0,-4 0 0,0 0 0,-1 6 0,-3 1 0,2-1 0,-3 5 0,0-4 0,8-12 0,-11 13 0,6-14 0,-4 13 0,-3 4 0,4-4 0,-5-1 0,0 5 0,0-4 0,0 5 0,0 0 0,0 0 0,4 1 0,-3-7 0,3 5 0,-4-9 0,0 8 0,0-8 0,0 9 0,0-10 0,0 5 0,0-1 0,0-10 0,0 14 0,0-9 0,0 13 0,0 3 0,0-2 0,0 3 0,0-5 0,0 0 0,0-5 0,0 4 0,-4-5 0,3 1 0,-7 4 0,7-10 0,-8 5 0,8-6 0,-7 5 0,7-3 0,-7 3 0,2-5 0,-3 5 0,0 2 0,0 5 0,-4-11 0,3 8 0,-6-4 0,5 3 0,-1 12 0,7-12 0,-2 9 0,2-5 0,-4 0 0,0 0 0,0 0 0,0 5 0,0-4 0,1 9 0,-4-4 0,-1 8 0,-3-2 0,0 6 0,-1-3 0,1 4 0,0 0 0,4 0 0,-4 0 0,8 0 0,0-5 0,1 4 0,7-7 0,-11 3 0,6-3 0,-11 0 0,7 3 0,-6-2 0,7 7 0,-4-8 0,1 8 0,2-4 0,-2 4 0,3 1 0,-3 3 0,3-3 0,-8 7 0,8-7 0,-7 3 0,6-1 0,-6-2 0,3 6 0,-1-6 0,-2 3 0,7-4 0,-8 4 0,8-3 0,-3 3 0,-1-3 0,4-1 0,-4 1 0,5-1 0,-4 0 0,2 1 0,-2-1 0,0 4 0,2-2 0,-2 2 0,0-1 0,2 2 0,-2 0 0,4 2 0,-1-2 0,1 0 0,0 2 0,-1-3 0,1 4 0,-1-3 0,-3 2 0,3-5 0,-4 2 0,1 0 0,3-3 0,-8 3 0,8-4 0,-7 0 0,-1 1 0,3-1 0,-2 1 0,4-1 0,3 4 0,-4-3 0,1 6 0,3-6 0,-8 3 0,4 0 0,0-3 0,-4 2 0,4 1 0,0-3 0,-4 7 0,11-7 0,-9 6 0,9-2 0,-7 0 0,5 2 0,-4-6 0,-2 6 0,1-3 0,1 1 0,-8-1 0,9-1 0,-13 2 0,11-1 0,0 3 0,-4-2 0,4 3 0,0-4 0,-4 4 0,4-4 0,-4 4 0,-1 0 0,1-3 0,0 2 0,-1-3 0,1 4 0,4 0 0,-4 0 0,8 0 0,-7 0 0,2 0 0,1 0 0,-11 0 0,9 0 0,-9-3 0,2 2 0,3-3 0,-3 0 0,0 4 0,4-4 0,-4 4 0,9-3 0,0 2 0,5-2 0,-1 3 0,1 0 0,0 0 0,0 0 0,0 0 0,0 0 0,-5 0 0,4 0 0,-3 0 0,3 0 0,1 0 0,0 0 0,0 0 0,0 0 0,1 0 0,-2 0 0,1 0 0,0 3 0,0-3 0,-5 7 0,0-6 0,-4 6 0,3-3 0,2 1 0,4-2 0,-1 0 0,1-2 0,0 3 0,2-4 0,2 0 0</inkml:trace>
+</inkml:ink>
+</file>
+
+<file path=ppt/ink/ink78.xml><?xml version="1.0" encoding="utf-8"?>
+<inkml:ink xmlns:inkml="http://www.w3.org/2003/InkML">
+  <inkml:definitions>
+    <inkml:context xml:id="ctx0">
+      <inkml:inkSource xml:id="inkSrc0">
+        <inkml:traceFormat>
+          <inkml:channel name="X" type="integer" min="-2.14748E9" max="2.14748E9" units="cm"/>
+          <inkml:channel name="Y" type="integer" min="-2.14748E9" max="2.14748E9" units="cm"/>
+          <inkml:channel name="F" type="integer" max="32767" units="dev"/>
+        </inkml:traceFormat>
+        <inkml:channelProperties>
+          <inkml:channelProperty channel="X" name="resolution" value="1000" units="1/cm"/>
+          <inkml:channelProperty channel="Y" name="resolution" value="1000" units="1/cm"/>
+          <inkml:channelProperty channel="F" name="resolution" value="0" units="1/dev"/>
+        </inkml:channelProperties>
+      </inkml:inkSource>
+      <inkml:timestamp xml:id="ts0" timeString="2022-06-20T16:55:36.464"/>
+    </inkml:context>
+    <inkml:brush xml:id="br0">
+      <inkml:brushProperty name="width" value="0.1" units="cm"/>
+      <inkml:brushProperty name="height" value="0.1" units="cm"/>
+      <inkml:brushProperty name="color" value="#BFBFBF"/>
+    </inkml:brush>
+  </inkml:definitions>
+  <inkml:trace contextRef="#ctx0" brushRef="#br0">3525 1 24575,'0'26'0,"0"5"0,0-8 0,0 11 0,0-12 0,0 12 0,-15 5 0,11-2 0,-16 2 0,8-6 0,0-4 0,-10 6 0,8 7 0,-8-5 0,8 12 0,-16-3 0,8 6 0,-10 0 0,6-1 0,-6 2 0,5-1 0,-6 1 0,8-9 0,1-2 0,1-7 0,-1 0 0,1 0 0,-2 7 0,2-5 0,-2 5 0,1 1 0,0-7 0,0 7 0,1-8 0,-1 0 0,1 0 0,-1 0 0,2-6 0,4 5 0,-3-5 0,3 0 0,0 4 0,-4 4 0,4-1 0,-7 14 0,0-6 0,-7 8 0,4 0 0,-11 2 0,11-2 0,-3-6 0,7-4 0,-1 0 0,7-12 0,-5 11 0,0 4 0,4-6 0,-8 11 0,8-14 0,-4-1 0,5 0 0,-4 0 0,3 7 0,0-5 0,-4 5 0,10-7 0,-4 8 0,0-7 0,3 14 0,-10-6 0,4 15 0,-14 11 0,4 1 0,-12 15 0,19-22 0,-18 20 0,18-21 0,-13 23-428,8-6 428,-1 0 0,6 7 0,-9 6 0,15-9 0,-8 0 0,12-25 0,0-8 0,-4-7 0,3 5 0,-4-5 0,0 7 428,-2 0-428,0 8 0,-5-6 0,5 5 0,-5-7 0,-1 0 0,1 0 0,6-8 0,-4 0 0,10-15 0,-9 6 0,10-5 0,-5 0 0,-4 14 0,7-11 0,-12 6 0,13-4 0,-8-5 0,8 0 0,-3 4 0,5-10 0,0 5 0,0-7 0,0 0 0,5 1 0,-3-6 0,4 4 0,-20 31 0,10-8 0,-11 22 0,9-23 0,4 0 0,-10-5 0,9 13 0,-3-14 0,10 7 0,-3-14 0,4-2 0,1-11 0,0-1 0,5-5 0,0-1 0,-4-3 0,2 2 0,-6-2 0,2 8 0,-4 2 0,-1 6 0,-5 5 0,4 2 0,-11 6 0,5 16 0,0-18 0,7 16 0,1-26 0,4 4 0,0 1 0,-3-5 0,3-1 0,1-2 0,-4-4 0,7 0 0,-7 4 0,3-9 0,1 9 0,-4-9 0,3 9 0,1-3 0,-5 4 0,4 0 0,-5 7 0,0 1 0,5 0 0,-10 20 0,13-16 0,-12 11 0,14-10 0,-4-12 0,1 6 0,2-7 0,-2 0 0,-1 7 0,3 1 0,-8 6 0,3 0 0,1 0 0,-4 0 0,3 0 0,1-6 0,0 4 0,2-10 0,3 5 0,-4-12 0,5-1 0,0-1 0,-4-3 0,2 9 0,-6 1 0,2 1 0,-4 4 0,4-10 0,1-1 0,1-6 0,3 1 0,-3 0 0,4-1 0,0 1 0,0-1 0,-5 1 0,0-1 0,0 1 0,-4 5 0,3 1 0,-5 11 0,0-4 0,-1 11 0,1-11 0,0 4 0,1-5 0,-1-1 0,0 0 0,1 1 0,-1-1 0,0 0 0,1 1 0,-2 5 0,2-4 0,-6 5 0,3-1 0,-7-4 0,8 4 0,1-10 0,2-3 0,4-4 0,-1 0 0,2-1 0,0 1 0,-2 0 0,-3-1 0,-1 1 0,0 5 0,0 1 0,-6 5 0,5 1 0,-10-1 0,14 0 0,-6-5 0,7-1 0,1-5 0,1 0 0,-1-1 0,0 1 0,0-1 0,-4 1 0,4-1 0,0 1 0,-4 5 0,3-4 0,0 4 0,2-6 0,0 1 0,3-1 0,-3 1 0,4 0 0,-4-5 0,3 3 0,-3-3 0,4 4 0,0 1 0,0-1 0,0 0 0,0 1 0,0 5 0,-10 1 0,8 5 0,-8-5 0,6-1 0,3-5 0,-3-1 0,4 1 0,0 0 0,0-5 0,0-1 0</inkml:trace>
+</inkml:ink>
+</file>
+
+<file path=ppt/ink/ink79.xml><?xml version="1.0" encoding="utf-8"?>
+<inkml:ink xmlns:inkml="http://www.w3.org/2003/InkML">
+  <inkml:definitions>
+    <inkml:context xml:id="ctx0">
+      <inkml:inkSource xml:id="inkSrc0">
+        <inkml:traceFormat>
+          <inkml:channel name="X" type="integer" min="-2.14748E9" max="2.14748E9" units="cm"/>
+          <inkml:channel name="Y" type="integer" min="-2.14748E9" max="2.14748E9" units="cm"/>
+          <inkml:channel name="F" type="integer" max="32767" units="dev"/>
+        </inkml:traceFormat>
+        <inkml:channelProperties>
+          <inkml:channelProperty channel="X" name="resolution" value="1000" units="1/cm"/>
+          <inkml:channelProperty channel="Y" name="resolution" value="1000" units="1/cm"/>
+          <inkml:channelProperty channel="F" name="resolution" value="0" units="1/dev"/>
+        </inkml:channelProperties>
+      </inkml:inkSource>
+      <inkml:timestamp xml:id="ts0" timeString="2022-06-20T16:55:41.927"/>
+    </inkml:context>
+    <inkml:brush xml:id="br0">
+      <inkml:brushProperty name="width" value="0.1" units="cm"/>
+      <inkml:brushProperty name="height" value="0.1" units="cm"/>
+      <inkml:brushProperty name="color" value="#BFBFBF"/>
+    </inkml:brush>
+  </inkml:definitions>
+  <inkml:trace contextRef="#ctx0" brushRef="#br0">0 0 24575,'0'20'0,"0"-5"0,0 5 0,0-4 0,0 5 0,0-6 0,0 5 0,0-1 0,0 3 0,0 7 0,0-11 0,0 12 0,5-18 0,1 15 0,-1-11 0,9 5 0,-11 0 0,11 1 0,-3 5 0,-3-4 0,12 5 0,-13-1 0,9 2 0,1 6 0,-4 0 0,9 1 0,-9-1 0,3-11 0,-5 2 0,0-10 0,-1 0 0,0-1 0,-5-6 0,0 1 0,-5-1 0,0 0 0,4-4 0,-3 3 0,3-3 0,0 5 0,-2 0 0,2-1 0,-4 1 0,0-1 0,4-3 0,-3 2 0,3-3 0,-4 5 0,0 0 0,0-1 0,0 1 0,0-1 0,0 1 0,0 0 0,0-1 0,0 1 0,0 0 0,5-1 0,-4 1 0,3 0 0,-4-1 0,0 1 0,0 0 0,0-1 0,0 0 0,4-4 0,1-1 0,4-8 0,1 3 0,5-8 0,1 3 0,5-10 0,7 4 0,1-9 0,0 4 0,6-13 0,-6 6 0,2-5 0,2 5 0,-15 3 0,9 3 0,-11-2 0,0 9 0,0-9 0,-6 3 0,5-4 0,2 0 0,5-7 0,0 5 0,1-10 0,-1 10 0,0-5 0,-1 7 0,1 0 0,-1-1 0,-5 6 0,4 1 0,-8 0 0,3 4 0,0-5 0,-4 6 0,4-5 0,-5 4 0,5-4 0,-4 5 0,4 0 0,-5 0 0,-1 1 0,1-1 0,5 0 0,-4 0 0,4-5 0,-5 8 0,0-6 0,-1 7 0,1 1 0,0 1 0,-5-1 0,3 4 0,-7-3 0,3 4 0</inkml:trace>
+</inkml:ink>
+</file>
+
+<file path=ppt/ink/ink8.xml><?xml version="1.0" encoding="utf-8"?>
+<inkml:ink xmlns:inkml="http://www.w3.org/2003/InkML">
+  <inkml:definitions>
+    <inkml:context xml:id="ctx0">
+      <inkml:inkSource xml:id="inkSrc0">
+        <inkml:traceFormat>
+          <inkml:channel name="X" type="integer" min="-2.14748E9" max="2.14748E9" units="cm"/>
+          <inkml:channel name="Y" type="integer" min="-2.14748E9" max="2.14748E9" units="cm"/>
+          <inkml:channel name="F" type="integer" max="32767" units="dev"/>
+        </inkml:traceFormat>
+        <inkml:channelProperties>
+          <inkml:channelProperty channel="X" name="resolution" value="1000" units="1/cm"/>
+          <inkml:channelProperty channel="Y" name="resolution" value="1000" units="1/cm"/>
+          <inkml:channelProperty channel="F" name="resolution" value="0" units="1/dev"/>
+        </inkml:channelProperties>
+      </inkml:inkSource>
+      <inkml:timestamp xml:id="ts0" timeString="2022-06-20T16:34:37.549"/>
+    </inkml:context>
+    <inkml:brush xml:id="br0">
+      <inkml:brushProperty name="width" value="0.1" units="cm"/>
+      <inkml:brushProperty name="height" value="0.1" units="cm"/>
+    </inkml:brush>
+  </inkml:definitions>
+  <inkml:trace contextRef="#ctx0" brushRef="#br0">2692 115 24575,'-11'0'0,"-3"0"0,6 0 0,-6 0 0,1 0 0,-3 0 0,0 0 0,-1 0 0,1 0 0,4 0 0,-4 0 0,-1 0 0,4 0 0,-7 0 0,7 0 0,-3 0 0,0 0 0,0 0 0,-1 0 0,5 0 0,-3 0 0,2 0 0,-8-4 0,4 3 0,-9-11 0,4 10 0,-5-6 0,0 4 0,0 3 0,5-7 0,-3 3 0,2-3 0,1 3 0,-3-3 0,7 7 0,-8-7 0,9 3 0,-9 0 0,4-2 0,-5 6 0,0-7 0,5 7 0,-3-3 0,7 0 0,-7 3 0,7-2 0,-3 3 0,0 0 0,4 0 0,-4 0 0,4 0 0,1 0 0,4 0 0,-4 0 0,4 0 0,-4 0 0,-1 0 0,1 0 0,0 0 0,4 0 0,-4 0 0,-7 3 0,4-2 0,-7 6 0,5-2 0,3-1 0,-8 4 0,9-3 0,-9 4 0,-3 3 0,0-2 0,0 2 0,3-3 0,-1 0 0,-2 0 0,-3 0 0,5 4 0,0 1 0,1 0 0,-1 3 0,0-7 0,0 7 0,0-3 0,1 3 0,3-3 0,-2 3 0,3-4 0,-5 5 0,0 0 0,5-1 0,-4 1 0,9-5 0,-9 4 0,9-4 0,-9 4 0,-4 4 0,6-3 0,-4 3 0,7-8 0,4 2 0,-4-2 0,4 4 0,1-1 0,0 0 0,0 1 0,-1-1 0,1 0 0,0 1 0,3-1 0,-3 0 0,4 1 0,-5-5 0,5 4 0,-4-4 0,3 9 0,-3-3 0,2 3 0,-9 7 0,8-4 0,-7 10 0,6-7 0,2-5 0,1 4 0,0-4 0,0 4 0,4 1 0,-8 0 0,7 0 0,-3-5 0,0 4 0,4-4 0,-4 0 0,4 4 0,5-9 0,-4 9 0,3-9 0,0 4 0,-2 0 0,6-3 0,-7 19 0,3-16 0,0 16 0,-2-14 0,6-1 0,-7 3 0,7-7 0,-7 8 0,7-9 0,-3 9 0,4-9 0,0 9 0,0-9 0,0 9 0,0-4 0,-4 5 0,3 5 0,-3-4 0,0 4 0,3-5 0,-8 5 0,8-3 0,-3 3 0,0-5 0,3-5 0,-3 4 0,4-9 0,0 4 0,0 0 0,0-4 0,0 9 0,0-4 0,0 5 0,0 5 0,0-3 0,0 3 0,0-5 0,0-1 0,0-3 0,0 2 0,0-7 0,0 7 0,0-7 0,0 3 0,0 0 0,0-4 0,0 4 0,0-4 0,0 4 0,0-4 0,0 4 0,0 0 0,0-3 0,0 7 0,0-7 0,0 19 0,0-12 0,0 14 0,0-12 0,0 0 0,0 0 0,0 0 0,0-1 0,4 1 0,1 0 0,4 0 0,0-1 0,0 1 0,0 0 0,0 5 0,0-8 0,0 7 0,4-9 0,-4 0 0,4-1 0,-5 0 0,0-4 0,1 4 0,-1-8 0,0 2 0,-1-3 0,1 4 0,4 1 0,2 4 0,-2-4 0,4 4 0,-2 0 0,2-4 0,1 4 0,0 0 0,0-3 0,4 3 0,-3-4 0,3 0 0,-5-1 0,5-3 0,-7 3 0,6-7 0,-11 2 0,2-3 0,-4-1 0,1 1 0,-1-1 0,0 1 0,1 2 0,-1-2 0,1 0 0,-1-2 0,6-5 0,0 2 0,4 1 0,0 1 0,-1 6 0,0-2 0,1 3 0,4 1 0,-4-4 0,4 7 0,0-7 0,-4 7 0,9-3 0,-9 0 0,4 3 0,-4-7 0,-1 3 0,0-4 0,1 1 0,-5-2 0,3 1 0,-6 0 0,2-4 0,-4 3 0,5-3 0,-4 4 0,3-4 0,1 3 0,-4-3 0,3 4 0,1 0 0,-4-1 0,7-2 0,-6 1 0,6-1 0,-3 2 0,5 2 0,-5-2 0,3-2 0,-6 1 0,6-5 0,-3 6 0,1-3 0,2 1 0,-6-2 0,6 1 0,-7-4 0,7 8 0,-6-7 0,6 6 0,-7-6 0,8 6 0,-4-6 0,4 3 0,1-1 0,-1-2 0,0 6 0,1-6 0,6 6 0,-5-2 0,2 3 0,-5-4 0,-6 3 0,6-6 0,-7 5 0,7-5 0,-2 2 0,3-3 0,0 0 0,1 0 0,4 0 0,1 0 0,5 4 0,0-3 0,-1 3 0,1 0 0,0 1 0,0 0 0,0 3 0,-5-7 0,3 7 0,-2-7 0,-1 7 0,-1-8 0,-9 4 0,3-4 0,-6 0 0,2 0 0,-4 0 0,1 0 0,-1 0 0,0 0 0,5 0 0,5 0 0,0 0 0,9 0 0,-4 0 0,5 0 0,-5 0 0,4 0 0,-9 0 0,9 0 0,-9 0 0,4 0 0,-4 0 0,-1 0 0,0 4 0,1-3 0,-1 2 0,5-3 0,-4 0 0,4 0 0,-4 0 0,-1 0 0,5 0 0,-3 4 0,7-3 0,-7 2 0,13-3 0,-8 0 0,15 0 0,-10 0 0,10 0 0,-10 0 0,9 0 0,-8 0 0,3 0 0,0 0 0,-8 0 0,7 4 0,8-3 0,-8 3 0,13-4 0,-11 0 0,0 0 0,1 0 0,3 0 0,-3 0 0,0 0 0,3-4 0,-3-1 0,-1-5 0,5 1 0,-5-1 0,6-4 0,0 3 0,0-7 0,0 7 0,-5-7 0,4 8 0,-10-7 0,9 6 0,-8-6 0,8 2 0,-9 1 0,5-4 0,-7 8 0,1-6 0,0 6 0,0-7 0,5 2 0,-4-3 0,10-1 0,-10 1 0,10-2 0,-10 2 0,5-5 0,0 3 0,-3-8 0,3 3 0,-3-4 0,-1-1 0,-5 2 0,4-1 0,-8-3 0,4-3 0,-5-4 0,10-23 0,-7 17 0,7-17 0,-14 23 0,-2 5 0,1-3 0,-3 8 0,2-3 0,-4 5 0,0-5 0,0 4 0,1-4 0,-1-1 0,0 0 0,6-6 0,-5 0 0,4 0 0,-4 0 0,0 0 0,-1 6 0,-3 1 0,2-1 0,-3 5 0,0-4 0,8-12 0,-11 13 0,6-14 0,-4 13 0,-3 4 0,4-4 0,-5-1 0,0 5 0,0-4 0,0 5 0,0 0 0,0 0 0,4 1 0,-3-7 0,3 5 0,-4-9 0,0 8 0,0-8 0,0 9 0,0-10 0,0 5 0,0-1 0,0-10 0,0 14 0,0-9 0,0 13 0,0 3 0,0-2 0,0 3 0,0-5 0,0 0 0,0-5 0,0 4 0,-4-5 0,3 1 0,-7 4 0,7-10 0,-8 5 0,8-6 0,-7 5 0,7-3 0,-7 3 0,2-5 0,-3 5 0,0 2 0,0 5 0,-4-11 0,3 8 0,-6-4 0,5 3 0,-1 12 0,7-12 0,-2 9 0,2-5 0,-4 0 0,0 0 0,0 0 0,0 5 0,0-4 0,1 9 0,-4-4 0,-1 8 0,-3-2 0,0 6 0,-1-3 0,1 4 0,0 0 0,4 0 0,-4 0 0,8 0 0,0-5 0,1 4 0,7-7 0,-11 3 0,6-3 0,-11 0 0,7 3 0,-6-2 0,7 7 0,-4-8 0,1 8 0,2-4 0,-2 4 0,3 1 0,-3 3 0,3-3 0,-8 7 0,8-7 0,-7 3 0,6-1 0,-6-2 0,3 6 0,-1-6 0,-2 3 0,7-4 0,-8 4 0,8-3 0,-3 3 0,-1-3 0,4-1 0,-4 1 0,5-1 0,-4 0 0,2 1 0,-2-1 0,0 4 0,2-2 0,-2 2 0,0-1 0,2 2 0,-2 0 0,4 2 0,-1-2 0,1 0 0,0 2 0,-1-3 0,1 4 0,-1-3 0,-3 2 0,3-5 0,-4 2 0,1 0 0,3-3 0,-8 3 0,8-4 0,-7 0 0,-1 1 0,3-1 0,-2 1 0,4-1 0,3 4 0,-4-3 0,1 6 0,3-6 0,-8 3 0,4 0 0,0-3 0,-4 2 0,4 1 0,0-3 0,-4 7 0,11-7 0,-9 6 0,9-2 0,-7 0 0,5 2 0,-4-6 0,-2 6 0,1-3 0,1 1 0,-8-1 0,9-1 0,-13 2 0,11-1 0,0 3 0,-4-2 0,4 3 0,0-4 0,-4 4 0,4-4 0,-4 4 0,-1 0 0,1-3 0,0 2 0,-1-3 0,1 4 0,4 0 0,-4 0 0,8 0 0,-7 0 0,2 0 0,1 0 0,-11 0 0,9 0 0,-9-3 0,2 2 0,3-3 0,-3 0 0,0 4 0,4-4 0,-4 4 0,9-3 0,0 2 0,5-2 0,-1 3 0,1 0 0,0 0 0,0 0 0,0 0 0,0 0 0,-5 0 0,4 0 0,-3 0 0,3 0 0,1 0 0,0 0 0,0 0 0,0 0 0,1 0 0,-2 0 0,1 0 0,0 3 0,0-3 0,-5 7 0,0-6 0,-4 6 0,3-3 0,2 1 0,4-2 0,-1 0 0,1-2 0,0 3 0,2-4 0,2 0 0</inkml:trace>
+</inkml:ink>
+</file>
+
+<file path=ppt/ink/ink80.xml><?xml version="1.0" encoding="utf-8"?>
+<inkml:ink xmlns:inkml="http://www.w3.org/2003/InkML">
+  <inkml:definitions>
+    <inkml:context xml:id="ctx0">
+      <inkml:inkSource xml:id="inkSrc0">
+        <inkml:traceFormat>
+          <inkml:channel name="X" type="integer" min="-2.14748E9" max="2.14748E9" units="cm"/>
+          <inkml:channel name="Y" type="integer" min="-2.14748E9" max="2.14748E9" units="cm"/>
+          <inkml:channel name="F" type="integer" max="32767" units="dev"/>
+        </inkml:traceFormat>
+        <inkml:channelProperties>
+          <inkml:channelProperty channel="X" name="resolution" value="1000" units="1/cm"/>
+          <inkml:channelProperty channel="Y" name="resolution" value="1000" units="1/cm"/>
+          <inkml:channelProperty channel="F" name="resolution" value="0" units="1/dev"/>
+        </inkml:channelProperties>
+      </inkml:inkSource>
+      <inkml:timestamp xml:id="ts0" timeString="2022-06-20T16:55:53.762"/>
+    </inkml:context>
+    <inkml:brush xml:id="br0">
+      <inkml:brushProperty name="width" value="0.1" units="cm"/>
+      <inkml:brushProperty name="height" value="0.1" units="cm"/>
+      <inkml:brushProperty name="color" value="#BFBFBF"/>
+    </inkml:brush>
+  </inkml:definitions>
+  <inkml:trace contextRef="#ctx0" brushRef="#br0">1 0 24575,'0'15'0,"0"3"0,0-7 0,0 15 0,0-13 0,0 13 0,5-10 0,-4 0 0,4 10 0,4-8 0,-7 4 0,13 5 0,-9-10 0,6 17 0,-1-5 0,0 0 0,6 5 0,-4-5 0,9 6 0,-5-6 0,1 4 0,4 3 0,-9 1 0,5 12 0,-6-12 0,6 5 0,-5-7 0,3 0 0,-4-6 0,-1 5 0,0-11 0,0-1 0,-1-2 0,1-4 0,-1 5 0,0-4 0,1 9 0,0-9 0,0 17 0,1-5 0,-6 0 0,5 12 0,-4-10 0,4 5 0,1-3 0,-1-4 0,1 6 0,-1-6 0,0-1 0,0-1 0,0-4 0,0 4 0,5 4 0,-4-1 0,4 2 0,-5 2 0,5-11 0,-4 11 0,9-12 0,-8 12 0,2-11 0,-4 4 0,5-5 0,-5-1 0,5 7 0,-5-6 0,5 6 0,-4-7 0,4 7 0,-5 1 0,1 6 0,-1 0 0,1 0 0,0 0 0,0 7 0,0-5 0,0 5 0,0-7 0,-1 0 0,6 0 0,-4 1 0,4-7 0,-6-2 0,0 0 0,0-4 0,5 5 0,-5-7 0,5 1 0,-5-1 0,0 6 0,-1-4 0,2 5 0,-1-1 0,0 2 0,0 0 0,1 5 0,-1-5 0,1 6 0,0 7 0,0-5 0,0 5 0,0 0 0,0 2 0,1 7 0,0 0 0,-6 0 0,4-7 0,-5-1 0,1-8 0,-2-6 0,0-2 0,-4-5 0,4-1 0,0 0 0,-4 1 0,3-1 0,-4 0 0,6 7 0,-5 1 0,4 0 0,0 4 0,-3-4 0,3 13 0,0-5 0,-4-1 0,4-2 0,6 10 0,-9-11 0,14 16 0,-15-26 0,9 5 0,-3-1 0,-1-4 0,4 5 0,-4-7 0,4 0 0,-4 7 0,4-5 0,-4 4 0,4-6 0,1 1 0,0-1 0,-5 0 0,3 1 0,-3-1 0,5 1 0,-1-1 0,2 6 0,-2-4 0,6 5 0,-3-1 0,2-4 0,-3 11 0,4-5 0,-3 6 0,4 0 0,0 0 0,-4 0 0,9 0 0,-9 0 0,9 1 0,-4-1 0,7 7 0,-7-5 0,4-1 0,-4 13 0,4-22 0,-5 16 0,-1-22 0,-6 0 0,1 1 0,0-1 0,-5-5 0,3 4 0,-3-4 0,5 12 0,-5-5 0,4 4 0,-4-5 0,0-1 0,3 0 0,-3 1 0,5-1 0,-5 0 0,3 1 0,-3-1 0,6 6 0,-6 2 0,4 6 0,2 23 0,1-17 0,4 10 0,-5-17 0,-1-11 0,-1-1 0,-4-2 0,-2-9 0,0 3 0,-2 1 0,7 1 0,-3 6 0,4-1 0,-4 0 0,4 1 0,-4-1 0,4 1 0,1-1 0,-1-5 0,1 4 0,-1-4 0,5 6 0,-2 5 0,8 2 0,3 29 0,1-10 0,5 11 0,-6-17 0,0 0 0,-6-11 0,0 10 0,-7-18 0,0 10 0,0-10 0,0-1 0,-5-7 0,3 0 0,-8 1 0,4 0 0,-1 4 0,-3-4 0,9 1 0,-9 3 0,8-4 0,-8 0 0,8 4 0,-3-4 0,0 0 0,4 14 0,-5-17 0,1 17 0,-2-19 0,1 3 0,-4 1 0,7-4 0,-7 4 0,8 0 0,-8-4 0,4 4 0,0 0 0,-4 1 0,8 0 0,-3 4 0,-1 2 0,5 1 0,-4 5 0,5-1 0,0-4 0,6 11 0,-5-5 0,10 6 0,-8 7 0,18 10 0,-15 1 0,10 0 0,-14-11 0,-2-13 0,0-1 0,0-7 0,-1 0 0,0-5 0,1-1 0,-6-5 0,3 0 0,-6-1 0,2 1 0,0-1 0,-3 1 0,8 0 0,-8-1 0,3 1 0,-4 0 0,0-1 0,4-3 0,-3 2 0,3-3 0,-4 4 0,0 0 0,0 1 0,0-1 0,0 1 0,0-1 0,0 1 0,4-5 0,-3 3 0,3 2 0,-4 6 0,5 5 0,1 1 0,0-1 0,3 0 0,-8-5 0,8-1 0,-7-5 0,2 0 0,-4-1 0,0 0 0,0 1 0,0-1 0,4 0 0,-3 1 0,3-1 0,-4 0 0,0 0 0,0 0 0,0 1 0,0-1 0,0 0 0,0 0 0,4-4 0,1-2 0,4-3 0,-4 4 0,-1-3 0,-4 3 0</inkml:trace>
+</inkml:ink>
+</file>
+
+<file path=ppt/ink/ink81.xml><?xml version="1.0" encoding="utf-8"?>
+<inkml:ink xmlns:inkml="http://www.w3.org/2003/InkML">
+  <inkml:definitions>
+    <inkml:context xml:id="ctx0">
+      <inkml:inkSource xml:id="inkSrc0">
+        <inkml:traceFormat>
+          <inkml:channel name="X" type="integer" min="-2.14748E9" max="2.14748E9" units="cm"/>
+          <inkml:channel name="Y" type="integer" min="-2.14748E9" max="2.14748E9" units="cm"/>
+          <inkml:channel name="F" type="integer" max="32767" units="dev"/>
+        </inkml:traceFormat>
+        <inkml:channelProperties>
+          <inkml:channelProperty channel="X" name="resolution" value="1000" units="1/cm"/>
+          <inkml:channelProperty channel="Y" name="resolution" value="1000" units="1/cm"/>
+          <inkml:channelProperty channel="F" name="resolution" value="0" units="1/dev"/>
+        </inkml:channelProperties>
+      </inkml:inkSource>
+      <inkml:timestamp xml:id="ts0" timeString="2022-06-20T16:55:57.347"/>
+    </inkml:context>
+    <inkml:brush xml:id="br0">
+      <inkml:brushProperty name="width" value="0.1" units="cm"/>
+      <inkml:brushProperty name="height" value="0.1" units="cm"/>
+      <inkml:brushProperty name="color" value="#BFBFBF"/>
+    </inkml:brush>
+  </inkml:definitions>
+  <inkml:trace contextRef="#ctx0" brushRef="#br0">1 299 24575,'9'-4'0,"3"7"0,-1-2 0,0 14 0,10 2 0,-10 4 0,10 1 0,-10-1 0,10-4 0,-4 9 0,0-8 0,4 5 0,-3 3 0,-2-13 0,6 19 0,-11-19 0,11 19 0,-15-20 0,14 21 0,-14-16 0,5 6 0,2-3 0,-2 5 0,4-1 0,0 7 0,-6-10 0,0-5 0,6 4 0,-5-4 0,4 1 0,-5-3 0,-4-4 0,2 0 0,-7-1 0,8 1 0,-4-1 0,4 1 0,0-1 0,1 1 0,0-1 0,0 6 0,0-4 0,0 4 0,-1-6 0,1 1 0,-5 0 0,4-5 0,-5-1 0,11-4 0,-5 0 0,5 0 0,-5 0 0,-1 0 0,1 0 0,0 0 0,-1 0 0,-3-3 0,-2-2 0,-4-5 0,0 1 0,0 0 0,0-1 0,0-5 0,0-7 0,0-7 0,0-6 0,0 0 0,0-7 0,6-2 0,0 0 0,12 2 0,-5-1 0,4 13 0,-6-5 0,0 19 0,-1-4 0,0 13 0,-4-7 0,2 13 0,-7-7 0,8 3 0,-4-10 0,5-1 0,1-5 0,0-1 0,0-5 0,4 4 0,-2-11 0,2 17 0,-4-4 0,-1 11 0,-5 0 0,-1 1 0,-4 0 0,4 4 0,-3-3 0,7-1 0,-7-2 0,7-2 0,-7 3 0,4 1 0,-5-1 0,4 0 0,-3 1 0,7 0 0,-7 0 0,7 0 0,-3-1 0,0 1 0,-1-1 0,1 5 0,-4-3 0,3 3 0,0-5 0,-3 1 0,8-1 0,-8 1 0,7-1 0,-6 0 0,6 5 0,-7-3 0,3 3 0,-4-5 0,4 1 0,-3 0 0,3 3 0,-4 2 0</inkml:trace>
+</inkml:ink>
+</file>
+
+<file path=ppt/ink/ink82.xml><?xml version="1.0" encoding="utf-8"?>
+<inkml:ink xmlns:inkml="http://www.w3.org/2003/InkML">
+  <inkml:definitions>
+    <inkml:context xml:id="ctx0">
+      <inkml:inkSource xml:id="inkSrc0">
+        <inkml:traceFormat>
+          <inkml:channel name="X" type="integer" min="-2.14748E9" max="2.14748E9" units="cm"/>
+          <inkml:channel name="Y" type="integer" min="-2.14748E9" max="2.14748E9" units="cm"/>
+          <inkml:channel name="F" type="integer" max="32767" units="dev"/>
+        </inkml:traceFormat>
+        <inkml:channelProperties>
+          <inkml:channelProperty channel="X" name="resolution" value="1000" units="1/cm"/>
+          <inkml:channelProperty channel="Y" name="resolution" value="1000" units="1/cm"/>
+          <inkml:channelProperty channel="F" name="resolution" value="0" units="1/dev"/>
+        </inkml:channelProperties>
+      </inkml:inkSource>
+      <inkml:timestamp xml:id="ts0" timeString="2022-06-20T16:56:06.939"/>
+    </inkml:context>
+    <inkml:brush xml:id="br0">
+      <inkml:brushProperty name="width" value="0.1" units="cm"/>
+      <inkml:brushProperty name="height" value="0.1" units="cm"/>
+      <inkml:brushProperty name="color" value="#E71224"/>
+    </inkml:brush>
+  </inkml:definitions>
+  <inkml:trace contextRef="#ctx0" brushRef="#br0">10 1 24575,'0'14'0,"0"4"0,0-2 0,-5-4 0,4 2 0,-3-9 0,4 5 0,0-1 0,0 1 0,0-1 0,0 0 0,0 0 0,0 0 0,0 0 0,0 0 0,0 0 0,0 6 0,0-4 0,0 9 0,0-4 0,0 5 0,0 1 0,0-1 0,0 0 0,0-5 0,0-1 0,0-5 0,0 0 0,4-1 0,1 0 0,4 0 0,1 1 0,0 0 0,-1-1 0,1 1 0,0 0 0,-1-1 0,-3 1 0,2-5 0,-3 0 0,5-5 0,-1 0 0,1 0 0,0 0 0,4 0 0,-3 0 0,9 0 0,-9 0 0,4 0 0,-5 0 0,5 0 0,-4 0 0,3 0 0,-4 0 0,0 0 0,-1 0 0,1 0 0,0 0 0,-1 0 0,1 0 0,-1 0 0,1 0 0,-2 0 0,1 0 0,-4-9 0,-1 3 0,-4-7 0,0-2 0,5-1 0,-4 0 0,4 1 0,-5 0 0,0 4 0,0-3 0,-4 8 0,3-2 0,-7-2 0,-3-2 0,-1-8 0,-3 3 0,5 1 0,-6-4 0,5 9 0,-4-9 0,5 9 0,0-4 0,0 6 0,1-1 0,-1 1 0,1-1 0,-1 5 0,0-4 0,1 4 0,-1-1 0,0-2 0,1 2 0,-1-3 0,0 3 0,1-2 0,-1 2 0,1 1 0,-1 1 0,5 0 0,-2 2 0,6-10 0,-3 11 0,4-7 0</inkml:trace>
+</inkml:ink>
+</file>
+
+<file path=ppt/ink/ink83.xml><?xml version="1.0" encoding="utf-8"?>
+<inkml:ink xmlns:inkml="http://www.w3.org/2003/InkML">
+  <inkml:definitions>
+    <inkml:context xml:id="ctx0">
+      <inkml:inkSource xml:id="inkSrc0">
+        <inkml:traceFormat>
+          <inkml:channel name="X" type="integer" min="-2.14748E9" max="2.14748E9" units="cm"/>
+          <inkml:channel name="Y" type="integer" min="-2.14748E9" max="2.14748E9" units="cm"/>
+          <inkml:channel name="F" type="integer" max="32767" units="dev"/>
+        </inkml:traceFormat>
+        <inkml:channelProperties>
+          <inkml:channelProperty channel="X" name="resolution" value="1000" units="1/cm"/>
+          <inkml:channelProperty channel="Y" name="resolution" value="1000" units="1/cm"/>
+          <inkml:channelProperty channel="F" name="resolution" value="0" units="1/dev"/>
+        </inkml:channelProperties>
+      </inkml:inkSource>
+      <inkml:timestamp xml:id="ts0" timeString="2022-06-20T16:56:06.940"/>
+    </inkml:context>
+    <inkml:brush xml:id="br0">
+      <inkml:brushProperty name="width" value="0.1" units="cm"/>
+      <inkml:brushProperty name="height" value="0.1" units="cm"/>
+      <inkml:brushProperty name="color" value="#E71224"/>
+    </inkml:brush>
+  </inkml:definitions>
+  <inkml:trace contextRef="#ctx0" brushRef="#br0">0 0 24575,'13'0'0,"0"0"0,1 0 0,-1 0 0,17 0 0,-12 0 0,19 0 0,-14 7 0,0 8 0,15 2 0,-13 5 0,7 1 0,-3-6 0,-5-2 0,-1 5 0,-8-11 0,5 13 0,-10-8 0,11 0 0,-8 0 0,1 0 0,0-1 0,-1 1 0,1 0 0,0-1 0,-1 1 0,1 0 0,-1-7 0,0 5 0,0-11 0,0 5 0,0-6 0,-6 5 0,4-3 0,-4 9 0,6-9 0,1 10 0,0-4 0,-1-1 0,1 5 0,0-4 0,-1 5 0,1-5 0,0 4 0,-7-5 0,5 1 0,-10 3 0,10-9 0,-5 3 0,6-5 0,-6 6 0,5-4 0,-4 4 0,-1 0 0,5-5 0,-5 11 0,6-11 0,-7 11 0,6-11 0,-10 11 0,10-10 0,-5 3 0,1-5 0,-3 0 0</inkml:trace>
+</inkml:ink>
+</file>
+
+<file path=ppt/ink/ink84.xml><?xml version="1.0" encoding="utf-8"?>
+<inkml:ink xmlns:inkml="http://www.w3.org/2003/InkML">
+  <inkml:definitions>
+    <inkml:context xml:id="ctx0">
+      <inkml:inkSource xml:id="inkSrc0">
+        <inkml:traceFormat>
+          <inkml:channel name="X" type="integer" min="-2.14748E9" max="2.14748E9" units="cm"/>
+          <inkml:channel name="Y" type="integer" min="-2.14748E9" max="2.14748E9" units="cm"/>
+          <inkml:channel name="F" type="integer" max="32767" units="dev"/>
+        </inkml:traceFormat>
+        <inkml:channelProperties>
+          <inkml:channelProperty channel="X" name="resolution" value="1000" units="1/cm"/>
+          <inkml:channelProperty channel="Y" name="resolution" value="1000" units="1/cm"/>
+          <inkml:channelProperty channel="F" name="resolution" value="0" units="1/dev"/>
+        </inkml:channelProperties>
+      </inkml:inkSource>
+      <inkml:timestamp xml:id="ts0" timeString="2022-06-20T16:56:06.941"/>
+    </inkml:context>
+    <inkml:brush xml:id="br0">
+      <inkml:brushProperty name="width" value="0.1" units="cm"/>
+      <inkml:brushProperty name="height" value="0.1" units="cm"/>
+      <inkml:brushProperty name="color" value="#E71224"/>
+    </inkml:brush>
+  </inkml:definitions>
+  <inkml:trace contextRef="#ctx0" brushRef="#br0">1 0 24575,'0'13'0,"0"7"0,0 3 0,0 0 0,0-2 0,0-7 0,0-1 0,0 8 0,0-5 0,0 5 0,0 0 0,0-5 0,0 12 0,0-5 0,0 0 0,0 5 0,0-5 0,6 26 0,-4-22 0,10 18 0,-11-30 0,5 5 0,-6-7 0,6 0 0,-4 0 0,10 1 0,-10 7 0,10 2 0,-10 7 0,12 0 0,-7-7 0,2 5 0,3-5 0,-4 0 0,0-2 0,5 0 0,-11-5 0,11 5 0,-12 0 0,11-6 0,-10 6 0,10-7 0,-11 7 0,5-5 0,1 5 0,-6-8 0,5 1 0,0 0 0,-4-1 0,4-6 0,-6-1 0</inkml:trace>
+</inkml:ink>
+</file>
+
+<file path=ppt/ink/ink85.xml><?xml version="1.0" encoding="utf-8"?>
+<inkml:ink xmlns:inkml="http://www.w3.org/2003/InkML">
+  <inkml:definitions>
+    <inkml:context xml:id="ctx0">
+      <inkml:inkSource xml:id="inkSrc0">
+        <inkml:traceFormat>
+          <inkml:channel name="X" type="integer" min="-2.14748E9" max="2.14748E9" units="cm"/>
+          <inkml:channel name="Y" type="integer" min="-2.14748E9" max="2.14748E9" units="cm"/>
+          <inkml:channel name="F" type="integer" max="32767" units="dev"/>
+        </inkml:traceFormat>
+        <inkml:channelProperties>
+          <inkml:channelProperty channel="X" name="resolution" value="1000" units="1/cm"/>
+          <inkml:channelProperty channel="Y" name="resolution" value="1000" units="1/cm"/>
+          <inkml:channelProperty channel="F" name="resolution" value="0" units="1/dev"/>
+        </inkml:channelProperties>
+      </inkml:inkSource>
       <inkml:timestamp xml:id="ts0" timeString="2022-06-20T16:56:06.942"/>
     </inkml:context>
     <inkml:brush xml:id="br0">
@@ -1979,7 +2812,7 @@
 </inkml:ink>
 </file>
 
-<file path=ppt/ink/ink71.xml><?xml version="1.0" encoding="utf-8"?>
+<file path=ppt/ink/ink86.xml><?xml version="1.0" encoding="utf-8"?>
 <inkml:ink xmlns:inkml="http://www.w3.org/2003/InkML">
   <inkml:definitions>
     <inkml:context xml:id="ctx0">
@@ -2007,7 +2840,7 @@
 </inkml:ink>
 </file>
 
-<file path=ppt/ink/ink72.xml><?xml version="1.0" encoding="utf-8"?>
+<file path=ppt/ink/ink87.xml><?xml version="1.0" encoding="utf-8"?>
 <inkml:ink xmlns:inkml="http://www.w3.org/2003/InkML">
   <inkml:definitions>
     <inkml:context xml:id="ctx0">
@@ -2035,7 +2868,7 @@
 </inkml:ink>
 </file>
 
-<file path=ppt/ink/ink73.xml><?xml version="1.0" encoding="utf-8"?>
+<file path=ppt/ink/ink88.xml><?xml version="1.0" encoding="utf-8"?>
 <inkml:ink xmlns:inkml="http://www.w3.org/2003/InkML">
   <inkml:definitions>
     <inkml:context xml:id="ctx0">
@@ -2063,7 +2896,7 @@
 </inkml:ink>
 </file>
 
-<file path=ppt/ink/ink8.xml><?xml version="1.0" encoding="utf-8"?>
+<file path=ppt/ink/ink89.xml><?xml version="1.0" encoding="utf-8"?>
 <inkml:ink xmlns:inkml="http://www.w3.org/2003/InkML">
   <inkml:definitions>
     <inkml:context xml:id="ctx0">
@@ -2079,7 +2912,7 @@
           <inkml:channelProperty channel="F" name="resolution" value="0" units="1/dev"/>
         </inkml:channelProperties>
       </inkml:inkSource>
-      <inkml:timestamp xml:id="ts0" timeString="2022-06-20T16:34:37.549"/>
+      <inkml:timestamp xml:id="ts0" timeString="2022-06-20T16:35:15.585"/>
     </inkml:context>
     <inkml:brush xml:id="br0">
       <inkml:brushProperty name="width" value="0.1" units="cm"/>
@@ -2114,6 +2947,283 @@
     </inkml:brush>
   </inkml:definitions>
   <inkml:trace contextRef="#ctx0" brushRef="#br0">2692 115 24575,'-11'0'0,"-3"0"0,6 0 0,-6 0 0,1 0 0,-3 0 0,0 0 0,-1 0 0,1 0 0,4 0 0,-4 0 0,-1 0 0,4 0 0,-7 0 0,7 0 0,-3 0 0,0 0 0,0 0 0,-1 0 0,5 0 0,-3 0 0,2 0 0,-8-4 0,4 3 0,-9-11 0,4 10 0,-5-6 0,0 4 0,0 3 0,5-7 0,-3 3 0,2-3 0,1 3 0,-3-3 0,7 7 0,-8-7 0,9 3 0,-9 0 0,4-2 0,-5 6 0,0-7 0,5 7 0,-3-3 0,7 0 0,-7 3 0,7-2 0,-3 3 0,0 0 0,4 0 0,-4 0 0,4 0 0,1 0 0,4 0 0,-4 0 0,4 0 0,-4 0 0,-1 0 0,1 0 0,0 0 0,4 0 0,-4 0 0,-7 3 0,4-2 0,-7 6 0,5-2 0,3-1 0,-8 4 0,9-3 0,-9 4 0,-3 3 0,0-2 0,0 2 0,3-3 0,-1 0 0,-2 0 0,-3 0 0,5 4 0,0 1 0,1 0 0,-1 3 0,0-7 0,0 7 0,0-3 0,1 3 0,3-3 0,-2 3 0,3-4 0,-5 5 0,0 0 0,5-1 0,-4 1 0,9-5 0,-9 4 0,9-4 0,-9 4 0,-4 4 0,6-3 0,-4 3 0,7-8 0,4 2 0,-4-2 0,4 4 0,1-1 0,0 0 0,0 1 0,-1-1 0,1 0 0,0 1 0,3-1 0,-3 0 0,4 1 0,-5-5 0,5 4 0,-4-4 0,3 9 0,-3-3 0,2 3 0,-9 7 0,8-4 0,-7 10 0,6-7 0,2-5 0,1 4 0,0-4 0,0 4 0,4 1 0,-8 0 0,7 0 0,-3-5 0,0 4 0,4-4 0,-4 0 0,4 4 0,5-9 0,-4 9 0,3-9 0,0 4 0,-2 0 0,6-3 0,-7 19 0,3-16 0,0 16 0,-2-14 0,6-1 0,-7 3 0,7-7 0,-7 8 0,7-9 0,-3 9 0,4-9 0,0 9 0,0-9 0,0 9 0,0-4 0,-4 5 0,3 5 0,-3-4 0,0 4 0,3-5 0,-8 5 0,8-3 0,-3 3 0,0-5 0,3-5 0,-3 4 0,4-9 0,0 4 0,0 0 0,0-4 0,0 9 0,0-4 0,0 5 0,0 5 0,0-3 0,0 3 0,0-5 0,0-1 0,0-3 0,0 2 0,0-7 0,0 7 0,0-7 0,0 3 0,0 0 0,0-4 0,0 4 0,0-4 0,0 4 0,0-4 0,0 4 0,0 0 0,0-3 0,0 7 0,0-7 0,0 19 0,0-12 0,0 14 0,0-12 0,0 0 0,0 0 0,0 0 0,0-1 0,4 1 0,1 0 0,4 0 0,0-1 0,0 1 0,0 0 0,0 5 0,0-8 0,0 7 0,4-9 0,-4 0 0,4-1 0,-5 0 0,0-4 0,1 4 0,-1-8 0,0 2 0,-1-3 0,1 4 0,4 1 0,2 4 0,-2-4 0,4 4 0,-2 0 0,2-4 0,1 4 0,0 0 0,0-3 0,4 3 0,-3-4 0,3 0 0,-5-1 0,5-3 0,-7 3 0,6-7 0,-11 2 0,2-3 0,-4-1 0,1 1 0,-1-1 0,0 1 0,1 2 0,-1-2 0,1 0 0,-1-2 0,6-5 0,0 2 0,4 1 0,0 1 0,-1 6 0,0-2 0,1 3 0,4 1 0,-4-4 0,4 7 0,0-7 0,-4 7 0,9-3 0,-9 0 0,4 3 0,-4-7 0,-1 3 0,0-4 0,1 1 0,-5-2 0,3 1 0,-6 0 0,2-4 0,-4 3 0,5-3 0,-4 4 0,3-4 0,1 3 0,-4-3 0,3 4 0,1 0 0,-4-1 0,7-2 0,-6 1 0,6-1 0,-3 2 0,5 2 0,-5-2 0,3-2 0,-6 1 0,6-5 0,-3 6 0,1-3 0,2 1 0,-6-2 0,6 1 0,-7-4 0,7 8 0,-6-7 0,6 6 0,-7-6 0,8 6 0,-4-6 0,4 3 0,1-1 0,-1-2 0,0 6 0,1-6 0,6 6 0,-5-2 0,2 3 0,-5-4 0,-6 3 0,6-6 0,-7 5 0,7-5 0,-2 2 0,3-3 0,0 0 0,1 0 0,4 0 0,1 0 0,5 4 0,0-3 0,-1 3 0,1 0 0,0 1 0,0 0 0,0 3 0,-5-7 0,3 7 0,-2-7 0,-1 7 0,-1-8 0,-9 4 0,3-4 0,-6 0 0,2 0 0,-4 0 0,1 0 0,-1 0 0,0 0 0,5 0 0,5 0 0,0 0 0,9 0 0,-4 0 0,5 0 0,-5 0 0,4 0 0,-9 0 0,9 0 0,-9 0 0,4 0 0,-4 0 0,-1 0 0,0 4 0,1-3 0,-1 2 0,5-3 0,-4 0 0,4 0 0,-4 0 0,-1 0 0,5 0 0,-3 4 0,7-3 0,-7 2 0,13-3 0,-8 0 0,15 0 0,-10 0 0,10 0 0,-10 0 0,9 0 0,-8 0 0,3 0 0,0 0 0,-8 0 0,7 4 0,8-3 0,-8 3 0,13-4 0,-11 0 0,0 0 0,1 0 0,3 0 0,-3 0 0,0 0 0,3-4 0,-3-1 0,-1-5 0,5 1 0,-5-1 0,6-4 0,0 3 0,0-7 0,0 7 0,-5-7 0,4 8 0,-10-7 0,9 6 0,-8-6 0,8 2 0,-9 1 0,5-4 0,-7 8 0,1-6 0,0 6 0,0-7 0,5 2 0,-4-3 0,10-1 0,-10 1 0,10-2 0,-10 2 0,5-5 0,0 3 0,-3-8 0,3 3 0,-3-4 0,-1-1 0,-5 2 0,4-1 0,-8-3 0,4-3 0,-5-4 0,10-23 0,-7 17 0,7-17 0,-14 23 0,-2 5 0,1-3 0,-3 8 0,2-3 0,-4 5 0,0-5 0,0 4 0,1-4 0,-1-1 0,0 0 0,6-6 0,-5 0 0,4 0 0,-4 0 0,0 0 0,-1 6 0,-3 1 0,2-1 0,-3 5 0,0-4 0,8-12 0,-11 13 0,6-14 0,-4 13 0,-3 4 0,4-4 0,-5-1 0,0 5 0,0-4 0,0 5 0,0 0 0,0 0 0,4 1 0,-3-7 0,3 5 0,-4-9 0,0 8 0,0-8 0,0 9 0,0-10 0,0 5 0,0-1 0,0-10 0,0 14 0,0-9 0,0 13 0,0 3 0,0-2 0,0 3 0,0-5 0,0 0 0,0-5 0,0 4 0,-4-5 0,3 1 0,-7 4 0,7-10 0,-8 5 0,8-6 0,-7 5 0,7-3 0,-7 3 0,2-5 0,-3 5 0,0 2 0,0 5 0,-4-11 0,3 8 0,-6-4 0,5 3 0,-1 12 0,7-12 0,-2 9 0,2-5 0,-4 0 0,0 0 0,0 0 0,0 5 0,0-4 0,1 9 0,-4-4 0,-1 8 0,-3-2 0,0 6 0,-1-3 0,1 4 0,0 0 0,4 0 0,-4 0 0,8 0 0,0-5 0,1 4 0,7-7 0,-11 3 0,6-3 0,-11 0 0,7 3 0,-6-2 0,7 7 0,-4-8 0,1 8 0,2-4 0,-2 4 0,3 1 0,-3 3 0,3-3 0,-8 7 0,8-7 0,-7 3 0,6-1 0,-6-2 0,3 6 0,-1-6 0,-2 3 0,7-4 0,-8 4 0,8-3 0,-3 3 0,-1-3 0,4-1 0,-4 1 0,5-1 0,-4 0 0,2 1 0,-2-1 0,0 4 0,2-2 0,-2 2 0,0-1 0,2 2 0,-2 0 0,4 2 0,-1-2 0,1 0 0,0 2 0,-1-3 0,1 4 0,-1-3 0,-3 2 0,3-5 0,-4 2 0,1 0 0,3-3 0,-8 3 0,8-4 0,-7 0 0,-1 1 0,3-1 0,-2 1 0,4-1 0,3 4 0,-4-3 0,1 6 0,3-6 0,-8 3 0,4 0 0,0-3 0,-4 2 0,4 1 0,0-3 0,-4 7 0,11-7 0,-9 6 0,9-2 0,-7 0 0,5 2 0,-4-6 0,-2 6 0,1-3 0,1 1 0,-8-1 0,9-1 0,-13 2 0,11-1 0,0 3 0,-4-2 0,4 3 0,0-4 0,-4 4 0,4-4 0,-4 4 0,-1 0 0,1-3 0,0 2 0,-1-3 0,1 4 0,4 0 0,-4 0 0,8 0 0,-7 0 0,2 0 0,1 0 0,-11 0 0,9 0 0,-9-3 0,2 2 0,3-3 0,-3 0 0,0 4 0,4-4 0,-4 4 0,9-3 0,0 2 0,5-2 0,-1 3 0,1 0 0,0 0 0,0 0 0,0 0 0,0 0 0,-5 0 0,4 0 0,-3 0 0,3 0 0,1 0 0,0 0 0,0 0 0,0 0 0,1 0 0,-2 0 0,1 0 0,0 3 0,0-3 0,-5 7 0,0-6 0,-4 6 0,3-3 0,2 1 0,4-2 0,-1 0 0,1-2 0,0 3 0,2-4 0,2 0 0</inkml:trace>
+</inkml:ink>
+</file>
+
+<file path=ppt/ink/ink90.xml><?xml version="1.0" encoding="utf-8"?>
+<inkml:ink xmlns:inkml="http://www.w3.org/2003/InkML">
+  <inkml:definitions>
+    <inkml:context xml:id="ctx0">
+      <inkml:inkSource xml:id="inkSrc0">
+        <inkml:traceFormat>
+          <inkml:channel name="X" type="integer" min="-2.14748E9" max="2.14748E9" units="cm"/>
+          <inkml:channel name="Y" type="integer" min="-2.14748E9" max="2.14748E9" units="cm"/>
+          <inkml:channel name="F" type="integer" max="32767" units="dev"/>
+        </inkml:traceFormat>
+        <inkml:channelProperties>
+          <inkml:channelProperty channel="X" name="resolution" value="1000" units="1/cm"/>
+          <inkml:channelProperty channel="Y" name="resolution" value="1000" units="1/cm"/>
+          <inkml:channelProperty channel="F" name="resolution" value="0" units="1/dev"/>
+        </inkml:channelProperties>
+      </inkml:inkSource>
+      <inkml:timestamp xml:id="ts0" timeString="2022-06-20T16:35:15.588"/>
+    </inkml:context>
+    <inkml:brush xml:id="br0">
+      <inkml:brushProperty name="width" value="0.1" units="cm"/>
+      <inkml:brushProperty name="height" value="0.1" units="cm"/>
+    </inkml:brush>
+  </inkml:definitions>
+  <inkml:trace contextRef="#ctx0" brushRef="#br0">2692 115 24575,'-11'0'0,"-3"0"0,6 0 0,-6 0 0,1 0 0,-3 0 0,0 0 0,-1 0 0,1 0 0,4 0 0,-4 0 0,-1 0 0,4 0 0,-7 0 0,7 0 0,-3 0 0,0 0 0,0 0 0,-1 0 0,5 0 0,-3 0 0,2 0 0,-8-4 0,4 3 0,-9-11 0,4 10 0,-5-6 0,0 4 0,0 3 0,5-7 0,-3 3 0,2-3 0,1 3 0,-3-3 0,7 7 0,-8-7 0,9 3 0,-9 0 0,4-2 0,-5 6 0,0-7 0,5 7 0,-3-3 0,7 0 0,-7 3 0,7-2 0,-3 3 0,0 0 0,4 0 0,-4 0 0,4 0 0,1 0 0,4 0 0,-4 0 0,4 0 0,-4 0 0,-1 0 0,1 0 0,0 0 0,4 0 0,-4 0 0,-7 3 0,4-2 0,-7 6 0,5-2 0,3-1 0,-8 4 0,9-3 0,-9 4 0,-3 3 0,0-2 0,0 2 0,3-3 0,-1 0 0,-2 0 0,-3 0 0,5 4 0,0 1 0,1 0 0,-1 3 0,0-7 0,0 7 0,0-3 0,1 3 0,3-3 0,-2 3 0,3-4 0,-5 5 0,0 0 0,5-1 0,-4 1 0,9-5 0,-9 4 0,9-4 0,-9 4 0,-4 4 0,6-3 0,-4 3 0,7-8 0,4 2 0,-4-2 0,4 4 0,1-1 0,0 0 0,0 1 0,-1-1 0,1 0 0,0 1 0,3-1 0,-3 0 0,4 1 0,-5-5 0,5 4 0,-4-4 0,3 9 0,-3-3 0,2 3 0,-9 7 0,8-4 0,-7 10 0,6-7 0,2-5 0,1 4 0,0-4 0,0 4 0,4 1 0,-8 0 0,7 0 0,-3-5 0,0 4 0,4-4 0,-4 0 0,4 4 0,5-9 0,-4 9 0,3-9 0,0 4 0,-2 0 0,6-3 0,-7 19 0,3-16 0,0 16 0,-2-14 0,6-1 0,-7 3 0,7-7 0,-7 8 0,7-9 0,-3 9 0,4-9 0,0 9 0,0-9 0,0 9 0,0-4 0,-4 5 0,3 5 0,-3-4 0,0 4 0,3-5 0,-8 5 0,8-3 0,-3 3 0,0-5 0,3-5 0,-3 4 0,4-9 0,0 4 0,0 0 0,0-4 0,0 9 0,0-4 0,0 5 0,0 5 0,0-3 0,0 3 0,0-5 0,0-1 0,0-3 0,0 2 0,0-7 0,0 7 0,0-7 0,0 3 0,0 0 0,0-4 0,0 4 0,0-4 0,0 4 0,0-4 0,0 4 0,0 0 0,0-3 0,0 7 0,0-7 0,0 19 0,0-12 0,0 14 0,0-12 0,0 0 0,0 0 0,0 0 0,0-1 0,4 1 0,1 0 0,4 0 0,0-1 0,0 1 0,0 0 0,0 5 0,0-8 0,0 7 0,4-9 0,-4 0 0,4-1 0,-5 0 0,0-4 0,1 4 0,-1-8 0,0 2 0,-1-3 0,1 4 0,4 1 0,2 4 0,-2-4 0,4 4 0,-2 0 0,2-4 0,1 4 0,0 0 0,0-3 0,4 3 0,-3-4 0,3 0 0,-5-1 0,5-3 0,-7 3 0,6-7 0,-11 2 0,2-3 0,-4-1 0,1 1 0,-1-1 0,0 1 0,1 2 0,-1-2 0,1 0 0,-1-2 0,6-5 0,0 2 0,4 1 0,0 1 0,-1 6 0,0-2 0,1 3 0,4 1 0,-4-4 0,4 7 0,0-7 0,-4 7 0,9-3 0,-9 0 0,4 3 0,-4-7 0,-1 3 0,0-4 0,1 1 0,-5-2 0,3 1 0,-6 0 0,2-4 0,-4 3 0,5-3 0,-4 4 0,3-4 0,1 3 0,-4-3 0,3 4 0,1 0 0,-4-1 0,7-2 0,-6 1 0,6-1 0,-3 2 0,5 2 0,-5-2 0,3-2 0,-6 1 0,6-5 0,-3 6 0,1-3 0,2 1 0,-6-2 0,6 1 0,-7-4 0,7 8 0,-6-7 0,6 6 0,-7-6 0,8 6 0,-4-6 0,4 3 0,1-1 0,-1-2 0,0 6 0,1-6 0,6 6 0,-5-2 0,2 3 0,-5-4 0,-6 3 0,6-6 0,-7 5 0,7-5 0,-2 2 0,3-3 0,0 0 0,1 0 0,4 0 0,1 0 0,5 4 0,0-3 0,-1 3 0,1 0 0,0 1 0,0 0 0,0 3 0,-5-7 0,3 7 0,-2-7 0,-1 7 0,-1-8 0,-9 4 0,3-4 0,-6 0 0,2 0 0,-4 0 0,1 0 0,-1 0 0,0 0 0,5 0 0,5 0 0,0 0 0,9 0 0,-4 0 0,5 0 0,-5 0 0,4 0 0,-9 0 0,9 0 0,-9 0 0,4 0 0,-4 0 0,-1 0 0,0 4 0,1-3 0,-1 2 0,5-3 0,-4 0 0,4 0 0,-4 0 0,-1 0 0,5 0 0,-3 4 0,7-3 0,-7 2 0,13-3 0,-8 0 0,15 0 0,-10 0 0,10 0 0,-10 0 0,9 0 0,-8 0 0,3 0 0,0 0 0,-8 0 0,7 4 0,8-3 0,-8 3 0,13-4 0,-11 0 0,0 0 0,1 0 0,3 0 0,-3 0 0,0 0 0,3-4 0,-3-1 0,-1-5 0,5 1 0,-5-1 0,6-4 0,0 3 0,0-7 0,0 7 0,-5-7 0,4 8 0,-10-7 0,9 6 0,-8-6 0,8 2 0,-9 1 0,5-4 0,-7 8 0,1-6 0,0 6 0,0-7 0,5 2 0,-4-3 0,10-1 0,-10 1 0,10-2 0,-10 2 0,5-5 0,0 3 0,-3-8 0,3 3 0,-3-4 0,-1-1 0,-5 2 0,4-1 0,-8-3 0,4-3 0,-5-4 0,10-23 0,-7 17 0,7-17 0,-14 23 0,-2 5 0,1-3 0,-3 8 0,2-3 0,-4 5 0,0-5 0,0 4 0,1-4 0,-1-1 0,0 0 0,6-6 0,-5 0 0,4 0 0,-4 0 0,0 0 0,-1 6 0,-3 1 0,2-1 0,-3 5 0,0-4 0,8-12 0,-11 13 0,6-14 0,-4 13 0,-3 4 0,4-4 0,-5-1 0,0 5 0,0-4 0,0 5 0,0 0 0,0 0 0,4 1 0,-3-7 0,3 5 0,-4-9 0,0 8 0,0-8 0,0 9 0,0-10 0,0 5 0,0-1 0,0-10 0,0 14 0,0-9 0,0 13 0,0 3 0,0-2 0,0 3 0,0-5 0,0 0 0,0-5 0,0 4 0,-4-5 0,3 1 0,-7 4 0,7-10 0,-8 5 0,8-6 0,-7 5 0,7-3 0,-7 3 0,2-5 0,-3 5 0,0 2 0,0 5 0,-4-11 0,3 8 0,-6-4 0,5 3 0,-1 12 0,7-12 0,-2 9 0,2-5 0,-4 0 0,0 0 0,0 0 0,0 5 0,0-4 0,1 9 0,-4-4 0,-1 8 0,-3-2 0,0 6 0,-1-3 0,1 4 0,0 0 0,4 0 0,-4 0 0,8 0 0,0-5 0,1 4 0,7-7 0,-11 3 0,6-3 0,-11 0 0,7 3 0,-6-2 0,7 7 0,-4-8 0,1 8 0,2-4 0,-2 4 0,3 1 0,-3 3 0,3-3 0,-8 7 0,8-7 0,-7 3 0,6-1 0,-6-2 0,3 6 0,-1-6 0,-2 3 0,7-4 0,-8 4 0,8-3 0,-3 3 0,-1-3 0,4-1 0,-4 1 0,5-1 0,-4 0 0,2 1 0,-2-1 0,0 4 0,2-2 0,-2 2 0,0-1 0,2 2 0,-2 0 0,4 2 0,-1-2 0,1 0 0,0 2 0,-1-3 0,1 4 0,-1-3 0,-3 2 0,3-5 0,-4 2 0,1 0 0,3-3 0,-8 3 0,8-4 0,-7 0 0,-1 1 0,3-1 0,-2 1 0,4-1 0,3 4 0,-4-3 0,1 6 0,3-6 0,-8 3 0,4 0 0,0-3 0,-4 2 0,4 1 0,0-3 0,-4 7 0,11-7 0,-9 6 0,9-2 0,-7 0 0,5 2 0,-4-6 0,-2 6 0,1-3 0,1 1 0,-8-1 0,9-1 0,-13 2 0,11-1 0,0 3 0,-4-2 0,4 3 0,0-4 0,-4 4 0,4-4 0,-4 4 0,-1 0 0,1-3 0,0 2 0,-1-3 0,1 4 0,4 0 0,-4 0 0,8 0 0,-7 0 0,2 0 0,1 0 0,-11 0 0,9 0 0,-9-3 0,2 2 0,3-3 0,-3 0 0,0 4 0,4-4 0,-4 4 0,9-3 0,0 2 0,5-2 0,-1 3 0,1 0 0,0 0 0,0 0 0,0 0 0,0 0 0,-5 0 0,4 0 0,-3 0 0,3 0 0,1 0 0,0 0 0,0 0 0,0 0 0,1 0 0,-2 0 0,1 0 0,0 3 0,0-3 0,-5 7 0,0-6 0,-4 6 0,3-3 0,2 1 0,4-2 0,-1 0 0,1-2 0,0 3 0,2-4 0,2 0 0</inkml:trace>
+</inkml:ink>
+</file>
+
+<file path=ppt/ink/ink91.xml><?xml version="1.0" encoding="utf-8"?>
+<inkml:ink xmlns:inkml="http://www.w3.org/2003/InkML">
+  <inkml:definitions>
+    <inkml:context xml:id="ctx0">
+      <inkml:inkSource xml:id="inkSrc0">
+        <inkml:traceFormat>
+          <inkml:channel name="X" type="integer" min="-2.14748E9" max="2.14748E9" units="cm"/>
+          <inkml:channel name="Y" type="integer" min="-2.14748E9" max="2.14748E9" units="cm"/>
+          <inkml:channel name="F" type="integer" max="32767" units="dev"/>
+        </inkml:traceFormat>
+        <inkml:channelProperties>
+          <inkml:channelProperty channel="X" name="resolution" value="1000" units="1/cm"/>
+          <inkml:channelProperty channel="Y" name="resolution" value="1000" units="1/cm"/>
+          <inkml:channelProperty channel="F" name="resolution" value="0" units="1/dev"/>
+        </inkml:channelProperties>
+      </inkml:inkSource>
+      <inkml:timestamp xml:id="ts0" timeString="2022-06-20T16:35:47.902"/>
+    </inkml:context>
+    <inkml:brush xml:id="br0">
+      <inkml:brushProperty name="width" value="0.1" units="cm"/>
+      <inkml:brushProperty name="height" value="0.1" units="cm"/>
+    </inkml:brush>
+  </inkml:definitions>
+  <inkml:trace contextRef="#ctx0" brushRef="#br0">2692 115 24575,'-11'0'0,"-3"0"0,6 0 0,-6 0 0,1 0 0,-3 0 0,0 0 0,-1 0 0,1 0 0,4 0 0,-4 0 0,-1 0 0,4 0 0,-7 0 0,7 0 0,-3 0 0,0 0 0,0 0 0,-1 0 0,5 0 0,-3 0 0,2 0 0,-8-4 0,4 3 0,-9-11 0,4 10 0,-5-6 0,0 4 0,0 3 0,5-7 0,-3 3 0,2-3 0,1 3 0,-3-3 0,7 7 0,-8-7 0,9 3 0,-9 0 0,4-2 0,-5 6 0,0-7 0,5 7 0,-3-3 0,7 0 0,-7 3 0,7-2 0,-3 3 0,0 0 0,4 0 0,-4 0 0,4 0 0,1 0 0,4 0 0,-4 0 0,4 0 0,-4 0 0,-1 0 0,1 0 0,0 0 0,4 0 0,-4 0 0,-7 3 0,4-2 0,-7 6 0,5-2 0,3-1 0,-8 4 0,9-3 0,-9 4 0,-3 3 0,0-2 0,0 2 0,3-3 0,-1 0 0,-2 0 0,-3 0 0,5 4 0,0 1 0,1 0 0,-1 3 0,0-7 0,0 7 0,0-3 0,1 3 0,3-3 0,-2 3 0,3-4 0,-5 5 0,0 0 0,5-1 0,-4 1 0,9-5 0,-9 4 0,9-4 0,-9 4 0,-4 4 0,6-3 0,-4 3 0,7-8 0,4 2 0,-4-2 0,4 4 0,1-1 0,0 0 0,0 1 0,-1-1 0,1 0 0,0 1 0,3-1 0,-3 0 0,4 1 0,-5-5 0,5 4 0,-4-4 0,3 9 0,-3-3 0,2 3 0,-9 7 0,8-4 0,-7 10 0,6-7 0,2-5 0,1 4 0,0-4 0,0 4 0,4 1 0,-8 0 0,7 0 0,-3-5 0,0 4 0,4-4 0,-4 0 0,4 4 0,5-9 0,-4 9 0,3-9 0,0 4 0,-2 0 0,6-3 0,-7 19 0,3-16 0,0 16 0,-2-14 0,6-1 0,-7 3 0,7-7 0,-7 8 0,7-9 0,-3 9 0,4-9 0,0 9 0,0-9 0,0 9 0,0-4 0,-4 5 0,3 5 0,-3-4 0,0 4 0,3-5 0,-8 5 0,8-3 0,-3 3 0,0-5 0,3-5 0,-3 4 0,4-9 0,0 4 0,0 0 0,0-4 0,0 9 0,0-4 0,0 5 0,0 5 0,0-3 0,0 3 0,0-5 0,0-1 0,0-3 0,0 2 0,0-7 0,0 7 0,0-7 0,0 3 0,0 0 0,0-4 0,0 4 0,0-4 0,0 4 0,0-4 0,0 4 0,0 0 0,0-3 0,0 7 0,0-7 0,0 19 0,0-12 0,0 14 0,0-12 0,0 0 0,0 0 0,0 0 0,0-1 0,4 1 0,1 0 0,4 0 0,0-1 0,0 1 0,0 0 0,0 5 0,0-8 0,0 7 0,4-9 0,-4 0 0,4-1 0,-5 0 0,0-4 0,1 4 0,-1-8 0,0 2 0,-1-3 0,1 4 0,4 1 0,2 4 0,-2-4 0,4 4 0,-2 0 0,2-4 0,1 4 0,0 0 0,0-3 0,4 3 0,-3-4 0,3 0 0,-5-1 0,5-3 0,-7 3 0,6-7 0,-11 2 0,2-3 0,-4-1 0,1 1 0,-1-1 0,0 1 0,1 2 0,-1-2 0,1 0 0,-1-2 0,6-5 0,0 2 0,4 1 0,0 1 0,-1 6 0,0-2 0,1 3 0,4 1 0,-4-4 0,4 7 0,0-7 0,-4 7 0,9-3 0,-9 0 0,4 3 0,-4-7 0,-1 3 0,0-4 0,1 1 0,-5-2 0,3 1 0,-6 0 0,2-4 0,-4 3 0,5-3 0,-4 4 0,3-4 0,1 3 0,-4-3 0,3 4 0,1 0 0,-4-1 0,7-2 0,-6 1 0,6-1 0,-3 2 0,5 2 0,-5-2 0,3-2 0,-6 1 0,6-5 0,-3 6 0,1-3 0,2 1 0,-6-2 0,6 1 0,-7-4 0,7 8 0,-6-7 0,6 6 0,-7-6 0,8 6 0,-4-6 0,4 3 0,1-1 0,-1-2 0,0 6 0,1-6 0,6 6 0,-5-2 0,2 3 0,-5-4 0,-6 3 0,6-6 0,-7 5 0,7-5 0,-2 2 0,3-3 0,0 0 0,1 0 0,4 0 0,1 0 0,5 4 0,0-3 0,-1 3 0,1 0 0,0 1 0,0 0 0,0 3 0,-5-7 0,3 7 0,-2-7 0,-1 7 0,-1-8 0,-9 4 0,3-4 0,-6 0 0,2 0 0,-4 0 0,1 0 0,-1 0 0,0 0 0,5 0 0,5 0 0,0 0 0,9 0 0,-4 0 0,5 0 0,-5 0 0,4 0 0,-9 0 0,9 0 0,-9 0 0,4 0 0,-4 0 0,-1 0 0,0 4 0,1-3 0,-1 2 0,5-3 0,-4 0 0,4 0 0,-4 0 0,-1 0 0,5 0 0,-3 4 0,7-3 0,-7 2 0,13-3 0,-8 0 0,15 0 0,-10 0 0,10 0 0,-10 0 0,9 0 0,-8 0 0,3 0 0,0 0 0,-8 0 0,7 4 0,8-3 0,-8 3 0,13-4 0,-11 0 0,0 0 0,1 0 0,3 0 0,-3 0 0,0 0 0,3-4 0,-3-1 0,-1-5 0,5 1 0,-5-1 0,6-4 0,0 3 0,0-7 0,0 7 0,-5-7 0,4 8 0,-10-7 0,9 6 0,-8-6 0,8 2 0,-9 1 0,5-4 0,-7 8 0,1-6 0,0 6 0,0-7 0,5 2 0,-4-3 0,10-1 0,-10 1 0,10-2 0,-10 2 0,5-5 0,0 3 0,-3-8 0,3 3 0,-3-4 0,-1-1 0,-5 2 0,4-1 0,-8-3 0,4-3 0,-5-4 0,10-23 0,-7 17 0,7-17 0,-14 23 0,-2 5 0,1-3 0,-3 8 0,2-3 0,-4 5 0,0-5 0,0 4 0,1-4 0,-1-1 0,0 0 0,6-6 0,-5 0 0,4 0 0,-4 0 0,0 0 0,-1 6 0,-3 1 0,2-1 0,-3 5 0,0-4 0,8-12 0,-11 13 0,6-14 0,-4 13 0,-3 4 0,4-4 0,-5-1 0,0 5 0,0-4 0,0 5 0,0 0 0,0 0 0,4 1 0,-3-7 0,3 5 0,-4-9 0,0 8 0,0-8 0,0 9 0,0-10 0,0 5 0,0-1 0,0-10 0,0 14 0,0-9 0,0 13 0,0 3 0,0-2 0,0 3 0,0-5 0,0 0 0,0-5 0,0 4 0,-4-5 0,3 1 0,-7 4 0,7-10 0,-8 5 0,8-6 0,-7 5 0,7-3 0,-7 3 0,2-5 0,-3 5 0,0 2 0,0 5 0,-4-11 0,3 8 0,-6-4 0,5 3 0,-1 12 0,7-12 0,-2 9 0,2-5 0,-4 0 0,0 0 0,0 0 0,0 5 0,0-4 0,1 9 0,-4-4 0,-1 8 0,-3-2 0,0 6 0,-1-3 0,1 4 0,0 0 0,4 0 0,-4 0 0,8 0 0,0-5 0,1 4 0,7-7 0,-11 3 0,6-3 0,-11 0 0,7 3 0,-6-2 0,7 7 0,-4-8 0,1 8 0,2-4 0,-2 4 0,3 1 0,-3 3 0,3-3 0,-8 7 0,8-7 0,-7 3 0,6-1 0,-6-2 0,3 6 0,-1-6 0,-2 3 0,7-4 0,-8 4 0,8-3 0,-3 3 0,-1-3 0,4-1 0,-4 1 0,5-1 0,-4 0 0,2 1 0,-2-1 0,0 4 0,2-2 0,-2 2 0,0-1 0,2 2 0,-2 0 0,4 2 0,-1-2 0,1 0 0,0 2 0,-1-3 0,1 4 0,-1-3 0,-3 2 0,3-5 0,-4 2 0,1 0 0,3-3 0,-8 3 0,8-4 0,-7 0 0,-1 1 0,3-1 0,-2 1 0,4-1 0,3 4 0,-4-3 0,1 6 0,3-6 0,-8 3 0,4 0 0,0-3 0,-4 2 0,4 1 0,0-3 0,-4 7 0,11-7 0,-9 6 0,9-2 0,-7 0 0,5 2 0,-4-6 0,-2 6 0,1-3 0,1 1 0,-8-1 0,9-1 0,-13 2 0,11-1 0,0 3 0,-4-2 0,4 3 0,0-4 0,-4 4 0,4-4 0,-4 4 0,-1 0 0,1-3 0,0 2 0,-1-3 0,1 4 0,4 0 0,-4 0 0,8 0 0,-7 0 0,2 0 0,1 0 0,-11 0 0,9 0 0,-9-3 0,2 2 0,3-3 0,-3 0 0,0 4 0,4-4 0,-4 4 0,9-3 0,0 2 0,5-2 0,-1 3 0,1 0 0,0 0 0,0 0 0,0 0 0,0 0 0,-5 0 0,4 0 0,-3 0 0,3 0 0,1 0 0,0 0 0,0 0 0,0 0 0,1 0 0,-2 0 0,1 0 0,0 3 0,0-3 0,-5 7 0,0-6 0,-4 6 0,3-3 0,2 1 0,4-2 0,-1 0 0,1-2 0,0 3 0,2-4 0,2 0 0</inkml:trace>
+</inkml:ink>
+</file>
+
+<file path=ppt/ink/ink92.xml><?xml version="1.0" encoding="utf-8"?>
+<inkml:ink xmlns:inkml="http://www.w3.org/2003/InkML">
+  <inkml:definitions>
+    <inkml:context xml:id="ctx0">
+      <inkml:inkSource xml:id="inkSrc0">
+        <inkml:traceFormat>
+          <inkml:channel name="X" type="integer" min="-2.14748E9" max="2.14748E9" units="cm"/>
+          <inkml:channel name="Y" type="integer" min="-2.14748E9" max="2.14748E9" units="cm"/>
+          <inkml:channel name="F" type="integer" max="32767" units="dev"/>
+        </inkml:traceFormat>
+        <inkml:channelProperties>
+          <inkml:channelProperty channel="X" name="resolution" value="1000" units="1/cm"/>
+          <inkml:channelProperty channel="Y" name="resolution" value="1000" units="1/cm"/>
+          <inkml:channelProperty channel="F" name="resolution" value="0" units="1/dev"/>
+        </inkml:channelProperties>
+      </inkml:inkSource>
+      <inkml:timestamp xml:id="ts0" timeString="2022-06-20T16:36:09.771"/>
+    </inkml:context>
+    <inkml:brush xml:id="br0">
+      <inkml:brushProperty name="width" value="0.1" units="cm"/>
+      <inkml:brushProperty name="height" value="0.1" units="cm"/>
+      <inkml:brushProperty name="color" value="#BFBFBF"/>
+    </inkml:brush>
+  </inkml:definitions>
+  <inkml:trace contextRef="#ctx0" brushRef="#br0">2217 0 24575,'-76'60'0,"0"-1"0,0 0 0,0 0 0,1 1 0,-1-1 0,0 0 0,0 0 0,0 1 0,1-1 0,-5 4 0,-1 0 0,2 0 0,5-5 0,8-6 0,10-9 0,15-11 0,-17 12 0,13-5 0,23-24 0,0 12 0,-5-11 0,12 4 0,-12 0 0,13-5 0,-13 11 0,6-4 0,-1-1 0,-5 6 0,6-5 0,-8 0 0,1 5 0,-1-5 0,7 6 0,-5 1 0,5-1 0,-6 1 0,-1-1 0,7 1 0,-5-1 0,12-6 0,-5 4 0,7-11 0,-1 5 0,1-8 0,6 1 0,-4 0 0,9 0 0,-3 0 0,5-1 0,0 0 0,0 0 0,-6-5 0,4 4 0,-9-4 0,10 6 0,-18 0 0,16 0 0,-15 0 0,11 0 0,-6 0 0,6 0 0,-5 0 0,11 0 0,-5 0 0,1-6 0,3 4 0,-9-10 0,10 10 0,-10-10 0,3 11 0,-4-5 0,5 6 0,-5-6 0,11 4 0,-11-9 0,11 9 0,-10-9 0,9-7 0,-3-18 0,5-5 0,0-17 0,-7 6 0,5-17 0,-4 7 0,-2-17 0,6 7 0,-12 1 0,12-7 0,-5 16 0,7-7 0,0 10 0,0 7 0,-7-6 0,5 15 0,-5-7 0,7 15 0,0-4 0,0 11 0,0-5 0,0 7 0,0 1 0,0 5 0,0 2 0</inkml:trace>
+</inkml:ink>
+</file>
+
+<file path=ppt/ink/ink93.xml><?xml version="1.0" encoding="utf-8"?>
+<inkml:ink xmlns:inkml="http://www.w3.org/2003/InkML">
+  <inkml:definitions>
+    <inkml:context xml:id="ctx0">
+      <inkml:inkSource xml:id="inkSrc0">
+        <inkml:traceFormat>
+          <inkml:channel name="X" type="integer" min="-2.14748E9" max="2.14748E9" units="cm"/>
+          <inkml:channel name="Y" type="integer" min="-2.14748E9" max="2.14748E9" units="cm"/>
+          <inkml:channel name="F" type="integer" max="32767" units="dev"/>
+        </inkml:traceFormat>
+        <inkml:channelProperties>
+          <inkml:channelProperty channel="X" name="resolution" value="1000" units="1/cm"/>
+          <inkml:channelProperty channel="Y" name="resolution" value="1000" units="1/cm"/>
+          <inkml:channelProperty channel="F" name="resolution" value="0" units="1/dev"/>
+        </inkml:channelProperties>
+      </inkml:inkSource>
+      <inkml:timestamp xml:id="ts0" timeString="2022-06-20T16:36:12.043"/>
+    </inkml:context>
+    <inkml:brush xml:id="br0">
+      <inkml:brushProperty name="width" value="0.1" units="cm"/>
+      <inkml:brushProperty name="height" value="0.1" units="cm"/>
+      <inkml:brushProperty name="color" value="#BFBFBF"/>
+    </inkml:brush>
+  </inkml:definitions>
+  <inkml:trace contextRef="#ctx0" brushRef="#br0">1 229 24575,'19'0'0,"10"0"0,10 0 0,-1 0 0,7 0 0,-21 0 0,19 0 0,-20 0 0,14 0 0,-9 0 0,9 0 0,2-14 0,-7 5 0,11-20 0,-12 6 0,16 6 0,-8-10 0,6 17 0,-15-11 0,0 7 0,-3 0 0,-13 7 0,6 0 0,-7 2 0,-1 3 0,0-3 0,0 5 0,1 0 0,0 0 0,-1 0 0,-4-11 0,-3 8 0,-5-7 0</inkml:trace>
+</inkml:ink>
+</file>
+
+<file path=ppt/ink/ink94.xml><?xml version="1.0" encoding="utf-8"?>
+<inkml:ink xmlns:inkml="http://www.w3.org/2003/InkML">
+  <inkml:definitions>
+    <inkml:context xml:id="ctx0">
+      <inkml:inkSource xml:id="inkSrc0">
+        <inkml:traceFormat>
+          <inkml:channel name="X" type="integer" min="-2.14748E9" max="2.14748E9" units="cm"/>
+          <inkml:channel name="Y" type="integer" min="-2.14748E9" max="2.14748E9" units="cm"/>
+          <inkml:channel name="F" type="integer" max="32767" units="dev"/>
+        </inkml:traceFormat>
+        <inkml:channelProperties>
+          <inkml:channelProperty channel="X" name="resolution" value="1000" units="1/cm"/>
+          <inkml:channelProperty channel="Y" name="resolution" value="1000" units="1/cm"/>
+          <inkml:channelProperty channel="F" name="resolution" value="0" units="1/dev"/>
+        </inkml:channelProperties>
+      </inkml:inkSource>
+      <inkml:timestamp xml:id="ts0" timeString="2022-06-20T16:36:14.880"/>
+    </inkml:context>
+    <inkml:brush xml:id="br0">
+      <inkml:brushProperty name="width" value="0.1" units="cm"/>
+      <inkml:brushProperty name="height" value="0.1" units="cm"/>
+      <inkml:brushProperty name="color" value="#BFBFBF"/>
+    </inkml:brush>
+  </inkml:definitions>
+  <inkml:trace contextRef="#ctx0" brushRef="#br0">0 6 24575,'12'0'0,"7"0"0,-4-5 0,11 9 0,4 6 0,1 6 0,5 12 0,1-4 0,-7 5 0,25 3 0,-21 5 0,22 6 0,-24-4 0,19 20 0,-12-25 0,-2 33 0,9-23 0,-10 14 0,7 1 0,6-6 0,-5 5 0,-2-8 0,-2-2 0,0 1 0,-7-2 0,7 2 0,-8-2 0,-1 0 0,0-1 0,0 1 0,1 0 0,-2-8 0,-6 6 0,3-15 0,-11 7 0,4-16 0,-6 6 0,-1-12 0,1 4 0,-2-12 0,1 4 0,0-9 0,-1 3 0,1 1 0,0 1 0,-1 6 0,1-6 0,0 4 0,0-4 0,0 0 0,0 5 0,0-5 0,-1 0 0,1 5 0,0-11 0,0 10 0,0-3 0,0-1 0,-1 4 0,1-4 0,0 6 0,7 1 0,-5-7 0,4 5 0,-6-11 0,0 11 0,-1-11 0,1 10 0,-1-10 0,0 10 0,1-9 0,0 9 0,0-10 0,-7 10 0,6-10 0,-6 5 0,7-6 0,-1 6 0,1 1 0,0 0 0,0 4 0,0-4 0,0 1 0,-1-3 0,-4 1 0,3-5 0,-10 4 0,5-5 0</inkml:trace>
+</inkml:ink>
+</file>
+
+<file path=ppt/ink/ink95.xml><?xml version="1.0" encoding="utf-8"?>
+<inkml:ink xmlns:inkml="http://www.w3.org/2003/InkML">
+  <inkml:definitions>
+    <inkml:context xml:id="ctx0">
+      <inkml:inkSource xml:id="inkSrc0">
+        <inkml:traceFormat>
+          <inkml:channel name="X" type="integer" min="-2.14748E9" max="2.14748E9" units="cm"/>
+          <inkml:channel name="Y" type="integer" min="-2.14748E9" max="2.14748E9" units="cm"/>
+          <inkml:channel name="F" type="integer" max="32767" units="dev"/>
+        </inkml:traceFormat>
+        <inkml:channelProperties>
+          <inkml:channelProperty channel="X" name="resolution" value="1000" units="1/cm"/>
+          <inkml:channelProperty channel="Y" name="resolution" value="1000" units="1/cm"/>
+          <inkml:channelProperty channel="F" name="resolution" value="0" units="1/dev"/>
+        </inkml:channelProperties>
+      </inkml:inkSource>
+      <inkml:timestamp xml:id="ts0" timeString="2022-06-20T16:36:17.499"/>
+    </inkml:context>
+    <inkml:brush xml:id="br0">
+      <inkml:brushProperty name="width" value="0.1" units="cm"/>
+      <inkml:brushProperty name="height" value="0.1" units="cm"/>
+      <inkml:brushProperty name="color" value="#BFBFBF"/>
+    </inkml:brush>
+  </inkml:definitions>
+  <inkml:trace contextRef="#ctx0" brushRef="#br0">0 1001 24575,'44'0'0,"4"0"0,10 0 0,8 0 0,-17 0 0,7 0 0,-9 0 0,0 0 0,0 0 0,-9 0 0,7 0 0,-6 0 0,0 0 0,5 0 0,-13 0 0,23 0 0,-21 0 0,21 0 0,-24 0 0,7 0 0,-9 0 0,1 0 0,-8 0 0,-1 0 0,-7 0 0,0 0 0,-1 0 0,1 0 0,0 0 0,0 0 0,-1 0 0,1 0 0,0 0 0,0 0 0,0 0 0,0 0 0,-6-11 0,-1 4 0,-6-11 0,0-1 0,0-11 0,0-8 0,-15-18 0,3-3 0,-12-9 0,11 14 0,0-1 0,-5-14 0,5 15 0,1 2 0,3 3 0,-5-8 0,12 19 0,-5 8 0,7 10 0,0 7 0,0 1 0,-5 5 0,4-8 0,-5 6 0,6-8 0,0 4 0,0 0 0,0 0 0,0-7 0,0 6 0,0-6 0,0 7 0,0 0 0,0 1 0,0 5 0,0 2 0</inkml:trace>
+</inkml:ink>
+</file>
+
+<file path=ppt/ink/ink96.xml><?xml version="1.0" encoding="utf-8"?>
+<inkml:ink xmlns:inkml="http://www.w3.org/2003/InkML">
+  <inkml:definitions>
+    <inkml:context xml:id="ctx0">
+      <inkml:inkSource xml:id="inkSrc0">
+        <inkml:traceFormat>
+          <inkml:channel name="X" type="integer" min="-2.14748E9" max="2.14748E9" units="cm"/>
+          <inkml:channel name="Y" type="integer" min="-2.14748E9" max="2.14748E9" units="cm"/>
+          <inkml:channel name="F" type="integer" max="32767" units="dev"/>
+        </inkml:traceFormat>
+        <inkml:channelProperties>
+          <inkml:channelProperty channel="X" name="resolution" value="1000" units="1/cm"/>
+          <inkml:channelProperty channel="Y" name="resolution" value="1000" units="1/cm"/>
+          <inkml:channelProperty channel="F" name="resolution" value="0" units="1/dev"/>
+        </inkml:channelProperties>
+      </inkml:inkSource>
+      <inkml:timestamp xml:id="ts0" timeString="2022-06-20T16:47:44.932"/>
+    </inkml:context>
+    <inkml:brush xml:id="br0">
+      <inkml:brushProperty name="width" value="0.1" units="cm"/>
+      <inkml:brushProperty name="height" value="0.1" units="cm"/>
+    </inkml:brush>
+  </inkml:definitions>
+  <inkml:trace contextRef="#ctx0" brushRef="#br0">1 402 24575,'59'0'0,"14"0"0,14 0-1312,-27 0 1,4 0 1311,-1 0 0,4 0-768,18 0 0,3 0 768,-10 0 0,5 0 0,0 0 0,7 0 0,-6 0 0,6 0 0,-1 0-399,-9 0 1,4 0 0,-5 0 398,1 0 0,-3 0 0,1 0 0,1 0-730,7 0 1,1 0 729,-5 0 0,-3 0 19,-11 0 1,-1 0-20,8 0 0,-2 0 0,-20 0 0,-1 0 0,18 0 0,0 0 0,-5 0 0,-4 0 0,-9 0 0,-1 0 1468,45 0-1468,-34 0 0,-2-7 2155,-13 5-2155,-14-5 1850,-6 7-1850,-13 0 1301,-1 0-1301,8 0 0,2-7 0,16 5 0,-7-4 0,16 6 0,-15-7 0,5 5 0,-7-4 0,-8 6 0,-2 0 0,-8 0 0,1 0 0,0 0 0,7-7 0,1 5 0,50-13 0,-13 13 0,25-13 0,-14 13 0,-18-5 0,7-1 0,1 7 0,-17-7 0,15 8 0,-26 0 0,16 0 0,-16 0 0,16 0 0,-7 0 0,9 0 0,-9 0 0,6 0 0,-14 0 0,-2 0 0,-2 0 0,-14 0 0,6 0 0,-7 0 0,-1 0 0,1 0 0,-1 0 0,8 0 0,2 0 0,16 0 0,2 0 0,0 0 0,-2 0 0,-9 0 0,0 0 0,-7 0 0,-2 0 0,-7 0 0,-1 0 0,1 0 0,15 0 0,5 0 0,16 0 0,-1 0 0,1 0 0,0 0 0,0 0 0,-9 0 0,-2 0 0,-16 0 0,-2 0 0,-8 0 0,1 0 0,0 0 0,7 0 0,2 0 0,7 0 0,0 0 0,0 0 0,1 0 0,-9 0 0,-1 0 0,-7 0 0,0 6 0,-1-4 0,0 4 0,0-6 0,0 0 0,0 0 0,1 0 0,0 0 0,-1 6 0,1-4 0,-6 9 0,-2-15 0,-6 3 0,-6-12 0,-2 0 0,-6-1 0,-7 0 0,-1-1 0,-2-7 0,-5 6 0,6-13 0,-1 6 0,3 0 0,0 1 0,5 8 0,1 0 0,3 0 0,5 7 0,0-5 0,-10 11 0,8-5 0,-10-8 0,5 11 0,0-10 0,0 13 0,7-7 0,-5 6 0,16-5 0,3 6 0,7 0 0,6 0 0,-7 6 0,1 1 0,0 7 0,-1 0 0,8 0 0,-5 0 0,5 0 0,-8 0 0,1 0 0,7 0 0,-5 0 0,5 0 0,-8 0 0,1-1 0,7 2 0,-6-2 0,7 2 0,-9-2 0,1 1 0,-1 0 0,-5-1 0,4-5 0,-5 4 0,6-5 0,0 0 0,-6 4 0,5-9 0,-5 4 0,0 0 0,-7 0 0,-1 7 0,-11 0 0,5 1 0,-7 0 0,1-1 0,-8 2 0,-2-1 0,-8 8 0,1 2 0,-9 0 0,7 4 0,-7-3 0,0 6 0,7-7 0,-16 7 0,16-7 0,-7 1 0,15 3 0,-5-4 0,6 0 0,-1 4 0,3-4 0,-1-1 0,12-2 0,-10-6 0,19-2 0,-12 1 0,12-1 0,-11-5 0,11-2 0,-4-6 0</inkml:trace>
+</inkml:ink>
+</file>
+
+<file path=ppt/ink/ink97.xml><?xml version="1.0" encoding="utf-8"?>
+<inkml:ink xmlns:inkml="http://www.w3.org/2003/InkML">
+  <inkml:definitions>
+    <inkml:context xml:id="ctx0">
+      <inkml:inkSource xml:id="inkSrc0">
+        <inkml:traceFormat>
+          <inkml:channel name="X" type="integer" min="-2.14748E9" max="2.14748E9" units="cm"/>
+          <inkml:channel name="Y" type="integer" min="-2.14748E9" max="2.14748E9" units="cm"/>
+          <inkml:channel name="F" type="integer" max="32767" units="dev"/>
+        </inkml:traceFormat>
+        <inkml:channelProperties>
+          <inkml:channelProperty channel="X" name="resolution" value="1000" units="1/cm"/>
+          <inkml:channelProperty channel="Y" name="resolution" value="1000" units="1/cm"/>
+          <inkml:channelProperty channel="F" name="resolution" value="0" units="1/dev"/>
+        </inkml:channelProperties>
+      </inkml:inkSource>
+      <inkml:timestamp xml:id="ts0" timeString="2022-06-20T16:48:06.939"/>
+    </inkml:context>
+    <inkml:brush xml:id="br0">
+      <inkml:brushProperty name="width" value="0.1" units="cm"/>
+      <inkml:brushProperty name="height" value="0.1" units="cm"/>
+      <inkml:brushProperty name="color" value="#A9A9A9"/>
+    </inkml:brush>
+  </inkml:definitions>
+  <inkml:trace contextRef="#ctx0" brushRef="#br0">0 0 24575,'0'0'0</inkml:trace>
+</inkml:ink>
+</file>
+
+<file path=ppt/ink/ink98.xml><?xml version="1.0" encoding="utf-8"?>
+<inkml:ink xmlns:inkml="http://www.w3.org/2003/InkML">
+  <inkml:definitions>
+    <inkml:context xml:id="ctx0">
+      <inkml:inkSource xml:id="inkSrc0">
+        <inkml:traceFormat>
+          <inkml:channel name="X" type="integer" min="-2.14748E9" max="2.14748E9" units="cm"/>
+          <inkml:channel name="Y" type="integer" min="-2.14748E9" max="2.14748E9" units="cm"/>
+          <inkml:channel name="F" type="integer" max="32767" units="dev"/>
+        </inkml:traceFormat>
+        <inkml:channelProperties>
+          <inkml:channelProperty channel="X" name="resolution" value="1000" units="1/cm"/>
+          <inkml:channelProperty channel="Y" name="resolution" value="1000" units="1/cm"/>
+          <inkml:channelProperty channel="F" name="resolution" value="0" units="1/dev"/>
+        </inkml:channelProperties>
+      </inkml:inkSource>
+      <inkml:timestamp xml:id="ts0" timeString="2022-06-20T16:48:07.018"/>
+    </inkml:context>
+    <inkml:brush xml:id="br0">
+      <inkml:brushProperty name="width" value="0.1" units="cm"/>
+      <inkml:brushProperty name="height" value="0.1" units="cm"/>
+      <inkml:brushProperty name="color" value="#A9A9A9"/>
+    </inkml:brush>
+  </inkml:definitions>
+  <inkml:trace contextRef="#ctx0" brushRef="#br0">0 0 24575,'0'0'0</inkml:trace>
+</inkml:ink>
+</file>
+
+<file path=ppt/ink/ink99.xml><?xml version="1.0" encoding="utf-8"?>
+<inkml:ink xmlns:inkml="http://www.w3.org/2003/InkML">
+  <inkml:definitions>
+    <inkml:context xml:id="ctx0">
+      <inkml:inkSource xml:id="inkSrc0">
+        <inkml:traceFormat>
+          <inkml:channel name="X" type="integer" min="-2.14748E9" max="2.14748E9" units="cm"/>
+          <inkml:channel name="Y" type="integer" min="-2.14748E9" max="2.14748E9" units="cm"/>
+          <inkml:channel name="F" type="integer" max="32767" units="dev"/>
+        </inkml:traceFormat>
+        <inkml:channelProperties>
+          <inkml:channelProperty channel="X" name="resolution" value="1000" units="1/cm"/>
+          <inkml:channelProperty channel="Y" name="resolution" value="1000" units="1/cm"/>
+          <inkml:channelProperty channel="F" name="resolution" value="0" units="1/dev"/>
+        </inkml:channelProperties>
+      </inkml:inkSource>
+      <inkml:timestamp xml:id="ts0" timeString="2022-06-20T16:48:21.639"/>
+    </inkml:context>
+    <inkml:brush xml:id="br0">
+      <inkml:brushProperty name="width" value="0.1" units="cm"/>
+      <inkml:brushProperty name="height" value="0.1" units="cm"/>
+      <inkml:brushProperty name="color" value="#E71224"/>
+    </inkml:brush>
+  </inkml:definitions>
+  <inkml:trace contextRef="#ctx0" brushRef="#br0">1 1021 24575,'0'-20'0,"0"-21"0,0-2 0,0-27 0,0 17 0,0-16 0,0 16 0,7-2 0,1-4 0,4-17 0,-4 14 0,1 3 0,-2 1 0,-7 6 0,0 22 0,0-1 0,0 1 0,7 0 0,-5 7 0,11-6 0,-11 14 0,4-6 0,0 7 0,-4 1 0,10 5 0,-11 2 0,5 6 0</inkml:trace>
 </inkml:ink>
 </file>
 
@@ -4976,8 +6086,8 @@
           <a:chExt cx="0" cy="0"/>
         </a:xfrm>
       </p:grpSpPr>
-      <mc:AlternateContent xmlns:mc="http://schemas.openxmlformats.org/markup-compatibility/2006">
-        <mc:Choice xmlns:p14="http://schemas.microsoft.com/office/powerpoint/2010/main" Requires="p14">
+      <mc:AlternateContent xmlns:mc="http://schemas.openxmlformats.org/markup-compatibility/2006" xmlns:p14="http://schemas.microsoft.com/office/powerpoint/2010/main">
+        <mc:Choice Requires="p14">
           <p:contentPart p14:bwMode="auto" r:id="rId2">
             <p14:nvContentPartPr>
               <p14:cNvPr id="6" name="Ink 5">
@@ -4996,7 +6106,7 @@
             </p14:xfrm>
           </p:contentPart>
         </mc:Choice>
-        <mc:Fallback>
+        <mc:Fallback xmlns="">
           <p:pic>
             <p:nvPicPr>
               <p:cNvPr id="6" name="Ink 5">
@@ -5027,8 +6137,8 @@
           </p:pic>
         </mc:Fallback>
       </mc:AlternateContent>
-      <mc:AlternateContent xmlns:mc="http://schemas.openxmlformats.org/markup-compatibility/2006">
-        <mc:Choice xmlns:p14="http://schemas.microsoft.com/office/powerpoint/2010/main" Requires="p14">
+      <mc:AlternateContent xmlns:mc="http://schemas.openxmlformats.org/markup-compatibility/2006" xmlns:p14="http://schemas.microsoft.com/office/powerpoint/2010/main">
+        <mc:Choice Requires="p14">
           <p:contentPart p14:bwMode="auto" r:id="rId4">
             <p14:nvContentPartPr>
               <p14:cNvPr id="7" name="Ink 6">
@@ -5047,7 +6157,7 @@
             </p14:xfrm>
           </p:contentPart>
         </mc:Choice>
-        <mc:Fallback>
+        <mc:Fallback xmlns="">
           <p:pic>
             <p:nvPicPr>
               <p:cNvPr id="7" name="Ink 6">
@@ -5078,8 +6188,8 @@
           </p:pic>
         </mc:Fallback>
       </mc:AlternateContent>
-      <mc:AlternateContent xmlns:mc="http://schemas.openxmlformats.org/markup-compatibility/2006">
-        <mc:Choice xmlns:p14="http://schemas.microsoft.com/office/powerpoint/2010/main" Requires="p14">
+      <mc:AlternateContent xmlns:mc="http://schemas.openxmlformats.org/markup-compatibility/2006" xmlns:p14="http://schemas.microsoft.com/office/powerpoint/2010/main">
+        <mc:Choice Requires="p14">
           <p:contentPart p14:bwMode="auto" r:id="rId6">
             <p14:nvContentPartPr>
               <p14:cNvPr id="16" name="Ink 15">
@@ -5098,7 +6208,7 @@
             </p14:xfrm>
           </p:contentPart>
         </mc:Choice>
-        <mc:Fallback>
+        <mc:Fallback xmlns="">
           <p:pic>
             <p:nvPicPr>
               <p:cNvPr id="16" name="Ink 15">
@@ -5129,8 +6239,8 @@
           </p:pic>
         </mc:Fallback>
       </mc:AlternateContent>
-      <mc:AlternateContent xmlns:mc="http://schemas.openxmlformats.org/markup-compatibility/2006">
-        <mc:Choice xmlns:p14="http://schemas.microsoft.com/office/powerpoint/2010/main" Requires="p14">
+      <mc:AlternateContent xmlns:mc="http://schemas.openxmlformats.org/markup-compatibility/2006" xmlns:p14="http://schemas.microsoft.com/office/powerpoint/2010/main">
+        <mc:Choice Requires="p14">
           <p:contentPart p14:bwMode="auto" r:id="rId8">
             <p14:nvContentPartPr>
               <p14:cNvPr id="17" name="Ink 16">
@@ -5149,7 +6259,7 @@
             </p14:xfrm>
           </p:contentPart>
         </mc:Choice>
-        <mc:Fallback>
+        <mc:Fallback xmlns="">
           <p:pic>
             <p:nvPicPr>
               <p:cNvPr id="17" name="Ink 16">
@@ -5288,8 +6398,8 @@
           </a:p>
         </p:txBody>
       </p:sp>
-      <mc:AlternateContent xmlns:mc="http://schemas.openxmlformats.org/markup-compatibility/2006">
-        <mc:Choice xmlns:p14="http://schemas.microsoft.com/office/powerpoint/2010/main" Requires="p14">
+      <mc:AlternateContent xmlns:mc="http://schemas.openxmlformats.org/markup-compatibility/2006" xmlns:p14="http://schemas.microsoft.com/office/powerpoint/2010/main">
+        <mc:Choice Requires="p14">
           <p:contentPart p14:bwMode="auto" r:id="rId9">
             <p14:nvContentPartPr>
               <p14:cNvPr id="21" name="Ink 20">
@@ -5308,7 +6418,7 @@
             </p14:xfrm>
           </p:contentPart>
         </mc:Choice>
-        <mc:Fallback>
+        <mc:Fallback xmlns="">
           <p:pic>
             <p:nvPicPr>
               <p:cNvPr id="21" name="Ink 20">
@@ -5339,8 +6449,8 @@
           </p:pic>
         </mc:Fallback>
       </mc:AlternateContent>
-      <mc:AlternateContent xmlns:mc="http://schemas.openxmlformats.org/markup-compatibility/2006">
-        <mc:Choice xmlns:p14="http://schemas.microsoft.com/office/powerpoint/2010/main" Requires="p14">
+      <mc:AlternateContent xmlns:mc="http://schemas.openxmlformats.org/markup-compatibility/2006" xmlns:p14="http://schemas.microsoft.com/office/powerpoint/2010/main">
+        <mc:Choice Requires="p14">
           <p:contentPart p14:bwMode="auto" r:id="rId10">
             <p14:nvContentPartPr>
               <p14:cNvPr id="22" name="Ink 21">
@@ -5359,7 +6469,7 @@
             </p14:xfrm>
           </p:contentPart>
         </mc:Choice>
-        <mc:Fallback>
+        <mc:Fallback xmlns="">
           <p:pic>
             <p:nvPicPr>
               <p:cNvPr id="22" name="Ink 21">
@@ -5390,8 +6500,8 @@
           </p:pic>
         </mc:Fallback>
       </mc:AlternateContent>
-      <mc:AlternateContent xmlns:mc="http://schemas.openxmlformats.org/markup-compatibility/2006">
-        <mc:Choice xmlns:p14="http://schemas.microsoft.com/office/powerpoint/2010/main" Requires="p14">
+      <mc:AlternateContent xmlns:mc="http://schemas.openxmlformats.org/markup-compatibility/2006" xmlns:p14="http://schemas.microsoft.com/office/powerpoint/2010/main">
+        <mc:Choice Requires="p14">
           <p:contentPart p14:bwMode="auto" r:id="rId11">
             <p14:nvContentPartPr>
               <p14:cNvPr id="23" name="Ink 22">
@@ -5410,7 +6520,7 @@
             </p14:xfrm>
           </p:contentPart>
         </mc:Choice>
-        <mc:Fallback>
+        <mc:Fallback xmlns="">
           <p:pic>
             <p:nvPicPr>
               <p:cNvPr id="23" name="Ink 22">
@@ -5441,8 +6551,8 @@
           </p:pic>
         </mc:Fallback>
       </mc:AlternateContent>
-      <mc:AlternateContent xmlns:mc="http://schemas.openxmlformats.org/markup-compatibility/2006">
-        <mc:Choice xmlns:p14="http://schemas.microsoft.com/office/powerpoint/2010/main" Requires="p14">
+      <mc:AlternateContent xmlns:mc="http://schemas.openxmlformats.org/markup-compatibility/2006" xmlns:p14="http://schemas.microsoft.com/office/powerpoint/2010/main">
+        <mc:Choice Requires="p14">
           <p:contentPart p14:bwMode="auto" r:id="rId12">
             <p14:nvContentPartPr>
               <p14:cNvPr id="24" name="Ink 23">
@@ -5461,7 +6571,7 @@
             </p14:xfrm>
           </p:contentPart>
         </mc:Choice>
-        <mc:Fallback>
+        <mc:Fallback xmlns="">
           <p:pic>
             <p:nvPicPr>
               <p:cNvPr id="24" name="Ink 23">
@@ -5564,8 +6674,8 @@
           </a:p>
         </p:txBody>
       </p:sp>
-      <mc:AlternateContent xmlns:mc="http://schemas.openxmlformats.org/markup-compatibility/2006">
-        <mc:Choice xmlns:p14="http://schemas.microsoft.com/office/powerpoint/2010/main" Requires="p14">
+      <mc:AlternateContent xmlns:mc="http://schemas.openxmlformats.org/markup-compatibility/2006" xmlns:p14="http://schemas.microsoft.com/office/powerpoint/2010/main">
+        <mc:Choice Requires="p14">
           <p:contentPart p14:bwMode="auto" r:id="rId13">
             <p14:nvContentPartPr>
               <p14:cNvPr id="28" name="Ink 27">
@@ -5584,7 +6694,7 @@
             </p14:xfrm>
           </p:contentPart>
         </mc:Choice>
-        <mc:Fallback>
+        <mc:Fallback xmlns="">
           <p:pic>
             <p:nvPicPr>
               <p:cNvPr id="28" name="Ink 27">
@@ -5615,8 +6725,8 @@
           </p:pic>
         </mc:Fallback>
       </mc:AlternateContent>
-      <mc:AlternateContent xmlns:mc="http://schemas.openxmlformats.org/markup-compatibility/2006">
-        <mc:Choice xmlns:p14="http://schemas.microsoft.com/office/powerpoint/2010/main" Requires="p14">
+      <mc:AlternateContent xmlns:mc="http://schemas.openxmlformats.org/markup-compatibility/2006" xmlns:p14="http://schemas.microsoft.com/office/powerpoint/2010/main">
+        <mc:Choice Requires="p14">
           <p:contentPart p14:bwMode="auto" r:id="rId14">
             <p14:nvContentPartPr>
               <p14:cNvPr id="29" name="Ink 28">
@@ -5635,7 +6745,7 @@
             </p14:xfrm>
           </p:contentPart>
         </mc:Choice>
-        <mc:Fallback>
+        <mc:Fallback xmlns="">
           <p:pic>
             <p:nvPicPr>
               <p:cNvPr id="29" name="Ink 28">
@@ -5666,8 +6776,8 @@
           </p:pic>
         </mc:Fallback>
       </mc:AlternateContent>
-      <mc:AlternateContent xmlns:mc="http://schemas.openxmlformats.org/markup-compatibility/2006">
-        <mc:Choice xmlns:p14="http://schemas.microsoft.com/office/powerpoint/2010/main" Requires="p14">
+      <mc:AlternateContent xmlns:mc="http://schemas.openxmlformats.org/markup-compatibility/2006" xmlns:p14="http://schemas.microsoft.com/office/powerpoint/2010/main">
+        <mc:Choice Requires="p14">
           <p:contentPart p14:bwMode="auto" r:id="rId15">
             <p14:nvContentPartPr>
               <p14:cNvPr id="31" name="Ink 30">
@@ -5686,7 +6796,7 @@
             </p14:xfrm>
           </p:contentPart>
         </mc:Choice>
-        <mc:Fallback>
+        <mc:Fallback xmlns="">
           <p:pic>
             <p:nvPicPr>
               <p:cNvPr id="31" name="Ink 30">
@@ -5809,8 +6919,8 @@
             <a:chExt cx="446400" cy="527760"/>
           </a:xfrm>
         </p:grpSpPr>
-        <mc:AlternateContent xmlns:mc="http://schemas.openxmlformats.org/markup-compatibility/2006">
-          <mc:Choice xmlns:p14="http://schemas.microsoft.com/office/powerpoint/2010/main" Requires="p14">
+        <mc:AlternateContent xmlns:mc="http://schemas.openxmlformats.org/markup-compatibility/2006" xmlns:p14="http://schemas.microsoft.com/office/powerpoint/2010/main">
+          <mc:Choice Requires="p14">
             <p:contentPart p14:bwMode="auto" r:id="rId16">
               <p14:nvContentPartPr>
                 <p14:cNvPr id="34" name="Ink 33">
@@ -5829,7 +6939,7 @@
               </p14:xfrm>
             </p:contentPart>
           </mc:Choice>
-          <mc:Fallback>
+          <mc:Fallback xmlns="">
             <p:pic>
               <p:nvPicPr>
                 <p:cNvPr id="34" name="Ink 33">
@@ -5860,8 +6970,8 @@
             </p:pic>
           </mc:Fallback>
         </mc:AlternateContent>
-        <mc:AlternateContent xmlns:mc="http://schemas.openxmlformats.org/markup-compatibility/2006">
-          <mc:Choice xmlns:p14="http://schemas.microsoft.com/office/powerpoint/2010/main" Requires="p14">
+        <mc:AlternateContent xmlns:mc="http://schemas.openxmlformats.org/markup-compatibility/2006" xmlns:p14="http://schemas.microsoft.com/office/powerpoint/2010/main">
+          <mc:Choice Requires="p14">
             <p:contentPart p14:bwMode="auto" r:id="rId18">
               <p14:nvContentPartPr>
                 <p14:cNvPr id="35" name="Ink 34">
@@ -5880,7 +6990,7 @@
               </p14:xfrm>
             </p:contentPart>
           </mc:Choice>
-          <mc:Fallback>
+          <mc:Fallback xmlns="">
             <p:pic>
               <p:nvPicPr>
                 <p:cNvPr id="35" name="Ink 34">
@@ -5912,8 +7022,8 @@
           </mc:Fallback>
         </mc:AlternateContent>
       </p:grpSp>
-      <mc:AlternateContent xmlns:mc="http://schemas.openxmlformats.org/markup-compatibility/2006">
-        <mc:Choice xmlns:p14="http://schemas.microsoft.com/office/powerpoint/2010/main" Requires="p14">
+      <mc:AlternateContent xmlns:mc="http://schemas.openxmlformats.org/markup-compatibility/2006" xmlns:p14="http://schemas.microsoft.com/office/powerpoint/2010/main">
+        <mc:Choice Requires="p14">
           <p:contentPart p14:bwMode="auto" r:id="rId20">
             <p14:nvContentPartPr>
               <p14:cNvPr id="37" name="Ink 36">
@@ -5932,7 +7042,7 @@
             </p14:xfrm>
           </p:contentPart>
         </mc:Choice>
-        <mc:Fallback>
+        <mc:Fallback xmlns="">
           <p:pic>
             <p:nvPicPr>
               <p:cNvPr id="37" name="Ink 36">
@@ -5963,8 +7073,8 @@
           </p:pic>
         </mc:Fallback>
       </mc:AlternateContent>
-      <mc:AlternateContent xmlns:mc="http://schemas.openxmlformats.org/markup-compatibility/2006">
-        <mc:Choice xmlns:p14="http://schemas.microsoft.com/office/powerpoint/2010/main" Requires="p14">
+      <mc:AlternateContent xmlns:mc="http://schemas.openxmlformats.org/markup-compatibility/2006" xmlns:p14="http://schemas.microsoft.com/office/powerpoint/2010/main">
+        <mc:Choice Requires="p14">
           <p:contentPart p14:bwMode="auto" r:id="rId21">
             <p14:nvContentPartPr>
               <p14:cNvPr id="40" name="Ink 39">
@@ -5983,7 +7093,7 @@
             </p14:xfrm>
           </p:contentPart>
         </mc:Choice>
-        <mc:Fallback>
+        <mc:Fallback xmlns="">
           <p:pic>
             <p:nvPicPr>
               <p:cNvPr id="40" name="Ink 39">
@@ -6086,8 +7196,8 @@
           </a:p>
         </p:txBody>
       </p:sp>
-      <mc:AlternateContent xmlns:mc="http://schemas.openxmlformats.org/markup-compatibility/2006">
-        <mc:Choice xmlns:p14="http://schemas.microsoft.com/office/powerpoint/2010/main" Requires="p14">
+      <mc:AlternateContent xmlns:mc="http://schemas.openxmlformats.org/markup-compatibility/2006" xmlns:p14="http://schemas.microsoft.com/office/powerpoint/2010/main">
+        <mc:Choice Requires="p14">
           <p:contentPart p14:bwMode="auto" r:id="rId22">
             <p14:nvContentPartPr>
               <p14:cNvPr id="43" name="Ink 42">
@@ -6106,7 +7216,7 @@
             </p14:xfrm>
           </p:contentPart>
         </mc:Choice>
-        <mc:Fallback>
+        <mc:Fallback xmlns="">
           <p:pic>
             <p:nvPicPr>
               <p:cNvPr id="43" name="Ink 42">
@@ -6193,8 +7303,8 @@
             <a:chExt cx="798120" cy="716400"/>
           </a:xfrm>
         </p:grpSpPr>
-        <mc:AlternateContent xmlns:mc="http://schemas.openxmlformats.org/markup-compatibility/2006">
-          <mc:Choice xmlns:p14="http://schemas.microsoft.com/office/powerpoint/2010/main" Requires="p14">
+        <mc:AlternateContent xmlns:mc="http://schemas.openxmlformats.org/markup-compatibility/2006" xmlns:p14="http://schemas.microsoft.com/office/powerpoint/2010/main">
+          <mc:Choice Requires="p14">
             <p:contentPart p14:bwMode="auto" r:id="rId23">
               <p14:nvContentPartPr>
                 <p14:cNvPr id="45" name="Ink 44">
@@ -6213,7 +7323,7 @@
               </p14:xfrm>
             </p:contentPart>
           </mc:Choice>
-          <mc:Fallback>
+          <mc:Fallback xmlns="">
             <p:pic>
               <p:nvPicPr>
                 <p:cNvPr id="45" name="Ink 44">
@@ -6244,8 +7354,8 @@
             </p:pic>
           </mc:Fallback>
         </mc:AlternateContent>
-        <mc:AlternateContent xmlns:mc="http://schemas.openxmlformats.org/markup-compatibility/2006">
-          <mc:Choice xmlns:p14="http://schemas.microsoft.com/office/powerpoint/2010/main" Requires="p14">
+        <mc:AlternateContent xmlns:mc="http://schemas.openxmlformats.org/markup-compatibility/2006" xmlns:p14="http://schemas.microsoft.com/office/powerpoint/2010/main">
+          <mc:Choice Requires="p14">
             <p:contentPart p14:bwMode="auto" r:id="rId25">
               <p14:nvContentPartPr>
                 <p14:cNvPr id="46" name="Ink 45">
@@ -6264,7 +7374,7 @@
               </p14:xfrm>
             </p:contentPart>
           </mc:Choice>
-          <mc:Fallback>
+          <mc:Fallback xmlns="">
             <p:pic>
               <p:nvPicPr>
                 <p:cNvPr id="46" name="Ink 45">
@@ -6316,8 +7426,8 @@
             <a:chExt cx="712440" cy="658440"/>
           </a:xfrm>
         </p:grpSpPr>
-        <mc:AlternateContent xmlns:mc="http://schemas.openxmlformats.org/markup-compatibility/2006">
-          <mc:Choice xmlns:p14="http://schemas.microsoft.com/office/powerpoint/2010/main" Requires="p14">
+        <mc:AlternateContent xmlns:mc="http://schemas.openxmlformats.org/markup-compatibility/2006" xmlns:p14="http://schemas.microsoft.com/office/powerpoint/2010/main">
+          <mc:Choice Requires="p14">
             <p:contentPart p14:bwMode="auto" r:id="rId27">
               <p14:nvContentPartPr>
                 <p14:cNvPr id="48" name="Ink 47">
@@ -6336,7 +7446,7 @@
               </p14:xfrm>
             </p:contentPart>
           </mc:Choice>
-          <mc:Fallback>
+          <mc:Fallback xmlns="">
             <p:pic>
               <p:nvPicPr>
                 <p:cNvPr id="48" name="Ink 47">
@@ -6367,8 +7477,8 @@
             </p:pic>
           </mc:Fallback>
         </mc:AlternateContent>
-        <mc:AlternateContent xmlns:mc="http://schemas.openxmlformats.org/markup-compatibility/2006">
-          <mc:Choice xmlns:p14="http://schemas.microsoft.com/office/powerpoint/2010/main" Requires="p14">
+        <mc:AlternateContent xmlns:mc="http://schemas.openxmlformats.org/markup-compatibility/2006" xmlns:p14="http://schemas.microsoft.com/office/powerpoint/2010/main">
+          <mc:Choice Requires="p14">
             <p:contentPart p14:bwMode="auto" r:id="rId29">
               <p14:nvContentPartPr>
                 <p14:cNvPr id="49" name="Ink 48">
@@ -6387,7 +7497,7 @@
               </p14:xfrm>
             </p:contentPart>
           </mc:Choice>
-          <mc:Fallback>
+          <mc:Fallback xmlns="">
             <p:pic>
               <p:nvPicPr>
                 <p:cNvPr id="49" name="Ink 48">
@@ -6524,8 +7634,8 @@
           </a:p>
         </p:txBody>
       </p:sp>
-      <mc:AlternateContent xmlns:mc="http://schemas.openxmlformats.org/markup-compatibility/2006">
-        <mc:Choice xmlns:p14="http://schemas.microsoft.com/office/powerpoint/2010/main" Requires="p14">
+      <mc:AlternateContent xmlns:mc="http://schemas.openxmlformats.org/markup-compatibility/2006" xmlns:p14="http://schemas.microsoft.com/office/powerpoint/2010/main">
+        <mc:Choice Requires="p14">
           <p:contentPart p14:bwMode="auto" r:id="rId31">
             <p14:nvContentPartPr>
               <p14:cNvPr id="54" name="Ink 53">
@@ -6544,7 +7654,7 @@
             </p14:xfrm>
           </p:contentPart>
         </mc:Choice>
-        <mc:Fallback>
+        <mc:Fallback xmlns="">
           <p:pic>
             <p:nvPicPr>
               <p:cNvPr id="54" name="Ink 53">
@@ -6575,8 +7685,8 @@
           </p:pic>
         </mc:Fallback>
       </mc:AlternateContent>
-      <mc:AlternateContent xmlns:mc="http://schemas.openxmlformats.org/markup-compatibility/2006">
-        <mc:Choice xmlns:p14="http://schemas.microsoft.com/office/powerpoint/2010/main" Requires="p14">
+      <mc:AlternateContent xmlns:mc="http://schemas.openxmlformats.org/markup-compatibility/2006" xmlns:p14="http://schemas.microsoft.com/office/powerpoint/2010/main">
+        <mc:Choice Requires="p14">
           <p:contentPart p14:bwMode="auto" r:id="rId33">
             <p14:nvContentPartPr>
               <p14:cNvPr id="55" name="Ink 54">
@@ -6595,7 +7705,7 @@
             </p14:xfrm>
           </p:contentPart>
         </mc:Choice>
-        <mc:Fallback>
+        <mc:Fallback xmlns="">
           <p:pic>
             <p:nvPicPr>
               <p:cNvPr id="55" name="Ink 54">
@@ -6696,8 +7806,8 @@
           </a:p>
         </p:txBody>
       </p:sp>
-      <mc:AlternateContent xmlns:mc="http://schemas.openxmlformats.org/markup-compatibility/2006">
-        <mc:Choice xmlns:p14="http://schemas.microsoft.com/office/powerpoint/2010/main" Requires="p14">
+      <mc:AlternateContent xmlns:mc="http://schemas.openxmlformats.org/markup-compatibility/2006" xmlns:p14="http://schemas.microsoft.com/office/powerpoint/2010/main">
+        <mc:Choice Requires="p14">
           <p:contentPart p14:bwMode="auto" r:id="rId34">
             <p14:nvContentPartPr>
               <p14:cNvPr id="58" name="Ink 57">
@@ -6716,7 +7826,7 @@
             </p14:xfrm>
           </p:contentPart>
         </mc:Choice>
-        <mc:Fallback>
+        <mc:Fallback xmlns="">
           <p:pic>
             <p:nvPicPr>
               <p:cNvPr id="58" name="Ink 57">
@@ -6854,8 +7964,8 @@
           </a:p>
         </p:txBody>
       </p:sp>
-      <mc:AlternateContent xmlns:mc="http://schemas.openxmlformats.org/markup-compatibility/2006">
-        <mc:Choice xmlns:p14="http://schemas.microsoft.com/office/powerpoint/2010/main" Requires="p14">
+      <mc:AlternateContent xmlns:mc="http://schemas.openxmlformats.org/markup-compatibility/2006" xmlns:p14="http://schemas.microsoft.com/office/powerpoint/2010/main">
+        <mc:Choice Requires="p14">
           <p:contentPart p14:bwMode="auto" r:id="rId35">
             <p14:nvContentPartPr>
               <p14:cNvPr id="69" name="Ink 68">
@@ -6874,7 +7984,7 @@
             </p14:xfrm>
           </p:contentPart>
         </mc:Choice>
-        <mc:Fallback>
+        <mc:Fallback xmlns="">
           <p:pic>
             <p:nvPicPr>
               <p:cNvPr id="69" name="Ink 68">
@@ -6905,8 +8015,8 @@
           </p:pic>
         </mc:Fallback>
       </mc:AlternateContent>
-      <mc:AlternateContent xmlns:mc="http://schemas.openxmlformats.org/markup-compatibility/2006">
-        <mc:Choice xmlns:p14="http://schemas.microsoft.com/office/powerpoint/2010/main" Requires="p14">
+      <mc:AlternateContent xmlns:mc="http://schemas.openxmlformats.org/markup-compatibility/2006" xmlns:p14="http://schemas.microsoft.com/office/powerpoint/2010/main">
+        <mc:Choice Requires="p14">
           <p:contentPart p14:bwMode="auto" r:id="rId37">
             <p14:nvContentPartPr>
               <p14:cNvPr id="74" name="Ink 73">
@@ -6925,7 +8035,7 @@
             </p14:xfrm>
           </p:contentPart>
         </mc:Choice>
-        <mc:Fallback>
+        <mc:Fallback xmlns="">
           <p:pic>
             <p:nvPicPr>
               <p:cNvPr id="74" name="Ink 73">
@@ -6976,8 +8086,8 @@
             <a:chExt cx="799560" cy="801360"/>
           </a:xfrm>
         </p:grpSpPr>
-        <mc:AlternateContent xmlns:mc="http://schemas.openxmlformats.org/markup-compatibility/2006">
-          <mc:Choice xmlns:p14="http://schemas.microsoft.com/office/powerpoint/2010/main" Requires="p14">
+        <mc:AlternateContent xmlns:mc="http://schemas.openxmlformats.org/markup-compatibility/2006" xmlns:p14="http://schemas.microsoft.com/office/powerpoint/2010/main">
+          <mc:Choice Requires="p14">
             <p:contentPart p14:bwMode="auto" r:id="rId39">
               <p14:nvContentPartPr>
                 <p14:cNvPr id="77" name="Ink 76">
@@ -6996,7 +8106,7 @@
               </p14:xfrm>
             </p:contentPart>
           </mc:Choice>
-          <mc:Fallback>
+          <mc:Fallback xmlns="">
             <p:pic>
               <p:nvPicPr>
                 <p:cNvPr id="77" name="Ink 76">
@@ -7027,8 +8137,8 @@
             </p:pic>
           </mc:Fallback>
         </mc:AlternateContent>
-        <mc:AlternateContent xmlns:mc="http://schemas.openxmlformats.org/markup-compatibility/2006">
-          <mc:Choice xmlns:p14="http://schemas.microsoft.com/office/powerpoint/2010/main" Requires="p14">
+        <mc:AlternateContent xmlns:mc="http://schemas.openxmlformats.org/markup-compatibility/2006" xmlns:p14="http://schemas.microsoft.com/office/powerpoint/2010/main">
+          <mc:Choice Requires="p14">
             <p:contentPart p14:bwMode="auto" r:id="rId41">
               <p14:nvContentPartPr>
                 <p14:cNvPr id="78" name="Ink 77">
@@ -7047,7 +8157,7 @@
               </p14:xfrm>
             </p:contentPart>
           </mc:Choice>
-          <mc:Fallback>
+          <mc:Fallback xmlns="">
             <p:pic>
               <p:nvPicPr>
                 <p:cNvPr id="78" name="Ink 77">
@@ -7160,7 +8270,7 @@
               <p14:nvPr/>
             </p14:nvContentPartPr>
             <p14:xfrm>
-              <a:off x="2181360" y="7307940"/>
+              <a:off x="2181360" y="5822040"/>
               <a:ext cx="1677960" cy="1494000"/>
             </p14:xfrm>
           </p:contentPart>
@@ -7186,7 +8296,7 @@
             </p:blipFill>
             <p:spPr>
               <a:xfrm>
-                <a:off x="2163364" y="7289936"/>
+                <a:off x="2163364" y="5804036"/>
                 <a:ext cx="1713592" cy="1529649"/>
               </a:xfrm>
               <a:prstGeom prst="rect">
@@ -7211,7 +8321,7 @@
               <p14:nvPr/>
             </p14:nvContentPartPr>
             <p14:xfrm>
-              <a:off x="6096000" y="7293180"/>
+              <a:off x="6096000" y="5807280"/>
               <a:ext cx="1677960" cy="1494000"/>
             </p14:xfrm>
           </p:contentPart>
@@ -7237,7 +8347,7 @@
             </p:blipFill>
             <p:spPr>
               <a:xfrm>
-                <a:off x="6078004" y="7275176"/>
+                <a:off x="6078004" y="5789276"/>
                 <a:ext cx="1713592" cy="1529649"/>
               </a:xfrm>
               <a:prstGeom prst="rect">
@@ -7261,7 +8371,7 @@
         </p:nvSpPr>
         <p:spPr>
           <a:xfrm>
-            <a:off x="2472387" y="7855514"/>
+            <a:off x="2472387" y="6369614"/>
             <a:ext cx="1062791" cy="461665"/>
           </a:xfrm>
           <a:prstGeom prst="rect">
@@ -7297,7 +8407,7 @@
         </p:nvSpPr>
         <p:spPr>
           <a:xfrm>
-            <a:off x="6197438" y="7870274"/>
+            <a:off x="6197438" y="6384374"/>
             <a:ext cx="1475084" cy="461665"/>
           </a:xfrm>
           <a:prstGeom prst="rect">
@@ -7334,7 +8444,7 @@
               <p14:nvPr/>
             </p14:nvContentPartPr>
             <p14:xfrm>
-              <a:off x="4198800" y="5301988"/>
+              <a:off x="4198800" y="3816088"/>
               <a:ext cx="1677960" cy="1494000"/>
             </p14:xfrm>
           </p:contentPart>
@@ -7360,7 +8470,7 @@
             </p:blipFill>
             <p:spPr>
               <a:xfrm>
-                <a:off x="4180804" y="5283984"/>
+                <a:off x="4180804" y="3798084"/>
                 <a:ext cx="1713592" cy="1529649"/>
               </a:xfrm>
               <a:prstGeom prst="rect">
@@ -7384,7 +8494,7 @@
         </p:nvSpPr>
         <p:spPr>
           <a:xfrm>
-            <a:off x="4486989" y="5864322"/>
+            <a:off x="4486989" y="4378422"/>
             <a:ext cx="1101584" cy="461665"/>
           </a:xfrm>
           <a:prstGeom prst="rect">
@@ -7420,14 +8530,14 @@
         </p:nvGrpSpPr>
         <p:grpSpPr>
           <a:xfrm>
-            <a:off x="3670179" y="6703928"/>
+            <a:off x="3670179" y="5218028"/>
             <a:ext cx="798120" cy="716400"/>
             <a:chOff x="7858200" y="8368094"/>
             <a:chExt cx="798120" cy="716400"/>
           </a:xfrm>
         </p:grpSpPr>
-        <mc:AlternateContent xmlns:mc="http://schemas.openxmlformats.org/markup-compatibility/2006">
-          <mc:Choice xmlns:p14="http://schemas.microsoft.com/office/powerpoint/2010/main" Requires="p14">
+        <mc:AlternateContent xmlns:mc="http://schemas.openxmlformats.org/markup-compatibility/2006" xmlns:p14="http://schemas.microsoft.com/office/powerpoint/2010/main">
+          <mc:Choice Requires="p14">
             <p:contentPart p14:bwMode="auto" r:id="rId6">
               <p14:nvContentPartPr>
                 <p14:cNvPr id="45" name="Ink 44">
@@ -7446,7 +8556,7 @@
               </p14:xfrm>
             </p:contentPart>
           </mc:Choice>
-          <mc:Fallback>
+          <mc:Fallback xmlns="">
             <p:pic>
               <p:nvPicPr>
                 <p:cNvPr id="45" name="Ink 44">
@@ -7477,8 +8587,8 @@
             </p:pic>
           </mc:Fallback>
         </mc:AlternateContent>
-        <mc:AlternateContent xmlns:mc="http://schemas.openxmlformats.org/markup-compatibility/2006">
-          <mc:Choice xmlns:p14="http://schemas.microsoft.com/office/powerpoint/2010/main" Requires="p14">
+        <mc:AlternateContent xmlns:mc="http://schemas.openxmlformats.org/markup-compatibility/2006" xmlns:p14="http://schemas.microsoft.com/office/powerpoint/2010/main">
+          <mc:Choice Requires="p14">
             <p:contentPart p14:bwMode="auto" r:id="rId8">
               <p14:nvContentPartPr>
                 <p14:cNvPr id="46" name="Ink 45">
@@ -7497,7 +8607,7 @@
               </p14:xfrm>
             </p:contentPart>
           </mc:Choice>
-          <mc:Fallback>
+          <mc:Fallback xmlns="">
             <p:pic>
               <p:nvPicPr>
                 <p:cNvPr id="46" name="Ink 45">
@@ -7543,14 +8653,14 @@
         </p:nvGrpSpPr>
         <p:grpSpPr>
           <a:xfrm>
-            <a:off x="5684739" y="6692048"/>
+            <a:off x="5684739" y="5206148"/>
             <a:ext cx="712440" cy="658440"/>
             <a:chOff x="9872760" y="8356214"/>
             <a:chExt cx="712440" cy="658440"/>
           </a:xfrm>
         </p:grpSpPr>
-        <mc:AlternateContent xmlns:mc="http://schemas.openxmlformats.org/markup-compatibility/2006">
-          <mc:Choice xmlns:p14="http://schemas.microsoft.com/office/powerpoint/2010/main" Requires="p14">
+        <mc:AlternateContent xmlns:mc="http://schemas.openxmlformats.org/markup-compatibility/2006" xmlns:p14="http://schemas.microsoft.com/office/powerpoint/2010/main">
+          <mc:Choice Requires="p14">
             <p:contentPart p14:bwMode="auto" r:id="rId10">
               <p14:nvContentPartPr>
                 <p14:cNvPr id="48" name="Ink 47">
@@ -7569,7 +8679,7 @@
               </p14:xfrm>
             </p:contentPart>
           </mc:Choice>
-          <mc:Fallback>
+          <mc:Fallback xmlns="">
             <p:pic>
               <p:nvPicPr>
                 <p:cNvPr id="48" name="Ink 47">
@@ -7600,8 +8710,8 @@
             </p:pic>
           </mc:Fallback>
         </mc:AlternateContent>
-        <mc:AlternateContent xmlns:mc="http://schemas.openxmlformats.org/markup-compatibility/2006">
-          <mc:Choice xmlns:p14="http://schemas.microsoft.com/office/powerpoint/2010/main" Requires="p14">
+        <mc:AlternateContent xmlns:mc="http://schemas.openxmlformats.org/markup-compatibility/2006" xmlns:p14="http://schemas.microsoft.com/office/powerpoint/2010/main">
+          <mc:Choice Requires="p14">
             <p:contentPart p14:bwMode="auto" r:id="rId12">
               <p14:nvContentPartPr>
                 <p14:cNvPr id="49" name="Ink 48">
@@ -7620,7 +8730,7 @@
               </p14:xfrm>
             </p:contentPart>
           </mc:Choice>
-          <mc:Fallback>
+          <mc:Fallback xmlns="">
             <p:pic>
               <p:nvPicPr>
                 <p:cNvPr id="49" name="Ink 48">
@@ -7737,7 +8847,7 @@
               <p14:nvPr/>
             </p14:nvContentPartPr>
             <p14:xfrm>
-              <a:off x="3912720" y="7942680"/>
+              <a:off x="3912720" y="6456780"/>
               <a:ext cx="2156400" cy="337680"/>
             </p14:xfrm>
           </p:contentPart>
@@ -7763,8 +8873,8 @@
             </p:blipFill>
             <p:spPr>
               <a:xfrm>
-                <a:off x="3895080" y="7925040"/>
-                <a:ext cx="2192040" cy="373320"/>
+                <a:off x="3894717" y="6438780"/>
+                <a:ext cx="2192046" cy="373320"/>
               </a:xfrm>
               <a:prstGeom prst="rect">
                 <a:avLst/>
@@ -7787,14 +8897,14 @@
         </p:nvGrpSpPr>
         <p:grpSpPr>
           <a:xfrm>
-            <a:off x="8642400" y="4714920"/>
+            <a:off x="8642400" y="3229020"/>
             <a:ext cx="360" cy="360"/>
             <a:chOff x="8642400" y="4714920"/>
             <a:chExt cx="360" cy="360"/>
           </a:xfrm>
         </p:grpSpPr>
-        <mc:AlternateContent xmlns:mc="http://schemas.openxmlformats.org/markup-compatibility/2006">
-          <mc:Choice xmlns:p14="http://schemas.microsoft.com/office/powerpoint/2010/main" Requires="p14">
+        <mc:AlternateContent xmlns:mc="http://schemas.openxmlformats.org/markup-compatibility/2006" xmlns:p14="http://schemas.microsoft.com/office/powerpoint/2010/main">
+          <mc:Choice Requires="p14">
             <p:contentPart p14:bwMode="auto" r:id="rId16">
               <p14:nvContentPartPr>
                 <p14:cNvPr id="3" name="Ink 2">
@@ -7813,7 +8923,7 @@
               </p14:xfrm>
             </p:contentPart>
           </mc:Choice>
-          <mc:Fallback>
+          <mc:Fallback xmlns="">
             <p:pic>
               <p:nvPicPr>
                 <p:cNvPr id="3" name="Ink 2">
@@ -7844,8 +8954,8 @@
             </p:pic>
           </mc:Fallback>
         </mc:AlternateContent>
-        <mc:AlternateContent xmlns:mc="http://schemas.openxmlformats.org/markup-compatibility/2006">
-          <mc:Choice xmlns:p14="http://schemas.microsoft.com/office/powerpoint/2010/main" Requires="p14">
+        <mc:AlternateContent xmlns:mc="http://schemas.openxmlformats.org/markup-compatibility/2006" xmlns:p14="http://schemas.microsoft.com/office/powerpoint/2010/main">
+          <mc:Choice Requires="p14">
             <p:contentPart p14:bwMode="auto" r:id="rId18">
               <p14:nvContentPartPr>
                 <p14:cNvPr id="4" name="Ink 3">
@@ -7864,7 +8974,7 @@
               </p14:xfrm>
             </p:contentPart>
           </mc:Choice>
-          <mc:Fallback>
+          <mc:Fallback xmlns="">
             <p:pic>
               <p:nvPicPr>
                 <p:cNvPr id="4" name="Ink 3">
@@ -7910,14 +9020,14 @@
         </p:nvGrpSpPr>
         <p:grpSpPr>
           <a:xfrm>
-            <a:off x="5725680" y="6722280"/>
+            <a:off x="5725680" y="5236380"/>
             <a:ext cx="428040" cy="590040"/>
             <a:chOff x="5725680" y="6722280"/>
             <a:chExt cx="428040" cy="590040"/>
           </a:xfrm>
         </p:grpSpPr>
-        <mc:AlternateContent xmlns:mc="http://schemas.openxmlformats.org/markup-compatibility/2006">
-          <mc:Choice xmlns:p14="http://schemas.microsoft.com/office/powerpoint/2010/main" Requires="p14">
+        <mc:AlternateContent xmlns:mc="http://schemas.openxmlformats.org/markup-compatibility/2006" xmlns:p14="http://schemas.microsoft.com/office/powerpoint/2010/main">
+          <mc:Choice Requires="p14">
             <p:contentPart p14:bwMode="auto" r:id="rId19">
               <p14:nvContentPartPr>
                 <p14:cNvPr id="8" name="Ink 7">
@@ -7936,7 +9046,7 @@
               </p14:xfrm>
             </p:contentPart>
           </mc:Choice>
-          <mc:Fallback>
+          <mc:Fallback xmlns="">
             <p:pic>
               <p:nvPicPr>
                 <p:cNvPr id="8" name="Ink 7">
@@ -7967,8 +9077,8 @@
             </p:pic>
           </mc:Fallback>
         </mc:AlternateContent>
-        <mc:AlternateContent xmlns:mc="http://schemas.openxmlformats.org/markup-compatibility/2006">
-          <mc:Choice xmlns:p14="http://schemas.microsoft.com/office/powerpoint/2010/main" Requires="p14">
+        <mc:AlternateContent xmlns:mc="http://schemas.openxmlformats.org/markup-compatibility/2006" xmlns:p14="http://schemas.microsoft.com/office/powerpoint/2010/main">
+          <mc:Choice Requires="p14">
             <p:contentPart p14:bwMode="auto" r:id="rId21">
               <p14:nvContentPartPr>
                 <p14:cNvPr id="9" name="Ink 8">
@@ -7987,7 +9097,7 @@
               </p14:xfrm>
             </p:contentPart>
           </mc:Choice>
-          <mc:Fallback>
+          <mc:Fallback xmlns="">
             <p:pic>
               <p:nvPicPr>
                 <p:cNvPr id="9" name="Ink 8">
@@ -8018,8 +9128,8 @@
             </p:pic>
           </mc:Fallback>
         </mc:AlternateContent>
-        <mc:AlternateContent xmlns:mc="http://schemas.openxmlformats.org/markup-compatibility/2006">
-          <mc:Choice xmlns:p14="http://schemas.microsoft.com/office/powerpoint/2010/main" Requires="p14">
+        <mc:AlternateContent xmlns:mc="http://schemas.openxmlformats.org/markup-compatibility/2006" xmlns:p14="http://schemas.microsoft.com/office/powerpoint/2010/main">
+          <mc:Choice Requires="p14">
             <p:contentPart p14:bwMode="auto" r:id="rId23">
               <p14:nvContentPartPr>
                 <p14:cNvPr id="11" name="Ink 10">
@@ -8038,7 +9148,7 @@
               </p14:xfrm>
             </p:contentPart>
           </mc:Choice>
-          <mc:Fallback>
+          <mc:Fallback xmlns="">
             <p:pic>
               <p:nvPicPr>
                 <p:cNvPr id="11" name="Ink 10">
@@ -8085,7 +9195,7 @@
               <p14:nvPr/>
             </p14:nvContentPartPr>
             <p14:xfrm>
-              <a:off x="4276673" y="7118322"/>
+              <a:off x="4276673" y="5632422"/>
               <a:ext cx="136800" cy="171000"/>
             </p14:xfrm>
           </p:contentPart>
@@ -8111,7 +9221,7 @@
             </p:blipFill>
             <p:spPr>
               <a:xfrm>
-                <a:off x="4258673" y="7100682"/>
+                <a:off x="4258673" y="5614422"/>
                 <a:ext cx="172440" cy="206640"/>
               </a:xfrm>
               <a:prstGeom prst="rect">
@@ -8135,14 +9245,14 @@
         </p:nvGrpSpPr>
         <p:grpSpPr>
           <a:xfrm>
-            <a:off x="3942960" y="6742800"/>
+            <a:off x="3942960" y="5256900"/>
             <a:ext cx="559793" cy="418002"/>
             <a:chOff x="3942960" y="6742800"/>
             <a:chExt cx="559793" cy="418002"/>
           </a:xfrm>
         </p:grpSpPr>
-        <mc:AlternateContent xmlns:mc="http://schemas.openxmlformats.org/markup-compatibility/2006">
-          <mc:Choice xmlns:p14="http://schemas.microsoft.com/office/powerpoint/2010/main" Requires="p14">
+        <mc:AlternateContent xmlns:mc="http://schemas.openxmlformats.org/markup-compatibility/2006" xmlns:p14="http://schemas.microsoft.com/office/powerpoint/2010/main">
+          <mc:Choice Requires="p14">
             <p:contentPart p14:bwMode="auto" r:id="rId27">
               <p14:nvContentPartPr>
                 <p14:cNvPr id="13" name="Ink 12">
@@ -8161,7 +9271,7 @@
               </p14:xfrm>
             </p:contentPart>
           </mc:Choice>
-          <mc:Fallback>
+          <mc:Fallback xmlns="">
             <p:pic>
               <p:nvPicPr>
                 <p:cNvPr id="13" name="Ink 12">
@@ -8192,8 +9302,8 @@
             </p:pic>
           </mc:Fallback>
         </mc:AlternateContent>
-        <mc:AlternateContent xmlns:mc="http://schemas.openxmlformats.org/markup-compatibility/2006">
-          <mc:Choice xmlns:p14="http://schemas.microsoft.com/office/powerpoint/2010/main" Requires="p14">
+        <mc:AlternateContent xmlns:mc="http://schemas.openxmlformats.org/markup-compatibility/2006" xmlns:p14="http://schemas.microsoft.com/office/powerpoint/2010/main">
+          <mc:Choice Requires="p14">
             <p:contentPart p14:bwMode="auto" r:id="rId29">
               <p14:nvContentPartPr>
                 <p14:cNvPr id="14" name="Ink 13">
@@ -8212,7 +9322,7 @@
               </p14:xfrm>
             </p:contentPart>
           </mc:Choice>
-          <mc:Fallback>
+          <mc:Fallback xmlns="">
             <p:pic>
               <p:nvPicPr>
                 <p:cNvPr id="14" name="Ink 13">
@@ -8243,8 +9353,8 @@
             </p:pic>
           </mc:Fallback>
         </mc:AlternateContent>
-        <mc:AlternateContent xmlns:mc="http://schemas.openxmlformats.org/markup-compatibility/2006">
-          <mc:Choice xmlns:p14="http://schemas.microsoft.com/office/powerpoint/2010/main" Requires="p14">
+        <mc:AlternateContent xmlns:mc="http://schemas.openxmlformats.org/markup-compatibility/2006" xmlns:p14="http://schemas.microsoft.com/office/powerpoint/2010/main">
+          <mc:Choice Requires="p14">
             <p:contentPart p14:bwMode="auto" r:id="rId31">
               <p14:nvContentPartPr>
                 <p14:cNvPr id="62" name="Ink 61">
@@ -8263,7 +9373,7 @@
               </p14:xfrm>
             </p:contentPart>
           </mc:Choice>
-          <mc:Fallback>
+          <mc:Fallback xmlns="">
             <p:pic>
               <p:nvPicPr>
                 <p:cNvPr id="62" name="Ink 61">
@@ -8309,7 +9419,7 @@
         </p:nvSpPr>
         <p:spPr>
           <a:xfrm>
-            <a:off x="3782898" y="8908793"/>
+            <a:off x="3782898" y="7422893"/>
             <a:ext cx="1901841" cy="830997"/>
           </a:xfrm>
           <a:prstGeom prst="rect">
@@ -8347,7 +9457,7 @@
         </p:nvSpPr>
         <p:spPr>
           <a:xfrm>
-            <a:off x="6684825" y="5398937"/>
+            <a:off x="6684825" y="3913037"/>
             <a:ext cx="2392552" cy="1200329"/>
           </a:xfrm>
           <a:prstGeom prst="rect">
@@ -8370,6 +9480,980 @@
                 <a:latin typeface="Times" pitchFamily="2" charset="0"/>
               </a:rPr>
               <a:t>Randomization cuts other causal connections </a:t>
+            </a:r>
+          </a:p>
+        </p:txBody>
+      </p:sp>
+      <mc:AlternateContent xmlns:mc="http://schemas.openxmlformats.org/markup-compatibility/2006">
+        <mc:Choice xmlns:p14="http://schemas.microsoft.com/office/powerpoint/2010/main" Requires="p14">
+          <p:contentPart p14:bwMode="auto" r:id="rId33">
+            <p14:nvContentPartPr>
+              <p14:cNvPr id="31" name="Ink 30">
+                <a:extLst>
+                  <a:ext uri="{FF2B5EF4-FFF2-40B4-BE49-F238E27FC236}">
+                    <a16:creationId xmlns:a16="http://schemas.microsoft.com/office/drawing/2014/main" id="{C72FACB9-2AE8-7B36-9D29-DB7A1BE824F3}"/>
+                  </a:ext>
+                </a:extLst>
+              </p14:cNvPr>
+              <p14:cNvContentPartPr/>
+              <p14:nvPr/>
+            </p14:nvContentPartPr>
+            <p14:xfrm flipV="1">
+              <a:off x="3131755" y="10809362"/>
+              <a:ext cx="1677960" cy="1494000"/>
+            </p14:xfrm>
+          </p:contentPart>
+        </mc:Choice>
+        <mc:Fallback>
+          <p:pic>
+            <p:nvPicPr>
+              <p:cNvPr id="31" name="Ink 30">
+                <a:extLst>
+                  <a:ext uri="{FF2B5EF4-FFF2-40B4-BE49-F238E27FC236}">
+                    <a16:creationId xmlns:a16="http://schemas.microsoft.com/office/drawing/2014/main" id="{C72FACB9-2AE8-7B36-9D29-DB7A1BE824F3}"/>
+                  </a:ext>
+                </a:extLst>
+              </p:cNvPr>
+              <p:cNvPicPr/>
+              <p:nvPr/>
+            </p:nvPicPr>
+            <p:blipFill>
+              <a:blip r:embed="rId34"/>
+              <a:stretch>
+                <a:fillRect/>
+              </a:stretch>
+            </p:blipFill>
+            <p:spPr>
+              <a:xfrm flipV="1">
+                <a:off x="3113759" y="10791358"/>
+                <a:ext cx="1713592" cy="1529649"/>
+              </a:xfrm>
+              <a:prstGeom prst="rect">
+                <a:avLst/>
+              </a:prstGeom>
+            </p:spPr>
+          </p:pic>
+        </mc:Fallback>
+      </mc:AlternateContent>
+      <mc:AlternateContent xmlns:mc="http://schemas.openxmlformats.org/markup-compatibility/2006">
+        <mc:Choice xmlns:p14="http://schemas.microsoft.com/office/powerpoint/2010/main" Requires="p14">
+          <p:contentPart p14:bwMode="auto" r:id="rId35">
+            <p14:nvContentPartPr>
+              <p14:cNvPr id="32" name="Ink 31">
+                <a:extLst>
+                  <a:ext uri="{FF2B5EF4-FFF2-40B4-BE49-F238E27FC236}">
+                    <a16:creationId xmlns:a16="http://schemas.microsoft.com/office/drawing/2014/main" id="{CB0B2C46-5016-6CEA-DF26-06EB53DCFA82}"/>
+                  </a:ext>
+                </a:extLst>
+              </p14:cNvPr>
+              <p14:cNvContentPartPr/>
+              <p14:nvPr/>
+            </p14:nvContentPartPr>
+            <p14:xfrm flipV="1">
+              <a:off x="7046395" y="10794602"/>
+              <a:ext cx="1677960" cy="1494000"/>
+            </p14:xfrm>
+          </p:contentPart>
+        </mc:Choice>
+        <mc:Fallback>
+          <p:pic>
+            <p:nvPicPr>
+              <p:cNvPr id="32" name="Ink 31">
+                <a:extLst>
+                  <a:ext uri="{FF2B5EF4-FFF2-40B4-BE49-F238E27FC236}">
+                    <a16:creationId xmlns:a16="http://schemas.microsoft.com/office/drawing/2014/main" id="{CB0B2C46-5016-6CEA-DF26-06EB53DCFA82}"/>
+                  </a:ext>
+                </a:extLst>
+              </p:cNvPr>
+              <p:cNvPicPr/>
+              <p:nvPr/>
+            </p:nvPicPr>
+            <p:blipFill>
+              <a:blip r:embed="rId34"/>
+              <a:stretch>
+                <a:fillRect/>
+              </a:stretch>
+            </p:blipFill>
+            <p:spPr>
+              <a:xfrm flipV="1">
+                <a:off x="7028399" y="10776598"/>
+                <a:ext cx="1713592" cy="1529649"/>
+              </a:xfrm>
+              <a:prstGeom prst="rect">
+                <a:avLst/>
+              </a:prstGeom>
+            </p:spPr>
+          </p:pic>
+        </mc:Fallback>
+      </mc:AlternateContent>
+      <mc:AlternateContent xmlns:mc="http://schemas.openxmlformats.org/markup-compatibility/2006">
+        <mc:Choice xmlns:p14="http://schemas.microsoft.com/office/powerpoint/2010/main" Requires="p14">
+          <p:contentPart p14:bwMode="auto" r:id="rId36">
+            <p14:nvContentPartPr>
+              <p14:cNvPr id="33" name="Ink 32">
+                <a:extLst>
+                  <a:ext uri="{FF2B5EF4-FFF2-40B4-BE49-F238E27FC236}">
+                    <a16:creationId xmlns:a16="http://schemas.microsoft.com/office/drawing/2014/main" id="{8E9067B8-B6C8-5EDD-FAFA-CC95F45E6F7D}"/>
+                  </a:ext>
+                </a:extLst>
+              </p14:cNvPr>
+              <p14:cNvContentPartPr/>
+              <p14:nvPr/>
+            </p14:nvContentPartPr>
+            <p14:xfrm flipV="1">
+              <a:off x="5257020" y="12805367"/>
+              <a:ext cx="1677960" cy="1494000"/>
+            </p14:xfrm>
+          </p:contentPart>
+        </mc:Choice>
+        <mc:Fallback>
+          <p:pic>
+            <p:nvPicPr>
+              <p:cNvPr id="33" name="Ink 32">
+                <a:extLst>
+                  <a:ext uri="{FF2B5EF4-FFF2-40B4-BE49-F238E27FC236}">
+                    <a16:creationId xmlns:a16="http://schemas.microsoft.com/office/drawing/2014/main" id="{8E9067B8-B6C8-5EDD-FAFA-CC95F45E6F7D}"/>
+                  </a:ext>
+                </a:extLst>
+              </p:cNvPr>
+              <p:cNvPicPr/>
+              <p:nvPr/>
+            </p:nvPicPr>
+            <p:blipFill>
+              <a:blip r:embed="rId34"/>
+              <a:stretch>
+                <a:fillRect/>
+              </a:stretch>
+            </p:blipFill>
+            <p:spPr>
+              <a:xfrm flipV="1">
+                <a:off x="5239024" y="12787363"/>
+                <a:ext cx="1713592" cy="1529649"/>
+              </a:xfrm>
+              <a:prstGeom prst="rect">
+                <a:avLst/>
+              </a:prstGeom>
+            </p:spPr>
+          </p:pic>
+        </mc:Fallback>
+      </mc:AlternateContent>
+      <p:sp>
+        <p:nvSpPr>
+          <p:cNvPr id="34" name="TextBox 33">
+            <a:extLst>
+              <a:ext uri="{FF2B5EF4-FFF2-40B4-BE49-F238E27FC236}">
+                <a16:creationId xmlns:a16="http://schemas.microsoft.com/office/drawing/2014/main" id="{6FF8F2FA-5F4D-78E4-DDFF-32CA17EBE9EB}"/>
+              </a:ext>
+            </a:extLst>
+          </p:cNvPr>
+          <p:cNvSpPr txBox="1"/>
+          <p:nvPr/>
+        </p:nvSpPr>
+        <p:spPr>
+          <a:xfrm>
+            <a:off x="5231105" y="12988174"/>
+            <a:ext cx="1753437" cy="1200329"/>
+          </a:xfrm>
+          <a:prstGeom prst="rect">
+            <a:avLst/>
+          </a:prstGeom>
+          <a:noFill/>
+        </p:spPr>
+        <p:txBody>
+          <a:bodyPr wrap="square" rtlCol="0">
+            <a:spAutoFit/>
+          </a:bodyPr>
+          <a:lstStyle/>
+          <a:p>
+            <a:pPr algn="ctr"/>
+            <a:r>
+              <a:rPr lang="en-US" sz="2400" dirty="0"/>
+              <a:t>Social services sample</a:t>
+            </a:r>
+          </a:p>
+        </p:txBody>
+      </p:sp>
+      <p:sp>
+        <p:nvSpPr>
+          <p:cNvPr id="35" name="TextBox 34">
+            <a:extLst>
+              <a:ext uri="{FF2B5EF4-FFF2-40B4-BE49-F238E27FC236}">
+                <a16:creationId xmlns:a16="http://schemas.microsoft.com/office/drawing/2014/main" id="{88C7FE3A-EF74-3FD9-710B-E1594D614D34}"/>
+              </a:ext>
+            </a:extLst>
+          </p:cNvPr>
+          <p:cNvSpPr txBox="1"/>
+          <p:nvPr/>
+        </p:nvSpPr>
+        <p:spPr>
+          <a:xfrm>
+            <a:off x="7125893" y="11388875"/>
+            <a:ext cx="1475084" cy="461665"/>
+          </a:xfrm>
+          <a:prstGeom prst="rect">
+            <a:avLst/>
+          </a:prstGeom>
+          <a:noFill/>
+        </p:spPr>
+        <p:txBody>
+          <a:bodyPr wrap="none" rtlCol="0">
+            <a:spAutoFit/>
+          </a:bodyPr>
+          <a:lstStyle/>
+          <a:p>
+            <a:pPr algn="ctr"/>
+            <a:r>
+              <a:rPr lang="en-US" sz="2400" dirty="0"/>
+              <a:t>Happiness</a:t>
+            </a:r>
+          </a:p>
+        </p:txBody>
+      </p:sp>
+      <mc:AlternateContent xmlns:mc="http://schemas.openxmlformats.org/markup-compatibility/2006">
+        <mc:Choice xmlns:p14="http://schemas.microsoft.com/office/powerpoint/2010/main" Requires="p14">
+          <p:contentPart p14:bwMode="auto" r:id="rId37">
+            <p14:nvContentPartPr>
+              <p14:cNvPr id="36" name="Ink 35">
+                <a:extLst>
+                  <a:ext uri="{FF2B5EF4-FFF2-40B4-BE49-F238E27FC236}">
+                    <a16:creationId xmlns:a16="http://schemas.microsoft.com/office/drawing/2014/main" id="{CB2F970F-16F5-EC1A-85D1-FC9245729FF1}"/>
+                  </a:ext>
+                </a:extLst>
+              </p14:cNvPr>
+              <p14:cNvContentPartPr/>
+              <p14:nvPr/>
+            </p14:nvContentPartPr>
+            <p14:xfrm>
+              <a:off x="6704734" y="12216351"/>
+              <a:ext cx="640440" cy="667800"/>
+            </p14:xfrm>
+          </p:contentPart>
+        </mc:Choice>
+        <mc:Fallback>
+          <p:pic>
+            <p:nvPicPr>
+              <p:cNvPr id="36" name="Ink 35">
+                <a:extLst>
+                  <a:ext uri="{FF2B5EF4-FFF2-40B4-BE49-F238E27FC236}">
+                    <a16:creationId xmlns:a16="http://schemas.microsoft.com/office/drawing/2014/main" id="{CB2F970F-16F5-EC1A-85D1-FC9245729FF1}"/>
+                  </a:ext>
+                </a:extLst>
+              </p:cNvPr>
+              <p:cNvPicPr/>
+              <p:nvPr/>
+            </p:nvPicPr>
+            <p:blipFill>
+              <a:blip r:embed="rId38"/>
+              <a:stretch>
+                <a:fillRect/>
+              </a:stretch>
+            </p:blipFill>
+            <p:spPr>
+              <a:xfrm>
+                <a:off x="6686734" y="12198361"/>
+                <a:ext cx="676080" cy="703421"/>
+              </a:xfrm>
+              <a:prstGeom prst="rect">
+                <a:avLst/>
+              </a:prstGeom>
+            </p:spPr>
+          </p:pic>
+        </mc:Fallback>
+      </mc:AlternateContent>
+      <mc:AlternateContent xmlns:mc="http://schemas.openxmlformats.org/markup-compatibility/2006">
+        <mc:Choice xmlns:p14="http://schemas.microsoft.com/office/powerpoint/2010/main" Requires="p14">
+          <p:contentPart p14:bwMode="auto" r:id="rId39">
+            <p14:nvContentPartPr>
+              <p14:cNvPr id="38" name="Ink 37">
+                <a:extLst>
+                  <a:ext uri="{FF2B5EF4-FFF2-40B4-BE49-F238E27FC236}">
+                    <a16:creationId xmlns:a16="http://schemas.microsoft.com/office/drawing/2014/main" id="{0BC0765F-7C38-CB52-6C9C-8F21D999FD8B}"/>
+                  </a:ext>
+                </a:extLst>
+              </p14:cNvPr>
+              <p14:cNvContentPartPr/>
+              <p14:nvPr/>
+            </p14:nvContentPartPr>
+            <p14:xfrm>
+              <a:off x="6719494" y="12795591"/>
+              <a:ext cx="379440" cy="95400"/>
+            </p14:xfrm>
+          </p:contentPart>
+        </mc:Choice>
+        <mc:Fallback>
+          <p:pic>
+            <p:nvPicPr>
+              <p:cNvPr id="38" name="Ink 37">
+                <a:extLst>
+                  <a:ext uri="{FF2B5EF4-FFF2-40B4-BE49-F238E27FC236}">
+                    <a16:creationId xmlns:a16="http://schemas.microsoft.com/office/drawing/2014/main" id="{0BC0765F-7C38-CB52-6C9C-8F21D999FD8B}"/>
+                  </a:ext>
+                </a:extLst>
+              </p:cNvPr>
+              <p:cNvPicPr/>
+              <p:nvPr/>
+            </p:nvPicPr>
+            <p:blipFill>
+              <a:blip r:embed="rId40"/>
+              <a:stretch>
+                <a:fillRect/>
+              </a:stretch>
+            </p:blipFill>
+            <p:spPr>
+              <a:xfrm>
+                <a:off x="6701494" y="12777591"/>
+                <a:ext cx="415080" cy="131040"/>
+              </a:xfrm>
+              <a:prstGeom prst="rect">
+                <a:avLst/>
+              </a:prstGeom>
+            </p:spPr>
+          </p:pic>
+        </mc:Fallback>
+      </mc:AlternateContent>
+      <p:grpSp>
+        <p:nvGrpSpPr>
+          <p:cNvPr id="39" name="Group 38">
+            <a:extLst>
+              <a:ext uri="{FF2B5EF4-FFF2-40B4-BE49-F238E27FC236}">
+                <a16:creationId xmlns:a16="http://schemas.microsoft.com/office/drawing/2014/main" id="{405C6B43-5796-0FC1-E280-7C652D24C633}"/>
+              </a:ext>
+            </a:extLst>
+          </p:cNvPr>
+          <p:cNvGrpSpPr/>
+          <p:nvPr/>
+        </p:nvGrpSpPr>
+        <p:grpSpPr>
+          <a:xfrm>
+            <a:off x="4711774" y="12146151"/>
+            <a:ext cx="799560" cy="801360"/>
+            <a:chOff x="7949400" y="13623840"/>
+            <a:chExt cx="799560" cy="801360"/>
+          </a:xfrm>
+        </p:grpSpPr>
+        <mc:AlternateContent xmlns:mc="http://schemas.openxmlformats.org/markup-compatibility/2006" xmlns:p14="http://schemas.microsoft.com/office/powerpoint/2010/main">
+          <mc:Choice Requires="p14">
+            <p:contentPart p14:bwMode="auto" r:id="rId41">
+              <p14:nvContentPartPr>
+                <p14:cNvPr id="51" name="Ink 50">
+                  <a:extLst>
+                    <a:ext uri="{FF2B5EF4-FFF2-40B4-BE49-F238E27FC236}">
+                      <a16:creationId xmlns:a16="http://schemas.microsoft.com/office/drawing/2014/main" id="{4D79BD20-6D4C-0E0A-59E1-98EF94249F30}"/>
+                    </a:ext>
+                  </a:extLst>
+                </p14:cNvPr>
+                <p14:cNvContentPartPr/>
+                <p14:nvPr/>
+              </p14:nvContentPartPr>
+              <p14:xfrm>
+                <a:off x="7949400" y="13623840"/>
+                <a:ext cx="799560" cy="776160"/>
+              </p14:xfrm>
+            </p:contentPart>
+          </mc:Choice>
+          <mc:Fallback xmlns="">
+            <p:pic>
+              <p:nvPicPr>
+                <p:cNvPr id="77" name="Ink 76">
+                  <a:extLst>
+                    <a:ext uri="{FF2B5EF4-FFF2-40B4-BE49-F238E27FC236}">
+                      <a16:creationId xmlns:a16="http://schemas.microsoft.com/office/drawing/2014/main" id="{E7B01F4F-223A-E2A8-FF6F-0669387A82F2}"/>
+                    </a:ext>
+                  </a:extLst>
+                </p:cNvPr>
+                <p:cNvPicPr/>
+                <p:nvPr/>
+              </p:nvPicPr>
+              <p:blipFill>
+                <a:blip r:embed="rId42"/>
+                <a:stretch>
+                  <a:fillRect/>
+                </a:stretch>
+              </p:blipFill>
+              <p:spPr>
+                <a:xfrm>
+                  <a:off x="7931760" y="13605840"/>
+                  <a:ext cx="835200" cy="811800"/>
+                </a:xfrm>
+                <a:prstGeom prst="rect">
+                  <a:avLst/>
+                </a:prstGeom>
+              </p:spPr>
+            </p:pic>
+          </mc:Fallback>
+        </mc:AlternateContent>
+        <mc:AlternateContent xmlns:mc="http://schemas.openxmlformats.org/markup-compatibility/2006" xmlns:p14="http://schemas.microsoft.com/office/powerpoint/2010/main">
+          <mc:Choice Requires="p14">
+            <p:contentPart p14:bwMode="auto" r:id="rId43">
+              <p14:nvContentPartPr>
+                <p14:cNvPr id="52" name="Ink 51">
+                  <a:extLst>
+                    <a:ext uri="{FF2B5EF4-FFF2-40B4-BE49-F238E27FC236}">
+                      <a16:creationId xmlns:a16="http://schemas.microsoft.com/office/drawing/2014/main" id="{310BBC08-C6D9-2D10-9FA5-352644CD6D09}"/>
+                    </a:ext>
+                  </a:extLst>
+                </p14:cNvPr>
+                <p14:cNvContentPartPr/>
+                <p14:nvPr/>
+              </p14:nvContentPartPr>
+              <p14:xfrm>
+                <a:off x="8313720" y="14419800"/>
+                <a:ext cx="403200" cy="5400"/>
+              </p14:xfrm>
+            </p:contentPart>
+          </mc:Choice>
+          <mc:Fallback xmlns="">
+            <p:pic>
+              <p:nvPicPr>
+                <p:cNvPr id="78" name="Ink 77">
+                  <a:extLst>
+                    <a:ext uri="{FF2B5EF4-FFF2-40B4-BE49-F238E27FC236}">
+                      <a16:creationId xmlns:a16="http://schemas.microsoft.com/office/drawing/2014/main" id="{3495F0DE-8B34-B03B-F96C-E08642B73660}"/>
+                    </a:ext>
+                  </a:extLst>
+                </p:cNvPr>
+                <p:cNvPicPr/>
+                <p:nvPr/>
+              </p:nvPicPr>
+              <p:blipFill>
+                <a:blip r:embed="rId44"/>
+                <a:stretch>
+                  <a:fillRect/>
+                </a:stretch>
+              </p:blipFill>
+              <p:spPr>
+                <a:xfrm>
+                  <a:off x="8295720" y="14402160"/>
+                  <a:ext cx="438840" cy="41040"/>
+                </a:xfrm>
+                <a:prstGeom prst="rect">
+                  <a:avLst/>
+                </a:prstGeom>
+              </p:spPr>
+            </p:pic>
+          </mc:Fallback>
+        </mc:AlternateContent>
+      </p:grpSp>
+      <p:sp>
+        <p:nvSpPr>
+          <p:cNvPr id="53" name="TextBox 52">
+            <a:extLst>
+              <a:ext uri="{FF2B5EF4-FFF2-40B4-BE49-F238E27FC236}">
+                <a16:creationId xmlns:a16="http://schemas.microsoft.com/office/drawing/2014/main" id="{941CDF26-AED3-8E78-E75C-AA38761C1EC9}"/>
+              </a:ext>
+            </a:extLst>
+          </p:cNvPr>
+          <p:cNvSpPr txBox="1"/>
+          <p:nvPr/>
+        </p:nvSpPr>
+        <p:spPr>
+          <a:xfrm>
+            <a:off x="3422781" y="11310769"/>
+            <a:ext cx="1062791" cy="461665"/>
+          </a:xfrm>
+          <a:prstGeom prst="rect">
+            <a:avLst/>
+          </a:prstGeom>
+          <a:noFill/>
+        </p:spPr>
+        <p:txBody>
+          <a:bodyPr wrap="none" rtlCol="0">
+            <a:spAutoFit/>
+          </a:bodyPr>
+          <a:lstStyle/>
+          <a:p>
+            <a:pPr algn="ctr"/>
+            <a:r>
+              <a:rPr lang="en-US" sz="2400" dirty="0"/>
+              <a:t>Money</a:t>
+            </a:r>
+          </a:p>
+        </p:txBody>
+      </p:sp>
+      <mc:AlternateContent xmlns:mc="http://schemas.openxmlformats.org/markup-compatibility/2006">
+        <mc:Choice xmlns:p14="http://schemas.microsoft.com/office/powerpoint/2010/main" Requires="p14">
+          <p:contentPart p14:bwMode="auto" r:id="rId45">
+            <p14:nvContentPartPr>
+              <p14:cNvPr id="54" name="Ink 53">
+                <a:extLst>
+                  <a:ext uri="{FF2B5EF4-FFF2-40B4-BE49-F238E27FC236}">
+                    <a16:creationId xmlns:a16="http://schemas.microsoft.com/office/drawing/2014/main" id="{A0CCBC47-1AF9-AACA-48AC-4CD475DF1E53}"/>
+                  </a:ext>
+                </a:extLst>
+              </p14:cNvPr>
+              <p14:cNvContentPartPr/>
+              <p14:nvPr/>
+            </p14:nvContentPartPr>
+            <p14:xfrm>
+              <a:off x="4889213" y="11409532"/>
+              <a:ext cx="2156400" cy="337680"/>
+            </p14:xfrm>
+          </p:contentPart>
+        </mc:Choice>
+        <mc:Fallback>
+          <p:pic>
+            <p:nvPicPr>
+              <p:cNvPr id="54" name="Ink 53">
+                <a:extLst>
+                  <a:ext uri="{FF2B5EF4-FFF2-40B4-BE49-F238E27FC236}">
+                    <a16:creationId xmlns:a16="http://schemas.microsoft.com/office/drawing/2014/main" id="{A0CCBC47-1AF9-AACA-48AC-4CD475DF1E53}"/>
+                  </a:ext>
+                </a:extLst>
+              </p:cNvPr>
+              <p:cNvPicPr/>
+              <p:nvPr/>
+            </p:nvPicPr>
+            <p:blipFill>
+              <a:blip r:embed="rId15"/>
+              <a:stretch>
+                <a:fillRect/>
+              </a:stretch>
+            </p:blipFill>
+            <p:spPr>
+              <a:xfrm>
+                <a:off x="4871210" y="11391532"/>
+                <a:ext cx="2192046" cy="373320"/>
+              </a:xfrm>
+              <a:prstGeom prst="rect">
+                <a:avLst/>
+              </a:prstGeom>
+            </p:spPr>
+          </p:pic>
+        </mc:Fallback>
+      </mc:AlternateContent>
+      <p:grpSp>
+        <p:nvGrpSpPr>
+          <p:cNvPr id="58" name="Group 57">
+            <a:extLst>
+              <a:ext uri="{FF2B5EF4-FFF2-40B4-BE49-F238E27FC236}">
+                <a16:creationId xmlns:a16="http://schemas.microsoft.com/office/drawing/2014/main" id="{FAC48294-1CCA-47BE-FC53-D2561C8416F4}"/>
+              </a:ext>
+            </a:extLst>
+          </p:cNvPr>
+          <p:cNvGrpSpPr/>
+          <p:nvPr/>
+        </p:nvGrpSpPr>
+        <p:grpSpPr>
+          <a:xfrm>
+            <a:off x="4733818" y="12268442"/>
+            <a:ext cx="428040" cy="590040"/>
+            <a:chOff x="5725680" y="6722280"/>
+            <a:chExt cx="428040" cy="590040"/>
+          </a:xfrm>
+        </p:grpSpPr>
+        <mc:AlternateContent xmlns:mc="http://schemas.openxmlformats.org/markup-compatibility/2006" xmlns:p14="http://schemas.microsoft.com/office/powerpoint/2010/main">
+          <mc:Choice Requires="p14">
+            <p:contentPart p14:bwMode="auto" r:id="rId46">
+              <p14:nvContentPartPr>
+                <p14:cNvPr id="59" name="Ink 58">
+                  <a:extLst>
+                    <a:ext uri="{FF2B5EF4-FFF2-40B4-BE49-F238E27FC236}">
+                      <a16:creationId xmlns:a16="http://schemas.microsoft.com/office/drawing/2014/main" id="{07BEFCD5-9148-ABA1-7DE0-C2F0BC64E49D}"/>
+                    </a:ext>
+                  </a:extLst>
+                </p14:cNvPr>
+                <p14:cNvContentPartPr/>
+                <p14:nvPr/>
+              </p14:nvContentPartPr>
+              <p14:xfrm>
+                <a:off x="5875080" y="6722280"/>
+                <a:ext cx="39240" cy="367560"/>
+              </p14:xfrm>
+            </p:contentPart>
+          </mc:Choice>
+          <mc:Fallback xmlns="">
+            <p:pic>
+              <p:nvPicPr>
+                <p:cNvPr id="8" name="Ink 7">
+                  <a:extLst>
+                    <a:ext uri="{FF2B5EF4-FFF2-40B4-BE49-F238E27FC236}">
+                      <a16:creationId xmlns:a16="http://schemas.microsoft.com/office/drawing/2014/main" id="{90232097-83E1-8BD5-0F63-A7E7E427A3DB}"/>
+                    </a:ext>
+                  </a:extLst>
+                </p:cNvPr>
+                <p:cNvPicPr/>
+                <p:nvPr/>
+              </p:nvPicPr>
+              <p:blipFill>
+                <a:blip r:embed="rId20"/>
+                <a:stretch>
+                  <a:fillRect/>
+                </a:stretch>
+              </p:blipFill>
+              <p:spPr>
+                <a:xfrm>
+                  <a:off x="5857440" y="6704640"/>
+                  <a:ext cx="74880" cy="403200"/>
+                </a:xfrm>
+                <a:prstGeom prst="rect">
+                  <a:avLst/>
+                </a:prstGeom>
+              </p:spPr>
+            </p:pic>
+          </mc:Fallback>
+        </mc:AlternateContent>
+        <mc:AlternateContent xmlns:mc="http://schemas.openxmlformats.org/markup-compatibility/2006" xmlns:p14="http://schemas.microsoft.com/office/powerpoint/2010/main">
+          <mc:Choice Requires="p14">
+            <p:contentPart p14:bwMode="auto" r:id="rId47">
+              <p14:nvContentPartPr>
+                <p14:cNvPr id="61" name="Ink 60">
+                  <a:extLst>
+                    <a:ext uri="{FF2B5EF4-FFF2-40B4-BE49-F238E27FC236}">
+                      <a16:creationId xmlns:a16="http://schemas.microsoft.com/office/drawing/2014/main" id="{4DACDBBA-FEB9-C81B-B932-CDB9D6D8D7E8}"/>
+                    </a:ext>
+                  </a:extLst>
+                </p14:cNvPr>
+                <p14:cNvContentPartPr/>
+                <p14:nvPr/>
+              </p14:nvContentPartPr>
+              <p14:xfrm>
+                <a:off x="5877960" y="6936120"/>
+                <a:ext cx="275760" cy="169560"/>
+              </p14:xfrm>
+            </p:contentPart>
+          </mc:Choice>
+          <mc:Fallback xmlns="">
+            <p:pic>
+              <p:nvPicPr>
+                <p:cNvPr id="9" name="Ink 8">
+                  <a:extLst>
+                    <a:ext uri="{FF2B5EF4-FFF2-40B4-BE49-F238E27FC236}">
+                      <a16:creationId xmlns:a16="http://schemas.microsoft.com/office/drawing/2014/main" id="{BCE62E94-0E9E-9D6F-D633-5D785B291ABA}"/>
+                    </a:ext>
+                  </a:extLst>
+                </p:cNvPr>
+                <p:cNvPicPr/>
+                <p:nvPr/>
+              </p:nvPicPr>
+              <p:blipFill>
+                <a:blip r:embed="rId22"/>
+                <a:stretch>
+                  <a:fillRect/>
+                </a:stretch>
+              </p:blipFill>
+              <p:spPr>
+                <a:xfrm>
+                  <a:off x="5860320" y="6918120"/>
+                  <a:ext cx="311400" cy="205200"/>
+                </a:xfrm>
+                <a:prstGeom prst="rect">
+                  <a:avLst/>
+                </a:prstGeom>
+              </p:spPr>
+            </p:pic>
+          </mc:Fallback>
+        </mc:AlternateContent>
+        <mc:AlternateContent xmlns:mc="http://schemas.openxmlformats.org/markup-compatibility/2006" xmlns:p14="http://schemas.microsoft.com/office/powerpoint/2010/main">
+          <mc:Choice Requires="p14">
+            <p:contentPart p14:bwMode="auto" r:id="rId48">
+              <p14:nvContentPartPr>
+                <p14:cNvPr id="64" name="Ink 63">
+                  <a:extLst>
+                    <a:ext uri="{FF2B5EF4-FFF2-40B4-BE49-F238E27FC236}">
+                      <a16:creationId xmlns:a16="http://schemas.microsoft.com/office/drawing/2014/main" id="{578252C3-142B-CEBA-05DE-F09E784FE378}"/>
+                    </a:ext>
+                  </a:extLst>
+                </p14:cNvPr>
+                <p14:cNvContentPartPr/>
+                <p14:nvPr/>
+              </p14:nvContentPartPr>
+              <p14:xfrm>
+                <a:off x="5725680" y="7133040"/>
+                <a:ext cx="229320" cy="179280"/>
+              </p14:xfrm>
+            </p:contentPart>
+          </mc:Choice>
+          <mc:Fallback xmlns="">
+            <p:pic>
+              <p:nvPicPr>
+                <p:cNvPr id="11" name="Ink 10">
+                  <a:extLst>
+                    <a:ext uri="{FF2B5EF4-FFF2-40B4-BE49-F238E27FC236}">
+                      <a16:creationId xmlns:a16="http://schemas.microsoft.com/office/drawing/2014/main" id="{6F5C41E4-5790-3BA3-3708-2A70214CCA73}"/>
+                    </a:ext>
+                  </a:extLst>
+                </p:cNvPr>
+                <p:cNvPicPr/>
+                <p:nvPr/>
+              </p:nvPicPr>
+              <p:blipFill>
+                <a:blip r:embed="rId24"/>
+                <a:stretch>
+                  <a:fillRect/>
+                </a:stretch>
+              </p:blipFill>
+              <p:spPr>
+                <a:xfrm>
+                  <a:off x="5707680" y="7115040"/>
+                  <a:ext cx="264960" cy="214920"/>
+                </a:xfrm>
+                <a:prstGeom prst="rect">
+                  <a:avLst/>
+                </a:prstGeom>
+              </p:spPr>
+            </p:pic>
+          </mc:Fallback>
+        </mc:AlternateContent>
+      </p:grpSp>
+      <mc:AlternateContent xmlns:mc="http://schemas.openxmlformats.org/markup-compatibility/2006">
+        <mc:Choice xmlns:p14="http://schemas.microsoft.com/office/powerpoint/2010/main" Requires="p14">
+          <p:contentPart p14:bwMode="auto" r:id="rId49">
+            <p14:nvContentPartPr>
+              <p14:cNvPr id="65" name="Ink 64">
+                <a:extLst>
+                  <a:ext uri="{FF2B5EF4-FFF2-40B4-BE49-F238E27FC236}">
+                    <a16:creationId xmlns:a16="http://schemas.microsoft.com/office/drawing/2014/main" id="{C6EDA57B-506A-FF03-D618-C0F40C285503}"/>
+                  </a:ext>
+                </a:extLst>
+              </p14:cNvPr>
+              <p14:cNvContentPartPr/>
+              <p14:nvPr/>
+            </p14:nvContentPartPr>
+            <p14:xfrm>
+              <a:off x="7283453" y="12701974"/>
+              <a:ext cx="136800" cy="171000"/>
+            </p14:xfrm>
+          </p:contentPart>
+        </mc:Choice>
+        <mc:Fallback>
+          <p:pic>
+            <p:nvPicPr>
+              <p:cNvPr id="65" name="Ink 64">
+                <a:extLst>
+                  <a:ext uri="{FF2B5EF4-FFF2-40B4-BE49-F238E27FC236}">
+                    <a16:creationId xmlns:a16="http://schemas.microsoft.com/office/drawing/2014/main" id="{C6EDA57B-506A-FF03-D618-C0F40C285503}"/>
+                  </a:ext>
+                </a:extLst>
+              </p:cNvPr>
+              <p:cNvPicPr/>
+              <p:nvPr/>
+            </p:nvPicPr>
+            <p:blipFill>
+              <a:blip r:embed="rId26"/>
+              <a:stretch>
+                <a:fillRect/>
+              </a:stretch>
+            </p:blipFill>
+            <p:spPr>
+              <a:xfrm>
+                <a:off x="7265453" y="12683974"/>
+                <a:ext cx="172440" cy="206640"/>
+              </a:xfrm>
+              <a:prstGeom prst="rect">
+                <a:avLst/>
+              </a:prstGeom>
+            </p:spPr>
+          </p:pic>
+        </mc:Fallback>
+      </mc:AlternateContent>
+      <p:grpSp>
+        <p:nvGrpSpPr>
+          <p:cNvPr id="66" name="Group 65">
+            <a:extLst>
+              <a:ext uri="{FF2B5EF4-FFF2-40B4-BE49-F238E27FC236}">
+                <a16:creationId xmlns:a16="http://schemas.microsoft.com/office/drawing/2014/main" id="{F4CC0E1D-4924-8B0A-2E68-B0229E2901A2}"/>
+              </a:ext>
+            </a:extLst>
+          </p:cNvPr>
+          <p:cNvGrpSpPr/>
+          <p:nvPr/>
+        </p:nvGrpSpPr>
+        <p:grpSpPr>
+          <a:xfrm>
+            <a:off x="6949740" y="12326452"/>
+            <a:ext cx="559793" cy="418002"/>
+            <a:chOff x="3942960" y="6742800"/>
+            <a:chExt cx="559793" cy="418002"/>
+          </a:xfrm>
+        </p:grpSpPr>
+        <mc:AlternateContent xmlns:mc="http://schemas.openxmlformats.org/markup-compatibility/2006" xmlns:p14="http://schemas.microsoft.com/office/powerpoint/2010/main">
+          <mc:Choice Requires="p14">
+            <p:contentPart p14:bwMode="auto" r:id="rId50">
+              <p14:nvContentPartPr>
+                <p14:cNvPr id="67" name="Ink 66">
+                  <a:extLst>
+                    <a:ext uri="{FF2B5EF4-FFF2-40B4-BE49-F238E27FC236}">
+                      <a16:creationId xmlns:a16="http://schemas.microsoft.com/office/drawing/2014/main" id="{CBB52ADD-5CDB-EC6E-843E-CBB4AF3BB1B4}"/>
+                    </a:ext>
+                  </a:extLst>
+                </p14:cNvPr>
+                <p14:cNvContentPartPr/>
+                <p14:nvPr/>
+              </p14:nvContentPartPr>
+              <p14:xfrm>
+                <a:off x="3942960" y="6883920"/>
+                <a:ext cx="329400" cy="191160"/>
+              </p14:xfrm>
+            </p:contentPart>
+          </mc:Choice>
+          <mc:Fallback xmlns="">
+            <p:pic>
+              <p:nvPicPr>
+                <p:cNvPr id="13" name="Ink 12">
+                  <a:extLst>
+                    <a:ext uri="{FF2B5EF4-FFF2-40B4-BE49-F238E27FC236}">
+                      <a16:creationId xmlns:a16="http://schemas.microsoft.com/office/drawing/2014/main" id="{CF2716CA-DD4A-A8A4-8FB0-E5F9BE7D3562}"/>
+                    </a:ext>
+                  </a:extLst>
+                </p:cNvPr>
+                <p:cNvPicPr/>
+                <p:nvPr/>
+              </p:nvPicPr>
+              <p:blipFill>
+                <a:blip r:embed="rId28"/>
+                <a:stretch>
+                  <a:fillRect/>
+                </a:stretch>
+              </p:blipFill>
+              <p:spPr>
+                <a:xfrm>
+                  <a:off x="3924960" y="6865920"/>
+                  <a:ext cx="365040" cy="226800"/>
+                </a:xfrm>
+                <a:prstGeom prst="rect">
+                  <a:avLst/>
+                </a:prstGeom>
+              </p:spPr>
+            </p:pic>
+          </mc:Fallback>
+        </mc:AlternateContent>
+        <mc:AlternateContent xmlns:mc="http://schemas.openxmlformats.org/markup-compatibility/2006" xmlns:p14="http://schemas.microsoft.com/office/powerpoint/2010/main">
+          <mc:Choice Requires="p14">
+            <p:contentPart p14:bwMode="auto" r:id="rId51">
+              <p14:nvContentPartPr>
+                <p14:cNvPr id="68" name="Ink 67">
+                  <a:extLst>
+                    <a:ext uri="{FF2B5EF4-FFF2-40B4-BE49-F238E27FC236}">
+                      <a16:creationId xmlns:a16="http://schemas.microsoft.com/office/drawing/2014/main" id="{89810E54-DC7A-6002-E723-5D0D67C3A9E2}"/>
+                    </a:ext>
+                  </a:extLst>
+                </p14:cNvPr>
+                <p14:cNvContentPartPr/>
+                <p14:nvPr/>
+              </p14:nvContentPartPr>
+              <p14:xfrm>
+                <a:off x="4199640" y="6742800"/>
+                <a:ext cx="76320" cy="371880"/>
+              </p14:xfrm>
+            </p:contentPart>
+          </mc:Choice>
+          <mc:Fallback xmlns="">
+            <p:pic>
+              <p:nvPicPr>
+                <p:cNvPr id="14" name="Ink 13">
+                  <a:extLst>
+                    <a:ext uri="{FF2B5EF4-FFF2-40B4-BE49-F238E27FC236}">
+                      <a16:creationId xmlns:a16="http://schemas.microsoft.com/office/drawing/2014/main" id="{AD2A53CC-76F6-0457-7CBF-8C4868034F45}"/>
+                    </a:ext>
+                  </a:extLst>
+                </p:cNvPr>
+                <p:cNvPicPr/>
+                <p:nvPr/>
+              </p:nvPicPr>
+              <p:blipFill>
+                <a:blip r:embed="rId30"/>
+                <a:stretch>
+                  <a:fillRect/>
+                </a:stretch>
+              </p:blipFill>
+              <p:spPr>
+                <a:xfrm>
+                  <a:off x="4182000" y="6724800"/>
+                  <a:ext cx="111960" cy="407520"/>
+                </a:xfrm>
+                <a:prstGeom prst="rect">
+                  <a:avLst/>
+                </a:prstGeom>
+              </p:spPr>
+            </p:pic>
+          </mc:Fallback>
+        </mc:AlternateContent>
+        <mc:AlternateContent xmlns:mc="http://schemas.openxmlformats.org/markup-compatibility/2006" xmlns:p14="http://schemas.microsoft.com/office/powerpoint/2010/main">
+          <mc:Choice Requires="p14">
+            <p:contentPart p14:bwMode="auto" r:id="rId52">
+              <p14:nvContentPartPr>
+                <p14:cNvPr id="69" name="Ink 68">
+                  <a:extLst>
+                    <a:ext uri="{FF2B5EF4-FFF2-40B4-BE49-F238E27FC236}">
+                      <a16:creationId xmlns:a16="http://schemas.microsoft.com/office/drawing/2014/main" id="{B295778A-C6C5-63D7-AA39-5BE2B0E2F2B0}"/>
+                    </a:ext>
+                  </a:extLst>
+                </p14:cNvPr>
+                <p14:cNvContentPartPr/>
+                <p14:nvPr/>
+              </p14:nvContentPartPr>
+              <p14:xfrm>
+                <a:off x="4308713" y="7033722"/>
+                <a:ext cx="194040" cy="127080"/>
+              </p14:xfrm>
+            </p:contentPart>
+          </mc:Choice>
+          <mc:Fallback xmlns="">
+            <p:pic>
+              <p:nvPicPr>
+                <p:cNvPr id="62" name="Ink 61">
+                  <a:extLst>
+                    <a:ext uri="{FF2B5EF4-FFF2-40B4-BE49-F238E27FC236}">
+                      <a16:creationId xmlns:a16="http://schemas.microsoft.com/office/drawing/2014/main" id="{61A755A6-EA8E-A609-7C22-712FD4A369D0}"/>
+                    </a:ext>
+                  </a:extLst>
+                </p:cNvPr>
+                <p:cNvPicPr/>
+                <p:nvPr/>
+              </p:nvPicPr>
+              <p:blipFill>
+                <a:blip r:embed="rId32"/>
+                <a:stretch>
+                  <a:fillRect/>
+                </a:stretch>
+              </p:blipFill>
+              <p:spPr>
+                <a:xfrm>
+                  <a:off x="4291073" y="7015722"/>
+                  <a:ext cx="229680" cy="162720"/>
+                </a:xfrm>
+                <a:prstGeom prst="rect">
+                  <a:avLst/>
+                </a:prstGeom>
+              </p:spPr>
+            </p:pic>
+          </mc:Fallback>
+        </mc:AlternateContent>
+      </p:grpSp>
+      <p:sp>
+        <p:nvSpPr>
+          <p:cNvPr id="70" name="TextBox 69">
+            <a:extLst>
+              <a:ext uri="{FF2B5EF4-FFF2-40B4-BE49-F238E27FC236}">
+                <a16:creationId xmlns:a16="http://schemas.microsoft.com/office/drawing/2014/main" id="{024B1BCB-7085-34A0-4AD7-1B904FF5BD23}"/>
+              </a:ext>
+            </a:extLst>
+          </p:cNvPr>
+          <p:cNvSpPr txBox="1"/>
+          <p:nvPr/>
+        </p:nvSpPr>
+        <p:spPr>
+          <a:xfrm>
+            <a:off x="4987631" y="10470230"/>
+            <a:ext cx="1901841" cy="830997"/>
+          </a:xfrm>
+          <a:prstGeom prst="rect">
+            <a:avLst/>
+          </a:prstGeom>
+          <a:noFill/>
+        </p:spPr>
+        <p:txBody>
+          <a:bodyPr wrap="square" rtlCol="0">
+            <a:spAutoFit/>
+          </a:bodyPr>
+          <a:lstStyle/>
+          <a:p>
+            <a:pPr algn="ctr"/>
+            <a:r>
+              <a:rPr lang="en-US" sz="2400" dirty="0">
+                <a:latin typeface="Times" pitchFamily="2" charset="0"/>
+              </a:rPr>
+              <a:t>Experimental intervention</a:t>
             </a:r>
           </a:p>
         </p:txBody>
@@ -8404,8 +10488,8 @@
           <a:chExt cx="0" cy="0"/>
         </a:xfrm>
       </p:grpSpPr>
-      <mc:AlternateContent xmlns:mc="http://schemas.openxmlformats.org/markup-compatibility/2006">
-        <mc:Choice xmlns:p14="http://schemas.microsoft.com/office/powerpoint/2010/main" Requires="p14">
+      <mc:AlternateContent xmlns:mc="http://schemas.openxmlformats.org/markup-compatibility/2006" xmlns:p14="http://schemas.microsoft.com/office/powerpoint/2010/main">
+        <mc:Choice Requires="p14">
           <p:contentPart p14:bwMode="auto" r:id="rId2">
             <p14:nvContentPartPr>
               <p14:cNvPr id="37" name="Ink 36">
@@ -8424,7 +10508,7 @@
             </p14:xfrm>
           </p:contentPart>
         </mc:Choice>
-        <mc:Fallback>
+        <mc:Fallback xmlns="">
           <p:pic>
             <p:nvPicPr>
               <p:cNvPr id="37" name="Ink 36">
@@ -8455,8 +10539,8 @@
           </p:pic>
         </mc:Fallback>
       </mc:AlternateContent>
-      <mc:AlternateContent xmlns:mc="http://schemas.openxmlformats.org/markup-compatibility/2006">
-        <mc:Choice xmlns:p14="http://schemas.microsoft.com/office/powerpoint/2010/main" Requires="p14">
+      <mc:AlternateContent xmlns:mc="http://schemas.openxmlformats.org/markup-compatibility/2006" xmlns:p14="http://schemas.microsoft.com/office/powerpoint/2010/main">
+        <mc:Choice Requires="p14">
           <p:contentPart p14:bwMode="auto" r:id="rId4">
             <p14:nvContentPartPr>
               <p14:cNvPr id="40" name="Ink 39">
@@ -8475,7 +10559,7 @@
             </p14:xfrm>
           </p:contentPart>
         </mc:Choice>
-        <mc:Fallback>
+        <mc:Fallback xmlns="">
           <p:pic>
             <p:nvPicPr>
               <p:cNvPr id="40" name="Ink 39">
@@ -8578,8 +10662,8 @@
           </a:p>
         </p:txBody>
       </p:sp>
-      <mc:AlternateContent xmlns:mc="http://schemas.openxmlformats.org/markup-compatibility/2006">
-        <mc:Choice xmlns:p14="http://schemas.microsoft.com/office/powerpoint/2010/main" Requires="p14">
+      <mc:AlternateContent xmlns:mc="http://schemas.openxmlformats.org/markup-compatibility/2006" xmlns:p14="http://schemas.microsoft.com/office/powerpoint/2010/main">
+        <mc:Choice Requires="p14">
           <p:contentPart p14:bwMode="auto" r:id="rId5">
             <p14:nvContentPartPr>
               <p14:cNvPr id="43" name="Ink 42">
@@ -8598,7 +10682,7 @@
             </p14:xfrm>
           </p:contentPart>
         </mc:Choice>
-        <mc:Fallback>
+        <mc:Fallback xmlns="">
           <p:pic>
             <p:nvPicPr>
               <p:cNvPr id="43" name="Ink 42">
@@ -8685,8 +10769,8 @@
             <a:chExt cx="798120" cy="716400"/>
           </a:xfrm>
         </p:grpSpPr>
-        <mc:AlternateContent xmlns:mc="http://schemas.openxmlformats.org/markup-compatibility/2006">
-          <mc:Choice xmlns:p14="http://schemas.microsoft.com/office/powerpoint/2010/main" Requires="p14">
+        <mc:AlternateContent xmlns:mc="http://schemas.openxmlformats.org/markup-compatibility/2006" xmlns:p14="http://schemas.microsoft.com/office/powerpoint/2010/main">
+          <mc:Choice Requires="p14">
             <p:contentPart p14:bwMode="auto" r:id="rId6">
               <p14:nvContentPartPr>
                 <p14:cNvPr id="45" name="Ink 44">
@@ -8705,7 +10789,7 @@
               </p14:xfrm>
             </p:contentPart>
           </mc:Choice>
-          <mc:Fallback>
+          <mc:Fallback xmlns="">
             <p:pic>
               <p:nvPicPr>
                 <p:cNvPr id="45" name="Ink 44">
@@ -8736,8 +10820,8 @@
             </p:pic>
           </mc:Fallback>
         </mc:AlternateContent>
-        <mc:AlternateContent xmlns:mc="http://schemas.openxmlformats.org/markup-compatibility/2006">
-          <mc:Choice xmlns:p14="http://schemas.microsoft.com/office/powerpoint/2010/main" Requires="p14">
+        <mc:AlternateContent xmlns:mc="http://schemas.openxmlformats.org/markup-compatibility/2006" xmlns:p14="http://schemas.microsoft.com/office/powerpoint/2010/main">
+          <mc:Choice Requires="p14">
             <p:contentPart p14:bwMode="auto" r:id="rId8">
               <p14:nvContentPartPr>
                 <p14:cNvPr id="46" name="Ink 45">
@@ -8756,7 +10840,7 @@
               </p14:xfrm>
             </p:contentPart>
           </mc:Choice>
-          <mc:Fallback>
+          <mc:Fallback xmlns="">
             <p:pic>
               <p:nvPicPr>
                 <p:cNvPr id="46" name="Ink 45">
@@ -8808,8 +10892,8 @@
             <a:chExt cx="712440" cy="658440"/>
           </a:xfrm>
         </p:grpSpPr>
-        <mc:AlternateContent xmlns:mc="http://schemas.openxmlformats.org/markup-compatibility/2006">
-          <mc:Choice xmlns:p14="http://schemas.microsoft.com/office/powerpoint/2010/main" Requires="p14">
+        <mc:AlternateContent xmlns:mc="http://schemas.openxmlformats.org/markup-compatibility/2006" xmlns:p14="http://schemas.microsoft.com/office/powerpoint/2010/main">
+          <mc:Choice Requires="p14">
             <p:contentPart p14:bwMode="auto" r:id="rId10">
               <p14:nvContentPartPr>
                 <p14:cNvPr id="48" name="Ink 47">
@@ -8828,7 +10912,7 @@
               </p14:xfrm>
             </p:contentPart>
           </mc:Choice>
-          <mc:Fallback>
+          <mc:Fallback xmlns="">
             <p:pic>
               <p:nvPicPr>
                 <p:cNvPr id="48" name="Ink 47">
@@ -8859,8 +10943,8 @@
             </p:pic>
           </mc:Fallback>
         </mc:AlternateContent>
-        <mc:AlternateContent xmlns:mc="http://schemas.openxmlformats.org/markup-compatibility/2006">
-          <mc:Choice xmlns:p14="http://schemas.microsoft.com/office/powerpoint/2010/main" Requires="p14">
+        <mc:AlternateContent xmlns:mc="http://schemas.openxmlformats.org/markup-compatibility/2006" xmlns:p14="http://schemas.microsoft.com/office/powerpoint/2010/main">
+          <mc:Choice Requires="p14">
             <p:contentPart p14:bwMode="auto" r:id="rId12">
               <p14:nvContentPartPr>
                 <p14:cNvPr id="49" name="Ink 48">
@@ -8879,7 +10963,7 @@
               </p14:xfrm>
             </p:contentPart>
           </mc:Choice>
-          <mc:Fallback>
+          <mc:Fallback xmlns="">
             <p:pic>
               <p:nvPicPr>
                 <p:cNvPr id="49" name="Ink 48">
@@ -8981,8 +11065,8 @@
           </a:p>
         </p:txBody>
       </p:sp>
-      <mc:AlternateContent xmlns:mc="http://schemas.openxmlformats.org/markup-compatibility/2006">
-        <mc:Choice xmlns:p14="http://schemas.microsoft.com/office/powerpoint/2010/main" Requires="p14">
+      <mc:AlternateContent xmlns:mc="http://schemas.openxmlformats.org/markup-compatibility/2006" xmlns:p14="http://schemas.microsoft.com/office/powerpoint/2010/main">
+        <mc:Choice Requires="p14">
           <p:contentPart p14:bwMode="auto" r:id="rId14">
             <p14:nvContentPartPr>
               <p14:cNvPr id="2" name="Ink 1">
@@ -9001,7 +11085,7 @@
             </p14:xfrm>
           </p:contentPart>
         </mc:Choice>
-        <mc:Fallback>
+        <mc:Fallback xmlns="">
           <p:pic>
             <p:nvPicPr>
               <p:cNvPr id="2" name="Ink 1">
@@ -9052,8 +11136,8 @@
             <a:chExt cx="360" cy="360"/>
           </a:xfrm>
         </p:grpSpPr>
-        <mc:AlternateContent xmlns:mc="http://schemas.openxmlformats.org/markup-compatibility/2006">
-          <mc:Choice xmlns:p14="http://schemas.microsoft.com/office/powerpoint/2010/main" Requires="p14">
+        <mc:AlternateContent xmlns:mc="http://schemas.openxmlformats.org/markup-compatibility/2006" xmlns:p14="http://schemas.microsoft.com/office/powerpoint/2010/main">
+          <mc:Choice Requires="p14">
             <p:contentPart p14:bwMode="auto" r:id="rId16">
               <p14:nvContentPartPr>
                 <p14:cNvPr id="3" name="Ink 2">
@@ -9072,7 +11156,7 @@
               </p14:xfrm>
             </p:contentPart>
           </mc:Choice>
-          <mc:Fallback>
+          <mc:Fallback xmlns="">
             <p:pic>
               <p:nvPicPr>
                 <p:cNvPr id="3" name="Ink 2">
@@ -9103,8 +11187,8 @@
             </p:pic>
           </mc:Fallback>
         </mc:AlternateContent>
-        <mc:AlternateContent xmlns:mc="http://schemas.openxmlformats.org/markup-compatibility/2006">
-          <mc:Choice xmlns:p14="http://schemas.microsoft.com/office/powerpoint/2010/main" Requires="p14">
+        <mc:AlternateContent xmlns:mc="http://schemas.openxmlformats.org/markup-compatibility/2006" xmlns:p14="http://schemas.microsoft.com/office/powerpoint/2010/main">
+          <mc:Choice Requires="p14">
             <p:contentPart p14:bwMode="auto" r:id="rId18">
               <p14:nvContentPartPr>
                 <p14:cNvPr id="4" name="Ink 3">
@@ -9123,7 +11207,7 @@
               </p14:xfrm>
             </p:contentPart>
           </mc:Choice>
-          <mc:Fallback>
+          <mc:Fallback xmlns="">
             <p:pic>
               <p:nvPicPr>
                 <p:cNvPr id="4" name="Ink 3">
@@ -9175,8 +11259,8 @@
             <a:chExt cx="428040" cy="590040"/>
           </a:xfrm>
         </p:grpSpPr>
-        <mc:AlternateContent xmlns:mc="http://schemas.openxmlformats.org/markup-compatibility/2006">
-          <mc:Choice xmlns:p14="http://schemas.microsoft.com/office/powerpoint/2010/main" Requires="p14">
+        <mc:AlternateContent xmlns:mc="http://schemas.openxmlformats.org/markup-compatibility/2006" xmlns:p14="http://schemas.microsoft.com/office/powerpoint/2010/main">
+          <mc:Choice Requires="p14">
             <p:contentPart p14:bwMode="auto" r:id="rId19">
               <p14:nvContentPartPr>
                 <p14:cNvPr id="8" name="Ink 7">
@@ -9195,7 +11279,7 @@
               </p14:xfrm>
             </p:contentPart>
           </mc:Choice>
-          <mc:Fallback>
+          <mc:Fallback xmlns="">
             <p:pic>
               <p:nvPicPr>
                 <p:cNvPr id="8" name="Ink 7">
@@ -9226,8 +11310,8 @@
             </p:pic>
           </mc:Fallback>
         </mc:AlternateContent>
-        <mc:AlternateContent xmlns:mc="http://schemas.openxmlformats.org/markup-compatibility/2006">
-          <mc:Choice xmlns:p14="http://schemas.microsoft.com/office/powerpoint/2010/main" Requires="p14">
+        <mc:AlternateContent xmlns:mc="http://schemas.openxmlformats.org/markup-compatibility/2006" xmlns:p14="http://schemas.microsoft.com/office/powerpoint/2010/main">
+          <mc:Choice Requires="p14">
             <p:contentPart p14:bwMode="auto" r:id="rId21">
               <p14:nvContentPartPr>
                 <p14:cNvPr id="9" name="Ink 8">
@@ -9246,7 +11330,7 @@
               </p14:xfrm>
             </p:contentPart>
           </mc:Choice>
-          <mc:Fallback>
+          <mc:Fallback xmlns="">
             <p:pic>
               <p:nvPicPr>
                 <p:cNvPr id="9" name="Ink 8">
@@ -9277,8 +11361,8 @@
             </p:pic>
           </mc:Fallback>
         </mc:AlternateContent>
-        <mc:AlternateContent xmlns:mc="http://schemas.openxmlformats.org/markup-compatibility/2006">
-          <mc:Choice xmlns:p14="http://schemas.microsoft.com/office/powerpoint/2010/main" Requires="p14">
+        <mc:AlternateContent xmlns:mc="http://schemas.openxmlformats.org/markup-compatibility/2006" xmlns:p14="http://schemas.microsoft.com/office/powerpoint/2010/main">
+          <mc:Choice Requires="p14">
             <p:contentPart p14:bwMode="auto" r:id="rId23">
               <p14:nvContentPartPr>
                 <p14:cNvPr id="11" name="Ink 10">
@@ -9297,7 +11381,7 @@
               </p14:xfrm>
             </p:contentPart>
           </mc:Choice>
-          <mc:Fallback>
+          <mc:Fallback xmlns="">
             <p:pic>
               <p:nvPicPr>
                 <p:cNvPr id="11" name="Ink 10">
@@ -9329,8 +11413,8 @@
           </mc:Fallback>
         </mc:AlternateContent>
       </p:grpSp>
-      <mc:AlternateContent xmlns:mc="http://schemas.openxmlformats.org/markup-compatibility/2006">
-        <mc:Choice xmlns:p14="http://schemas.microsoft.com/office/powerpoint/2010/main" Requires="p14">
+      <mc:AlternateContent xmlns:mc="http://schemas.openxmlformats.org/markup-compatibility/2006" xmlns:p14="http://schemas.microsoft.com/office/powerpoint/2010/main">
+        <mc:Choice Requires="p14">
           <p:contentPart p14:bwMode="auto" r:id="rId25">
             <p14:nvContentPartPr>
               <p14:cNvPr id="60" name="Ink 59">
@@ -9349,7 +11433,7 @@
             </p14:xfrm>
           </p:contentPart>
         </mc:Choice>
-        <mc:Fallback>
+        <mc:Fallback xmlns="">
           <p:pic>
             <p:nvPicPr>
               <p:cNvPr id="60" name="Ink 59">
@@ -9400,8 +11484,8 @@
             <a:chExt cx="559793" cy="418002"/>
           </a:xfrm>
         </p:grpSpPr>
-        <mc:AlternateContent xmlns:mc="http://schemas.openxmlformats.org/markup-compatibility/2006">
-          <mc:Choice xmlns:p14="http://schemas.microsoft.com/office/powerpoint/2010/main" Requires="p14">
+        <mc:AlternateContent xmlns:mc="http://schemas.openxmlformats.org/markup-compatibility/2006" xmlns:p14="http://schemas.microsoft.com/office/powerpoint/2010/main">
+          <mc:Choice Requires="p14">
             <p:contentPart p14:bwMode="auto" r:id="rId27">
               <p14:nvContentPartPr>
                 <p14:cNvPr id="13" name="Ink 12">
@@ -9420,7 +11504,7 @@
               </p14:xfrm>
             </p:contentPart>
           </mc:Choice>
-          <mc:Fallback>
+          <mc:Fallback xmlns="">
             <p:pic>
               <p:nvPicPr>
                 <p:cNvPr id="13" name="Ink 12">
@@ -9451,8 +11535,8 @@
             </p:pic>
           </mc:Fallback>
         </mc:AlternateContent>
-        <mc:AlternateContent xmlns:mc="http://schemas.openxmlformats.org/markup-compatibility/2006">
-          <mc:Choice xmlns:p14="http://schemas.microsoft.com/office/powerpoint/2010/main" Requires="p14">
+        <mc:AlternateContent xmlns:mc="http://schemas.openxmlformats.org/markup-compatibility/2006" xmlns:p14="http://schemas.microsoft.com/office/powerpoint/2010/main">
+          <mc:Choice Requires="p14">
             <p:contentPart p14:bwMode="auto" r:id="rId29">
               <p14:nvContentPartPr>
                 <p14:cNvPr id="14" name="Ink 13">
@@ -9471,7 +11555,7 @@
               </p14:xfrm>
             </p:contentPart>
           </mc:Choice>
-          <mc:Fallback>
+          <mc:Fallback xmlns="">
             <p:pic>
               <p:nvPicPr>
                 <p:cNvPr id="14" name="Ink 13">
@@ -9502,8 +11586,8 @@
             </p:pic>
           </mc:Fallback>
         </mc:AlternateContent>
-        <mc:AlternateContent xmlns:mc="http://schemas.openxmlformats.org/markup-compatibility/2006">
-          <mc:Choice xmlns:p14="http://schemas.microsoft.com/office/powerpoint/2010/main" Requires="p14">
+        <mc:AlternateContent xmlns:mc="http://schemas.openxmlformats.org/markup-compatibility/2006" xmlns:p14="http://schemas.microsoft.com/office/powerpoint/2010/main">
+          <mc:Choice Requires="p14">
             <p:contentPart p14:bwMode="auto" r:id="rId31">
               <p14:nvContentPartPr>
                 <p14:cNvPr id="62" name="Ink 61">
@@ -9522,7 +11606,7 @@
               </p14:xfrm>
             </p:contentPart>
           </mc:Choice>
-          <mc:Fallback>
+          <mc:Fallback xmlns="">
             <p:pic>
               <p:nvPicPr>
                 <p:cNvPr id="62" name="Ink 61">
@@ -9554,8 +11638,8 @@
           </mc:Fallback>
         </mc:AlternateContent>
       </p:grpSp>
-      <mc:AlternateContent xmlns:mc="http://schemas.openxmlformats.org/markup-compatibility/2006">
-        <mc:Choice xmlns:p14="http://schemas.microsoft.com/office/powerpoint/2010/main" Requires="p14">
+      <mc:AlternateContent xmlns:mc="http://schemas.openxmlformats.org/markup-compatibility/2006" xmlns:p14="http://schemas.microsoft.com/office/powerpoint/2010/main">
+        <mc:Choice Requires="p14">
           <p:contentPart p14:bwMode="auto" r:id="rId33">
             <p14:nvContentPartPr>
               <p14:cNvPr id="31" name="Ink 30">
@@ -9574,7 +11658,7 @@
             </p14:xfrm>
           </p:contentPart>
         </mc:Choice>
-        <mc:Fallback>
+        <mc:Fallback xmlns="">
           <p:pic>
             <p:nvPicPr>
               <p:cNvPr id="31" name="Ink 30">
@@ -9679,8 +11763,8 @@
           </a:p>
         </p:txBody>
       </p:sp>
-      <mc:AlternateContent xmlns:mc="http://schemas.openxmlformats.org/markup-compatibility/2006">
-        <mc:Choice xmlns:p14="http://schemas.microsoft.com/office/powerpoint/2010/main" Requires="p14">
+      <mc:AlternateContent xmlns:mc="http://schemas.openxmlformats.org/markup-compatibility/2006" xmlns:p14="http://schemas.microsoft.com/office/powerpoint/2010/main">
+        <mc:Choice Requires="p14">
           <p:contentPart p14:bwMode="auto" r:id="rId34">
             <p14:nvContentPartPr>
               <p14:cNvPr id="10" name="Ink 9">
@@ -9699,7 +11783,7 @@
             </p14:xfrm>
           </p:contentPart>
         </mc:Choice>
-        <mc:Fallback>
+        <mc:Fallback xmlns="">
           <p:pic>
             <p:nvPicPr>
               <p:cNvPr id="10" name="Ink 9">
@@ -9730,8 +11814,8 @@
           </p:pic>
         </mc:Fallback>
       </mc:AlternateContent>
-      <mc:AlternateContent xmlns:mc="http://schemas.openxmlformats.org/markup-compatibility/2006">
-        <mc:Choice xmlns:p14="http://schemas.microsoft.com/office/powerpoint/2010/main" Requires="p14">
+      <mc:AlternateContent xmlns:mc="http://schemas.openxmlformats.org/markup-compatibility/2006" xmlns:p14="http://schemas.microsoft.com/office/powerpoint/2010/main">
+        <mc:Choice Requires="p14">
           <p:contentPart p14:bwMode="auto" r:id="rId36">
             <p14:nvContentPartPr>
               <p14:cNvPr id="16" name="Ink 15">
@@ -9750,7 +11834,7 @@
             </p14:xfrm>
           </p:contentPart>
         </mc:Choice>
-        <mc:Fallback>
+        <mc:Fallback xmlns="">
           <p:pic>
             <p:nvPicPr>
               <p:cNvPr id="16" name="Ink 15">
@@ -9781,8 +11865,8 @@
           </p:pic>
         </mc:Fallback>
       </mc:AlternateContent>
-      <mc:AlternateContent xmlns:mc="http://schemas.openxmlformats.org/markup-compatibility/2006">
-        <mc:Choice xmlns:p14="http://schemas.microsoft.com/office/powerpoint/2010/main" Requires="p14">
+      <mc:AlternateContent xmlns:mc="http://schemas.openxmlformats.org/markup-compatibility/2006" xmlns:p14="http://schemas.microsoft.com/office/powerpoint/2010/main">
+        <mc:Choice Requires="p14">
           <p:contentPart p14:bwMode="auto" r:id="rId38">
             <p14:nvContentPartPr>
               <p14:cNvPr id="18" name="Ink 17">
@@ -9801,7 +11885,7 @@
             </p14:xfrm>
           </p:contentPart>
         </mc:Choice>
-        <mc:Fallback>
+        <mc:Fallback xmlns="">
           <p:pic>
             <p:nvPicPr>
               <p:cNvPr id="18" name="Ink 17">
@@ -9832,8 +11916,8 @@
           </p:pic>
         </mc:Fallback>
       </mc:AlternateContent>
-      <mc:AlternateContent xmlns:mc="http://schemas.openxmlformats.org/markup-compatibility/2006">
-        <mc:Choice xmlns:p14="http://schemas.microsoft.com/office/powerpoint/2010/main" Requires="p14">
+      <mc:AlternateContent xmlns:mc="http://schemas.openxmlformats.org/markup-compatibility/2006" xmlns:p14="http://schemas.microsoft.com/office/powerpoint/2010/main">
+        <mc:Choice Requires="p14">
           <p:contentPart p14:bwMode="auto" r:id="rId40">
             <p14:nvContentPartPr>
               <p14:cNvPr id="19" name="Ink 18">
@@ -9852,7 +11936,7 @@
             </p14:xfrm>
           </p:contentPart>
         </mc:Choice>
-        <mc:Fallback>
+        <mc:Fallback xmlns="">
           <p:pic>
             <p:nvPicPr>
               <p:cNvPr id="19" name="Ink 18">
@@ -9883,8 +11967,8 @@
           </p:pic>
         </mc:Fallback>
       </mc:AlternateContent>
-      <mc:AlternateContent xmlns:mc="http://schemas.openxmlformats.org/markup-compatibility/2006">
-        <mc:Choice xmlns:p14="http://schemas.microsoft.com/office/powerpoint/2010/main" Requires="p14">
+      <mc:AlternateContent xmlns:mc="http://schemas.openxmlformats.org/markup-compatibility/2006" xmlns:p14="http://schemas.microsoft.com/office/powerpoint/2010/main">
+        <mc:Choice Requires="p14">
           <p:contentPart p14:bwMode="auto" r:id="rId42">
             <p14:nvContentPartPr>
               <p14:cNvPr id="55" name="Ink 54">
@@ -9903,7 +11987,7 @@
             </p14:xfrm>
           </p:contentPart>
         </mc:Choice>
-        <mc:Fallback>
+        <mc:Fallback xmlns="">
           <p:pic>
             <p:nvPicPr>
               <p:cNvPr id="55" name="Ink 54">
@@ -9954,8 +12038,8 @@
             <a:chExt cx="559793" cy="418002"/>
           </a:xfrm>
         </p:grpSpPr>
-        <mc:AlternateContent xmlns:mc="http://schemas.openxmlformats.org/markup-compatibility/2006">
-          <mc:Choice xmlns:p14="http://schemas.microsoft.com/office/powerpoint/2010/main" Requires="p14">
+        <mc:AlternateContent xmlns:mc="http://schemas.openxmlformats.org/markup-compatibility/2006" xmlns:p14="http://schemas.microsoft.com/office/powerpoint/2010/main">
+          <mc:Choice Requires="p14">
             <p:contentPart p14:bwMode="auto" r:id="rId43">
               <p14:nvContentPartPr>
                 <p14:cNvPr id="59" name="Ink 58">
@@ -9974,7 +12058,7 @@
               </p14:xfrm>
             </p:contentPart>
           </mc:Choice>
-          <mc:Fallback>
+          <mc:Fallback xmlns="">
             <p:pic>
               <p:nvPicPr>
                 <p:cNvPr id="59" name="Ink 58">
@@ -10005,8 +12089,8 @@
             </p:pic>
           </mc:Fallback>
         </mc:AlternateContent>
-        <mc:AlternateContent xmlns:mc="http://schemas.openxmlformats.org/markup-compatibility/2006">
-          <mc:Choice xmlns:p14="http://schemas.microsoft.com/office/powerpoint/2010/main" Requires="p14">
+        <mc:AlternateContent xmlns:mc="http://schemas.openxmlformats.org/markup-compatibility/2006" xmlns:p14="http://schemas.microsoft.com/office/powerpoint/2010/main">
+          <mc:Choice Requires="p14">
             <p:contentPart p14:bwMode="auto" r:id="rId44">
               <p14:nvContentPartPr>
                 <p14:cNvPr id="61" name="Ink 60">
@@ -10025,7 +12109,7 @@
               </p14:xfrm>
             </p:contentPart>
           </mc:Choice>
-          <mc:Fallback>
+          <mc:Fallback xmlns="">
             <p:pic>
               <p:nvPicPr>
                 <p:cNvPr id="61" name="Ink 60">
@@ -10056,8 +12140,8 @@
             </p:pic>
           </mc:Fallback>
         </mc:AlternateContent>
-        <mc:AlternateContent xmlns:mc="http://schemas.openxmlformats.org/markup-compatibility/2006">
-          <mc:Choice xmlns:p14="http://schemas.microsoft.com/office/powerpoint/2010/main" Requires="p14">
+        <mc:AlternateContent xmlns:mc="http://schemas.openxmlformats.org/markup-compatibility/2006" xmlns:p14="http://schemas.microsoft.com/office/powerpoint/2010/main">
+          <mc:Choice Requires="p14">
             <p:contentPart p14:bwMode="auto" r:id="rId45">
               <p14:nvContentPartPr>
                 <p14:cNvPr id="64" name="Ink 63">
@@ -10076,7 +12160,7 @@
               </p14:xfrm>
             </p:contentPart>
           </mc:Choice>
-          <mc:Fallback>
+          <mc:Fallback xmlns="">
             <p:pic>
               <p:nvPicPr>
                 <p:cNvPr id="64" name="Ink 63">
@@ -10128,8 +12212,8 @@
             <a:chExt cx="428040" cy="590040"/>
           </a:xfrm>
         </p:grpSpPr>
-        <mc:AlternateContent xmlns:mc="http://schemas.openxmlformats.org/markup-compatibility/2006">
-          <mc:Choice xmlns:p14="http://schemas.microsoft.com/office/powerpoint/2010/main" Requires="p14">
+        <mc:AlternateContent xmlns:mc="http://schemas.openxmlformats.org/markup-compatibility/2006" xmlns:p14="http://schemas.microsoft.com/office/powerpoint/2010/main">
+          <mc:Choice Requires="p14">
             <p:contentPart p14:bwMode="auto" r:id="rId46">
               <p14:nvContentPartPr>
                 <p14:cNvPr id="66" name="Ink 65">
@@ -10148,7 +12232,7 @@
               </p14:xfrm>
             </p:contentPart>
           </mc:Choice>
-          <mc:Fallback>
+          <mc:Fallback xmlns="">
             <p:pic>
               <p:nvPicPr>
                 <p:cNvPr id="66" name="Ink 65">
@@ -10179,8 +12263,8 @@
             </p:pic>
           </mc:Fallback>
         </mc:AlternateContent>
-        <mc:AlternateContent xmlns:mc="http://schemas.openxmlformats.org/markup-compatibility/2006">
-          <mc:Choice xmlns:p14="http://schemas.microsoft.com/office/powerpoint/2010/main" Requires="p14">
+        <mc:AlternateContent xmlns:mc="http://schemas.openxmlformats.org/markup-compatibility/2006" xmlns:p14="http://schemas.microsoft.com/office/powerpoint/2010/main">
+          <mc:Choice Requires="p14">
             <p:contentPart p14:bwMode="auto" r:id="rId47">
               <p14:nvContentPartPr>
                 <p14:cNvPr id="67" name="Ink 66">
@@ -10199,7 +12283,7 @@
               </p14:xfrm>
             </p:contentPart>
           </mc:Choice>
-          <mc:Fallback>
+          <mc:Fallback xmlns="">
             <p:pic>
               <p:nvPicPr>
                 <p:cNvPr id="67" name="Ink 66">
@@ -10230,8 +12314,8 @@
             </p:pic>
           </mc:Fallback>
         </mc:AlternateContent>
-        <mc:AlternateContent xmlns:mc="http://schemas.openxmlformats.org/markup-compatibility/2006">
-          <mc:Choice xmlns:p14="http://schemas.microsoft.com/office/powerpoint/2010/main" Requires="p14">
+        <mc:AlternateContent xmlns:mc="http://schemas.openxmlformats.org/markup-compatibility/2006" xmlns:p14="http://schemas.microsoft.com/office/powerpoint/2010/main">
+          <mc:Choice Requires="p14">
             <p:contentPart p14:bwMode="auto" r:id="rId48">
               <p14:nvContentPartPr>
                 <p14:cNvPr id="68" name="Ink 67">
@@ -10250,7 +12334,7 @@
               </p14:xfrm>
             </p:contentPart>
           </mc:Choice>
-          <mc:Fallback>
+          <mc:Fallback xmlns="">
             <p:pic>
               <p:nvPicPr>
                 <p:cNvPr id="68" name="Ink 67">
@@ -10286,6 +12370,1899 @@
     <p:extLst>
       <p:ext uri="{BB962C8B-B14F-4D97-AF65-F5344CB8AC3E}">
         <p14:creationId xmlns:p14="http://schemas.microsoft.com/office/powerpoint/2010/main" val="2883395995"/>
+      </p:ext>
+    </p:extLst>
+  </p:cSld>
+  <p:clrMapOvr>
+    <a:masterClrMapping/>
+  </p:clrMapOvr>
+</p:sld>
+</file>
+
+<file path=ppt/slides/slide4.xml><?xml version="1.0" encoding="utf-8"?>
+<p:sld xmlns:a="http://schemas.openxmlformats.org/drawingml/2006/main" xmlns:r="http://schemas.openxmlformats.org/officeDocument/2006/relationships" xmlns:p="http://schemas.openxmlformats.org/presentationml/2006/main">
+  <p:cSld>
+    <p:spTree>
+      <p:nvGrpSpPr>
+        <p:cNvPr id="1" name=""/>
+        <p:cNvGrpSpPr/>
+        <p:nvPr/>
+      </p:nvGrpSpPr>
+      <p:grpSpPr>
+        <a:xfrm>
+          <a:off x="0" y="0"/>
+          <a:ext cx="0" cy="0"/>
+          <a:chOff x="0" y="0"/>
+          <a:chExt cx="0" cy="0"/>
+        </a:xfrm>
+      </p:grpSpPr>
+      <mc:AlternateContent xmlns:mc="http://schemas.openxmlformats.org/markup-compatibility/2006">
+        <mc:Choice xmlns:p14="http://schemas.microsoft.com/office/powerpoint/2010/main" Requires="p14">
+          <p:contentPart p14:bwMode="auto" r:id="rId2">
+            <p14:nvContentPartPr>
+              <p14:cNvPr id="37" name="Ink 36">
+                <a:extLst>
+                  <a:ext uri="{FF2B5EF4-FFF2-40B4-BE49-F238E27FC236}">
+                    <a16:creationId xmlns:a16="http://schemas.microsoft.com/office/drawing/2014/main" id="{CF1D74FF-7A9F-1627-7500-1F8CEC8042DB}"/>
+                  </a:ext>
+                </a:extLst>
+              </p14:cNvPr>
+              <p14:cNvContentPartPr/>
+              <p14:nvPr/>
+            </p14:nvContentPartPr>
+            <p14:xfrm>
+              <a:off x="2181360" y="5822040"/>
+              <a:ext cx="1677960" cy="1494000"/>
+            </p14:xfrm>
+          </p:contentPart>
+        </mc:Choice>
+        <mc:Fallback>
+          <p:pic>
+            <p:nvPicPr>
+              <p:cNvPr id="37" name="Ink 36">
+                <a:extLst>
+                  <a:ext uri="{FF2B5EF4-FFF2-40B4-BE49-F238E27FC236}">
+                    <a16:creationId xmlns:a16="http://schemas.microsoft.com/office/drawing/2014/main" id="{CF1D74FF-7A9F-1627-7500-1F8CEC8042DB}"/>
+                  </a:ext>
+                </a:extLst>
+              </p:cNvPr>
+              <p:cNvPicPr/>
+              <p:nvPr/>
+            </p:nvPicPr>
+            <p:blipFill>
+              <a:blip r:embed="rId3"/>
+              <a:stretch>
+                <a:fillRect/>
+              </a:stretch>
+            </p:blipFill>
+            <p:spPr>
+              <a:xfrm>
+                <a:off x="2163364" y="5804036"/>
+                <a:ext cx="1713592" cy="1529649"/>
+              </a:xfrm>
+              <a:prstGeom prst="rect">
+                <a:avLst/>
+              </a:prstGeom>
+            </p:spPr>
+          </p:pic>
+        </mc:Fallback>
+      </mc:AlternateContent>
+      <mc:AlternateContent xmlns:mc="http://schemas.openxmlformats.org/markup-compatibility/2006">
+        <mc:Choice xmlns:p14="http://schemas.microsoft.com/office/powerpoint/2010/main" Requires="p14">
+          <p:contentPart p14:bwMode="auto" r:id="rId4">
+            <p14:nvContentPartPr>
+              <p14:cNvPr id="40" name="Ink 39">
+                <a:extLst>
+                  <a:ext uri="{FF2B5EF4-FFF2-40B4-BE49-F238E27FC236}">
+                    <a16:creationId xmlns:a16="http://schemas.microsoft.com/office/drawing/2014/main" id="{FAEEBEC9-D759-72F5-3B6E-05ABF0D6EF12}"/>
+                  </a:ext>
+                </a:extLst>
+              </p14:cNvPr>
+              <p14:cNvContentPartPr/>
+              <p14:nvPr/>
+            </p14:nvContentPartPr>
+            <p14:xfrm>
+              <a:off x="6096000" y="5807280"/>
+              <a:ext cx="1677960" cy="1494000"/>
+            </p14:xfrm>
+          </p:contentPart>
+        </mc:Choice>
+        <mc:Fallback>
+          <p:pic>
+            <p:nvPicPr>
+              <p:cNvPr id="40" name="Ink 39">
+                <a:extLst>
+                  <a:ext uri="{FF2B5EF4-FFF2-40B4-BE49-F238E27FC236}">
+                    <a16:creationId xmlns:a16="http://schemas.microsoft.com/office/drawing/2014/main" id="{FAEEBEC9-D759-72F5-3B6E-05ABF0D6EF12}"/>
+                  </a:ext>
+                </a:extLst>
+              </p:cNvPr>
+              <p:cNvPicPr/>
+              <p:nvPr/>
+            </p:nvPicPr>
+            <p:blipFill>
+              <a:blip r:embed="rId3"/>
+              <a:stretch>
+                <a:fillRect/>
+              </a:stretch>
+            </p:blipFill>
+            <p:spPr>
+              <a:xfrm>
+                <a:off x="6078004" y="5789276"/>
+                <a:ext cx="1713592" cy="1529649"/>
+              </a:xfrm>
+              <a:prstGeom prst="rect">
+                <a:avLst/>
+              </a:prstGeom>
+            </p:spPr>
+          </p:pic>
+        </mc:Fallback>
+      </mc:AlternateContent>
+      <p:sp>
+        <p:nvSpPr>
+          <p:cNvPr id="41" name="TextBox 40">
+            <a:extLst>
+              <a:ext uri="{FF2B5EF4-FFF2-40B4-BE49-F238E27FC236}">
+                <a16:creationId xmlns:a16="http://schemas.microsoft.com/office/drawing/2014/main" id="{5B7773E2-3B76-393A-441F-E1460319DE59}"/>
+              </a:ext>
+            </a:extLst>
+          </p:cNvPr>
+          <p:cNvSpPr txBox="1"/>
+          <p:nvPr/>
+        </p:nvSpPr>
+        <p:spPr>
+          <a:xfrm>
+            <a:off x="2472387" y="6369614"/>
+            <a:ext cx="1062791" cy="461665"/>
+          </a:xfrm>
+          <a:prstGeom prst="rect">
+            <a:avLst/>
+          </a:prstGeom>
+          <a:noFill/>
+        </p:spPr>
+        <p:txBody>
+          <a:bodyPr wrap="none" rtlCol="0">
+            <a:spAutoFit/>
+          </a:bodyPr>
+          <a:lstStyle/>
+          <a:p>
+            <a:pPr algn="ctr"/>
+            <a:r>
+              <a:rPr lang="en-US" sz="2400" dirty="0"/>
+              <a:t>Money</a:t>
+            </a:r>
+          </a:p>
+        </p:txBody>
+      </p:sp>
+      <p:sp>
+        <p:nvSpPr>
+          <p:cNvPr id="42" name="TextBox 41">
+            <a:extLst>
+              <a:ext uri="{FF2B5EF4-FFF2-40B4-BE49-F238E27FC236}">
+                <a16:creationId xmlns:a16="http://schemas.microsoft.com/office/drawing/2014/main" id="{9B4EC886-0DD4-92EC-A3F1-A670C4A3AB9A}"/>
+              </a:ext>
+            </a:extLst>
+          </p:cNvPr>
+          <p:cNvSpPr txBox="1"/>
+          <p:nvPr/>
+        </p:nvSpPr>
+        <p:spPr>
+          <a:xfrm>
+            <a:off x="6197438" y="6384374"/>
+            <a:ext cx="1475084" cy="461665"/>
+          </a:xfrm>
+          <a:prstGeom prst="rect">
+            <a:avLst/>
+          </a:prstGeom>
+          <a:noFill/>
+        </p:spPr>
+        <p:txBody>
+          <a:bodyPr wrap="none" rtlCol="0">
+            <a:spAutoFit/>
+          </a:bodyPr>
+          <a:lstStyle/>
+          <a:p>
+            <a:pPr algn="ctr"/>
+            <a:r>
+              <a:rPr lang="en-US" sz="2400" dirty="0"/>
+              <a:t>Happiness</a:t>
+            </a:r>
+          </a:p>
+        </p:txBody>
+      </p:sp>
+      <mc:AlternateContent xmlns:mc="http://schemas.openxmlformats.org/markup-compatibility/2006">
+        <mc:Choice xmlns:p14="http://schemas.microsoft.com/office/powerpoint/2010/main" Requires="p14">
+          <p:contentPart p14:bwMode="auto" r:id="rId5">
+            <p14:nvContentPartPr>
+              <p14:cNvPr id="43" name="Ink 42">
+                <a:extLst>
+                  <a:ext uri="{FF2B5EF4-FFF2-40B4-BE49-F238E27FC236}">
+                    <a16:creationId xmlns:a16="http://schemas.microsoft.com/office/drawing/2014/main" id="{176B173F-C282-94B3-BD36-B01E97D9584E}"/>
+                  </a:ext>
+                </a:extLst>
+              </p14:cNvPr>
+              <p14:cNvContentPartPr/>
+              <p14:nvPr/>
+            </p14:nvContentPartPr>
+            <p14:xfrm>
+              <a:off x="4198800" y="3816088"/>
+              <a:ext cx="1677960" cy="1494000"/>
+            </p14:xfrm>
+          </p:contentPart>
+        </mc:Choice>
+        <mc:Fallback>
+          <p:pic>
+            <p:nvPicPr>
+              <p:cNvPr id="43" name="Ink 42">
+                <a:extLst>
+                  <a:ext uri="{FF2B5EF4-FFF2-40B4-BE49-F238E27FC236}">
+                    <a16:creationId xmlns:a16="http://schemas.microsoft.com/office/drawing/2014/main" id="{176B173F-C282-94B3-BD36-B01E97D9584E}"/>
+                  </a:ext>
+                </a:extLst>
+              </p:cNvPr>
+              <p:cNvPicPr/>
+              <p:nvPr/>
+            </p:nvPicPr>
+            <p:blipFill>
+              <a:blip r:embed="rId3"/>
+              <a:stretch>
+                <a:fillRect/>
+              </a:stretch>
+            </p:blipFill>
+            <p:spPr>
+              <a:xfrm>
+                <a:off x="4180804" y="3798084"/>
+                <a:ext cx="1713592" cy="1529649"/>
+              </a:xfrm>
+              <a:prstGeom prst="rect">
+                <a:avLst/>
+              </a:prstGeom>
+            </p:spPr>
+          </p:pic>
+        </mc:Fallback>
+      </mc:AlternateContent>
+      <p:sp>
+        <p:nvSpPr>
+          <p:cNvPr id="44" name="TextBox 43">
+            <a:extLst>
+              <a:ext uri="{FF2B5EF4-FFF2-40B4-BE49-F238E27FC236}">
+                <a16:creationId xmlns:a16="http://schemas.microsoft.com/office/drawing/2014/main" id="{C30618B8-0029-1477-0F01-40B06E06E0B1}"/>
+              </a:ext>
+            </a:extLst>
+          </p:cNvPr>
+          <p:cNvSpPr txBox="1"/>
+          <p:nvPr/>
+        </p:nvSpPr>
+        <p:spPr>
+          <a:xfrm>
+            <a:off x="4486989" y="4378422"/>
+            <a:ext cx="1101584" cy="461665"/>
+          </a:xfrm>
+          <a:prstGeom prst="rect">
+            <a:avLst/>
+          </a:prstGeom>
+          <a:noFill/>
+        </p:spPr>
+        <p:txBody>
+          <a:bodyPr wrap="none" rtlCol="0">
+            <a:spAutoFit/>
+          </a:bodyPr>
+          <a:lstStyle/>
+          <a:p>
+            <a:pPr algn="ctr"/>
+            <a:r>
+              <a:rPr lang="en-US" sz="2400" dirty="0"/>
+              <a:t>Friends</a:t>
+            </a:r>
+          </a:p>
+        </p:txBody>
+      </p:sp>
+      <p:grpSp>
+        <p:nvGrpSpPr>
+          <p:cNvPr id="47" name="Group 46">
+            <a:extLst>
+              <a:ext uri="{FF2B5EF4-FFF2-40B4-BE49-F238E27FC236}">
+                <a16:creationId xmlns:a16="http://schemas.microsoft.com/office/drawing/2014/main" id="{F2F36897-8945-6BCB-B960-292EEB363ABF}"/>
+              </a:ext>
+            </a:extLst>
+          </p:cNvPr>
+          <p:cNvGrpSpPr/>
+          <p:nvPr/>
+        </p:nvGrpSpPr>
+        <p:grpSpPr>
+          <a:xfrm>
+            <a:off x="3670179" y="5218028"/>
+            <a:ext cx="798120" cy="716400"/>
+            <a:chOff x="7858200" y="8368094"/>
+            <a:chExt cx="798120" cy="716400"/>
+          </a:xfrm>
+        </p:grpSpPr>
+        <mc:AlternateContent xmlns:mc="http://schemas.openxmlformats.org/markup-compatibility/2006" xmlns:p14="http://schemas.microsoft.com/office/powerpoint/2010/main">
+          <mc:Choice Requires="p14">
+            <p:contentPart p14:bwMode="auto" r:id="rId6">
+              <p14:nvContentPartPr>
+                <p14:cNvPr id="45" name="Ink 44">
+                  <a:extLst>
+                    <a:ext uri="{FF2B5EF4-FFF2-40B4-BE49-F238E27FC236}">
+                      <a16:creationId xmlns:a16="http://schemas.microsoft.com/office/drawing/2014/main" id="{1B1FD228-12ED-946F-698E-1D0DFD7AE076}"/>
+                    </a:ext>
+                  </a:extLst>
+                </p14:cNvPr>
+                <p14:cNvContentPartPr/>
+                <p14:nvPr/>
+              </p14:nvContentPartPr>
+              <p14:xfrm>
+                <a:off x="7858200" y="8368094"/>
+                <a:ext cx="798120" cy="714600"/>
+              </p14:xfrm>
+            </p:contentPart>
+          </mc:Choice>
+          <mc:Fallback xmlns="">
+            <p:pic>
+              <p:nvPicPr>
+                <p:cNvPr id="45" name="Ink 44">
+                  <a:extLst>
+                    <a:ext uri="{FF2B5EF4-FFF2-40B4-BE49-F238E27FC236}">
+                      <a16:creationId xmlns:a16="http://schemas.microsoft.com/office/drawing/2014/main" id="{1B1FD228-12ED-946F-698E-1D0DFD7AE076}"/>
+                    </a:ext>
+                  </a:extLst>
+                </p:cNvPr>
+                <p:cNvPicPr/>
+                <p:nvPr/>
+              </p:nvPicPr>
+              <p:blipFill>
+                <a:blip r:embed="rId7"/>
+                <a:stretch>
+                  <a:fillRect/>
+                </a:stretch>
+              </p:blipFill>
+              <p:spPr>
+                <a:xfrm>
+                  <a:off x="7840208" y="8350103"/>
+                  <a:ext cx="833744" cy="750222"/>
+                </a:xfrm>
+                <a:prstGeom prst="rect">
+                  <a:avLst/>
+                </a:prstGeom>
+              </p:spPr>
+            </p:pic>
+          </mc:Fallback>
+        </mc:AlternateContent>
+        <mc:AlternateContent xmlns:mc="http://schemas.openxmlformats.org/markup-compatibility/2006" xmlns:p14="http://schemas.microsoft.com/office/powerpoint/2010/main">
+          <mc:Choice Requires="p14">
+            <p:contentPart p14:bwMode="auto" r:id="rId8">
+              <p14:nvContentPartPr>
+                <p14:cNvPr id="46" name="Ink 45">
+                  <a:extLst>
+                    <a:ext uri="{FF2B5EF4-FFF2-40B4-BE49-F238E27FC236}">
+                      <a16:creationId xmlns:a16="http://schemas.microsoft.com/office/drawing/2014/main" id="{25BA9A8D-5ED8-03E1-6588-C159038D94F5}"/>
+                    </a:ext>
+                  </a:extLst>
+                </p14:cNvPr>
+                <p14:cNvContentPartPr/>
+                <p14:nvPr/>
+              </p14:nvContentPartPr>
+              <p14:xfrm>
+                <a:off x="7913640" y="9001694"/>
+                <a:ext cx="309600" cy="82800"/>
+              </p14:xfrm>
+            </p:contentPart>
+          </mc:Choice>
+          <mc:Fallback xmlns="">
+            <p:pic>
+              <p:nvPicPr>
+                <p:cNvPr id="46" name="Ink 45">
+                  <a:extLst>
+                    <a:ext uri="{FF2B5EF4-FFF2-40B4-BE49-F238E27FC236}">
+                      <a16:creationId xmlns:a16="http://schemas.microsoft.com/office/drawing/2014/main" id="{25BA9A8D-5ED8-03E1-6588-C159038D94F5}"/>
+                    </a:ext>
+                  </a:extLst>
+                </p:cNvPr>
+                <p:cNvPicPr/>
+                <p:nvPr/>
+              </p:nvPicPr>
+              <p:blipFill>
+                <a:blip r:embed="rId9"/>
+                <a:stretch>
+                  <a:fillRect/>
+                </a:stretch>
+              </p:blipFill>
+              <p:spPr>
+                <a:xfrm>
+                  <a:off x="7895640" y="8983615"/>
+                  <a:ext cx="345240" cy="118596"/>
+                </a:xfrm>
+                <a:prstGeom prst="rect">
+                  <a:avLst/>
+                </a:prstGeom>
+              </p:spPr>
+            </p:pic>
+          </mc:Fallback>
+        </mc:AlternateContent>
+      </p:grpSp>
+      <p:grpSp>
+        <p:nvGrpSpPr>
+          <p:cNvPr id="50" name="Group 49">
+            <a:extLst>
+              <a:ext uri="{FF2B5EF4-FFF2-40B4-BE49-F238E27FC236}">
+                <a16:creationId xmlns:a16="http://schemas.microsoft.com/office/drawing/2014/main" id="{F9FB491D-B455-1D32-29EA-AD7FC15D1B5A}"/>
+              </a:ext>
+            </a:extLst>
+          </p:cNvPr>
+          <p:cNvGrpSpPr/>
+          <p:nvPr/>
+        </p:nvGrpSpPr>
+        <p:grpSpPr>
+          <a:xfrm>
+            <a:off x="5684739" y="5206148"/>
+            <a:ext cx="712440" cy="658440"/>
+            <a:chOff x="9872760" y="8356214"/>
+            <a:chExt cx="712440" cy="658440"/>
+          </a:xfrm>
+        </p:grpSpPr>
+        <mc:AlternateContent xmlns:mc="http://schemas.openxmlformats.org/markup-compatibility/2006" xmlns:p14="http://schemas.microsoft.com/office/powerpoint/2010/main">
+          <mc:Choice Requires="p14">
+            <p:contentPart p14:bwMode="auto" r:id="rId10">
+              <p14:nvContentPartPr>
+                <p14:cNvPr id="48" name="Ink 47">
+                  <a:extLst>
+                    <a:ext uri="{FF2B5EF4-FFF2-40B4-BE49-F238E27FC236}">
+                      <a16:creationId xmlns:a16="http://schemas.microsoft.com/office/drawing/2014/main" id="{18519DF9-6B96-AC25-5CA8-2359606D5114}"/>
+                    </a:ext>
+                  </a:extLst>
+                </p14:cNvPr>
+                <p14:cNvContentPartPr/>
+                <p14:nvPr/>
+              </p14:nvContentPartPr>
+              <p14:xfrm>
+                <a:off x="9872760" y="8356214"/>
+                <a:ext cx="673200" cy="630000"/>
+              </p14:xfrm>
+            </p:contentPart>
+          </mc:Choice>
+          <mc:Fallback xmlns="">
+            <p:pic>
+              <p:nvPicPr>
+                <p:cNvPr id="48" name="Ink 47">
+                  <a:extLst>
+                    <a:ext uri="{FF2B5EF4-FFF2-40B4-BE49-F238E27FC236}">
+                      <a16:creationId xmlns:a16="http://schemas.microsoft.com/office/drawing/2014/main" id="{18519DF9-6B96-AC25-5CA8-2359606D5114}"/>
+                    </a:ext>
+                  </a:extLst>
+                </p:cNvPr>
+                <p:cNvPicPr/>
+                <p:nvPr/>
+              </p:nvPicPr>
+              <p:blipFill>
+                <a:blip r:embed="rId11"/>
+                <a:stretch>
+                  <a:fillRect/>
+                </a:stretch>
+              </p:blipFill>
+              <p:spPr>
+                <a:xfrm>
+                  <a:off x="9854760" y="8338204"/>
+                  <a:ext cx="708840" cy="665660"/>
+                </a:xfrm>
+                <a:prstGeom prst="rect">
+                  <a:avLst/>
+                </a:prstGeom>
+              </p:spPr>
+            </p:pic>
+          </mc:Fallback>
+        </mc:AlternateContent>
+        <mc:AlternateContent xmlns:mc="http://schemas.openxmlformats.org/markup-compatibility/2006" xmlns:p14="http://schemas.microsoft.com/office/powerpoint/2010/main">
+          <mc:Choice Requires="p14">
+            <p:contentPart p14:bwMode="auto" r:id="rId12">
+              <p14:nvContentPartPr>
+                <p14:cNvPr id="49" name="Ink 48">
+                  <a:extLst>
+                    <a:ext uri="{FF2B5EF4-FFF2-40B4-BE49-F238E27FC236}">
+                      <a16:creationId xmlns:a16="http://schemas.microsoft.com/office/drawing/2014/main" id="{743B7AF3-D5C5-3FD1-F06A-BAF97C1ADFF6}"/>
+                    </a:ext>
+                  </a:extLst>
+                </p14:cNvPr>
+                <p14:cNvContentPartPr/>
+                <p14:nvPr/>
+              </p14:nvContentPartPr>
+              <p14:xfrm>
+                <a:off x="10163640" y="8654294"/>
+                <a:ext cx="421560" cy="360360"/>
+              </p14:xfrm>
+            </p:contentPart>
+          </mc:Choice>
+          <mc:Fallback xmlns="">
+            <p:pic>
+              <p:nvPicPr>
+                <p:cNvPr id="49" name="Ink 48">
+                  <a:extLst>
+                    <a:ext uri="{FF2B5EF4-FFF2-40B4-BE49-F238E27FC236}">
+                      <a16:creationId xmlns:a16="http://schemas.microsoft.com/office/drawing/2014/main" id="{743B7AF3-D5C5-3FD1-F06A-BAF97C1ADFF6}"/>
+                    </a:ext>
+                  </a:extLst>
+                </p:cNvPr>
+                <p:cNvPicPr/>
+                <p:nvPr/>
+              </p:nvPicPr>
+              <p:blipFill>
+                <a:blip r:embed="rId13"/>
+                <a:stretch>
+                  <a:fillRect/>
+                </a:stretch>
+              </p:blipFill>
+              <p:spPr>
+                <a:xfrm>
+                  <a:off x="10145655" y="8636294"/>
+                  <a:ext cx="457170" cy="396000"/>
+                </a:xfrm>
+                <a:prstGeom prst="rect">
+                  <a:avLst/>
+                </a:prstGeom>
+              </p:spPr>
+            </p:pic>
+          </mc:Fallback>
+        </mc:AlternateContent>
+      </p:grpSp>
+      <p:sp>
+        <p:nvSpPr>
+          <p:cNvPr id="56" name="TextBox 55">
+            <a:extLst>
+              <a:ext uri="{FF2B5EF4-FFF2-40B4-BE49-F238E27FC236}">
+                <a16:creationId xmlns:a16="http://schemas.microsoft.com/office/drawing/2014/main" id="{F2CEE853-1A08-BBFE-F206-6784F71E5F7E}"/>
+              </a:ext>
+            </a:extLst>
+          </p:cNvPr>
+          <p:cNvSpPr txBox="1"/>
+          <p:nvPr/>
+        </p:nvSpPr>
+        <p:spPr>
+          <a:xfrm>
+            <a:off x="6778955" y="16877267"/>
+            <a:ext cx="843629" cy="369332"/>
+          </a:xfrm>
+          <a:prstGeom prst="rect">
+            <a:avLst/>
+          </a:prstGeom>
+          <a:noFill/>
+        </p:spPr>
+        <p:txBody>
+          <a:bodyPr wrap="none" rtlCol="0">
+            <a:spAutoFit/>
+          </a:bodyPr>
+          <a:lstStyle/>
+          <a:p>
+            <a:r>
+              <a:rPr lang="en-US" dirty="0"/>
+              <a:t>Money</a:t>
+            </a:r>
+          </a:p>
+        </p:txBody>
+      </p:sp>
+      <p:sp>
+        <p:nvSpPr>
+          <p:cNvPr id="57" name="TextBox 56">
+            <a:extLst>
+              <a:ext uri="{FF2B5EF4-FFF2-40B4-BE49-F238E27FC236}">
+                <a16:creationId xmlns:a16="http://schemas.microsoft.com/office/drawing/2014/main" id="{3419CFF1-888C-6D85-09F2-86DBB33F22C7}"/>
+              </a:ext>
+            </a:extLst>
+          </p:cNvPr>
+          <p:cNvSpPr txBox="1"/>
+          <p:nvPr/>
+        </p:nvSpPr>
+        <p:spPr>
+          <a:xfrm>
+            <a:off x="10555527" y="16892027"/>
+            <a:ext cx="1152880" cy="369332"/>
+          </a:xfrm>
+          <a:prstGeom prst="rect">
+            <a:avLst/>
+          </a:prstGeom>
+          <a:noFill/>
+        </p:spPr>
+        <p:txBody>
+          <a:bodyPr wrap="none" rtlCol="0">
+            <a:spAutoFit/>
+          </a:bodyPr>
+          <a:lstStyle/>
+          <a:p>
+            <a:r>
+              <a:rPr lang="en-US" dirty="0"/>
+              <a:t>Happiness</a:t>
+            </a:r>
+          </a:p>
+        </p:txBody>
+      </p:sp>
+      <mc:AlternateContent xmlns:mc="http://schemas.openxmlformats.org/markup-compatibility/2006">
+        <mc:Choice xmlns:p14="http://schemas.microsoft.com/office/powerpoint/2010/main" Requires="p14">
+          <p:contentPart p14:bwMode="auto" r:id="rId14">
+            <p14:nvContentPartPr>
+              <p14:cNvPr id="2" name="Ink 1">
+                <a:extLst>
+                  <a:ext uri="{FF2B5EF4-FFF2-40B4-BE49-F238E27FC236}">
+                    <a16:creationId xmlns:a16="http://schemas.microsoft.com/office/drawing/2014/main" id="{A85B09DB-1FCC-F6B0-D6BD-BE4F77CC08A6}"/>
+                  </a:ext>
+                </a:extLst>
+              </p14:cNvPr>
+              <p14:cNvContentPartPr/>
+              <p14:nvPr/>
+            </p14:nvContentPartPr>
+            <p14:xfrm>
+              <a:off x="3912720" y="6456780"/>
+              <a:ext cx="2156400" cy="337680"/>
+            </p14:xfrm>
+          </p:contentPart>
+        </mc:Choice>
+        <mc:Fallback>
+          <p:pic>
+            <p:nvPicPr>
+              <p:cNvPr id="2" name="Ink 1">
+                <a:extLst>
+                  <a:ext uri="{FF2B5EF4-FFF2-40B4-BE49-F238E27FC236}">
+                    <a16:creationId xmlns:a16="http://schemas.microsoft.com/office/drawing/2014/main" id="{A85B09DB-1FCC-F6B0-D6BD-BE4F77CC08A6}"/>
+                  </a:ext>
+                </a:extLst>
+              </p:cNvPr>
+              <p:cNvPicPr/>
+              <p:nvPr/>
+            </p:nvPicPr>
+            <p:blipFill>
+              <a:blip r:embed="rId15"/>
+              <a:stretch>
+                <a:fillRect/>
+              </a:stretch>
+            </p:blipFill>
+            <p:spPr>
+              <a:xfrm>
+                <a:off x="3894717" y="6438780"/>
+                <a:ext cx="2192046" cy="373320"/>
+              </a:xfrm>
+              <a:prstGeom prst="rect">
+                <a:avLst/>
+              </a:prstGeom>
+            </p:spPr>
+          </p:pic>
+        </mc:Fallback>
+      </mc:AlternateContent>
+      <p:grpSp>
+        <p:nvGrpSpPr>
+          <p:cNvPr id="5" name="Group 4">
+            <a:extLst>
+              <a:ext uri="{FF2B5EF4-FFF2-40B4-BE49-F238E27FC236}">
+                <a16:creationId xmlns:a16="http://schemas.microsoft.com/office/drawing/2014/main" id="{799773D2-F22D-EFA5-FD83-E3548AEC6500}"/>
+              </a:ext>
+            </a:extLst>
+          </p:cNvPr>
+          <p:cNvGrpSpPr/>
+          <p:nvPr/>
+        </p:nvGrpSpPr>
+        <p:grpSpPr>
+          <a:xfrm>
+            <a:off x="8642400" y="3229020"/>
+            <a:ext cx="360" cy="360"/>
+            <a:chOff x="8642400" y="4714920"/>
+            <a:chExt cx="360" cy="360"/>
+          </a:xfrm>
+        </p:grpSpPr>
+        <mc:AlternateContent xmlns:mc="http://schemas.openxmlformats.org/markup-compatibility/2006" xmlns:p14="http://schemas.microsoft.com/office/powerpoint/2010/main">
+          <mc:Choice Requires="p14">
+            <p:contentPart p14:bwMode="auto" r:id="rId16">
+              <p14:nvContentPartPr>
+                <p14:cNvPr id="3" name="Ink 2">
+                  <a:extLst>
+                    <a:ext uri="{FF2B5EF4-FFF2-40B4-BE49-F238E27FC236}">
+                      <a16:creationId xmlns:a16="http://schemas.microsoft.com/office/drawing/2014/main" id="{CCEE581B-363E-9B6D-784A-8E7506BF12C7}"/>
+                    </a:ext>
+                  </a:extLst>
+                </p14:cNvPr>
+                <p14:cNvContentPartPr/>
+                <p14:nvPr/>
+              </p14:nvContentPartPr>
+              <p14:xfrm>
+                <a:off x="8642400" y="4714920"/>
+                <a:ext cx="360" cy="360"/>
+              </p14:xfrm>
+            </p:contentPart>
+          </mc:Choice>
+          <mc:Fallback xmlns="">
+            <p:pic>
+              <p:nvPicPr>
+                <p:cNvPr id="3" name="Ink 2">
+                  <a:extLst>
+                    <a:ext uri="{FF2B5EF4-FFF2-40B4-BE49-F238E27FC236}">
+                      <a16:creationId xmlns:a16="http://schemas.microsoft.com/office/drawing/2014/main" id="{CCEE581B-363E-9B6D-784A-8E7506BF12C7}"/>
+                    </a:ext>
+                  </a:extLst>
+                </p:cNvPr>
+                <p:cNvPicPr/>
+                <p:nvPr/>
+              </p:nvPicPr>
+              <p:blipFill>
+                <a:blip r:embed="rId17"/>
+                <a:stretch>
+                  <a:fillRect/>
+                </a:stretch>
+              </p:blipFill>
+              <p:spPr>
+                <a:xfrm>
+                  <a:off x="8624400" y="4696920"/>
+                  <a:ext cx="36000" cy="36000"/>
+                </a:xfrm>
+                <a:prstGeom prst="rect">
+                  <a:avLst/>
+                </a:prstGeom>
+              </p:spPr>
+            </p:pic>
+          </mc:Fallback>
+        </mc:AlternateContent>
+        <mc:AlternateContent xmlns:mc="http://schemas.openxmlformats.org/markup-compatibility/2006" xmlns:p14="http://schemas.microsoft.com/office/powerpoint/2010/main">
+          <mc:Choice Requires="p14">
+            <p:contentPart p14:bwMode="auto" r:id="rId18">
+              <p14:nvContentPartPr>
+                <p14:cNvPr id="4" name="Ink 3">
+                  <a:extLst>
+                    <a:ext uri="{FF2B5EF4-FFF2-40B4-BE49-F238E27FC236}">
+                      <a16:creationId xmlns:a16="http://schemas.microsoft.com/office/drawing/2014/main" id="{ED9EBC83-087F-F838-C63C-CD4054E0C024}"/>
+                    </a:ext>
+                  </a:extLst>
+                </p14:cNvPr>
+                <p14:cNvContentPartPr/>
+                <p14:nvPr/>
+              </p14:nvContentPartPr>
+              <p14:xfrm>
+                <a:off x="8642400" y="4714920"/>
+                <a:ext cx="360" cy="360"/>
+              </p14:xfrm>
+            </p:contentPart>
+          </mc:Choice>
+          <mc:Fallback xmlns="">
+            <p:pic>
+              <p:nvPicPr>
+                <p:cNvPr id="4" name="Ink 3">
+                  <a:extLst>
+                    <a:ext uri="{FF2B5EF4-FFF2-40B4-BE49-F238E27FC236}">
+                      <a16:creationId xmlns:a16="http://schemas.microsoft.com/office/drawing/2014/main" id="{ED9EBC83-087F-F838-C63C-CD4054E0C024}"/>
+                    </a:ext>
+                  </a:extLst>
+                </p:cNvPr>
+                <p:cNvPicPr/>
+                <p:nvPr/>
+              </p:nvPicPr>
+              <p:blipFill>
+                <a:blip r:embed="rId17"/>
+                <a:stretch>
+                  <a:fillRect/>
+                </a:stretch>
+              </p:blipFill>
+              <p:spPr>
+                <a:xfrm>
+                  <a:off x="8624400" y="4696920"/>
+                  <a:ext cx="36000" cy="36000"/>
+                </a:xfrm>
+                <a:prstGeom prst="rect">
+                  <a:avLst/>
+                </a:prstGeom>
+              </p:spPr>
+            </p:pic>
+          </mc:Fallback>
+        </mc:AlternateContent>
+      </p:grpSp>
+      <p:grpSp>
+        <p:nvGrpSpPr>
+          <p:cNvPr id="12" name="Group 11">
+            <a:extLst>
+              <a:ext uri="{FF2B5EF4-FFF2-40B4-BE49-F238E27FC236}">
+                <a16:creationId xmlns:a16="http://schemas.microsoft.com/office/drawing/2014/main" id="{3BBE3966-8251-5B37-32E4-F6F9733363A6}"/>
+              </a:ext>
+            </a:extLst>
+          </p:cNvPr>
+          <p:cNvGrpSpPr/>
+          <p:nvPr/>
+        </p:nvGrpSpPr>
+        <p:grpSpPr>
+          <a:xfrm>
+            <a:off x="5725680" y="5236380"/>
+            <a:ext cx="428040" cy="590040"/>
+            <a:chOff x="5725680" y="6722280"/>
+            <a:chExt cx="428040" cy="590040"/>
+          </a:xfrm>
+        </p:grpSpPr>
+        <mc:AlternateContent xmlns:mc="http://schemas.openxmlformats.org/markup-compatibility/2006" xmlns:p14="http://schemas.microsoft.com/office/powerpoint/2010/main">
+          <mc:Choice Requires="p14">
+            <p:contentPart p14:bwMode="auto" r:id="rId19">
+              <p14:nvContentPartPr>
+                <p14:cNvPr id="8" name="Ink 7">
+                  <a:extLst>
+                    <a:ext uri="{FF2B5EF4-FFF2-40B4-BE49-F238E27FC236}">
+                      <a16:creationId xmlns:a16="http://schemas.microsoft.com/office/drawing/2014/main" id="{90232097-83E1-8BD5-0F63-A7E7E427A3DB}"/>
+                    </a:ext>
+                  </a:extLst>
+                </p14:cNvPr>
+                <p14:cNvContentPartPr/>
+                <p14:nvPr/>
+              </p14:nvContentPartPr>
+              <p14:xfrm>
+                <a:off x="5875080" y="6722280"/>
+                <a:ext cx="39240" cy="367560"/>
+              </p14:xfrm>
+            </p:contentPart>
+          </mc:Choice>
+          <mc:Fallback xmlns="">
+            <p:pic>
+              <p:nvPicPr>
+                <p:cNvPr id="8" name="Ink 7">
+                  <a:extLst>
+                    <a:ext uri="{FF2B5EF4-FFF2-40B4-BE49-F238E27FC236}">
+                      <a16:creationId xmlns:a16="http://schemas.microsoft.com/office/drawing/2014/main" id="{90232097-83E1-8BD5-0F63-A7E7E427A3DB}"/>
+                    </a:ext>
+                  </a:extLst>
+                </p:cNvPr>
+                <p:cNvPicPr/>
+                <p:nvPr/>
+              </p:nvPicPr>
+              <p:blipFill>
+                <a:blip r:embed="rId20"/>
+                <a:stretch>
+                  <a:fillRect/>
+                </a:stretch>
+              </p:blipFill>
+              <p:spPr>
+                <a:xfrm>
+                  <a:off x="5857440" y="6704640"/>
+                  <a:ext cx="74880" cy="403200"/>
+                </a:xfrm>
+                <a:prstGeom prst="rect">
+                  <a:avLst/>
+                </a:prstGeom>
+              </p:spPr>
+            </p:pic>
+          </mc:Fallback>
+        </mc:AlternateContent>
+        <mc:AlternateContent xmlns:mc="http://schemas.openxmlformats.org/markup-compatibility/2006" xmlns:p14="http://schemas.microsoft.com/office/powerpoint/2010/main">
+          <mc:Choice Requires="p14">
+            <p:contentPart p14:bwMode="auto" r:id="rId21">
+              <p14:nvContentPartPr>
+                <p14:cNvPr id="9" name="Ink 8">
+                  <a:extLst>
+                    <a:ext uri="{FF2B5EF4-FFF2-40B4-BE49-F238E27FC236}">
+                      <a16:creationId xmlns:a16="http://schemas.microsoft.com/office/drawing/2014/main" id="{BCE62E94-0E9E-9D6F-D633-5D785B291ABA}"/>
+                    </a:ext>
+                  </a:extLst>
+                </p14:cNvPr>
+                <p14:cNvContentPartPr/>
+                <p14:nvPr/>
+              </p14:nvContentPartPr>
+              <p14:xfrm>
+                <a:off x="5877960" y="6936120"/>
+                <a:ext cx="275760" cy="169560"/>
+              </p14:xfrm>
+            </p:contentPart>
+          </mc:Choice>
+          <mc:Fallback xmlns="">
+            <p:pic>
+              <p:nvPicPr>
+                <p:cNvPr id="9" name="Ink 8">
+                  <a:extLst>
+                    <a:ext uri="{FF2B5EF4-FFF2-40B4-BE49-F238E27FC236}">
+                      <a16:creationId xmlns:a16="http://schemas.microsoft.com/office/drawing/2014/main" id="{BCE62E94-0E9E-9D6F-D633-5D785B291ABA}"/>
+                    </a:ext>
+                  </a:extLst>
+                </p:cNvPr>
+                <p:cNvPicPr/>
+                <p:nvPr/>
+              </p:nvPicPr>
+              <p:blipFill>
+                <a:blip r:embed="rId22"/>
+                <a:stretch>
+                  <a:fillRect/>
+                </a:stretch>
+              </p:blipFill>
+              <p:spPr>
+                <a:xfrm>
+                  <a:off x="5860320" y="6918120"/>
+                  <a:ext cx="311400" cy="205200"/>
+                </a:xfrm>
+                <a:prstGeom prst="rect">
+                  <a:avLst/>
+                </a:prstGeom>
+              </p:spPr>
+            </p:pic>
+          </mc:Fallback>
+        </mc:AlternateContent>
+        <mc:AlternateContent xmlns:mc="http://schemas.openxmlformats.org/markup-compatibility/2006" xmlns:p14="http://schemas.microsoft.com/office/powerpoint/2010/main">
+          <mc:Choice Requires="p14">
+            <p:contentPart p14:bwMode="auto" r:id="rId23">
+              <p14:nvContentPartPr>
+                <p14:cNvPr id="11" name="Ink 10">
+                  <a:extLst>
+                    <a:ext uri="{FF2B5EF4-FFF2-40B4-BE49-F238E27FC236}">
+                      <a16:creationId xmlns:a16="http://schemas.microsoft.com/office/drawing/2014/main" id="{6F5C41E4-5790-3BA3-3708-2A70214CCA73}"/>
+                    </a:ext>
+                  </a:extLst>
+                </p14:cNvPr>
+                <p14:cNvContentPartPr/>
+                <p14:nvPr/>
+              </p14:nvContentPartPr>
+              <p14:xfrm>
+                <a:off x="5725680" y="7133040"/>
+                <a:ext cx="229320" cy="179280"/>
+              </p14:xfrm>
+            </p:contentPart>
+          </mc:Choice>
+          <mc:Fallback xmlns="">
+            <p:pic>
+              <p:nvPicPr>
+                <p:cNvPr id="11" name="Ink 10">
+                  <a:extLst>
+                    <a:ext uri="{FF2B5EF4-FFF2-40B4-BE49-F238E27FC236}">
+                      <a16:creationId xmlns:a16="http://schemas.microsoft.com/office/drawing/2014/main" id="{6F5C41E4-5790-3BA3-3708-2A70214CCA73}"/>
+                    </a:ext>
+                  </a:extLst>
+                </p:cNvPr>
+                <p:cNvPicPr/>
+                <p:nvPr/>
+              </p:nvPicPr>
+              <p:blipFill>
+                <a:blip r:embed="rId24"/>
+                <a:stretch>
+                  <a:fillRect/>
+                </a:stretch>
+              </p:blipFill>
+              <p:spPr>
+                <a:xfrm>
+                  <a:off x="5707680" y="7115040"/>
+                  <a:ext cx="264960" cy="214920"/>
+                </a:xfrm>
+                <a:prstGeom prst="rect">
+                  <a:avLst/>
+                </a:prstGeom>
+              </p:spPr>
+            </p:pic>
+          </mc:Fallback>
+        </mc:AlternateContent>
+      </p:grpSp>
+      <mc:AlternateContent xmlns:mc="http://schemas.openxmlformats.org/markup-compatibility/2006">
+        <mc:Choice xmlns:p14="http://schemas.microsoft.com/office/powerpoint/2010/main" Requires="p14">
+          <p:contentPart p14:bwMode="auto" r:id="rId25">
+            <p14:nvContentPartPr>
+              <p14:cNvPr id="60" name="Ink 59">
+                <a:extLst>
+                  <a:ext uri="{FF2B5EF4-FFF2-40B4-BE49-F238E27FC236}">
+                    <a16:creationId xmlns:a16="http://schemas.microsoft.com/office/drawing/2014/main" id="{E987A702-4C92-E03C-B53E-D76BF58C6F10}"/>
+                  </a:ext>
+                </a:extLst>
+              </p14:cNvPr>
+              <p14:cNvContentPartPr/>
+              <p14:nvPr/>
+            </p14:nvContentPartPr>
+            <p14:xfrm>
+              <a:off x="4276673" y="5632422"/>
+              <a:ext cx="136800" cy="171000"/>
+            </p14:xfrm>
+          </p:contentPart>
+        </mc:Choice>
+        <mc:Fallback>
+          <p:pic>
+            <p:nvPicPr>
+              <p:cNvPr id="60" name="Ink 59">
+                <a:extLst>
+                  <a:ext uri="{FF2B5EF4-FFF2-40B4-BE49-F238E27FC236}">
+                    <a16:creationId xmlns:a16="http://schemas.microsoft.com/office/drawing/2014/main" id="{E987A702-4C92-E03C-B53E-D76BF58C6F10}"/>
+                  </a:ext>
+                </a:extLst>
+              </p:cNvPr>
+              <p:cNvPicPr/>
+              <p:nvPr/>
+            </p:nvPicPr>
+            <p:blipFill>
+              <a:blip r:embed="rId26"/>
+              <a:stretch>
+                <a:fillRect/>
+              </a:stretch>
+            </p:blipFill>
+            <p:spPr>
+              <a:xfrm>
+                <a:off x="4258673" y="5614422"/>
+                <a:ext cx="172440" cy="206640"/>
+              </a:xfrm>
+              <a:prstGeom prst="rect">
+                <a:avLst/>
+              </a:prstGeom>
+            </p:spPr>
+          </p:pic>
+        </mc:Fallback>
+      </mc:AlternateContent>
+      <p:grpSp>
+        <p:nvGrpSpPr>
+          <p:cNvPr id="63" name="Group 62">
+            <a:extLst>
+              <a:ext uri="{FF2B5EF4-FFF2-40B4-BE49-F238E27FC236}">
+                <a16:creationId xmlns:a16="http://schemas.microsoft.com/office/drawing/2014/main" id="{E6757CD6-8675-80ED-203A-C8121EB3F3CA}"/>
+              </a:ext>
+            </a:extLst>
+          </p:cNvPr>
+          <p:cNvGrpSpPr/>
+          <p:nvPr/>
+        </p:nvGrpSpPr>
+        <p:grpSpPr>
+          <a:xfrm>
+            <a:off x="3942960" y="5256900"/>
+            <a:ext cx="559793" cy="418002"/>
+            <a:chOff x="3942960" y="6742800"/>
+            <a:chExt cx="559793" cy="418002"/>
+          </a:xfrm>
+        </p:grpSpPr>
+        <mc:AlternateContent xmlns:mc="http://schemas.openxmlformats.org/markup-compatibility/2006" xmlns:p14="http://schemas.microsoft.com/office/powerpoint/2010/main">
+          <mc:Choice Requires="p14">
+            <p:contentPart p14:bwMode="auto" r:id="rId27">
+              <p14:nvContentPartPr>
+                <p14:cNvPr id="13" name="Ink 12">
+                  <a:extLst>
+                    <a:ext uri="{FF2B5EF4-FFF2-40B4-BE49-F238E27FC236}">
+                      <a16:creationId xmlns:a16="http://schemas.microsoft.com/office/drawing/2014/main" id="{CF2716CA-DD4A-A8A4-8FB0-E5F9BE7D3562}"/>
+                    </a:ext>
+                  </a:extLst>
+                </p14:cNvPr>
+                <p14:cNvContentPartPr/>
+                <p14:nvPr/>
+              </p14:nvContentPartPr>
+              <p14:xfrm>
+                <a:off x="3942960" y="6883920"/>
+                <a:ext cx="329400" cy="191160"/>
+              </p14:xfrm>
+            </p:contentPart>
+          </mc:Choice>
+          <mc:Fallback xmlns="">
+            <p:pic>
+              <p:nvPicPr>
+                <p:cNvPr id="13" name="Ink 12">
+                  <a:extLst>
+                    <a:ext uri="{FF2B5EF4-FFF2-40B4-BE49-F238E27FC236}">
+                      <a16:creationId xmlns:a16="http://schemas.microsoft.com/office/drawing/2014/main" id="{CF2716CA-DD4A-A8A4-8FB0-E5F9BE7D3562}"/>
+                    </a:ext>
+                  </a:extLst>
+                </p:cNvPr>
+                <p:cNvPicPr/>
+                <p:nvPr/>
+              </p:nvPicPr>
+              <p:blipFill>
+                <a:blip r:embed="rId28"/>
+                <a:stretch>
+                  <a:fillRect/>
+                </a:stretch>
+              </p:blipFill>
+              <p:spPr>
+                <a:xfrm>
+                  <a:off x="3924960" y="6865920"/>
+                  <a:ext cx="365040" cy="226800"/>
+                </a:xfrm>
+                <a:prstGeom prst="rect">
+                  <a:avLst/>
+                </a:prstGeom>
+              </p:spPr>
+            </p:pic>
+          </mc:Fallback>
+        </mc:AlternateContent>
+        <mc:AlternateContent xmlns:mc="http://schemas.openxmlformats.org/markup-compatibility/2006" xmlns:p14="http://schemas.microsoft.com/office/powerpoint/2010/main">
+          <mc:Choice Requires="p14">
+            <p:contentPart p14:bwMode="auto" r:id="rId29">
+              <p14:nvContentPartPr>
+                <p14:cNvPr id="14" name="Ink 13">
+                  <a:extLst>
+                    <a:ext uri="{FF2B5EF4-FFF2-40B4-BE49-F238E27FC236}">
+                      <a16:creationId xmlns:a16="http://schemas.microsoft.com/office/drawing/2014/main" id="{AD2A53CC-76F6-0457-7CBF-8C4868034F45}"/>
+                    </a:ext>
+                  </a:extLst>
+                </p14:cNvPr>
+                <p14:cNvContentPartPr/>
+                <p14:nvPr/>
+              </p14:nvContentPartPr>
+              <p14:xfrm>
+                <a:off x="4199640" y="6742800"/>
+                <a:ext cx="76320" cy="371880"/>
+              </p14:xfrm>
+            </p:contentPart>
+          </mc:Choice>
+          <mc:Fallback xmlns="">
+            <p:pic>
+              <p:nvPicPr>
+                <p:cNvPr id="14" name="Ink 13">
+                  <a:extLst>
+                    <a:ext uri="{FF2B5EF4-FFF2-40B4-BE49-F238E27FC236}">
+                      <a16:creationId xmlns:a16="http://schemas.microsoft.com/office/drawing/2014/main" id="{AD2A53CC-76F6-0457-7CBF-8C4868034F45}"/>
+                    </a:ext>
+                  </a:extLst>
+                </p:cNvPr>
+                <p:cNvPicPr/>
+                <p:nvPr/>
+              </p:nvPicPr>
+              <p:blipFill>
+                <a:blip r:embed="rId30"/>
+                <a:stretch>
+                  <a:fillRect/>
+                </a:stretch>
+              </p:blipFill>
+              <p:spPr>
+                <a:xfrm>
+                  <a:off x="4182000" y="6724800"/>
+                  <a:ext cx="111960" cy="407520"/>
+                </a:xfrm>
+                <a:prstGeom prst="rect">
+                  <a:avLst/>
+                </a:prstGeom>
+              </p:spPr>
+            </p:pic>
+          </mc:Fallback>
+        </mc:AlternateContent>
+        <mc:AlternateContent xmlns:mc="http://schemas.openxmlformats.org/markup-compatibility/2006" xmlns:p14="http://schemas.microsoft.com/office/powerpoint/2010/main">
+          <mc:Choice Requires="p14">
+            <p:contentPart p14:bwMode="auto" r:id="rId31">
+              <p14:nvContentPartPr>
+                <p14:cNvPr id="62" name="Ink 61">
+                  <a:extLst>
+                    <a:ext uri="{FF2B5EF4-FFF2-40B4-BE49-F238E27FC236}">
+                      <a16:creationId xmlns:a16="http://schemas.microsoft.com/office/drawing/2014/main" id="{61A755A6-EA8E-A609-7C22-712FD4A369D0}"/>
+                    </a:ext>
+                  </a:extLst>
+                </p14:cNvPr>
+                <p14:cNvContentPartPr/>
+                <p14:nvPr/>
+              </p14:nvContentPartPr>
+              <p14:xfrm>
+                <a:off x="4308713" y="7033722"/>
+                <a:ext cx="194040" cy="127080"/>
+              </p14:xfrm>
+            </p:contentPart>
+          </mc:Choice>
+          <mc:Fallback xmlns="">
+            <p:pic>
+              <p:nvPicPr>
+                <p:cNvPr id="62" name="Ink 61">
+                  <a:extLst>
+                    <a:ext uri="{FF2B5EF4-FFF2-40B4-BE49-F238E27FC236}">
+                      <a16:creationId xmlns:a16="http://schemas.microsoft.com/office/drawing/2014/main" id="{61A755A6-EA8E-A609-7C22-712FD4A369D0}"/>
+                    </a:ext>
+                  </a:extLst>
+                </p:cNvPr>
+                <p:cNvPicPr/>
+                <p:nvPr/>
+              </p:nvPicPr>
+              <p:blipFill>
+                <a:blip r:embed="rId32"/>
+                <a:stretch>
+                  <a:fillRect/>
+                </a:stretch>
+              </p:blipFill>
+              <p:spPr>
+                <a:xfrm>
+                  <a:off x="4291073" y="7015722"/>
+                  <a:ext cx="229680" cy="162720"/>
+                </a:xfrm>
+                <a:prstGeom prst="rect">
+                  <a:avLst/>
+                </a:prstGeom>
+              </p:spPr>
+            </p:pic>
+          </mc:Fallback>
+        </mc:AlternateContent>
+      </p:grpSp>
+      <p:sp>
+        <p:nvSpPr>
+          <p:cNvPr id="73" name="TextBox 72">
+            <a:extLst>
+              <a:ext uri="{FF2B5EF4-FFF2-40B4-BE49-F238E27FC236}">
+                <a16:creationId xmlns:a16="http://schemas.microsoft.com/office/drawing/2014/main" id="{46A3FABB-E505-A508-8547-BB9B977ACB37}"/>
+              </a:ext>
+            </a:extLst>
+          </p:cNvPr>
+          <p:cNvSpPr txBox="1"/>
+          <p:nvPr/>
+        </p:nvSpPr>
+        <p:spPr>
+          <a:xfrm>
+            <a:off x="3782898" y="7422893"/>
+            <a:ext cx="1901841" cy="830997"/>
+          </a:xfrm>
+          <a:prstGeom prst="rect">
+            <a:avLst/>
+          </a:prstGeom>
+          <a:noFill/>
+        </p:spPr>
+        <p:txBody>
+          <a:bodyPr wrap="square" rtlCol="0">
+            <a:spAutoFit/>
+          </a:bodyPr>
+          <a:lstStyle/>
+          <a:p>
+            <a:pPr algn="ctr"/>
+            <a:r>
+              <a:rPr lang="en-US" sz="2400" dirty="0">
+                <a:latin typeface="Times" pitchFamily="2" charset="0"/>
+              </a:rPr>
+              <a:t>Experimental intervention</a:t>
+            </a:r>
+          </a:p>
+        </p:txBody>
+      </p:sp>
+      <p:sp>
+        <p:nvSpPr>
+          <p:cNvPr id="75" name="TextBox 74">
+            <a:extLst>
+              <a:ext uri="{FF2B5EF4-FFF2-40B4-BE49-F238E27FC236}">
+                <a16:creationId xmlns:a16="http://schemas.microsoft.com/office/drawing/2014/main" id="{2CA4CE2D-1B81-CA53-7264-6DBE8D5BBA37}"/>
+              </a:ext>
+            </a:extLst>
+          </p:cNvPr>
+          <p:cNvSpPr txBox="1"/>
+          <p:nvPr/>
+        </p:nvSpPr>
+        <p:spPr>
+          <a:xfrm>
+            <a:off x="6684825" y="3913037"/>
+            <a:ext cx="2392552" cy="1200329"/>
+          </a:xfrm>
+          <a:prstGeom prst="rect">
+            <a:avLst/>
+          </a:prstGeom>
+          <a:noFill/>
+        </p:spPr>
+        <p:txBody>
+          <a:bodyPr wrap="square" rtlCol="0">
+            <a:spAutoFit/>
+          </a:bodyPr>
+          <a:lstStyle/>
+          <a:p>
+            <a:pPr algn="ctr"/>
+            <a:r>
+              <a:rPr lang="en-US" sz="2400" dirty="0">
+                <a:solidFill>
+                  <a:srgbClr val="FF0000"/>
+                </a:solidFill>
+                <a:latin typeface="Times" pitchFamily="2" charset="0"/>
+              </a:rPr>
+              <a:t>Randomization cuts other causal connections </a:t>
+            </a:r>
+          </a:p>
+        </p:txBody>
+      </p:sp>
+      <mc:AlternateContent xmlns:mc="http://schemas.openxmlformats.org/markup-compatibility/2006">
+        <mc:Choice xmlns:p14="http://schemas.microsoft.com/office/powerpoint/2010/main" Requires="p14">
+          <p:contentPart p14:bwMode="auto" r:id="rId33">
+            <p14:nvContentPartPr>
+              <p14:cNvPr id="31" name="Ink 30">
+                <a:extLst>
+                  <a:ext uri="{FF2B5EF4-FFF2-40B4-BE49-F238E27FC236}">
+                    <a16:creationId xmlns:a16="http://schemas.microsoft.com/office/drawing/2014/main" id="{C72FACB9-2AE8-7B36-9D29-DB7A1BE824F3}"/>
+                  </a:ext>
+                </a:extLst>
+              </p14:cNvPr>
+              <p14:cNvContentPartPr/>
+              <p14:nvPr/>
+            </p14:nvContentPartPr>
+            <p14:xfrm flipV="1">
+              <a:off x="3131755" y="10809362"/>
+              <a:ext cx="1677960" cy="1494000"/>
+            </p14:xfrm>
+          </p:contentPart>
+        </mc:Choice>
+        <mc:Fallback>
+          <p:pic>
+            <p:nvPicPr>
+              <p:cNvPr id="31" name="Ink 30">
+                <a:extLst>
+                  <a:ext uri="{FF2B5EF4-FFF2-40B4-BE49-F238E27FC236}">
+                    <a16:creationId xmlns:a16="http://schemas.microsoft.com/office/drawing/2014/main" id="{C72FACB9-2AE8-7B36-9D29-DB7A1BE824F3}"/>
+                  </a:ext>
+                </a:extLst>
+              </p:cNvPr>
+              <p:cNvPicPr/>
+              <p:nvPr/>
+            </p:nvPicPr>
+            <p:blipFill>
+              <a:blip r:embed="rId34"/>
+              <a:stretch>
+                <a:fillRect/>
+              </a:stretch>
+            </p:blipFill>
+            <p:spPr>
+              <a:xfrm flipV="1">
+                <a:off x="3113759" y="10791358"/>
+                <a:ext cx="1713592" cy="1529649"/>
+              </a:xfrm>
+              <a:prstGeom prst="rect">
+                <a:avLst/>
+              </a:prstGeom>
+            </p:spPr>
+          </p:pic>
+        </mc:Fallback>
+      </mc:AlternateContent>
+      <mc:AlternateContent xmlns:mc="http://schemas.openxmlformats.org/markup-compatibility/2006">
+        <mc:Choice xmlns:p14="http://schemas.microsoft.com/office/powerpoint/2010/main" Requires="p14">
+          <p:contentPart p14:bwMode="auto" r:id="rId35">
+            <p14:nvContentPartPr>
+              <p14:cNvPr id="32" name="Ink 31">
+                <a:extLst>
+                  <a:ext uri="{FF2B5EF4-FFF2-40B4-BE49-F238E27FC236}">
+                    <a16:creationId xmlns:a16="http://schemas.microsoft.com/office/drawing/2014/main" id="{CB0B2C46-5016-6CEA-DF26-06EB53DCFA82}"/>
+                  </a:ext>
+                </a:extLst>
+              </p14:cNvPr>
+              <p14:cNvContentPartPr/>
+              <p14:nvPr/>
+            </p14:nvContentPartPr>
+            <p14:xfrm flipV="1">
+              <a:off x="7046395" y="10794602"/>
+              <a:ext cx="1677960" cy="1494000"/>
+            </p14:xfrm>
+          </p:contentPart>
+        </mc:Choice>
+        <mc:Fallback>
+          <p:pic>
+            <p:nvPicPr>
+              <p:cNvPr id="32" name="Ink 31">
+                <a:extLst>
+                  <a:ext uri="{FF2B5EF4-FFF2-40B4-BE49-F238E27FC236}">
+                    <a16:creationId xmlns:a16="http://schemas.microsoft.com/office/drawing/2014/main" id="{CB0B2C46-5016-6CEA-DF26-06EB53DCFA82}"/>
+                  </a:ext>
+                </a:extLst>
+              </p:cNvPr>
+              <p:cNvPicPr/>
+              <p:nvPr/>
+            </p:nvPicPr>
+            <p:blipFill>
+              <a:blip r:embed="rId34"/>
+              <a:stretch>
+                <a:fillRect/>
+              </a:stretch>
+            </p:blipFill>
+            <p:spPr>
+              <a:xfrm flipV="1">
+                <a:off x="7028399" y="10776598"/>
+                <a:ext cx="1713592" cy="1529649"/>
+              </a:xfrm>
+              <a:prstGeom prst="rect">
+                <a:avLst/>
+              </a:prstGeom>
+            </p:spPr>
+          </p:pic>
+        </mc:Fallback>
+      </mc:AlternateContent>
+      <mc:AlternateContent xmlns:mc="http://schemas.openxmlformats.org/markup-compatibility/2006">
+        <mc:Choice xmlns:p14="http://schemas.microsoft.com/office/powerpoint/2010/main" Requires="p14">
+          <p:contentPart p14:bwMode="auto" r:id="rId36">
+            <p14:nvContentPartPr>
+              <p14:cNvPr id="33" name="Ink 32">
+                <a:extLst>
+                  <a:ext uri="{FF2B5EF4-FFF2-40B4-BE49-F238E27FC236}">
+                    <a16:creationId xmlns:a16="http://schemas.microsoft.com/office/drawing/2014/main" id="{8E9067B8-B6C8-5EDD-FAFA-CC95F45E6F7D}"/>
+                  </a:ext>
+                </a:extLst>
+              </p14:cNvPr>
+              <p14:cNvContentPartPr/>
+              <p14:nvPr/>
+            </p14:nvContentPartPr>
+            <p14:xfrm flipV="1">
+              <a:off x="5257020" y="12805367"/>
+              <a:ext cx="1677960" cy="1494000"/>
+            </p14:xfrm>
+          </p:contentPart>
+        </mc:Choice>
+        <mc:Fallback>
+          <p:pic>
+            <p:nvPicPr>
+              <p:cNvPr id="33" name="Ink 32">
+                <a:extLst>
+                  <a:ext uri="{FF2B5EF4-FFF2-40B4-BE49-F238E27FC236}">
+                    <a16:creationId xmlns:a16="http://schemas.microsoft.com/office/drawing/2014/main" id="{8E9067B8-B6C8-5EDD-FAFA-CC95F45E6F7D}"/>
+                  </a:ext>
+                </a:extLst>
+              </p:cNvPr>
+              <p:cNvPicPr/>
+              <p:nvPr/>
+            </p:nvPicPr>
+            <p:blipFill>
+              <a:blip r:embed="rId34"/>
+              <a:stretch>
+                <a:fillRect/>
+              </a:stretch>
+            </p:blipFill>
+            <p:spPr>
+              <a:xfrm flipV="1">
+                <a:off x="5239024" y="12787363"/>
+                <a:ext cx="1713592" cy="1529649"/>
+              </a:xfrm>
+              <a:prstGeom prst="rect">
+                <a:avLst/>
+              </a:prstGeom>
+            </p:spPr>
+          </p:pic>
+        </mc:Fallback>
+      </mc:AlternateContent>
+      <p:sp>
+        <p:nvSpPr>
+          <p:cNvPr id="34" name="TextBox 33">
+            <a:extLst>
+              <a:ext uri="{FF2B5EF4-FFF2-40B4-BE49-F238E27FC236}">
+                <a16:creationId xmlns:a16="http://schemas.microsoft.com/office/drawing/2014/main" id="{6FF8F2FA-5F4D-78E4-DDFF-32CA17EBE9EB}"/>
+              </a:ext>
+            </a:extLst>
+          </p:cNvPr>
+          <p:cNvSpPr txBox="1"/>
+          <p:nvPr/>
+        </p:nvSpPr>
+        <p:spPr>
+          <a:xfrm>
+            <a:off x="5231105" y="12988174"/>
+            <a:ext cx="1753437" cy="1200329"/>
+          </a:xfrm>
+          <a:prstGeom prst="rect">
+            <a:avLst/>
+          </a:prstGeom>
+          <a:noFill/>
+        </p:spPr>
+        <p:txBody>
+          <a:bodyPr wrap="square" rtlCol="0">
+            <a:spAutoFit/>
+          </a:bodyPr>
+          <a:lstStyle/>
+          <a:p>
+            <a:pPr algn="ctr"/>
+            <a:r>
+              <a:rPr lang="en-US" sz="2400" dirty="0"/>
+              <a:t>High math interest sample</a:t>
+            </a:r>
+          </a:p>
+        </p:txBody>
+      </p:sp>
+      <p:sp>
+        <p:nvSpPr>
+          <p:cNvPr id="35" name="TextBox 34">
+            <a:extLst>
+              <a:ext uri="{FF2B5EF4-FFF2-40B4-BE49-F238E27FC236}">
+                <a16:creationId xmlns:a16="http://schemas.microsoft.com/office/drawing/2014/main" id="{88C7FE3A-EF74-3FD9-710B-E1594D614D34}"/>
+              </a:ext>
+            </a:extLst>
+          </p:cNvPr>
+          <p:cNvSpPr txBox="1"/>
+          <p:nvPr/>
+        </p:nvSpPr>
+        <p:spPr>
+          <a:xfrm>
+            <a:off x="7255203" y="11121996"/>
+            <a:ext cx="1279541" cy="830997"/>
+          </a:xfrm>
+          <a:prstGeom prst="rect">
+            <a:avLst/>
+          </a:prstGeom>
+          <a:noFill/>
+        </p:spPr>
+        <p:txBody>
+          <a:bodyPr wrap="square" rtlCol="0">
+            <a:spAutoFit/>
+          </a:bodyPr>
+          <a:lstStyle/>
+          <a:p>
+            <a:pPr algn="ctr"/>
+            <a:r>
+              <a:rPr lang="en-US" sz="2400" dirty="0"/>
+              <a:t>Math scores</a:t>
+            </a:r>
+          </a:p>
+        </p:txBody>
+      </p:sp>
+      <p:grpSp>
+        <p:nvGrpSpPr>
+          <p:cNvPr id="39" name="Group 38">
+            <a:extLst>
+              <a:ext uri="{FF2B5EF4-FFF2-40B4-BE49-F238E27FC236}">
+                <a16:creationId xmlns:a16="http://schemas.microsoft.com/office/drawing/2014/main" id="{405C6B43-5796-0FC1-E280-7C652D24C633}"/>
+              </a:ext>
+            </a:extLst>
+          </p:cNvPr>
+          <p:cNvGrpSpPr/>
+          <p:nvPr/>
+        </p:nvGrpSpPr>
+        <p:grpSpPr>
+          <a:xfrm>
+            <a:off x="4711774" y="12146151"/>
+            <a:ext cx="799560" cy="801360"/>
+            <a:chOff x="7949400" y="13623840"/>
+            <a:chExt cx="799560" cy="801360"/>
+          </a:xfrm>
+        </p:grpSpPr>
+        <mc:AlternateContent xmlns:mc="http://schemas.openxmlformats.org/markup-compatibility/2006" xmlns:p14="http://schemas.microsoft.com/office/powerpoint/2010/main">
+          <mc:Choice Requires="p14">
+            <p:contentPart p14:bwMode="auto" r:id="rId37">
+              <p14:nvContentPartPr>
+                <p14:cNvPr id="51" name="Ink 50">
+                  <a:extLst>
+                    <a:ext uri="{FF2B5EF4-FFF2-40B4-BE49-F238E27FC236}">
+                      <a16:creationId xmlns:a16="http://schemas.microsoft.com/office/drawing/2014/main" id="{4D79BD20-6D4C-0E0A-59E1-98EF94249F30}"/>
+                    </a:ext>
+                  </a:extLst>
+                </p14:cNvPr>
+                <p14:cNvContentPartPr/>
+                <p14:nvPr/>
+              </p14:nvContentPartPr>
+              <p14:xfrm>
+                <a:off x="7949400" y="13623840"/>
+                <a:ext cx="799560" cy="776160"/>
+              </p14:xfrm>
+            </p:contentPart>
+          </mc:Choice>
+          <mc:Fallback xmlns="">
+            <p:pic>
+              <p:nvPicPr>
+                <p:cNvPr id="77" name="Ink 76">
+                  <a:extLst>
+                    <a:ext uri="{FF2B5EF4-FFF2-40B4-BE49-F238E27FC236}">
+                      <a16:creationId xmlns:a16="http://schemas.microsoft.com/office/drawing/2014/main" id="{E7B01F4F-223A-E2A8-FF6F-0669387A82F2}"/>
+                    </a:ext>
+                  </a:extLst>
+                </p:cNvPr>
+                <p:cNvPicPr/>
+                <p:nvPr/>
+              </p:nvPicPr>
+              <p:blipFill>
+                <a:blip r:embed="rId40"/>
+                <a:stretch>
+                  <a:fillRect/>
+                </a:stretch>
+              </p:blipFill>
+              <p:spPr>
+                <a:xfrm>
+                  <a:off x="7931760" y="13605840"/>
+                  <a:ext cx="835200" cy="811800"/>
+                </a:xfrm>
+                <a:prstGeom prst="rect">
+                  <a:avLst/>
+                </a:prstGeom>
+              </p:spPr>
+            </p:pic>
+          </mc:Fallback>
+        </mc:AlternateContent>
+        <mc:AlternateContent xmlns:mc="http://schemas.openxmlformats.org/markup-compatibility/2006" xmlns:p14="http://schemas.microsoft.com/office/powerpoint/2010/main">
+          <mc:Choice Requires="p14">
+            <p:contentPart p14:bwMode="auto" r:id="rId41">
+              <p14:nvContentPartPr>
+                <p14:cNvPr id="52" name="Ink 51">
+                  <a:extLst>
+                    <a:ext uri="{FF2B5EF4-FFF2-40B4-BE49-F238E27FC236}">
+                      <a16:creationId xmlns:a16="http://schemas.microsoft.com/office/drawing/2014/main" id="{310BBC08-C6D9-2D10-9FA5-352644CD6D09}"/>
+                    </a:ext>
+                  </a:extLst>
+                </p14:cNvPr>
+                <p14:cNvContentPartPr/>
+                <p14:nvPr/>
+              </p14:nvContentPartPr>
+              <p14:xfrm>
+                <a:off x="8313720" y="14419800"/>
+                <a:ext cx="403200" cy="5400"/>
+              </p14:xfrm>
+            </p:contentPart>
+          </mc:Choice>
+          <mc:Fallback xmlns="">
+            <p:pic>
+              <p:nvPicPr>
+                <p:cNvPr id="78" name="Ink 77">
+                  <a:extLst>
+                    <a:ext uri="{FF2B5EF4-FFF2-40B4-BE49-F238E27FC236}">
+                      <a16:creationId xmlns:a16="http://schemas.microsoft.com/office/drawing/2014/main" id="{3495F0DE-8B34-B03B-F96C-E08642B73660}"/>
+                    </a:ext>
+                  </a:extLst>
+                </p:cNvPr>
+                <p:cNvPicPr/>
+                <p:nvPr/>
+              </p:nvPicPr>
+              <p:blipFill>
+                <a:blip r:embed="rId42"/>
+                <a:stretch>
+                  <a:fillRect/>
+                </a:stretch>
+              </p:blipFill>
+              <p:spPr>
+                <a:xfrm>
+                  <a:off x="8295720" y="14402160"/>
+                  <a:ext cx="438840" cy="41040"/>
+                </a:xfrm>
+                <a:prstGeom prst="rect">
+                  <a:avLst/>
+                </a:prstGeom>
+              </p:spPr>
+            </p:pic>
+          </mc:Fallback>
+        </mc:AlternateContent>
+      </p:grpSp>
+      <p:sp>
+        <p:nvSpPr>
+          <p:cNvPr id="53" name="TextBox 52">
+            <a:extLst>
+              <a:ext uri="{FF2B5EF4-FFF2-40B4-BE49-F238E27FC236}">
+                <a16:creationId xmlns:a16="http://schemas.microsoft.com/office/drawing/2014/main" id="{941CDF26-AED3-8E78-E75C-AA38761C1EC9}"/>
+              </a:ext>
+            </a:extLst>
+          </p:cNvPr>
+          <p:cNvSpPr txBox="1"/>
+          <p:nvPr/>
+        </p:nvSpPr>
+        <p:spPr>
+          <a:xfrm>
+            <a:off x="2862957" y="11120269"/>
+            <a:ext cx="2264619" cy="835382"/>
+          </a:xfrm>
+          <a:prstGeom prst="rect">
+            <a:avLst/>
+          </a:prstGeom>
+          <a:noFill/>
+        </p:spPr>
+        <p:txBody>
+          <a:bodyPr wrap="square" rtlCol="0">
+            <a:spAutoFit/>
+          </a:bodyPr>
+          <a:lstStyle/>
+          <a:p>
+            <a:pPr algn="ctr"/>
+            <a:r>
+              <a:rPr lang="en-US" sz="2400" dirty="0"/>
+              <a:t>Curriculum intervention</a:t>
+            </a:r>
+          </a:p>
+        </p:txBody>
+      </p:sp>
+      <mc:AlternateContent xmlns:mc="http://schemas.openxmlformats.org/markup-compatibility/2006">
+        <mc:Choice xmlns:p14="http://schemas.microsoft.com/office/powerpoint/2010/main" Requires="p14">
+          <p:contentPart p14:bwMode="auto" r:id="rId43">
+            <p14:nvContentPartPr>
+              <p14:cNvPr id="54" name="Ink 53">
+                <a:extLst>
+                  <a:ext uri="{FF2B5EF4-FFF2-40B4-BE49-F238E27FC236}">
+                    <a16:creationId xmlns:a16="http://schemas.microsoft.com/office/drawing/2014/main" id="{A0CCBC47-1AF9-AACA-48AC-4CD475DF1E53}"/>
+                  </a:ext>
+                </a:extLst>
+              </p14:cNvPr>
+              <p14:cNvContentPartPr/>
+              <p14:nvPr/>
+            </p14:nvContentPartPr>
+            <p14:xfrm>
+              <a:off x="4889213" y="11409532"/>
+              <a:ext cx="2156400" cy="337680"/>
+            </p14:xfrm>
+          </p:contentPart>
+        </mc:Choice>
+        <mc:Fallback>
+          <p:pic>
+            <p:nvPicPr>
+              <p:cNvPr id="54" name="Ink 53">
+                <a:extLst>
+                  <a:ext uri="{FF2B5EF4-FFF2-40B4-BE49-F238E27FC236}">
+                    <a16:creationId xmlns:a16="http://schemas.microsoft.com/office/drawing/2014/main" id="{A0CCBC47-1AF9-AACA-48AC-4CD475DF1E53}"/>
+                  </a:ext>
+                </a:extLst>
+              </p:cNvPr>
+              <p:cNvPicPr/>
+              <p:nvPr/>
+            </p:nvPicPr>
+            <p:blipFill>
+              <a:blip r:embed="rId15"/>
+              <a:stretch>
+                <a:fillRect/>
+              </a:stretch>
+            </p:blipFill>
+            <p:spPr>
+              <a:xfrm>
+                <a:off x="4871210" y="11391532"/>
+                <a:ext cx="2192046" cy="373320"/>
+              </a:xfrm>
+              <a:prstGeom prst="rect">
+                <a:avLst/>
+              </a:prstGeom>
+            </p:spPr>
+          </p:pic>
+        </mc:Fallback>
+      </mc:AlternateContent>
+      <p:sp>
+        <p:nvSpPr>
+          <p:cNvPr id="70" name="TextBox 69">
+            <a:extLst>
+              <a:ext uri="{FF2B5EF4-FFF2-40B4-BE49-F238E27FC236}">
+                <a16:creationId xmlns:a16="http://schemas.microsoft.com/office/drawing/2014/main" id="{024B1BCB-7085-34A0-4AD7-1B904FF5BD23}"/>
+              </a:ext>
+            </a:extLst>
+          </p:cNvPr>
+          <p:cNvSpPr txBox="1"/>
+          <p:nvPr/>
+        </p:nvSpPr>
+        <p:spPr>
+          <a:xfrm>
+            <a:off x="4987631" y="10470230"/>
+            <a:ext cx="1901841" cy="830997"/>
+          </a:xfrm>
+          <a:prstGeom prst="rect">
+            <a:avLst/>
+          </a:prstGeom>
+          <a:noFill/>
+        </p:spPr>
+        <p:txBody>
+          <a:bodyPr wrap="square" rtlCol="0">
+            <a:spAutoFit/>
+          </a:bodyPr>
+          <a:lstStyle/>
+          <a:p>
+            <a:pPr algn="ctr"/>
+            <a:r>
+              <a:rPr lang="en-US" sz="2400" dirty="0">
+                <a:latin typeface="Times" pitchFamily="2" charset="0"/>
+              </a:rPr>
+              <a:t>Experimental intervention</a:t>
+            </a:r>
+          </a:p>
+        </p:txBody>
+      </p:sp>
+      <p:grpSp>
+        <p:nvGrpSpPr>
+          <p:cNvPr id="55" name="Group 54">
+            <a:extLst>
+              <a:ext uri="{FF2B5EF4-FFF2-40B4-BE49-F238E27FC236}">
+                <a16:creationId xmlns:a16="http://schemas.microsoft.com/office/drawing/2014/main" id="{C9E66D15-0434-B8B6-5273-20A2E369EFDB}"/>
+              </a:ext>
+            </a:extLst>
+          </p:cNvPr>
+          <p:cNvGrpSpPr/>
+          <p:nvPr/>
+        </p:nvGrpSpPr>
+        <p:grpSpPr>
+          <a:xfrm rot="16200000">
+            <a:off x="6837705" y="12279486"/>
+            <a:ext cx="799560" cy="801360"/>
+            <a:chOff x="7949400" y="13623840"/>
+            <a:chExt cx="799560" cy="801360"/>
+          </a:xfrm>
+        </p:grpSpPr>
+        <mc:AlternateContent xmlns:mc="http://schemas.openxmlformats.org/markup-compatibility/2006" xmlns:p14="http://schemas.microsoft.com/office/powerpoint/2010/main">
+          <mc:Choice Requires="p14">
+            <p:contentPart p14:bwMode="auto" r:id="rId44">
+              <p14:nvContentPartPr>
+                <p14:cNvPr id="71" name="Ink 70">
+                  <a:extLst>
+                    <a:ext uri="{FF2B5EF4-FFF2-40B4-BE49-F238E27FC236}">
+                      <a16:creationId xmlns:a16="http://schemas.microsoft.com/office/drawing/2014/main" id="{C7490D63-B339-5EB0-D807-DC2A6C99807F}"/>
+                    </a:ext>
+                  </a:extLst>
+                </p14:cNvPr>
+                <p14:cNvContentPartPr/>
+                <p14:nvPr/>
+              </p14:nvContentPartPr>
+              <p14:xfrm>
+                <a:off x="7949400" y="13623840"/>
+                <a:ext cx="799560" cy="776160"/>
+              </p14:xfrm>
+            </p:contentPart>
+          </mc:Choice>
+          <mc:Fallback xmlns="">
+            <p:pic>
+              <p:nvPicPr>
+                <p:cNvPr id="77" name="Ink 76">
+                  <a:extLst>
+                    <a:ext uri="{FF2B5EF4-FFF2-40B4-BE49-F238E27FC236}">
+                      <a16:creationId xmlns:a16="http://schemas.microsoft.com/office/drawing/2014/main" id="{E7B01F4F-223A-E2A8-FF6F-0669387A82F2}"/>
+                    </a:ext>
+                  </a:extLst>
+                </p:cNvPr>
+                <p:cNvPicPr/>
+                <p:nvPr/>
+              </p:nvPicPr>
+              <p:blipFill>
+                <a:blip r:embed="rId40"/>
+                <a:stretch>
+                  <a:fillRect/>
+                </a:stretch>
+              </p:blipFill>
+              <p:spPr>
+                <a:xfrm>
+                  <a:off x="7931760" y="13605840"/>
+                  <a:ext cx="835200" cy="811800"/>
+                </a:xfrm>
+                <a:prstGeom prst="rect">
+                  <a:avLst/>
+                </a:prstGeom>
+              </p:spPr>
+            </p:pic>
+          </mc:Fallback>
+        </mc:AlternateContent>
+        <mc:AlternateContent xmlns:mc="http://schemas.openxmlformats.org/markup-compatibility/2006" xmlns:p14="http://schemas.microsoft.com/office/powerpoint/2010/main">
+          <mc:Choice Requires="p14">
+            <p:contentPart p14:bwMode="auto" r:id="rId45">
+              <p14:nvContentPartPr>
+                <p14:cNvPr id="72" name="Ink 71">
+                  <a:extLst>
+                    <a:ext uri="{FF2B5EF4-FFF2-40B4-BE49-F238E27FC236}">
+                      <a16:creationId xmlns:a16="http://schemas.microsoft.com/office/drawing/2014/main" id="{C909C18B-9861-6E1D-3A1F-67E702DD7747}"/>
+                    </a:ext>
+                  </a:extLst>
+                </p14:cNvPr>
+                <p14:cNvContentPartPr/>
+                <p14:nvPr/>
+              </p14:nvContentPartPr>
+              <p14:xfrm>
+                <a:off x="8313720" y="14419800"/>
+                <a:ext cx="403200" cy="5400"/>
+              </p14:xfrm>
+            </p:contentPart>
+          </mc:Choice>
+          <mc:Fallback xmlns="">
+            <p:pic>
+              <p:nvPicPr>
+                <p:cNvPr id="78" name="Ink 77">
+                  <a:extLst>
+                    <a:ext uri="{FF2B5EF4-FFF2-40B4-BE49-F238E27FC236}">
+                      <a16:creationId xmlns:a16="http://schemas.microsoft.com/office/drawing/2014/main" id="{3495F0DE-8B34-B03B-F96C-E08642B73660}"/>
+                    </a:ext>
+                  </a:extLst>
+                </p:cNvPr>
+                <p:cNvPicPr/>
+                <p:nvPr/>
+              </p:nvPicPr>
+              <p:blipFill>
+                <a:blip r:embed="rId42"/>
+                <a:stretch>
+                  <a:fillRect/>
+                </a:stretch>
+              </p:blipFill>
+              <p:spPr>
+                <a:xfrm>
+                  <a:off x="8295720" y="14402160"/>
+                  <a:ext cx="438840" cy="41040"/>
+                </a:xfrm>
+                <a:prstGeom prst="rect">
+                  <a:avLst/>
+                </a:prstGeom>
+              </p:spPr>
+            </p:pic>
+          </mc:Fallback>
+        </mc:AlternateContent>
+      </p:grpSp>
+      <p:sp>
+        <p:nvSpPr>
+          <p:cNvPr id="74" name="TextBox 73">
+            <a:extLst>
+              <a:ext uri="{FF2B5EF4-FFF2-40B4-BE49-F238E27FC236}">
+                <a16:creationId xmlns:a16="http://schemas.microsoft.com/office/drawing/2014/main" id="{74C2F96B-1328-176E-93F4-FFC406BD5A9E}"/>
+              </a:ext>
+            </a:extLst>
+          </p:cNvPr>
+          <p:cNvSpPr txBox="1"/>
+          <p:nvPr/>
+        </p:nvSpPr>
+        <p:spPr>
+          <a:xfrm>
+            <a:off x="7045613" y="13613121"/>
+            <a:ext cx="1901841" cy="1569660"/>
+          </a:xfrm>
+          <a:prstGeom prst="rect">
+            <a:avLst/>
+          </a:prstGeom>
+          <a:noFill/>
+        </p:spPr>
+        <p:txBody>
+          <a:bodyPr wrap="square" rtlCol="0">
+            <a:spAutoFit/>
+          </a:bodyPr>
+          <a:lstStyle/>
+          <a:p>
+            <a:pPr algn="ctr"/>
+            <a:r>
+              <a:rPr lang="en-US" sz="2400" dirty="0">
+                <a:latin typeface="Times" pitchFamily="2" charset="0"/>
+              </a:rPr>
+              <a:t>Confounding through selective attrition</a:t>
+            </a:r>
+          </a:p>
+        </p:txBody>
+      </p:sp>
+    </p:spTree>
+    <p:extLst>
+      <p:ext uri="{BB962C8B-B14F-4D97-AF65-F5344CB8AC3E}">
+        <p14:creationId xmlns:p14="http://schemas.microsoft.com/office/powerpoint/2010/main" val="1093156660"/>
       </p:ext>
     </p:extLst>
   </p:cSld>

--- a/images/intro/money.pptx
+++ b/images/intro/money.pptx
@@ -8255,8 +8255,8 @@
           <a:chExt cx="0" cy="0"/>
         </a:xfrm>
       </p:grpSpPr>
-      <mc:AlternateContent xmlns:mc="http://schemas.openxmlformats.org/markup-compatibility/2006">
-        <mc:Choice xmlns:p14="http://schemas.microsoft.com/office/powerpoint/2010/main" Requires="p14">
+      <mc:AlternateContent xmlns:mc="http://schemas.openxmlformats.org/markup-compatibility/2006" xmlns:p14="http://schemas.microsoft.com/office/powerpoint/2010/main">
+        <mc:Choice Requires="p14">
           <p:contentPart p14:bwMode="auto" r:id="rId2">
             <p14:nvContentPartPr>
               <p14:cNvPr id="37" name="Ink 36">
@@ -8275,7 +8275,7 @@
             </p14:xfrm>
           </p:contentPart>
         </mc:Choice>
-        <mc:Fallback>
+        <mc:Fallback xmlns="">
           <p:pic>
             <p:nvPicPr>
               <p:cNvPr id="37" name="Ink 36">
@@ -8306,8 +8306,8 @@
           </p:pic>
         </mc:Fallback>
       </mc:AlternateContent>
-      <mc:AlternateContent xmlns:mc="http://schemas.openxmlformats.org/markup-compatibility/2006">
-        <mc:Choice xmlns:p14="http://schemas.microsoft.com/office/powerpoint/2010/main" Requires="p14">
+      <mc:AlternateContent xmlns:mc="http://schemas.openxmlformats.org/markup-compatibility/2006" xmlns:p14="http://schemas.microsoft.com/office/powerpoint/2010/main">
+        <mc:Choice Requires="p14">
           <p:contentPart p14:bwMode="auto" r:id="rId4">
             <p14:nvContentPartPr>
               <p14:cNvPr id="40" name="Ink 39">
@@ -8326,7 +8326,7 @@
             </p14:xfrm>
           </p:contentPart>
         </mc:Choice>
-        <mc:Fallback>
+        <mc:Fallback xmlns="">
           <p:pic>
             <p:nvPicPr>
               <p:cNvPr id="40" name="Ink 39">
@@ -8429,8 +8429,8 @@
           </a:p>
         </p:txBody>
       </p:sp>
-      <mc:AlternateContent xmlns:mc="http://schemas.openxmlformats.org/markup-compatibility/2006">
-        <mc:Choice xmlns:p14="http://schemas.microsoft.com/office/powerpoint/2010/main" Requires="p14">
+      <mc:AlternateContent xmlns:mc="http://schemas.openxmlformats.org/markup-compatibility/2006" xmlns:p14="http://schemas.microsoft.com/office/powerpoint/2010/main">
+        <mc:Choice Requires="p14">
           <p:contentPart p14:bwMode="auto" r:id="rId5">
             <p14:nvContentPartPr>
               <p14:cNvPr id="43" name="Ink 42">
@@ -8449,7 +8449,7 @@
             </p14:xfrm>
           </p:contentPart>
         </mc:Choice>
-        <mc:Fallback>
+        <mc:Fallback xmlns="">
           <p:pic>
             <p:nvPicPr>
               <p:cNvPr id="43" name="Ink 42">
@@ -8832,8 +8832,8 @@
           </a:p>
         </p:txBody>
       </p:sp>
-      <mc:AlternateContent xmlns:mc="http://schemas.openxmlformats.org/markup-compatibility/2006">
-        <mc:Choice xmlns:p14="http://schemas.microsoft.com/office/powerpoint/2010/main" Requires="p14">
+      <mc:AlternateContent xmlns:mc="http://schemas.openxmlformats.org/markup-compatibility/2006" xmlns:p14="http://schemas.microsoft.com/office/powerpoint/2010/main">
+        <mc:Choice Requires="p14">
           <p:contentPart p14:bwMode="auto" r:id="rId14">
             <p14:nvContentPartPr>
               <p14:cNvPr id="2" name="Ink 1">
@@ -8852,7 +8852,7 @@
             </p14:xfrm>
           </p:contentPart>
         </mc:Choice>
-        <mc:Fallback>
+        <mc:Fallback xmlns="">
           <p:pic>
             <p:nvPicPr>
               <p:cNvPr id="2" name="Ink 1">
@@ -9180,8 +9180,8 @@
           </mc:Fallback>
         </mc:AlternateContent>
       </p:grpSp>
-      <mc:AlternateContent xmlns:mc="http://schemas.openxmlformats.org/markup-compatibility/2006">
-        <mc:Choice xmlns:p14="http://schemas.microsoft.com/office/powerpoint/2010/main" Requires="p14">
+      <mc:AlternateContent xmlns:mc="http://schemas.openxmlformats.org/markup-compatibility/2006" xmlns:p14="http://schemas.microsoft.com/office/powerpoint/2010/main">
+        <mc:Choice Requires="p14">
           <p:contentPart p14:bwMode="auto" r:id="rId25">
             <p14:nvContentPartPr>
               <p14:cNvPr id="60" name="Ink 59">
@@ -9200,7 +9200,7 @@
             </p14:xfrm>
           </p:contentPart>
         </mc:Choice>
-        <mc:Fallback>
+        <mc:Fallback xmlns="">
           <p:pic>
             <p:nvPicPr>
               <p:cNvPr id="60" name="Ink 59">
@@ -9474,18 +9474,15 @@
             <a:pPr algn="ctr"/>
             <a:r>
               <a:rPr lang="en-US" sz="2400" dirty="0">
-                <a:solidFill>
-                  <a:srgbClr val="FF0000"/>
-                </a:solidFill>
                 <a:latin typeface="Times" pitchFamily="2" charset="0"/>
               </a:rPr>
-              <a:t>Randomization cuts other causal connections </a:t>
+              <a:t>Randomization cuts causal connections </a:t>
             </a:r>
           </a:p>
         </p:txBody>
       </p:sp>
-      <mc:AlternateContent xmlns:mc="http://schemas.openxmlformats.org/markup-compatibility/2006">
-        <mc:Choice xmlns:p14="http://schemas.microsoft.com/office/powerpoint/2010/main" Requires="p14">
+      <mc:AlternateContent xmlns:mc="http://schemas.openxmlformats.org/markup-compatibility/2006" xmlns:p14="http://schemas.microsoft.com/office/powerpoint/2010/main">
+        <mc:Choice Requires="p14">
           <p:contentPart p14:bwMode="auto" r:id="rId33">
             <p14:nvContentPartPr>
               <p14:cNvPr id="31" name="Ink 30">
@@ -9504,7 +9501,7 @@
             </p14:xfrm>
           </p:contentPart>
         </mc:Choice>
-        <mc:Fallback>
+        <mc:Fallback xmlns="">
           <p:pic>
             <p:nvPicPr>
               <p:cNvPr id="31" name="Ink 30">
@@ -9535,8 +9532,8 @@
           </p:pic>
         </mc:Fallback>
       </mc:AlternateContent>
-      <mc:AlternateContent xmlns:mc="http://schemas.openxmlformats.org/markup-compatibility/2006">
-        <mc:Choice xmlns:p14="http://schemas.microsoft.com/office/powerpoint/2010/main" Requires="p14">
+      <mc:AlternateContent xmlns:mc="http://schemas.openxmlformats.org/markup-compatibility/2006" xmlns:p14="http://schemas.microsoft.com/office/powerpoint/2010/main">
+        <mc:Choice Requires="p14">
           <p:contentPart p14:bwMode="auto" r:id="rId35">
             <p14:nvContentPartPr>
               <p14:cNvPr id="32" name="Ink 31">
@@ -9555,7 +9552,7 @@
             </p14:xfrm>
           </p:contentPart>
         </mc:Choice>
-        <mc:Fallback>
+        <mc:Fallback xmlns="">
           <p:pic>
             <p:nvPicPr>
               <p:cNvPr id="32" name="Ink 31">
@@ -9586,8 +9583,8 @@
           </p:pic>
         </mc:Fallback>
       </mc:AlternateContent>
-      <mc:AlternateContent xmlns:mc="http://schemas.openxmlformats.org/markup-compatibility/2006">
-        <mc:Choice xmlns:p14="http://schemas.microsoft.com/office/powerpoint/2010/main" Requires="p14">
+      <mc:AlternateContent xmlns:mc="http://schemas.openxmlformats.org/markup-compatibility/2006" xmlns:p14="http://schemas.microsoft.com/office/powerpoint/2010/main">
+        <mc:Choice Requires="p14">
           <p:contentPart p14:bwMode="auto" r:id="rId36">
             <p14:nvContentPartPr>
               <p14:cNvPr id="33" name="Ink 32">
@@ -9606,7 +9603,7 @@
             </p14:xfrm>
           </p:contentPart>
         </mc:Choice>
-        <mc:Fallback>
+        <mc:Fallback xmlns="">
           <p:pic>
             <p:nvPicPr>
               <p:cNvPr id="33" name="Ink 32">
@@ -9709,8 +9706,8 @@
           </a:p>
         </p:txBody>
       </p:sp>
-      <mc:AlternateContent xmlns:mc="http://schemas.openxmlformats.org/markup-compatibility/2006">
-        <mc:Choice xmlns:p14="http://schemas.microsoft.com/office/powerpoint/2010/main" Requires="p14">
+      <mc:AlternateContent xmlns:mc="http://schemas.openxmlformats.org/markup-compatibility/2006" xmlns:p14="http://schemas.microsoft.com/office/powerpoint/2010/main">
+        <mc:Choice Requires="p14">
           <p:contentPart p14:bwMode="auto" r:id="rId37">
             <p14:nvContentPartPr>
               <p14:cNvPr id="36" name="Ink 35">
@@ -9729,7 +9726,7 @@
             </p14:xfrm>
           </p:contentPart>
         </mc:Choice>
-        <mc:Fallback>
+        <mc:Fallback xmlns="">
           <p:pic>
             <p:nvPicPr>
               <p:cNvPr id="36" name="Ink 35">
@@ -9760,8 +9757,8 @@
           </p:pic>
         </mc:Fallback>
       </mc:AlternateContent>
-      <mc:AlternateContent xmlns:mc="http://schemas.openxmlformats.org/markup-compatibility/2006">
-        <mc:Choice xmlns:p14="http://schemas.microsoft.com/office/powerpoint/2010/main" Requires="p14">
+      <mc:AlternateContent xmlns:mc="http://schemas.openxmlformats.org/markup-compatibility/2006" xmlns:p14="http://schemas.microsoft.com/office/powerpoint/2010/main">
+        <mc:Choice Requires="p14">
           <p:contentPart p14:bwMode="auto" r:id="rId39">
             <p14:nvContentPartPr>
               <p14:cNvPr id="38" name="Ink 37">
@@ -9780,7 +9777,7 @@
             </p14:xfrm>
           </p:contentPart>
         </mc:Choice>
-        <mc:Fallback>
+        <mc:Fallback xmlns="">
           <p:pic>
             <p:nvPicPr>
               <p:cNvPr id="38" name="Ink 37">
@@ -9970,8 +9967,8 @@
           </a:p>
         </p:txBody>
       </p:sp>
-      <mc:AlternateContent xmlns:mc="http://schemas.openxmlformats.org/markup-compatibility/2006">
-        <mc:Choice xmlns:p14="http://schemas.microsoft.com/office/powerpoint/2010/main" Requires="p14">
+      <mc:AlternateContent xmlns:mc="http://schemas.openxmlformats.org/markup-compatibility/2006" xmlns:p14="http://schemas.microsoft.com/office/powerpoint/2010/main">
+        <mc:Choice Requires="p14">
           <p:contentPart p14:bwMode="auto" r:id="rId45">
             <p14:nvContentPartPr>
               <p14:cNvPr id="54" name="Ink 53">
@@ -9990,7 +9987,7 @@
             </p14:xfrm>
           </p:contentPart>
         </mc:Choice>
-        <mc:Fallback>
+        <mc:Fallback xmlns="">
           <p:pic>
             <p:nvPicPr>
               <p:cNvPr id="54" name="Ink 53">
@@ -10195,8 +10192,8 @@
           </mc:Fallback>
         </mc:AlternateContent>
       </p:grpSp>
-      <mc:AlternateContent xmlns:mc="http://schemas.openxmlformats.org/markup-compatibility/2006">
-        <mc:Choice xmlns:p14="http://schemas.microsoft.com/office/powerpoint/2010/main" Requires="p14">
+      <mc:AlternateContent xmlns:mc="http://schemas.openxmlformats.org/markup-compatibility/2006" xmlns:p14="http://schemas.microsoft.com/office/powerpoint/2010/main">
+        <mc:Choice Requires="p14">
           <p:contentPart p14:bwMode="auto" r:id="rId49">
             <p14:nvContentPartPr>
               <p14:cNvPr id="65" name="Ink 64">
@@ -10215,7 +10212,7 @@
             </p14:xfrm>
           </p:contentPart>
         </mc:Choice>
-        <mc:Fallback>
+        <mc:Fallback xmlns="">
           <p:pic>
             <p:nvPicPr>
               <p:cNvPr id="65" name="Ink 64">
@@ -11758,7 +11755,19 @@
               <a:rPr lang="en-US" sz="2400" dirty="0">
                 <a:latin typeface="Times" pitchFamily="2" charset="0"/>
               </a:rPr>
-              <a:t>Randomization removes other unknown confounds</a:t>
+              <a:t>Randomization removes </a:t>
+            </a:r>
+            <a:r>
+              <a:rPr lang="en-US" sz="2400" b="1" dirty="0">
+                <a:latin typeface="Times" pitchFamily="2" charset="0"/>
+              </a:rPr>
+              <a:t>all </a:t>
+            </a:r>
+            <a:r>
+              <a:rPr lang="en-US" sz="2400" dirty="0">
+                <a:latin typeface="Times" pitchFamily="2" charset="0"/>
+              </a:rPr>
+              <a:t>unknown confounds</a:t>
             </a:r>
           </a:p>
         </p:txBody>
@@ -12396,8 +12405,8 @@
           <a:chExt cx="0" cy="0"/>
         </a:xfrm>
       </p:grpSpPr>
-      <mc:AlternateContent xmlns:mc="http://schemas.openxmlformats.org/markup-compatibility/2006">
-        <mc:Choice xmlns:p14="http://schemas.microsoft.com/office/powerpoint/2010/main" Requires="p14">
+      <mc:AlternateContent xmlns:mc="http://schemas.openxmlformats.org/markup-compatibility/2006" xmlns:p14="http://schemas.microsoft.com/office/powerpoint/2010/main">
+        <mc:Choice Requires="p14">
           <p:contentPart p14:bwMode="auto" r:id="rId2">
             <p14:nvContentPartPr>
               <p14:cNvPr id="37" name="Ink 36">
@@ -12416,7 +12425,7 @@
             </p14:xfrm>
           </p:contentPart>
         </mc:Choice>
-        <mc:Fallback>
+        <mc:Fallback xmlns="">
           <p:pic>
             <p:nvPicPr>
               <p:cNvPr id="37" name="Ink 36">
@@ -12447,8 +12456,8 @@
           </p:pic>
         </mc:Fallback>
       </mc:AlternateContent>
-      <mc:AlternateContent xmlns:mc="http://schemas.openxmlformats.org/markup-compatibility/2006">
-        <mc:Choice xmlns:p14="http://schemas.microsoft.com/office/powerpoint/2010/main" Requires="p14">
+      <mc:AlternateContent xmlns:mc="http://schemas.openxmlformats.org/markup-compatibility/2006" xmlns:p14="http://schemas.microsoft.com/office/powerpoint/2010/main">
+        <mc:Choice Requires="p14">
           <p:contentPart p14:bwMode="auto" r:id="rId4">
             <p14:nvContentPartPr>
               <p14:cNvPr id="40" name="Ink 39">
@@ -12467,7 +12476,7 @@
             </p14:xfrm>
           </p:contentPart>
         </mc:Choice>
-        <mc:Fallback>
+        <mc:Fallback xmlns="">
           <p:pic>
             <p:nvPicPr>
               <p:cNvPr id="40" name="Ink 39">
@@ -12570,8 +12579,8 @@
           </a:p>
         </p:txBody>
       </p:sp>
-      <mc:AlternateContent xmlns:mc="http://schemas.openxmlformats.org/markup-compatibility/2006">
-        <mc:Choice xmlns:p14="http://schemas.microsoft.com/office/powerpoint/2010/main" Requires="p14">
+      <mc:AlternateContent xmlns:mc="http://schemas.openxmlformats.org/markup-compatibility/2006" xmlns:p14="http://schemas.microsoft.com/office/powerpoint/2010/main">
+        <mc:Choice Requires="p14">
           <p:contentPart p14:bwMode="auto" r:id="rId5">
             <p14:nvContentPartPr>
               <p14:cNvPr id="43" name="Ink 42">
@@ -12590,7 +12599,7 @@
             </p14:xfrm>
           </p:contentPart>
         </mc:Choice>
-        <mc:Fallback>
+        <mc:Fallback xmlns="">
           <p:pic>
             <p:nvPicPr>
               <p:cNvPr id="43" name="Ink 42">
@@ -12973,8 +12982,8 @@
           </a:p>
         </p:txBody>
       </p:sp>
-      <mc:AlternateContent xmlns:mc="http://schemas.openxmlformats.org/markup-compatibility/2006">
-        <mc:Choice xmlns:p14="http://schemas.microsoft.com/office/powerpoint/2010/main" Requires="p14">
+      <mc:AlternateContent xmlns:mc="http://schemas.openxmlformats.org/markup-compatibility/2006" xmlns:p14="http://schemas.microsoft.com/office/powerpoint/2010/main">
+        <mc:Choice Requires="p14">
           <p:contentPart p14:bwMode="auto" r:id="rId14">
             <p14:nvContentPartPr>
               <p14:cNvPr id="2" name="Ink 1">
@@ -12993,7 +13002,7 @@
             </p14:xfrm>
           </p:contentPart>
         </mc:Choice>
-        <mc:Fallback>
+        <mc:Fallback xmlns="">
           <p:pic>
             <p:nvPicPr>
               <p:cNvPr id="2" name="Ink 1">
@@ -13321,8 +13330,8 @@
           </mc:Fallback>
         </mc:AlternateContent>
       </p:grpSp>
-      <mc:AlternateContent xmlns:mc="http://schemas.openxmlformats.org/markup-compatibility/2006">
-        <mc:Choice xmlns:p14="http://schemas.microsoft.com/office/powerpoint/2010/main" Requires="p14">
+      <mc:AlternateContent xmlns:mc="http://schemas.openxmlformats.org/markup-compatibility/2006" xmlns:p14="http://schemas.microsoft.com/office/powerpoint/2010/main">
+        <mc:Choice Requires="p14">
           <p:contentPart p14:bwMode="auto" r:id="rId25">
             <p14:nvContentPartPr>
               <p14:cNvPr id="60" name="Ink 59">
@@ -13341,7 +13350,7 @@
             </p14:xfrm>
           </p:contentPart>
         </mc:Choice>
-        <mc:Fallback>
+        <mc:Fallback xmlns="">
           <p:pic>
             <p:nvPicPr>
               <p:cNvPr id="60" name="Ink 59">
@@ -13625,8 +13634,8 @@
           </a:p>
         </p:txBody>
       </p:sp>
-      <mc:AlternateContent xmlns:mc="http://schemas.openxmlformats.org/markup-compatibility/2006">
-        <mc:Choice xmlns:p14="http://schemas.microsoft.com/office/powerpoint/2010/main" Requires="p14">
+      <mc:AlternateContent xmlns:mc="http://schemas.openxmlformats.org/markup-compatibility/2006" xmlns:p14="http://schemas.microsoft.com/office/powerpoint/2010/main">
+        <mc:Choice Requires="p14">
           <p:contentPart p14:bwMode="auto" r:id="rId33">
             <p14:nvContentPartPr>
               <p14:cNvPr id="31" name="Ink 30">
@@ -13645,7 +13654,7 @@
             </p14:xfrm>
           </p:contentPart>
         </mc:Choice>
-        <mc:Fallback>
+        <mc:Fallback xmlns="">
           <p:pic>
             <p:nvPicPr>
               <p:cNvPr id="31" name="Ink 30">
@@ -13676,8 +13685,8 @@
           </p:pic>
         </mc:Fallback>
       </mc:AlternateContent>
-      <mc:AlternateContent xmlns:mc="http://schemas.openxmlformats.org/markup-compatibility/2006">
-        <mc:Choice xmlns:p14="http://schemas.microsoft.com/office/powerpoint/2010/main" Requires="p14">
+      <mc:AlternateContent xmlns:mc="http://schemas.openxmlformats.org/markup-compatibility/2006" xmlns:p14="http://schemas.microsoft.com/office/powerpoint/2010/main">
+        <mc:Choice Requires="p14">
           <p:contentPart p14:bwMode="auto" r:id="rId35">
             <p14:nvContentPartPr>
               <p14:cNvPr id="32" name="Ink 31">
@@ -13696,7 +13705,7 @@
             </p14:xfrm>
           </p:contentPart>
         </mc:Choice>
-        <mc:Fallback>
+        <mc:Fallback xmlns="">
           <p:pic>
             <p:nvPicPr>
               <p:cNvPr id="32" name="Ink 31">
@@ -13727,8 +13736,8 @@
           </p:pic>
         </mc:Fallback>
       </mc:AlternateContent>
-      <mc:AlternateContent xmlns:mc="http://schemas.openxmlformats.org/markup-compatibility/2006">
-        <mc:Choice xmlns:p14="http://schemas.microsoft.com/office/powerpoint/2010/main" Requires="p14">
+      <mc:AlternateContent xmlns:mc="http://schemas.openxmlformats.org/markup-compatibility/2006" xmlns:p14="http://schemas.microsoft.com/office/powerpoint/2010/main">
+        <mc:Choice Requires="p14">
           <p:contentPart p14:bwMode="auto" r:id="rId36">
             <p14:nvContentPartPr>
               <p14:cNvPr id="33" name="Ink 32">
@@ -13747,7 +13756,7 @@
             </p14:xfrm>
           </p:contentPart>
         </mc:Choice>
-        <mc:Fallback>
+        <mc:Fallback xmlns="">
           <p:pic>
             <p:nvPicPr>
               <p:cNvPr id="33" name="Ink 32">
@@ -14009,8 +14018,8 @@
           </a:p>
         </p:txBody>
       </p:sp>
-      <mc:AlternateContent xmlns:mc="http://schemas.openxmlformats.org/markup-compatibility/2006">
-        <mc:Choice xmlns:p14="http://schemas.microsoft.com/office/powerpoint/2010/main" Requires="p14">
+      <mc:AlternateContent xmlns:mc="http://schemas.openxmlformats.org/markup-compatibility/2006" xmlns:p14="http://schemas.microsoft.com/office/powerpoint/2010/main">
+        <mc:Choice Requires="p14">
           <p:contentPart p14:bwMode="auto" r:id="rId43">
             <p14:nvContentPartPr>
               <p14:cNvPr id="54" name="Ink 53">
@@ -14029,7 +14038,7 @@
             </p14:xfrm>
           </p:contentPart>
         </mc:Choice>
-        <mc:Fallback>
+        <mc:Fallback xmlns="">
           <p:pic>
             <p:nvPicPr>
               <p:cNvPr id="54" name="Ink 53">
